--- a/Posterideen.pptx
+++ b/Posterideen.pptx
@@ -5,20 +5,21 @@
     <p:sldMasterId id="2147483684" r:id="rId1"/>
   </p:sldMasterIdLst>
   <p:notesMasterIdLst>
-    <p:notesMasterId r:id="rId13"/>
+    <p:notesMasterId r:id="rId14"/>
   </p:notesMasterIdLst>
   <p:sldIdLst>
     <p:sldId id="257" r:id="rId2"/>
-    <p:sldId id="276" r:id="rId3"/>
+    <p:sldId id="278" r:id="rId3"/>
     <p:sldId id="275" r:id="rId4"/>
-    <p:sldId id="274" r:id="rId5"/>
-    <p:sldId id="270" r:id="rId6"/>
-    <p:sldId id="272" r:id="rId7"/>
-    <p:sldId id="271" r:id="rId8"/>
-    <p:sldId id="263" r:id="rId9"/>
-    <p:sldId id="262" r:id="rId10"/>
-    <p:sldId id="260" r:id="rId11"/>
-    <p:sldId id="258" r:id="rId12"/>
+    <p:sldId id="277" r:id="rId5"/>
+    <p:sldId id="274" r:id="rId6"/>
+    <p:sldId id="270" r:id="rId7"/>
+    <p:sldId id="272" r:id="rId8"/>
+    <p:sldId id="271" r:id="rId9"/>
+    <p:sldId id="263" r:id="rId10"/>
+    <p:sldId id="262" r:id="rId11"/>
+    <p:sldId id="260" r:id="rId12"/>
+    <p:sldId id="258" r:id="rId13"/>
   </p:sldIdLst>
   <p:sldSz cx="30275213" cy="42803763"/>
   <p:notesSz cx="6858000" cy="9144000"/>
@@ -4180,7 +4181,7 @@
         <p:cNvPr id="1" name="">
           <a:extLst>
             <a:ext uri="{FF2B5EF4-FFF2-40B4-BE49-F238E27FC236}">
-              <a16:creationId xmlns:a16="http://schemas.microsoft.com/office/drawing/2014/main" id="{EDD1FACE-BD14-A6BC-5DFF-DBB56ED83F7D}"/>
+              <a16:creationId xmlns:a16="http://schemas.microsoft.com/office/drawing/2014/main" id="{513BFE7F-0E7B-E710-C823-7E99A3D507DC}"/>
             </a:ext>
           </a:extLst>
         </p:cNvPr>
@@ -4200,7 +4201,7 @@
           <p:cNvPr id="9" name="Picture 8">
             <a:extLst>
               <a:ext uri="{FF2B5EF4-FFF2-40B4-BE49-F238E27FC236}">
-                <a16:creationId xmlns:a16="http://schemas.microsoft.com/office/drawing/2014/main" id="{6F7DD403-B70A-F5C2-3609-3BB7AF16A2A8}"/>
+                <a16:creationId xmlns:a16="http://schemas.microsoft.com/office/drawing/2014/main" id="{27175357-617B-F7FB-6E04-8138D148B9D1}"/>
               </a:ext>
             </a:extLst>
           </p:cNvPr>
@@ -4230,7 +4231,7 @@
           <p:cNvPr id="11" name="Picture 10">
             <a:extLst>
               <a:ext uri="{FF2B5EF4-FFF2-40B4-BE49-F238E27FC236}">
-                <a16:creationId xmlns:a16="http://schemas.microsoft.com/office/drawing/2014/main" id="{5814D88D-4756-F6B3-8A87-61E0E90105FB}"/>
+                <a16:creationId xmlns:a16="http://schemas.microsoft.com/office/drawing/2014/main" id="{5447D4E8-6D98-A608-D4A1-D10D8308C658}"/>
               </a:ext>
             </a:extLst>
           </p:cNvPr>
@@ -4260,7 +4261,7 @@
           <p:cNvPr id="4" name="Titel 1">
             <a:extLst>
               <a:ext uri="{FF2B5EF4-FFF2-40B4-BE49-F238E27FC236}">
-                <a16:creationId xmlns:a16="http://schemas.microsoft.com/office/drawing/2014/main" id="{1D99515C-09A3-D081-0F16-3B4603AAFF17}"/>
+                <a16:creationId xmlns:a16="http://schemas.microsoft.com/office/drawing/2014/main" id="{5182FA33-332F-9DEF-3B43-D6CFE0F0B487}"/>
               </a:ext>
             </a:extLst>
           </p:cNvPr>
@@ -4293,51 +4294,10 @@
       </p:sp>
       <p:sp>
         <p:nvSpPr>
-          <p:cNvPr id="2" name="Untertitel 2">
-            <a:extLst>
-              <a:ext uri="{FF2B5EF4-FFF2-40B4-BE49-F238E27FC236}">
-                <a16:creationId xmlns:a16="http://schemas.microsoft.com/office/drawing/2014/main" id="{93D884B7-4287-4014-CA37-FACB7804637B}"/>
-              </a:ext>
-            </a:extLst>
-          </p:cNvPr>
-          <p:cNvSpPr>
-            <a:spLocks noGrp="1"/>
-          </p:cNvSpPr>
-          <p:nvPr>
-            <p:ph type="subTitle" idx="1"/>
-          </p:nvPr>
-        </p:nvSpPr>
-        <p:spPr>
-          <a:xfrm>
-            <a:off x="800100" y="5675366"/>
-            <a:ext cx="28612006" cy="36424266"/>
-          </a:xfrm>
-          <a:noFill/>
-          <a:ln>
-            <a:solidFill>
-              <a:schemeClr val="tx1"/>
-            </a:solidFill>
-          </a:ln>
-        </p:spPr>
-        <p:txBody>
-          <a:bodyPr>
-            <a:normAutofit/>
-          </a:bodyPr>
-          <a:lstStyle/>
-          <a:p>
-            <a:r>
-              <a:rPr lang="de-DE" sz="100" dirty="0"/>
-              <a:t>.</a:t>
-            </a:r>
-          </a:p>
-        </p:txBody>
-      </p:sp>
-      <p:sp>
-        <p:nvSpPr>
           <p:cNvPr id="26" name="Titel 1">
             <a:extLst>
               <a:ext uri="{FF2B5EF4-FFF2-40B4-BE49-F238E27FC236}">
-                <a16:creationId xmlns:a16="http://schemas.microsoft.com/office/drawing/2014/main" id="{042A9CAA-36C6-F63E-6832-733621510C4C}"/>
+                <a16:creationId xmlns:a16="http://schemas.microsoft.com/office/drawing/2014/main" id="{401F74FC-BC80-1087-9AD6-F0A68E308053}"/>
               </a:ext>
             </a:extLst>
           </p:cNvPr>
@@ -4413,6 +4373,1203 @@
           </a:p>
         </p:txBody>
       </p:sp>
+      <p:sp>
+        <p:nvSpPr>
+          <p:cNvPr id="20" name="TextBox 19">
+            <a:extLst>
+              <a:ext uri="{FF2B5EF4-FFF2-40B4-BE49-F238E27FC236}">
+                <a16:creationId xmlns:a16="http://schemas.microsoft.com/office/drawing/2014/main" id="{9E63F4EF-6E2A-92FF-8F86-E31B8DA09B14}"/>
+              </a:ext>
+            </a:extLst>
+          </p:cNvPr>
+          <p:cNvSpPr txBox="1"/>
+          <p:nvPr/>
+        </p:nvSpPr>
+        <p:spPr>
+          <a:xfrm>
+            <a:off x="1105371" y="6035818"/>
+            <a:ext cx="27697639" cy="7925246"/>
+          </a:xfrm>
+          <a:prstGeom prst="rect">
+            <a:avLst/>
+          </a:prstGeom>
+          <a:noFill/>
+          <a:ln>
+            <a:solidFill>
+              <a:srgbClr val="D5D5D5"/>
+            </a:solidFill>
+          </a:ln>
+        </p:spPr>
+        <p:txBody>
+          <a:bodyPr wrap="square">
+            <a:spAutoFit/>
+          </a:bodyPr>
+          <a:lstStyle/>
+          <a:p>
+            <a:r>
+              <a:rPr lang="en-US" sz="4000" b="1" dirty="0"/>
+              <a:t>Identifying RNA-Dependent Proteins from Proteomic Data</a:t>
+            </a:r>
+          </a:p>
+          <a:p>
+            <a:r>
+              <a:rPr lang="en-US" sz="500" b="1" dirty="0"/>
+              <a:t> </a:t>
+            </a:r>
+            <a:r>
+              <a:rPr lang="en-US" sz="200" b="1" dirty="0"/>
+              <a:t> </a:t>
+            </a:r>
+            <a:endParaRPr lang="en-US" sz="500" dirty="0"/>
+          </a:p>
+          <a:p>
+            <a:pPr marL="457200" indent="-457200">
+              <a:buFont typeface="Arial" panose="020B0604020202020204" pitchFamily="34" charset="0"/>
+              <a:buChar char="•"/>
+            </a:pPr>
+            <a:r>
+              <a:rPr lang="de-DE" sz="2800" dirty="0"/>
+              <a:t>„We want to </a:t>
+            </a:r>
+            <a:r>
+              <a:rPr lang="en-US" sz="2800" dirty="0"/>
+              <a:t>extract RNA-dependent proteins from proteomic screens”</a:t>
+            </a:r>
+            <a:endParaRPr lang="de-DE" sz="2800" dirty="0"/>
+          </a:p>
+          <a:p>
+            <a:pPr marL="457200" indent="-457200">
+              <a:buFont typeface="Arial" panose="020B0604020202020204" pitchFamily="34" charset="0"/>
+              <a:buChar char="•"/>
+            </a:pPr>
+            <a:r>
+              <a:rPr lang="de-DE" sz="2800" dirty="0"/>
+              <a:t>„RNA-dependency = the proteins interactome depends on RNA“</a:t>
+            </a:r>
+          </a:p>
+          <a:p>
+            <a:endParaRPr lang="en-US" sz="3200" b="1" dirty="0"/>
+          </a:p>
+          <a:p>
+            <a:r>
+              <a:rPr lang="en-US" sz="3200" b="1" dirty="0"/>
+              <a:t>What Makes RNA-Dependent Proteins Worth Investigating?</a:t>
+            </a:r>
+          </a:p>
+          <a:p>
+            <a:pPr marL="457200" indent="-457200">
+              <a:buFont typeface="Arial" panose="020B0604020202020204" pitchFamily="34" charset="0"/>
+              <a:buChar char="•"/>
+            </a:pPr>
+            <a:r>
+              <a:rPr lang="de-DE" sz="2800" b="1" dirty="0"/>
+              <a:t>Key Regulators:</a:t>
+            </a:r>
+            <a:r>
+              <a:rPr lang="de-DE" sz="2800" dirty="0"/>
+              <a:t> RBPs control RNA metabolism &amp; gene expression.</a:t>
+            </a:r>
+          </a:p>
+          <a:p>
+            <a:pPr marL="457200" indent="-457200">
+              <a:buFont typeface="Arial" panose="020B0604020202020204" pitchFamily="34" charset="0"/>
+              <a:buChar char="•"/>
+            </a:pPr>
+            <a:r>
+              <a:rPr lang="de-DE" sz="2800" b="1" dirty="0"/>
+              <a:t>Disease Links:</a:t>
+            </a:r>
+            <a:r>
+              <a:rPr lang="de-DE" sz="2800" dirty="0"/>
+              <a:t> Misregulation is tied to cancer &amp; neurodegeneration.</a:t>
+            </a:r>
+          </a:p>
+          <a:p>
+            <a:pPr marL="457200" indent="-457200">
+              <a:buFont typeface="Arial" panose="020B0604020202020204" pitchFamily="34" charset="0"/>
+              <a:buChar char="•"/>
+            </a:pPr>
+            <a:r>
+              <a:rPr lang="de-DE" sz="2800" b="1" dirty="0"/>
+              <a:t>Functional Clues:</a:t>
+            </a:r>
+            <a:r>
+              <a:rPr lang="de-DE" sz="2800" dirty="0"/>
+              <a:t> New RBPs hint at RNA’s role in specific pathways.</a:t>
+            </a:r>
+          </a:p>
+          <a:p>
+            <a:pPr marL="457200" indent="-457200">
+              <a:buFont typeface="Arial" panose="020B0604020202020204" pitchFamily="34" charset="0"/>
+              <a:buChar char="•"/>
+            </a:pPr>
+            <a:r>
+              <a:rPr lang="de-DE" sz="2800" b="1" dirty="0"/>
+              <a:t>Interaction Networks:</a:t>
+            </a:r>
+            <a:r>
+              <a:rPr lang="de-DE" sz="2800" dirty="0"/>
+              <a:t> Mapping RNA-protein complexes reveals regulatory logic. </a:t>
+            </a:r>
+          </a:p>
+          <a:p>
+            <a:pPr marL="457200" indent="-457200">
+              <a:buFont typeface="Arial" panose="020B0604020202020204" pitchFamily="34" charset="0"/>
+              <a:buChar char="•"/>
+            </a:pPr>
+            <a:r>
+              <a:rPr lang="de-DE" sz="2800" b="1" dirty="0"/>
+              <a:t>Molecular Insights:</a:t>
+            </a:r>
+            <a:r>
+              <a:rPr lang="de-DE" sz="2800" dirty="0"/>
+              <a:t> Deepens our understanding of cell cycle and cellular behavior.</a:t>
+            </a:r>
+          </a:p>
+          <a:p>
+            <a:pPr marL="457200" indent="-457200">
+              <a:buFont typeface="Arial" panose="020B0604020202020204" pitchFamily="34" charset="0"/>
+              <a:buChar char="•"/>
+            </a:pPr>
+            <a:endParaRPr lang="de-DE" sz="3200" dirty="0"/>
+          </a:p>
+          <a:p>
+            <a:r>
+              <a:rPr lang="en-US" sz="3200" b="1" dirty="0"/>
+              <a:t>Key Characteristics of Our Dataset</a:t>
+            </a:r>
+            <a:endParaRPr lang="de-DE" sz="2400" b="1" dirty="0"/>
+          </a:p>
+          <a:p>
+            <a:pPr marL="457200" indent="-457200">
+              <a:buFont typeface="Arial" panose="020B0604020202020204" pitchFamily="34" charset="0"/>
+              <a:buChar char="•"/>
+            </a:pPr>
+            <a:r>
+              <a:rPr lang="en-US" sz="2800" dirty="0"/>
+              <a:t>Our dataset was generated using the R-Deep approach</a:t>
+            </a:r>
+          </a:p>
+          <a:p>
+            <a:pPr marL="457200" indent="-457200">
+              <a:buFont typeface="Arial" panose="020B0604020202020204" pitchFamily="34" charset="0"/>
+              <a:buChar char="•"/>
+            </a:pPr>
+            <a:r>
+              <a:rPr lang="de-DE" sz="2800" dirty="0"/>
+              <a:t>~5000 Proteine in 25 Fraktionen, Rnase vs. CTRL</a:t>
+            </a:r>
+            <a:endParaRPr lang="en-US" sz="2800" dirty="0"/>
+          </a:p>
+          <a:p>
+            <a:pPr marL="457200" indent="-457200">
+              <a:buFont typeface="Arial" panose="020B0604020202020204" pitchFamily="34" charset="0"/>
+              <a:buChar char="•"/>
+            </a:pPr>
+            <a:r>
+              <a:rPr lang="en-US" sz="2800" dirty="0"/>
+              <a:t>Dimensions</a:t>
+            </a:r>
+          </a:p>
+          <a:p>
+            <a:endParaRPr lang="en-US" sz="2800" b="1" dirty="0"/>
+          </a:p>
+          <a:p>
+            <a:endParaRPr lang="en-US" sz="2800" b="1" dirty="0"/>
+          </a:p>
+        </p:txBody>
+      </p:sp>
+      <p:sp>
+        <p:nvSpPr>
+          <p:cNvPr id="3" name="TextBox 2">
+            <a:extLst>
+              <a:ext uri="{FF2B5EF4-FFF2-40B4-BE49-F238E27FC236}">
+                <a16:creationId xmlns:a16="http://schemas.microsoft.com/office/drawing/2014/main" id="{D187C595-D787-B69C-9599-02920619ECC7}"/>
+              </a:ext>
+            </a:extLst>
+          </p:cNvPr>
+          <p:cNvSpPr txBox="1"/>
+          <p:nvPr/>
+        </p:nvSpPr>
+        <p:spPr>
+          <a:xfrm>
+            <a:off x="1105371" y="14356324"/>
+            <a:ext cx="27697639" cy="13819168"/>
+          </a:xfrm>
+          <a:prstGeom prst="rect">
+            <a:avLst/>
+          </a:prstGeom>
+          <a:noFill/>
+          <a:ln>
+            <a:solidFill>
+              <a:srgbClr val="D5D5D5"/>
+            </a:solidFill>
+          </a:ln>
+        </p:spPr>
+        <p:txBody>
+          <a:bodyPr wrap="square">
+            <a:spAutoFit/>
+          </a:bodyPr>
+          <a:lstStyle/>
+          <a:p>
+            <a:r>
+              <a:rPr lang="en-US" sz="3400" b="1" dirty="0"/>
+              <a:t>Data preparation</a:t>
+            </a:r>
+          </a:p>
+          <a:p>
+            <a:pPr marL="457200" indent="-457200">
+              <a:buFont typeface="Arial" panose="020B0604020202020204" pitchFamily="34" charset="0"/>
+              <a:buChar char="•"/>
+            </a:pPr>
+            <a:r>
+              <a:rPr lang="en-US" sz="2800" dirty="0"/>
+              <a:t>Data cleanup</a:t>
+            </a:r>
+          </a:p>
+          <a:p>
+            <a:pPr marL="457200" indent="-457200">
+              <a:buFont typeface="Arial" panose="020B0604020202020204" pitchFamily="34" charset="0"/>
+              <a:buChar char="•"/>
+            </a:pPr>
+            <a:r>
+              <a:rPr lang="en-US" sz="2800" dirty="0"/>
+              <a:t>“Rearrange and reorder the columns to their treatment, replicate and fraction”</a:t>
+            </a:r>
+          </a:p>
+          <a:p>
+            <a:pPr marL="457200" indent="-457200">
+              <a:buFont typeface="Arial" panose="020B0604020202020204" pitchFamily="34" charset="0"/>
+              <a:buChar char="•"/>
+            </a:pPr>
+            <a:r>
+              <a:rPr lang="en-US" sz="2800" dirty="0"/>
+              <a:t>Normalization</a:t>
+            </a:r>
+          </a:p>
+          <a:p>
+            <a:endParaRPr lang="en-US" sz="3400" b="1" dirty="0"/>
+          </a:p>
+          <a:p>
+            <a:r>
+              <a:rPr lang="de-DE" sz="3400" b="1" dirty="0"/>
+              <a:t>Data exploration</a:t>
+            </a:r>
+            <a:endParaRPr lang="de-DE" sz="3400" dirty="0"/>
+          </a:p>
+          <a:p>
+            <a:pPr marL="457200" indent="-457200">
+              <a:buFont typeface="Arial" panose="020B0604020202020204" pitchFamily="34" charset="0"/>
+              <a:buChar char="•"/>
+            </a:pPr>
+            <a:r>
+              <a:rPr lang="en-US" sz="2800" dirty="0"/>
+              <a:t> Identification of maxima and shoulders</a:t>
+            </a:r>
+          </a:p>
+          <a:p>
+            <a:pPr marL="457200" indent="-457200">
+              <a:buFont typeface="Arial" panose="020B0604020202020204" pitchFamily="34" charset="0"/>
+              <a:buChar char="•"/>
+            </a:pPr>
+            <a:r>
+              <a:rPr lang="en-US" sz="2800" dirty="0"/>
+              <a:t> </a:t>
+            </a:r>
+            <a:r>
+              <a:rPr lang="de-DE" sz="2800" dirty="0"/>
+              <a:t>Selection criteria</a:t>
+            </a:r>
+            <a:r>
+              <a:rPr lang="en-US" sz="2800" dirty="0"/>
+              <a:t> &amp; Wilcoxon Test </a:t>
+            </a:r>
+          </a:p>
+          <a:p>
+            <a:pPr marL="457200" indent="-457200">
+              <a:buFont typeface="Arial" panose="020B0604020202020204" pitchFamily="34" charset="0"/>
+              <a:buChar char="•"/>
+            </a:pPr>
+            <a:r>
+              <a:rPr lang="en-US" sz="2800" dirty="0"/>
+              <a:t>Visualization for the </a:t>
+            </a:r>
+            <a:r>
+              <a:rPr lang="de-DE" sz="2800" dirty="0"/>
+              <a:t>order of selection criteria</a:t>
+            </a:r>
+            <a:endParaRPr lang="en-US" sz="2800" dirty="0"/>
+          </a:p>
+          <a:p>
+            <a:pPr marL="457200" indent="-457200">
+              <a:buFont typeface="Arial" panose="020B0604020202020204" pitchFamily="34" charset="0"/>
+              <a:buChar char="•"/>
+            </a:pPr>
+            <a:r>
+              <a:rPr lang="en-US" sz="2800" dirty="0"/>
+              <a:t>Pie charts for selection results</a:t>
+            </a:r>
+          </a:p>
+          <a:p>
+            <a:endParaRPr lang="en-US" sz="3400" b="1" dirty="0"/>
+          </a:p>
+          <a:p>
+            <a:r>
+              <a:rPr lang="de-DE" sz="3400" b="1" dirty="0"/>
+              <a:t>Data reduction</a:t>
+            </a:r>
+          </a:p>
+          <a:p>
+            <a:pPr marL="457200" indent="-457200">
+              <a:buFont typeface="Arial" panose="020B0604020202020204" pitchFamily="34" charset="0"/>
+              <a:buChar char="•"/>
+            </a:pPr>
+            <a:r>
+              <a:rPr lang="de-DE" sz="2800" dirty="0"/>
+              <a:t>PCR </a:t>
+            </a:r>
+            <a:endParaRPr lang="en-US" sz="2800" dirty="0"/>
+          </a:p>
+          <a:p>
+            <a:pPr marL="457200" indent="-457200">
+              <a:buFont typeface="Arial" panose="020B0604020202020204" pitchFamily="34" charset="0"/>
+              <a:buChar char="•"/>
+            </a:pPr>
+            <a:r>
+              <a:rPr lang="en-US" sz="2800" dirty="0"/>
+              <a:t> k-means clustering</a:t>
+            </a:r>
+          </a:p>
+          <a:p>
+            <a:pPr marL="457200" indent="-457200">
+              <a:buFont typeface="Arial" panose="020B0604020202020204" pitchFamily="34" charset="0"/>
+              <a:buChar char="•"/>
+            </a:pPr>
+            <a:endParaRPr lang="en-US" sz="3400" dirty="0"/>
+          </a:p>
+          <a:p>
+            <a:r>
+              <a:rPr lang="de-DE" sz="3400" b="1" dirty="0"/>
+              <a:t>Data modelling</a:t>
+            </a:r>
+          </a:p>
+          <a:p>
+            <a:pPr marL="457200" indent="-457200">
+              <a:buFont typeface="Arial" panose="020B0604020202020204" pitchFamily="34" charset="0"/>
+              <a:buChar char="•"/>
+            </a:pPr>
+            <a:r>
+              <a:rPr lang="en-US" sz="2800" dirty="0"/>
+              <a:t> Linear Regression </a:t>
+            </a:r>
+          </a:p>
+          <a:p>
+            <a:endParaRPr lang="en-US" sz="3400" b="1" dirty="0"/>
+          </a:p>
+          <a:p>
+            <a:endParaRPr lang="en-US" sz="3400" b="1" dirty="0"/>
+          </a:p>
+          <a:p>
+            <a:endParaRPr lang="en-US" sz="3400" b="1" dirty="0"/>
+          </a:p>
+          <a:p>
+            <a:endParaRPr lang="en-US" sz="3400" b="1" dirty="0"/>
+          </a:p>
+          <a:p>
+            <a:endParaRPr lang="en-US" sz="3400" b="1" dirty="0"/>
+          </a:p>
+          <a:p>
+            <a:endParaRPr lang="en-US" sz="3400" b="1" dirty="0"/>
+          </a:p>
+          <a:p>
+            <a:endParaRPr lang="en-US" sz="3400" b="1" dirty="0"/>
+          </a:p>
+          <a:p>
+            <a:endParaRPr lang="en-US" sz="3400" b="1" dirty="0"/>
+          </a:p>
+          <a:p>
+            <a:endParaRPr lang="en-US" sz="3400" b="1" dirty="0"/>
+          </a:p>
+          <a:p>
+            <a:endParaRPr lang="en-US" sz="3400" b="1" dirty="0"/>
+          </a:p>
+          <a:p>
+            <a:endParaRPr lang="en-US" sz="3400" b="1" dirty="0"/>
+          </a:p>
+        </p:txBody>
+      </p:sp>
+      <p:sp>
+        <p:nvSpPr>
+          <p:cNvPr id="5" name="TextBox 4">
+            <a:extLst>
+              <a:ext uri="{FF2B5EF4-FFF2-40B4-BE49-F238E27FC236}">
+                <a16:creationId xmlns:a16="http://schemas.microsoft.com/office/drawing/2014/main" id="{C3869B88-1347-235D-0D4E-91A2239B13D0}"/>
+              </a:ext>
+            </a:extLst>
+          </p:cNvPr>
+          <p:cNvSpPr txBox="1"/>
+          <p:nvPr/>
+        </p:nvSpPr>
+        <p:spPr>
+          <a:xfrm>
+            <a:off x="1105371" y="28905434"/>
+            <a:ext cx="18020829" cy="13542169"/>
+          </a:xfrm>
+          <a:prstGeom prst="rect">
+            <a:avLst/>
+          </a:prstGeom>
+          <a:noFill/>
+          <a:ln>
+            <a:solidFill>
+              <a:srgbClr val="D5D5D5"/>
+            </a:solidFill>
+          </a:ln>
+        </p:spPr>
+        <p:txBody>
+          <a:bodyPr wrap="square">
+            <a:spAutoFit/>
+          </a:bodyPr>
+          <a:lstStyle/>
+          <a:p>
+            <a:r>
+              <a:rPr lang="en-US" sz="3400" b="1" dirty="0"/>
+              <a:t>Discussion</a:t>
+            </a:r>
+            <a:endParaRPr lang="en-US" sz="3400" dirty="0"/>
+          </a:p>
+          <a:p>
+            <a:pPr marL="457200" indent="-457200">
+              <a:buFont typeface="Arial" panose="020B0604020202020204" pitchFamily="34" charset="0"/>
+              <a:buChar char="•"/>
+            </a:pPr>
+            <a:r>
+              <a:rPr lang="en-US" sz="2800" dirty="0"/>
+              <a:t>Critical review of our own results and methods (e.g., Selection criteria made us delete some RBPs. Why? What were their properties?)</a:t>
+            </a:r>
+          </a:p>
+          <a:p>
+            <a:pPr marL="457200" indent="-457200">
+              <a:buFont typeface="Arial" panose="020B0604020202020204" pitchFamily="34" charset="0"/>
+              <a:buChar char="•"/>
+            </a:pPr>
+            <a:r>
+              <a:rPr lang="en-US" sz="2800" dirty="0"/>
+              <a:t>Why do we find fewer proteins than </a:t>
+            </a:r>
+            <a:r>
+              <a:rPr lang="en-US" sz="2800" dirty="0" err="1"/>
+              <a:t>Maïwen</a:t>
+            </a:r>
+            <a:r>
+              <a:rPr lang="en-US" sz="2800" dirty="0"/>
+              <a:t>? </a:t>
+            </a:r>
+          </a:p>
+          <a:p>
+            <a:pPr marL="457200" indent="-457200">
+              <a:buFont typeface="Arial" panose="020B0604020202020204" pitchFamily="34" charset="0"/>
+              <a:buChar char="•"/>
+            </a:pPr>
+            <a:endParaRPr lang="en-US" sz="2800" dirty="0"/>
+          </a:p>
+          <a:p>
+            <a:pPr marL="457200" indent="-457200">
+              <a:buFont typeface="Arial" panose="020B0604020202020204" pitchFamily="34" charset="0"/>
+              <a:buChar char="•"/>
+            </a:pPr>
+            <a:endParaRPr lang="en-US" sz="2800" dirty="0"/>
+          </a:p>
+          <a:p>
+            <a:pPr marL="457200" indent="-457200">
+              <a:buFont typeface="Arial" panose="020B0604020202020204" pitchFamily="34" charset="0"/>
+              <a:buChar char="•"/>
+            </a:pPr>
+            <a:endParaRPr lang="en-US" sz="2800" dirty="0"/>
+          </a:p>
+          <a:p>
+            <a:pPr marL="457200" indent="-457200">
+              <a:buFont typeface="Arial" panose="020B0604020202020204" pitchFamily="34" charset="0"/>
+              <a:buChar char="•"/>
+            </a:pPr>
+            <a:endParaRPr lang="en-US" sz="2800" dirty="0"/>
+          </a:p>
+          <a:p>
+            <a:pPr marL="457200" indent="-457200">
+              <a:buFont typeface="Arial" panose="020B0604020202020204" pitchFamily="34" charset="0"/>
+              <a:buChar char="•"/>
+            </a:pPr>
+            <a:endParaRPr lang="en-US" sz="2800" dirty="0"/>
+          </a:p>
+          <a:p>
+            <a:pPr marL="457200" indent="-457200">
+              <a:buFont typeface="Arial" panose="020B0604020202020204" pitchFamily="34" charset="0"/>
+              <a:buChar char="•"/>
+            </a:pPr>
+            <a:endParaRPr lang="en-US" sz="2800" dirty="0"/>
+          </a:p>
+          <a:p>
+            <a:pPr marL="457200" indent="-457200">
+              <a:buFont typeface="Arial" panose="020B0604020202020204" pitchFamily="34" charset="0"/>
+              <a:buChar char="•"/>
+            </a:pPr>
+            <a:endParaRPr lang="en-US" sz="2800" dirty="0"/>
+          </a:p>
+          <a:p>
+            <a:pPr marL="457200" indent="-457200">
+              <a:buFont typeface="Arial" panose="020B0604020202020204" pitchFamily="34" charset="0"/>
+              <a:buChar char="•"/>
+            </a:pPr>
+            <a:endParaRPr lang="en-US" sz="2800" dirty="0"/>
+          </a:p>
+          <a:p>
+            <a:pPr marL="457200" indent="-457200">
+              <a:buFont typeface="Arial" panose="020B0604020202020204" pitchFamily="34" charset="0"/>
+              <a:buChar char="•"/>
+            </a:pPr>
+            <a:endParaRPr lang="en-US" sz="2800" dirty="0"/>
+          </a:p>
+          <a:p>
+            <a:pPr marL="457200" indent="-457200">
+              <a:buFont typeface="Arial" panose="020B0604020202020204" pitchFamily="34" charset="0"/>
+              <a:buChar char="•"/>
+            </a:pPr>
+            <a:endParaRPr lang="en-US" sz="2800" dirty="0"/>
+          </a:p>
+          <a:p>
+            <a:pPr marL="457200" indent="-457200">
+              <a:buFont typeface="Arial" panose="020B0604020202020204" pitchFamily="34" charset="0"/>
+              <a:buChar char="•"/>
+            </a:pPr>
+            <a:endParaRPr lang="en-US" sz="2800" dirty="0"/>
+          </a:p>
+          <a:p>
+            <a:pPr marL="457200" indent="-457200">
+              <a:buFont typeface="Arial" panose="020B0604020202020204" pitchFamily="34" charset="0"/>
+              <a:buChar char="•"/>
+            </a:pPr>
+            <a:endParaRPr lang="en-US" sz="2800" dirty="0"/>
+          </a:p>
+          <a:p>
+            <a:pPr marL="457200" indent="-457200">
+              <a:buFont typeface="Arial" panose="020B0604020202020204" pitchFamily="34" charset="0"/>
+              <a:buChar char="•"/>
+            </a:pPr>
+            <a:endParaRPr lang="en-US" sz="2800" dirty="0"/>
+          </a:p>
+          <a:p>
+            <a:pPr marL="457200" indent="-457200">
+              <a:buFont typeface="Arial" panose="020B0604020202020204" pitchFamily="34" charset="0"/>
+              <a:buChar char="•"/>
+            </a:pPr>
+            <a:endParaRPr lang="en-US" sz="2800" dirty="0"/>
+          </a:p>
+          <a:p>
+            <a:pPr marL="457200" indent="-457200">
+              <a:buFont typeface="Arial" panose="020B0604020202020204" pitchFamily="34" charset="0"/>
+              <a:buChar char="•"/>
+            </a:pPr>
+            <a:endParaRPr lang="en-US" sz="2800" dirty="0"/>
+          </a:p>
+          <a:p>
+            <a:pPr marL="457200" indent="-457200">
+              <a:buFont typeface="Arial" panose="020B0604020202020204" pitchFamily="34" charset="0"/>
+              <a:buChar char="•"/>
+            </a:pPr>
+            <a:endParaRPr lang="en-US" sz="2800" dirty="0"/>
+          </a:p>
+          <a:p>
+            <a:pPr marL="457200" indent="-457200">
+              <a:buFont typeface="Arial" panose="020B0604020202020204" pitchFamily="34" charset="0"/>
+              <a:buChar char="•"/>
+            </a:pPr>
+            <a:endParaRPr lang="en-US" sz="2800" dirty="0"/>
+          </a:p>
+          <a:p>
+            <a:pPr marL="457200" indent="-457200">
+              <a:buFont typeface="Arial" panose="020B0604020202020204" pitchFamily="34" charset="0"/>
+              <a:buChar char="•"/>
+            </a:pPr>
+            <a:endParaRPr lang="en-US" sz="2800" dirty="0"/>
+          </a:p>
+          <a:p>
+            <a:pPr marL="457200" indent="-457200">
+              <a:buFont typeface="Arial" panose="020B0604020202020204" pitchFamily="34" charset="0"/>
+              <a:buChar char="•"/>
+            </a:pPr>
+            <a:endParaRPr lang="en-US" sz="2800" dirty="0"/>
+          </a:p>
+          <a:p>
+            <a:pPr marL="457200" indent="-457200">
+              <a:buFont typeface="Arial" panose="020B0604020202020204" pitchFamily="34" charset="0"/>
+              <a:buChar char="•"/>
+            </a:pPr>
+            <a:endParaRPr lang="en-US" sz="2800" dirty="0"/>
+          </a:p>
+          <a:p>
+            <a:pPr marL="457200" indent="-457200">
+              <a:buFont typeface="Arial" panose="020B0604020202020204" pitchFamily="34" charset="0"/>
+              <a:buChar char="•"/>
+            </a:pPr>
+            <a:endParaRPr lang="en-US" sz="2800" dirty="0"/>
+          </a:p>
+          <a:p>
+            <a:pPr marL="457200" indent="-457200">
+              <a:buFont typeface="Arial" panose="020B0604020202020204" pitchFamily="34" charset="0"/>
+              <a:buChar char="•"/>
+            </a:pPr>
+            <a:endParaRPr lang="en-US" sz="2800" dirty="0"/>
+          </a:p>
+          <a:p>
+            <a:pPr marL="457200" indent="-457200">
+              <a:buFont typeface="Arial" panose="020B0604020202020204" pitchFamily="34" charset="0"/>
+              <a:buChar char="•"/>
+            </a:pPr>
+            <a:endParaRPr lang="en-US" sz="2800" dirty="0"/>
+          </a:p>
+          <a:p>
+            <a:pPr marL="457200" indent="-457200">
+              <a:buFont typeface="Arial" panose="020B0604020202020204" pitchFamily="34" charset="0"/>
+              <a:buChar char="•"/>
+            </a:pPr>
+            <a:endParaRPr lang="en-US" sz="2800" dirty="0"/>
+          </a:p>
+          <a:p>
+            <a:pPr marL="457200" indent="-457200">
+              <a:buFont typeface="Arial" panose="020B0604020202020204" pitchFamily="34" charset="0"/>
+              <a:buChar char="•"/>
+            </a:pPr>
+            <a:endParaRPr lang="en-US" sz="2800" dirty="0"/>
+          </a:p>
+          <a:p>
+            <a:pPr marL="457200" indent="-457200">
+              <a:buFont typeface="Arial" panose="020B0604020202020204" pitchFamily="34" charset="0"/>
+              <a:buChar char="•"/>
+            </a:pPr>
+            <a:endParaRPr lang="en-US" sz="2800" dirty="0"/>
+          </a:p>
+          <a:p>
+            <a:endParaRPr lang="en-US" sz="2800" b="1" dirty="0"/>
+          </a:p>
+        </p:txBody>
+      </p:sp>
+      <p:sp>
+        <p:nvSpPr>
+          <p:cNvPr id="6" name="TextBox 5">
+            <a:extLst>
+              <a:ext uri="{FF2B5EF4-FFF2-40B4-BE49-F238E27FC236}">
+                <a16:creationId xmlns:a16="http://schemas.microsoft.com/office/drawing/2014/main" id="{C647DCDC-CAF3-A237-DE4E-1E9297F1816A}"/>
+              </a:ext>
+            </a:extLst>
+          </p:cNvPr>
+          <p:cNvSpPr txBox="1"/>
+          <p:nvPr/>
+        </p:nvSpPr>
+        <p:spPr>
+          <a:xfrm>
+            <a:off x="20022243" y="38678407"/>
+            <a:ext cx="8780767" cy="3631763"/>
+          </a:xfrm>
+          <a:prstGeom prst="rect">
+            <a:avLst/>
+          </a:prstGeom>
+          <a:noFill/>
+          <a:ln>
+            <a:solidFill>
+              <a:srgbClr val="D5D5D5"/>
+            </a:solidFill>
+          </a:ln>
+        </p:spPr>
+        <p:txBody>
+          <a:bodyPr wrap="square">
+            <a:spAutoFit/>
+          </a:bodyPr>
+          <a:lstStyle/>
+          <a:p>
+            <a:r>
+              <a:rPr lang="de-DE" sz="3400" b="1" dirty="0"/>
+              <a:t>References</a:t>
+            </a:r>
+          </a:p>
+          <a:p>
+            <a:pPr marL="457200" indent="-457200">
+              <a:buFont typeface="Arial" panose="020B0604020202020204" pitchFamily="34" charset="0"/>
+              <a:buChar char="•"/>
+            </a:pPr>
+            <a:r>
+              <a:rPr lang="en-US" sz="2800" b="1" dirty="0"/>
+              <a:t> </a:t>
+            </a:r>
+          </a:p>
+          <a:p>
+            <a:pPr marL="457200" indent="-457200">
+              <a:buFont typeface="Arial" panose="020B0604020202020204" pitchFamily="34" charset="0"/>
+              <a:buChar char="•"/>
+            </a:pPr>
+            <a:endParaRPr lang="en-US" sz="2800" b="1" dirty="0"/>
+          </a:p>
+          <a:p>
+            <a:pPr marL="457200" indent="-457200">
+              <a:buFont typeface="Arial" panose="020B0604020202020204" pitchFamily="34" charset="0"/>
+              <a:buChar char="•"/>
+            </a:pPr>
+            <a:endParaRPr lang="en-US" sz="2800" b="1" dirty="0"/>
+          </a:p>
+          <a:p>
+            <a:pPr marL="457200" indent="-457200">
+              <a:buFont typeface="Arial" panose="020B0604020202020204" pitchFamily="34" charset="0"/>
+              <a:buChar char="•"/>
+            </a:pPr>
+            <a:endParaRPr lang="en-US" sz="2800" b="1" dirty="0"/>
+          </a:p>
+          <a:p>
+            <a:pPr marL="457200" indent="-457200">
+              <a:buFont typeface="Arial" panose="020B0604020202020204" pitchFamily="34" charset="0"/>
+              <a:buChar char="•"/>
+            </a:pPr>
+            <a:endParaRPr lang="en-US" sz="2800" b="1" dirty="0"/>
+          </a:p>
+          <a:p>
+            <a:pPr marL="457200" indent="-457200">
+              <a:buFont typeface="Arial" panose="020B0604020202020204" pitchFamily="34" charset="0"/>
+              <a:buChar char="•"/>
+            </a:pPr>
+            <a:endParaRPr lang="en-US" sz="2800" b="1" dirty="0"/>
+          </a:p>
+          <a:p>
+            <a:pPr marL="457200" indent="-457200">
+              <a:buFont typeface="Arial" panose="020B0604020202020204" pitchFamily="34" charset="0"/>
+              <a:buChar char="•"/>
+            </a:pPr>
+            <a:endParaRPr lang="en-US" sz="2800" b="1" dirty="0"/>
+          </a:p>
+        </p:txBody>
+      </p:sp>
+      <p:sp>
+        <p:nvSpPr>
+          <p:cNvPr id="7" name="TextBox 6">
+            <a:extLst>
+              <a:ext uri="{FF2B5EF4-FFF2-40B4-BE49-F238E27FC236}">
+                <a16:creationId xmlns:a16="http://schemas.microsoft.com/office/drawing/2014/main" id="{2E259646-0826-CBCF-F645-E6DB9D95EBD8}"/>
+              </a:ext>
+            </a:extLst>
+          </p:cNvPr>
+          <p:cNvSpPr txBox="1"/>
+          <p:nvPr/>
+        </p:nvSpPr>
+        <p:spPr>
+          <a:xfrm>
+            <a:off x="20022243" y="28905433"/>
+            <a:ext cx="8780767" cy="8802410"/>
+          </a:xfrm>
+          <a:prstGeom prst="rect">
+            <a:avLst/>
+          </a:prstGeom>
+          <a:noFill/>
+          <a:ln>
+            <a:solidFill>
+              <a:srgbClr val="D5D5D5"/>
+            </a:solidFill>
+          </a:ln>
+        </p:spPr>
+        <p:txBody>
+          <a:bodyPr wrap="square">
+            <a:spAutoFit/>
+          </a:bodyPr>
+          <a:lstStyle/>
+          <a:p>
+            <a:r>
+              <a:rPr lang="de-DE" sz="3400" b="1" dirty="0"/>
+              <a:t>Our Achievements </a:t>
+            </a:r>
+          </a:p>
+          <a:p>
+            <a:pPr marL="457200" indent="-457200">
+              <a:buFont typeface="Arial" panose="020B0604020202020204" pitchFamily="34" charset="0"/>
+              <a:buChar char="•"/>
+            </a:pPr>
+            <a:r>
+              <a:rPr lang="de-DE" sz="2800" dirty="0"/>
+              <a:t>We found X proteins that ...</a:t>
+            </a:r>
+          </a:p>
+          <a:p>
+            <a:pPr marL="457200" indent="-457200">
+              <a:buFont typeface="Arial" panose="020B0604020202020204" pitchFamily="34" charset="0"/>
+              <a:buChar char="•"/>
+            </a:pPr>
+            <a:endParaRPr lang="de-DE" sz="2800" dirty="0"/>
+          </a:p>
+          <a:p>
+            <a:pPr marL="457200" indent="-457200">
+              <a:buFont typeface="Arial" panose="020B0604020202020204" pitchFamily="34" charset="0"/>
+              <a:buChar char="•"/>
+            </a:pPr>
+            <a:endParaRPr lang="de-DE" sz="2800" dirty="0"/>
+          </a:p>
+          <a:p>
+            <a:pPr marL="457200" indent="-457200">
+              <a:buFont typeface="Arial" panose="020B0604020202020204" pitchFamily="34" charset="0"/>
+              <a:buChar char="•"/>
+            </a:pPr>
+            <a:endParaRPr lang="de-DE" sz="2800" dirty="0"/>
+          </a:p>
+          <a:p>
+            <a:pPr marL="457200" indent="-457200">
+              <a:buFont typeface="Arial" panose="020B0604020202020204" pitchFamily="34" charset="0"/>
+              <a:buChar char="•"/>
+            </a:pPr>
+            <a:endParaRPr lang="de-DE" sz="2800" dirty="0"/>
+          </a:p>
+          <a:p>
+            <a:pPr marL="457200" indent="-457200">
+              <a:buFont typeface="Arial" panose="020B0604020202020204" pitchFamily="34" charset="0"/>
+              <a:buChar char="•"/>
+            </a:pPr>
+            <a:endParaRPr lang="de-DE" sz="2800" dirty="0"/>
+          </a:p>
+          <a:p>
+            <a:pPr marL="457200" indent="-457200">
+              <a:buFont typeface="Arial" panose="020B0604020202020204" pitchFamily="34" charset="0"/>
+              <a:buChar char="•"/>
+            </a:pPr>
+            <a:endParaRPr lang="de-DE" sz="2800" dirty="0"/>
+          </a:p>
+          <a:p>
+            <a:pPr marL="457200" indent="-457200">
+              <a:buFont typeface="Arial" panose="020B0604020202020204" pitchFamily="34" charset="0"/>
+              <a:buChar char="•"/>
+            </a:pPr>
+            <a:endParaRPr lang="de-DE" sz="2800" dirty="0"/>
+          </a:p>
+          <a:p>
+            <a:pPr marL="457200" indent="-457200">
+              <a:buFont typeface="Arial" panose="020B0604020202020204" pitchFamily="34" charset="0"/>
+              <a:buChar char="•"/>
+            </a:pPr>
+            <a:endParaRPr lang="de-DE" sz="2800" dirty="0"/>
+          </a:p>
+          <a:p>
+            <a:pPr marL="457200" indent="-457200">
+              <a:buFont typeface="Arial" panose="020B0604020202020204" pitchFamily="34" charset="0"/>
+              <a:buChar char="•"/>
+            </a:pPr>
+            <a:endParaRPr lang="de-DE" sz="2800" dirty="0"/>
+          </a:p>
+          <a:p>
+            <a:pPr marL="457200" indent="-457200">
+              <a:buFont typeface="Arial" panose="020B0604020202020204" pitchFamily="34" charset="0"/>
+              <a:buChar char="•"/>
+            </a:pPr>
+            <a:endParaRPr lang="de-DE" sz="2800" dirty="0"/>
+          </a:p>
+          <a:p>
+            <a:pPr marL="457200" indent="-457200">
+              <a:buFont typeface="Arial" panose="020B0604020202020204" pitchFamily="34" charset="0"/>
+              <a:buChar char="•"/>
+            </a:pPr>
+            <a:endParaRPr lang="de-DE" sz="2800" dirty="0"/>
+          </a:p>
+          <a:p>
+            <a:pPr marL="457200" indent="-457200">
+              <a:buFont typeface="Arial" panose="020B0604020202020204" pitchFamily="34" charset="0"/>
+              <a:buChar char="•"/>
+            </a:pPr>
+            <a:endParaRPr lang="de-DE" sz="2800" dirty="0"/>
+          </a:p>
+          <a:p>
+            <a:pPr marL="457200" indent="-457200">
+              <a:buFont typeface="Arial" panose="020B0604020202020204" pitchFamily="34" charset="0"/>
+              <a:buChar char="•"/>
+            </a:pPr>
+            <a:endParaRPr lang="de-DE" sz="2800" dirty="0"/>
+          </a:p>
+          <a:p>
+            <a:pPr marL="457200" indent="-457200">
+              <a:buFont typeface="Arial" panose="020B0604020202020204" pitchFamily="34" charset="0"/>
+              <a:buChar char="•"/>
+            </a:pPr>
+            <a:endParaRPr lang="de-DE" sz="2800" dirty="0"/>
+          </a:p>
+          <a:p>
+            <a:pPr marL="457200" indent="-457200">
+              <a:buFont typeface="Arial" panose="020B0604020202020204" pitchFamily="34" charset="0"/>
+              <a:buChar char="•"/>
+            </a:pPr>
+            <a:endParaRPr lang="de-DE" sz="2800" dirty="0"/>
+          </a:p>
+          <a:p>
+            <a:pPr marL="457200" indent="-457200">
+              <a:buFont typeface="Arial" panose="020B0604020202020204" pitchFamily="34" charset="0"/>
+              <a:buChar char="•"/>
+            </a:pPr>
+            <a:endParaRPr lang="de-DE" sz="2800" dirty="0"/>
+          </a:p>
+          <a:p>
+            <a:pPr marL="457200" indent="-457200">
+              <a:buFont typeface="Arial" panose="020B0604020202020204" pitchFamily="34" charset="0"/>
+              <a:buChar char="•"/>
+            </a:pPr>
+            <a:endParaRPr lang="de-DE" sz="2800" dirty="0"/>
+          </a:p>
+          <a:p>
+            <a:endParaRPr lang="en-US" sz="2800" b="1" dirty="0"/>
+          </a:p>
+        </p:txBody>
+      </p:sp>
+    </p:spTree>
+    <p:extLst>
+      <p:ext uri="{BB962C8B-B14F-4D97-AF65-F5344CB8AC3E}">
+        <p14:creationId xmlns:p14="http://schemas.microsoft.com/office/powerpoint/2010/main" val="3929491743"/>
+      </p:ext>
+    </p:extLst>
+  </p:cSld>
+  <p:clrMapOvr>
+    <a:masterClrMapping/>
+  </p:clrMapOvr>
+</p:sld>
+</file>
+
+<file path=ppt/slides/slide11.xml><?xml version="1.0" encoding="utf-8"?>
+<p:sld xmlns:a="http://schemas.openxmlformats.org/drawingml/2006/main" xmlns:r="http://schemas.openxmlformats.org/officeDocument/2006/relationships" xmlns:p="http://schemas.openxmlformats.org/presentationml/2006/main" show="0">
+  <p:cSld>
+    <p:spTree>
+      <p:nvGrpSpPr>
+        <p:cNvPr id="1" name="">
+          <a:extLst>
+            <a:ext uri="{FF2B5EF4-FFF2-40B4-BE49-F238E27FC236}">
+              <a16:creationId xmlns:a16="http://schemas.microsoft.com/office/drawing/2014/main" id="{EDD1FACE-BD14-A6BC-5DFF-DBB56ED83F7D}"/>
+            </a:ext>
+          </a:extLst>
+        </p:cNvPr>
+        <p:cNvGrpSpPr/>
+        <p:nvPr/>
+      </p:nvGrpSpPr>
+      <p:grpSpPr>
+        <a:xfrm>
+          <a:off x="0" y="0"/>
+          <a:ext cx="0" cy="0"/>
+          <a:chOff x="0" y="0"/>
+          <a:chExt cx="0" cy="0"/>
+        </a:xfrm>
+      </p:grpSpPr>
+      <p:pic>
+        <p:nvPicPr>
+          <p:cNvPr id="9" name="Picture 8">
+            <a:extLst>
+              <a:ext uri="{FF2B5EF4-FFF2-40B4-BE49-F238E27FC236}">
+                <a16:creationId xmlns:a16="http://schemas.microsoft.com/office/drawing/2014/main" id="{6F7DD403-B70A-F5C2-3609-3BB7AF16A2A8}"/>
+              </a:ext>
+            </a:extLst>
+          </p:cNvPr>
+          <p:cNvPicPr>
+            <a:picLocks noChangeAspect="1"/>
+          </p:cNvPicPr>
+          <p:nvPr/>
+        </p:nvPicPr>
+        <p:blipFill>
+          <a:blip r:embed="rId2"/>
+          <a:stretch>
+            <a:fillRect/>
+          </a:stretch>
+        </p:blipFill>
+        <p:spPr>
+          <a:xfrm>
+            <a:off x="99683" y="23020"/>
+            <a:ext cx="9050209" cy="5088730"/>
+          </a:xfrm>
+          <a:prstGeom prst="rect">
+            <a:avLst/>
+          </a:prstGeom>
+        </p:spPr>
+      </p:pic>
+      <p:pic>
+        <p:nvPicPr>
+          <p:cNvPr id="11" name="Picture 10">
+            <a:extLst>
+              <a:ext uri="{FF2B5EF4-FFF2-40B4-BE49-F238E27FC236}">
+                <a16:creationId xmlns:a16="http://schemas.microsoft.com/office/drawing/2014/main" id="{5814D88D-4756-F6B3-8A87-61E0E90105FB}"/>
+              </a:ext>
+            </a:extLst>
+          </p:cNvPr>
+          <p:cNvPicPr>
+            <a:picLocks noChangeAspect="1"/>
+          </p:cNvPicPr>
+          <p:nvPr/>
+        </p:nvPicPr>
+        <p:blipFill>
+          <a:blip r:embed="rId3"/>
+          <a:stretch>
+            <a:fillRect/>
+          </a:stretch>
+        </p:blipFill>
+        <p:spPr>
+          <a:xfrm>
+            <a:off x="23489343" y="704131"/>
+            <a:ext cx="6328620" cy="3559849"/>
+          </a:xfrm>
+          <a:prstGeom prst="rect">
+            <a:avLst/>
+          </a:prstGeom>
+        </p:spPr>
+      </p:pic>
+      <p:sp>
+        <p:nvSpPr>
+          <p:cNvPr id="4" name="Titel 1">
+            <a:extLst>
+              <a:ext uri="{FF2B5EF4-FFF2-40B4-BE49-F238E27FC236}">
+                <a16:creationId xmlns:a16="http://schemas.microsoft.com/office/drawing/2014/main" id="{1D99515C-09A3-D081-0F16-3B4603AAFF17}"/>
+              </a:ext>
+            </a:extLst>
+          </p:cNvPr>
+          <p:cNvSpPr>
+            <a:spLocks noGrp="1"/>
+          </p:cNvSpPr>
+          <p:nvPr>
+            <p:ph type="ctrTitle"/>
+          </p:nvPr>
+        </p:nvSpPr>
+        <p:spPr>
+          <a:xfrm>
+            <a:off x="9482040" y="2021850"/>
+            <a:ext cx="12820650" cy="1836887"/>
+          </a:xfrm>
+        </p:spPr>
+        <p:txBody>
+          <a:bodyPr>
+            <a:noAutofit/>
+          </a:bodyPr>
+          <a:lstStyle/>
+          <a:p>
+            <a:r>
+              <a:rPr lang="de-DE" sz="7000" b="1" dirty="0"/>
+              <a:t>Hidden Alliances: RNA-Dependent Protein Interactions in Cancer Cells</a:t>
+            </a:r>
+            <a:endParaRPr lang="en-US" sz="7000" b="1" dirty="0"/>
+          </a:p>
+        </p:txBody>
+      </p:sp>
+      <p:sp>
+        <p:nvSpPr>
+          <p:cNvPr id="2" name="Untertitel 2">
+            <a:extLst>
+              <a:ext uri="{FF2B5EF4-FFF2-40B4-BE49-F238E27FC236}">
+                <a16:creationId xmlns:a16="http://schemas.microsoft.com/office/drawing/2014/main" id="{93D884B7-4287-4014-CA37-FACB7804637B}"/>
+              </a:ext>
+            </a:extLst>
+          </p:cNvPr>
+          <p:cNvSpPr>
+            <a:spLocks noGrp="1"/>
+          </p:cNvSpPr>
+          <p:nvPr>
+            <p:ph type="subTitle" idx="1"/>
+          </p:nvPr>
+        </p:nvSpPr>
+        <p:spPr>
+          <a:xfrm>
+            <a:off x="800100" y="5675366"/>
+            <a:ext cx="28612006" cy="36424266"/>
+          </a:xfrm>
+          <a:noFill/>
+          <a:ln>
+            <a:solidFill>
+              <a:schemeClr val="tx1"/>
+            </a:solidFill>
+          </a:ln>
+        </p:spPr>
+        <p:txBody>
+          <a:bodyPr>
+            <a:normAutofit/>
+          </a:bodyPr>
+          <a:lstStyle/>
+          <a:p>
+            <a:r>
+              <a:rPr lang="de-DE" sz="100" dirty="0"/>
+              <a:t>.</a:t>
+            </a:r>
+          </a:p>
+        </p:txBody>
+      </p:sp>
+      <p:sp>
+        <p:nvSpPr>
+          <p:cNvPr id="26" name="Titel 1">
+            <a:extLst>
+              <a:ext uri="{FF2B5EF4-FFF2-40B4-BE49-F238E27FC236}">
+                <a16:creationId xmlns:a16="http://schemas.microsoft.com/office/drawing/2014/main" id="{042A9CAA-36C6-F63E-6832-733621510C4C}"/>
+              </a:ext>
+            </a:extLst>
+          </p:cNvPr>
+          <p:cNvSpPr txBox="1">
+            <a:spLocks/>
+          </p:cNvSpPr>
+          <p:nvPr/>
+        </p:nvSpPr>
+        <p:spPr>
+          <a:xfrm>
+            <a:off x="8627535" y="3602136"/>
+            <a:ext cx="13675155" cy="1323687"/>
+          </a:xfrm>
+          <a:prstGeom prst="rect">
+            <a:avLst/>
+          </a:prstGeom>
+        </p:spPr>
+        <p:txBody>
+          <a:bodyPr vert="horz" lIns="45681" tIns="22840" rIns="45681" bIns="22840" rtlCol="0" anchor="b">
+            <a:noAutofit/>
+          </a:bodyPr>
+          <a:lstStyle>
+            <a:lvl1pPr algn="ctr" defTabSz="3027487" rtl="0" eaLnBrk="1" latinLnBrk="0" hangingPunct="1">
+              <a:lnSpc>
+                <a:spcPct val="90000"/>
+              </a:lnSpc>
+              <a:spcBef>
+                <a:spcPct val="0"/>
+              </a:spcBef>
+              <a:buNone/>
+              <a:defRPr sz="19865" kern="1200">
+                <a:solidFill>
+                  <a:schemeClr val="tx1"/>
+                </a:solidFill>
+                <a:latin typeface="+mj-lt"/>
+                <a:ea typeface="+mj-ea"/>
+                <a:cs typeface="+mj-cs"/>
+              </a:defRPr>
+            </a:lvl1pPr>
+          </a:lstStyle>
+          <a:p>
+            <a:r>
+              <a:rPr lang="de-DE" sz="2800" dirty="0"/>
+              <a:t>Julian </a:t>
+            </a:r>
+            <a:r>
+              <a:rPr lang="de-DE" sz="2800" dirty="0" err="1"/>
+              <a:t>Baureis</a:t>
+            </a:r>
+            <a:r>
+              <a:rPr lang="de-DE" sz="2800" dirty="0"/>
+              <a:t>, Julia Ferdin, Benjamin Nicklas, Luisa </a:t>
+            </a:r>
+            <a:r>
+              <a:rPr lang="de-DE" sz="2800" dirty="0" err="1"/>
+              <a:t>Wintel</a:t>
+            </a:r>
+            <a:endParaRPr lang="de-DE" sz="2800" dirty="0"/>
+          </a:p>
+          <a:p>
+            <a:r>
+              <a:rPr lang="de-DE" sz="2800" dirty="0"/>
+              <a:t>Data Analysis Project </a:t>
+            </a:r>
+            <a:r>
+              <a:rPr lang="de-DE" sz="2800" dirty="0" err="1"/>
+              <a:t>Molecular</a:t>
+            </a:r>
+            <a:r>
+              <a:rPr lang="de-DE" sz="2800" dirty="0"/>
+              <a:t> Biotechnology SS2025</a:t>
+            </a:r>
+          </a:p>
+        </p:txBody>
+      </p:sp>
       <p:cxnSp>
         <p:nvCxnSpPr>
           <p:cNvPr id="8" name="Gerader Verbinder 37">
@@ -4892,7 +6049,7 @@
 </p:sld>
 </file>
 
-<file path=ppt/slides/slide11.xml><?xml version="1.0" encoding="utf-8"?>
+<file path=ppt/slides/slide12.xml><?xml version="1.0" encoding="utf-8"?>
 <p:sld xmlns:a="http://schemas.openxmlformats.org/drawingml/2006/main" xmlns:r="http://schemas.openxmlformats.org/officeDocument/2006/relationships" xmlns:p="http://schemas.openxmlformats.org/presentationml/2006/main" show="0">
   <p:cSld>
     <p:spTree>
@@ -6194,12 +7351,20 @@
 <file path=ppt/slides/slide2.xml><?xml version="1.0" encoding="utf-8"?>
 <p:sld xmlns:a="http://schemas.openxmlformats.org/drawingml/2006/main" xmlns:r="http://schemas.openxmlformats.org/officeDocument/2006/relationships" xmlns:p="http://schemas.openxmlformats.org/presentationml/2006/main">
   <p:cSld>
+    <p:bg>
+      <p:bgPr>
+        <a:solidFill>
+          <a:srgbClr val="1D5D5C"/>
+        </a:solidFill>
+        <a:effectLst/>
+      </p:bgPr>
+    </p:bg>
     <p:spTree>
       <p:nvGrpSpPr>
         <p:cNvPr id="1" name="">
           <a:extLst>
             <a:ext uri="{FF2B5EF4-FFF2-40B4-BE49-F238E27FC236}">
-              <a16:creationId xmlns:a16="http://schemas.microsoft.com/office/drawing/2014/main" id="{72AE6DE1-C388-B559-2168-770E14912EF7}"/>
+              <a16:creationId xmlns:a16="http://schemas.microsoft.com/office/drawing/2014/main" id="{20CA9CDC-6795-43D0-F10A-993D26C76E85}"/>
             </a:ext>
           </a:extLst>
         </p:cNvPr>
@@ -6216,10 +7381,10 @@
       </p:grpSpPr>
       <p:sp>
         <p:nvSpPr>
-          <p:cNvPr id="42" name="Rectangle 41">
-            <a:extLst>
-              <a:ext uri="{FF2B5EF4-FFF2-40B4-BE49-F238E27FC236}">
-                <a16:creationId xmlns:a16="http://schemas.microsoft.com/office/drawing/2014/main" id="{F459DC2F-F2D8-599E-DE90-96DE17995F3E}"/>
+          <p:cNvPr id="15" name="Rectangle: Top Corners Rounded 14">
+            <a:extLst>
+              <a:ext uri="{FF2B5EF4-FFF2-40B4-BE49-F238E27FC236}">
+                <a16:creationId xmlns:a16="http://schemas.microsoft.com/office/drawing/2014/main" id="{AE24F733-E967-9D35-030D-DB1BC3DFE293}"/>
               </a:ext>
             </a:extLst>
           </p:cNvPr>
@@ -6228,14 +7393,17 @@
         </p:nvSpPr>
         <p:spPr>
           <a:xfrm flipV="1">
-            <a:off x="-1" y="-21301"/>
-            <a:ext cx="30275214" cy="4467776"/>
-          </a:xfrm>
-          <a:prstGeom prst="rect">
-            <a:avLst/>
+            <a:off x="0" y="-21883"/>
+            <a:ext cx="30275214" cy="5684230"/>
+          </a:xfrm>
+          <a:prstGeom prst="round2SameRect">
+            <a:avLst>
+              <a:gd name="adj1" fmla="val 0"/>
+              <a:gd name="adj2" fmla="val 0"/>
+            </a:avLst>
           </a:prstGeom>
           <a:solidFill>
-            <a:srgbClr val="FC9A64"/>
+            <a:srgbClr val="072C30"/>
           </a:solidFill>
           <a:ln w="254000">
             <a:noFill/>
@@ -6262,16 +7430,16 @@
           <a:lstStyle/>
           <a:p>
             <a:pPr algn="ctr"/>
-            <a:endParaRPr lang="de-DE"/>
-          </a:p>
-        </p:txBody>
-      </p:sp>
-      <p:sp>
-        <p:nvSpPr>
-          <p:cNvPr id="43" name="Rectangle: Top Corners Rounded 42">
-            <a:extLst>
-              <a:ext uri="{FF2B5EF4-FFF2-40B4-BE49-F238E27FC236}">
-                <a16:creationId xmlns:a16="http://schemas.microsoft.com/office/drawing/2014/main" id="{4EC33C13-B613-014A-AB7F-BF1132A2E3D0}"/>
+            <a:endParaRPr lang="de-DE" dirty="0"/>
+          </a:p>
+        </p:txBody>
+      </p:sp>
+      <p:sp>
+        <p:nvSpPr>
+          <p:cNvPr id="2" name="Flowchart: Off-page Connector 1">
+            <a:extLst>
+              <a:ext uri="{FF2B5EF4-FFF2-40B4-BE49-F238E27FC236}">
+                <a16:creationId xmlns:a16="http://schemas.microsoft.com/office/drawing/2014/main" id="{D53CF44F-F111-3660-6869-A82CB5EAD249}"/>
               </a:ext>
             </a:extLst>
           </p:cNvPr>
@@ -6279,18 +7447,20 @@
           <p:nvPr/>
         </p:nvSpPr>
         <p:spPr>
-          <a:xfrm flipV="1">
-            <a:off x="856746" y="-21302"/>
-            <a:ext cx="28404556" cy="4468351"/>
-          </a:xfrm>
-          <a:prstGeom prst="round2SameRect">
+          <a:xfrm>
+            <a:off x="19143406" y="-286836"/>
+            <a:ext cx="9932181" cy="5235034"/>
+          </a:xfrm>
+          <a:prstGeom prst="flowChartOffpageConnector">
             <a:avLst/>
           </a:prstGeom>
           <a:solidFill>
-            <a:srgbClr val="B57F56"/>
+            <a:schemeClr val="bg1"/>
           </a:solidFill>
           <a:ln w="254000">
-            <a:noFill/>
+            <a:solidFill>
+              <a:srgbClr val="0D474A"/>
+            </a:solidFill>
           </a:ln>
         </p:spPr>
         <p:style>
@@ -6318,12 +7488,42 @@
           </a:p>
         </p:txBody>
       </p:sp>
-      <p:sp>
-        <p:nvSpPr>
-          <p:cNvPr id="44" name="Rectangle: Top Corners Rounded 43">
-            <a:extLst>
-              <a:ext uri="{FF2B5EF4-FFF2-40B4-BE49-F238E27FC236}">
-                <a16:creationId xmlns:a16="http://schemas.microsoft.com/office/drawing/2014/main" id="{91E231E9-28B7-05BA-ECF8-DA3C2064DB35}"/>
+      <p:pic>
+        <p:nvPicPr>
+          <p:cNvPr id="40" name="Picture 39">
+            <a:extLst>
+              <a:ext uri="{FF2B5EF4-FFF2-40B4-BE49-F238E27FC236}">
+                <a16:creationId xmlns:a16="http://schemas.microsoft.com/office/drawing/2014/main" id="{D64729D2-8B0E-115C-3971-F1FB81C5C251}"/>
+              </a:ext>
+            </a:extLst>
+          </p:cNvPr>
+          <p:cNvPicPr>
+            <a:picLocks noChangeAspect="1"/>
+          </p:cNvPicPr>
+          <p:nvPr/>
+        </p:nvPicPr>
+        <p:blipFill>
+          <a:blip r:embed="rId2"/>
+          <a:stretch>
+            <a:fillRect/>
+          </a:stretch>
+        </p:blipFill>
+        <p:spPr>
+          <a:xfrm>
+            <a:off x="19387659" y="450340"/>
+            <a:ext cx="5494984" cy="3089708"/>
+          </a:xfrm>
+          <a:prstGeom prst="rect">
+            <a:avLst/>
+          </a:prstGeom>
+        </p:spPr>
+      </p:pic>
+      <p:sp>
+        <p:nvSpPr>
+          <p:cNvPr id="17" name="Rectangle: Rounded Corners 16">
+            <a:extLst>
+              <a:ext uri="{FF2B5EF4-FFF2-40B4-BE49-F238E27FC236}">
+                <a16:creationId xmlns:a16="http://schemas.microsoft.com/office/drawing/2014/main" id="{C8E20907-9690-C9C3-0188-63CFEB608923}"/>
               </a:ext>
             </a:extLst>
           </p:cNvPr>
@@ -6331,18 +7531,22 @@
           <p:nvPr/>
         </p:nvSpPr>
         <p:spPr>
-          <a:xfrm flipV="1">
-            <a:off x="2245466" y="-19077"/>
-            <a:ext cx="25838205" cy="4468351"/>
-          </a:xfrm>
-          <a:prstGeom prst="round2SameRect">
-            <a:avLst/>
+          <a:xfrm>
+            <a:off x="619433" y="27643718"/>
+            <a:ext cx="14518173" cy="13738215"/>
+          </a:xfrm>
+          <a:prstGeom prst="roundRect">
+            <a:avLst>
+              <a:gd name="adj" fmla="val 3189"/>
+            </a:avLst>
           </a:prstGeom>
           <a:solidFill>
-            <a:srgbClr val="76644D"/>
+            <a:schemeClr val="bg1"/>
           </a:solidFill>
           <a:ln w="254000">
-            <a:noFill/>
+            <a:solidFill>
+              <a:srgbClr val="174948"/>
+            </a:solidFill>
           </a:ln>
         </p:spPr>
         <p:style>
@@ -6372,10 +7576,10 @@
       </p:sp>
       <p:sp>
         <p:nvSpPr>
-          <p:cNvPr id="45" name="Rectangle: Top Corners Rounded 44">
-            <a:extLst>
-              <a:ext uri="{FF2B5EF4-FFF2-40B4-BE49-F238E27FC236}">
-                <a16:creationId xmlns:a16="http://schemas.microsoft.com/office/drawing/2014/main" id="{FA8249AA-713D-3BBF-4289-A93F8E81DF08}"/>
+          <p:cNvPr id="18" name="Rectangle: Rounded Corners 17">
+            <a:extLst>
+              <a:ext uri="{FF2B5EF4-FFF2-40B4-BE49-F238E27FC236}">
+                <a16:creationId xmlns:a16="http://schemas.microsoft.com/office/drawing/2014/main" id="{6B5F2859-9334-2930-0F07-294CEB0EA2AD}"/>
               </a:ext>
             </a:extLst>
           </p:cNvPr>
@@ -6383,18 +7587,22 @@
           <p:nvPr/>
         </p:nvSpPr>
         <p:spPr>
-          <a:xfrm flipV="1">
-            <a:off x="3593302" y="-21303"/>
-            <a:ext cx="23088601" cy="4470577"/>
-          </a:xfrm>
-          <a:prstGeom prst="round2SameRect">
-            <a:avLst/>
+          <a:xfrm>
+            <a:off x="15747588" y="27791203"/>
+            <a:ext cx="13858989" cy="7375456"/>
+          </a:xfrm>
+          <a:prstGeom prst="roundRect">
+            <a:avLst>
+              <a:gd name="adj" fmla="val 2683"/>
+            </a:avLst>
           </a:prstGeom>
           <a:solidFill>
-            <a:srgbClr val="465045"/>
+            <a:schemeClr val="bg1"/>
           </a:solidFill>
           <a:ln w="254000">
-            <a:noFill/>
+            <a:solidFill>
+              <a:srgbClr val="269088"/>
+            </a:solidFill>
           </a:ln>
         </p:spPr>
         <p:style>
@@ -6424,10 +7632,10 @@
       </p:sp>
       <p:sp>
         <p:nvSpPr>
-          <p:cNvPr id="17" name="Rectangle: Rounded Corners 16">
-            <a:extLst>
-              <a:ext uri="{FF2B5EF4-FFF2-40B4-BE49-F238E27FC236}">
-                <a16:creationId xmlns:a16="http://schemas.microsoft.com/office/drawing/2014/main" id="{023B9C16-DCDC-56D1-CA20-E8C61460DF40}"/>
+          <p:cNvPr id="19" name="Rectangle: Rounded Corners 18">
+            <a:extLst>
+              <a:ext uri="{FF2B5EF4-FFF2-40B4-BE49-F238E27FC236}">
+                <a16:creationId xmlns:a16="http://schemas.microsoft.com/office/drawing/2014/main" id="{D1F75560-1F6B-32A5-BF65-6CA31A953482}"/>
               </a:ext>
             </a:extLst>
           </p:cNvPr>
@@ -6436,12 +7644,12 @@
         </p:nvSpPr>
         <p:spPr>
           <a:xfrm>
-            <a:off x="619433" y="26557868"/>
-            <a:ext cx="14518173" cy="13738215"/>
+            <a:off x="15765564" y="35908635"/>
+            <a:ext cx="13908192" cy="5244457"/>
           </a:xfrm>
           <a:prstGeom prst="roundRect">
             <a:avLst>
-              <a:gd name="adj" fmla="val 3189"/>
+              <a:gd name="adj" fmla="val 2154"/>
             </a:avLst>
           </a:prstGeom>
           <a:solidFill>
@@ -6449,7 +7657,7 @@
           </a:solidFill>
           <a:ln w="254000">
             <a:solidFill>
-              <a:srgbClr val="76644D"/>
+              <a:srgbClr val="56C2AD"/>
             </a:solidFill>
           </a:ln>
         </p:spPr>
@@ -6474,16 +7682,16 @@
           <a:lstStyle/>
           <a:p>
             <a:pPr algn="ctr"/>
-            <a:endParaRPr lang="de-DE"/>
-          </a:p>
-        </p:txBody>
-      </p:sp>
-      <p:sp>
-        <p:nvSpPr>
-          <p:cNvPr id="18" name="Rectangle: Rounded Corners 17">
-            <a:extLst>
-              <a:ext uri="{FF2B5EF4-FFF2-40B4-BE49-F238E27FC236}">
-                <a16:creationId xmlns:a16="http://schemas.microsoft.com/office/drawing/2014/main" id="{46A8F932-550D-8ED4-0C2C-D1AE14B300F5}"/>
+            <a:endParaRPr lang="de-DE" dirty="0"/>
+          </a:p>
+        </p:txBody>
+      </p:sp>
+      <p:sp>
+        <p:nvSpPr>
+          <p:cNvPr id="16" name="Rectangle: Rounded Corners 15">
+            <a:extLst>
+              <a:ext uri="{FF2B5EF4-FFF2-40B4-BE49-F238E27FC236}">
+                <a16:creationId xmlns:a16="http://schemas.microsoft.com/office/drawing/2014/main" id="{4A737686-AA97-81B9-A60E-DFC72F4310F0}"/>
               </a:ext>
             </a:extLst>
           </p:cNvPr>
@@ -6492,12 +7700,12 @@
         </p:nvSpPr>
         <p:spPr>
           <a:xfrm>
-            <a:off x="15747588" y="26705353"/>
-            <a:ext cx="13858989" cy="5808341"/>
+            <a:off x="619433" y="13902154"/>
+            <a:ext cx="29054323" cy="13032673"/>
           </a:xfrm>
           <a:prstGeom prst="roundRect">
             <a:avLst>
-              <a:gd name="adj" fmla="val 2683"/>
+              <a:gd name="adj" fmla="val 1883"/>
             </a:avLst>
           </a:prstGeom>
           <a:solidFill>
@@ -6505,7 +7713,7 @@
           </a:solidFill>
           <a:ln w="254000">
             <a:solidFill>
-              <a:srgbClr val="B57F56"/>
+              <a:srgbClr val="0F3A3C"/>
             </a:solidFill>
           </a:ln>
         </p:spPr>
@@ -6530,16 +7738,16 @@
           <a:lstStyle/>
           <a:p>
             <a:pPr algn="ctr"/>
-            <a:endParaRPr lang="de-DE"/>
-          </a:p>
-        </p:txBody>
-      </p:sp>
-      <p:sp>
-        <p:nvSpPr>
-          <p:cNvPr id="19" name="Rectangle: Rounded Corners 18">
-            <a:extLst>
-              <a:ext uri="{FF2B5EF4-FFF2-40B4-BE49-F238E27FC236}">
-                <a16:creationId xmlns:a16="http://schemas.microsoft.com/office/drawing/2014/main" id="{75795EDC-32D6-CF1B-17C4-EB13CFBE1EF6}"/>
+            <a:endParaRPr lang="de-DE" dirty="0"/>
+          </a:p>
+        </p:txBody>
+      </p:sp>
+      <p:sp>
+        <p:nvSpPr>
+          <p:cNvPr id="14" name="Rectangle: Rounded Corners 13">
+            <a:extLst>
+              <a:ext uri="{FF2B5EF4-FFF2-40B4-BE49-F238E27FC236}">
+                <a16:creationId xmlns:a16="http://schemas.microsoft.com/office/drawing/2014/main" id="{8F6AE0FD-9625-DA86-D640-74A5833A3CB8}"/>
               </a:ext>
             </a:extLst>
           </p:cNvPr>
@@ -6548,12 +7756,12 @@
         </p:nvSpPr>
         <p:spPr>
           <a:xfrm>
-            <a:off x="15765564" y="33222585"/>
-            <a:ext cx="7194683" cy="7073498"/>
+            <a:off x="619433" y="6354752"/>
+            <a:ext cx="29054323" cy="6831954"/>
           </a:xfrm>
           <a:prstGeom prst="roundRect">
             <a:avLst>
-              <a:gd name="adj" fmla="val 2154"/>
+              <a:gd name="adj" fmla="val 4408"/>
             </a:avLst>
           </a:prstGeom>
           <a:solidFill>
@@ -6561,7 +7769,7 @@
           </a:solidFill>
           <a:ln w="254000">
             <a:solidFill>
-              <a:srgbClr val="E7945E"/>
+              <a:srgbClr val="072C30"/>
             </a:solidFill>
           </a:ln>
         </p:spPr>
@@ -6582,20 +7790,725 @@
           </a:fontRef>
         </p:style>
         <p:txBody>
-          <a:bodyPr rtlCol="0" anchor="ctr"/>
+          <a:bodyPr numCol="1" rtlCol="0" anchor="ctr"/>
           <a:lstStyle/>
           <a:p>
             <a:pPr algn="ctr"/>
-            <a:endParaRPr lang="de-DE" dirty="0"/>
-          </a:p>
-        </p:txBody>
-      </p:sp>
-      <p:sp>
-        <p:nvSpPr>
-          <p:cNvPr id="16" name="Rectangle: Rounded Corners 15">
-            <a:extLst>
-              <a:ext uri="{FF2B5EF4-FFF2-40B4-BE49-F238E27FC236}">
-                <a16:creationId xmlns:a16="http://schemas.microsoft.com/office/drawing/2014/main" id="{8EB0F2DF-50DD-199D-6596-552816CEF123}"/>
+            <a:r>
+              <a:rPr lang="de-DE" dirty="0"/>
+              <a:t> </a:t>
+            </a:r>
+          </a:p>
+        </p:txBody>
+      </p:sp>
+      <p:sp>
+        <p:nvSpPr>
+          <p:cNvPr id="20" name="TextBox 19">
+            <a:extLst>
+              <a:ext uri="{FF2B5EF4-FFF2-40B4-BE49-F238E27FC236}">
+                <a16:creationId xmlns:a16="http://schemas.microsoft.com/office/drawing/2014/main" id="{99F60092-BDE3-05B7-EFD9-9DCB87820E54}"/>
+              </a:ext>
+            </a:extLst>
+          </p:cNvPr>
+          <p:cNvSpPr txBox="1"/>
+          <p:nvPr/>
+        </p:nvSpPr>
+        <p:spPr>
+          <a:xfrm>
+            <a:off x="1253554" y="8328936"/>
+            <a:ext cx="13893040" cy="4524315"/>
+          </a:xfrm>
+          <a:prstGeom prst="rect">
+            <a:avLst/>
+          </a:prstGeom>
+          <a:noFill/>
+          <a:ln>
+            <a:noFill/>
+          </a:ln>
+        </p:spPr>
+        <p:txBody>
+          <a:bodyPr wrap="square">
+            <a:spAutoFit/>
+          </a:bodyPr>
+          <a:lstStyle/>
+          <a:p>
+            <a:r>
+              <a:rPr lang="en-US" sz="2400" b="1" dirty="0"/>
+              <a:t>  </a:t>
+            </a:r>
+            <a:endParaRPr lang="en-US" sz="2400" dirty="0"/>
+          </a:p>
+          <a:p>
+            <a:pPr marL="457200" indent="-457200">
+              <a:buFont typeface="Arial" panose="020B0604020202020204" pitchFamily="34" charset="0"/>
+              <a:buChar char="•"/>
+            </a:pPr>
+            <a:r>
+              <a:rPr lang="de-DE" sz="2400" dirty="0"/>
+              <a:t>„We want to </a:t>
+            </a:r>
+            <a:r>
+              <a:rPr lang="en-US" sz="2400" dirty="0"/>
+              <a:t>extract RNA-dependent proteins from proteomic screens”</a:t>
+            </a:r>
+            <a:endParaRPr lang="de-DE" sz="2400" dirty="0"/>
+          </a:p>
+          <a:p>
+            <a:pPr marL="457200" indent="-457200">
+              <a:buFont typeface="Arial" panose="020B0604020202020204" pitchFamily="34" charset="0"/>
+              <a:buChar char="•"/>
+            </a:pPr>
+            <a:r>
+              <a:rPr lang="de-DE" sz="2400" dirty="0"/>
+              <a:t>„RNA-dependency = the proteins interactome depends on RNA“</a:t>
+            </a:r>
+          </a:p>
+          <a:p>
+            <a:endParaRPr lang="en-US" sz="2400" b="1" dirty="0"/>
+          </a:p>
+          <a:p>
+            <a:r>
+              <a:rPr lang="en-US" sz="2400" b="1" dirty="0"/>
+              <a:t>What Makes RNA-Dependent Proteins Worth Investigating?</a:t>
+            </a:r>
+          </a:p>
+          <a:p>
+            <a:pPr marL="457200" indent="-457200">
+              <a:buFont typeface="Arial" panose="020B0604020202020204" pitchFamily="34" charset="0"/>
+              <a:buChar char="•"/>
+            </a:pPr>
+            <a:r>
+              <a:rPr lang="de-DE" sz="2400" b="1" dirty="0"/>
+              <a:t>Key Regulators:</a:t>
+            </a:r>
+            <a:r>
+              <a:rPr lang="de-DE" sz="2400" dirty="0"/>
+              <a:t> RBPs control RNA metabolism &amp; gene expression.</a:t>
+            </a:r>
+          </a:p>
+          <a:p>
+            <a:pPr marL="457200" indent="-457200">
+              <a:buFont typeface="Arial" panose="020B0604020202020204" pitchFamily="34" charset="0"/>
+              <a:buChar char="•"/>
+            </a:pPr>
+            <a:r>
+              <a:rPr lang="de-DE" sz="2400" b="1" dirty="0"/>
+              <a:t>Disease Links:</a:t>
+            </a:r>
+            <a:r>
+              <a:rPr lang="de-DE" sz="2400" dirty="0"/>
+              <a:t> Misregulation is tied to cancer &amp; neurodegeneration.</a:t>
+            </a:r>
+          </a:p>
+          <a:p>
+            <a:pPr marL="457200" indent="-457200">
+              <a:buFont typeface="Arial" panose="020B0604020202020204" pitchFamily="34" charset="0"/>
+              <a:buChar char="•"/>
+            </a:pPr>
+            <a:r>
+              <a:rPr lang="de-DE" sz="2400" b="1" dirty="0"/>
+              <a:t>Functional Clues:</a:t>
+            </a:r>
+            <a:r>
+              <a:rPr lang="de-DE" sz="2400" dirty="0"/>
+              <a:t> New RBPs hint at RNA’s role in specific pathways.</a:t>
+            </a:r>
+          </a:p>
+          <a:p>
+            <a:pPr marL="457200" indent="-457200">
+              <a:buFont typeface="Arial" panose="020B0604020202020204" pitchFamily="34" charset="0"/>
+              <a:buChar char="•"/>
+            </a:pPr>
+            <a:r>
+              <a:rPr lang="de-DE" sz="2400" b="1" dirty="0"/>
+              <a:t>Interaction Networks:</a:t>
+            </a:r>
+            <a:r>
+              <a:rPr lang="de-DE" sz="2400" dirty="0"/>
+              <a:t> Mapping RNA-protein complexes reveals regulatory logic. </a:t>
+            </a:r>
+          </a:p>
+          <a:p>
+            <a:pPr marL="457200" indent="-457200">
+              <a:buFont typeface="Arial" panose="020B0604020202020204" pitchFamily="34" charset="0"/>
+              <a:buChar char="•"/>
+            </a:pPr>
+            <a:r>
+              <a:rPr lang="de-DE" sz="2400" b="1" dirty="0"/>
+              <a:t>Molecular Insights:</a:t>
+            </a:r>
+            <a:r>
+              <a:rPr lang="de-DE" sz="2400" dirty="0"/>
+              <a:t> Deepens our understanding of cell cycle and cellular behavior. </a:t>
+            </a:r>
+            <a:endParaRPr lang="en-US" sz="2400" b="1" dirty="0"/>
+          </a:p>
+          <a:p>
+            <a:pPr marL="457200" indent="-457200">
+              <a:buFont typeface="Arial" panose="020B0604020202020204" pitchFamily="34" charset="0"/>
+              <a:buChar char="•"/>
+            </a:pPr>
+            <a:endParaRPr lang="de-DE" sz="2400" dirty="0"/>
+          </a:p>
+          <a:p>
+            <a:pPr marL="457200" indent="-457200">
+              <a:buFont typeface="Arial" panose="020B0604020202020204" pitchFamily="34" charset="0"/>
+              <a:buChar char="•"/>
+            </a:pPr>
+            <a:endParaRPr lang="de-DE" sz="2400" dirty="0"/>
+          </a:p>
+        </p:txBody>
+      </p:sp>
+      <p:sp>
+        <p:nvSpPr>
+          <p:cNvPr id="3" name="TextBox 2">
+            <a:extLst>
+              <a:ext uri="{FF2B5EF4-FFF2-40B4-BE49-F238E27FC236}">
+                <a16:creationId xmlns:a16="http://schemas.microsoft.com/office/drawing/2014/main" id="{A10ADA84-007D-D28E-D978-2E2422803422}"/>
+              </a:ext>
+            </a:extLst>
+          </p:cNvPr>
+          <p:cNvSpPr txBox="1"/>
+          <p:nvPr/>
+        </p:nvSpPr>
+        <p:spPr>
+          <a:xfrm>
+            <a:off x="1887734" y="16043329"/>
+            <a:ext cx="24173364" cy="7109639"/>
+          </a:xfrm>
+          <a:prstGeom prst="rect">
+            <a:avLst/>
+          </a:prstGeom>
+          <a:noFill/>
+          <a:ln>
+            <a:noFill/>
+          </a:ln>
+        </p:spPr>
+        <p:txBody>
+          <a:bodyPr wrap="square">
+            <a:spAutoFit/>
+          </a:bodyPr>
+          <a:lstStyle/>
+          <a:p>
+            <a:r>
+              <a:rPr lang="en-US" sz="2400" b="1" dirty="0"/>
+              <a:t>1) Data preparation</a:t>
+            </a:r>
+          </a:p>
+          <a:p>
+            <a:pPr marL="457200" indent="-457200">
+              <a:buFont typeface="Arial" panose="020B0604020202020204" pitchFamily="34" charset="0"/>
+              <a:buChar char="•"/>
+            </a:pPr>
+            <a:r>
+              <a:rPr lang="en-US" sz="2400" dirty="0"/>
+              <a:t>Data cleanup</a:t>
+            </a:r>
+          </a:p>
+          <a:p>
+            <a:pPr marL="457200" indent="-457200">
+              <a:buFont typeface="Arial" panose="020B0604020202020204" pitchFamily="34" charset="0"/>
+              <a:buChar char="•"/>
+            </a:pPr>
+            <a:r>
+              <a:rPr lang="en-US" sz="2400" dirty="0"/>
+              <a:t>“Rearrange and reorder the columns to their treatment, replicate and fraction”</a:t>
+            </a:r>
+          </a:p>
+          <a:p>
+            <a:pPr marL="457200" indent="-457200">
+              <a:buFont typeface="Arial" panose="020B0604020202020204" pitchFamily="34" charset="0"/>
+              <a:buChar char="•"/>
+            </a:pPr>
+            <a:r>
+              <a:rPr lang="en-US" sz="2400" dirty="0"/>
+              <a:t>Normalization</a:t>
+            </a:r>
+          </a:p>
+          <a:p>
+            <a:endParaRPr lang="en-US" sz="2400" b="1" dirty="0"/>
+          </a:p>
+          <a:p>
+            <a:r>
+              <a:rPr lang="de-DE" sz="2400" b="1" dirty="0"/>
+              <a:t>2) Data exploration</a:t>
+            </a:r>
+            <a:endParaRPr lang="de-DE" sz="2400" dirty="0"/>
+          </a:p>
+          <a:p>
+            <a:pPr marL="457200" indent="-457200">
+              <a:buFont typeface="Arial" panose="020B0604020202020204" pitchFamily="34" charset="0"/>
+              <a:buChar char="•"/>
+            </a:pPr>
+            <a:r>
+              <a:rPr lang="en-US" sz="2400" dirty="0"/>
+              <a:t> Identification of maxima and shoulders</a:t>
+            </a:r>
+          </a:p>
+          <a:p>
+            <a:pPr marL="457200" indent="-457200">
+              <a:buFont typeface="Arial" panose="020B0604020202020204" pitchFamily="34" charset="0"/>
+              <a:buChar char="•"/>
+            </a:pPr>
+            <a:r>
+              <a:rPr lang="en-US" sz="2400" dirty="0"/>
+              <a:t> </a:t>
+            </a:r>
+            <a:r>
+              <a:rPr lang="de-DE" sz="2400" dirty="0"/>
+              <a:t>Selection criteria</a:t>
+            </a:r>
+            <a:r>
+              <a:rPr lang="en-US" sz="2400" dirty="0"/>
+              <a:t> &amp; Wilcoxon Test </a:t>
+            </a:r>
+          </a:p>
+          <a:p>
+            <a:pPr marL="457200" indent="-457200">
+              <a:buFont typeface="Arial" panose="020B0604020202020204" pitchFamily="34" charset="0"/>
+              <a:buChar char="•"/>
+            </a:pPr>
+            <a:r>
+              <a:rPr lang="en-US" sz="2400" dirty="0"/>
+              <a:t>Visualization for the </a:t>
+            </a:r>
+            <a:r>
+              <a:rPr lang="de-DE" sz="2400" dirty="0"/>
+              <a:t>order of selection criteria</a:t>
+            </a:r>
+            <a:endParaRPr lang="en-US" sz="2400" dirty="0"/>
+          </a:p>
+          <a:p>
+            <a:pPr marL="457200" indent="-457200">
+              <a:buFont typeface="Arial" panose="020B0604020202020204" pitchFamily="34" charset="0"/>
+              <a:buChar char="•"/>
+            </a:pPr>
+            <a:r>
+              <a:rPr lang="en-US" sz="2400" dirty="0"/>
+              <a:t>Pie charts for selection results</a:t>
+            </a:r>
+          </a:p>
+          <a:p>
+            <a:endParaRPr lang="en-US" sz="2400" b="1" dirty="0"/>
+          </a:p>
+          <a:p>
+            <a:r>
+              <a:rPr lang="de-DE" sz="2400" b="1" dirty="0"/>
+              <a:t>3) Data reduction</a:t>
+            </a:r>
+          </a:p>
+          <a:p>
+            <a:pPr marL="457200" indent="-457200">
+              <a:buFont typeface="Arial" panose="020B0604020202020204" pitchFamily="34" charset="0"/>
+              <a:buChar char="•"/>
+            </a:pPr>
+            <a:r>
+              <a:rPr lang="de-DE" sz="2400" dirty="0"/>
+              <a:t>PCR </a:t>
+            </a:r>
+            <a:endParaRPr lang="en-US" sz="2400" dirty="0"/>
+          </a:p>
+          <a:p>
+            <a:pPr marL="457200" indent="-457200">
+              <a:buFont typeface="Arial" panose="020B0604020202020204" pitchFamily="34" charset="0"/>
+              <a:buChar char="•"/>
+            </a:pPr>
+            <a:r>
+              <a:rPr lang="en-US" sz="2400" dirty="0"/>
+              <a:t> k-means clustering</a:t>
+            </a:r>
+          </a:p>
+          <a:p>
+            <a:pPr marL="457200" indent="-457200">
+              <a:buFont typeface="Arial" panose="020B0604020202020204" pitchFamily="34" charset="0"/>
+              <a:buChar char="•"/>
+            </a:pPr>
+            <a:endParaRPr lang="en-US" sz="2400" dirty="0"/>
+          </a:p>
+          <a:p>
+            <a:r>
+              <a:rPr lang="de-DE" sz="2400" b="1" dirty="0"/>
+              <a:t>4) Data modelling</a:t>
+            </a:r>
+          </a:p>
+          <a:p>
+            <a:pPr marL="457200" indent="-457200">
+              <a:buFont typeface="Arial" panose="020B0604020202020204" pitchFamily="34" charset="0"/>
+              <a:buChar char="•"/>
+            </a:pPr>
+            <a:r>
+              <a:rPr lang="en-US" sz="2400" dirty="0"/>
+              <a:t> Linear Regression </a:t>
+            </a:r>
+            <a:endParaRPr lang="en-US" sz="2400" b="1" dirty="0"/>
+          </a:p>
+          <a:p>
+            <a:endParaRPr lang="en-US" sz="2400" b="1" dirty="0"/>
+          </a:p>
+          <a:p>
+            <a:endParaRPr lang="en-US" sz="2400" b="1" dirty="0"/>
+          </a:p>
+        </p:txBody>
+      </p:sp>
+      <p:sp>
+        <p:nvSpPr>
+          <p:cNvPr id="5" name="TextBox 4">
+            <a:extLst>
+              <a:ext uri="{FF2B5EF4-FFF2-40B4-BE49-F238E27FC236}">
+                <a16:creationId xmlns:a16="http://schemas.microsoft.com/office/drawing/2014/main" id="{D2A96327-E157-BE23-8869-12D8D7B9EDBD}"/>
+              </a:ext>
+            </a:extLst>
+          </p:cNvPr>
+          <p:cNvSpPr txBox="1"/>
+          <p:nvPr/>
+        </p:nvSpPr>
+        <p:spPr>
+          <a:xfrm>
+            <a:off x="1253554" y="29923970"/>
+            <a:ext cx="11401261" cy="11172289"/>
+          </a:xfrm>
+          <a:prstGeom prst="rect">
+            <a:avLst/>
+          </a:prstGeom>
+          <a:noFill/>
+          <a:ln>
+            <a:noFill/>
+          </a:ln>
+        </p:spPr>
+        <p:txBody>
+          <a:bodyPr wrap="square">
+            <a:spAutoFit/>
+          </a:bodyPr>
+          <a:lstStyle/>
+          <a:p>
+            <a:pPr marL="457200" indent="-457200">
+              <a:buFont typeface="Arial" panose="020B0604020202020204" pitchFamily="34" charset="0"/>
+              <a:buChar char="•"/>
+            </a:pPr>
+            <a:r>
+              <a:rPr lang="en-US" sz="2400" dirty="0"/>
+              <a:t>Critical review of our own results and methods (e.g., Selection criteria made us delete some RBPs. Why? What were their properties?)</a:t>
+            </a:r>
+          </a:p>
+          <a:p>
+            <a:pPr marL="457200" indent="-457200">
+              <a:buFont typeface="Arial" panose="020B0604020202020204" pitchFamily="34" charset="0"/>
+              <a:buChar char="•"/>
+            </a:pPr>
+            <a:r>
+              <a:rPr lang="en-US" sz="2400" dirty="0"/>
+              <a:t>Why do we find fewer proteins than </a:t>
+            </a:r>
+            <a:r>
+              <a:rPr lang="en-US" sz="2400" dirty="0" err="1"/>
+              <a:t>Maïwen</a:t>
+            </a:r>
+            <a:r>
+              <a:rPr lang="en-US" sz="2400" dirty="0"/>
+              <a:t>? </a:t>
+            </a:r>
+          </a:p>
+          <a:p>
+            <a:pPr marL="457200" indent="-457200">
+              <a:buFont typeface="Arial" panose="020B0604020202020204" pitchFamily="34" charset="0"/>
+              <a:buChar char="•"/>
+            </a:pPr>
+            <a:endParaRPr lang="en-US" sz="2400" dirty="0"/>
+          </a:p>
+          <a:p>
+            <a:pPr marL="457200" indent="-457200">
+              <a:buFont typeface="Arial" panose="020B0604020202020204" pitchFamily="34" charset="0"/>
+              <a:buChar char="•"/>
+            </a:pPr>
+            <a:endParaRPr lang="en-US" sz="2400" dirty="0"/>
+          </a:p>
+          <a:p>
+            <a:pPr marL="457200" indent="-457200">
+              <a:buFont typeface="Arial" panose="020B0604020202020204" pitchFamily="34" charset="0"/>
+              <a:buChar char="•"/>
+            </a:pPr>
+            <a:endParaRPr lang="en-US" sz="2400" dirty="0"/>
+          </a:p>
+          <a:p>
+            <a:pPr marL="457200" indent="-457200">
+              <a:buFont typeface="Arial" panose="020B0604020202020204" pitchFamily="34" charset="0"/>
+              <a:buChar char="•"/>
+            </a:pPr>
+            <a:endParaRPr lang="en-US" sz="2400" dirty="0"/>
+          </a:p>
+          <a:p>
+            <a:pPr marL="457200" indent="-457200">
+              <a:buFont typeface="Arial" panose="020B0604020202020204" pitchFamily="34" charset="0"/>
+              <a:buChar char="•"/>
+            </a:pPr>
+            <a:endParaRPr lang="en-US" sz="2400" dirty="0"/>
+          </a:p>
+          <a:p>
+            <a:pPr marL="457200" indent="-457200">
+              <a:buFont typeface="Arial" panose="020B0604020202020204" pitchFamily="34" charset="0"/>
+              <a:buChar char="•"/>
+            </a:pPr>
+            <a:endParaRPr lang="en-US" sz="2400" dirty="0"/>
+          </a:p>
+          <a:p>
+            <a:pPr marL="457200" indent="-457200">
+              <a:buFont typeface="Arial" panose="020B0604020202020204" pitchFamily="34" charset="0"/>
+              <a:buChar char="•"/>
+            </a:pPr>
+            <a:endParaRPr lang="en-US" sz="2400" dirty="0"/>
+          </a:p>
+          <a:p>
+            <a:pPr marL="457200" indent="-457200">
+              <a:buFont typeface="Arial" panose="020B0604020202020204" pitchFamily="34" charset="0"/>
+              <a:buChar char="•"/>
+            </a:pPr>
+            <a:endParaRPr lang="en-US" sz="2400" dirty="0"/>
+          </a:p>
+          <a:p>
+            <a:pPr marL="457200" indent="-457200">
+              <a:buFont typeface="Arial" panose="020B0604020202020204" pitchFamily="34" charset="0"/>
+              <a:buChar char="•"/>
+            </a:pPr>
+            <a:endParaRPr lang="en-US" sz="2400" dirty="0"/>
+          </a:p>
+          <a:p>
+            <a:pPr marL="457200" indent="-457200">
+              <a:buFont typeface="Arial" panose="020B0604020202020204" pitchFamily="34" charset="0"/>
+              <a:buChar char="•"/>
+            </a:pPr>
+            <a:endParaRPr lang="en-US" sz="2400" dirty="0"/>
+          </a:p>
+          <a:p>
+            <a:pPr marL="457200" indent="-457200">
+              <a:buFont typeface="Arial" panose="020B0604020202020204" pitchFamily="34" charset="0"/>
+              <a:buChar char="•"/>
+            </a:pPr>
+            <a:endParaRPr lang="en-US" sz="2400" dirty="0"/>
+          </a:p>
+          <a:p>
+            <a:pPr marL="457200" indent="-457200">
+              <a:buFont typeface="Arial" panose="020B0604020202020204" pitchFamily="34" charset="0"/>
+              <a:buChar char="•"/>
+            </a:pPr>
+            <a:endParaRPr lang="en-US" sz="2400" dirty="0"/>
+          </a:p>
+          <a:p>
+            <a:pPr marL="457200" indent="-457200">
+              <a:buFont typeface="Arial" panose="020B0604020202020204" pitchFamily="34" charset="0"/>
+              <a:buChar char="•"/>
+            </a:pPr>
+            <a:endParaRPr lang="en-US" sz="2400" dirty="0"/>
+          </a:p>
+          <a:p>
+            <a:pPr marL="457200" indent="-457200">
+              <a:buFont typeface="Arial" panose="020B0604020202020204" pitchFamily="34" charset="0"/>
+              <a:buChar char="•"/>
+            </a:pPr>
+            <a:endParaRPr lang="en-US" sz="2400" dirty="0"/>
+          </a:p>
+          <a:p>
+            <a:pPr marL="457200" indent="-457200">
+              <a:buFont typeface="Arial" panose="020B0604020202020204" pitchFamily="34" charset="0"/>
+              <a:buChar char="•"/>
+            </a:pPr>
+            <a:endParaRPr lang="en-US" sz="2400" dirty="0"/>
+          </a:p>
+          <a:p>
+            <a:pPr marL="457200" indent="-457200">
+              <a:buFont typeface="Arial" panose="020B0604020202020204" pitchFamily="34" charset="0"/>
+              <a:buChar char="•"/>
+            </a:pPr>
+            <a:endParaRPr lang="en-US" sz="2400" dirty="0"/>
+          </a:p>
+          <a:p>
+            <a:pPr marL="457200" indent="-457200">
+              <a:buFont typeface="Arial" panose="020B0604020202020204" pitchFamily="34" charset="0"/>
+              <a:buChar char="•"/>
+            </a:pPr>
+            <a:endParaRPr lang="en-US" sz="2400" dirty="0"/>
+          </a:p>
+          <a:p>
+            <a:pPr marL="457200" indent="-457200">
+              <a:buFont typeface="Arial" panose="020B0604020202020204" pitchFamily="34" charset="0"/>
+              <a:buChar char="•"/>
+            </a:pPr>
+            <a:endParaRPr lang="en-US" sz="2400" dirty="0"/>
+          </a:p>
+          <a:p>
+            <a:pPr marL="457200" indent="-457200">
+              <a:buFont typeface="Arial" panose="020B0604020202020204" pitchFamily="34" charset="0"/>
+              <a:buChar char="•"/>
+            </a:pPr>
+            <a:endParaRPr lang="en-US" sz="2400" dirty="0"/>
+          </a:p>
+          <a:p>
+            <a:pPr marL="457200" indent="-457200">
+              <a:buFont typeface="Arial" panose="020B0604020202020204" pitchFamily="34" charset="0"/>
+              <a:buChar char="•"/>
+            </a:pPr>
+            <a:endParaRPr lang="en-US" sz="2400" dirty="0"/>
+          </a:p>
+          <a:p>
+            <a:pPr marL="457200" indent="-457200">
+              <a:buFont typeface="Arial" panose="020B0604020202020204" pitchFamily="34" charset="0"/>
+              <a:buChar char="•"/>
+            </a:pPr>
+            <a:endParaRPr lang="en-US" sz="2400" dirty="0"/>
+          </a:p>
+          <a:p>
+            <a:pPr marL="457200" indent="-457200">
+              <a:buFont typeface="Arial" panose="020B0604020202020204" pitchFamily="34" charset="0"/>
+              <a:buChar char="•"/>
+            </a:pPr>
+            <a:endParaRPr lang="en-US" sz="2400" dirty="0"/>
+          </a:p>
+          <a:p>
+            <a:pPr marL="457200" indent="-457200">
+              <a:buFont typeface="Arial" panose="020B0604020202020204" pitchFamily="34" charset="0"/>
+              <a:buChar char="•"/>
+            </a:pPr>
+            <a:endParaRPr lang="en-US" sz="2400" dirty="0"/>
+          </a:p>
+          <a:p>
+            <a:pPr marL="457200" indent="-457200">
+              <a:buFont typeface="Arial" panose="020B0604020202020204" pitchFamily="34" charset="0"/>
+              <a:buChar char="•"/>
+            </a:pPr>
+            <a:endParaRPr lang="en-US" sz="2400" dirty="0"/>
+          </a:p>
+          <a:p>
+            <a:pPr marL="457200" indent="-457200">
+              <a:buFont typeface="Arial" panose="020B0604020202020204" pitchFamily="34" charset="0"/>
+              <a:buChar char="•"/>
+            </a:pPr>
+            <a:endParaRPr lang="en-US" sz="2400" dirty="0"/>
+          </a:p>
+          <a:p>
+            <a:pPr marL="457200" indent="-457200">
+              <a:buFont typeface="Arial" panose="020B0604020202020204" pitchFamily="34" charset="0"/>
+              <a:buChar char="•"/>
+            </a:pPr>
+            <a:endParaRPr lang="en-US" sz="2400" dirty="0"/>
+          </a:p>
+          <a:p>
+            <a:endParaRPr lang="en-US" sz="2400" b="1" dirty="0"/>
+          </a:p>
+        </p:txBody>
+      </p:sp>
+      <p:sp>
+        <p:nvSpPr>
+          <p:cNvPr id="6" name="TextBox 5">
+            <a:extLst>
+              <a:ext uri="{FF2B5EF4-FFF2-40B4-BE49-F238E27FC236}">
+                <a16:creationId xmlns:a16="http://schemas.microsoft.com/office/drawing/2014/main" id="{F62511C7-BFF5-8CA3-7B15-86745EEB17A6}"/>
+              </a:ext>
+            </a:extLst>
+          </p:cNvPr>
+          <p:cNvSpPr txBox="1"/>
+          <p:nvPr/>
+        </p:nvSpPr>
+        <p:spPr>
+          <a:xfrm>
+            <a:off x="16242587" y="37886105"/>
+            <a:ext cx="5093413" cy="1569660"/>
+          </a:xfrm>
+          <a:prstGeom prst="rect">
+            <a:avLst/>
+          </a:prstGeom>
+          <a:noFill/>
+          <a:ln>
+            <a:noFill/>
+          </a:ln>
+        </p:spPr>
+        <p:txBody>
+          <a:bodyPr wrap="square">
+            <a:spAutoFit/>
+          </a:bodyPr>
+          <a:lstStyle/>
+          <a:p>
+            <a:pPr marL="457200" indent="-457200">
+              <a:buFont typeface="Arial" panose="020B0604020202020204" pitchFamily="34" charset="0"/>
+              <a:buChar char="•"/>
+            </a:pPr>
+            <a:endParaRPr lang="en-US" sz="2400" dirty="0"/>
+          </a:p>
+          <a:p>
+            <a:pPr marL="457200" indent="-457200">
+              <a:buFont typeface="Arial" panose="020B0604020202020204" pitchFamily="34" charset="0"/>
+              <a:buChar char="•"/>
+            </a:pPr>
+            <a:r>
+              <a:rPr lang="en-US" sz="2400" dirty="0"/>
+              <a:t>https://de.wikipedia.org/wiki/Eigentliche_Schnepfen</a:t>
+            </a:r>
+          </a:p>
+          <a:p>
+            <a:pPr marL="457200" indent="-457200">
+              <a:buFont typeface="Arial" panose="020B0604020202020204" pitchFamily="34" charset="0"/>
+              <a:buChar char="•"/>
+            </a:pPr>
+            <a:endParaRPr lang="en-US" sz="2400" dirty="0"/>
+          </a:p>
+        </p:txBody>
+      </p:sp>
+      <p:sp>
+        <p:nvSpPr>
+          <p:cNvPr id="7" name="TextBox 6">
+            <a:extLst>
+              <a:ext uri="{FF2B5EF4-FFF2-40B4-BE49-F238E27FC236}">
+                <a16:creationId xmlns:a16="http://schemas.microsoft.com/office/drawing/2014/main" id="{D2D0B188-3BEA-8240-04F4-2529E568A11A}"/>
+              </a:ext>
+            </a:extLst>
+          </p:cNvPr>
+          <p:cNvSpPr txBox="1"/>
+          <p:nvPr/>
+        </p:nvSpPr>
+        <p:spPr>
+          <a:xfrm>
+            <a:off x="16242587" y="29724016"/>
+            <a:ext cx="8291810" cy="1200329"/>
+          </a:xfrm>
+          <a:prstGeom prst="rect">
+            <a:avLst/>
+          </a:prstGeom>
+          <a:noFill/>
+          <a:ln>
+            <a:noFill/>
+          </a:ln>
+        </p:spPr>
+        <p:txBody>
+          <a:bodyPr wrap="square">
+            <a:spAutoFit/>
+          </a:bodyPr>
+          <a:lstStyle/>
+          <a:p>
+            <a:pPr marL="457200" indent="-457200">
+              <a:buFont typeface="Arial" panose="020B0604020202020204" pitchFamily="34" charset="0"/>
+              <a:buChar char="•"/>
+            </a:pPr>
+            <a:r>
+              <a:rPr lang="de-DE" sz="2400" dirty="0"/>
+              <a:t>We found X proteins that ...</a:t>
+            </a:r>
+          </a:p>
+          <a:p>
+            <a:pPr marL="457200" indent="-457200">
+              <a:buFont typeface="Arial" panose="020B0604020202020204" pitchFamily="34" charset="0"/>
+              <a:buChar char="•"/>
+            </a:pPr>
+            <a:endParaRPr lang="de-DE" sz="2400" dirty="0"/>
+          </a:p>
+          <a:p>
+            <a:endParaRPr lang="en-US" sz="2400" b="1" dirty="0"/>
+          </a:p>
+        </p:txBody>
+      </p:sp>
+      <p:sp>
+        <p:nvSpPr>
+          <p:cNvPr id="24" name="Rectangle: Rounded Corners 23">
+            <a:extLst>
+              <a:ext uri="{FF2B5EF4-FFF2-40B4-BE49-F238E27FC236}">
+                <a16:creationId xmlns:a16="http://schemas.microsoft.com/office/drawing/2014/main" id="{4A270B3D-50D8-B4D7-3729-E6C5AC5D10DD}"/>
               </a:ext>
             </a:extLst>
           </p:cNvPr>
@@ -6604,21 +8517,19 @@
         </p:nvSpPr>
         <p:spPr>
           <a:xfrm>
-            <a:off x="619433" y="12816304"/>
-            <a:ext cx="29054323" cy="13032673"/>
+            <a:off x="619433" y="6354751"/>
+            <a:ext cx="29036347" cy="1430255"/>
           </a:xfrm>
           <a:prstGeom prst="roundRect">
             <a:avLst>
-              <a:gd name="adj" fmla="val 1883"/>
+              <a:gd name="adj" fmla="val 0"/>
             </a:avLst>
           </a:prstGeom>
           <a:solidFill>
-            <a:schemeClr val="bg1"/>
+            <a:srgbClr val="072C30"/>
           </a:solidFill>
-          <a:ln w="254000">
-            <a:solidFill>
-              <a:srgbClr val="465045"/>
-            </a:solidFill>
+          <a:ln>
+            <a:noFill/>
           </a:ln>
         </p:spPr>
         <p:style>
@@ -6641,17 +8552,109 @@
           <a:bodyPr rtlCol="0" anchor="ctr"/>
           <a:lstStyle/>
           <a:p>
+            <a:r>
+              <a:rPr lang="en-US" sz="6000" b="1" dirty="0"/>
+              <a:t>                   Identifying RNA-Dependent Proteins from Proteomic Data</a:t>
+            </a:r>
+            <a:endParaRPr lang="en-US" sz="1500" b="1" dirty="0"/>
+          </a:p>
+          <a:p>
             <a:pPr algn="ctr"/>
-            <a:endParaRPr lang="de-DE" dirty="0"/>
-          </a:p>
-        </p:txBody>
-      </p:sp>
-      <p:sp>
-        <p:nvSpPr>
-          <p:cNvPr id="14" name="Rectangle: Rounded Corners 13">
-            <a:extLst>
-              <a:ext uri="{FF2B5EF4-FFF2-40B4-BE49-F238E27FC236}">
-                <a16:creationId xmlns:a16="http://schemas.microsoft.com/office/drawing/2014/main" id="{5C0188FE-9817-41F2-5759-E9732F7807D2}"/>
+            <a:endParaRPr lang="en-US" sz="1000" b="1" dirty="0"/>
+          </a:p>
+        </p:txBody>
+      </p:sp>
+      <p:sp>
+        <p:nvSpPr>
+          <p:cNvPr id="25" name="TextBox 24">
+            <a:extLst>
+              <a:ext uri="{FF2B5EF4-FFF2-40B4-BE49-F238E27FC236}">
+                <a16:creationId xmlns:a16="http://schemas.microsoft.com/office/drawing/2014/main" id="{4AD0CA96-CD7B-3DD5-133A-7554EA596689}"/>
+              </a:ext>
+            </a:extLst>
+          </p:cNvPr>
+          <p:cNvSpPr txBox="1"/>
+          <p:nvPr/>
+        </p:nvSpPr>
+        <p:spPr>
+          <a:xfrm>
+            <a:off x="15164570" y="8328936"/>
+            <a:ext cx="13893040" cy="2308324"/>
+          </a:xfrm>
+          <a:prstGeom prst="rect">
+            <a:avLst/>
+          </a:prstGeom>
+          <a:noFill/>
+          <a:ln>
+            <a:noFill/>
+          </a:ln>
+        </p:spPr>
+        <p:txBody>
+          <a:bodyPr wrap="square">
+            <a:spAutoFit/>
+          </a:bodyPr>
+          <a:lstStyle/>
+          <a:p>
+            <a:r>
+              <a:rPr lang="en-US" sz="2400" b="1" dirty="0"/>
+              <a:t>Key Characteristics of Our Dataset</a:t>
+            </a:r>
+            <a:endParaRPr lang="de-DE" sz="2400" b="1" dirty="0"/>
+          </a:p>
+          <a:p>
+            <a:pPr marL="457200" indent="-457200">
+              <a:buFont typeface="Arial" panose="020B0604020202020204" pitchFamily="34" charset="0"/>
+              <a:buChar char="•"/>
+            </a:pPr>
+            <a:r>
+              <a:rPr lang="en-US" sz="2400" dirty="0"/>
+              <a:t>Our dataset was generated using the R-Deep approach</a:t>
+            </a:r>
+          </a:p>
+          <a:p>
+            <a:pPr marL="457200" indent="-457200">
+              <a:buFont typeface="Arial" panose="020B0604020202020204" pitchFamily="34" charset="0"/>
+              <a:buChar char="•"/>
+            </a:pPr>
+            <a:r>
+              <a:rPr lang="de-DE" sz="2400" dirty="0"/>
+              <a:t>~5000 Proteine in 25 Fraktionen, Rnase vs. CTRL</a:t>
+            </a:r>
+            <a:endParaRPr lang="en-US" sz="2400" dirty="0"/>
+          </a:p>
+          <a:p>
+            <a:pPr marL="457200" indent="-457200">
+              <a:buFont typeface="Arial" panose="020B0604020202020204" pitchFamily="34" charset="0"/>
+              <a:buChar char="•"/>
+            </a:pPr>
+            <a:r>
+              <a:rPr lang="en-US" sz="2400" dirty="0"/>
+              <a:t>Dimensions</a:t>
+            </a:r>
+            <a:endParaRPr lang="en-US" sz="2400" b="1" dirty="0"/>
+          </a:p>
+          <a:p>
+            <a:pPr marL="457200" indent="-457200">
+              <a:buFont typeface="Arial" panose="020B0604020202020204" pitchFamily="34" charset="0"/>
+              <a:buChar char="•"/>
+            </a:pPr>
+            <a:endParaRPr lang="de-DE" sz="2400" dirty="0"/>
+          </a:p>
+          <a:p>
+            <a:pPr marL="457200" indent="-457200">
+              <a:buFont typeface="Arial" panose="020B0604020202020204" pitchFamily="34" charset="0"/>
+              <a:buChar char="•"/>
+            </a:pPr>
+            <a:endParaRPr lang="de-DE" sz="2400" dirty="0"/>
+          </a:p>
+        </p:txBody>
+      </p:sp>
+      <p:sp>
+        <p:nvSpPr>
+          <p:cNvPr id="27" name="Rectangle: Rounded Corners 26">
+            <a:extLst>
+              <a:ext uri="{FF2B5EF4-FFF2-40B4-BE49-F238E27FC236}">
+                <a16:creationId xmlns:a16="http://schemas.microsoft.com/office/drawing/2014/main" id="{040957F8-88B8-9A14-2992-8A0986294EDA}"/>
               </a:ext>
             </a:extLst>
           </p:cNvPr>
@@ -6660,21 +8663,19 @@
         </p:nvSpPr>
         <p:spPr>
           <a:xfrm>
-            <a:off x="619433" y="5268902"/>
-            <a:ext cx="29054323" cy="6831954"/>
+            <a:off x="668635" y="13907015"/>
+            <a:ext cx="28937944" cy="1430255"/>
           </a:xfrm>
           <a:prstGeom prst="roundRect">
             <a:avLst>
-              <a:gd name="adj" fmla="val 4408"/>
+              <a:gd name="adj" fmla="val 0"/>
             </a:avLst>
           </a:prstGeom>
           <a:solidFill>
-            <a:schemeClr val="bg1"/>
+            <a:srgbClr val="0F3A3C"/>
           </a:solidFill>
-          <a:ln w="254000">
-            <a:solidFill>
-              <a:srgbClr val="07363B"/>
-            </a:solidFill>
+          <a:ln>
+            <a:noFill/>
           </a:ln>
         </p:spPr>
         <p:style>
@@ -6694,746 +8695,50 @@
           </a:fontRef>
         </p:style>
         <p:txBody>
-          <a:bodyPr numCol="1" rtlCol="0" anchor="ctr"/>
-          <a:lstStyle/>
+          <a:bodyPr rtlCol="0" anchor="ctr"/>
+          <a:lstStyle/>
+          <a:p>
+            <a:r>
+              <a:rPr lang="en-US" sz="6000" b="1" dirty="0"/>
+              <a:t>                  Our Approach</a:t>
+            </a:r>
+            <a:endParaRPr lang="en-US" sz="1500" b="1" dirty="0"/>
+          </a:p>
           <a:p>
             <a:pPr algn="ctr"/>
-            <a:r>
-              <a:rPr lang="de-DE" dirty="0"/>
-              <a:t> </a:t>
-            </a:r>
-          </a:p>
-        </p:txBody>
-      </p:sp>
-      <p:sp>
-        <p:nvSpPr>
-          <p:cNvPr id="20" name="TextBox 19">
-            <a:extLst>
-              <a:ext uri="{FF2B5EF4-FFF2-40B4-BE49-F238E27FC236}">
-                <a16:creationId xmlns:a16="http://schemas.microsoft.com/office/drawing/2014/main" id="{50A57284-709A-04BD-D457-D67E62BF32A4}"/>
-              </a:ext>
-            </a:extLst>
-          </p:cNvPr>
-          <p:cNvSpPr txBox="1"/>
+            <a:endParaRPr lang="en-US" sz="1000" b="1" dirty="0"/>
+          </a:p>
+        </p:txBody>
+      </p:sp>
+      <p:sp>
+        <p:nvSpPr>
+          <p:cNvPr id="28" name="Rectangle: Rounded Corners 27">
+            <a:extLst>
+              <a:ext uri="{FF2B5EF4-FFF2-40B4-BE49-F238E27FC236}">
+                <a16:creationId xmlns:a16="http://schemas.microsoft.com/office/drawing/2014/main" id="{7A6435AF-DD15-B0F8-5814-F778CB4B7FD9}"/>
+              </a:ext>
+            </a:extLst>
+          </p:cNvPr>
+          <p:cNvSpPr/>
           <p:nvPr/>
         </p:nvSpPr>
         <p:spPr>
           <a:xfrm>
-            <a:off x="1253554" y="7243086"/>
-            <a:ext cx="13893040" cy="4524315"/>
-          </a:xfrm>
-          <a:prstGeom prst="rect">
-            <a:avLst/>
-          </a:prstGeom>
-          <a:noFill/>
-          <a:ln>
-            <a:noFill/>
-          </a:ln>
-        </p:spPr>
-        <p:txBody>
-          <a:bodyPr wrap="square">
-            <a:spAutoFit/>
-          </a:bodyPr>
-          <a:lstStyle/>
-          <a:p>
-            <a:r>
-              <a:rPr lang="en-US" sz="2400" b="1" dirty="0"/>
-              <a:t>  </a:t>
-            </a:r>
-            <a:endParaRPr lang="en-US" sz="2400" dirty="0"/>
-          </a:p>
-          <a:p>
-            <a:pPr marL="457200" indent="-457200">
-              <a:buFont typeface="Arial" panose="020B0604020202020204" pitchFamily="34" charset="0"/>
-              <a:buChar char="•"/>
-            </a:pPr>
-            <a:r>
-              <a:rPr lang="de-DE" sz="2400" dirty="0"/>
-              <a:t>„We want to </a:t>
-            </a:r>
-            <a:r>
-              <a:rPr lang="en-US" sz="2400" dirty="0"/>
-              <a:t>extract RNA-dependent proteins from proteomic screens”</a:t>
-            </a:r>
-            <a:endParaRPr lang="de-DE" sz="2400" dirty="0"/>
-          </a:p>
-          <a:p>
-            <a:pPr marL="457200" indent="-457200">
-              <a:buFont typeface="Arial" panose="020B0604020202020204" pitchFamily="34" charset="0"/>
-              <a:buChar char="•"/>
-            </a:pPr>
-            <a:r>
-              <a:rPr lang="de-DE" sz="2400" dirty="0"/>
-              <a:t>„RNA-dependency = the proteins interactome depends on RNA“</a:t>
-            </a:r>
-          </a:p>
-          <a:p>
-            <a:endParaRPr lang="en-US" sz="2400" b="1" dirty="0"/>
-          </a:p>
-          <a:p>
-            <a:r>
-              <a:rPr lang="en-US" sz="2400" b="1" dirty="0"/>
-              <a:t>What Makes RNA-Dependent Proteins Worth Investigating?</a:t>
-            </a:r>
-          </a:p>
-          <a:p>
-            <a:pPr marL="457200" indent="-457200">
-              <a:buFont typeface="Arial" panose="020B0604020202020204" pitchFamily="34" charset="0"/>
-              <a:buChar char="•"/>
-            </a:pPr>
-            <a:r>
-              <a:rPr lang="de-DE" sz="2400" b="1" dirty="0"/>
-              <a:t>Key Regulators:</a:t>
-            </a:r>
-            <a:r>
-              <a:rPr lang="de-DE" sz="2400" dirty="0"/>
-              <a:t> RBPs control RNA metabolism &amp; gene expression.</a:t>
-            </a:r>
-          </a:p>
-          <a:p>
-            <a:pPr marL="457200" indent="-457200">
-              <a:buFont typeface="Arial" panose="020B0604020202020204" pitchFamily="34" charset="0"/>
-              <a:buChar char="•"/>
-            </a:pPr>
-            <a:r>
-              <a:rPr lang="de-DE" sz="2400" b="1" dirty="0"/>
-              <a:t>Disease Links:</a:t>
-            </a:r>
-            <a:r>
-              <a:rPr lang="de-DE" sz="2400" dirty="0"/>
-              <a:t> Misregulation is tied to cancer &amp; neurodegeneration.</a:t>
-            </a:r>
-          </a:p>
-          <a:p>
-            <a:pPr marL="457200" indent="-457200">
-              <a:buFont typeface="Arial" panose="020B0604020202020204" pitchFamily="34" charset="0"/>
-              <a:buChar char="•"/>
-            </a:pPr>
-            <a:r>
-              <a:rPr lang="de-DE" sz="2400" b="1" dirty="0"/>
-              <a:t>Functional Clues:</a:t>
-            </a:r>
-            <a:r>
-              <a:rPr lang="de-DE" sz="2400" dirty="0"/>
-              <a:t> New RBPs hint at RNA’s role in specific pathways.</a:t>
-            </a:r>
-          </a:p>
-          <a:p>
-            <a:pPr marL="457200" indent="-457200">
-              <a:buFont typeface="Arial" panose="020B0604020202020204" pitchFamily="34" charset="0"/>
-              <a:buChar char="•"/>
-            </a:pPr>
-            <a:r>
-              <a:rPr lang="de-DE" sz="2400" b="1" dirty="0"/>
-              <a:t>Interaction Networks:</a:t>
-            </a:r>
-            <a:r>
-              <a:rPr lang="de-DE" sz="2400" dirty="0"/>
-              <a:t> Mapping RNA-protein complexes reveals regulatory logic. </a:t>
-            </a:r>
-          </a:p>
-          <a:p>
-            <a:pPr marL="457200" indent="-457200">
-              <a:buFont typeface="Arial" panose="020B0604020202020204" pitchFamily="34" charset="0"/>
-              <a:buChar char="•"/>
-            </a:pPr>
-            <a:r>
-              <a:rPr lang="de-DE" sz="2400" b="1" dirty="0"/>
-              <a:t>Molecular Insights:</a:t>
-            </a:r>
-            <a:r>
-              <a:rPr lang="de-DE" sz="2400" dirty="0"/>
-              <a:t> Deepens our understanding of cell cycle and cellular behavior. </a:t>
-            </a:r>
-            <a:endParaRPr lang="en-US" sz="2400" b="1" dirty="0"/>
-          </a:p>
-          <a:p>
-            <a:pPr marL="457200" indent="-457200">
-              <a:buFont typeface="Arial" panose="020B0604020202020204" pitchFamily="34" charset="0"/>
-              <a:buChar char="•"/>
-            </a:pPr>
-            <a:endParaRPr lang="de-DE" sz="2400" dirty="0"/>
-          </a:p>
-          <a:p>
-            <a:pPr marL="457200" indent="-457200">
-              <a:buFont typeface="Arial" panose="020B0604020202020204" pitchFamily="34" charset="0"/>
-              <a:buChar char="•"/>
-            </a:pPr>
-            <a:endParaRPr lang="de-DE" sz="2400" dirty="0"/>
-          </a:p>
-        </p:txBody>
-      </p:sp>
-      <p:sp>
-        <p:nvSpPr>
-          <p:cNvPr id="3" name="TextBox 2">
-            <a:extLst>
-              <a:ext uri="{FF2B5EF4-FFF2-40B4-BE49-F238E27FC236}">
-                <a16:creationId xmlns:a16="http://schemas.microsoft.com/office/drawing/2014/main" id="{CE7E7419-5ED2-5066-0AB1-691E6108F647}"/>
-              </a:ext>
-            </a:extLst>
-          </p:cNvPr>
-          <p:cNvSpPr txBox="1"/>
-          <p:nvPr/>
-        </p:nvSpPr>
-        <p:spPr>
-          <a:xfrm>
-            <a:off x="1887734" y="14957479"/>
-            <a:ext cx="24173364" cy="7109639"/>
-          </a:xfrm>
-          <a:prstGeom prst="rect">
-            <a:avLst/>
-          </a:prstGeom>
-          <a:noFill/>
-          <a:ln>
-            <a:noFill/>
-          </a:ln>
-        </p:spPr>
-        <p:txBody>
-          <a:bodyPr wrap="square">
-            <a:spAutoFit/>
-          </a:bodyPr>
-          <a:lstStyle/>
-          <a:p>
-            <a:r>
-              <a:rPr lang="en-US" sz="2400" b="1" dirty="0"/>
-              <a:t>1) Data preparation</a:t>
-            </a:r>
-          </a:p>
-          <a:p>
-            <a:pPr marL="457200" indent="-457200">
-              <a:buFont typeface="Arial" panose="020B0604020202020204" pitchFamily="34" charset="0"/>
-              <a:buChar char="•"/>
-            </a:pPr>
-            <a:r>
-              <a:rPr lang="en-US" sz="2400" dirty="0"/>
-              <a:t>Data cleanup</a:t>
-            </a:r>
-          </a:p>
-          <a:p>
-            <a:pPr marL="457200" indent="-457200">
-              <a:buFont typeface="Arial" panose="020B0604020202020204" pitchFamily="34" charset="0"/>
-              <a:buChar char="•"/>
-            </a:pPr>
-            <a:r>
-              <a:rPr lang="en-US" sz="2400" dirty="0"/>
-              <a:t>“Rearrange and reorder the columns to their treatment, replicate and fraction”</a:t>
-            </a:r>
-          </a:p>
-          <a:p>
-            <a:pPr marL="457200" indent="-457200">
-              <a:buFont typeface="Arial" panose="020B0604020202020204" pitchFamily="34" charset="0"/>
-              <a:buChar char="•"/>
-            </a:pPr>
-            <a:r>
-              <a:rPr lang="en-US" sz="2400" dirty="0"/>
-              <a:t>Normalization</a:t>
-            </a:r>
-          </a:p>
-          <a:p>
-            <a:endParaRPr lang="en-US" sz="2400" b="1" dirty="0"/>
-          </a:p>
-          <a:p>
-            <a:r>
-              <a:rPr lang="de-DE" sz="2400" b="1" dirty="0"/>
-              <a:t>2) Data exploration</a:t>
-            </a:r>
-            <a:endParaRPr lang="de-DE" sz="2400" dirty="0"/>
-          </a:p>
-          <a:p>
-            <a:pPr marL="457200" indent="-457200">
-              <a:buFont typeface="Arial" panose="020B0604020202020204" pitchFamily="34" charset="0"/>
-              <a:buChar char="•"/>
-            </a:pPr>
-            <a:r>
-              <a:rPr lang="en-US" sz="2400" dirty="0"/>
-              <a:t> Identification of maxima and shoulders</a:t>
-            </a:r>
-          </a:p>
-          <a:p>
-            <a:pPr marL="457200" indent="-457200">
-              <a:buFont typeface="Arial" panose="020B0604020202020204" pitchFamily="34" charset="0"/>
-              <a:buChar char="•"/>
-            </a:pPr>
-            <a:r>
-              <a:rPr lang="en-US" sz="2400" dirty="0"/>
-              <a:t> </a:t>
-            </a:r>
-            <a:r>
-              <a:rPr lang="de-DE" sz="2400" dirty="0"/>
-              <a:t>Selection criteria</a:t>
-            </a:r>
-            <a:r>
-              <a:rPr lang="en-US" sz="2400" dirty="0"/>
-              <a:t> &amp; Wilcoxon Test </a:t>
-            </a:r>
-          </a:p>
-          <a:p>
-            <a:pPr marL="457200" indent="-457200">
-              <a:buFont typeface="Arial" panose="020B0604020202020204" pitchFamily="34" charset="0"/>
-              <a:buChar char="•"/>
-            </a:pPr>
-            <a:r>
-              <a:rPr lang="en-US" sz="2400" dirty="0"/>
-              <a:t>Visualization for the </a:t>
-            </a:r>
-            <a:r>
-              <a:rPr lang="de-DE" sz="2400" dirty="0"/>
-              <a:t>order of selection criteria</a:t>
-            </a:r>
-            <a:endParaRPr lang="en-US" sz="2400" dirty="0"/>
-          </a:p>
-          <a:p>
-            <a:pPr marL="457200" indent="-457200">
-              <a:buFont typeface="Arial" panose="020B0604020202020204" pitchFamily="34" charset="0"/>
-              <a:buChar char="•"/>
-            </a:pPr>
-            <a:r>
-              <a:rPr lang="en-US" sz="2400" dirty="0"/>
-              <a:t>Pie charts for selection results</a:t>
-            </a:r>
-          </a:p>
-          <a:p>
-            <a:endParaRPr lang="en-US" sz="2400" b="1" dirty="0"/>
-          </a:p>
-          <a:p>
-            <a:r>
-              <a:rPr lang="de-DE" sz="2400" b="1" dirty="0"/>
-              <a:t>3) Data reduction</a:t>
-            </a:r>
-          </a:p>
-          <a:p>
-            <a:pPr marL="457200" indent="-457200">
-              <a:buFont typeface="Arial" panose="020B0604020202020204" pitchFamily="34" charset="0"/>
-              <a:buChar char="•"/>
-            </a:pPr>
-            <a:r>
-              <a:rPr lang="de-DE" sz="2400" dirty="0"/>
-              <a:t>PCR </a:t>
-            </a:r>
-            <a:endParaRPr lang="en-US" sz="2400" dirty="0"/>
-          </a:p>
-          <a:p>
-            <a:pPr marL="457200" indent="-457200">
-              <a:buFont typeface="Arial" panose="020B0604020202020204" pitchFamily="34" charset="0"/>
-              <a:buChar char="•"/>
-            </a:pPr>
-            <a:r>
-              <a:rPr lang="en-US" sz="2400" dirty="0"/>
-              <a:t> k-means clustering</a:t>
-            </a:r>
-          </a:p>
-          <a:p>
-            <a:pPr marL="457200" indent="-457200">
-              <a:buFont typeface="Arial" panose="020B0604020202020204" pitchFamily="34" charset="0"/>
-              <a:buChar char="•"/>
-            </a:pPr>
-            <a:endParaRPr lang="en-US" sz="2400" dirty="0"/>
-          </a:p>
-          <a:p>
-            <a:r>
-              <a:rPr lang="de-DE" sz="2400" b="1" dirty="0"/>
-              <a:t>4) Data modelling</a:t>
-            </a:r>
-          </a:p>
-          <a:p>
-            <a:pPr marL="457200" indent="-457200">
-              <a:buFont typeface="Arial" panose="020B0604020202020204" pitchFamily="34" charset="0"/>
-              <a:buChar char="•"/>
-            </a:pPr>
-            <a:r>
-              <a:rPr lang="en-US" sz="2400" dirty="0"/>
-              <a:t> Linear Regression </a:t>
-            </a:r>
-            <a:endParaRPr lang="en-US" sz="2400" b="1" dirty="0"/>
-          </a:p>
-          <a:p>
-            <a:endParaRPr lang="en-US" sz="2400" b="1" dirty="0"/>
-          </a:p>
-          <a:p>
-            <a:endParaRPr lang="en-US" sz="2400" b="1" dirty="0"/>
-          </a:p>
-        </p:txBody>
-      </p:sp>
-      <p:sp>
-        <p:nvSpPr>
-          <p:cNvPr id="5" name="TextBox 4">
-            <a:extLst>
-              <a:ext uri="{FF2B5EF4-FFF2-40B4-BE49-F238E27FC236}">
-                <a16:creationId xmlns:a16="http://schemas.microsoft.com/office/drawing/2014/main" id="{81D7C964-ACB6-9CFF-35FA-2F6A7CB9E01F}"/>
-              </a:ext>
-            </a:extLst>
-          </p:cNvPr>
-          <p:cNvSpPr txBox="1"/>
-          <p:nvPr/>
-        </p:nvSpPr>
-        <p:spPr>
-          <a:xfrm>
-            <a:off x="1253554" y="28838120"/>
-            <a:ext cx="11401261" cy="11172289"/>
-          </a:xfrm>
-          <a:prstGeom prst="rect">
-            <a:avLst/>
-          </a:prstGeom>
-          <a:noFill/>
-          <a:ln>
-            <a:noFill/>
-          </a:ln>
-        </p:spPr>
-        <p:txBody>
-          <a:bodyPr wrap="square">
-            <a:spAutoFit/>
-          </a:bodyPr>
-          <a:lstStyle/>
-          <a:p>
-            <a:pPr marL="457200" indent="-457200">
-              <a:buFont typeface="Arial" panose="020B0604020202020204" pitchFamily="34" charset="0"/>
-              <a:buChar char="•"/>
-            </a:pPr>
-            <a:r>
-              <a:rPr lang="en-US" sz="2400" dirty="0"/>
-              <a:t>Critical review of our own results and methods (e.g., Selection criteria made us delete some RBPs. Why? What were their properties?)</a:t>
-            </a:r>
-          </a:p>
-          <a:p>
-            <a:pPr marL="457200" indent="-457200">
-              <a:buFont typeface="Arial" panose="020B0604020202020204" pitchFamily="34" charset="0"/>
-              <a:buChar char="•"/>
-            </a:pPr>
-            <a:r>
-              <a:rPr lang="en-US" sz="2400" dirty="0"/>
-              <a:t>Why do we find fewer proteins than </a:t>
-            </a:r>
-            <a:r>
-              <a:rPr lang="en-US" sz="2400" dirty="0" err="1"/>
-              <a:t>Maïwen</a:t>
-            </a:r>
-            <a:r>
-              <a:rPr lang="en-US" sz="2400" dirty="0"/>
-              <a:t>? </a:t>
-            </a:r>
-          </a:p>
-          <a:p>
-            <a:pPr marL="457200" indent="-457200">
-              <a:buFont typeface="Arial" panose="020B0604020202020204" pitchFamily="34" charset="0"/>
-              <a:buChar char="•"/>
-            </a:pPr>
-            <a:endParaRPr lang="en-US" sz="2400" dirty="0"/>
-          </a:p>
-          <a:p>
-            <a:pPr marL="457200" indent="-457200">
-              <a:buFont typeface="Arial" panose="020B0604020202020204" pitchFamily="34" charset="0"/>
-              <a:buChar char="•"/>
-            </a:pPr>
-            <a:endParaRPr lang="en-US" sz="2400" dirty="0"/>
-          </a:p>
-          <a:p>
-            <a:pPr marL="457200" indent="-457200">
-              <a:buFont typeface="Arial" panose="020B0604020202020204" pitchFamily="34" charset="0"/>
-              <a:buChar char="•"/>
-            </a:pPr>
-            <a:endParaRPr lang="en-US" sz="2400" dirty="0"/>
-          </a:p>
-          <a:p>
-            <a:pPr marL="457200" indent="-457200">
-              <a:buFont typeface="Arial" panose="020B0604020202020204" pitchFamily="34" charset="0"/>
-              <a:buChar char="•"/>
-            </a:pPr>
-            <a:endParaRPr lang="en-US" sz="2400" dirty="0"/>
-          </a:p>
-          <a:p>
-            <a:pPr marL="457200" indent="-457200">
-              <a:buFont typeface="Arial" panose="020B0604020202020204" pitchFamily="34" charset="0"/>
-              <a:buChar char="•"/>
-            </a:pPr>
-            <a:endParaRPr lang="en-US" sz="2400" dirty="0"/>
-          </a:p>
-          <a:p>
-            <a:pPr marL="457200" indent="-457200">
-              <a:buFont typeface="Arial" panose="020B0604020202020204" pitchFamily="34" charset="0"/>
-              <a:buChar char="•"/>
-            </a:pPr>
-            <a:endParaRPr lang="en-US" sz="2400" dirty="0"/>
-          </a:p>
-          <a:p>
-            <a:pPr marL="457200" indent="-457200">
-              <a:buFont typeface="Arial" panose="020B0604020202020204" pitchFamily="34" charset="0"/>
-              <a:buChar char="•"/>
-            </a:pPr>
-            <a:endParaRPr lang="en-US" sz="2400" dirty="0"/>
-          </a:p>
-          <a:p>
-            <a:pPr marL="457200" indent="-457200">
-              <a:buFont typeface="Arial" panose="020B0604020202020204" pitchFamily="34" charset="0"/>
-              <a:buChar char="•"/>
-            </a:pPr>
-            <a:endParaRPr lang="en-US" sz="2400" dirty="0"/>
-          </a:p>
-          <a:p>
-            <a:pPr marL="457200" indent="-457200">
-              <a:buFont typeface="Arial" panose="020B0604020202020204" pitchFamily="34" charset="0"/>
-              <a:buChar char="•"/>
-            </a:pPr>
-            <a:endParaRPr lang="en-US" sz="2400" dirty="0"/>
-          </a:p>
-          <a:p>
-            <a:pPr marL="457200" indent="-457200">
-              <a:buFont typeface="Arial" panose="020B0604020202020204" pitchFamily="34" charset="0"/>
-              <a:buChar char="•"/>
-            </a:pPr>
-            <a:endParaRPr lang="en-US" sz="2400" dirty="0"/>
-          </a:p>
-          <a:p>
-            <a:pPr marL="457200" indent="-457200">
-              <a:buFont typeface="Arial" panose="020B0604020202020204" pitchFamily="34" charset="0"/>
-              <a:buChar char="•"/>
-            </a:pPr>
-            <a:endParaRPr lang="en-US" sz="2400" dirty="0"/>
-          </a:p>
-          <a:p>
-            <a:pPr marL="457200" indent="-457200">
-              <a:buFont typeface="Arial" panose="020B0604020202020204" pitchFamily="34" charset="0"/>
-              <a:buChar char="•"/>
-            </a:pPr>
-            <a:endParaRPr lang="en-US" sz="2400" dirty="0"/>
-          </a:p>
-          <a:p>
-            <a:pPr marL="457200" indent="-457200">
-              <a:buFont typeface="Arial" panose="020B0604020202020204" pitchFamily="34" charset="0"/>
-              <a:buChar char="•"/>
-            </a:pPr>
-            <a:endParaRPr lang="en-US" sz="2400" dirty="0"/>
-          </a:p>
-          <a:p>
-            <a:pPr marL="457200" indent="-457200">
-              <a:buFont typeface="Arial" panose="020B0604020202020204" pitchFamily="34" charset="0"/>
-              <a:buChar char="•"/>
-            </a:pPr>
-            <a:endParaRPr lang="en-US" sz="2400" dirty="0"/>
-          </a:p>
-          <a:p>
-            <a:pPr marL="457200" indent="-457200">
-              <a:buFont typeface="Arial" panose="020B0604020202020204" pitchFamily="34" charset="0"/>
-              <a:buChar char="•"/>
-            </a:pPr>
-            <a:endParaRPr lang="en-US" sz="2400" dirty="0"/>
-          </a:p>
-          <a:p>
-            <a:pPr marL="457200" indent="-457200">
-              <a:buFont typeface="Arial" panose="020B0604020202020204" pitchFamily="34" charset="0"/>
-              <a:buChar char="•"/>
-            </a:pPr>
-            <a:endParaRPr lang="en-US" sz="2400" dirty="0"/>
-          </a:p>
-          <a:p>
-            <a:pPr marL="457200" indent="-457200">
-              <a:buFont typeface="Arial" panose="020B0604020202020204" pitchFamily="34" charset="0"/>
-              <a:buChar char="•"/>
-            </a:pPr>
-            <a:endParaRPr lang="en-US" sz="2400" dirty="0"/>
-          </a:p>
-          <a:p>
-            <a:pPr marL="457200" indent="-457200">
-              <a:buFont typeface="Arial" panose="020B0604020202020204" pitchFamily="34" charset="0"/>
-              <a:buChar char="•"/>
-            </a:pPr>
-            <a:endParaRPr lang="en-US" sz="2400" dirty="0"/>
-          </a:p>
-          <a:p>
-            <a:pPr marL="457200" indent="-457200">
-              <a:buFont typeface="Arial" panose="020B0604020202020204" pitchFamily="34" charset="0"/>
-              <a:buChar char="•"/>
-            </a:pPr>
-            <a:endParaRPr lang="en-US" sz="2400" dirty="0"/>
-          </a:p>
-          <a:p>
-            <a:pPr marL="457200" indent="-457200">
-              <a:buFont typeface="Arial" panose="020B0604020202020204" pitchFamily="34" charset="0"/>
-              <a:buChar char="•"/>
-            </a:pPr>
-            <a:endParaRPr lang="en-US" sz="2400" dirty="0"/>
-          </a:p>
-          <a:p>
-            <a:pPr marL="457200" indent="-457200">
-              <a:buFont typeface="Arial" panose="020B0604020202020204" pitchFamily="34" charset="0"/>
-              <a:buChar char="•"/>
-            </a:pPr>
-            <a:endParaRPr lang="en-US" sz="2400" dirty="0"/>
-          </a:p>
-          <a:p>
-            <a:pPr marL="457200" indent="-457200">
-              <a:buFont typeface="Arial" panose="020B0604020202020204" pitchFamily="34" charset="0"/>
-              <a:buChar char="•"/>
-            </a:pPr>
-            <a:endParaRPr lang="en-US" sz="2400" dirty="0"/>
-          </a:p>
-          <a:p>
-            <a:pPr marL="457200" indent="-457200">
-              <a:buFont typeface="Arial" panose="020B0604020202020204" pitchFamily="34" charset="0"/>
-              <a:buChar char="•"/>
-            </a:pPr>
-            <a:endParaRPr lang="en-US" sz="2400" dirty="0"/>
-          </a:p>
-          <a:p>
-            <a:pPr marL="457200" indent="-457200">
-              <a:buFont typeface="Arial" panose="020B0604020202020204" pitchFamily="34" charset="0"/>
-              <a:buChar char="•"/>
-            </a:pPr>
-            <a:endParaRPr lang="en-US" sz="2400" dirty="0"/>
-          </a:p>
-          <a:p>
-            <a:pPr marL="457200" indent="-457200">
-              <a:buFont typeface="Arial" panose="020B0604020202020204" pitchFamily="34" charset="0"/>
-              <a:buChar char="•"/>
-            </a:pPr>
-            <a:endParaRPr lang="en-US" sz="2400" dirty="0"/>
-          </a:p>
-          <a:p>
-            <a:pPr marL="457200" indent="-457200">
-              <a:buFont typeface="Arial" panose="020B0604020202020204" pitchFamily="34" charset="0"/>
-              <a:buChar char="•"/>
-            </a:pPr>
-            <a:endParaRPr lang="en-US" sz="2400" dirty="0"/>
-          </a:p>
-          <a:p>
-            <a:endParaRPr lang="en-US" sz="2400" b="1" dirty="0"/>
-          </a:p>
-        </p:txBody>
-      </p:sp>
-      <p:sp>
-        <p:nvSpPr>
-          <p:cNvPr id="6" name="TextBox 5">
-            <a:extLst>
-              <a:ext uri="{FF2B5EF4-FFF2-40B4-BE49-F238E27FC236}">
-                <a16:creationId xmlns:a16="http://schemas.microsoft.com/office/drawing/2014/main" id="{49886FB8-1EAB-E732-A4FC-DD6FF9023B3B}"/>
-              </a:ext>
-            </a:extLst>
-          </p:cNvPr>
-          <p:cNvSpPr txBox="1"/>
-          <p:nvPr/>
-        </p:nvSpPr>
-        <p:spPr>
-          <a:xfrm>
-            <a:off x="16242587" y="35200055"/>
-            <a:ext cx="5093413" cy="1569660"/>
-          </a:xfrm>
-          <a:prstGeom prst="rect">
-            <a:avLst/>
-          </a:prstGeom>
-          <a:noFill/>
-          <a:ln>
-            <a:noFill/>
-          </a:ln>
-        </p:spPr>
-        <p:txBody>
-          <a:bodyPr wrap="square">
-            <a:spAutoFit/>
-          </a:bodyPr>
-          <a:lstStyle/>
-          <a:p>
-            <a:pPr marL="457200" indent="-457200">
-              <a:buFont typeface="Arial" panose="020B0604020202020204" pitchFamily="34" charset="0"/>
-              <a:buChar char="•"/>
-            </a:pPr>
-            <a:endParaRPr lang="en-US" sz="2400" dirty="0"/>
-          </a:p>
-          <a:p>
-            <a:pPr marL="457200" indent="-457200">
-              <a:buFont typeface="Arial" panose="020B0604020202020204" pitchFamily="34" charset="0"/>
-              <a:buChar char="•"/>
-            </a:pPr>
-            <a:r>
-              <a:rPr lang="en-US" sz="2400" dirty="0"/>
-              <a:t>https://de.wikipedia.org/wiki/Eigentliche_Schnepfen</a:t>
-            </a:r>
-          </a:p>
-          <a:p>
-            <a:pPr marL="457200" indent="-457200">
-              <a:buFont typeface="Arial" panose="020B0604020202020204" pitchFamily="34" charset="0"/>
-              <a:buChar char="•"/>
-            </a:pPr>
-            <a:endParaRPr lang="en-US" sz="2400" dirty="0"/>
-          </a:p>
-        </p:txBody>
-      </p:sp>
-      <p:sp>
-        <p:nvSpPr>
-          <p:cNvPr id="7" name="TextBox 6">
-            <a:extLst>
-              <a:ext uri="{FF2B5EF4-FFF2-40B4-BE49-F238E27FC236}">
-                <a16:creationId xmlns:a16="http://schemas.microsoft.com/office/drawing/2014/main" id="{105A0BE8-89E7-BB28-5C83-59934C504053}"/>
-              </a:ext>
-            </a:extLst>
-          </p:cNvPr>
-          <p:cNvSpPr txBox="1"/>
-          <p:nvPr/>
-        </p:nvSpPr>
-        <p:spPr>
-          <a:xfrm>
-            <a:off x="16242587" y="28638166"/>
-            <a:ext cx="8291810" cy="1200329"/>
-          </a:xfrm>
-          <a:prstGeom prst="rect">
-            <a:avLst/>
-          </a:prstGeom>
-          <a:noFill/>
-          <a:ln>
-            <a:noFill/>
-          </a:ln>
-        </p:spPr>
-        <p:txBody>
-          <a:bodyPr wrap="square">
-            <a:spAutoFit/>
-          </a:bodyPr>
-          <a:lstStyle/>
-          <a:p>
-            <a:pPr marL="457200" indent="-457200">
-              <a:buFont typeface="Arial" panose="020B0604020202020204" pitchFamily="34" charset="0"/>
-              <a:buChar char="•"/>
-            </a:pPr>
-            <a:r>
-              <a:rPr lang="de-DE" sz="2400" dirty="0"/>
-              <a:t>We found X proteins that ...</a:t>
-            </a:r>
-          </a:p>
-          <a:p>
-            <a:pPr marL="457200" indent="-457200">
-              <a:buFont typeface="Arial" panose="020B0604020202020204" pitchFamily="34" charset="0"/>
-              <a:buChar char="•"/>
-            </a:pPr>
-            <a:endParaRPr lang="de-DE" sz="2400" dirty="0"/>
-          </a:p>
-          <a:p>
-            <a:endParaRPr lang="en-US" sz="2400" b="1" dirty="0"/>
-          </a:p>
-        </p:txBody>
-      </p:sp>
-      <p:sp>
-        <p:nvSpPr>
-          <p:cNvPr id="24" name="Rectangle: Rounded Corners 23">
-            <a:extLst>
-              <a:ext uri="{FF2B5EF4-FFF2-40B4-BE49-F238E27FC236}">
-                <a16:creationId xmlns:a16="http://schemas.microsoft.com/office/drawing/2014/main" id="{BAA51D36-571D-97DF-9124-FEC1D0B972C7}"/>
-              </a:ext>
-            </a:extLst>
-          </p:cNvPr>
-          <p:cNvSpPr/>
-          <p:nvPr/>
-        </p:nvSpPr>
-        <p:spPr>
-          <a:xfrm>
-            <a:off x="619433" y="5268901"/>
-            <a:ext cx="29036347" cy="1430255"/>
+            <a:off x="668636" y="27643718"/>
+            <a:ext cx="14468970" cy="1430255"/>
           </a:xfrm>
           <a:prstGeom prst="roundRect">
             <a:avLst>
-              <a:gd name="adj" fmla="val 0"/>
+              <a:gd name="adj" fmla="val 10312"/>
             </a:avLst>
           </a:prstGeom>
           <a:solidFill>
-            <a:srgbClr val="07363B"/>
+            <a:srgbClr val="174948"/>
           </a:solidFill>
           <a:ln>
-            <a:noFill/>
+            <a:solidFill>
+              <a:srgbClr val="174948"/>
+            </a:solidFill>
           </a:ln>
         </p:spPr>
         <p:style>
@@ -7458,117 +8763,31 @@
           <a:p>
             <a:r>
               <a:rPr lang="en-US" sz="6000" b="1" dirty="0"/>
-              <a:t>                   Identifying RNA-Dependent Proteins from Proteomic Data</a:t>
+              <a:t>                  Discussion</a:t>
             </a:r>
             <a:endParaRPr lang="en-US" sz="1500" b="1" dirty="0"/>
           </a:p>
           <a:p>
-            <a:pPr algn="ctr"/>
             <a:endParaRPr lang="en-US" sz="1000" b="1" dirty="0"/>
           </a:p>
         </p:txBody>
       </p:sp>
       <p:sp>
         <p:nvSpPr>
-          <p:cNvPr id="25" name="TextBox 24">
-            <a:extLst>
-              <a:ext uri="{FF2B5EF4-FFF2-40B4-BE49-F238E27FC236}">
-                <a16:creationId xmlns:a16="http://schemas.microsoft.com/office/drawing/2014/main" id="{D23B8542-C442-AB10-4EDB-B0DA6DA82A2A}"/>
-              </a:ext>
-            </a:extLst>
-          </p:cNvPr>
-          <p:cNvSpPr txBox="1"/>
+          <p:cNvPr id="29" name="Rectangle: Rounded Corners 28">
+            <a:extLst>
+              <a:ext uri="{FF2B5EF4-FFF2-40B4-BE49-F238E27FC236}">
+                <a16:creationId xmlns:a16="http://schemas.microsoft.com/office/drawing/2014/main" id="{5AF60CD5-1A36-5FAC-28A3-9FF5775E8C04}"/>
+              </a:ext>
+            </a:extLst>
+          </p:cNvPr>
+          <p:cNvSpPr/>
           <p:nvPr/>
         </p:nvSpPr>
         <p:spPr>
           <a:xfrm>
-            <a:off x="15164570" y="7243086"/>
-            <a:ext cx="13893040" cy="2308324"/>
-          </a:xfrm>
-          <a:prstGeom prst="rect">
-            <a:avLst/>
-          </a:prstGeom>
-          <a:noFill/>
-          <a:ln>
-            <a:noFill/>
-          </a:ln>
-        </p:spPr>
-        <p:txBody>
-          <a:bodyPr wrap="square">
-            <a:spAutoFit/>
-          </a:bodyPr>
-          <a:lstStyle/>
-          <a:p>
-            <a:r>
-              <a:rPr lang="en-US" sz="2400" b="1" dirty="0"/>
-              <a:t>Key Characteristics of Our Dataset</a:t>
-            </a:r>
-            <a:endParaRPr lang="de-DE" sz="2400" b="1" dirty="0"/>
-          </a:p>
-          <a:p>
-            <a:pPr marL="457200" indent="-457200">
-              <a:buFont typeface="Arial" panose="020B0604020202020204" pitchFamily="34" charset="0"/>
-              <a:buChar char="•"/>
-            </a:pPr>
-            <a:r>
-              <a:rPr lang="en-US" sz="2400" dirty="0"/>
-              <a:t>Our dataset was generated using the R-Deep approach</a:t>
-            </a:r>
-          </a:p>
-          <a:p>
-            <a:pPr marL="457200" indent="-457200">
-              <a:buFont typeface="Arial" panose="020B0604020202020204" pitchFamily="34" charset="0"/>
-              <a:buChar char="•"/>
-            </a:pPr>
-            <a:r>
-              <a:rPr lang="de-DE" sz="2400" dirty="0"/>
-              <a:t>~5000 Proteine in 25 Fraktionen, Rnase vs. CTRL</a:t>
-            </a:r>
-            <a:endParaRPr lang="en-US" sz="2400" dirty="0"/>
-          </a:p>
-          <a:p>
-            <a:pPr marL="457200" indent="-457200">
-              <a:buFont typeface="Arial" panose="020B0604020202020204" pitchFamily="34" charset="0"/>
-              <a:buChar char="•"/>
-            </a:pPr>
-            <a:r>
-              <a:rPr lang="en-US" sz="2400" dirty="0"/>
-              <a:t>Dimensions</a:t>
-            </a:r>
-            <a:endParaRPr lang="en-US" sz="2400" b="1" dirty="0"/>
-          </a:p>
-          <a:p>
-            <a:pPr marL="457200" indent="-457200">
-              <a:buFont typeface="Arial" panose="020B0604020202020204" pitchFamily="34" charset="0"/>
-              <a:buChar char="•"/>
-            </a:pPr>
-            <a:endParaRPr lang="de-DE" sz="2400" dirty="0"/>
-          </a:p>
-          <a:p>
-            <a:pPr marL="457200" indent="-457200">
-              <a:buFont typeface="Arial" panose="020B0604020202020204" pitchFamily="34" charset="0"/>
-              <a:buChar char="•"/>
-            </a:pPr>
-            <a:endParaRPr lang="de-DE" sz="2400" dirty="0"/>
-          </a:p>
-        </p:txBody>
-      </p:sp>
-      <p:sp>
-        <p:nvSpPr>
-          <p:cNvPr id="27" name="Rectangle: Rounded Corners 26">
-            <a:extLst>
-              <a:ext uri="{FF2B5EF4-FFF2-40B4-BE49-F238E27FC236}">
-                <a16:creationId xmlns:a16="http://schemas.microsoft.com/office/drawing/2014/main" id="{ADAF0220-5ABB-BBDF-660C-D293C9AAFBBE}"/>
-              </a:ext>
-            </a:extLst>
-          </p:cNvPr>
-          <p:cNvSpPr/>
-          <p:nvPr/>
-        </p:nvSpPr>
-        <p:spPr>
-          <a:xfrm>
-            <a:off x="668635" y="12821165"/>
-            <a:ext cx="28937944" cy="1430255"/>
+            <a:off x="15765564" y="27795891"/>
+            <a:ext cx="13841013" cy="1430255"/>
           </a:xfrm>
           <a:prstGeom prst="roundRect">
             <a:avLst>
@@ -7576,12 +8795,10 @@
             </a:avLst>
           </a:prstGeom>
           <a:solidFill>
-            <a:srgbClr val="465045"/>
+            <a:srgbClr val="269088"/>
           </a:solidFill>
           <a:ln>
-            <a:solidFill>
-              <a:srgbClr val="465045"/>
-            </a:solidFill>
+            <a:noFill/>
           </a:ln>
         </p:spPr>
         <p:style>
@@ -7604,24 +8821,21 @@
           <a:bodyPr rtlCol="0" anchor="ctr"/>
           <a:lstStyle/>
           <a:p>
+            <a:pPr algn="ctr"/>
             <a:r>
               <a:rPr lang="en-US" sz="6000" b="1" dirty="0"/>
-              <a:t>                  Our Approach</a:t>
-            </a:r>
-            <a:endParaRPr lang="en-US" sz="1500" b="1" dirty="0"/>
-          </a:p>
-          <a:p>
-            <a:pPr algn="ctr"/>
+              <a:t>     Our Achievements</a:t>
+            </a:r>
             <a:endParaRPr lang="en-US" sz="1000" b="1" dirty="0"/>
           </a:p>
         </p:txBody>
       </p:sp>
       <p:sp>
         <p:nvSpPr>
-          <p:cNvPr id="28" name="Rectangle: Rounded Corners 27">
-            <a:extLst>
-              <a:ext uri="{FF2B5EF4-FFF2-40B4-BE49-F238E27FC236}">
-                <a16:creationId xmlns:a16="http://schemas.microsoft.com/office/drawing/2014/main" id="{B72831BA-63BA-F23A-E491-6447FE6A2649}"/>
+          <p:cNvPr id="30" name="Rectangle: Rounded Corners 29">
+            <a:extLst>
+              <a:ext uri="{FF2B5EF4-FFF2-40B4-BE49-F238E27FC236}">
+                <a16:creationId xmlns:a16="http://schemas.microsoft.com/office/drawing/2014/main" id="{97AEFDAE-50F8-9AAC-24DE-0B047BCF2393}"/>
               </a:ext>
             </a:extLst>
           </p:cNvPr>
@@ -7630,8 +8844,8 @@
         </p:nvSpPr>
         <p:spPr>
           <a:xfrm>
-            <a:off x="668636" y="26557868"/>
-            <a:ext cx="14468970" cy="1430255"/>
+            <a:off x="15841730" y="35857778"/>
+            <a:ext cx="13764847" cy="1430255"/>
           </a:xfrm>
           <a:prstGeom prst="roundRect">
             <a:avLst>
@@ -7639,12 +8853,10 @@
             </a:avLst>
           </a:prstGeom>
           <a:solidFill>
-            <a:srgbClr val="76644D"/>
+            <a:srgbClr val="56C2AD"/>
           </a:solidFill>
           <a:ln>
-            <a:solidFill>
-              <a:srgbClr val="76644D"/>
-            </a:solidFill>
+            <a:noFill/>
           </a:ln>
         </p:spPr>
         <p:style>
@@ -7669,188 +8881,18 @@
           <a:p>
             <a:r>
               <a:rPr lang="en-US" sz="6000" b="1" dirty="0"/>
-              <a:t>                  Discussion</a:t>
-            </a:r>
-            <a:endParaRPr lang="en-US" sz="1500" b="1" dirty="0"/>
-          </a:p>
-          <a:p>
+              <a:t>                 References</a:t>
+            </a:r>
             <a:endParaRPr lang="en-US" sz="1000" b="1" dirty="0"/>
           </a:p>
         </p:txBody>
       </p:sp>
       <p:sp>
         <p:nvSpPr>
-          <p:cNvPr id="29" name="Rectangle: Rounded Corners 28">
-            <a:extLst>
-              <a:ext uri="{FF2B5EF4-FFF2-40B4-BE49-F238E27FC236}">
-                <a16:creationId xmlns:a16="http://schemas.microsoft.com/office/drawing/2014/main" id="{668A1619-EFF8-8BD5-3D25-C90ECFF3BB08}"/>
-              </a:ext>
-            </a:extLst>
-          </p:cNvPr>
-          <p:cNvSpPr/>
-          <p:nvPr/>
-        </p:nvSpPr>
-        <p:spPr>
-          <a:xfrm>
-            <a:off x="15765564" y="26710041"/>
-            <a:ext cx="13841013" cy="1430255"/>
-          </a:xfrm>
-          <a:prstGeom prst="roundRect">
-            <a:avLst>
-              <a:gd name="adj" fmla="val 0"/>
-            </a:avLst>
-          </a:prstGeom>
-          <a:solidFill>
-            <a:srgbClr val="B57F56"/>
-          </a:solidFill>
-          <a:ln>
-            <a:noFill/>
-          </a:ln>
-        </p:spPr>
-        <p:style>
-          <a:lnRef idx="2">
-            <a:schemeClr val="accent1">
-              <a:shade val="15000"/>
-            </a:schemeClr>
-          </a:lnRef>
-          <a:fillRef idx="1">
-            <a:schemeClr val="accent1"/>
-          </a:fillRef>
-          <a:effectRef idx="0">
-            <a:schemeClr val="accent1"/>
-          </a:effectRef>
-          <a:fontRef idx="minor">
-            <a:schemeClr val="lt1"/>
-          </a:fontRef>
-        </p:style>
-        <p:txBody>
-          <a:bodyPr rtlCol="0" anchor="ctr"/>
-          <a:lstStyle/>
-          <a:p>
-            <a:pPr algn="ctr"/>
-            <a:r>
-              <a:rPr lang="en-US" sz="6000" b="1" dirty="0"/>
-              <a:t>     Our Achievements</a:t>
-            </a:r>
-            <a:endParaRPr lang="en-US" sz="1000" b="1" dirty="0"/>
-          </a:p>
-        </p:txBody>
-      </p:sp>
-      <p:sp>
-        <p:nvSpPr>
-          <p:cNvPr id="30" name="Rectangle: Rounded Corners 29">
-            <a:extLst>
-              <a:ext uri="{FF2B5EF4-FFF2-40B4-BE49-F238E27FC236}">
-                <a16:creationId xmlns:a16="http://schemas.microsoft.com/office/drawing/2014/main" id="{92B7ED41-EC40-075B-383A-DD730F55A234}"/>
-              </a:ext>
-            </a:extLst>
-          </p:cNvPr>
-          <p:cNvSpPr/>
-          <p:nvPr/>
-        </p:nvSpPr>
-        <p:spPr>
-          <a:xfrm>
-            <a:off x="15841730" y="33171728"/>
-            <a:ext cx="7118517" cy="1430255"/>
-          </a:xfrm>
-          <a:prstGeom prst="roundRect">
-            <a:avLst>
-              <a:gd name="adj" fmla="val 0"/>
-            </a:avLst>
-          </a:prstGeom>
-          <a:solidFill>
-            <a:srgbClr val="E7945E"/>
-          </a:solidFill>
-          <a:ln>
-            <a:noFill/>
-          </a:ln>
-        </p:spPr>
-        <p:style>
-          <a:lnRef idx="2">
-            <a:schemeClr val="accent1">
-              <a:shade val="15000"/>
-            </a:schemeClr>
-          </a:lnRef>
-          <a:fillRef idx="1">
-            <a:schemeClr val="accent1"/>
-          </a:fillRef>
-          <a:effectRef idx="0">
-            <a:schemeClr val="accent1"/>
-          </a:effectRef>
-          <a:fontRef idx="minor">
-            <a:schemeClr val="lt1"/>
-          </a:fontRef>
-        </p:style>
-        <p:txBody>
-          <a:bodyPr rtlCol="0" anchor="ctr"/>
-          <a:lstStyle/>
-          <a:p>
-            <a:r>
-              <a:rPr lang="en-US" sz="6000" b="1" dirty="0"/>
-              <a:t>                 References</a:t>
-            </a:r>
-            <a:endParaRPr lang="en-US" sz="1000" b="1" dirty="0"/>
-          </a:p>
-        </p:txBody>
-      </p:sp>
-      <p:sp>
-        <p:nvSpPr>
-          <p:cNvPr id="15" name="Rectangle: Top Corners Rounded 14">
-            <a:extLst>
-              <a:ext uri="{FF2B5EF4-FFF2-40B4-BE49-F238E27FC236}">
-                <a16:creationId xmlns:a16="http://schemas.microsoft.com/office/drawing/2014/main" id="{F6A826C3-1B8F-BF7F-D6DC-BC0013AB60FE}"/>
-              </a:ext>
-            </a:extLst>
-          </p:cNvPr>
-          <p:cNvSpPr/>
-          <p:nvPr/>
-        </p:nvSpPr>
-        <p:spPr>
-          <a:xfrm flipV="1">
-            <a:off x="4914900" y="-21880"/>
-            <a:ext cx="20288249" cy="4463665"/>
-          </a:xfrm>
-          <a:prstGeom prst="round2SameRect">
-            <a:avLst/>
-          </a:prstGeom>
-          <a:solidFill>
-            <a:srgbClr val="13393A"/>
-          </a:solidFill>
-          <a:ln w="254000">
-            <a:noFill/>
-          </a:ln>
-        </p:spPr>
-        <p:style>
-          <a:lnRef idx="2">
-            <a:schemeClr val="accent1">
-              <a:shade val="15000"/>
-            </a:schemeClr>
-          </a:lnRef>
-          <a:fillRef idx="1">
-            <a:schemeClr val="accent1"/>
-          </a:fillRef>
-          <a:effectRef idx="0">
-            <a:schemeClr val="accent1"/>
-          </a:effectRef>
-          <a:fontRef idx="minor">
-            <a:schemeClr val="lt1"/>
-          </a:fontRef>
-        </p:style>
-        <p:txBody>
-          <a:bodyPr rtlCol="0" anchor="ctr"/>
-          <a:lstStyle/>
-          <a:p>
-            <a:pPr algn="ctr"/>
-            <a:endParaRPr lang="de-DE" dirty="0"/>
-          </a:p>
-        </p:txBody>
-      </p:sp>
-      <p:sp>
-        <p:nvSpPr>
           <p:cNvPr id="23" name="Titel 1">
             <a:extLst>
               <a:ext uri="{FF2B5EF4-FFF2-40B4-BE49-F238E27FC236}">
-                <a16:creationId xmlns:a16="http://schemas.microsoft.com/office/drawing/2014/main" id="{378AF438-C9D5-17CA-6C5B-2776656DB4A0}"/>
+                <a16:creationId xmlns:a16="http://schemas.microsoft.com/office/drawing/2014/main" id="{FD437D73-3F50-4FB0-FC9A-E8F4BD28E934}"/>
               </a:ext>
             </a:extLst>
           </p:cNvPr>
@@ -7861,8 +8903,8 @@
         </p:nvSpPr>
         <p:spPr>
           <a:xfrm>
-            <a:off x="8664242" y="959551"/>
-            <a:ext cx="13000655" cy="1836887"/>
+            <a:off x="1125836" y="1454851"/>
+            <a:ext cx="16136912" cy="1836887"/>
           </a:xfrm>
           <a:prstGeom prst="rect">
             <a:avLst/>
@@ -7894,14 +8936,14 @@
           <a:p>
             <a:pPr algn="l"/>
             <a:r>
-              <a:rPr lang="de-DE" sz="7000" b="1" dirty="0">
+              <a:rPr lang="de-DE" sz="8000" b="1" dirty="0">
                 <a:solidFill>
                   <a:schemeClr val="bg1"/>
                 </a:solidFill>
               </a:rPr>
               <a:t>Hidden Alliances: RNA-Dependent Protein Interactions in Cancer Cells</a:t>
             </a:r>
-            <a:endParaRPr lang="en-US" sz="7000" b="1" dirty="0">
+            <a:endParaRPr lang="en-US" sz="8000" b="1" dirty="0">
               <a:solidFill>
                 <a:schemeClr val="bg1"/>
               </a:solidFill>
@@ -7914,7 +8956,7 @@
           <p:cNvPr id="31" name="Titel 1">
             <a:extLst>
               <a:ext uri="{FF2B5EF4-FFF2-40B4-BE49-F238E27FC236}">
-                <a16:creationId xmlns:a16="http://schemas.microsoft.com/office/drawing/2014/main" id="{398A5A53-94A3-77A7-0834-E0337971E622}"/>
+                <a16:creationId xmlns:a16="http://schemas.microsoft.com/office/drawing/2014/main" id="{E09F30F2-EB85-4639-23C5-01C5E15E5656}"/>
               </a:ext>
             </a:extLst>
           </p:cNvPr>
@@ -7925,8 +8967,8 @@
         </p:nvSpPr>
         <p:spPr>
           <a:xfrm>
-            <a:off x="9650865" y="2528719"/>
-            <a:ext cx="10973477" cy="1323687"/>
+            <a:off x="1076633" y="3092172"/>
+            <a:ext cx="12850233" cy="1323687"/>
           </a:xfrm>
           <a:prstGeom prst="rect">
             <a:avLst/>
@@ -7956,6 +8998,7 @@
             </a:lvl1pPr>
           </a:lstStyle>
           <a:p>
+            <a:pPr algn="l"/>
             <a:r>
               <a:rPr lang="de-DE" sz="2800" dirty="0">
                 <a:solidFill>
@@ -7995,6 +9038,7 @@
             </a:endParaRPr>
           </a:p>
           <a:p>
+            <a:pPr algn="l"/>
             <a:r>
               <a:rPr lang="de-DE" sz="2800" dirty="0">
                 <a:solidFill>
@@ -8027,7 +9071,7 @@
           <p:cNvPr id="32" name="Flowchart: Connector 31">
             <a:extLst>
               <a:ext uri="{FF2B5EF4-FFF2-40B4-BE49-F238E27FC236}">
-                <a16:creationId xmlns:a16="http://schemas.microsoft.com/office/drawing/2014/main" id="{2850E013-DE27-08A9-5D01-DF4A2E713854}"/>
+                <a16:creationId xmlns:a16="http://schemas.microsoft.com/office/drawing/2014/main" id="{425C5BA3-2A2E-33C4-FFD0-4DF391D31518}"/>
               </a:ext>
             </a:extLst>
           </p:cNvPr>
@@ -8036,7 +9080,7 @@
         </p:nvSpPr>
         <p:spPr>
           <a:xfrm>
-            <a:off x="1194289" y="4900265"/>
+            <a:off x="1194289" y="5986115"/>
             <a:ext cx="2006111" cy="1960592"/>
           </a:xfrm>
           <a:prstGeom prst="flowChartConnector">
@@ -8047,7 +9091,7 @@
           </a:solidFill>
           <a:ln w="254000">
             <a:solidFill>
-              <a:srgbClr val="07363B"/>
+              <a:srgbClr val="072C30"/>
             </a:solidFill>
           </a:ln>
         </p:spPr>
@@ -8088,7 +9132,7 @@
           <p:cNvPr id="34" name="Flowchart: Connector 33">
             <a:extLst>
               <a:ext uri="{FF2B5EF4-FFF2-40B4-BE49-F238E27FC236}">
-                <a16:creationId xmlns:a16="http://schemas.microsoft.com/office/drawing/2014/main" id="{4BC84D3F-545A-8A56-DE28-3ECB95014C67}"/>
+                <a16:creationId xmlns:a16="http://schemas.microsoft.com/office/drawing/2014/main" id="{4C528279-1C13-569D-92C1-E24EACC0BCA6}"/>
               </a:ext>
             </a:extLst>
           </p:cNvPr>
@@ -8097,7 +9141,7 @@
         </p:nvSpPr>
         <p:spPr>
           <a:xfrm>
-            <a:off x="1194288" y="12498846"/>
+            <a:off x="1194288" y="13584696"/>
             <a:ext cx="2006111" cy="1960592"/>
           </a:xfrm>
           <a:prstGeom prst="flowChartConnector">
@@ -8108,7 +9152,7 @@
           </a:solidFill>
           <a:ln w="254000">
             <a:solidFill>
-              <a:srgbClr val="465045"/>
+              <a:srgbClr val="0F3A3C"/>
             </a:solidFill>
           </a:ln>
         </p:spPr>
@@ -8136,7 +9180,7 @@
             <a:r>
               <a:rPr lang="de-DE" sz="7000" b="1" dirty="0">
                 <a:solidFill>
-                  <a:srgbClr val="465045"/>
+                  <a:srgbClr val="0D474A"/>
                 </a:solidFill>
               </a:rPr>
               <a:t>2</a:t>
@@ -8149,7 +9193,7 @@
           <p:cNvPr id="35" name="Flowchart: Connector 34">
             <a:extLst>
               <a:ext uri="{FF2B5EF4-FFF2-40B4-BE49-F238E27FC236}">
-                <a16:creationId xmlns:a16="http://schemas.microsoft.com/office/drawing/2014/main" id="{904A6F2A-5024-684F-4BF1-EA433B5363B4}"/>
+                <a16:creationId xmlns:a16="http://schemas.microsoft.com/office/drawing/2014/main" id="{9576D722-6873-FEDE-7D52-9BCDA6EC25FF}"/>
               </a:ext>
             </a:extLst>
           </p:cNvPr>
@@ -8158,7 +9202,7 @@
         </p:nvSpPr>
         <p:spPr>
           <a:xfrm>
-            <a:off x="1194287" y="26312976"/>
+            <a:off x="1194287" y="27398826"/>
             <a:ext cx="2006111" cy="1960592"/>
           </a:xfrm>
           <a:prstGeom prst="flowChartConnector">
@@ -8169,7 +9213,7 @@
           </a:solidFill>
           <a:ln w="254000">
             <a:solidFill>
-              <a:srgbClr val="76644D"/>
+              <a:srgbClr val="174948"/>
             </a:solidFill>
           </a:ln>
         </p:spPr>
@@ -8197,7 +9241,7 @@
             <a:r>
               <a:rPr lang="de-DE" sz="7000" b="1" dirty="0">
                 <a:solidFill>
-                  <a:srgbClr val="76644D"/>
+                  <a:srgbClr val="196B68"/>
                 </a:solidFill>
               </a:rPr>
               <a:t>3</a:t>
@@ -8210,7 +9254,7 @@
           <p:cNvPr id="36" name="Flowchart: Connector 35">
             <a:extLst>
               <a:ext uri="{FF2B5EF4-FFF2-40B4-BE49-F238E27FC236}">
-                <a16:creationId xmlns:a16="http://schemas.microsoft.com/office/drawing/2014/main" id="{8E30E211-EA44-F5D0-928A-7260864542C9}"/>
+                <a16:creationId xmlns:a16="http://schemas.microsoft.com/office/drawing/2014/main" id="{FEFA34E5-F153-3FB4-1D7F-9C6526B53715}"/>
               </a:ext>
             </a:extLst>
           </p:cNvPr>
@@ -8219,7 +9263,7 @@
         </p:nvSpPr>
         <p:spPr>
           <a:xfrm>
-            <a:off x="16242587" y="26367831"/>
+            <a:off x="16242587" y="27453681"/>
             <a:ext cx="2006111" cy="1960592"/>
           </a:xfrm>
           <a:prstGeom prst="flowChartConnector">
@@ -8230,7 +9274,7 @@
           </a:solidFill>
           <a:ln w="254000">
             <a:solidFill>
-              <a:srgbClr val="B57F56"/>
+              <a:srgbClr val="269088"/>
             </a:solidFill>
           </a:ln>
         </p:spPr>
@@ -8258,7 +9302,7 @@
             <a:r>
               <a:rPr lang="de-DE" sz="7000" b="1" dirty="0">
                 <a:solidFill>
-                  <a:srgbClr val="B57F56"/>
+                  <a:srgbClr val="269088"/>
                 </a:solidFill>
               </a:rPr>
               <a:t>4</a:t>
@@ -8271,7 +9315,7 @@
           <p:cNvPr id="37" name="Flowchart: Connector 36">
             <a:extLst>
               <a:ext uri="{FF2B5EF4-FFF2-40B4-BE49-F238E27FC236}">
-                <a16:creationId xmlns:a16="http://schemas.microsoft.com/office/drawing/2014/main" id="{56194AB0-275E-90C5-D9AE-B84DD72BA2DF}"/>
+                <a16:creationId xmlns:a16="http://schemas.microsoft.com/office/drawing/2014/main" id="{FC9FB5DC-1C4B-D229-1C93-D46A458BF445}"/>
               </a:ext>
             </a:extLst>
           </p:cNvPr>
@@ -8280,7 +9324,7 @@
         </p:nvSpPr>
         <p:spPr>
           <a:xfrm>
-            <a:off x="16285627" y="32900076"/>
+            <a:off x="16285627" y="35586126"/>
             <a:ext cx="2006111" cy="1960592"/>
           </a:xfrm>
           <a:prstGeom prst="flowChartConnector">
@@ -8291,7 +9335,7 @@
           </a:solidFill>
           <a:ln w="254000">
             <a:solidFill>
-              <a:srgbClr val="E7945E"/>
+              <a:srgbClr val="56C2AD"/>
             </a:solidFill>
           </a:ln>
         </p:spPr>
@@ -8319,7 +9363,7 @@
             <a:r>
               <a:rPr lang="de-DE" sz="7000" b="1" dirty="0">
                 <a:solidFill>
-                  <a:srgbClr val="E7945E"/>
+                  <a:srgbClr val="2EA99D"/>
                 </a:solidFill>
               </a:rPr>
               <a:t>5</a:t>
@@ -8332,37 +9376,7 @@
           <p:cNvPr id="39" name="Picture 38">
             <a:extLst>
               <a:ext uri="{FF2B5EF4-FFF2-40B4-BE49-F238E27FC236}">
-                <a16:creationId xmlns:a16="http://schemas.microsoft.com/office/drawing/2014/main" id="{578245E9-968A-0733-6CEB-3C80CFBA6DF5}"/>
-              </a:ext>
-            </a:extLst>
-          </p:cNvPr>
-          <p:cNvPicPr>
-            <a:picLocks noChangeAspect="1"/>
-          </p:cNvPicPr>
-          <p:nvPr/>
-        </p:nvPicPr>
-        <p:blipFill>
-          <a:blip r:embed="rId2"/>
-          <a:stretch>
-            <a:fillRect/>
-          </a:stretch>
-        </p:blipFill>
-        <p:spPr>
-          <a:xfrm>
-            <a:off x="23437270" y="36759334"/>
-            <a:ext cx="6538913" cy="3678137"/>
-          </a:xfrm>
-          <a:prstGeom prst="rect">
-            <a:avLst/>
-          </a:prstGeom>
-        </p:spPr>
-      </p:pic>
-      <p:pic>
-        <p:nvPicPr>
-          <p:cNvPr id="40" name="Picture 39">
-            <a:extLst>
-              <a:ext uri="{FF2B5EF4-FFF2-40B4-BE49-F238E27FC236}">
-                <a16:creationId xmlns:a16="http://schemas.microsoft.com/office/drawing/2014/main" id="{D8FAFAE2-57E1-4134-477C-1A8FD6D877D7}"/>
+                <a16:creationId xmlns:a16="http://schemas.microsoft.com/office/drawing/2014/main" id="{E1D251F1-AE9A-6052-37F4-67E7099CEF93}"/>
               </a:ext>
             </a:extLst>
           </p:cNvPr>
@@ -8379,8 +9393,8 @@
         </p:blipFill>
         <p:spPr>
           <a:xfrm>
-            <a:off x="23329394" y="32942169"/>
-            <a:ext cx="6643297" cy="3735379"/>
+            <a:off x="24844542" y="1129290"/>
+            <a:ext cx="3922235" cy="2206256"/>
           </a:xfrm>
           <a:prstGeom prst="rect">
             <a:avLst/>
@@ -8389,10 +9403,10 @@
       </p:pic>
       <p:sp>
         <p:nvSpPr>
-          <p:cNvPr id="58" name="Rectangle 57">
-            <a:extLst>
-              <a:ext uri="{FF2B5EF4-FFF2-40B4-BE49-F238E27FC236}">
-                <a16:creationId xmlns:a16="http://schemas.microsoft.com/office/drawing/2014/main" id="{FB34FAEC-DCFC-8B7E-AF38-97D47632DD66}"/>
+          <p:cNvPr id="62" name="Rectangle: Top Corners Rounded 61">
+            <a:extLst>
+              <a:ext uri="{FF2B5EF4-FFF2-40B4-BE49-F238E27FC236}">
+                <a16:creationId xmlns:a16="http://schemas.microsoft.com/office/drawing/2014/main" id="{E3FCFFB2-A39F-8E9E-7635-489D8B103C22}"/>
               </a:ext>
             </a:extLst>
           </p:cNvPr>
@@ -8401,14 +9415,17 @@
         </p:nvSpPr>
         <p:spPr>
           <a:xfrm flipV="1">
-            <a:off x="-1" y="40883037"/>
-            <a:ext cx="30275214" cy="1920726"/>
-          </a:xfrm>
-          <a:prstGeom prst="rect">
-            <a:avLst/>
+            <a:off x="-1" y="41844211"/>
+            <a:ext cx="30329139" cy="959548"/>
+          </a:xfrm>
+          <a:prstGeom prst="round2SameRect">
+            <a:avLst>
+              <a:gd name="adj1" fmla="val 0"/>
+              <a:gd name="adj2" fmla="val 0"/>
+            </a:avLst>
           </a:prstGeom>
           <a:solidFill>
-            <a:srgbClr val="E7945E"/>
+            <a:srgbClr val="07363B"/>
           </a:solidFill>
           <a:ln w="254000">
             <a:noFill/>
@@ -8439,230 +9456,10 @@
           </a:p>
         </p:txBody>
       </p:sp>
-      <p:sp>
-        <p:nvSpPr>
-          <p:cNvPr id="59" name="Rectangle: Top Corners Rounded 58">
-            <a:extLst>
-              <a:ext uri="{FF2B5EF4-FFF2-40B4-BE49-F238E27FC236}">
-                <a16:creationId xmlns:a16="http://schemas.microsoft.com/office/drawing/2014/main" id="{09CF426B-77E2-2354-0D1A-58C0463E2741}"/>
-              </a:ext>
-            </a:extLst>
-          </p:cNvPr>
-          <p:cNvSpPr/>
-          <p:nvPr/>
-        </p:nvSpPr>
-        <p:spPr>
-          <a:xfrm flipV="1">
-            <a:off x="856746" y="40880241"/>
-            <a:ext cx="28404556" cy="1921842"/>
-          </a:xfrm>
-          <a:prstGeom prst="round2SameRect">
-            <a:avLst>
-              <a:gd name="adj1" fmla="val 0"/>
-              <a:gd name="adj2" fmla="val 0"/>
-            </a:avLst>
-          </a:prstGeom>
-          <a:solidFill>
-            <a:srgbClr val="B57F56"/>
-          </a:solidFill>
-          <a:ln w="254000">
-            <a:noFill/>
-          </a:ln>
-        </p:spPr>
-        <p:style>
-          <a:lnRef idx="2">
-            <a:schemeClr val="accent1">
-              <a:shade val="15000"/>
-            </a:schemeClr>
-          </a:lnRef>
-          <a:fillRef idx="1">
-            <a:schemeClr val="accent1"/>
-          </a:fillRef>
-          <a:effectRef idx="0">
-            <a:schemeClr val="accent1"/>
-          </a:effectRef>
-          <a:fontRef idx="minor">
-            <a:schemeClr val="lt1"/>
-          </a:fontRef>
-        </p:style>
-        <p:txBody>
-          <a:bodyPr rtlCol="0" anchor="ctr"/>
-          <a:lstStyle/>
-          <a:p>
-            <a:pPr algn="ctr"/>
-            <a:endParaRPr lang="de-DE"/>
-          </a:p>
-        </p:txBody>
-      </p:sp>
-      <p:sp>
-        <p:nvSpPr>
-          <p:cNvPr id="60" name="Rectangle: Top Corners Rounded 59">
-            <a:extLst>
-              <a:ext uri="{FF2B5EF4-FFF2-40B4-BE49-F238E27FC236}">
-                <a16:creationId xmlns:a16="http://schemas.microsoft.com/office/drawing/2014/main" id="{C2F774B3-8542-8360-79FA-70B41792645F}"/>
-              </a:ext>
-            </a:extLst>
-          </p:cNvPr>
-          <p:cNvSpPr/>
-          <p:nvPr/>
-        </p:nvSpPr>
-        <p:spPr>
-          <a:xfrm flipV="1">
-            <a:off x="2245466" y="40878015"/>
-            <a:ext cx="25838205" cy="1923314"/>
-          </a:xfrm>
-          <a:prstGeom prst="round2SameRect">
-            <a:avLst>
-              <a:gd name="adj1" fmla="val 0"/>
-              <a:gd name="adj2" fmla="val 0"/>
-            </a:avLst>
-          </a:prstGeom>
-          <a:solidFill>
-            <a:srgbClr val="76644D"/>
-          </a:solidFill>
-          <a:ln w="254000">
-            <a:noFill/>
-          </a:ln>
-        </p:spPr>
-        <p:style>
-          <a:lnRef idx="2">
-            <a:schemeClr val="accent1">
-              <a:shade val="15000"/>
-            </a:schemeClr>
-          </a:lnRef>
-          <a:fillRef idx="1">
-            <a:schemeClr val="accent1"/>
-          </a:fillRef>
-          <a:effectRef idx="0">
-            <a:schemeClr val="accent1"/>
-          </a:effectRef>
-          <a:fontRef idx="minor">
-            <a:schemeClr val="lt1"/>
-          </a:fontRef>
-        </p:style>
-        <p:txBody>
-          <a:bodyPr rtlCol="0" anchor="ctr"/>
-          <a:lstStyle/>
-          <a:p>
-            <a:pPr algn="ctr"/>
-            <a:endParaRPr lang="de-DE"/>
-          </a:p>
-        </p:txBody>
-      </p:sp>
-      <p:sp>
-        <p:nvSpPr>
-          <p:cNvPr id="61" name="Rectangle: Top Corners Rounded 60">
-            <a:extLst>
-              <a:ext uri="{FF2B5EF4-FFF2-40B4-BE49-F238E27FC236}">
-                <a16:creationId xmlns:a16="http://schemas.microsoft.com/office/drawing/2014/main" id="{1885FB95-D05B-9D6C-EC7B-948250420996}"/>
-              </a:ext>
-            </a:extLst>
-          </p:cNvPr>
-          <p:cNvSpPr/>
-          <p:nvPr/>
-        </p:nvSpPr>
-        <p:spPr>
-          <a:xfrm flipV="1">
-            <a:off x="3593302" y="40878014"/>
-            <a:ext cx="23088601" cy="1923315"/>
-          </a:xfrm>
-          <a:prstGeom prst="round2SameRect">
-            <a:avLst>
-              <a:gd name="adj1" fmla="val 0"/>
-              <a:gd name="adj2" fmla="val 0"/>
-            </a:avLst>
-          </a:prstGeom>
-          <a:solidFill>
-            <a:srgbClr val="465045"/>
-          </a:solidFill>
-          <a:ln w="254000">
-            <a:noFill/>
-          </a:ln>
-        </p:spPr>
-        <p:style>
-          <a:lnRef idx="2">
-            <a:schemeClr val="accent1">
-              <a:shade val="15000"/>
-            </a:schemeClr>
-          </a:lnRef>
-          <a:fillRef idx="1">
-            <a:schemeClr val="accent1"/>
-          </a:fillRef>
-          <a:effectRef idx="0">
-            <a:schemeClr val="accent1"/>
-          </a:effectRef>
-          <a:fontRef idx="minor">
-            <a:schemeClr val="lt1"/>
-          </a:fontRef>
-        </p:style>
-        <p:txBody>
-          <a:bodyPr rtlCol="0" anchor="ctr"/>
-          <a:lstStyle/>
-          <a:p>
-            <a:pPr algn="ctr"/>
-            <a:endParaRPr lang="de-DE"/>
-          </a:p>
-        </p:txBody>
-      </p:sp>
-      <p:sp>
-        <p:nvSpPr>
-          <p:cNvPr id="62" name="Rectangle: Top Corners Rounded 61">
-            <a:extLst>
-              <a:ext uri="{FF2B5EF4-FFF2-40B4-BE49-F238E27FC236}">
-                <a16:creationId xmlns:a16="http://schemas.microsoft.com/office/drawing/2014/main" id="{0B32CB3C-6512-910F-C823-562A8D2FBC5F}"/>
-              </a:ext>
-            </a:extLst>
-          </p:cNvPr>
-          <p:cNvSpPr/>
-          <p:nvPr/>
-        </p:nvSpPr>
-        <p:spPr>
-          <a:xfrm flipV="1">
-            <a:off x="4914900" y="40877437"/>
-            <a:ext cx="20288249" cy="1926325"/>
-          </a:xfrm>
-          <a:prstGeom prst="round2SameRect">
-            <a:avLst>
-              <a:gd name="adj1" fmla="val 0"/>
-              <a:gd name="adj2" fmla="val 0"/>
-            </a:avLst>
-          </a:prstGeom>
-          <a:solidFill>
-            <a:srgbClr val="152C2C"/>
-          </a:solidFill>
-          <a:ln w="254000">
-            <a:noFill/>
-          </a:ln>
-        </p:spPr>
-        <p:style>
-          <a:lnRef idx="2">
-            <a:schemeClr val="accent1">
-              <a:shade val="15000"/>
-            </a:schemeClr>
-          </a:lnRef>
-          <a:fillRef idx="1">
-            <a:schemeClr val="accent1"/>
-          </a:fillRef>
-          <a:effectRef idx="0">
-            <a:schemeClr val="accent1"/>
-          </a:effectRef>
-          <a:fontRef idx="minor">
-            <a:schemeClr val="lt1"/>
-          </a:fontRef>
-        </p:style>
-        <p:txBody>
-          <a:bodyPr rtlCol="0" anchor="ctr"/>
-          <a:lstStyle/>
-          <a:p>
-            <a:pPr algn="ctr"/>
-            <a:endParaRPr lang="de-DE"/>
-          </a:p>
-        </p:txBody>
-      </p:sp>
     </p:spTree>
     <p:extLst>
       <p:ext uri="{BB962C8B-B14F-4D97-AF65-F5344CB8AC3E}">
-        <p14:creationId xmlns:p14="http://schemas.microsoft.com/office/powerpoint/2010/main" val="3482238491"/>
+        <p14:creationId xmlns:p14="http://schemas.microsoft.com/office/powerpoint/2010/main" val="2980305190"/>
       </p:ext>
     </p:extLst>
   </p:cSld>
@@ -11160,12 +11957,20 @@
 <file path=ppt/slides/slide4.xml><?xml version="1.0" encoding="utf-8"?>
 <p:sld xmlns:a="http://schemas.openxmlformats.org/drawingml/2006/main" xmlns:r="http://schemas.openxmlformats.org/officeDocument/2006/relationships" xmlns:p="http://schemas.openxmlformats.org/presentationml/2006/main">
   <p:cSld>
+    <p:bg>
+      <p:bgPr>
+        <a:solidFill>
+          <a:schemeClr val="bg1"/>
+        </a:solidFill>
+        <a:effectLst/>
+      </p:bgPr>
+    </p:bg>
     <p:spTree>
       <p:nvGrpSpPr>
         <p:cNvPr id="1" name="">
           <a:extLst>
             <a:ext uri="{FF2B5EF4-FFF2-40B4-BE49-F238E27FC236}">
-              <a16:creationId xmlns:a16="http://schemas.microsoft.com/office/drawing/2014/main" id="{958EAF18-03AA-98F1-B630-0EFB842D82D9}"/>
+              <a16:creationId xmlns:a16="http://schemas.microsoft.com/office/drawing/2014/main" id="{FCC3C93F-3158-267C-D195-4E6BDF6BF366}"/>
             </a:ext>
           </a:extLst>
         </p:cNvPr>
@@ -11185,7 +11990,7 @@
           <p:cNvPr id="42" name="Rectangle 41">
             <a:extLst>
               <a:ext uri="{FF2B5EF4-FFF2-40B4-BE49-F238E27FC236}">
-                <a16:creationId xmlns:a16="http://schemas.microsoft.com/office/drawing/2014/main" id="{91DE758A-DC60-09A3-9A58-812CEEDD4254}"/>
+                <a16:creationId xmlns:a16="http://schemas.microsoft.com/office/drawing/2014/main" id="{11AE498E-77D4-8C32-7053-7BEA953339D9}"/>
               </a:ext>
             </a:extLst>
           </p:cNvPr>
@@ -11201,7 +12006,7 @@
             <a:avLst/>
           </a:prstGeom>
           <a:solidFill>
-            <a:srgbClr val="475A5F"/>
+            <a:srgbClr val="FC9A64"/>
           </a:solidFill>
           <a:ln w="254000">
             <a:noFill/>
@@ -11237,7 +12042,7 @@
           <p:cNvPr id="43" name="Rectangle: Top Corners Rounded 42">
             <a:extLst>
               <a:ext uri="{FF2B5EF4-FFF2-40B4-BE49-F238E27FC236}">
-                <a16:creationId xmlns:a16="http://schemas.microsoft.com/office/drawing/2014/main" id="{B44D68FB-3958-DE27-7800-B969DAC3319C}"/>
+                <a16:creationId xmlns:a16="http://schemas.microsoft.com/office/drawing/2014/main" id="{212BAF29-849C-AC8F-8C10-AE802C59AD01}"/>
               </a:ext>
             </a:extLst>
           </p:cNvPr>
@@ -11253,7 +12058,7 @@
             <a:avLst/>
           </a:prstGeom>
           <a:solidFill>
-            <a:srgbClr val="394C53"/>
+            <a:srgbClr val="B57F56"/>
           </a:solidFill>
           <a:ln w="254000">
             <a:noFill/>
@@ -11289,7 +12094,7 @@
           <p:cNvPr id="44" name="Rectangle: Top Corners Rounded 43">
             <a:extLst>
               <a:ext uri="{FF2B5EF4-FFF2-40B4-BE49-F238E27FC236}">
-                <a16:creationId xmlns:a16="http://schemas.microsoft.com/office/drawing/2014/main" id="{B9604F39-3E40-CB7B-DB9C-1C76E09EF087}"/>
+                <a16:creationId xmlns:a16="http://schemas.microsoft.com/office/drawing/2014/main" id="{D540D14C-49A6-13CB-CE47-3FA660C5309D}"/>
               </a:ext>
             </a:extLst>
           </p:cNvPr>
@@ -11305,7 +12110,7 @@
             <a:avLst/>
           </a:prstGeom>
           <a:solidFill>
-            <a:srgbClr val="2F4047"/>
+            <a:srgbClr val="76644D"/>
           </a:solidFill>
           <a:ln w="254000">
             <a:noFill/>
@@ -11341,7 +12146,7 @@
           <p:cNvPr id="45" name="Rectangle: Top Corners Rounded 44">
             <a:extLst>
               <a:ext uri="{FF2B5EF4-FFF2-40B4-BE49-F238E27FC236}">
-                <a16:creationId xmlns:a16="http://schemas.microsoft.com/office/drawing/2014/main" id="{0073C155-DD9B-6536-1C36-6B45C969AC1E}"/>
+                <a16:creationId xmlns:a16="http://schemas.microsoft.com/office/drawing/2014/main" id="{BA8B4A71-F90F-DD22-DF1A-D8ABBAC4403D}"/>
               </a:ext>
             </a:extLst>
           </p:cNvPr>
@@ -11357,7 +12162,7 @@
             <a:avLst/>
           </a:prstGeom>
           <a:solidFill>
-            <a:srgbClr val="25333C"/>
+            <a:srgbClr val="465045"/>
           </a:solidFill>
           <a:ln w="254000">
             <a:noFill/>
@@ -11393,7 +12198,7 @@
           <p:cNvPr id="17" name="Rectangle: Rounded Corners 16">
             <a:extLst>
               <a:ext uri="{FF2B5EF4-FFF2-40B4-BE49-F238E27FC236}">
-                <a16:creationId xmlns:a16="http://schemas.microsoft.com/office/drawing/2014/main" id="{7B04B3BA-F70F-5813-4383-E811CF63B8FA}"/>
+                <a16:creationId xmlns:a16="http://schemas.microsoft.com/office/drawing/2014/main" id="{45EAA66C-C596-DA88-1363-77C29B84D4C2}"/>
               </a:ext>
             </a:extLst>
           </p:cNvPr>
@@ -11415,7 +12220,7 @@
           </a:solidFill>
           <a:ln w="254000">
             <a:solidFill>
-              <a:srgbClr val="2F4047"/>
+              <a:srgbClr val="76644D"/>
             </a:solidFill>
           </a:ln>
         </p:spPr>
@@ -11449,7 +12254,7 @@
           <p:cNvPr id="18" name="Rectangle: Rounded Corners 17">
             <a:extLst>
               <a:ext uri="{FF2B5EF4-FFF2-40B4-BE49-F238E27FC236}">
-                <a16:creationId xmlns:a16="http://schemas.microsoft.com/office/drawing/2014/main" id="{9D41423C-12A0-3511-D2D8-696F69DF9055}"/>
+                <a16:creationId xmlns:a16="http://schemas.microsoft.com/office/drawing/2014/main" id="{F47B7AE2-AEDF-F885-DBB4-D0E4815BCBC9}"/>
               </a:ext>
             </a:extLst>
           </p:cNvPr>
@@ -11471,7 +12276,7 @@
           </a:solidFill>
           <a:ln w="254000">
             <a:solidFill>
-              <a:srgbClr val="B21D31"/>
+              <a:srgbClr val="B57F56"/>
             </a:solidFill>
           </a:ln>
         </p:spPr>
@@ -11505,7 +12310,7 @@
           <p:cNvPr id="19" name="Rectangle: Rounded Corners 18">
             <a:extLst>
               <a:ext uri="{FF2B5EF4-FFF2-40B4-BE49-F238E27FC236}">
-                <a16:creationId xmlns:a16="http://schemas.microsoft.com/office/drawing/2014/main" id="{0009AA07-1F99-B904-E297-2C236809C549}"/>
+                <a16:creationId xmlns:a16="http://schemas.microsoft.com/office/drawing/2014/main" id="{281F6EBD-6302-B2C1-1500-CF8EE43A9111}"/>
               </a:ext>
             </a:extLst>
           </p:cNvPr>
@@ -11527,7 +12332,7 @@
           </a:solidFill>
           <a:ln w="254000">
             <a:solidFill>
-              <a:srgbClr val="475A5F"/>
+              <a:srgbClr val="E7945E"/>
             </a:solidFill>
           </a:ln>
         </p:spPr>
@@ -11561,7 +12366,7 @@
           <p:cNvPr id="16" name="Rectangle: Rounded Corners 15">
             <a:extLst>
               <a:ext uri="{FF2B5EF4-FFF2-40B4-BE49-F238E27FC236}">
-                <a16:creationId xmlns:a16="http://schemas.microsoft.com/office/drawing/2014/main" id="{33F43292-30EE-C8F9-4DD2-F565CEF24CD5}"/>
+                <a16:creationId xmlns:a16="http://schemas.microsoft.com/office/drawing/2014/main" id="{9027CD85-0FF0-C1FD-841F-8CDC2D5B04F9}"/>
               </a:ext>
             </a:extLst>
           </p:cNvPr>
@@ -11583,7 +12388,7 @@
           </a:solidFill>
           <a:ln w="254000">
             <a:solidFill>
-              <a:srgbClr val="25333C"/>
+              <a:srgbClr val="465045"/>
             </a:solidFill>
           </a:ln>
         </p:spPr>
@@ -11617,7 +12422,7 @@
           <p:cNvPr id="14" name="Rectangle: Rounded Corners 13">
             <a:extLst>
               <a:ext uri="{FF2B5EF4-FFF2-40B4-BE49-F238E27FC236}">
-                <a16:creationId xmlns:a16="http://schemas.microsoft.com/office/drawing/2014/main" id="{86E46DE7-C395-ADBD-47CD-51C586CD9FB5}"/>
+                <a16:creationId xmlns:a16="http://schemas.microsoft.com/office/drawing/2014/main" id="{1B359590-00F7-E739-9F09-271557A63FFF}"/>
               </a:ext>
             </a:extLst>
           </p:cNvPr>
@@ -11639,7 +12444,7 @@
           </a:solidFill>
           <a:ln w="254000">
             <a:solidFill>
-              <a:srgbClr val="B21D31"/>
+              <a:srgbClr val="07363B"/>
             </a:solidFill>
           </a:ln>
         </p:spPr>
@@ -11676,7 +12481,7 @@
           <p:cNvPr id="20" name="TextBox 19">
             <a:extLst>
               <a:ext uri="{FF2B5EF4-FFF2-40B4-BE49-F238E27FC236}">
-                <a16:creationId xmlns:a16="http://schemas.microsoft.com/office/drawing/2014/main" id="{AC805202-4F72-4F65-1858-BB75778E533A}"/>
+                <a16:creationId xmlns:a16="http://schemas.microsoft.com/office/drawing/2014/main" id="{C3409DA9-CE78-7736-D1D1-BC25D45DB29B}"/>
               </a:ext>
             </a:extLst>
           </p:cNvPr>
@@ -11834,7 +12639,7 @@
           <p:cNvPr id="3" name="TextBox 2">
             <a:extLst>
               <a:ext uri="{FF2B5EF4-FFF2-40B4-BE49-F238E27FC236}">
-                <a16:creationId xmlns:a16="http://schemas.microsoft.com/office/drawing/2014/main" id="{23625615-DCAC-4B5E-C71D-06C4AB25AB47}"/>
+                <a16:creationId xmlns:a16="http://schemas.microsoft.com/office/drawing/2014/main" id="{79337DBA-1B1A-03AE-EEDE-1AF9310B91EB}"/>
               </a:ext>
             </a:extLst>
           </p:cNvPr>
@@ -12025,7 +12830,7 @@
           <p:cNvPr id="5" name="TextBox 4">
             <a:extLst>
               <a:ext uri="{FF2B5EF4-FFF2-40B4-BE49-F238E27FC236}">
-                <a16:creationId xmlns:a16="http://schemas.microsoft.com/office/drawing/2014/main" id="{B16AA000-5588-83AF-ABEB-D04B9B00F0D0}"/>
+                <a16:creationId xmlns:a16="http://schemas.microsoft.com/office/drawing/2014/main" id="{577D02AF-3838-6613-C231-160D448AE5E9}"/>
               </a:ext>
             </a:extLst>
           </p:cNvPr>
@@ -12270,7 +13075,7 @@
           <p:cNvPr id="6" name="TextBox 5">
             <a:extLst>
               <a:ext uri="{FF2B5EF4-FFF2-40B4-BE49-F238E27FC236}">
-                <a16:creationId xmlns:a16="http://schemas.microsoft.com/office/drawing/2014/main" id="{F07737C4-87A5-6AF0-8B17-6244417FC9ED}"/>
+                <a16:creationId xmlns:a16="http://schemas.microsoft.com/office/drawing/2014/main" id="{B56AB9FA-1D4E-05D8-2E69-CADD1628B580}"/>
               </a:ext>
             </a:extLst>
           </p:cNvPr>
@@ -12326,7 +13131,7 @@
           <p:cNvPr id="7" name="TextBox 6">
             <a:extLst>
               <a:ext uri="{FF2B5EF4-FFF2-40B4-BE49-F238E27FC236}">
-                <a16:creationId xmlns:a16="http://schemas.microsoft.com/office/drawing/2014/main" id="{0C51901A-AD92-3483-FF52-5ECEB2D053A5}"/>
+                <a16:creationId xmlns:a16="http://schemas.microsoft.com/office/drawing/2014/main" id="{0CA8C2BF-042F-B101-645D-5B52C939C1FD}"/>
               </a:ext>
             </a:extLst>
           </p:cNvPr>
@@ -12335,7 +13140,7 @@
         </p:nvSpPr>
         <p:spPr>
           <a:xfrm>
-            <a:off x="16242587" y="28466716"/>
+            <a:off x="16242587" y="28638166"/>
             <a:ext cx="8291810" cy="1200329"/>
           </a:xfrm>
           <a:prstGeom prst="rect">
@@ -12378,7 +13183,7 @@
           <p:cNvPr id="24" name="Rectangle: Rounded Corners 23">
             <a:extLst>
               <a:ext uri="{FF2B5EF4-FFF2-40B4-BE49-F238E27FC236}">
-                <a16:creationId xmlns:a16="http://schemas.microsoft.com/office/drawing/2014/main" id="{16F17C88-CF94-11D7-D087-3F75A1B40134}"/>
+                <a16:creationId xmlns:a16="http://schemas.microsoft.com/office/drawing/2014/main" id="{686442BE-95C7-9E2E-34FB-E3B3DB4CE185}"/>
               </a:ext>
             </a:extLst>
           </p:cNvPr>
@@ -12396,7 +13201,7 @@
             </a:avLst>
           </a:prstGeom>
           <a:solidFill>
-            <a:srgbClr val="B21D31"/>
+            <a:srgbClr val="07363B"/>
           </a:solidFill>
           <a:ln>
             <a:noFill/>
@@ -12430,10 +13235,6 @@
           </a:p>
           <a:p>
             <a:pPr algn="ctr"/>
-            <a:r>
-              <a:rPr lang="en-US" sz="1000" b="1" dirty="0" err="1"/>
-              <a:t>kkk</a:t>
-            </a:r>
             <a:endParaRPr lang="en-US" sz="1000" b="1" dirty="0"/>
           </a:p>
         </p:txBody>
@@ -12443,7 +13244,7 @@
           <p:cNvPr id="25" name="TextBox 24">
             <a:extLst>
               <a:ext uri="{FF2B5EF4-FFF2-40B4-BE49-F238E27FC236}">
-                <a16:creationId xmlns:a16="http://schemas.microsoft.com/office/drawing/2014/main" id="{83C51AA0-EAC9-949A-0E1E-8D8B5A2E6BA5}"/>
+                <a16:creationId xmlns:a16="http://schemas.microsoft.com/office/drawing/2014/main" id="{CDC30370-A77B-403C-B44E-9B20BF1DA80E}"/>
               </a:ext>
             </a:extLst>
           </p:cNvPr>
@@ -12528,7 +13329,7 @@
           <p:cNvPr id="27" name="Rectangle: Rounded Corners 26">
             <a:extLst>
               <a:ext uri="{FF2B5EF4-FFF2-40B4-BE49-F238E27FC236}">
-                <a16:creationId xmlns:a16="http://schemas.microsoft.com/office/drawing/2014/main" id="{61346A8F-F416-7B92-4C38-50C56B09AEF9}"/>
+                <a16:creationId xmlns:a16="http://schemas.microsoft.com/office/drawing/2014/main" id="{1C44B38A-245F-145B-44CC-375CB16B3D7C}"/>
               </a:ext>
             </a:extLst>
           </p:cNvPr>
@@ -12546,11 +13347,11 @@
             </a:avLst>
           </a:prstGeom>
           <a:solidFill>
-            <a:srgbClr val="25333C"/>
+            <a:srgbClr val="465045"/>
           </a:solidFill>
           <a:ln>
             <a:solidFill>
-              <a:srgbClr val="25333C"/>
+              <a:srgbClr val="465045"/>
             </a:solidFill>
           </a:ln>
         </p:spPr>
@@ -12591,7 +13392,7 @@
           <p:cNvPr id="28" name="Rectangle: Rounded Corners 27">
             <a:extLst>
               <a:ext uri="{FF2B5EF4-FFF2-40B4-BE49-F238E27FC236}">
-                <a16:creationId xmlns:a16="http://schemas.microsoft.com/office/drawing/2014/main" id="{2B14AB4D-5A72-50CD-AC71-8DF26C6798F0}"/>
+                <a16:creationId xmlns:a16="http://schemas.microsoft.com/office/drawing/2014/main" id="{C023AB46-77DD-CE36-49C2-6FAEFFDD0883}"/>
               </a:ext>
             </a:extLst>
           </p:cNvPr>
@@ -12609,11 +13410,11 @@
             </a:avLst>
           </a:prstGeom>
           <a:solidFill>
-            <a:srgbClr val="2F4047"/>
+            <a:srgbClr val="76644D"/>
           </a:solidFill>
           <a:ln>
             <a:solidFill>
-              <a:srgbClr val="2F4047"/>
+              <a:srgbClr val="76644D"/>
             </a:solidFill>
           </a:ln>
         </p:spPr>
@@ -12653,7 +13454,7 @@
           <p:cNvPr id="29" name="Rectangle: Rounded Corners 28">
             <a:extLst>
               <a:ext uri="{FF2B5EF4-FFF2-40B4-BE49-F238E27FC236}">
-                <a16:creationId xmlns:a16="http://schemas.microsoft.com/office/drawing/2014/main" id="{38BB76AC-84D8-E318-DC01-9A085FB8E25C}"/>
+                <a16:creationId xmlns:a16="http://schemas.microsoft.com/office/drawing/2014/main" id="{BBBC38AC-9181-F69E-C144-4FF77A95C9B5}"/>
               </a:ext>
             </a:extLst>
           </p:cNvPr>
@@ -12671,12 +13472,10 @@
             </a:avLst>
           </a:prstGeom>
           <a:solidFill>
-            <a:srgbClr val="B21D31"/>
+            <a:srgbClr val="B57F56"/>
           </a:solidFill>
           <a:ln>
-            <a:solidFill>
-              <a:srgbClr val="B21D31"/>
-            </a:solidFill>
+            <a:noFill/>
           </a:ln>
         </p:spPr>
         <p:style>
@@ -12713,7 +13512,7 @@
           <p:cNvPr id="30" name="Rectangle: Rounded Corners 29">
             <a:extLst>
               <a:ext uri="{FF2B5EF4-FFF2-40B4-BE49-F238E27FC236}">
-                <a16:creationId xmlns:a16="http://schemas.microsoft.com/office/drawing/2014/main" id="{15926180-93CD-8423-1659-A7CA4443CDBD}"/>
+                <a16:creationId xmlns:a16="http://schemas.microsoft.com/office/drawing/2014/main" id="{FB4A0585-B6BE-B4E3-1F6A-2D511DA70DC1}"/>
               </a:ext>
             </a:extLst>
           </p:cNvPr>
@@ -12731,7 +13530,7 @@
             </a:avLst>
           </a:prstGeom>
           <a:solidFill>
-            <a:srgbClr val="475A5F"/>
+            <a:srgbClr val="E7945E"/>
           </a:solidFill>
           <a:ln>
             <a:noFill/>
@@ -12770,7 +13569,7 @@
           <p:cNvPr id="15" name="Rectangle: Top Corners Rounded 14">
             <a:extLst>
               <a:ext uri="{FF2B5EF4-FFF2-40B4-BE49-F238E27FC236}">
-                <a16:creationId xmlns:a16="http://schemas.microsoft.com/office/drawing/2014/main" id="{0D290A8A-DED6-CE84-A8C7-D85F6A4EC1DD}"/>
+                <a16:creationId xmlns:a16="http://schemas.microsoft.com/office/drawing/2014/main" id="{E0AFC1EF-6204-FF7B-C950-38426C0C1692}"/>
               </a:ext>
             </a:extLst>
           </p:cNvPr>
@@ -12786,7 +13585,7 @@
             <a:avLst/>
           </a:prstGeom>
           <a:solidFill>
-            <a:srgbClr val="B21D31"/>
+            <a:srgbClr val="13393A"/>
           </a:solidFill>
           <a:ln w="254000">
             <a:noFill/>
@@ -12813,7 +13612,7 @@
           <a:lstStyle/>
           <a:p>
             <a:pPr algn="ctr"/>
-            <a:endParaRPr lang="de-DE"/>
+            <a:endParaRPr lang="de-DE" dirty="0"/>
           </a:p>
         </p:txBody>
       </p:sp>
@@ -12822,7 +13621,7 @@
           <p:cNvPr id="23" name="Titel 1">
             <a:extLst>
               <a:ext uri="{FF2B5EF4-FFF2-40B4-BE49-F238E27FC236}">
-                <a16:creationId xmlns:a16="http://schemas.microsoft.com/office/drawing/2014/main" id="{1BCA85D5-9460-D08E-D399-FA4C3DE039C7}"/>
+                <a16:creationId xmlns:a16="http://schemas.microsoft.com/office/drawing/2014/main" id="{1505C738-27BC-2CED-14E3-322FA2B64446}"/>
               </a:ext>
             </a:extLst>
           </p:cNvPr>
@@ -12886,7 +13685,7 @@
           <p:cNvPr id="31" name="Titel 1">
             <a:extLst>
               <a:ext uri="{FF2B5EF4-FFF2-40B4-BE49-F238E27FC236}">
-                <a16:creationId xmlns:a16="http://schemas.microsoft.com/office/drawing/2014/main" id="{6B827B7B-2FC7-DAEA-BAB1-47228952AC76}"/>
+                <a16:creationId xmlns:a16="http://schemas.microsoft.com/office/drawing/2014/main" id="{4D4A9688-B9A4-7047-2AF5-FA95B61D02C3}"/>
               </a:ext>
             </a:extLst>
           </p:cNvPr>
@@ -12999,6 +13798,2493 @@
           <p:cNvPr id="32" name="Flowchart: Connector 31">
             <a:extLst>
               <a:ext uri="{FF2B5EF4-FFF2-40B4-BE49-F238E27FC236}">
+                <a16:creationId xmlns:a16="http://schemas.microsoft.com/office/drawing/2014/main" id="{09B24F1E-7E83-2768-5388-BA0B49A8A6F3}"/>
+              </a:ext>
+            </a:extLst>
+          </p:cNvPr>
+          <p:cNvSpPr/>
+          <p:nvPr/>
+        </p:nvSpPr>
+        <p:spPr>
+          <a:xfrm>
+            <a:off x="1194289" y="4900265"/>
+            <a:ext cx="2006111" cy="1960592"/>
+          </a:xfrm>
+          <a:prstGeom prst="flowChartConnector">
+            <a:avLst/>
+          </a:prstGeom>
+          <a:solidFill>
+            <a:schemeClr val="bg1"/>
+          </a:solidFill>
+          <a:ln w="254000">
+            <a:solidFill>
+              <a:srgbClr val="07363B"/>
+            </a:solidFill>
+          </a:ln>
+        </p:spPr>
+        <p:style>
+          <a:lnRef idx="2">
+            <a:schemeClr val="accent1">
+              <a:shade val="15000"/>
+            </a:schemeClr>
+          </a:lnRef>
+          <a:fillRef idx="1">
+            <a:schemeClr val="accent1"/>
+          </a:fillRef>
+          <a:effectRef idx="0">
+            <a:schemeClr val="accent1"/>
+          </a:effectRef>
+          <a:fontRef idx="minor">
+            <a:schemeClr val="lt1"/>
+          </a:fontRef>
+        </p:style>
+        <p:txBody>
+          <a:bodyPr rtlCol="0" anchor="ctr"/>
+          <a:lstStyle/>
+          <a:p>
+            <a:pPr algn="ctr"/>
+            <a:r>
+              <a:rPr lang="de-DE" sz="7000" b="1" dirty="0">
+                <a:solidFill>
+                  <a:srgbClr val="07363B"/>
+                </a:solidFill>
+              </a:rPr>
+              <a:t>1</a:t>
+            </a:r>
+          </a:p>
+        </p:txBody>
+      </p:sp>
+      <p:sp>
+        <p:nvSpPr>
+          <p:cNvPr id="34" name="Flowchart: Connector 33">
+            <a:extLst>
+              <a:ext uri="{FF2B5EF4-FFF2-40B4-BE49-F238E27FC236}">
+                <a16:creationId xmlns:a16="http://schemas.microsoft.com/office/drawing/2014/main" id="{3467F276-DD1D-51AA-FACD-6D93E6077122}"/>
+              </a:ext>
+            </a:extLst>
+          </p:cNvPr>
+          <p:cNvSpPr/>
+          <p:nvPr/>
+        </p:nvSpPr>
+        <p:spPr>
+          <a:xfrm>
+            <a:off x="1194288" y="12498846"/>
+            <a:ext cx="2006111" cy="1960592"/>
+          </a:xfrm>
+          <a:prstGeom prst="flowChartConnector">
+            <a:avLst/>
+          </a:prstGeom>
+          <a:solidFill>
+            <a:schemeClr val="bg1"/>
+          </a:solidFill>
+          <a:ln w="254000">
+            <a:solidFill>
+              <a:srgbClr val="465045"/>
+            </a:solidFill>
+          </a:ln>
+        </p:spPr>
+        <p:style>
+          <a:lnRef idx="2">
+            <a:schemeClr val="accent1">
+              <a:shade val="15000"/>
+            </a:schemeClr>
+          </a:lnRef>
+          <a:fillRef idx="1">
+            <a:schemeClr val="accent1"/>
+          </a:fillRef>
+          <a:effectRef idx="0">
+            <a:schemeClr val="accent1"/>
+          </a:effectRef>
+          <a:fontRef idx="minor">
+            <a:schemeClr val="lt1"/>
+          </a:fontRef>
+        </p:style>
+        <p:txBody>
+          <a:bodyPr rtlCol="0" anchor="ctr"/>
+          <a:lstStyle/>
+          <a:p>
+            <a:pPr algn="ctr"/>
+            <a:r>
+              <a:rPr lang="de-DE" sz="7000" b="1" dirty="0">
+                <a:solidFill>
+                  <a:srgbClr val="465045"/>
+                </a:solidFill>
+              </a:rPr>
+              <a:t>2</a:t>
+            </a:r>
+          </a:p>
+        </p:txBody>
+      </p:sp>
+      <p:sp>
+        <p:nvSpPr>
+          <p:cNvPr id="35" name="Flowchart: Connector 34">
+            <a:extLst>
+              <a:ext uri="{FF2B5EF4-FFF2-40B4-BE49-F238E27FC236}">
+                <a16:creationId xmlns:a16="http://schemas.microsoft.com/office/drawing/2014/main" id="{3D9D72EB-445E-6E8A-416C-7CCDC4EB6C2A}"/>
+              </a:ext>
+            </a:extLst>
+          </p:cNvPr>
+          <p:cNvSpPr/>
+          <p:nvPr/>
+        </p:nvSpPr>
+        <p:spPr>
+          <a:xfrm>
+            <a:off x="1194287" y="26312976"/>
+            <a:ext cx="2006111" cy="1960592"/>
+          </a:xfrm>
+          <a:prstGeom prst="flowChartConnector">
+            <a:avLst/>
+          </a:prstGeom>
+          <a:solidFill>
+            <a:schemeClr val="bg1"/>
+          </a:solidFill>
+          <a:ln w="254000">
+            <a:solidFill>
+              <a:srgbClr val="76644D"/>
+            </a:solidFill>
+          </a:ln>
+        </p:spPr>
+        <p:style>
+          <a:lnRef idx="2">
+            <a:schemeClr val="accent1">
+              <a:shade val="15000"/>
+            </a:schemeClr>
+          </a:lnRef>
+          <a:fillRef idx="1">
+            <a:schemeClr val="accent1"/>
+          </a:fillRef>
+          <a:effectRef idx="0">
+            <a:schemeClr val="accent1"/>
+          </a:effectRef>
+          <a:fontRef idx="minor">
+            <a:schemeClr val="lt1"/>
+          </a:fontRef>
+        </p:style>
+        <p:txBody>
+          <a:bodyPr rtlCol="0" anchor="ctr"/>
+          <a:lstStyle/>
+          <a:p>
+            <a:pPr algn="ctr"/>
+            <a:r>
+              <a:rPr lang="de-DE" sz="7000" b="1" dirty="0">
+                <a:solidFill>
+                  <a:srgbClr val="76644D"/>
+                </a:solidFill>
+              </a:rPr>
+              <a:t>3</a:t>
+            </a:r>
+          </a:p>
+        </p:txBody>
+      </p:sp>
+      <p:sp>
+        <p:nvSpPr>
+          <p:cNvPr id="36" name="Flowchart: Connector 35">
+            <a:extLst>
+              <a:ext uri="{FF2B5EF4-FFF2-40B4-BE49-F238E27FC236}">
+                <a16:creationId xmlns:a16="http://schemas.microsoft.com/office/drawing/2014/main" id="{78299EB4-0F69-F458-926B-0954DF9AC71E}"/>
+              </a:ext>
+            </a:extLst>
+          </p:cNvPr>
+          <p:cNvSpPr/>
+          <p:nvPr/>
+        </p:nvSpPr>
+        <p:spPr>
+          <a:xfrm>
+            <a:off x="16242587" y="26367831"/>
+            <a:ext cx="2006111" cy="1960592"/>
+          </a:xfrm>
+          <a:prstGeom prst="flowChartConnector">
+            <a:avLst/>
+          </a:prstGeom>
+          <a:solidFill>
+            <a:schemeClr val="bg1"/>
+          </a:solidFill>
+          <a:ln w="254000">
+            <a:solidFill>
+              <a:srgbClr val="B57F56"/>
+            </a:solidFill>
+          </a:ln>
+        </p:spPr>
+        <p:style>
+          <a:lnRef idx="2">
+            <a:schemeClr val="accent1">
+              <a:shade val="15000"/>
+            </a:schemeClr>
+          </a:lnRef>
+          <a:fillRef idx="1">
+            <a:schemeClr val="accent1"/>
+          </a:fillRef>
+          <a:effectRef idx="0">
+            <a:schemeClr val="accent1"/>
+          </a:effectRef>
+          <a:fontRef idx="minor">
+            <a:schemeClr val="lt1"/>
+          </a:fontRef>
+        </p:style>
+        <p:txBody>
+          <a:bodyPr rtlCol="0" anchor="ctr"/>
+          <a:lstStyle/>
+          <a:p>
+            <a:pPr algn="ctr"/>
+            <a:r>
+              <a:rPr lang="de-DE" sz="7000" b="1" dirty="0">
+                <a:solidFill>
+                  <a:srgbClr val="B57F56"/>
+                </a:solidFill>
+              </a:rPr>
+              <a:t>4</a:t>
+            </a:r>
+          </a:p>
+        </p:txBody>
+      </p:sp>
+      <p:sp>
+        <p:nvSpPr>
+          <p:cNvPr id="37" name="Flowchart: Connector 36">
+            <a:extLst>
+              <a:ext uri="{FF2B5EF4-FFF2-40B4-BE49-F238E27FC236}">
+                <a16:creationId xmlns:a16="http://schemas.microsoft.com/office/drawing/2014/main" id="{32FB5203-465C-A2BF-9005-BB4EAF2E1BF6}"/>
+              </a:ext>
+            </a:extLst>
+          </p:cNvPr>
+          <p:cNvSpPr/>
+          <p:nvPr/>
+        </p:nvSpPr>
+        <p:spPr>
+          <a:xfrm>
+            <a:off x="16285627" y="32900076"/>
+            <a:ext cx="2006111" cy="1960592"/>
+          </a:xfrm>
+          <a:prstGeom prst="flowChartConnector">
+            <a:avLst/>
+          </a:prstGeom>
+          <a:solidFill>
+            <a:schemeClr val="bg1"/>
+          </a:solidFill>
+          <a:ln w="254000">
+            <a:solidFill>
+              <a:srgbClr val="E7945E"/>
+            </a:solidFill>
+          </a:ln>
+        </p:spPr>
+        <p:style>
+          <a:lnRef idx="2">
+            <a:schemeClr val="accent1">
+              <a:shade val="15000"/>
+            </a:schemeClr>
+          </a:lnRef>
+          <a:fillRef idx="1">
+            <a:schemeClr val="accent1"/>
+          </a:fillRef>
+          <a:effectRef idx="0">
+            <a:schemeClr val="accent1"/>
+          </a:effectRef>
+          <a:fontRef idx="minor">
+            <a:schemeClr val="lt1"/>
+          </a:fontRef>
+        </p:style>
+        <p:txBody>
+          <a:bodyPr rtlCol="0" anchor="ctr"/>
+          <a:lstStyle/>
+          <a:p>
+            <a:pPr algn="ctr"/>
+            <a:r>
+              <a:rPr lang="de-DE" sz="7000" b="1" dirty="0">
+                <a:solidFill>
+                  <a:srgbClr val="E7945E"/>
+                </a:solidFill>
+              </a:rPr>
+              <a:t>5</a:t>
+            </a:r>
+          </a:p>
+        </p:txBody>
+      </p:sp>
+      <p:pic>
+        <p:nvPicPr>
+          <p:cNvPr id="39" name="Picture 38">
+            <a:extLst>
+              <a:ext uri="{FF2B5EF4-FFF2-40B4-BE49-F238E27FC236}">
+                <a16:creationId xmlns:a16="http://schemas.microsoft.com/office/drawing/2014/main" id="{E7C4691D-1FF9-5BCB-E2E0-AF44B480EEF9}"/>
+              </a:ext>
+            </a:extLst>
+          </p:cNvPr>
+          <p:cNvPicPr>
+            <a:picLocks noChangeAspect="1"/>
+          </p:cNvPicPr>
+          <p:nvPr/>
+        </p:nvPicPr>
+        <p:blipFill>
+          <a:blip r:embed="rId2"/>
+          <a:stretch>
+            <a:fillRect/>
+          </a:stretch>
+        </p:blipFill>
+        <p:spPr>
+          <a:xfrm>
+            <a:off x="23437270" y="36759334"/>
+            <a:ext cx="6538913" cy="3678137"/>
+          </a:xfrm>
+          <a:prstGeom prst="rect">
+            <a:avLst/>
+          </a:prstGeom>
+        </p:spPr>
+      </p:pic>
+      <p:pic>
+        <p:nvPicPr>
+          <p:cNvPr id="40" name="Picture 39">
+            <a:extLst>
+              <a:ext uri="{FF2B5EF4-FFF2-40B4-BE49-F238E27FC236}">
+                <a16:creationId xmlns:a16="http://schemas.microsoft.com/office/drawing/2014/main" id="{081EA93D-CDD5-C559-08B5-96C380939B59}"/>
+              </a:ext>
+            </a:extLst>
+          </p:cNvPr>
+          <p:cNvPicPr>
+            <a:picLocks noChangeAspect="1"/>
+          </p:cNvPicPr>
+          <p:nvPr/>
+        </p:nvPicPr>
+        <p:blipFill>
+          <a:blip r:embed="rId3"/>
+          <a:stretch>
+            <a:fillRect/>
+          </a:stretch>
+        </p:blipFill>
+        <p:spPr>
+          <a:xfrm>
+            <a:off x="23329394" y="32942169"/>
+            <a:ext cx="6643297" cy="3735379"/>
+          </a:xfrm>
+          <a:prstGeom prst="rect">
+            <a:avLst/>
+          </a:prstGeom>
+        </p:spPr>
+      </p:pic>
+      <p:sp>
+        <p:nvSpPr>
+          <p:cNvPr id="58" name="Rectangle 57">
+            <a:extLst>
+              <a:ext uri="{FF2B5EF4-FFF2-40B4-BE49-F238E27FC236}">
+                <a16:creationId xmlns:a16="http://schemas.microsoft.com/office/drawing/2014/main" id="{E2961703-9EE3-D9AF-1523-F3F6558C8FA0}"/>
+              </a:ext>
+            </a:extLst>
+          </p:cNvPr>
+          <p:cNvSpPr/>
+          <p:nvPr/>
+        </p:nvSpPr>
+        <p:spPr>
+          <a:xfrm flipV="1">
+            <a:off x="-1" y="40883037"/>
+            <a:ext cx="30275214" cy="1920726"/>
+          </a:xfrm>
+          <a:prstGeom prst="rect">
+            <a:avLst/>
+          </a:prstGeom>
+          <a:solidFill>
+            <a:srgbClr val="E7945E"/>
+          </a:solidFill>
+          <a:ln w="254000">
+            <a:noFill/>
+          </a:ln>
+        </p:spPr>
+        <p:style>
+          <a:lnRef idx="2">
+            <a:schemeClr val="accent1">
+              <a:shade val="15000"/>
+            </a:schemeClr>
+          </a:lnRef>
+          <a:fillRef idx="1">
+            <a:schemeClr val="accent1"/>
+          </a:fillRef>
+          <a:effectRef idx="0">
+            <a:schemeClr val="accent1"/>
+          </a:effectRef>
+          <a:fontRef idx="minor">
+            <a:schemeClr val="lt1"/>
+          </a:fontRef>
+        </p:style>
+        <p:txBody>
+          <a:bodyPr rtlCol="0" anchor="ctr"/>
+          <a:lstStyle/>
+          <a:p>
+            <a:pPr algn="ctr"/>
+            <a:endParaRPr lang="de-DE"/>
+          </a:p>
+        </p:txBody>
+      </p:sp>
+      <p:sp>
+        <p:nvSpPr>
+          <p:cNvPr id="59" name="Rectangle: Top Corners Rounded 58">
+            <a:extLst>
+              <a:ext uri="{FF2B5EF4-FFF2-40B4-BE49-F238E27FC236}">
+                <a16:creationId xmlns:a16="http://schemas.microsoft.com/office/drawing/2014/main" id="{E4EB8E5F-C89A-9D8A-E9C5-F9EC425F11A0}"/>
+              </a:ext>
+            </a:extLst>
+          </p:cNvPr>
+          <p:cNvSpPr/>
+          <p:nvPr/>
+        </p:nvSpPr>
+        <p:spPr>
+          <a:xfrm flipV="1">
+            <a:off x="856746" y="40880241"/>
+            <a:ext cx="28404556" cy="1921842"/>
+          </a:xfrm>
+          <a:prstGeom prst="round2SameRect">
+            <a:avLst>
+              <a:gd name="adj1" fmla="val 0"/>
+              <a:gd name="adj2" fmla="val 0"/>
+            </a:avLst>
+          </a:prstGeom>
+          <a:solidFill>
+            <a:srgbClr val="B57F56"/>
+          </a:solidFill>
+          <a:ln w="254000">
+            <a:noFill/>
+          </a:ln>
+        </p:spPr>
+        <p:style>
+          <a:lnRef idx="2">
+            <a:schemeClr val="accent1">
+              <a:shade val="15000"/>
+            </a:schemeClr>
+          </a:lnRef>
+          <a:fillRef idx="1">
+            <a:schemeClr val="accent1"/>
+          </a:fillRef>
+          <a:effectRef idx="0">
+            <a:schemeClr val="accent1"/>
+          </a:effectRef>
+          <a:fontRef idx="minor">
+            <a:schemeClr val="lt1"/>
+          </a:fontRef>
+        </p:style>
+        <p:txBody>
+          <a:bodyPr rtlCol="0" anchor="ctr"/>
+          <a:lstStyle/>
+          <a:p>
+            <a:pPr algn="ctr"/>
+            <a:endParaRPr lang="de-DE"/>
+          </a:p>
+        </p:txBody>
+      </p:sp>
+      <p:sp>
+        <p:nvSpPr>
+          <p:cNvPr id="60" name="Rectangle: Top Corners Rounded 59">
+            <a:extLst>
+              <a:ext uri="{FF2B5EF4-FFF2-40B4-BE49-F238E27FC236}">
+                <a16:creationId xmlns:a16="http://schemas.microsoft.com/office/drawing/2014/main" id="{65FE023E-7831-4461-05B8-93061A0378C8}"/>
+              </a:ext>
+            </a:extLst>
+          </p:cNvPr>
+          <p:cNvSpPr/>
+          <p:nvPr/>
+        </p:nvSpPr>
+        <p:spPr>
+          <a:xfrm flipV="1">
+            <a:off x="2245466" y="40878015"/>
+            <a:ext cx="25838205" cy="1923314"/>
+          </a:xfrm>
+          <a:prstGeom prst="round2SameRect">
+            <a:avLst>
+              <a:gd name="adj1" fmla="val 0"/>
+              <a:gd name="adj2" fmla="val 0"/>
+            </a:avLst>
+          </a:prstGeom>
+          <a:solidFill>
+            <a:srgbClr val="76644D"/>
+          </a:solidFill>
+          <a:ln w="254000">
+            <a:noFill/>
+          </a:ln>
+        </p:spPr>
+        <p:style>
+          <a:lnRef idx="2">
+            <a:schemeClr val="accent1">
+              <a:shade val="15000"/>
+            </a:schemeClr>
+          </a:lnRef>
+          <a:fillRef idx="1">
+            <a:schemeClr val="accent1"/>
+          </a:fillRef>
+          <a:effectRef idx="0">
+            <a:schemeClr val="accent1"/>
+          </a:effectRef>
+          <a:fontRef idx="minor">
+            <a:schemeClr val="lt1"/>
+          </a:fontRef>
+        </p:style>
+        <p:txBody>
+          <a:bodyPr rtlCol="0" anchor="ctr"/>
+          <a:lstStyle/>
+          <a:p>
+            <a:pPr algn="ctr"/>
+            <a:endParaRPr lang="de-DE"/>
+          </a:p>
+        </p:txBody>
+      </p:sp>
+      <p:sp>
+        <p:nvSpPr>
+          <p:cNvPr id="61" name="Rectangle: Top Corners Rounded 60">
+            <a:extLst>
+              <a:ext uri="{FF2B5EF4-FFF2-40B4-BE49-F238E27FC236}">
+                <a16:creationId xmlns:a16="http://schemas.microsoft.com/office/drawing/2014/main" id="{F7A9B5CB-E829-1FC6-A04E-A7F91EA5A92D}"/>
+              </a:ext>
+            </a:extLst>
+          </p:cNvPr>
+          <p:cNvSpPr/>
+          <p:nvPr/>
+        </p:nvSpPr>
+        <p:spPr>
+          <a:xfrm flipV="1">
+            <a:off x="3593302" y="40878014"/>
+            <a:ext cx="23088601" cy="1923315"/>
+          </a:xfrm>
+          <a:prstGeom prst="round2SameRect">
+            <a:avLst>
+              <a:gd name="adj1" fmla="val 0"/>
+              <a:gd name="adj2" fmla="val 0"/>
+            </a:avLst>
+          </a:prstGeom>
+          <a:solidFill>
+            <a:srgbClr val="465045"/>
+          </a:solidFill>
+          <a:ln w="254000">
+            <a:noFill/>
+          </a:ln>
+        </p:spPr>
+        <p:style>
+          <a:lnRef idx="2">
+            <a:schemeClr val="accent1">
+              <a:shade val="15000"/>
+            </a:schemeClr>
+          </a:lnRef>
+          <a:fillRef idx="1">
+            <a:schemeClr val="accent1"/>
+          </a:fillRef>
+          <a:effectRef idx="0">
+            <a:schemeClr val="accent1"/>
+          </a:effectRef>
+          <a:fontRef idx="minor">
+            <a:schemeClr val="lt1"/>
+          </a:fontRef>
+        </p:style>
+        <p:txBody>
+          <a:bodyPr rtlCol="0" anchor="ctr"/>
+          <a:lstStyle/>
+          <a:p>
+            <a:pPr algn="ctr"/>
+            <a:endParaRPr lang="de-DE"/>
+          </a:p>
+        </p:txBody>
+      </p:sp>
+      <p:sp>
+        <p:nvSpPr>
+          <p:cNvPr id="62" name="Rectangle: Top Corners Rounded 61">
+            <a:extLst>
+              <a:ext uri="{FF2B5EF4-FFF2-40B4-BE49-F238E27FC236}">
+                <a16:creationId xmlns:a16="http://schemas.microsoft.com/office/drawing/2014/main" id="{6D8262C6-CFE3-2680-62A9-E618D382FEB6}"/>
+              </a:ext>
+            </a:extLst>
+          </p:cNvPr>
+          <p:cNvSpPr/>
+          <p:nvPr/>
+        </p:nvSpPr>
+        <p:spPr>
+          <a:xfrm flipV="1">
+            <a:off x="4914900" y="40877437"/>
+            <a:ext cx="20288249" cy="1926325"/>
+          </a:xfrm>
+          <a:prstGeom prst="round2SameRect">
+            <a:avLst>
+              <a:gd name="adj1" fmla="val 0"/>
+              <a:gd name="adj2" fmla="val 0"/>
+            </a:avLst>
+          </a:prstGeom>
+          <a:solidFill>
+            <a:srgbClr val="152C2C"/>
+          </a:solidFill>
+          <a:ln w="254000">
+            <a:noFill/>
+          </a:ln>
+        </p:spPr>
+        <p:style>
+          <a:lnRef idx="2">
+            <a:schemeClr val="accent1">
+              <a:shade val="15000"/>
+            </a:schemeClr>
+          </a:lnRef>
+          <a:fillRef idx="1">
+            <a:schemeClr val="accent1"/>
+          </a:fillRef>
+          <a:effectRef idx="0">
+            <a:schemeClr val="accent1"/>
+          </a:effectRef>
+          <a:fontRef idx="minor">
+            <a:schemeClr val="lt1"/>
+          </a:fontRef>
+        </p:style>
+        <p:txBody>
+          <a:bodyPr rtlCol="0" anchor="ctr"/>
+          <a:lstStyle/>
+          <a:p>
+            <a:pPr algn="ctr"/>
+            <a:endParaRPr lang="de-DE"/>
+          </a:p>
+        </p:txBody>
+      </p:sp>
+    </p:spTree>
+    <p:extLst>
+      <p:ext uri="{BB962C8B-B14F-4D97-AF65-F5344CB8AC3E}">
+        <p14:creationId xmlns:p14="http://schemas.microsoft.com/office/powerpoint/2010/main" val="2116585715"/>
+      </p:ext>
+    </p:extLst>
+  </p:cSld>
+  <p:clrMapOvr>
+    <a:masterClrMapping/>
+  </p:clrMapOvr>
+</p:sld>
+</file>
+
+<file path=ppt/slides/slide5.xml><?xml version="1.0" encoding="utf-8"?>
+<p:sld xmlns:a="http://schemas.openxmlformats.org/drawingml/2006/main" xmlns:r="http://schemas.openxmlformats.org/officeDocument/2006/relationships" xmlns:p="http://schemas.openxmlformats.org/presentationml/2006/main">
+  <p:cSld>
+    <p:spTree>
+      <p:nvGrpSpPr>
+        <p:cNvPr id="1" name="">
+          <a:extLst>
+            <a:ext uri="{FF2B5EF4-FFF2-40B4-BE49-F238E27FC236}">
+              <a16:creationId xmlns:a16="http://schemas.microsoft.com/office/drawing/2014/main" id="{958EAF18-03AA-98F1-B630-0EFB842D82D9}"/>
+            </a:ext>
+          </a:extLst>
+        </p:cNvPr>
+        <p:cNvGrpSpPr/>
+        <p:nvPr/>
+      </p:nvGrpSpPr>
+      <p:grpSpPr>
+        <a:xfrm>
+          <a:off x="0" y="0"/>
+          <a:ext cx="0" cy="0"/>
+          <a:chOff x="0" y="0"/>
+          <a:chExt cx="0" cy="0"/>
+        </a:xfrm>
+      </p:grpSpPr>
+      <p:sp>
+        <p:nvSpPr>
+          <p:cNvPr id="42" name="Rectangle 41">
+            <a:extLst>
+              <a:ext uri="{FF2B5EF4-FFF2-40B4-BE49-F238E27FC236}">
+                <a16:creationId xmlns:a16="http://schemas.microsoft.com/office/drawing/2014/main" id="{91DE758A-DC60-09A3-9A58-812CEEDD4254}"/>
+              </a:ext>
+            </a:extLst>
+          </p:cNvPr>
+          <p:cNvSpPr/>
+          <p:nvPr/>
+        </p:nvSpPr>
+        <p:spPr>
+          <a:xfrm flipV="1">
+            <a:off x="-1" y="-21301"/>
+            <a:ext cx="30275214" cy="4467776"/>
+          </a:xfrm>
+          <a:prstGeom prst="rect">
+            <a:avLst/>
+          </a:prstGeom>
+          <a:solidFill>
+            <a:srgbClr val="475A5F"/>
+          </a:solidFill>
+          <a:ln w="254000">
+            <a:noFill/>
+          </a:ln>
+        </p:spPr>
+        <p:style>
+          <a:lnRef idx="2">
+            <a:schemeClr val="accent1">
+              <a:shade val="15000"/>
+            </a:schemeClr>
+          </a:lnRef>
+          <a:fillRef idx="1">
+            <a:schemeClr val="accent1"/>
+          </a:fillRef>
+          <a:effectRef idx="0">
+            <a:schemeClr val="accent1"/>
+          </a:effectRef>
+          <a:fontRef idx="minor">
+            <a:schemeClr val="lt1"/>
+          </a:fontRef>
+        </p:style>
+        <p:txBody>
+          <a:bodyPr rtlCol="0" anchor="ctr"/>
+          <a:lstStyle/>
+          <a:p>
+            <a:pPr algn="ctr"/>
+            <a:endParaRPr lang="de-DE"/>
+          </a:p>
+        </p:txBody>
+      </p:sp>
+      <p:sp>
+        <p:nvSpPr>
+          <p:cNvPr id="43" name="Rectangle: Top Corners Rounded 42">
+            <a:extLst>
+              <a:ext uri="{FF2B5EF4-FFF2-40B4-BE49-F238E27FC236}">
+                <a16:creationId xmlns:a16="http://schemas.microsoft.com/office/drawing/2014/main" id="{B44D68FB-3958-DE27-7800-B969DAC3319C}"/>
+              </a:ext>
+            </a:extLst>
+          </p:cNvPr>
+          <p:cNvSpPr/>
+          <p:nvPr/>
+        </p:nvSpPr>
+        <p:spPr>
+          <a:xfrm flipV="1">
+            <a:off x="856746" y="-21302"/>
+            <a:ext cx="28404556" cy="4468351"/>
+          </a:xfrm>
+          <a:prstGeom prst="round2SameRect">
+            <a:avLst/>
+          </a:prstGeom>
+          <a:solidFill>
+            <a:srgbClr val="394C53"/>
+          </a:solidFill>
+          <a:ln w="254000">
+            <a:noFill/>
+          </a:ln>
+        </p:spPr>
+        <p:style>
+          <a:lnRef idx="2">
+            <a:schemeClr val="accent1">
+              <a:shade val="15000"/>
+            </a:schemeClr>
+          </a:lnRef>
+          <a:fillRef idx="1">
+            <a:schemeClr val="accent1"/>
+          </a:fillRef>
+          <a:effectRef idx="0">
+            <a:schemeClr val="accent1"/>
+          </a:effectRef>
+          <a:fontRef idx="minor">
+            <a:schemeClr val="lt1"/>
+          </a:fontRef>
+        </p:style>
+        <p:txBody>
+          <a:bodyPr rtlCol="0" anchor="ctr"/>
+          <a:lstStyle/>
+          <a:p>
+            <a:pPr algn="ctr"/>
+            <a:endParaRPr lang="de-DE"/>
+          </a:p>
+        </p:txBody>
+      </p:sp>
+      <p:sp>
+        <p:nvSpPr>
+          <p:cNvPr id="44" name="Rectangle: Top Corners Rounded 43">
+            <a:extLst>
+              <a:ext uri="{FF2B5EF4-FFF2-40B4-BE49-F238E27FC236}">
+                <a16:creationId xmlns:a16="http://schemas.microsoft.com/office/drawing/2014/main" id="{B9604F39-3E40-CB7B-DB9C-1C76E09EF087}"/>
+              </a:ext>
+            </a:extLst>
+          </p:cNvPr>
+          <p:cNvSpPr/>
+          <p:nvPr/>
+        </p:nvSpPr>
+        <p:spPr>
+          <a:xfrm flipV="1">
+            <a:off x="2245466" y="-19077"/>
+            <a:ext cx="25838205" cy="4468351"/>
+          </a:xfrm>
+          <a:prstGeom prst="round2SameRect">
+            <a:avLst/>
+          </a:prstGeom>
+          <a:solidFill>
+            <a:srgbClr val="2F4047"/>
+          </a:solidFill>
+          <a:ln w="254000">
+            <a:noFill/>
+          </a:ln>
+        </p:spPr>
+        <p:style>
+          <a:lnRef idx="2">
+            <a:schemeClr val="accent1">
+              <a:shade val="15000"/>
+            </a:schemeClr>
+          </a:lnRef>
+          <a:fillRef idx="1">
+            <a:schemeClr val="accent1"/>
+          </a:fillRef>
+          <a:effectRef idx="0">
+            <a:schemeClr val="accent1"/>
+          </a:effectRef>
+          <a:fontRef idx="minor">
+            <a:schemeClr val="lt1"/>
+          </a:fontRef>
+        </p:style>
+        <p:txBody>
+          <a:bodyPr rtlCol="0" anchor="ctr"/>
+          <a:lstStyle/>
+          <a:p>
+            <a:pPr algn="ctr"/>
+            <a:endParaRPr lang="de-DE"/>
+          </a:p>
+        </p:txBody>
+      </p:sp>
+      <p:sp>
+        <p:nvSpPr>
+          <p:cNvPr id="45" name="Rectangle: Top Corners Rounded 44">
+            <a:extLst>
+              <a:ext uri="{FF2B5EF4-FFF2-40B4-BE49-F238E27FC236}">
+                <a16:creationId xmlns:a16="http://schemas.microsoft.com/office/drawing/2014/main" id="{0073C155-DD9B-6536-1C36-6B45C969AC1E}"/>
+              </a:ext>
+            </a:extLst>
+          </p:cNvPr>
+          <p:cNvSpPr/>
+          <p:nvPr/>
+        </p:nvSpPr>
+        <p:spPr>
+          <a:xfrm flipV="1">
+            <a:off x="3593302" y="-21303"/>
+            <a:ext cx="23088601" cy="4470577"/>
+          </a:xfrm>
+          <a:prstGeom prst="round2SameRect">
+            <a:avLst/>
+          </a:prstGeom>
+          <a:solidFill>
+            <a:srgbClr val="25333C"/>
+          </a:solidFill>
+          <a:ln w="254000">
+            <a:noFill/>
+          </a:ln>
+        </p:spPr>
+        <p:style>
+          <a:lnRef idx="2">
+            <a:schemeClr val="accent1">
+              <a:shade val="15000"/>
+            </a:schemeClr>
+          </a:lnRef>
+          <a:fillRef idx="1">
+            <a:schemeClr val="accent1"/>
+          </a:fillRef>
+          <a:effectRef idx="0">
+            <a:schemeClr val="accent1"/>
+          </a:effectRef>
+          <a:fontRef idx="minor">
+            <a:schemeClr val="lt1"/>
+          </a:fontRef>
+        </p:style>
+        <p:txBody>
+          <a:bodyPr rtlCol="0" anchor="ctr"/>
+          <a:lstStyle/>
+          <a:p>
+            <a:pPr algn="ctr"/>
+            <a:endParaRPr lang="de-DE"/>
+          </a:p>
+        </p:txBody>
+      </p:sp>
+      <p:sp>
+        <p:nvSpPr>
+          <p:cNvPr id="17" name="Rectangle: Rounded Corners 16">
+            <a:extLst>
+              <a:ext uri="{FF2B5EF4-FFF2-40B4-BE49-F238E27FC236}">
+                <a16:creationId xmlns:a16="http://schemas.microsoft.com/office/drawing/2014/main" id="{7B04B3BA-F70F-5813-4383-E811CF63B8FA}"/>
+              </a:ext>
+            </a:extLst>
+          </p:cNvPr>
+          <p:cNvSpPr/>
+          <p:nvPr/>
+        </p:nvSpPr>
+        <p:spPr>
+          <a:xfrm>
+            <a:off x="619433" y="26557868"/>
+            <a:ext cx="14518173" cy="13738215"/>
+          </a:xfrm>
+          <a:prstGeom prst="roundRect">
+            <a:avLst>
+              <a:gd name="adj" fmla="val 3189"/>
+            </a:avLst>
+          </a:prstGeom>
+          <a:solidFill>
+            <a:schemeClr val="bg1"/>
+          </a:solidFill>
+          <a:ln w="254000">
+            <a:solidFill>
+              <a:srgbClr val="2F4047"/>
+            </a:solidFill>
+          </a:ln>
+        </p:spPr>
+        <p:style>
+          <a:lnRef idx="2">
+            <a:schemeClr val="accent1">
+              <a:shade val="15000"/>
+            </a:schemeClr>
+          </a:lnRef>
+          <a:fillRef idx="1">
+            <a:schemeClr val="accent1"/>
+          </a:fillRef>
+          <a:effectRef idx="0">
+            <a:schemeClr val="accent1"/>
+          </a:effectRef>
+          <a:fontRef idx="minor">
+            <a:schemeClr val="lt1"/>
+          </a:fontRef>
+        </p:style>
+        <p:txBody>
+          <a:bodyPr rtlCol="0" anchor="ctr"/>
+          <a:lstStyle/>
+          <a:p>
+            <a:pPr algn="ctr"/>
+            <a:endParaRPr lang="de-DE"/>
+          </a:p>
+        </p:txBody>
+      </p:sp>
+      <p:sp>
+        <p:nvSpPr>
+          <p:cNvPr id="18" name="Rectangle: Rounded Corners 17">
+            <a:extLst>
+              <a:ext uri="{FF2B5EF4-FFF2-40B4-BE49-F238E27FC236}">
+                <a16:creationId xmlns:a16="http://schemas.microsoft.com/office/drawing/2014/main" id="{9D41423C-12A0-3511-D2D8-696F69DF9055}"/>
+              </a:ext>
+            </a:extLst>
+          </p:cNvPr>
+          <p:cNvSpPr/>
+          <p:nvPr/>
+        </p:nvSpPr>
+        <p:spPr>
+          <a:xfrm>
+            <a:off x="15747588" y="26705353"/>
+            <a:ext cx="13858989" cy="5808341"/>
+          </a:xfrm>
+          <a:prstGeom prst="roundRect">
+            <a:avLst>
+              <a:gd name="adj" fmla="val 2683"/>
+            </a:avLst>
+          </a:prstGeom>
+          <a:solidFill>
+            <a:schemeClr val="bg1"/>
+          </a:solidFill>
+          <a:ln w="254000">
+            <a:solidFill>
+              <a:srgbClr val="B21D31"/>
+            </a:solidFill>
+          </a:ln>
+        </p:spPr>
+        <p:style>
+          <a:lnRef idx="2">
+            <a:schemeClr val="accent1">
+              <a:shade val="15000"/>
+            </a:schemeClr>
+          </a:lnRef>
+          <a:fillRef idx="1">
+            <a:schemeClr val="accent1"/>
+          </a:fillRef>
+          <a:effectRef idx="0">
+            <a:schemeClr val="accent1"/>
+          </a:effectRef>
+          <a:fontRef idx="minor">
+            <a:schemeClr val="lt1"/>
+          </a:fontRef>
+        </p:style>
+        <p:txBody>
+          <a:bodyPr rtlCol="0" anchor="ctr"/>
+          <a:lstStyle/>
+          <a:p>
+            <a:pPr algn="ctr"/>
+            <a:endParaRPr lang="de-DE"/>
+          </a:p>
+        </p:txBody>
+      </p:sp>
+      <p:sp>
+        <p:nvSpPr>
+          <p:cNvPr id="19" name="Rectangle: Rounded Corners 18">
+            <a:extLst>
+              <a:ext uri="{FF2B5EF4-FFF2-40B4-BE49-F238E27FC236}">
+                <a16:creationId xmlns:a16="http://schemas.microsoft.com/office/drawing/2014/main" id="{0009AA07-1F99-B904-E297-2C236809C549}"/>
+              </a:ext>
+            </a:extLst>
+          </p:cNvPr>
+          <p:cNvSpPr/>
+          <p:nvPr/>
+        </p:nvSpPr>
+        <p:spPr>
+          <a:xfrm>
+            <a:off x="15765564" y="33222585"/>
+            <a:ext cx="7194683" cy="7073498"/>
+          </a:xfrm>
+          <a:prstGeom prst="roundRect">
+            <a:avLst>
+              <a:gd name="adj" fmla="val 2154"/>
+            </a:avLst>
+          </a:prstGeom>
+          <a:solidFill>
+            <a:schemeClr val="bg1"/>
+          </a:solidFill>
+          <a:ln w="254000">
+            <a:solidFill>
+              <a:srgbClr val="475A5F"/>
+            </a:solidFill>
+          </a:ln>
+        </p:spPr>
+        <p:style>
+          <a:lnRef idx="2">
+            <a:schemeClr val="accent1">
+              <a:shade val="15000"/>
+            </a:schemeClr>
+          </a:lnRef>
+          <a:fillRef idx="1">
+            <a:schemeClr val="accent1"/>
+          </a:fillRef>
+          <a:effectRef idx="0">
+            <a:schemeClr val="accent1"/>
+          </a:effectRef>
+          <a:fontRef idx="minor">
+            <a:schemeClr val="lt1"/>
+          </a:fontRef>
+        </p:style>
+        <p:txBody>
+          <a:bodyPr rtlCol="0" anchor="ctr"/>
+          <a:lstStyle/>
+          <a:p>
+            <a:pPr algn="ctr"/>
+            <a:endParaRPr lang="de-DE" dirty="0"/>
+          </a:p>
+        </p:txBody>
+      </p:sp>
+      <p:sp>
+        <p:nvSpPr>
+          <p:cNvPr id="16" name="Rectangle: Rounded Corners 15">
+            <a:extLst>
+              <a:ext uri="{FF2B5EF4-FFF2-40B4-BE49-F238E27FC236}">
+                <a16:creationId xmlns:a16="http://schemas.microsoft.com/office/drawing/2014/main" id="{33F43292-30EE-C8F9-4DD2-F565CEF24CD5}"/>
+              </a:ext>
+            </a:extLst>
+          </p:cNvPr>
+          <p:cNvSpPr/>
+          <p:nvPr/>
+        </p:nvSpPr>
+        <p:spPr>
+          <a:xfrm>
+            <a:off x="619433" y="12816304"/>
+            <a:ext cx="29054323" cy="13032673"/>
+          </a:xfrm>
+          <a:prstGeom prst="roundRect">
+            <a:avLst>
+              <a:gd name="adj" fmla="val 1883"/>
+            </a:avLst>
+          </a:prstGeom>
+          <a:solidFill>
+            <a:schemeClr val="bg1"/>
+          </a:solidFill>
+          <a:ln w="254000">
+            <a:solidFill>
+              <a:srgbClr val="25333C"/>
+            </a:solidFill>
+          </a:ln>
+        </p:spPr>
+        <p:style>
+          <a:lnRef idx="2">
+            <a:schemeClr val="accent1">
+              <a:shade val="15000"/>
+            </a:schemeClr>
+          </a:lnRef>
+          <a:fillRef idx="1">
+            <a:schemeClr val="accent1"/>
+          </a:fillRef>
+          <a:effectRef idx="0">
+            <a:schemeClr val="accent1"/>
+          </a:effectRef>
+          <a:fontRef idx="minor">
+            <a:schemeClr val="lt1"/>
+          </a:fontRef>
+        </p:style>
+        <p:txBody>
+          <a:bodyPr rtlCol="0" anchor="ctr"/>
+          <a:lstStyle/>
+          <a:p>
+            <a:pPr algn="ctr"/>
+            <a:endParaRPr lang="de-DE" dirty="0"/>
+          </a:p>
+        </p:txBody>
+      </p:sp>
+      <p:sp>
+        <p:nvSpPr>
+          <p:cNvPr id="14" name="Rectangle: Rounded Corners 13">
+            <a:extLst>
+              <a:ext uri="{FF2B5EF4-FFF2-40B4-BE49-F238E27FC236}">
+                <a16:creationId xmlns:a16="http://schemas.microsoft.com/office/drawing/2014/main" id="{86E46DE7-C395-ADBD-47CD-51C586CD9FB5}"/>
+              </a:ext>
+            </a:extLst>
+          </p:cNvPr>
+          <p:cNvSpPr/>
+          <p:nvPr/>
+        </p:nvSpPr>
+        <p:spPr>
+          <a:xfrm>
+            <a:off x="619433" y="5268902"/>
+            <a:ext cx="29054323" cy="6831954"/>
+          </a:xfrm>
+          <a:prstGeom prst="roundRect">
+            <a:avLst>
+              <a:gd name="adj" fmla="val 4408"/>
+            </a:avLst>
+          </a:prstGeom>
+          <a:solidFill>
+            <a:schemeClr val="bg1"/>
+          </a:solidFill>
+          <a:ln w="254000">
+            <a:solidFill>
+              <a:srgbClr val="B21D31"/>
+            </a:solidFill>
+          </a:ln>
+        </p:spPr>
+        <p:style>
+          <a:lnRef idx="2">
+            <a:schemeClr val="accent1">
+              <a:shade val="15000"/>
+            </a:schemeClr>
+          </a:lnRef>
+          <a:fillRef idx="1">
+            <a:schemeClr val="accent1"/>
+          </a:fillRef>
+          <a:effectRef idx="0">
+            <a:schemeClr val="accent1"/>
+          </a:effectRef>
+          <a:fontRef idx="minor">
+            <a:schemeClr val="lt1"/>
+          </a:fontRef>
+        </p:style>
+        <p:txBody>
+          <a:bodyPr numCol="1" rtlCol="0" anchor="ctr"/>
+          <a:lstStyle/>
+          <a:p>
+            <a:pPr algn="ctr"/>
+            <a:r>
+              <a:rPr lang="de-DE" dirty="0"/>
+              <a:t> </a:t>
+            </a:r>
+          </a:p>
+        </p:txBody>
+      </p:sp>
+      <p:sp>
+        <p:nvSpPr>
+          <p:cNvPr id="20" name="TextBox 19">
+            <a:extLst>
+              <a:ext uri="{FF2B5EF4-FFF2-40B4-BE49-F238E27FC236}">
+                <a16:creationId xmlns:a16="http://schemas.microsoft.com/office/drawing/2014/main" id="{AC805202-4F72-4F65-1858-BB75778E533A}"/>
+              </a:ext>
+            </a:extLst>
+          </p:cNvPr>
+          <p:cNvSpPr txBox="1"/>
+          <p:nvPr/>
+        </p:nvSpPr>
+        <p:spPr>
+          <a:xfrm>
+            <a:off x="1253554" y="7243086"/>
+            <a:ext cx="13893040" cy="4524315"/>
+          </a:xfrm>
+          <a:prstGeom prst="rect">
+            <a:avLst/>
+          </a:prstGeom>
+          <a:noFill/>
+          <a:ln>
+            <a:noFill/>
+          </a:ln>
+        </p:spPr>
+        <p:txBody>
+          <a:bodyPr wrap="square">
+            <a:spAutoFit/>
+          </a:bodyPr>
+          <a:lstStyle/>
+          <a:p>
+            <a:r>
+              <a:rPr lang="en-US" sz="2400" b="1" dirty="0"/>
+              <a:t>  </a:t>
+            </a:r>
+            <a:endParaRPr lang="en-US" sz="2400" dirty="0"/>
+          </a:p>
+          <a:p>
+            <a:pPr marL="457200" indent="-457200">
+              <a:buFont typeface="Arial" panose="020B0604020202020204" pitchFamily="34" charset="0"/>
+              <a:buChar char="•"/>
+            </a:pPr>
+            <a:r>
+              <a:rPr lang="de-DE" sz="2400" dirty="0"/>
+              <a:t>„We want to </a:t>
+            </a:r>
+            <a:r>
+              <a:rPr lang="en-US" sz="2400" dirty="0"/>
+              <a:t>extract RNA-dependent proteins from proteomic screens”</a:t>
+            </a:r>
+            <a:endParaRPr lang="de-DE" sz="2400" dirty="0"/>
+          </a:p>
+          <a:p>
+            <a:pPr marL="457200" indent="-457200">
+              <a:buFont typeface="Arial" panose="020B0604020202020204" pitchFamily="34" charset="0"/>
+              <a:buChar char="•"/>
+            </a:pPr>
+            <a:r>
+              <a:rPr lang="de-DE" sz="2400" dirty="0"/>
+              <a:t>„RNA-dependency = the proteins interactome depends on RNA“</a:t>
+            </a:r>
+          </a:p>
+          <a:p>
+            <a:endParaRPr lang="en-US" sz="2400" b="1" dirty="0"/>
+          </a:p>
+          <a:p>
+            <a:r>
+              <a:rPr lang="en-US" sz="2400" b="1" dirty="0"/>
+              <a:t>What Makes RNA-Dependent Proteins Worth Investigating?</a:t>
+            </a:r>
+          </a:p>
+          <a:p>
+            <a:pPr marL="457200" indent="-457200">
+              <a:buFont typeface="Arial" panose="020B0604020202020204" pitchFamily="34" charset="0"/>
+              <a:buChar char="•"/>
+            </a:pPr>
+            <a:r>
+              <a:rPr lang="de-DE" sz="2400" b="1" dirty="0"/>
+              <a:t>Key Regulators:</a:t>
+            </a:r>
+            <a:r>
+              <a:rPr lang="de-DE" sz="2400" dirty="0"/>
+              <a:t> RBPs control RNA metabolism &amp; gene expression.</a:t>
+            </a:r>
+          </a:p>
+          <a:p>
+            <a:pPr marL="457200" indent="-457200">
+              <a:buFont typeface="Arial" panose="020B0604020202020204" pitchFamily="34" charset="0"/>
+              <a:buChar char="•"/>
+            </a:pPr>
+            <a:r>
+              <a:rPr lang="de-DE" sz="2400" b="1" dirty="0"/>
+              <a:t>Disease Links:</a:t>
+            </a:r>
+            <a:r>
+              <a:rPr lang="de-DE" sz="2400" dirty="0"/>
+              <a:t> Misregulation is tied to cancer &amp; neurodegeneration.</a:t>
+            </a:r>
+          </a:p>
+          <a:p>
+            <a:pPr marL="457200" indent="-457200">
+              <a:buFont typeface="Arial" panose="020B0604020202020204" pitchFamily="34" charset="0"/>
+              <a:buChar char="•"/>
+            </a:pPr>
+            <a:r>
+              <a:rPr lang="de-DE" sz="2400" b="1" dirty="0"/>
+              <a:t>Functional Clues:</a:t>
+            </a:r>
+            <a:r>
+              <a:rPr lang="de-DE" sz="2400" dirty="0"/>
+              <a:t> New RBPs hint at RNA’s role in specific pathways.</a:t>
+            </a:r>
+          </a:p>
+          <a:p>
+            <a:pPr marL="457200" indent="-457200">
+              <a:buFont typeface="Arial" panose="020B0604020202020204" pitchFamily="34" charset="0"/>
+              <a:buChar char="•"/>
+            </a:pPr>
+            <a:r>
+              <a:rPr lang="de-DE" sz="2400" b="1" dirty="0"/>
+              <a:t>Interaction Networks:</a:t>
+            </a:r>
+            <a:r>
+              <a:rPr lang="de-DE" sz="2400" dirty="0"/>
+              <a:t> Mapping RNA-protein complexes reveals regulatory logic. </a:t>
+            </a:r>
+          </a:p>
+          <a:p>
+            <a:pPr marL="457200" indent="-457200">
+              <a:buFont typeface="Arial" panose="020B0604020202020204" pitchFamily="34" charset="0"/>
+              <a:buChar char="•"/>
+            </a:pPr>
+            <a:r>
+              <a:rPr lang="de-DE" sz="2400" b="1" dirty="0"/>
+              <a:t>Molecular Insights:</a:t>
+            </a:r>
+            <a:r>
+              <a:rPr lang="de-DE" sz="2400" dirty="0"/>
+              <a:t> Deepens our understanding of cell cycle and cellular behavior. </a:t>
+            </a:r>
+            <a:endParaRPr lang="en-US" sz="2400" b="1" dirty="0"/>
+          </a:p>
+          <a:p>
+            <a:pPr marL="457200" indent="-457200">
+              <a:buFont typeface="Arial" panose="020B0604020202020204" pitchFamily="34" charset="0"/>
+              <a:buChar char="•"/>
+            </a:pPr>
+            <a:endParaRPr lang="de-DE" sz="2400" dirty="0"/>
+          </a:p>
+          <a:p>
+            <a:pPr marL="457200" indent="-457200">
+              <a:buFont typeface="Arial" panose="020B0604020202020204" pitchFamily="34" charset="0"/>
+              <a:buChar char="•"/>
+            </a:pPr>
+            <a:endParaRPr lang="de-DE" sz="2400" dirty="0"/>
+          </a:p>
+        </p:txBody>
+      </p:sp>
+      <p:sp>
+        <p:nvSpPr>
+          <p:cNvPr id="3" name="TextBox 2">
+            <a:extLst>
+              <a:ext uri="{FF2B5EF4-FFF2-40B4-BE49-F238E27FC236}">
+                <a16:creationId xmlns:a16="http://schemas.microsoft.com/office/drawing/2014/main" id="{23625615-DCAC-4B5E-C71D-06C4AB25AB47}"/>
+              </a:ext>
+            </a:extLst>
+          </p:cNvPr>
+          <p:cNvSpPr txBox="1"/>
+          <p:nvPr/>
+        </p:nvSpPr>
+        <p:spPr>
+          <a:xfrm>
+            <a:off x="1887734" y="14957479"/>
+            <a:ext cx="24173364" cy="7109639"/>
+          </a:xfrm>
+          <a:prstGeom prst="rect">
+            <a:avLst/>
+          </a:prstGeom>
+          <a:noFill/>
+          <a:ln>
+            <a:noFill/>
+          </a:ln>
+        </p:spPr>
+        <p:txBody>
+          <a:bodyPr wrap="square">
+            <a:spAutoFit/>
+          </a:bodyPr>
+          <a:lstStyle/>
+          <a:p>
+            <a:r>
+              <a:rPr lang="en-US" sz="2400" b="1" dirty="0"/>
+              <a:t>1) Data preparation</a:t>
+            </a:r>
+          </a:p>
+          <a:p>
+            <a:pPr marL="457200" indent="-457200">
+              <a:buFont typeface="Arial" panose="020B0604020202020204" pitchFamily="34" charset="0"/>
+              <a:buChar char="•"/>
+            </a:pPr>
+            <a:r>
+              <a:rPr lang="en-US" sz="2400" dirty="0"/>
+              <a:t>Data cleanup</a:t>
+            </a:r>
+          </a:p>
+          <a:p>
+            <a:pPr marL="457200" indent="-457200">
+              <a:buFont typeface="Arial" panose="020B0604020202020204" pitchFamily="34" charset="0"/>
+              <a:buChar char="•"/>
+            </a:pPr>
+            <a:r>
+              <a:rPr lang="en-US" sz="2400" dirty="0"/>
+              <a:t>“Rearrange and reorder the columns to their treatment, replicate and fraction”</a:t>
+            </a:r>
+          </a:p>
+          <a:p>
+            <a:pPr marL="457200" indent="-457200">
+              <a:buFont typeface="Arial" panose="020B0604020202020204" pitchFamily="34" charset="0"/>
+              <a:buChar char="•"/>
+            </a:pPr>
+            <a:r>
+              <a:rPr lang="en-US" sz="2400" dirty="0"/>
+              <a:t>Normalization</a:t>
+            </a:r>
+          </a:p>
+          <a:p>
+            <a:endParaRPr lang="en-US" sz="2400" b="1" dirty="0"/>
+          </a:p>
+          <a:p>
+            <a:r>
+              <a:rPr lang="de-DE" sz="2400" b="1" dirty="0"/>
+              <a:t>2) Data exploration</a:t>
+            </a:r>
+            <a:endParaRPr lang="de-DE" sz="2400" dirty="0"/>
+          </a:p>
+          <a:p>
+            <a:pPr marL="457200" indent="-457200">
+              <a:buFont typeface="Arial" panose="020B0604020202020204" pitchFamily="34" charset="0"/>
+              <a:buChar char="•"/>
+            </a:pPr>
+            <a:r>
+              <a:rPr lang="en-US" sz="2400" dirty="0"/>
+              <a:t> Identification of maxima and shoulders</a:t>
+            </a:r>
+          </a:p>
+          <a:p>
+            <a:pPr marL="457200" indent="-457200">
+              <a:buFont typeface="Arial" panose="020B0604020202020204" pitchFamily="34" charset="0"/>
+              <a:buChar char="•"/>
+            </a:pPr>
+            <a:r>
+              <a:rPr lang="en-US" sz="2400" dirty="0"/>
+              <a:t> </a:t>
+            </a:r>
+            <a:r>
+              <a:rPr lang="de-DE" sz="2400" dirty="0"/>
+              <a:t>Selection criteria</a:t>
+            </a:r>
+            <a:r>
+              <a:rPr lang="en-US" sz="2400" dirty="0"/>
+              <a:t> &amp; Wilcoxon Test </a:t>
+            </a:r>
+          </a:p>
+          <a:p>
+            <a:pPr marL="457200" indent="-457200">
+              <a:buFont typeface="Arial" panose="020B0604020202020204" pitchFamily="34" charset="0"/>
+              <a:buChar char="•"/>
+            </a:pPr>
+            <a:r>
+              <a:rPr lang="en-US" sz="2400" dirty="0"/>
+              <a:t>Visualization for the </a:t>
+            </a:r>
+            <a:r>
+              <a:rPr lang="de-DE" sz="2400" dirty="0"/>
+              <a:t>order of selection criteria</a:t>
+            </a:r>
+            <a:endParaRPr lang="en-US" sz="2400" dirty="0"/>
+          </a:p>
+          <a:p>
+            <a:pPr marL="457200" indent="-457200">
+              <a:buFont typeface="Arial" panose="020B0604020202020204" pitchFamily="34" charset="0"/>
+              <a:buChar char="•"/>
+            </a:pPr>
+            <a:r>
+              <a:rPr lang="en-US" sz="2400" dirty="0"/>
+              <a:t>Pie charts for selection results</a:t>
+            </a:r>
+          </a:p>
+          <a:p>
+            <a:endParaRPr lang="en-US" sz="2400" b="1" dirty="0"/>
+          </a:p>
+          <a:p>
+            <a:r>
+              <a:rPr lang="de-DE" sz="2400" b="1" dirty="0"/>
+              <a:t>3) Data reduction</a:t>
+            </a:r>
+          </a:p>
+          <a:p>
+            <a:pPr marL="457200" indent="-457200">
+              <a:buFont typeface="Arial" panose="020B0604020202020204" pitchFamily="34" charset="0"/>
+              <a:buChar char="•"/>
+            </a:pPr>
+            <a:r>
+              <a:rPr lang="de-DE" sz="2400" dirty="0"/>
+              <a:t>PCR </a:t>
+            </a:r>
+            <a:endParaRPr lang="en-US" sz="2400" dirty="0"/>
+          </a:p>
+          <a:p>
+            <a:pPr marL="457200" indent="-457200">
+              <a:buFont typeface="Arial" panose="020B0604020202020204" pitchFamily="34" charset="0"/>
+              <a:buChar char="•"/>
+            </a:pPr>
+            <a:r>
+              <a:rPr lang="en-US" sz="2400" dirty="0"/>
+              <a:t> k-means clustering</a:t>
+            </a:r>
+          </a:p>
+          <a:p>
+            <a:pPr marL="457200" indent="-457200">
+              <a:buFont typeface="Arial" panose="020B0604020202020204" pitchFamily="34" charset="0"/>
+              <a:buChar char="•"/>
+            </a:pPr>
+            <a:endParaRPr lang="en-US" sz="2400" dirty="0"/>
+          </a:p>
+          <a:p>
+            <a:r>
+              <a:rPr lang="de-DE" sz="2400" b="1" dirty="0"/>
+              <a:t>4) Data modelling</a:t>
+            </a:r>
+          </a:p>
+          <a:p>
+            <a:pPr marL="457200" indent="-457200">
+              <a:buFont typeface="Arial" panose="020B0604020202020204" pitchFamily="34" charset="0"/>
+              <a:buChar char="•"/>
+            </a:pPr>
+            <a:r>
+              <a:rPr lang="en-US" sz="2400" dirty="0"/>
+              <a:t> Linear Regression </a:t>
+            </a:r>
+            <a:endParaRPr lang="en-US" sz="2400" b="1" dirty="0"/>
+          </a:p>
+          <a:p>
+            <a:endParaRPr lang="en-US" sz="2400" b="1" dirty="0"/>
+          </a:p>
+          <a:p>
+            <a:endParaRPr lang="en-US" sz="2400" b="1" dirty="0"/>
+          </a:p>
+        </p:txBody>
+      </p:sp>
+      <p:sp>
+        <p:nvSpPr>
+          <p:cNvPr id="5" name="TextBox 4">
+            <a:extLst>
+              <a:ext uri="{FF2B5EF4-FFF2-40B4-BE49-F238E27FC236}">
+                <a16:creationId xmlns:a16="http://schemas.microsoft.com/office/drawing/2014/main" id="{B16AA000-5588-83AF-ABEB-D04B9B00F0D0}"/>
+              </a:ext>
+            </a:extLst>
+          </p:cNvPr>
+          <p:cNvSpPr txBox="1"/>
+          <p:nvPr/>
+        </p:nvSpPr>
+        <p:spPr>
+          <a:xfrm>
+            <a:off x="1253554" y="28838120"/>
+            <a:ext cx="11401261" cy="11172289"/>
+          </a:xfrm>
+          <a:prstGeom prst="rect">
+            <a:avLst/>
+          </a:prstGeom>
+          <a:noFill/>
+          <a:ln>
+            <a:noFill/>
+          </a:ln>
+        </p:spPr>
+        <p:txBody>
+          <a:bodyPr wrap="square">
+            <a:spAutoFit/>
+          </a:bodyPr>
+          <a:lstStyle/>
+          <a:p>
+            <a:pPr marL="457200" indent="-457200">
+              <a:buFont typeface="Arial" panose="020B0604020202020204" pitchFamily="34" charset="0"/>
+              <a:buChar char="•"/>
+            </a:pPr>
+            <a:r>
+              <a:rPr lang="en-US" sz="2400" dirty="0"/>
+              <a:t>Critical review of our own results and methods (e.g., Selection criteria made us delete some RBPs. Why? What were their properties?)</a:t>
+            </a:r>
+          </a:p>
+          <a:p>
+            <a:pPr marL="457200" indent="-457200">
+              <a:buFont typeface="Arial" panose="020B0604020202020204" pitchFamily="34" charset="0"/>
+              <a:buChar char="•"/>
+            </a:pPr>
+            <a:r>
+              <a:rPr lang="en-US" sz="2400" dirty="0"/>
+              <a:t>Why do we find fewer proteins than </a:t>
+            </a:r>
+            <a:r>
+              <a:rPr lang="en-US" sz="2400" dirty="0" err="1"/>
+              <a:t>Maïwen</a:t>
+            </a:r>
+            <a:r>
+              <a:rPr lang="en-US" sz="2400" dirty="0"/>
+              <a:t>? </a:t>
+            </a:r>
+          </a:p>
+          <a:p>
+            <a:pPr marL="457200" indent="-457200">
+              <a:buFont typeface="Arial" panose="020B0604020202020204" pitchFamily="34" charset="0"/>
+              <a:buChar char="•"/>
+            </a:pPr>
+            <a:endParaRPr lang="en-US" sz="2400" dirty="0"/>
+          </a:p>
+          <a:p>
+            <a:pPr marL="457200" indent="-457200">
+              <a:buFont typeface="Arial" panose="020B0604020202020204" pitchFamily="34" charset="0"/>
+              <a:buChar char="•"/>
+            </a:pPr>
+            <a:endParaRPr lang="en-US" sz="2400" dirty="0"/>
+          </a:p>
+          <a:p>
+            <a:pPr marL="457200" indent="-457200">
+              <a:buFont typeface="Arial" panose="020B0604020202020204" pitchFamily="34" charset="0"/>
+              <a:buChar char="•"/>
+            </a:pPr>
+            <a:endParaRPr lang="en-US" sz="2400" dirty="0"/>
+          </a:p>
+          <a:p>
+            <a:pPr marL="457200" indent="-457200">
+              <a:buFont typeface="Arial" panose="020B0604020202020204" pitchFamily="34" charset="0"/>
+              <a:buChar char="•"/>
+            </a:pPr>
+            <a:endParaRPr lang="en-US" sz="2400" dirty="0"/>
+          </a:p>
+          <a:p>
+            <a:pPr marL="457200" indent="-457200">
+              <a:buFont typeface="Arial" panose="020B0604020202020204" pitchFamily="34" charset="0"/>
+              <a:buChar char="•"/>
+            </a:pPr>
+            <a:endParaRPr lang="en-US" sz="2400" dirty="0"/>
+          </a:p>
+          <a:p>
+            <a:pPr marL="457200" indent="-457200">
+              <a:buFont typeface="Arial" panose="020B0604020202020204" pitchFamily="34" charset="0"/>
+              <a:buChar char="•"/>
+            </a:pPr>
+            <a:endParaRPr lang="en-US" sz="2400" dirty="0"/>
+          </a:p>
+          <a:p>
+            <a:pPr marL="457200" indent="-457200">
+              <a:buFont typeface="Arial" panose="020B0604020202020204" pitchFamily="34" charset="0"/>
+              <a:buChar char="•"/>
+            </a:pPr>
+            <a:endParaRPr lang="en-US" sz="2400" dirty="0"/>
+          </a:p>
+          <a:p>
+            <a:pPr marL="457200" indent="-457200">
+              <a:buFont typeface="Arial" panose="020B0604020202020204" pitchFamily="34" charset="0"/>
+              <a:buChar char="•"/>
+            </a:pPr>
+            <a:endParaRPr lang="en-US" sz="2400" dirty="0"/>
+          </a:p>
+          <a:p>
+            <a:pPr marL="457200" indent="-457200">
+              <a:buFont typeface="Arial" panose="020B0604020202020204" pitchFamily="34" charset="0"/>
+              <a:buChar char="•"/>
+            </a:pPr>
+            <a:endParaRPr lang="en-US" sz="2400" dirty="0"/>
+          </a:p>
+          <a:p>
+            <a:pPr marL="457200" indent="-457200">
+              <a:buFont typeface="Arial" panose="020B0604020202020204" pitchFamily="34" charset="0"/>
+              <a:buChar char="•"/>
+            </a:pPr>
+            <a:endParaRPr lang="en-US" sz="2400" dirty="0"/>
+          </a:p>
+          <a:p>
+            <a:pPr marL="457200" indent="-457200">
+              <a:buFont typeface="Arial" panose="020B0604020202020204" pitchFamily="34" charset="0"/>
+              <a:buChar char="•"/>
+            </a:pPr>
+            <a:endParaRPr lang="en-US" sz="2400" dirty="0"/>
+          </a:p>
+          <a:p>
+            <a:pPr marL="457200" indent="-457200">
+              <a:buFont typeface="Arial" panose="020B0604020202020204" pitchFamily="34" charset="0"/>
+              <a:buChar char="•"/>
+            </a:pPr>
+            <a:endParaRPr lang="en-US" sz="2400" dirty="0"/>
+          </a:p>
+          <a:p>
+            <a:pPr marL="457200" indent="-457200">
+              <a:buFont typeface="Arial" panose="020B0604020202020204" pitchFamily="34" charset="0"/>
+              <a:buChar char="•"/>
+            </a:pPr>
+            <a:endParaRPr lang="en-US" sz="2400" dirty="0"/>
+          </a:p>
+          <a:p>
+            <a:pPr marL="457200" indent="-457200">
+              <a:buFont typeface="Arial" panose="020B0604020202020204" pitchFamily="34" charset="0"/>
+              <a:buChar char="•"/>
+            </a:pPr>
+            <a:endParaRPr lang="en-US" sz="2400" dirty="0"/>
+          </a:p>
+          <a:p>
+            <a:pPr marL="457200" indent="-457200">
+              <a:buFont typeface="Arial" panose="020B0604020202020204" pitchFamily="34" charset="0"/>
+              <a:buChar char="•"/>
+            </a:pPr>
+            <a:endParaRPr lang="en-US" sz="2400" dirty="0"/>
+          </a:p>
+          <a:p>
+            <a:pPr marL="457200" indent="-457200">
+              <a:buFont typeface="Arial" panose="020B0604020202020204" pitchFamily="34" charset="0"/>
+              <a:buChar char="•"/>
+            </a:pPr>
+            <a:endParaRPr lang="en-US" sz="2400" dirty="0"/>
+          </a:p>
+          <a:p>
+            <a:pPr marL="457200" indent="-457200">
+              <a:buFont typeface="Arial" panose="020B0604020202020204" pitchFamily="34" charset="0"/>
+              <a:buChar char="•"/>
+            </a:pPr>
+            <a:endParaRPr lang="en-US" sz="2400" dirty="0"/>
+          </a:p>
+          <a:p>
+            <a:pPr marL="457200" indent="-457200">
+              <a:buFont typeface="Arial" panose="020B0604020202020204" pitchFamily="34" charset="0"/>
+              <a:buChar char="•"/>
+            </a:pPr>
+            <a:endParaRPr lang="en-US" sz="2400" dirty="0"/>
+          </a:p>
+          <a:p>
+            <a:pPr marL="457200" indent="-457200">
+              <a:buFont typeface="Arial" panose="020B0604020202020204" pitchFamily="34" charset="0"/>
+              <a:buChar char="•"/>
+            </a:pPr>
+            <a:endParaRPr lang="en-US" sz="2400" dirty="0"/>
+          </a:p>
+          <a:p>
+            <a:pPr marL="457200" indent="-457200">
+              <a:buFont typeface="Arial" panose="020B0604020202020204" pitchFamily="34" charset="0"/>
+              <a:buChar char="•"/>
+            </a:pPr>
+            <a:endParaRPr lang="en-US" sz="2400" dirty="0"/>
+          </a:p>
+          <a:p>
+            <a:pPr marL="457200" indent="-457200">
+              <a:buFont typeface="Arial" panose="020B0604020202020204" pitchFamily="34" charset="0"/>
+              <a:buChar char="•"/>
+            </a:pPr>
+            <a:endParaRPr lang="en-US" sz="2400" dirty="0"/>
+          </a:p>
+          <a:p>
+            <a:pPr marL="457200" indent="-457200">
+              <a:buFont typeface="Arial" panose="020B0604020202020204" pitchFamily="34" charset="0"/>
+              <a:buChar char="•"/>
+            </a:pPr>
+            <a:endParaRPr lang="en-US" sz="2400" dirty="0"/>
+          </a:p>
+          <a:p>
+            <a:pPr marL="457200" indent="-457200">
+              <a:buFont typeface="Arial" panose="020B0604020202020204" pitchFamily="34" charset="0"/>
+              <a:buChar char="•"/>
+            </a:pPr>
+            <a:endParaRPr lang="en-US" sz="2400" dirty="0"/>
+          </a:p>
+          <a:p>
+            <a:pPr marL="457200" indent="-457200">
+              <a:buFont typeface="Arial" panose="020B0604020202020204" pitchFamily="34" charset="0"/>
+              <a:buChar char="•"/>
+            </a:pPr>
+            <a:endParaRPr lang="en-US" sz="2400" dirty="0"/>
+          </a:p>
+          <a:p>
+            <a:pPr marL="457200" indent="-457200">
+              <a:buFont typeface="Arial" panose="020B0604020202020204" pitchFamily="34" charset="0"/>
+              <a:buChar char="•"/>
+            </a:pPr>
+            <a:endParaRPr lang="en-US" sz="2400" dirty="0"/>
+          </a:p>
+          <a:p>
+            <a:pPr marL="457200" indent="-457200">
+              <a:buFont typeface="Arial" panose="020B0604020202020204" pitchFamily="34" charset="0"/>
+              <a:buChar char="•"/>
+            </a:pPr>
+            <a:endParaRPr lang="en-US" sz="2400" dirty="0"/>
+          </a:p>
+          <a:p>
+            <a:endParaRPr lang="en-US" sz="2400" b="1" dirty="0"/>
+          </a:p>
+        </p:txBody>
+      </p:sp>
+      <p:sp>
+        <p:nvSpPr>
+          <p:cNvPr id="6" name="TextBox 5">
+            <a:extLst>
+              <a:ext uri="{FF2B5EF4-FFF2-40B4-BE49-F238E27FC236}">
+                <a16:creationId xmlns:a16="http://schemas.microsoft.com/office/drawing/2014/main" id="{F07737C4-87A5-6AF0-8B17-6244417FC9ED}"/>
+              </a:ext>
+            </a:extLst>
+          </p:cNvPr>
+          <p:cNvSpPr txBox="1"/>
+          <p:nvPr/>
+        </p:nvSpPr>
+        <p:spPr>
+          <a:xfrm>
+            <a:off x="16242587" y="35200055"/>
+            <a:ext cx="5093413" cy="1569660"/>
+          </a:xfrm>
+          <a:prstGeom prst="rect">
+            <a:avLst/>
+          </a:prstGeom>
+          <a:noFill/>
+          <a:ln>
+            <a:noFill/>
+          </a:ln>
+        </p:spPr>
+        <p:txBody>
+          <a:bodyPr wrap="square">
+            <a:spAutoFit/>
+          </a:bodyPr>
+          <a:lstStyle/>
+          <a:p>
+            <a:pPr marL="457200" indent="-457200">
+              <a:buFont typeface="Arial" panose="020B0604020202020204" pitchFamily="34" charset="0"/>
+              <a:buChar char="•"/>
+            </a:pPr>
+            <a:endParaRPr lang="en-US" sz="2400" dirty="0"/>
+          </a:p>
+          <a:p>
+            <a:pPr marL="457200" indent="-457200">
+              <a:buFont typeface="Arial" panose="020B0604020202020204" pitchFamily="34" charset="0"/>
+              <a:buChar char="•"/>
+            </a:pPr>
+            <a:r>
+              <a:rPr lang="en-US" sz="2400" dirty="0"/>
+              <a:t>https://de.wikipedia.org/wiki/Eigentliche_Schnepfen</a:t>
+            </a:r>
+          </a:p>
+          <a:p>
+            <a:pPr marL="457200" indent="-457200">
+              <a:buFont typeface="Arial" panose="020B0604020202020204" pitchFamily="34" charset="0"/>
+              <a:buChar char="•"/>
+            </a:pPr>
+            <a:endParaRPr lang="en-US" sz="2400" dirty="0"/>
+          </a:p>
+        </p:txBody>
+      </p:sp>
+      <p:sp>
+        <p:nvSpPr>
+          <p:cNvPr id="7" name="TextBox 6">
+            <a:extLst>
+              <a:ext uri="{FF2B5EF4-FFF2-40B4-BE49-F238E27FC236}">
+                <a16:creationId xmlns:a16="http://schemas.microsoft.com/office/drawing/2014/main" id="{0C51901A-AD92-3483-FF52-5ECEB2D053A5}"/>
+              </a:ext>
+            </a:extLst>
+          </p:cNvPr>
+          <p:cNvSpPr txBox="1"/>
+          <p:nvPr/>
+        </p:nvSpPr>
+        <p:spPr>
+          <a:xfrm>
+            <a:off x="16242587" y="28466716"/>
+            <a:ext cx="8291810" cy="1200329"/>
+          </a:xfrm>
+          <a:prstGeom prst="rect">
+            <a:avLst/>
+          </a:prstGeom>
+          <a:noFill/>
+          <a:ln>
+            <a:noFill/>
+          </a:ln>
+        </p:spPr>
+        <p:txBody>
+          <a:bodyPr wrap="square">
+            <a:spAutoFit/>
+          </a:bodyPr>
+          <a:lstStyle/>
+          <a:p>
+            <a:pPr marL="457200" indent="-457200">
+              <a:buFont typeface="Arial" panose="020B0604020202020204" pitchFamily="34" charset="0"/>
+              <a:buChar char="•"/>
+            </a:pPr>
+            <a:r>
+              <a:rPr lang="de-DE" sz="2400" dirty="0"/>
+              <a:t>We found X proteins that ...</a:t>
+            </a:r>
+          </a:p>
+          <a:p>
+            <a:pPr marL="457200" indent="-457200">
+              <a:buFont typeface="Arial" panose="020B0604020202020204" pitchFamily="34" charset="0"/>
+              <a:buChar char="•"/>
+            </a:pPr>
+            <a:endParaRPr lang="de-DE" sz="2400" dirty="0"/>
+          </a:p>
+          <a:p>
+            <a:endParaRPr lang="en-US" sz="2400" b="1" dirty="0"/>
+          </a:p>
+        </p:txBody>
+      </p:sp>
+      <p:sp>
+        <p:nvSpPr>
+          <p:cNvPr id="24" name="Rectangle: Rounded Corners 23">
+            <a:extLst>
+              <a:ext uri="{FF2B5EF4-FFF2-40B4-BE49-F238E27FC236}">
+                <a16:creationId xmlns:a16="http://schemas.microsoft.com/office/drawing/2014/main" id="{16F17C88-CF94-11D7-D087-3F75A1B40134}"/>
+              </a:ext>
+            </a:extLst>
+          </p:cNvPr>
+          <p:cNvSpPr/>
+          <p:nvPr/>
+        </p:nvSpPr>
+        <p:spPr>
+          <a:xfrm>
+            <a:off x="619433" y="5268901"/>
+            <a:ext cx="29036347" cy="1430255"/>
+          </a:xfrm>
+          <a:prstGeom prst="roundRect">
+            <a:avLst>
+              <a:gd name="adj" fmla="val 0"/>
+            </a:avLst>
+          </a:prstGeom>
+          <a:solidFill>
+            <a:srgbClr val="B21D31"/>
+          </a:solidFill>
+          <a:ln>
+            <a:noFill/>
+          </a:ln>
+        </p:spPr>
+        <p:style>
+          <a:lnRef idx="2">
+            <a:schemeClr val="accent1">
+              <a:shade val="15000"/>
+            </a:schemeClr>
+          </a:lnRef>
+          <a:fillRef idx="1">
+            <a:schemeClr val="accent1"/>
+          </a:fillRef>
+          <a:effectRef idx="0">
+            <a:schemeClr val="accent1"/>
+          </a:effectRef>
+          <a:fontRef idx="minor">
+            <a:schemeClr val="lt1"/>
+          </a:fontRef>
+        </p:style>
+        <p:txBody>
+          <a:bodyPr rtlCol="0" anchor="ctr"/>
+          <a:lstStyle/>
+          <a:p>
+            <a:r>
+              <a:rPr lang="en-US" sz="6000" b="1" dirty="0"/>
+              <a:t>                   Identifying RNA-Dependent Proteins from Proteomic Data</a:t>
+            </a:r>
+            <a:endParaRPr lang="en-US" sz="1500" b="1" dirty="0"/>
+          </a:p>
+          <a:p>
+            <a:pPr algn="ctr"/>
+            <a:r>
+              <a:rPr lang="en-US" sz="1000" b="1" dirty="0" err="1"/>
+              <a:t>kkk</a:t>
+            </a:r>
+            <a:endParaRPr lang="en-US" sz="1000" b="1" dirty="0"/>
+          </a:p>
+        </p:txBody>
+      </p:sp>
+      <p:sp>
+        <p:nvSpPr>
+          <p:cNvPr id="25" name="TextBox 24">
+            <a:extLst>
+              <a:ext uri="{FF2B5EF4-FFF2-40B4-BE49-F238E27FC236}">
+                <a16:creationId xmlns:a16="http://schemas.microsoft.com/office/drawing/2014/main" id="{83C51AA0-EAC9-949A-0E1E-8D8B5A2E6BA5}"/>
+              </a:ext>
+            </a:extLst>
+          </p:cNvPr>
+          <p:cNvSpPr txBox="1"/>
+          <p:nvPr/>
+        </p:nvSpPr>
+        <p:spPr>
+          <a:xfrm>
+            <a:off x="15164570" y="7243086"/>
+            <a:ext cx="13893040" cy="2308324"/>
+          </a:xfrm>
+          <a:prstGeom prst="rect">
+            <a:avLst/>
+          </a:prstGeom>
+          <a:noFill/>
+          <a:ln>
+            <a:noFill/>
+          </a:ln>
+        </p:spPr>
+        <p:txBody>
+          <a:bodyPr wrap="square">
+            <a:spAutoFit/>
+          </a:bodyPr>
+          <a:lstStyle/>
+          <a:p>
+            <a:r>
+              <a:rPr lang="en-US" sz="2400" b="1" dirty="0"/>
+              <a:t>Key Characteristics of Our Dataset</a:t>
+            </a:r>
+            <a:endParaRPr lang="de-DE" sz="2400" b="1" dirty="0"/>
+          </a:p>
+          <a:p>
+            <a:pPr marL="457200" indent="-457200">
+              <a:buFont typeface="Arial" panose="020B0604020202020204" pitchFamily="34" charset="0"/>
+              <a:buChar char="•"/>
+            </a:pPr>
+            <a:r>
+              <a:rPr lang="en-US" sz="2400" dirty="0"/>
+              <a:t>Our dataset was generated using the R-Deep approach</a:t>
+            </a:r>
+          </a:p>
+          <a:p>
+            <a:pPr marL="457200" indent="-457200">
+              <a:buFont typeface="Arial" panose="020B0604020202020204" pitchFamily="34" charset="0"/>
+              <a:buChar char="•"/>
+            </a:pPr>
+            <a:r>
+              <a:rPr lang="de-DE" sz="2400" dirty="0"/>
+              <a:t>~5000 Proteine in 25 Fraktionen, Rnase vs. CTRL</a:t>
+            </a:r>
+            <a:endParaRPr lang="en-US" sz="2400" dirty="0"/>
+          </a:p>
+          <a:p>
+            <a:pPr marL="457200" indent="-457200">
+              <a:buFont typeface="Arial" panose="020B0604020202020204" pitchFamily="34" charset="0"/>
+              <a:buChar char="•"/>
+            </a:pPr>
+            <a:r>
+              <a:rPr lang="en-US" sz="2400" dirty="0"/>
+              <a:t>Dimensions</a:t>
+            </a:r>
+            <a:endParaRPr lang="en-US" sz="2400" b="1" dirty="0"/>
+          </a:p>
+          <a:p>
+            <a:pPr marL="457200" indent="-457200">
+              <a:buFont typeface="Arial" panose="020B0604020202020204" pitchFamily="34" charset="0"/>
+              <a:buChar char="•"/>
+            </a:pPr>
+            <a:endParaRPr lang="de-DE" sz="2400" dirty="0"/>
+          </a:p>
+          <a:p>
+            <a:pPr marL="457200" indent="-457200">
+              <a:buFont typeface="Arial" panose="020B0604020202020204" pitchFamily="34" charset="0"/>
+              <a:buChar char="•"/>
+            </a:pPr>
+            <a:endParaRPr lang="de-DE" sz="2400" dirty="0"/>
+          </a:p>
+        </p:txBody>
+      </p:sp>
+      <p:sp>
+        <p:nvSpPr>
+          <p:cNvPr id="27" name="Rectangle: Rounded Corners 26">
+            <a:extLst>
+              <a:ext uri="{FF2B5EF4-FFF2-40B4-BE49-F238E27FC236}">
+                <a16:creationId xmlns:a16="http://schemas.microsoft.com/office/drawing/2014/main" id="{61346A8F-F416-7B92-4C38-50C56B09AEF9}"/>
+              </a:ext>
+            </a:extLst>
+          </p:cNvPr>
+          <p:cNvSpPr/>
+          <p:nvPr/>
+        </p:nvSpPr>
+        <p:spPr>
+          <a:xfrm>
+            <a:off x="668635" y="12821165"/>
+            <a:ext cx="28937944" cy="1430255"/>
+          </a:xfrm>
+          <a:prstGeom prst="roundRect">
+            <a:avLst>
+              <a:gd name="adj" fmla="val 0"/>
+            </a:avLst>
+          </a:prstGeom>
+          <a:solidFill>
+            <a:srgbClr val="25333C"/>
+          </a:solidFill>
+          <a:ln>
+            <a:solidFill>
+              <a:srgbClr val="25333C"/>
+            </a:solidFill>
+          </a:ln>
+        </p:spPr>
+        <p:style>
+          <a:lnRef idx="2">
+            <a:schemeClr val="accent1">
+              <a:shade val="15000"/>
+            </a:schemeClr>
+          </a:lnRef>
+          <a:fillRef idx="1">
+            <a:schemeClr val="accent1"/>
+          </a:fillRef>
+          <a:effectRef idx="0">
+            <a:schemeClr val="accent1"/>
+          </a:effectRef>
+          <a:fontRef idx="minor">
+            <a:schemeClr val="lt1"/>
+          </a:fontRef>
+        </p:style>
+        <p:txBody>
+          <a:bodyPr rtlCol="0" anchor="ctr"/>
+          <a:lstStyle/>
+          <a:p>
+            <a:r>
+              <a:rPr lang="en-US" sz="6000" b="1" dirty="0"/>
+              <a:t>                  Our Approach</a:t>
+            </a:r>
+            <a:endParaRPr lang="en-US" sz="1500" b="1" dirty="0"/>
+          </a:p>
+          <a:p>
+            <a:pPr algn="ctr"/>
+            <a:endParaRPr lang="en-US" sz="1000" b="1" dirty="0"/>
+          </a:p>
+        </p:txBody>
+      </p:sp>
+      <p:sp>
+        <p:nvSpPr>
+          <p:cNvPr id="28" name="Rectangle: Rounded Corners 27">
+            <a:extLst>
+              <a:ext uri="{FF2B5EF4-FFF2-40B4-BE49-F238E27FC236}">
+                <a16:creationId xmlns:a16="http://schemas.microsoft.com/office/drawing/2014/main" id="{2B14AB4D-5A72-50CD-AC71-8DF26C6798F0}"/>
+              </a:ext>
+            </a:extLst>
+          </p:cNvPr>
+          <p:cNvSpPr/>
+          <p:nvPr/>
+        </p:nvSpPr>
+        <p:spPr>
+          <a:xfrm>
+            <a:off x="668636" y="26557868"/>
+            <a:ext cx="14468970" cy="1430255"/>
+          </a:xfrm>
+          <a:prstGeom prst="roundRect">
+            <a:avLst>
+              <a:gd name="adj" fmla="val 0"/>
+            </a:avLst>
+          </a:prstGeom>
+          <a:solidFill>
+            <a:srgbClr val="2F4047"/>
+          </a:solidFill>
+          <a:ln>
+            <a:solidFill>
+              <a:srgbClr val="2F4047"/>
+            </a:solidFill>
+          </a:ln>
+        </p:spPr>
+        <p:style>
+          <a:lnRef idx="2">
+            <a:schemeClr val="accent1">
+              <a:shade val="15000"/>
+            </a:schemeClr>
+          </a:lnRef>
+          <a:fillRef idx="1">
+            <a:schemeClr val="accent1"/>
+          </a:fillRef>
+          <a:effectRef idx="0">
+            <a:schemeClr val="accent1"/>
+          </a:effectRef>
+          <a:fontRef idx="minor">
+            <a:schemeClr val="lt1"/>
+          </a:fontRef>
+        </p:style>
+        <p:txBody>
+          <a:bodyPr rtlCol="0" anchor="ctr"/>
+          <a:lstStyle/>
+          <a:p>
+            <a:r>
+              <a:rPr lang="en-US" sz="6000" b="1" dirty="0"/>
+              <a:t>                  Discussion</a:t>
+            </a:r>
+            <a:endParaRPr lang="en-US" sz="1500" b="1" dirty="0"/>
+          </a:p>
+          <a:p>
+            <a:endParaRPr lang="en-US" sz="1000" b="1" dirty="0"/>
+          </a:p>
+        </p:txBody>
+      </p:sp>
+      <p:sp>
+        <p:nvSpPr>
+          <p:cNvPr id="29" name="Rectangle: Rounded Corners 28">
+            <a:extLst>
+              <a:ext uri="{FF2B5EF4-FFF2-40B4-BE49-F238E27FC236}">
+                <a16:creationId xmlns:a16="http://schemas.microsoft.com/office/drawing/2014/main" id="{38BB76AC-84D8-E318-DC01-9A085FB8E25C}"/>
+              </a:ext>
+            </a:extLst>
+          </p:cNvPr>
+          <p:cNvSpPr/>
+          <p:nvPr/>
+        </p:nvSpPr>
+        <p:spPr>
+          <a:xfrm>
+            <a:off x="15765564" y="26710041"/>
+            <a:ext cx="13841013" cy="1430255"/>
+          </a:xfrm>
+          <a:prstGeom prst="roundRect">
+            <a:avLst>
+              <a:gd name="adj" fmla="val 0"/>
+            </a:avLst>
+          </a:prstGeom>
+          <a:solidFill>
+            <a:srgbClr val="B21D31"/>
+          </a:solidFill>
+          <a:ln>
+            <a:solidFill>
+              <a:srgbClr val="B21D31"/>
+            </a:solidFill>
+          </a:ln>
+        </p:spPr>
+        <p:style>
+          <a:lnRef idx="2">
+            <a:schemeClr val="accent1">
+              <a:shade val="15000"/>
+            </a:schemeClr>
+          </a:lnRef>
+          <a:fillRef idx="1">
+            <a:schemeClr val="accent1"/>
+          </a:fillRef>
+          <a:effectRef idx="0">
+            <a:schemeClr val="accent1"/>
+          </a:effectRef>
+          <a:fontRef idx="minor">
+            <a:schemeClr val="lt1"/>
+          </a:fontRef>
+        </p:style>
+        <p:txBody>
+          <a:bodyPr rtlCol="0" anchor="ctr"/>
+          <a:lstStyle/>
+          <a:p>
+            <a:pPr algn="ctr"/>
+            <a:r>
+              <a:rPr lang="en-US" sz="6000" b="1" dirty="0"/>
+              <a:t>     Our Achievements</a:t>
+            </a:r>
+            <a:endParaRPr lang="en-US" sz="1000" b="1" dirty="0"/>
+          </a:p>
+        </p:txBody>
+      </p:sp>
+      <p:sp>
+        <p:nvSpPr>
+          <p:cNvPr id="30" name="Rectangle: Rounded Corners 29">
+            <a:extLst>
+              <a:ext uri="{FF2B5EF4-FFF2-40B4-BE49-F238E27FC236}">
+                <a16:creationId xmlns:a16="http://schemas.microsoft.com/office/drawing/2014/main" id="{15926180-93CD-8423-1659-A7CA4443CDBD}"/>
+              </a:ext>
+            </a:extLst>
+          </p:cNvPr>
+          <p:cNvSpPr/>
+          <p:nvPr/>
+        </p:nvSpPr>
+        <p:spPr>
+          <a:xfrm>
+            <a:off x="15841730" y="33171728"/>
+            <a:ext cx="7118517" cy="1430255"/>
+          </a:xfrm>
+          <a:prstGeom prst="roundRect">
+            <a:avLst>
+              <a:gd name="adj" fmla="val 0"/>
+            </a:avLst>
+          </a:prstGeom>
+          <a:solidFill>
+            <a:srgbClr val="475A5F"/>
+          </a:solidFill>
+          <a:ln>
+            <a:noFill/>
+          </a:ln>
+        </p:spPr>
+        <p:style>
+          <a:lnRef idx="2">
+            <a:schemeClr val="accent1">
+              <a:shade val="15000"/>
+            </a:schemeClr>
+          </a:lnRef>
+          <a:fillRef idx="1">
+            <a:schemeClr val="accent1"/>
+          </a:fillRef>
+          <a:effectRef idx="0">
+            <a:schemeClr val="accent1"/>
+          </a:effectRef>
+          <a:fontRef idx="minor">
+            <a:schemeClr val="lt1"/>
+          </a:fontRef>
+        </p:style>
+        <p:txBody>
+          <a:bodyPr rtlCol="0" anchor="ctr"/>
+          <a:lstStyle/>
+          <a:p>
+            <a:r>
+              <a:rPr lang="en-US" sz="6000" b="1" dirty="0"/>
+              <a:t>                 References</a:t>
+            </a:r>
+            <a:endParaRPr lang="en-US" sz="1000" b="1" dirty="0"/>
+          </a:p>
+        </p:txBody>
+      </p:sp>
+      <p:sp>
+        <p:nvSpPr>
+          <p:cNvPr id="15" name="Rectangle: Top Corners Rounded 14">
+            <a:extLst>
+              <a:ext uri="{FF2B5EF4-FFF2-40B4-BE49-F238E27FC236}">
+                <a16:creationId xmlns:a16="http://schemas.microsoft.com/office/drawing/2014/main" id="{0D290A8A-DED6-CE84-A8C7-D85F6A4EC1DD}"/>
+              </a:ext>
+            </a:extLst>
+          </p:cNvPr>
+          <p:cNvSpPr/>
+          <p:nvPr/>
+        </p:nvSpPr>
+        <p:spPr>
+          <a:xfrm flipV="1">
+            <a:off x="4914900" y="-21880"/>
+            <a:ext cx="20288249" cy="4463665"/>
+          </a:xfrm>
+          <a:prstGeom prst="round2SameRect">
+            <a:avLst/>
+          </a:prstGeom>
+          <a:solidFill>
+            <a:srgbClr val="B21D31"/>
+          </a:solidFill>
+          <a:ln w="254000">
+            <a:noFill/>
+          </a:ln>
+        </p:spPr>
+        <p:style>
+          <a:lnRef idx="2">
+            <a:schemeClr val="accent1">
+              <a:shade val="15000"/>
+            </a:schemeClr>
+          </a:lnRef>
+          <a:fillRef idx="1">
+            <a:schemeClr val="accent1"/>
+          </a:fillRef>
+          <a:effectRef idx="0">
+            <a:schemeClr val="accent1"/>
+          </a:effectRef>
+          <a:fontRef idx="minor">
+            <a:schemeClr val="lt1"/>
+          </a:fontRef>
+        </p:style>
+        <p:txBody>
+          <a:bodyPr rtlCol="0" anchor="ctr"/>
+          <a:lstStyle/>
+          <a:p>
+            <a:pPr algn="ctr"/>
+            <a:endParaRPr lang="de-DE"/>
+          </a:p>
+        </p:txBody>
+      </p:sp>
+      <p:sp>
+        <p:nvSpPr>
+          <p:cNvPr id="23" name="Titel 1">
+            <a:extLst>
+              <a:ext uri="{FF2B5EF4-FFF2-40B4-BE49-F238E27FC236}">
+                <a16:creationId xmlns:a16="http://schemas.microsoft.com/office/drawing/2014/main" id="{1BCA85D5-9460-D08E-D399-FA4C3DE039C7}"/>
+              </a:ext>
+            </a:extLst>
+          </p:cNvPr>
+          <p:cNvSpPr txBox="1">
+            <a:spLocks/>
+          </p:cNvSpPr>
+          <p:nvPr/>
+        </p:nvSpPr>
+        <p:spPr>
+          <a:xfrm>
+            <a:off x="8664242" y="959551"/>
+            <a:ext cx="13000655" cy="1836887"/>
+          </a:xfrm>
+          <a:prstGeom prst="rect">
+            <a:avLst/>
+          </a:prstGeom>
+        </p:spPr>
+        <p:txBody>
+          <a:bodyPr vert="horz" lIns="91440" tIns="45720" rIns="91440" bIns="45720" rtlCol="0" anchor="b">
+            <a:noAutofit/>
+          </a:bodyPr>
+          <a:lstStyle>
+            <a:lvl1pPr algn="ctr" defTabSz="3027487" rtl="0" eaLnBrk="1" latinLnBrk="0" hangingPunct="1">
+              <a:lnSpc>
+                <a:spcPct val="90000"/>
+              </a:lnSpc>
+              <a:spcBef>
+                <a:spcPct val="0"/>
+              </a:spcBef>
+              <a:buNone/>
+              <a:defRPr sz="19865" kern="1200">
+                <a:solidFill>
+                  <a:schemeClr val="tx1"/>
+                </a:solidFill>
+                <a:latin typeface="+mj-lt"/>
+                <a:ea typeface="+mj-ea"/>
+                <a:cs typeface="+mj-cs"/>
+              </a:defRPr>
+            </a:lvl1pPr>
+          </a:lstStyle>
+          <a:p>
+            <a:pPr algn="l"/>
+            <a:r>
+              <a:rPr lang="de-DE" sz="7000" b="1" dirty="0">
+                <a:solidFill>
+                  <a:schemeClr val="bg1"/>
+                </a:solidFill>
+              </a:rPr>
+              <a:t>Hidden Alliances: RNA-Dependent Protein Interactions in Cancer Cells</a:t>
+            </a:r>
+            <a:endParaRPr lang="en-US" sz="7000" b="1" dirty="0">
+              <a:solidFill>
+                <a:schemeClr val="bg1"/>
+              </a:solidFill>
+            </a:endParaRPr>
+          </a:p>
+        </p:txBody>
+      </p:sp>
+      <p:sp>
+        <p:nvSpPr>
+          <p:cNvPr id="31" name="Titel 1">
+            <a:extLst>
+              <a:ext uri="{FF2B5EF4-FFF2-40B4-BE49-F238E27FC236}">
+                <a16:creationId xmlns:a16="http://schemas.microsoft.com/office/drawing/2014/main" id="{6B827B7B-2FC7-DAEA-BAB1-47228952AC76}"/>
+              </a:ext>
+            </a:extLst>
+          </p:cNvPr>
+          <p:cNvSpPr txBox="1">
+            <a:spLocks/>
+          </p:cNvSpPr>
+          <p:nvPr/>
+        </p:nvSpPr>
+        <p:spPr>
+          <a:xfrm>
+            <a:off x="9650865" y="2528719"/>
+            <a:ext cx="10973477" cy="1323687"/>
+          </a:xfrm>
+          <a:prstGeom prst="rect">
+            <a:avLst/>
+          </a:prstGeom>
+        </p:spPr>
+        <p:txBody>
+          <a:bodyPr vert="horz" lIns="45681" tIns="22840" rIns="45681" bIns="22840" rtlCol="0" anchor="b">
+            <a:noAutofit/>
+          </a:bodyPr>
+          <a:lstStyle>
+            <a:lvl1pPr algn="ctr" defTabSz="3027487" rtl="0" eaLnBrk="1" latinLnBrk="0" hangingPunct="1">
+              <a:lnSpc>
+                <a:spcPct val="90000"/>
+              </a:lnSpc>
+              <a:spcBef>
+                <a:spcPct val="0"/>
+              </a:spcBef>
+              <a:buNone/>
+              <a:defRPr sz="19865" kern="1200">
+                <a:solidFill>
+                  <a:schemeClr val="tx1"/>
+                </a:solidFill>
+                <a:latin typeface="+mj-lt"/>
+                <a:ea typeface="+mj-ea"/>
+                <a:cs typeface="+mj-cs"/>
+              </a:defRPr>
+            </a:lvl1pPr>
+          </a:lstStyle>
+          <a:p>
+            <a:r>
+              <a:rPr lang="de-DE" sz="2800" dirty="0">
+                <a:solidFill>
+                  <a:schemeClr val="bg1"/>
+                </a:solidFill>
+              </a:rPr>
+              <a:t>Julian </a:t>
+            </a:r>
+            <a:r>
+              <a:rPr lang="de-DE" sz="2800" dirty="0" err="1">
+                <a:solidFill>
+                  <a:schemeClr val="bg1"/>
+                </a:solidFill>
+              </a:rPr>
+              <a:t>Baureis</a:t>
+            </a:r>
+            <a:r>
+              <a:rPr lang="de-DE" sz="2800" dirty="0">
+                <a:solidFill>
+                  <a:schemeClr val="bg1"/>
+                </a:solidFill>
+              </a:rPr>
+              <a:t>, Julia Ferdin, Benjamin Nicklas, Luisa </a:t>
+            </a:r>
+            <a:r>
+              <a:rPr lang="de-DE" sz="2800" dirty="0" err="1">
+                <a:solidFill>
+                  <a:schemeClr val="bg1"/>
+                </a:solidFill>
+              </a:rPr>
+              <a:t>Wintel</a:t>
+            </a:r>
+            <a:endParaRPr lang="de-DE" sz="2800" dirty="0">
+              <a:solidFill>
+                <a:schemeClr val="bg1"/>
+              </a:solidFill>
+            </a:endParaRPr>
+          </a:p>
+          <a:p>
+            <a:r>
+              <a:rPr lang="de-DE" sz="2800" dirty="0">
+                <a:solidFill>
+                  <a:schemeClr val="bg1"/>
+                </a:solidFill>
+              </a:rPr>
+              <a:t>Data Analysis Project </a:t>
+            </a:r>
+            <a:r>
+              <a:rPr lang="de-DE" sz="2800" dirty="0" err="1">
+                <a:solidFill>
+                  <a:schemeClr val="bg1"/>
+                </a:solidFill>
+              </a:rPr>
+              <a:t>Molecular</a:t>
+            </a:r>
+            <a:r>
+              <a:rPr lang="de-DE" sz="2800" dirty="0">
+                <a:solidFill>
+                  <a:schemeClr val="bg1"/>
+                </a:solidFill>
+              </a:rPr>
+              <a:t> Biotechnology SS2025</a:t>
+            </a:r>
+          </a:p>
+        </p:txBody>
+      </p:sp>
+      <p:sp>
+        <p:nvSpPr>
+          <p:cNvPr id="32" name="Flowchart: Connector 31">
+            <a:extLst>
+              <a:ext uri="{FF2B5EF4-FFF2-40B4-BE49-F238E27FC236}">
                 <a16:creationId xmlns:a16="http://schemas.microsoft.com/office/drawing/2014/main" id="{14F2E642-9E07-4822-2F70-7671DA71E42D}"/>
               </a:ext>
             </a:extLst>
@@ -13644,7 +16930,7 @@
 </p:sld>
 </file>
 
-<file path=ppt/slides/slide5.xml><?xml version="1.0" encoding="utf-8"?>
+<file path=ppt/slides/slide6.xml><?xml version="1.0" encoding="utf-8"?>
 <p:sld xmlns:a="http://schemas.openxmlformats.org/drawingml/2006/main" xmlns:r="http://schemas.openxmlformats.org/officeDocument/2006/relationships" xmlns:p="http://schemas.openxmlformats.org/presentationml/2006/main">
   <p:cSld>
     <p:bg>
@@ -16129,7 +19415,7 @@
 </p:sld>
 </file>
 
-<file path=ppt/slides/slide6.xml><?xml version="1.0" encoding="utf-8"?>
+<file path=ppt/slides/slide7.xml><?xml version="1.0" encoding="utf-8"?>
 <p:sld xmlns:a="http://schemas.openxmlformats.org/drawingml/2006/main" xmlns:r="http://schemas.openxmlformats.org/officeDocument/2006/relationships" xmlns:p="http://schemas.openxmlformats.org/presentationml/2006/main">
   <p:cSld>
     <p:spTree>
@@ -18608,7 +21894,7 @@
 </p:sld>
 </file>
 
-<file path=ppt/slides/slide7.xml><?xml version="1.0" encoding="utf-8"?>
+<file path=ppt/slides/slide8.xml><?xml version="1.0" encoding="utf-8"?>
 <p:sld xmlns:a="http://schemas.openxmlformats.org/drawingml/2006/main" xmlns:r="http://schemas.openxmlformats.org/officeDocument/2006/relationships" xmlns:p="http://schemas.openxmlformats.org/presentationml/2006/main">
   <p:cSld>
     <p:bg>
@@ -20339,7 +23625,7 @@
 </p:sld>
 </file>
 
-<file path=ppt/slides/slide8.xml><?xml version="1.0" encoding="utf-8"?>
+<file path=ppt/slides/slide9.xml><?xml version="1.0" encoding="utf-8"?>
 <p:sld xmlns:a="http://schemas.openxmlformats.org/drawingml/2006/main" xmlns:r="http://schemas.openxmlformats.org/officeDocument/2006/relationships" xmlns:p="http://schemas.openxmlformats.org/presentationml/2006/main">
   <p:cSld>
     <p:bg>
@@ -21982,1162 +25268,6 @@
     <p:extLst>
       <p:ext uri="{BB962C8B-B14F-4D97-AF65-F5344CB8AC3E}">
         <p14:creationId xmlns:p14="http://schemas.microsoft.com/office/powerpoint/2010/main" val="1691417317"/>
-      </p:ext>
-    </p:extLst>
-  </p:cSld>
-  <p:clrMapOvr>
-    <a:masterClrMapping/>
-  </p:clrMapOvr>
-</p:sld>
-</file>
-
-<file path=ppt/slides/slide9.xml><?xml version="1.0" encoding="utf-8"?>
-<p:sld xmlns:a="http://schemas.openxmlformats.org/drawingml/2006/main" xmlns:r="http://schemas.openxmlformats.org/officeDocument/2006/relationships" xmlns:p="http://schemas.openxmlformats.org/presentationml/2006/main" show="0">
-  <p:cSld>
-    <p:spTree>
-      <p:nvGrpSpPr>
-        <p:cNvPr id="1" name="">
-          <a:extLst>
-            <a:ext uri="{FF2B5EF4-FFF2-40B4-BE49-F238E27FC236}">
-              <a16:creationId xmlns:a16="http://schemas.microsoft.com/office/drawing/2014/main" id="{513BFE7F-0E7B-E710-C823-7E99A3D507DC}"/>
-            </a:ext>
-          </a:extLst>
-        </p:cNvPr>
-        <p:cNvGrpSpPr/>
-        <p:nvPr/>
-      </p:nvGrpSpPr>
-      <p:grpSpPr>
-        <a:xfrm>
-          <a:off x="0" y="0"/>
-          <a:ext cx="0" cy="0"/>
-          <a:chOff x="0" y="0"/>
-          <a:chExt cx="0" cy="0"/>
-        </a:xfrm>
-      </p:grpSpPr>
-      <p:pic>
-        <p:nvPicPr>
-          <p:cNvPr id="9" name="Picture 8">
-            <a:extLst>
-              <a:ext uri="{FF2B5EF4-FFF2-40B4-BE49-F238E27FC236}">
-                <a16:creationId xmlns:a16="http://schemas.microsoft.com/office/drawing/2014/main" id="{27175357-617B-F7FB-6E04-8138D148B9D1}"/>
-              </a:ext>
-            </a:extLst>
-          </p:cNvPr>
-          <p:cNvPicPr>
-            <a:picLocks noChangeAspect="1"/>
-          </p:cNvPicPr>
-          <p:nvPr/>
-        </p:nvPicPr>
-        <p:blipFill>
-          <a:blip r:embed="rId2"/>
-          <a:stretch>
-            <a:fillRect/>
-          </a:stretch>
-        </p:blipFill>
-        <p:spPr>
-          <a:xfrm>
-            <a:off x="99683" y="23020"/>
-            <a:ext cx="9050209" cy="5088730"/>
-          </a:xfrm>
-          <a:prstGeom prst="rect">
-            <a:avLst/>
-          </a:prstGeom>
-        </p:spPr>
-      </p:pic>
-      <p:pic>
-        <p:nvPicPr>
-          <p:cNvPr id="11" name="Picture 10">
-            <a:extLst>
-              <a:ext uri="{FF2B5EF4-FFF2-40B4-BE49-F238E27FC236}">
-                <a16:creationId xmlns:a16="http://schemas.microsoft.com/office/drawing/2014/main" id="{5447D4E8-6D98-A608-D4A1-D10D8308C658}"/>
-              </a:ext>
-            </a:extLst>
-          </p:cNvPr>
-          <p:cNvPicPr>
-            <a:picLocks noChangeAspect="1"/>
-          </p:cNvPicPr>
-          <p:nvPr/>
-        </p:nvPicPr>
-        <p:blipFill>
-          <a:blip r:embed="rId3"/>
-          <a:stretch>
-            <a:fillRect/>
-          </a:stretch>
-        </p:blipFill>
-        <p:spPr>
-          <a:xfrm>
-            <a:off x="23489343" y="704131"/>
-            <a:ext cx="6328620" cy="3559849"/>
-          </a:xfrm>
-          <a:prstGeom prst="rect">
-            <a:avLst/>
-          </a:prstGeom>
-        </p:spPr>
-      </p:pic>
-      <p:sp>
-        <p:nvSpPr>
-          <p:cNvPr id="4" name="Titel 1">
-            <a:extLst>
-              <a:ext uri="{FF2B5EF4-FFF2-40B4-BE49-F238E27FC236}">
-                <a16:creationId xmlns:a16="http://schemas.microsoft.com/office/drawing/2014/main" id="{5182FA33-332F-9DEF-3B43-D6CFE0F0B487}"/>
-              </a:ext>
-            </a:extLst>
-          </p:cNvPr>
-          <p:cNvSpPr>
-            <a:spLocks noGrp="1"/>
-          </p:cNvSpPr>
-          <p:nvPr>
-            <p:ph type="ctrTitle"/>
-          </p:nvPr>
-        </p:nvSpPr>
-        <p:spPr>
-          <a:xfrm>
-            <a:off x="9482040" y="2021850"/>
-            <a:ext cx="12820650" cy="1836887"/>
-          </a:xfrm>
-        </p:spPr>
-        <p:txBody>
-          <a:bodyPr>
-            <a:noAutofit/>
-          </a:bodyPr>
-          <a:lstStyle/>
-          <a:p>
-            <a:r>
-              <a:rPr lang="de-DE" sz="7000" b="1" dirty="0"/>
-              <a:t>Hidden Alliances: RNA-Dependent Protein Interactions in Cancer Cells</a:t>
-            </a:r>
-            <a:endParaRPr lang="en-US" sz="7000" b="1" dirty="0"/>
-          </a:p>
-        </p:txBody>
-      </p:sp>
-      <p:sp>
-        <p:nvSpPr>
-          <p:cNvPr id="26" name="Titel 1">
-            <a:extLst>
-              <a:ext uri="{FF2B5EF4-FFF2-40B4-BE49-F238E27FC236}">
-                <a16:creationId xmlns:a16="http://schemas.microsoft.com/office/drawing/2014/main" id="{401F74FC-BC80-1087-9AD6-F0A68E308053}"/>
-              </a:ext>
-            </a:extLst>
-          </p:cNvPr>
-          <p:cNvSpPr txBox="1">
-            <a:spLocks/>
-          </p:cNvSpPr>
-          <p:nvPr/>
-        </p:nvSpPr>
-        <p:spPr>
-          <a:xfrm>
-            <a:off x="8627535" y="3602136"/>
-            <a:ext cx="13675155" cy="1323687"/>
-          </a:xfrm>
-          <a:prstGeom prst="rect">
-            <a:avLst/>
-          </a:prstGeom>
-        </p:spPr>
-        <p:txBody>
-          <a:bodyPr vert="horz" lIns="45681" tIns="22840" rIns="45681" bIns="22840" rtlCol="0" anchor="b">
-            <a:noAutofit/>
-          </a:bodyPr>
-          <a:lstStyle>
-            <a:lvl1pPr algn="ctr" defTabSz="3027487" rtl="0" eaLnBrk="1" latinLnBrk="0" hangingPunct="1">
-              <a:lnSpc>
-                <a:spcPct val="90000"/>
-              </a:lnSpc>
-              <a:spcBef>
-                <a:spcPct val="0"/>
-              </a:spcBef>
-              <a:buNone/>
-              <a:defRPr sz="19865" kern="1200">
-                <a:solidFill>
-                  <a:schemeClr val="tx1"/>
-                </a:solidFill>
-                <a:latin typeface="+mj-lt"/>
-                <a:ea typeface="+mj-ea"/>
-                <a:cs typeface="+mj-cs"/>
-              </a:defRPr>
-            </a:lvl1pPr>
-          </a:lstStyle>
-          <a:p>
-            <a:r>
-              <a:rPr lang="de-DE" sz="2800" dirty="0"/>
-              <a:t>Julian </a:t>
-            </a:r>
-            <a:r>
-              <a:rPr lang="de-DE" sz="2800" dirty="0" err="1"/>
-              <a:t>Baureis</a:t>
-            </a:r>
-            <a:r>
-              <a:rPr lang="de-DE" sz="2800" dirty="0"/>
-              <a:t>, Julia Ferdin, Benjamin Nicklas, Luisa </a:t>
-            </a:r>
-            <a:r>
-              <a:rPr lang="de-DE" sz="2800" dirty="0" err="1"/>
-              <a:t>Wintel</a:t>
-            </a:r>
-            <a:endParaRPr lang="de-DE" sz="2800" dirty="0"/>
-          </a:p>
-          <a:p>
-            <a:r>
-              <a:rPr lang="de-DE" sz="2800" dirty="0"/>
-              <a:t>Data Analysis Project </a:t>
-            </a:r>
-            <a:r>
-              <a:rPr lang="de-DE" sz="2800" dirty="0" err="1"/>
-              <a:t>Molecular</a:t>
-            </a:r>
-            <a:r>
-              <a:rPr lang="de-DE" sz="2800" dirty="0"/>
-              <a:t> Biotechnology SS2025</a:t>
-            </a:r>
-          </a:p>
-        </p:txBody>
-      </p:sp>
-      <p:sp>
-        <p:nvSpPr>
-          <p:cNvPr id="20" name="TextBox 19">
-            <a:extLst>
-              <a:ext uri="{FF2B5EF4-FFF2-40B4-BE49-F238E27FC236}">
-                <a16:creationId xmlns:a16="http://schemas.microsoft.com/office/drawing/2014/main" id="{9E63F4EF-6E2A-92FF-8F86-E31B8DA09B14}"/>
-              </a:ext>
-            </a:extLst>
-          </p:cNvPr>
-          <p:cNvSpPr txBox="1"/>
-          <p:nvPr/>
-        </p:nvSpPr>
-        <p:spPr>
-          <a:xfrm>
-            <a:off x="1105371" y="6035818"/>
-            <a:ext cx="27697639" cy="7925246"/>
-          </a:xfrm>
-          <a:prstGeom prst="rect">
-            <a:avLst/>
-          </a:prstGeom>
-          <a:noFill/>
-          <a:ln>
-            <a:solidFill>
-              <a:srgbClr val="D5D5D5"/>
-            </a:solidFill>
-          </a:ln>
-        </p:spPr>
-        <p:txBody>
-          <a:bodyPr wrap="square">
-            <a:spAutoFit/>
-          </a:bodyPr>
-          <a:lstStyle/>
-          <a:p>
-            <a:r>
-              <a:rPr lang="en-US" sz="4000" b="1" dirty="0"/>
-              <a:t>Identifying RNA-Dependent Proteins from Proteomic Data</a:t>
-            </a:r>
-          </a:p>
-          <a:p>
-            <a:r>
-              <a:rPr lang="en-US" sz="500" b="1" dirty="0"/>
-              <a:t> </a:t>
-            </a:r>
-            <a:r>
-              <a:rPr lang="en-US" sz="200" b="1" dirty="0"/>
-              <a:t> </a:t>
-            </a:r>
-            <a:endParaRPr lang="en-US" sz="500" dirty="0"/>
-          </a:p>
-          <a:p>
-            <a:pPr marL="457200" indent="-457200">
-              <a:buFont typeface="Arial" panose="020B0604020202020204" pitchFamily="34" charset="0"/>
-              <a:buChar char="•"/>
-            </a:pPr>
-            <a:r>
-              <a:rPr lang="de-DE" sz="2800" dirty="0"/>
-              <a:t>„We want to </a:t>
-            </a:r>
-            <a:r>
-              <a:rPr lang="en-US" sz="2800" dirty="0"/>
-              <a:t>extract RNA-dependent proteins from proteomic screens”</a:t>
-            </a:r>
-            <a:endParaRPr lang="de-DE" sz="2800" dirty="0"/>
-          </a:p>
-          <a:p>
-            <a:pPr marL="457200" indent="-457200">
-              <a:buFont typeface="Arial" panose="020B0604020202020204" pitchFamily="34" charset="0"/>
-              <a:buChar char="•"/>
-            </a:pPr>
-            <a:r>
-              <a:rPr lang="de-DE" sz="2800" dirty="0"/>
-              <a:t>„RNA-dependency = the proteins interactome depends on RNA“</a:t>
-            </a:r>
-          </a:p>
-          <a:p>
-            <a:endParaRPr lang="en-US" sz="3200" b="1" dirty="0"/>
-          </a:p>
-          <a:p>
-            <a:r>
-              <a:rPr lang="en-US" sz="3200" b="1" dirty="0"/>
-              <a:t>What Makes RNA-Dependent Proteins Worth Investigating?</a:t>
-            </a:r>
-          </a:p>
-          <a:p>
-            <a:pPr marL="457200" indent="-457200">
-              <a:buFont typeface="Arial" panose="020B0604020202020204" pitchFamily="34" charset="0"/>
-              <a:buChar char="•"/>
-            </a:pPr>
-            <a:r>
-              <a:rPr lang="de-DE" sz="2800" b="1" dirty="0"/>
-              <a:t>Key Regulators:</a:t>
-            </a:r>
-            <a:r>
-              <a:rPr lang="de-DE" sz="2800" dirty="0"/>
-              <a:t> RBPs control RNA metabolism &amp; gene expression.</a:t>
-            </a:r>
-          </a:p>
-          <a:p>
-            <a:pPr marL="457200" indent="-457200">
-              <a:buFont typeface="Arial" panose="020B0604020202020204" pitchFamily="34" charset="0"/>
-              <a:buChar char="•"/>
-            </a:pPr>
-            <a:r>
-              <a:rPr lang="de-DE" sz="2800" b="1" dirty="0"/>
-              <a:t>Disease Links:</a:t>
-            </a:r>
-            <a:r>
-              <a:rPr lang="de-DE" sz="2800" dirty="0"/>
-              <a:t> Misregulation is tied to cancer &amp; neurodegeneration.</a:t>
-            </a:r>
-          </a:p>
-          <a:p>
-            <a:pPr marL="457200" indent="-457200">
-              <a:buFont typeface="Arial" panose="020B0604020202020204" pitchFamily="34" charset="0"/>
-              <a:buChar char="•"/>
-            </a:pPr>
-            <a:r>
-              <a:rPr lang="de-DE" sz="2800" b="1" dirty="0"/>
-              <a:t>Functional Clues:</a:t>
-            </a:r>
-            <a:r>
-              <a:rPr lang="de-DE" sz="2800" dirty="0"/>
-              <a:t> New RBPs hint at RNA’s role in specific pathways.</a:t>
-            </a:r>
-          </a:p>
-          <a:p>
-            <a:pPr marL="457200" indent="-457200">
-              <a:buFont typeface="Arial" panose="020B0604020202020204" pitchFamily="34" charset="0"/>
-              <a:buChar char="•"/>
-            </a:pPr>
-            <a:r>
-              <a:rPr lang="de-DE" sz="2800" b="1" dirty="0"/>
-              <a:t>Interaction Networks:</a:t>
-            </a:r>
-            <a:r>
-              <a:rPr lang="de-DE" sz="2800" dirty="0"/>
-              <a:t> Mapping RNA-protein complexes reveals regulatory logic. </a:t>
-            </a:r>
-          </a:p>
-          <a:p>
-            <a:pPr marL="457200" indent="-457200">
-              <a:buFont typeface="Arial" panose="020B0604020202020204" pitchFamily="34" charset="0"/>
-              <a:buChar char="•"/>
-            </a:pPr>
-            <a:r>
-              <a:rPr lang="de-DE" sz="2800" b="1" dirty="0"/>
-              <a:t>Molecular Insights:</a:t>
-            </a:r>
-            <a:r>
-              <a:rPr lang="de-DE" sz="2800" dirty="0"/>
-              <a:t> Deepens our understanding of cell cycle and cellular behavior.</a:t>
-            </a:r>
-          </a:p>
-          <a:p>
-            <a:pPr marL="457200" indent="-457200">
-              <a:buFont typeface="Arial" panose="020B0604020202020204" pitchFamily="34" charset="0"/>
-              <a:buChar char="•"/>
-            </a:pPr>
-            <a:endParaRPr lang="de-DE" sz="3200" dirty="0"/>
-          </a:p>
-          <a:p>
-            <a:r>
-              <a:rPr lang="en-US" sz="3200" b="1" dirty="0"/>
-              <a:t>Key Characteristics of Our Dataset</a:t>
-            </a:r>
-            <a:endParaRPr lang="de-DE" sz="2400" b="1" dirty="0"/>
-          </a:p>
-          <a:p>
-            <a:pPr marL="457200" indent="-457200">
-              <a:buFont typeface="Arial" panose="020B0604020202020204" pitchFamily="34" charset="0"/>
-              <a:buChar char="•"/>
-            </a:pPr>
-            <a:r>
-              <a:rPr lang="en-US" sz="2800" dirty="0"/>
-              <a:t>Our dataset was generated using the R-Deep approach</a:t>
-            </a:r>
-          </a:p>
-          <a:p>
-            <a:pPr marL="457200" indent="-457200">
-              <a:buFont typeface="Arial" panose="020B0604020202020204" pitchFamily="34" charset="0"/>
-              <a:buChar char="•"/>
-            </a:pPr>
-            <a:r>
-              <a:rPr lang="de-DE" sz="2800" dirty="0"/>
-              <a:t>~5000 Proteine in 25 Fraktionen, Rnase vs. CTRL</a:t>
-            </a:r>
-            <a:endParaRPr lang="en-US" sz="2800" dirty="0"/>
-          </a:p>
-          <a:p>
-            <a:pPr marL="457200" indent="-457200">
-              <a:buFont typeface="Arial" panose="020B0604020202020204" pitchFamily="34" charset="0"/>
-              <a:buChar char="•"/>
-            </a:pPr>
-            <a:r>
-              <a:rPr lang="en-US" sz="2800" dirty="0"/>
-              <a:t>Dimensions</a:t>
-            </a:r>
-          </a:p>
-          <a:p>
-            <a:endParaRPr lang="en-US" sz="2800" b="1" dirty="0"/>
-          </a:p>
-          <a:p>
-            <a:endParaRPr lang="en-US" sz="2800" b="1" dirty="0"/>
-          </a:p>
-        </p:txBody>
-      </p:sp>
-      <p:sp>
-        <p:nvSpPr>
-          <p:cNvPr id="3" name="TextBox 2">
-            <a:extLst>
-              <a:ext uri="{FF2B5EF4-FFF2-40B4-BE49-F238E27FC236}">
-                <a16:creationId xmlns:a16="http://schemas.microsoft.com/office/drawing/2014/main" id="{D187C595-D787-B69C-9599-02920619ECC7}"/>
-              </a:ext>
-            </a:extLst>
-          </p:cNvPr>
-          <p:cNvSpPr txBox="1"/>
-          <p:nvPr/>
-        </p:nvSpPr>
-        <p:spPr>
-          <a:xfrm>
-            <a:off x="1105371" y="14356324"/>
-            <a:ext cx="27697639" cy="13819168"/>
-          </a:xfrm>
-          <a:prstGeom prst="rect">
-            <a:avLst/>
-          </a:prstGeom>
-          <a:noFill/>
-          <a:ln>
-            <a:solidFill>
-              <a:srgbClr val="D5D5D5"/>
-            </a:solidFill>
-          </a:ln>
-        </p:spPr>
-        <p:txBody>
-          <a:bodyPr wrap="square">
-            <a:spAutoFit/>
-          </a:bodyPr>
-          <a:lstStyle/>
-          <a:p>
-            <a:r>
-              <a:rPr lang="en-US" sz="3400" b="1" dirty="0"/>
-              <a:t>Data preparation</a:t>
-            </a:r>
-          </a:p>
-          <a:p>
-            <a:pPr marL="457200" indent="-457200">
-              <a:buFont typeface="Arial" panose="020B0604020202020204" pitchFamily="34" charset="0"/>
-              <a:buChar char="•"/>
-            </a:pPr>
-            <a:r>
-              <a:rPr lang="en-US" sz="2800" dirty="0"/>
-              <a:t>Data cleanup</a:t>
-            </a:r>
-          </a:p>
-          <a:p>
-            <a:pPr marL="457200" indent="-457200">
-              <a:buFont typeface="Arial" panose="020B0604020202020204" pitchFamily="34" charset="0"/>
-              <a:buChar char="•"/>
-            </a:pPr>
-            <a:r>
-              <a:rPr lang="en-US" sz="2800" dirty="0"/>
-              <a:t>“Rearrange and reorder the columns to their treatment, replicate and fraction”</a:t>
-            </a:r>
-          </a:p>
-          <a:p>
-            <a:pPr marL="457200" indent="-457200">
-              <a:buFont typeface="Arial" panose="020B0604020202020204" pitchFamily="34" charset="0"/>
-              <a:buChar char="•"/>
-            </a:pPr>
-            <a:r>
-              <a:rPr lang="en-US" sz="2800" dirty="0"/>
-              <a:t>Normalization</a:t>
-            </a:r>
-          </a:p>
-          <a:p>
-            <a:endParaRPr lang="en-US" sz="3400" b="1" dirty="0"/>
-          </a:p>
-          <a:p>
-            <a:r>
-              <a:rPr lang="de-DE" sz="3400" b="1" dirty="0"/>
-              <a:t>Data exploration</a:t>
-            </a:r>
-            <a:endParaRPr lang="de-DE" sz="3400" dirty="0"/>
-          </a:p>
-          <a:p>
-            <a:pPr marL="457200" indent="-457200">
-              <a:buFont typeface="Arial" panose="020B0604020202020204" pitchFamily="34" charset="0"/>
-              <a:buChar char="•"/>
-            </a:pPr>
-            <a:r>
-              <a:rPr lang="en-US" sz="2800" dirty="0"/>
-              <a:t> Identification of maxima and shoulders</a:t>
-            </a:r>
-          </a:p>
-          <a:p>
-            <a:pPr marL="457200" indent="-457200">
-              <a:buFont typeface="Arial" panose="020B0604020202020204" pitchFamily="34" charset="0"/>
-              <a:buChar char="•"/>
-            </a:pPr>
-            <a:r>
-              <a:rPr lang="en-US" sz="2800" dirty="0"/>
-              <a:t> </a:t>
-            </a:r>
-            <a:r>
-              <a:rPr lang="de-DE" sz="2800" dirty="0"/>
-              <a:t>Selection criteria</a:t>
-            </a:r>
-            <a:r>
-              <a:rPr lang="en-US" sz="2800" dirty="0"/>
-              <a:t> &amp; Wilcoxon Test </a:t>
-            </a:r>
-          </a:p>
-          <a:p>
-            <a:pPr marL="457200" indent="-457200">
-              <a:buFont typeface="Arial" panose="020B0604020202020204" pitchFamily="34" charset="0"/>
-              <a:buChar char="•"/>
-            </a:pPr>
-            <a:r>
-              <a:rPr lang="en-US" sz="2800" dirty="0"/>
-              <a:t>Visualization for the </a:t>
-            </a:r>
-            <a:r>
-              <a:rPr lang="de-DE" sz="2800" dirty="0"/>
-              <a:t>order of selection criteria</a:t>
-            </a:r>
-            <a:endParaRPr lang="en-US" sz="2800" dirty="0"/>
-          </a:p>
-          <a:p>
-            <a:pPr marL="457200" indent="-457200">
-              <a:buFont typeface="Arial" panose="020B0604020202020204" pitchFamily="34" charset="0"/>
-              <a:buChar char="•"/>
-            </a:pPr>
-            <a:r>
-              <a:rPr lang="en-US" sz="2800" dirty="0"/>
-              <a:t>Pie charts for selection results</a:t>
-            </a:r>
-          </a:p>
-          <a:p>
-            <a:endParaRPr lang="en-US" sz="3400" b="1" dirty="0"/>
-          </a:p>
-          <a:p>
-            <a:r>
-              <a:rPr lang="de-DE" sz="3400" b="1" dirty="0"/>
-              <a:t>Data reduction</a:t>
-            </a:r>
-          </a:p>
-          <a:p>
-            <a:pPr marL="457200" indent="-457200">
-              <a:buFont typeface="Arial" panose="020B0604020202020204" pitchFamily="34" charset="0"/>
-              <a:buChar char="•"/>
-            </a:pPr>
-            <a:r>
-              <a:rPr lang="de-DE" sz="2800" dirty="0"/>
-              <a:t>PCR </a:t>
-            </a:r>
-            <a:endParaRPr lang="en-US" sz="2800" dirty="0"/>
-          </a:p>
-          <a:p>
-            <a:pPr marL="457200" indent="-457200">
-              <a:buFont typeface="Arial" panose="020B0604020202020204" pitchFamily="34" charset="0"/>
-              <a:buChar char="•"/>
-            </a:pPr>
-            <a:r>
-              <a:rPr lang="en-US" sz="2800" dirty="0"/>
-              <a:t> k-means clustering</a:t>
-            </a:r>
-          </a:p>
-          <a:p>
-            <a:pPr marL="457200" indent="-457200">
-              <a:buFont typeface="Arial" panose="020B0604020202020204" pitchFamily="34" charset="0"/>
-              <a:buChar char="•"/>
-            </a:pPr>
-            <a:endParaRPr lang="en-US" sz="3400" dirty="0"/>
-          </a:p>
-          <a:p>
-            <a:r>
-              <a:rPr lang="de-DE" sz="3400" b="1" dirty="0"/>
-              <a:t>Data modelling</a:t>
-            </a:r>
-          </a:p>
-          <a:p>
-            <a:pPr marL="457200" indent="-457200">
-              <a:buFont typeface="Arial" panose="020B0604020202020204" pitchFamily="34" charset="0"/>
-              <a:buChar char="•"/>
-            </a:pPr>
-            <a:r>
-              <a:rPr lang="en-US" sz="2800" dirty="0"/>
-              <a:t> Linear Regression </a:t>
-            </a:r>
-          </a:p>
-          <a:p>
-            <a:endParaRPr lang="en-US" sz="3400" b="1" dirty="0"/>
-          </a:p>
-          <a:p>
-            <a:endParaRPr lang="en-US" sz="3400" b="1" dirty="0"/>
-          </a:p>
-          <a:p>
-            <a:endParaRPr lang="en-US" sz="3400" b="1" dirty="0"/>
-          </a:p>
-          <a:p>
-            <a:endParaRPr lang="en-US" sz="3400" b="1" dirty="0"/>
-          </a:p>
-          <a:p>
-            <a:endParaRPr lang="en-US" sz="3400" b="1" dirty="0"/>
-          </a:p>
-          <a:p>
-            <a:endParaRPr lang="en-US" sz="3400" b="1" dirty="0"/>
-          </a:p>
-          <a:p>
-            <a:endParaRPr lang="en-US" sz="3400" b="1" dirty="0"/>
-          </a:p>
-          <a:p>
-            <a:endParaRPr lang="en-US" sz="3400" b="1" dirty="0"/>
-          </a:p>
-          <a:p>
-            <a:endParaRPr lang="en-US" sz="3400" b="1" dirty="0"/>
-          </a:p>
-          <a:p>
-            <a:endParaRPr lang="en-US" sz="3400" b="1" dirty="0"/>
-          </a:p>
-          <a:p>
-            <a:endParaRPr lang="en-US" sz="3400" b="1" dirty="0"/>
-          </a:p>
-        </p:txBody>
-      </p:sp>
-      <p:sp>
-        <p:nvSpPr>
-          <p:cNvPr id="5" name="TextBox 4">
-            <a:extLst>
-              <a:ext uri="{FF2B5EF4-FFF2-40B4-BE49-F238E27FC236}">
-                <a16:creationId xmlns:a16="http://schemas.microsoft.com/office/drawing/2014/main" id="{C3869B88-1347-235D-0D4E-91A2239B13D0}"/>
-              </a:ext>
-            </a:extLst>
-          </p:cNvPr>
-          <p:cNvSpPr txBox="1"/>
-          <p:nvPr/>
-        </p:nvSpPr>
-        <p:spPr>
-          <a:xfrm>
-            <a:off x="1105371" y="28905434"/>
-            <a:ext cx="18020829" cy="13542169"/>
-          </a:xfrm>
-          <a:prstGeom prst="rect">
-            <a:avLst/>
-          </a:prstGeom>
-          <a:noFill/>
-          <a:ln>
-            <a:solidFill>
-              <a:srgbClr val="D5D5D5"/>
-            </a:solidFill>
-          </a:ln>
-        </p:spPr>
-        <p:txBody>
-          <a:bodyPr wrap="square">
-            <a:spAutoFit/>
-          </a:bodyPr>
-          <a:lstStyle/>
-          <a:p>
-            <a:r>
-              <a:rPr lang="en-US" sz="3400" b="1" dirty="0"/>
-              <a:t>Discussion</a:t>
-            </a:r>
-            <a:endParaRPr lang="en-US" sz="3400" dirty="0"/>
-          </a:p>
-          <a:p>
-            <a:pPr marL="457200" indent="-457200">
-              <a:buFont typeface="Arial" panose="020B0604020202020204" pitchFamily="34" charset="0"/>
-              <a:buChar char="•"/>
-            </a:pPr>
-            <a:r>
-              <a:rPr lang="en-US" sz="2800" dirty="0"/>
-              <a:t>Critical review of our own results and methods (e.g., Selection criteria made us delete some RBPs. Why? What were their properties?)</a:t>
-            </a:r>
-          </a:p>
-          <a:p>
-            <a:pPr marL="457200" indent="-457200">
-              <a:buFont typeface="Arial" panose="020B0604020202020204" pitchFamily="34" charset="0"/>
-              <a:buChar char="•"/>
-            </a:pPr>
-            <a:r>
-              <a:rPr lang="en-US" sz="2800" dirty="0"/>
-              <a:t>Why do we find fewer proteins than </a:t>
-            </a:r>
-            <a:r>
-              <a:rPr lang="en-US" sz="2800" dirty="0" err="1"/>
-              <a:t>Maïwen</a:t>
-            </a:r>
-            <a:r>
-              <a:rPr lang="en-US" sz="2800" dirty="0"/>
-              <a:t>? </a:t>
-            </a:r>
-          </a:p>
-          <a:p>
-            <a:pPr marL="457200" indent="-457200">
-              <a:buFont typeface="Arial" panose="020B0604020202020204" pitchFamily="34" charset="0"/>
-              <a:buChar char="•"/>
-            </a:pPr>
-            <a:endParaRPr lang="en-US" sz="2800" dirty="0"/>
-          </a:p>
-          <a:p>
-            <a:pPr marL="457200" indent="-457200">
-              <a:buFont typeface="Arial" panose="020B0604020202020204" pitchFamily="34" charset="0"/>
-              <a:buChar char="•"/>
-            </a:pPr>
-            <a:endParaRPr lang="en-US" sz="2800" dirty="0"/>
-          </a:p>
-          <a:p>
-            <a:pPr marL="457200" indent="-457200">
-              <a:buFont typeface="Arial" panose="020B0604020202020204" pitchFamily="34" charset="0"/>
-              <a:buChar char="•"/>
-            </a:pPr>
-            <a:endParaRPr lang="en-US" sz="2800" dirty="0"/>
-          </a:p>
-          <a:p>
-            <a:pPr marL="457200" indent="-457200">
-              <a:buFont typeface="Arial" panose="020B0604020202020204" pitchFamily="34" charset="0"/>
-              <a:buChar char="•"/>
-            </a:pPr>
-            <a:endParaRPr lang="en-US" sz="2800" dirty="0"/>
-          </a:p>
-          <a:p>
-            <a:pPr marL="457200" indent="-457200">
-              <a:buFont typeface="Arial" panose="020B0604020202020204" pitchFamily="34" charset="0"/>
-              <a:buChar char="•"/>
-            </a:pPr>
-            <a:endParaRPr lang="en-US" sz="2800" dirty="0"/>
-          </a:p>
-          <a:p>
-            <a:pPr marL="457200" indent="-457200">
-              <a:buFont typeface="Arial" panose="020B0604020202020204" pitchFamily="34" charset="0"/>
-              <a:buChar char="•"/>
-            </a:pPr>
-            <a:endParaRPr lang="en-US" sz="2800" dirty="0"/>
-          </a:p>
-          <a:p>
-            <a:pPr marL="457200" indent="-457200">
-              <a:buFont typeface="Arial" panose="020B0604020202020204" pitchFamily="34" charset="0"/>
-              <a:buChar char="•"/>
-            </a:pPr>
-            <a:endParaRPr lang="en-US" sz="2800" dirty="0"/>
-          </a:p>
-          <a:p>
-            <a:pPr marL="457200" indent="-457200">
-              <a:buFont typeface="Arial" panose="020B0604020202020204" pitchFamily="34" charset="0"/>
-              <a:buChar char="•"/>
-            </a:pPr>
-            <a:endParaRPr lang="en-US" sz="2800" dirty="0"/>
-          </a:p>
-          <a:p>
-            <a:pPr marL="457200" indent="-457200">
-              <a:buFont typeface="Arial" panose="020B0604020202020204" pitchFamily="34" charset="0"/>
-              <a:buChar char="•"/>
-            </a:pPr>
-            <a:endParaRPr lang="en-US" sz="2800" dirty="0"/>
-          </a:p>
-          <a:p>
-            <a:pPr marL="457200" indent="-457200">
-              <a:buFont typeface="Arial" panose="020B0604020202020204" pitchFamily="34" charset="0"/>
-              <a:buChar char="•"/>
-            </a:pPr>
-            <a:endParaRPr lang="en-US" sz="2800" dirty="0"/>
-          </a:p>
-          <a:p>
-            <a:pPr marL="457200" indent="-457200">
-              <a:buFont typeface="Arial" panose="020B0604020202020204" pitchFamily="34" charset="0"/>
-              <a:buChar char="•"/>
-            </a:pPr>
-            <a:endParaRPr lang="en-US" sz="2800" dirty="0"/>
-          </a:p>
-          <a:p>
-            <a:pPr marL="457200" indent="-457200">
-              <a:buFont typeface="Arial" panose="020B0604020202020204" pitchFamily="34" charset="0"/>
-              <a:buChar char="•"/>
-            </a:pPr>
-            <a:endParaRPr lang="en-US" sz="2800" dirty="0"/>
-          </a:p>
-          <a:p>
-            <a:pPr marL="457200" indent="-457200">
-              <a:buFont typeface="Arial" panose="020B0604020202020204" pitchFamily="34" charset="0"/>
-              <a:buChar char="•"/>
-            </a:pPr>
-            <a:endParaRPr lang="en-US" sz="2800" dirty="0"/>
-          </a:p>
-          <a:p>
-            <a:pPr marL="457200" indent="-457200">
-              <a:buFont typeface="Arial" panose="020B0604020202020204" pitchFamily="34" charset="0"/>
-              <a:buChar char="•"/>
-            </a:pPr>
-            <a:endParaRPr lang="en-US" sz="2800" dirty="0"/>
-          </a:p>
-          <a:p>
-            <a:pPr marL="457200" indent="-457200">
-              <a:buFont typeface="Arial" panose="020B0604020202020204" pitchFamily="34" charset="0"/>
-              <a:buChar char="•"/>
-            </a:pPr>
-            <a:endParaRPr lang="en-US" sz="2800" dirty="0"/>
-          </a:p>
-          <a:p>
-            <a:pPr marL="457200" indent="-457200">
-              <a:buFont typeface="Arial" panose="020B0604020202020204" pitchFamily="34" charset="0"/>
-              <a:buChar char="•"/>
-            </a:pPr>
-            <a:endParaRPr lang="en-US" sz="2800" dirty="0"/>
-          </a:p>
-          <a:p>
-            <a:pPr marL="457200" indent="-457200">
-              <a:buFont typeface="Arial" panose="020B0604020202020204" pitchFamily="34" charset="0"/>
-              <a:buChar char="•"/>
-            </a:pPr>
-            <a:endParaRPr lang="en-US" sz="2800" dirty="0"/>
-          </a:p>
-          <a:p>
-            <a:pPr marL="457200" indent="-457200">
-              <a:buFont typeface="Arial" panose="020B0604020202020204" pitchFamily="34" charset="0"/>
-              <a:buChar char="•"/>
-            </a:pPr>
-            <a:endParaRPr lang="en-US" sz="2800" dirty="0"/>
-          </a:p>
-          <a:p>
-            <a:pPr marL="457200" indent="-457200">
-              <a:buFont typeface="Arial" panose="020B0604020202020204" pitchFamily="34" charset="0"/>
-              <a:buChar char="•"/>
-            </a:pPr>
-            <a:endParaRPr lang="en-US" sz="2800" dirty="0"/>
-          </a:p>
-          <a:p>
-            <a:pPr marL="457200" indent="-457200">
-              <a:buFont typeface="Arial" panose="020B0604020202020204" pitchFamily="34" charset="0"/>
-              <a:buChar char="•"/>
-            </a:pPr>
-            <a:endParaRPr lang="en-US" sz="2800" dirty="0"/>
-          </a:p>
-          <a:p>
-            <a:pPr marL="457200" indent="-457200">
-              <a:buFont typeface="Arial" panose="020B0604020202020204" pitchFamily="34" charset="0"/>
-              <a:buChar char="•"/>
-            </a:pPr>
-            <a:endParaRPr lang="en-US" sz="2800" dirty="0"/>
-          </a:p>
-          <a:p>
-            <a:pPr marL="457200" indent="-457200">
-              <a:buFont typeface="Arial" panose="020B0604020202020204" pitchFamily="34" charset="0"/>
-              <a:buChar char="•"/>
-            </a:pPr>
-            <a:endParaRPr lang="en-US" sz="2800" dirty="0"/>
-          </a:p>
-          <a:p>
-            <a:pPr marL="457200" indent="-457200">
-              <a:buFont typeface="Arial" panose="020B0604020202020204" pitchFamily="34" charset="0"/>
-              <a:buChar char="•"/>
-            </a:pPr>
-            <a:endParaRPr lang="en-US" sz="2800" dirty="0"/>
-          </a:p>
-          <a:p>
-            <a:pPr marL="457200" indent="-457200">
-              <a:buFont typeface="Arial" panose="020B0604020202020204" pitchFamily="34" charset="0"/>
-              <a:buChar char="•"/>
-            </a:pPr>
-            <a:endParaRPr lang="en-US" sz="2800" dirty="0"/>
-          </a:p>
-          <a:p>
-            <a:pPr marL="457200" indent="-457200">
-              <a:buFont typeface="Arial" panose="020B0604020202020204" pitchFamily="34" charset="0"/>
-              <a:buChar char="•"/>
-            </a:pPr>
-            <a:endParaRPr lang="en-US" sz="2800" dirty="0"/>
-          </a:p>
-          <a:p>
-            <a:pPr marL="457200" indent="-457200">
-              <a:buFont typeface="Arial" panose="020B0604020202020204" pitchFamily="34" charset="0"/>
-              <a:buChar char="•"/>
-            </a:pPr>
-            <a:endParaRPr lang="en-US" sz="2800" dirty="0"/>
-          </a:p>
-          <a:p>
-            <a:endParaRPr lang="en-US" sz="2800" b="1" dirty="0"/>
-          </a:p>
-        </p:txBody>
-      </p:sp>
-      <p:sp>
-        <p:nvSpPr>
-          <p:cNvPr id="6" name="TextBox 5">
-            <a:extLst>
-              <a:ext uri="{FF2B5EF4-FFF2-40B4-BE49-F238E27FC236}">
-                <a16:creationId xmlns:a16="http://schemas.microsoft.com/office/drawing/2014/main" id="{C647DCDC-CAF3-A237-DE4E-1E9297F1816A}"/>
-              </a:ext>
-            </a:extLst>
-          </p:cNvPr>
-          <p:cNvSpPr txBox="1"/>
-          <p:nvPr/>
-        </p:nvSpPr>
-        <p:spPr>
-          <a:xfrm>
-            <a:off x="20022243" y="38678407"/>
-            <a:ext cx="8780767" cy="3631763"/>
-          </a:xfrm>
-          <a:prstGeom prst="rect">
-            <a:avLst/>
-          </a:prstGeom>
-          <a:noFill/>
-          <a:ln>
-            <a:solidFill>
-              <a:srgbClr val="D5D5D5"/>
-            </a:solidFill>
-          </a:ln>
-        </p:spPr>
-        <p:txBody>
-          <a:bodyPr wrap="square">
-            <a:spAutoFit/>
-          </a:bodyPr>
-          <a:lstStyle/>
-          <a:p>
-            <a:r>
-              <a:rPr lang="de-DE" sz="3400" b="1" dirty="0"/>
-              <a:t>References</a:t>
-            </a:r>
-          </a:p>
-          <a:p>
-            <a:pPr marL="457200" indent="-457200">
-              <a:buFont typeface="Arial" panose="020B0604020202020204" pitchFamily="34" charset="0"/>
-              <a:buChar char="•"/>
-            </a:pPr>
-            <a:r>
-              <a:rPr lang="en-US" sz="2800" b="1" dirty="0"/>
-              <a:t> </a:t>
-            </a:r>
-          </a:p>
-          <a:p>
-            <a:pPr marL="457200" indent="-457200">
-              <a:buFont typeface="Arial" panose="020B0604020202020204" pitchFamily="34" charset="0"/>
-              <a:buChar char="•"/>
-            </a:pPr>
-            <a:endParaRPr lang="en-US" sz="2800" b="1" dirty="0"/>
-          </a:p>
-          <a:p>
-            <a:pPr marL="457200" indent="-457200">
-              <a:buFont typeface="Arial" panose="020B0604020202020204" pitchFamily="34" charset="0"/>
-              <a:buChar char="•"/>
-            </a:pPr>
-            <a:endParaRPr lang="en-US" sz="2800" b="1" dirty="0"/>
-          </a:p>
-          <a:p>
-            <a:pPr marL="457200" indent="-457200">
-              <a:buFont typeface="Arial" panose="020B0604020202020204" pitchFamily="34" charset="0"/>
-              <a:buChar char="•"/>
-            </a:pPr>
-            <a:endParaRPr lang="en-US" sz="2800" b="1" dirty="0"/>
-          </a:p>
-          <a:p>
-            <a:pPr marL="457200" indent="-457200">
-              <a:buFont typeface="Arial" panose="020B0604020202020204" pitchFamily="34" charset="0"/>
-              <a:buChar char="•"/>
-            </a:pPr>
-            <a:endParaRPr lang="en-US" sz="2800" b="1" dirty="0"/>
-          </a:p>
-          <a:p>
-            <a:pPr marL="457200" indent="-457200">
-              <a:buFont typeface="Arial" panose="020B0604020202020204" pitchFamily="34" charset="0"/>
-              <a:buChar char="•"/>
-            </a:pPr>
-            <a:endParaRPr lang="en-US" sz="2800" b="1" dirty="0"/>
-          </a:p>
-          <a:p>
-            <a:pPr marL="457200" indent="-457200">
-              <a:buFont typeface="Arial" panose="020B0604020202020204" pitchFamily="34" charset="0"/>
-              <a:buChar char="•"/>
-            </a:pPr>
-            <a:endParaRPr lang="en-US" sz="2800" b="1" dirty="0"/>
-          </a:p>
-        </p:txBody>
-      </p:sp>
-      <p:sp>
-        <p:nvSpPr>
-          <p:cNvPr id="7" name="TextBox 6">
-            <a:extLst>
-              <a:ext uri="{FF2B5EF4-FFF2-40B4-BE49-F238E27FC236}">
-                <a16:creationId xmlns:a16="http://schemas.microsoft.com/office/drawing/2014/main" id="{2E259646-0826-CBCF-F645-E6DB9D95EBD8}"/>
-              </a:ext>
-            </a:extLst>
-          </p:cNvPr>
-          <p:cNvSpPr txBox="1"/>
-          <p:nvPr/>
-        </p:nvSpPr>
-        <p:spPr>
-          <a:xfrm>
-            <a:off x="20022243" y="28905433"/>
-            <a:ext cx="8780767" cy="8802410"/>
-          </a:xfrm>
-          <a:prstGeom prst="rect">
-            <a:avLst/>
-          </a:prstGeom>
-          <a:noFill/>
-          <a:ln>
-            <a:solidFill>
-              <a:srgbClr val="D5D5D5"/>
-            </a:solidFill>
-          </a:ln>
-        </p:spPr>
-        <p:txBody>
-          <a:bodyPr wrap="square">
-            <a:spAutoFit/>
-          </a:bodyPr>
-          <a:lstStyle/>
-          <a:p>
-            <a:r>
-              <a:rPr lang="de-DE" sz="3400" b="1" dirty="0"/>
-              <a:t>Our Achievements </a:t>
-            </a:r>
-          </a:p>
-          <a:p>
-            <a:pPr marL="457200" indent="-457200">
-              <a:buFont typeface="Arial" panose="020B0604020202020204" pitchFamily="34" charset="0"/>
-              <a:buChar char="•"/>
-            </a:pPr>
-            <a:r>
-              <a:rPr lang="de-DE" sz="2800" dirty="0"/>
-              <a:t>We found X proteins that ...</a:t>
-            </a:r>
-          </a:p>
-          <a:p>
-            <a:pPr marL="457200" indent="-457200">
-              <a:buFont typeface="Arial" panose="020B0604020202020204" pitchFamily="34" charset="0"/>
-              <a:buChar char="•"/>
-            </a:pPr>
-            <a:endParaRPr lang="de-DE" sz="2800" dirty="0"/>
-          </a:p>
-          <a:p>
-            <a:pPr marL="457200" indent="-457200">
-              <a:buFont typeface="Arial" panose="020B0604020202020204" pitchFamily="34" charset="0"/>
-              <a:buChar char="•"/>
-            </a:pPr>
-            <a:endParaRPr lang="de-DE" sz="2800" dirty="0"/>
-          </a:p>
-          <a:p>
-            <a:pPr marL="457200" indent="-457200">
-              <a:buFont typeface="Arial" panose="020B0604020202020204" pitchFamily="34" charset="0"/>
-              <a:buChar char="•"/>
-            </a:pPr>
-            <a:endParaRPr lang="de-DE" sz="2800" dirty="0"/>
-          </a:p>
-          <a:p>
-            <a:pPr marL="457200" indent="-457200">
-              <a:buFont typeface="Arial" panose="020B0604020202020204" pitchFamily="34" charset="0"/>
-              <a:buChar char="•"/>
-            </a:pPr>
-            <a:endParaRPr lang="de-DE" sz="2800" dirty="0"/>
-          </a:p>
-          <a:p>
-            <a:pPr marL="457200" indent="-457200">
-              <a:buFont typeface="Arial" panose="020B0604020202020204" pitchFamily="34" charset="0"/>
-              <a:buChar char="•"/>
-            </a:pPr>
-            <a:endParaRPr lang="de-DE" sz="2800" dirty="0"/>
-          </a:p>
-          <a:p>
-            <a:pPr marL="457200" indent="-457200">
-              <a:buFont typeface="Arial" panose="020B0604020202020204" pitchFamily="34" charset="0"/>
-              <a:buChar char="•"/>
-            </a:pPr>
-            <a:endParaRPr lang="de-DE" sz="2800" dirty="0"/>
-          </a:p>
-          <a:p>
-            <a:pPr marL="457200" indent="-457200">
-              <a:buFont typeface="Arial" panose="020B0604020202020204" pitchFamily="34" charset="0"/>
-              <a:buChar char="•"/>
-            </a:pPr>
-            <a:endParaRPr lang="de-DE" sz="2800" dirty="0"/>
-          </a:p>
-          <a:p>
-            <a:pPr marL="457200" indent="-457200">
-              <a:buFont typeface="Arial" panose="020B0604020202020204" pitchFamily="34" charset="0"/>
-              <a:buChar char="•"/>
-            </a:pPr>
-            <a:endParaRPr lang="de-DE" sz="2800" dirty="0"/>
-          </a:p>
-          <a:p>
-            <a:pPr marL="457200" indent="-457200">
-              <a:buFont typeface="Arial" panose="020B0604020202020204" pitchFamily="34" charset="0"/>
-              <a:buChar char="•"/>
-            </a:pPr>
-            <a:endParaRPr lang="de-DE" sz="2800" dirty="0"/>
-          </a:p>
-          <a:p>
-            <a:pPr marL="457200" indent="-457200">
-              <a:buFont typeface="Arial" panose="020B0604020202020204" pitchFamily="34" charset="0"/>
-              <a:buChar char="•"/>
-            </a:pPr>
-            <a:endParaRPr lang="de-DE" sz="2800" dirty="0"/>
-          </a:p>
-          <a:p>
-            <a:pPr marL="457200" indent="-457200">
-              <a:buFont typeface="Arial" panose="020B0604020202020204" pitchFamily="34" charset="0"/>
-              <a:buChar char="•"/>
-            </a:pPr>
-            <a:endParaRPr lang="de-DE" sz="2800" dirty="0"/>
-          </a:p>
-          <a:p>
-            <a:pPr marL="457200" indent="-457200">
-              <a:buFont typeface="Arial" panose="020B0604020202020204" pitchFamily="34" charset="0"/>
-              <a:buChar char="•"/>
-            </a:pPr>
-            <a:endParaRPr lang="de-DE" sz="2800" dirty="0"/>
-          </a:p>
-          <a:p>
-            <a:pPr marL="457200" indent="-457200">
-              <a:buFont typeface="Arial" panose="020B0604020202020204" pitchFamily="34" charset="0"/>
-              <a:buChar char="•"/>
-            </a:pPr>
-            <a:endParaRPr lang="de-DE" sz="2800" dirty="0"/>
-          </a:p>
-          <a:p>
-            <a:pPr marL="457200" indent="-457200">
-              <a:buFont typeface="Arial" panose="020B0604020202020204" pitchFamily="34" charset="0"/>
-              <a:buChar char="•"/>
-            </a:pPr>
-            <a:endParaRPr lang="de-DE" sz="2800" dirty="0"/>
-          </a:p>
-          <a:p>
-            <a:pPr marL="457200" indent="-457200">
-              <a:buFont typeface="Arial" panose="020B0604020202020204" pitchFamily="34" charset="0"/>
-              <a:buChar char="•"/>
-            </a:pPr>
-            <a:endParaRPr lang="de-DE" sz="2800" dirty="0"/>
-          </a:p>
-          <a:p>
-            <a:pPr marL="457200" indent="-457200">
-              <a:buFont typeface="Arial" panose="020B0604020202020204" pitchFamily="34" charset="0"/>
-              <a:buChar char="•"/>
-            </a:pPr>
-            <a:endParaRPr lang="de-DE" sz="2800" dirty="0"/>
-          </a:p>
-          <a:p>
-            <a:pPr marL="457200" indent="-457200">
-              <a:buFont typeface="Arial" panose="020B0604020202020204" pitchFamily="34" charset="0"/>
-              <a:buChar char="•"/>
-            </a:pPr>
-            <a:endParaRPr lang="de-DE" sz="2800" dirty="0"/>
-          </a:p>
-          <a:p>
-            <a:endParaRPr lang="en-US" sz="2800" b="1" dirty="0"/>
-          </a:p>
-        </p:txBody>
-      </p:sp>
-    </p:spTree>
-    <p:extLst>
-      <p:ext uri="{BB962C8B-B14F-4D97-AF65-F5344CB8AC3E}">
-        <p14:creationId xmlns:p14="http://schemas.microsoft.com/office/powerpoint/2010/main" val="3929491743"/>
       </p:ext>
     </p:extLst>
   </p:cSld>

--- a/Posterideen.pptx
+++ b/Posterideen.pptx
@@ -5,20 +5,21 @@
     <p:sldMasterId id="2147483684" r:id="rId1"/>
   </p:sldMasterIdLst>
   <p:notesMasterIdLst>
-    <p:notesMasterId r:id="rId13"/>
+    <p:notesMasterId r:id="rId14"/>
   </p:notesMasterIdLst>
   <p:sldIdLst>
     <p:sldId id="257" r:id="rId2"/>
     <p:sldId id="276" r:id="rId3"/>
     <p:sldId id="275" r:id="rId4"/>
     <p:sldId id="274" r:id="rId5"/>
-    <p:sldId id="270" r:id="rId6"/>
-    <p:sldId id="272" r:id="rId7"/>
-    <p:sldId id="271" r:id="rId8"/>
-    <p:sldId id="263" r:id="rId9"/>
-    <p:sldId id="262" r:id="rId10"/>
-    <p:sldId id="260" r:id="rId11"/>
-    <p:sldId id="258" r:id="rId12"/>
+    <p:sldId id="277" r:id="rId6"/>
+    <p:sldId id="270" r:id="rId7"/>
+    <p:sldId id="272" r:id="rId8"/>
+    <p:sldId id="271" r:id="rId9"/>
+    <p:sldId id="263" r:id="rId10"/>
+    <p:sldId id="262" r:id="rId11"/>
+    <p:sldId id="260" r:id="rId12"/>
+    <p:sldId id="258" r:id="rId13"/>
   </p:sldIdLst>
   <p:sldSz cx="30275213" cy="42803763"/>
   <p:notesSz cx="6858000" cy="9144000"/>
@@ -4180,7 +4181,7 @@
         <p:cNvPr id="1" name="">
           <a:extLst>
             <a:ext uri="{FF2B5EF4-FFF2-40B4-BE49-F238E27FC236}">
-              <a16:creationId xmlns:a16="http://schemas.microsoft.com/office/drawing/2014/main" id="{EDD1FACE-BD14-A6BC-5DFF-DBB56ED83F7D}"/>
+              <a16:creationId xmlns:a16="http://schemas.microsoft.com/office/drawing/2014/main" id="{513BFE7F-0E7B-E710-C823-7E99A3D507DC}"/>
             </a:ext>
           </a:extLst>
         </p:cNvPr>
@@ -4200,7 +4201,7 @@
           <p:cNvPr id="9" name="Picture 8">
             <a:extLst>
               <a:ext uri="{FF2B5EF4-FFF2-40B4-BE49-F238E27FC236}">
-                <a16:creationId xmlns:a16="http://schemas.microsoft.com/office/drawing/2014/main" id="{6F7DD403-B70A-F5C2-3609-3BB7AF16A2A8}"/>
+                <a16:creationId xmlns:a16="http://schemas.microsoft.com/office/drawing/2014/main" id="{27175357-617B-F7FB-6E04-8138D148B9D1}"/>
               </a:ext>
             </a:extLst>
           </p:cNvPr>
@@ -4230,7 +4231,7 @@
           <p:cNvPr id="11" name="Picture 10">
             <a:extLst>
               <a:ext uri="{FF2B5EF4-FFF2-40B4-BE49-F238E27FC236}">
-                <a16:creationId xmlns:a16="http://schemas.microsoft.com/office/drawing/2014/main" id="{5814D88D-4756-F6B3-8A87-61E0E90105FB}"/>
+                <a16:creationId xmlns:a16="http://schemas.microsoft.com/office/drawing/2014/main" id="{5447D4E8-6D98-A608-D4A1-D10D8308C658}"/>
               </a:ext>
             </a:extLst>
           </p:cNvPr>
@@ -4260,7 +4261,7 @@
           <p:cNvPr id="4" name="Titel 1">
             <a:extLst>
               <a:ext uri="{FF2B5EF4-FFF2-40B4-BE49-F238E27FC236}">
-                <a16:creationId xmlns:a16="http://schemas.microsoft.com/office/drawing/2014/main" id="{1D99515C-09A3-D081-0F16-3B4603AAFF17}"/>
+                <a16:creationId xmlns:a16="http://schemas.microsoft.com/office/drawing/2014/main" id="{5182FA33-332F-9DEF-3B43-D6CFE0F0B487}"/>
               </a:ext>
             </a:extLst>
           </p:cNvPr>
@@ -4293,51 +4294,10 @@
       </p:sp>
       <p:sp>
         <p:nvSpPr>
-          <p:cNvPr id="2" name="Untertitel 2">
-            <a:extLst>
-              <a:ext uri="{FF2B5EF4-FFF2-40B4-BE49-F238E27FC236}">
-                <a16:creationId xmlns:a16="http://schemas.microsoft.com/office/drawing/2014/main" id="{93D884B7-4287-4014-CA37-FACB7804637B}"/>
-              </a:ext>
-            </a:extLst>
-          </p:cNvPr>
-          <p:cNvSpPr>
-            <a:spLocks noGrp="1"/>
-          </p:cNvSpPr>
-          <p:nvPr>
-            <p:ph type="subTitle" idx="1"/>
-          </p:nvPr>
-        </p:nvSpPr>
-        <p:spPr>
-          <a:xfrm>
-            <a:off x="800100" y="5675366"/>
-            <a:ext cx="28612006" cy="36424266"/>
-          </a:xfrm>
-          <a:noFill/>
-          <a:ln>
-            <a:solidFill>
-              <a:schemeClr val="tx1"/>
-            </a:solidFill>
-          </a:ln>
-        </p:spPr>
-        <p:txBody>
-          <a:bodyPr>
-            <a:normAutofit/>
-          </a:bodyPr>
-          <a:lstStyle/>
-          <a:p>
-            <a:r>
-              <a:rPr lang="de-DE" sz="100" dirty="0"/>
-              <a:t>.</a:t>
-            </a:r>
-          </a:p>
-        </p:txBody>
-      </p:sp>
-      <p:sp>
-        <p:nvSpPr>
           <p:cNvPr id="26" name="Titel 1">
             <a:extLst>
               <a:ext uri="{FF2B5EF4-FFF2-40B4-BE49-F238E27FC236}">
-                <a16:creationId xmlns:a16="http://schemas.microsoft.com/office/drawing/2014/main" id="{042A9CAA-36C6-F63E-6832-733621510C4C}"/>
+                <a16:creationId xmlns:a16="http://schemas.microsoft.com/office/drawing/2014/main" id="{401F74FC-BC80-1087-9AD6-F0A68E308053}"/>
               </a:ext>
             </a:extLst>
           </p:cNvPr>
@@ -4413,6 +4373,1203 @@
           </a:p>
         </p:txBody>
       </p:sp>
+      <p:sp>
+        <p:nvSpPr>
+          <p:cNvPr id="20" name="TextBox 19">
+            <a:extLst>
+              <a:ext uri="{FF2B5EF4-FFF2-40B4-BE49-F238E27FC236}">
+                <a16:creationId xmlns:a16="http://schemas.microsoft.com/office/drawing/2014/main" id="{9E63F4EF-6E2A-92FF-8F86-E31B8DA09B14}"/>
+              </a:ext>
+            </a:extLst>
+          </p:cNvPr>
+          <p:cNvSpPr txBox="1"/>
+          <p:nvPr/>
+        </p:nvSpPr>
+        <p:spPr>
+          <a:xfrm>
+            <a:off x="1105371" y="6035818"/>
+            <a:ext cx="27697639" cy="7925246"/>
+          </a:xfrm>
+          <a:prstGeom prst="rect">
+            <a:avLst/>
+          </a:prstGeom>
+          <a:noFill/>
+          <a:ln>
+            <a:solidFill>
+              <a:srgbClr val="D5D5D5"/>
+            </a:solidFill>
+          </a:ln>
+        </p:spPr>
+        <p:txBody>
+          <a:bodyPr wrap="square">
+            <a:spAutoFit/>
+          </a:bodyPr>
+          <a:lstStyle/>
+          <a:p>
+            <a:r>
+              <a:rPr lang="en-US" sz="4000" b="1" dirty="0"/>
+              <a:t>Identifying RNA-Dependent Proteins from Proteomic Data</a:t>
+            </a:r>
+          </a:p>
+          <a:p>
+            <a:r>
+              <a:rPr lang="en-US" sz="500" b="1" dirty="0"/>
+              <a:t> </a:t>
+            </a:r>
+            <a:r>
+              <a:rPr lang="en-US" sz="200" b="1" dirty="0"/>
+              <a:t> </a:t>
+            </a:r>
+            <a:endParaRPr lang="en-US" sz="500" dirty="0"/>
+          </a:p>
+          <a:p>
+            <a:pPr marL="457200" indent="-457200">
+              <a:buFont typeface="Arial" panose="020B0604020202020204" pitchFamily="34" charset="0"/>
+              <a:buChar char="•"/>
+            </a:pPr>
+            <a:r>
+              <a:rPr lang="de-DE" sz="2800" dirty="0"/>
+              <a:t>„We want to </a:t>
+            </a:r>
+            <a:r>
+              <a:rPr lang="en-US" sz="2800" dirty="0"/>
+              <a:t>extract RNA-dependent proteins from proteomic screens”</a:t>
+            </a:r>
+            <a:endParaRPr lang="de-DE" sz="2800" dirty="0"/>
+          </a:p>
+          <a:p>
+            <a:pPr marL="457200" indent="-457200">
+              <a:buFont typeface="Arial" panose="020B0604020202020204" pitchFamily="34" charset="0"/>
+              <a:buChar char="•"/>
+            </a:pPr>
+            <a:r>
+              <a:rPr lang="de-DE" sz="2800" dirty="0"/>
+              <a:t>„RNA-dependency = the proteins interactome depends on RNA“</a:t>
+            </a:r>
+          </a:p>
+          <a:p>
+            <a:endParaRPr lang="en-US" sz="3200" b="1" dirty="0"/>
+          </a:p>
+          <a:p>
+            <a:r>
+              <a:rPr lang="en-US" sz="3200" b="1" dirty="0"/>
+              <a:t>What Makes RNA-Dependent Proteins Worth Investigating?</a:t>
+            </a:r>
+          </a:p>
+          <a:p>
+            <a:pPr marL="457200" indent="-457200">
+              <a:buFont typeface="Arial" panose="020B0604020202020204" pitchFamily="34" charset="0"/>
+              <a:buChar char="•"/>
+            </a:pPr>
+            <a:r>
+              <a:rPr lang="de-DE" sz="2800" b="1" dirty="0"/>
+              <a:t>Key Regulators:</a:t>
+            </a:r>
+            <a:r>
+              <a:rPr lang="de-DE" sz="2800" dirty="0"/>
+              <a:t> RBPs control RNA metabolism &amp; gene expression.</a:t>
+            </a:r>
+          </a:p>
+          <a:p>
+            <a:pPr marL="457200" indent="-457200">
+              <a:buFont typeface="Arial" panose="020B0604020202020204" pitchFamily="34" charset="0"/>
+              <a:buChar char="•"/>
+            </a:pPr>
+            <a:r>
+              <a:rPr lang="de-DE" sz="2800" b="1" dirty="0"/>
+              <a:t>Disease Links:</a:t>
+            </a:r>
+            <a:r>
+              <a:rPr lang="de-DE" sz="2800" dirty="0"/>
+              <a:t> Misregulation is tied to cancer &amp; neurodegeneration.</a:t>
+            </a:r>
+          </a:p>
+          <a:p>
+            <a:pPr marL="457200" indent="-457200">
+              <a:buFont typeface="Arial" panose="020B0604020202020204" pitchFamily="34" charset="0"/>
+              <a:buChar char="•"/>
+            </a:pPr>
+            <a:r>
+              <a:rPr lang="de-DE" sz="2800" b="1" dirty="0"/>
+              <a:t>Functional Clues:</a:t>
+            </a:r>
+            <a:r>
+              <a:rPr lang="de-DE" sz="2800" dirty="0"/>
+              <a:t> New RBPs hint at RNA’s role in specific pathways.</a:t>
+            </a:r>
+          </a:p>
+          <a:p>
+            <a:pPr marL="457200" indent="-457200">
+              <a:buFont typeface="Arial" panose="020B0604020202020204" pitchFamily="34" charset="0"/>
+              <a:buChar char="•"/>
+            </a:pPr>
+            <a:r>
+              <a:rPr lang="de-DE" sz="2800" b="1" dirty="0"/>
+              <a:t>Interaction Networks:</a:t>
+            </a:r>
+            <a:r>
+              <a:rPr lang="de-DE" sz="2800" dirty="0"/>
+              <a:t> Mapping RNA-protein complexes reveals regulatory logic. </a:t>
+            </a:r>
+          </a:p>
+          <a:p>
+            <a:pPr marL="457200" indent="-457200">
+              <a:buFont typeface="Arial" panose="020B0604020202020204" pitchFamily="34" charset="0"/>
+              <a:buChar char="•"/>
+            </a:pPr>
+            <a:r>
+              <a:rPr lang="de-DE" sz="2800" b="1" dirty="0"/>
+              <a:t>Molecular Insights:</a:t>
+            </a:r>
+            <a:r>
+              <a:rPr lang="de-DE" sz="2800" dirty="0"/>
+              <a:t> Deepens our understanding of cell cycle and cellular behavior.</a:t>
+            </a:r>
+          </a:p>
+          <a:p>
+            <a:pPr marL="457200" indent="-457200">
+              <a:buFont typeface="Arial" panose="020B0604020202020204" pitchFamily="34" charset="0"/>
+              <a:buChar char="•"/>
+            </a:pPr>
+            <a:endParaRPr lang="de-DE" sz="3200" dirty="0"/>
+          </a:p>
+          <a:p>
+            <a:r>
+              <a:rPr lang="en-US" sz="3200" b="1" dirty="0"/>
+              <a:t>Key Characteristics of Our Dataset</a:t>
+            </a:r>
+            <a:endParaRPr lang="de-DE" sz="2400" b="1" dirty="0"/>
+          </a:p>
+          <a:p>
+            <a:pPr marL="457200" indent="-457200">
+              <a:buFont typeface="Arial" panose="020B0604020202020204" pitchFamily="34" charset="0"/>
+              <a:buChar char="•"/>
+            </a:pPr>
+            <a:r>
+              <a:rPr lang="en-US" sz="2800" dirty="0"/>
+              <a:t>Our dataset was generated using the R-Deep approach</a:t>
+            </a:r>
+          </a:p>
+          <a:p>
+            <a:pPr marL="457200" indent="-457200">
+              <a:buFont typeface="Arial" panose="020B0604020202020204" pitchFamily="34" charset="0"/>
+              <a:buChar char="•"/>
+            </a:pPr>
+            <a:r>
+              <a:rPr lang="de-DE" sz="2800" dirty="0"/>
+              <a:t>~5000 Proteine in 25 Fraktionen, Rnase vs. CTRL</a:t>
+            </a:r>
+            <a:endParaRPr lang="en-US" sz="2800" dirty="0"/>
+          </a:p>
+          <a:p>
+            <a:pPr marL="457200" indent="-457200">
+              <a:buFont typeface="Arial" panose="020B0604020202020204" pitchFamily="34" charset="0"/>
+              <a:buChar char="•"/>
+            </a:pPr>
+            <a:r>
+              <a:rPr lang="en-US" sz="2800" dirty="0"/>
+              <a:t>Dimensions</a:t>
+            </a:r>
+          </a:p>
+          <a:p>
+            <a:endParaRPr lang="en-US" sz="2800" b="1" dirty="0"/>
+          </a:p>
+          <a:p>
+            <a:endParaRPr lang="en-US" sz="2800" b="1" dirty="0"/>
+          </a:p>
+        </p:txBody>
+      </p:sp>
+      <p:sp>
+        <p:nvSpPr>
+          <p:cNvPr id="3" name="TextBox 2">
+            <a:extLst>
+              <a:ext uri="{FF2B5EF4-FFF2-40B4-BE49-F238E27FC236}">
+                <a16:creationId xmlns:a16="http://schemas.microsoft.com/office/drawing/2014/main" id="{D187C595-D787-B69C-9599-02920619ECC7}"/>
+              </a:ext>
+            </a:extLst>
+          </p:cNvPr>
+          <p:cNvSpPr txBox="1"/>
+          <p:nvPr/>
+        </p:nvSpPr>
+        <p:spPr>
+          <a:xfrm>
+            <a:off x="1105371" y="14356324"/>
+            <a:ext cx="27697639" cy="13819168"/>
+          </a:xfrm>
+          <a:prstGeom prst="rect">
+            <a:avLst/>
+          </a:prstGeom>
+          <a:noFill/>
+          <a:ln>
+            <a:solidFill>
+              <a:srgbClr val="D5D5D5"/>
+            </a:solidFill>
+          </a:ln>
+        </p:spPr>
+        <p:txBody>
+          <a:bodyPr wrap="square">
+            <a:spAutoFit/>
+          </a:bodyPr>
+          <a:lstStyle/>
+          <a:p>
+            <a:r>
+              <a:rPr lang="en-US" sz="3400" b="1" dirty="0"/>
+              <a:t>Data preparation</a:t>
+            </a:r>
+          </a:p>
+          <a:p>
+            <a:pPr marL="457200" indent="-457200">
+              <a:buFont typeface="Arial" panose="020B0604020202020204" pitchFamily="34" charset="0"/>
+              <a:buChar char="•"/>
+            </a:pPr>
+            <a:r>
+              <a:rPr lang="en-US" sz="2800" dirty="0"/>
+              <a:t>Data cleanup</a:t>
+            </a:r>
+          </a:p>
+          <a:p>
+            <a:pPr marL="457200" indent="-457200">
+              <a:buFont typeface="Arial" panose="020B0604020202020204" pitchFamily="34" charset="0"/>
+              <a:buChar char="•"/>
+            </a:pPr>
+            <a:r>
+              <a:rPr lang="en-US" sz="2800" dirty="0"/>
+              <a:t>“Rearrange and reorder the columns to their treatment, replicate and fraction”</a:t>
+            </a:r>
+          </a:p>
+          <a:p>
+            <a:pPr marL="457200" indent="-457200">
+              <a:buFont typeface="Arial" panose="020B0604020202020204" pitchFamily="34" charset="0"/>
+              <a:buChar char="•"/>
+            </a:pPr>
+            <a:r>
+              <a:rPr lang="en-US" sz="2800" dirty="0"/>
+              <a:t>Normalization</a:t>
+            </a:r>
+          </a:p>
+          <a:p>
+            <a:endParaRPr lang="en-US" sz="3400" b="1" dirty="0"/>
+          </a:p>
+          <a:p>
+            <a:r>
+              <a:rPr lang="de-DE" sz="3400" b="1" dirty="0"/>
+              <a:t>Data exploration</a:t>
+            </a:r>
+            <a:endParaRPr lang="de-DE" sz="3400" dirty="0"/>
+          </a:p>
+          <a:p>
+            <a:pPr marL="457200" indent="-457200">
+              <a:buFont typeface="Arial" panose="020B0604020202020204" pitchFamily="34" charset="0"/>
+              <a:buChar char="•"/>
+            </a:pPr>
+            <a:r>
+              <a:rPr lang="en-US" sz="2800" dirty="0"/>
+              <a:t> Identification of maxima and shoulders</a:t>
+            </a:r>
+          </a:p>
+          <a:p>
+            <a:pPr marL="457200" indent="-457200">
+              <a:buFont typeface="Arial" panose="020B0604020202020204" pitchFamily="34" charset="0"/>
+              <a:buChar char="•"/>
+            </a:pPr>
+            <a:r>
+              <a:rPr lang="en-US" sz="2800" dirty="0"/>
+              <a:t> </a:t>
+            </a:r>
+            <a:r>
+              <a:rPr lang="de-DE" sz="2800" dirty="0"/>
+              <a:t>Selection criteria</a:t>
+            </a:r>
+            <a:r>
+              <a:rPr lang="en-US" sz="2800" dirty="0"/>
+              <a:t> &amp; Wilcoxon Test </a:t>
+            </a:r>
+          </a:p>
+          <a:p>
+            <a:pPr marL="457200" indent="-457200">
+              <a:buFont typeface="Arial" panose="020B0604020202020204" pitchFamily="34" charset="0"/>
+              <a:buChar char="•"/>
+            </a:pPr>
+            <a:r>
+              <a:rPr lang="en-US" sz="2800" dirty="0"/>
+              <a:t>Visualization for the </a:t>
+            </a:r>
+            <a:r>
+              <a:rPr lang="de-DE" sz="2800" dirty="0"/>
+              <a:t>order of selection criteria</a:t>
+            </a:r>
+            <a:endParaRPr lang="en-US" sz="2800" dirty="0"/>
+          </a:p>
+          <a:p>
+            <a:pPr marL="457200" indent="-457200">
+              <a:buFont typeface="Arial" panose="020B0604020202020204" pitchFamily="34" charset="0"/>
+              <a:buChar char="•"/>
+            </a:pPr>
+            <a:r>
+              <a:rPr lang="en-US" sz="2800" dirty="0"/>
+              <a:t>Pie charts for selection results</a:t>
+            </a:r>
+          </a:p>
+          <a:p>
+            <a:endParaRPr lang="en-US" sz="3400" b="1" dirty="0"/>
+          </a:p>
+          <a:p>
+            <a:r>
+              <a:rPr lang="de-DE" sz="3400" b="1" dirty="0"/>
+              <a:t>Data reduction</a:t>
+            </a:r>
+          </a:p>
+          <a:p>
+            <a:pPr marL="457200" indent="-457200">
+              <a:buFont typeface="Arial" panose="020B0604020202020204" pitchFamily="34" charset="0"/>
+              <a:buChar char="•"/>
+            </a:pPr>
+            <a:r>
+              <a:rPr lang="de-DE" sz="2800" dirty="0"/>
+              <a:t>PCR </a:t>
+            </a:r>
+            <a:endParaRPr lang="en-US" sz="2800" dirty="0"/>
+          </a:p>
+          <a:p>
+            <a:pPr marL="457200" indent="-457200">
+              <a:buFont typeface="Arial" panose="020B0604020202020204" pitchFamily="34" charset="0"/>
+              <a:buChar char="•"/>
+            </a:pPr>
+            <a:r>
+              <a:rPr lang="en-US" sz="2800" dirty="0"/>
+              <a:t> k-means clustering</a:t>
+            </a:r>
+          </a:p>
+          <a:p>
+            <a:pPr marL="457200" indent="-457200">
+              <a:buFont typeface="Arial" panose="020B0604020202020204" pitchFamily="34" charset="0"/>
+              <a:buChar char="•"/>
+            </a:pPr>
+            <a:endParaRPr lang="en-US" sz="3400" dirty="0"/>
+          </a:p>
+          <a:p>
+            <a:r>
+              <a:rPr lang="de-DE" sz="3400" b="1" dirty="0"/>
+              <a:t>Data modelling</a:t>
+            </a:r>
+          </a:p>
+          <a:p>
+            <a:pPr marL="457200" indent="-457200">
+              <a:buFont typeface="Arial" panose="020B0604020202020204" pitchFamily="34" charset="0"/>
+              <a:buChar char="•"/>
+            </a:pPr>
+            <a:r>
+              <a:rPr lang="en-US" sz="2800" dirty="0"/>
+              <a:t> Linear Regression </a:t>
+            </a:r>
+          </a:p>
+          <a:p>
+            <a:endParaRPr lang="en-US" sz="3400" b="1" dirty="0"/>
+          </a:p>
+          <a:p>
+            <a:endParaRPr lang="en-US" sz="3400" b="1" dirty="0"/>
+          </a:p>
+          <a:p>
+            <a:endParaRPr lang="en-US" sz="3400" b="1" dirty="0"/>
+          </a:p>
+          <a:p>
+            <a:endParaRPr lang="en-US" sz="3400" b="1" dirty="0"/>
+          </a:p>
+          <a:p>
+            <a:endParaRPr lang="en-US" sz="3400" b="1" dirty="0"/>
+          </a:p>
+          <a:p>
+            <a:endParaRPr lang="en-US" sz="3400" b="1" dirty="0"/>
+          </a:p>
+          <a:p>
+            <a:endParaRPr lang="en-US" sz="3400" b="1" dirty="0"/>
+          </a:p>
+          <a:p>
+            <a:endParaRPr lang="en-US" sz="3400" b="1" dirty="0"/>
+          </a:p>
+          <a:p>
+            <a:endParaRPr lang="en-US" sz="3400" b="1" dirty="0"/>
+          </a:p>
+          <a:p>
+            <a:endParaRPr lang="en-US" sz="3400" b="1" dirty="0"/>
+          </a:p>
+          <a:p>
+            <a:endParaRPr lang="en-US" sz="3400" b="1" dirty="0"/>
+          </a:p>
+        </p:txBody>
+      </p:sp>
+      <p:sp>
+        <p:nvSpPr>
+          <p:cNvPr id="5" name="TextBox 4">
+            <a:extLst>
+              <a:ext uri="{FF2B5EF4-FFF2-40B4-BE49-F238E27FC236}">
+                <a16:creationId xmlns:a16="http://schemas.microsoft.com/office/drawing/2014/main" id="{C3869B88-1347-235D-0D4E-91A2239B13D0}"/>
+              </a:ext>
+            </a:extLst>
+          </p:cNvPr>
+          <p:cNvSpPr txBox="1"/>
+          <p:nvPr/>
+        </p:nvSpPr>
+        <p:spPr>
+          <a:xfrm>
+            <a:off x="1105371" y="28905434"/>
+            <a:ext cx="18020829" cy="13542169"/>
+          </a:xfrm>
+          <a:prstGeom prst="rect">
+            <a:avLst/>
+          </a:prstGeom>
+          <a:noFill/>
+          <a:ln>
+            <a:solidFill>
+              <a:srgbClr val="D5D5D5"/>
+            </a:solidFill>
+          </a:ln>
+        </p:spPr>
+        <p:txBody>
+          <a:bodyPr wrap="square">
+            <a:spAutoFit/>
+          </a:bodyPr>
+          <a:lstStyle/>
+          <a:p>
+            <a:r>
+              <a:rPr lang="en-US" sz="3400" b="1" dirty="0"/>
+              <a:t>Discussion</a:t>
+            </a:r>
+            <a:endParaRPr lang="en-US" sz="3400" dirty="0"/>
+          </a:p>
+          <a:p>
+            <a:pPr marL="457200" indent="-457200">
+              <a:buFont typeface="Arial" panose="020B0604020202020204" pitchFamily="34" charset="0"/>
+              <a:buChar char="•"/>
+            </a:pPr>
+            <a:r>
+              <a:rPr lang="en-US" sz="2800" dirty="0"/>
+              <a:t>Critical review of our own results and methods (e.g., Selection criteria made us delete some RBPs. Why? What were their properties?)</a:t>
+            </a:r>
+          </a:p>
+          <a:p>
+            <a:pPr marL="457200" indent="-457200">
+              <a:buFont typeface="Arial" panose="020B0604020202020204" pitchFamily="34" charset="0"/>
+              <a:buChar char="•"/>
+            </a:pPr>
+            <a:r>
+              <a:rPr lang="en-US" sz="2800" dirty="0"/>
+              <a:t>Why do we find fewer proteins than </a:t>
+            </a:r>
+            <a:r>
+              <a:rPr lang="en-US" sz="2800" dirty="0" err="1"/>
+              <a:t>Maïwen</a:t>
+            </a:r>
+            <a:r>
+              <a:rPr lang="en-US" sz="2800" dirty="0"/>
+              <a:t>? </a:t>
+            </a:r>
+          </a:p>
+          <a:p>
+            <a:pPr marL="457200" indent="-457200">
+              <a:buFont typeface="Arial" panose="020B0604020202020204" pitchFamily="34" charset="0"/>
+              <a:buChar char="•"/>
+            </a:pPr>
+            <a:endParaRPr lang="en-US" sz="2800" dirty="0"/>
+          </a:p>
+          <a:p>
+            <a:pPr marL="457200" indent="-457200">
+              <a:buFont typeface="Arial" panose="020B0604020202020204" pitchFamily="34" charset="0"/>
+              <a:buChar char="•"/>
+            </a:pPr>
+            <a:endParaRPr lang="en-US" sz="2800" dirty="0"/>
+          </a:p>
+          <a:p>
+            <a:pPr marL="457200" indent="-457200">
+              <a:buFont typeface="Arial" panose="020B0604020202020204" pitchFamily="34" charset="0"/>
+              <a:buChar char="•"/>
+            </a:pPr>
+            <a:endParaRPr lang="en-US" sz="2800" dirty="0"/>
+          </a:p>
+          <a:p>
+            <a:pPr marL="457200" indent="-457200">
+              <a:buFont typeface="Arial" panose="020B0604020202020204" pitchFamily="34" charset="0"/>
+              <a:buChar char="•"/>
+            </a:pPr>
+            <a:endParaRPr lang="en-US" sz="2800" dirty="0"/>
+          </a:p>
+          <a:p>
+            <a:pPr marL="457200" indent="-457200">
+              <a:buFont typeface="Arial" panose="020B0604020202020204" pitchFamily="34" charset="0"/>
+              <a:buChar char="•"/>
+            </a:pPr>
+            <a:endParaRPr lang="en-US" sz="2800" dirty="0"/>
+          </a:p>
+          <a:p>
+            <a:pPr marL="457200" indent="-457200">
+              <a:buFont typeface="Arial" panose="020B0604020202020204" pitchFamily="34" charset="0"/>
+              <a:buChar char="•"/>
+            </a:pPr>
+            <a:endParaRPr lang="en-US" sz="2800" dirty="0"/>
+          </a:p>
+          <a:p>
+            <a:pPr marL="457200" indent="-457200">
+              <a:buFont typeface="Arial" panose="020B0604020202020204" pitchFamily="34" charset="0"/>
+              <a:buChar char="•"/>
+            </a:pPr>
+            <a:endParaRPr lang="en-US" sz="2800" dirty="0"/>
+          </a:p>
+          <a:p>
+            <a:pPr marL="457200" indent="-457200">
+              <a:buFont typeface="Arial" panose="020B0604020202020204" pitchFamily="34" charset="0"/>
+              <a:buChar char="•"/>
+            </a:pPr>
+            <a:endParaRPr lang="en-US" sz="2800" dirty="0"/>
+          </a:p>
+          <a:p>
+            <a:pPr marL="457200" indent="-457200">
+              <a:buFont typeface="Arial" panose="020B0604020202020204" pitchFamily="34" charset="0"/>
+              <a:buChar char="•"/>
+            </a:pPr>
+            <a:endParaRPr lang="en-US" sz="2800" dirty="0"/>
+          </a:p>
+          <a:p>
+            <a:pPr marL="457200" indent="-457200">
+              <a:buFont typeface="Arial" panose="020B0604020202020204" pitchFamily="34" charset="0"/>
+              <a:buChar char="•"/>
+            </a:pPr>
+            <a:endParaRPr lang="en-US" sz="2800" dirty="0"/>
+          </a:p>
+          <a:p>
+            <a:pPr marL="457200" indent="-457200">
+              <a:buFont typeface="Arial" panose="020B0604020202020204" pitchFamily="34" charset="0"/>
+              <a:buChar char="•"/>
+            </a:pPr>
+            <a:endParaRPr lang="en-US" sz="2800" dirty="0"/>
+          </a:p>
+          <a:p>
+            <a:pPr marL="457200" indent="-457200">
+              <a:buFont typeface="Arial" panose="020B0604020202020204" pitchFamily="34" charset="0"/>
+              <a:buChar char="•"/>
+            </a:pPr>
+            <a:endParaRPr lang="en-US" sz="2800" dirty="0"/>
+          </a:p>
+          <a:p>
+            <a:pPr marL="457200" indent="-457200">
+              <a:buFont typeface="Arial" panose="020B0604020202020204" pitchFamily="34" charset="0"/>
+              <a:buChar char="•"/>
+            </a:pPr>
+            <a:endParaRPr lang="en-US" sz="2800" dirty="0"/>
+          </a:p>
+          <a:p>
+            <a:pPr marL="457200" indent="-457200">
+              <a:buFont typeface="Arial" panose="020B0604020202020204" pitchFamily="34" charset="0"/>
+              <a:buChar char="•"/>
+            </a:pPr>
+            <a:endParaRPr lang="en-US" sz="2800" dirty="0"/>
+          </a:p>
+          <a:p>
+            <a:pPr marL="457200" indent="-457200">
+              <a:buFont typeface="Arial" panose="020B0604020202020204" pitchFamily="34" charset="0"/>
+              <a:buChar char="•"/>
+            </a:pPr>
+            <a:endParaRPr lang="en-US" sz="2800" dirty="0"/>
+          </a:p>
+          <a:p>
+            <a:pPr marL="457200" indent="-457200">
+              <a:buFont typeface="Arial" panose="020B0604020202020204" pitchFamily="34" charset="0"/>
+              <a:buChar char="•"/>
+            </a:pPr>
+            <a:endParaRPr lang="en-US" sz="2800" dirty="0"/>
+          </a:p>
+          <a:p>
+            <a:pPr marL="457200" indent="-457200">
+              <a:buFont typeface="Arial" panose="020B0604020202020204" pitchFamily="34" charset="0"/>
+              <a:buChar char="•"/>
+            </a:pPr>
+            <a:endParaRPr lang="en-US" sz="2800" dirty="0"/>
+          </a:p>
+          <a:p>
+            <a:pPr marL="457200" indent="-457200">
+              <a:buFont typeface="Arial" panose="020B0604020202020204" pitchFamily="34" charset="0"/>
+              <a:buChar char="•"/>
+            </a:pPr>
+            <a:endParaRPr lang="en-US" sz="2800" dirty="0"/>
+          </a:p>
+          <a:p>
+            <a:pPr marL="457200" indent="-457200">
+              <a:buFont typeface="Arial" panose="020B0604020202020204" pitchFamily="34" charset="0"/>
+              <a:buChar char="•"/>
+            </a:pPr>
+            <a:endParaRPr lang="en-US" sz="2800" dirty="0"/>
+          </a:p>
+          <a:p>
+            <a:pPr marL="457200" indent="-457200">
+              <a:buFont typeface="Arial" panose="020B0604020202020204" pitchFamily="34" charset="0"/>
+              <a:buChar char="•"/>
+            </a:pPr>
+            <a:endParaRPr lang="en-US" sz="2800" dirty="0"/>
+          </a:p>
+          <a:p>
+            <a:pPr marL="457200" indent="-457200">
+              <a:buFont typeface="Arial" panose="020B0604020202020204" pitchFamily="34" charset="0"/>
+              <a:buChar char="•"/>
+            </a:pPr>
+            <a:endParaRPr lang="en-US" sz="2800" dirty="0"/>
+          </a:p>
+          <a:p>
+            <a:pPr marL="457200" indent="-457200">
+              <a:buFont typeface="Arial" panose="020B0604020202020204" pitchFamily="34" charset="0"/>
+              <a:buChar char="•"/>
+            </a:pPr>
+            <a:endParaRPr lang="en-US" sz="2800" dirty="0"/>
+          </a:p>
+          <a:p>
+            <a:pPr marL="457200" indent="-457200">
+              <a:buFont typeface="Arial" panose="020B0604020202020204" pitchFamily="34" charset="0"/>
+              <a:buChar char="•"/>
+            </a:pPr>
+            <a:endParaRPr lang="en-US" sz="2800" dirty="0"/>
+          </a:p>
+          <a:p>
+            <a:pPr marL="457200" indent="-457200">
+              <a:buFont typeface="Arial" panose="020B0604020202020204" pitchFamily="34" charset="0"/>
+              <a:buChar char="•"/>
+            </a:pPr>
+            <a:endParaRPr lang="en-US" sz="2800" dirty="0"/>
+          </a:p>
+          <a:p>
+            <a:pPr marL="457200" indent="-457200">
+              <a:buFont typeface="Arial" panose="020B0604020202020204" pitchFamily="34" charset="0"/>
+              <a:buChar char="•"/>
+            </a:pPr>
+            <a:endParaRPr lang="en-US" sz="2800" dirty="0"/>
+          </a:p>
+          <a:p>
+            <a:pPr marL="457200" indent="-457200">
+              <a:buFont typeface="Arial" panose="020B0604020202020204" pitchFamily="34" charset="0"/>
+              <a:buChar char="•"/>
+            </a:pPr>
+            <a:endParaRPr lang="en-US" sz="2800" dirty="0"/>
+          </a:p>
+          <a:p>
+            <a:endParaRPr lang="en-US" sz="2800" b="1" dirty="0"/>
+          </a:p>
+        </p:txBody>
+      </p:sp>
+      <p:sp>
+        <p:nvSpPr>
+          <p:cNvPr id="6" name="TextBox 5">
+            <a:extLst>
+              <a:ext uri="{FF2B5EF4-FFF2-40B4-BE49-F238E27FC236}">
+                <a16:creationId xmlns:a16="http://schemas.microsoft.com/office/drawing/2014/main" id="{C647DCDC-CAF3-A237-DE4E-1E9297F1816A}"/>
+              </a:ext>
+            </a:extLst>
+          </p:cNvPr>
+          <p:cNvSpPr txBox="1"/>
+          <p:nvPr/>
+        </p:nvSpPr>
+        <p:spPr>
+          <a:xfrm>
+            <a:off x="20022243" y="38678407"/>
+            <a:ext cx="8780767" cy="3631763"/>
+          </a:xfrm>
+          <a:prstGeom prst="rect">
+            <a:avLst/>
+          </a:prstGeom>
+          <a:noFill/>
+          <a:ln>
+            <a:solidFill>
+              <a:srgbClr val="D5D5D5"/>
+            </a:solidFill>
+          </a:ln>
+        </p:spPr>
+        <p:txBody>
+          <a:bodyPr wrap="square">
+            <a:spAutoFit/>
+          </a:bodyPr>
+          <a:lstStyle/>
+          <a:p>
+            <a:r>
+              <a:rPr lang="de-DE" sz="3400" b="1" dirty="0"/>
+              <a:t>References</a:t>
+            </a:r>
+          </a:p>
+          <a:p>
+            <a:pPr marL="457200" indent="-457200">
+              <a:buFont typeface="Arial" panose="020B0604020202020204" pitchFamily="34" charset="0"/>
+              <a:buChar char="•"/>
+            </a:pPr>
+            <a:r>
+              <a:rPr lang="en-US" sz="2800" b="1" dirty="0"/>
+              <a:t> </a:t>
+            </a:r>
+          </a:p>
+          <a:p>
+            <a:pPr marL="457200" indent="-457200">
+              <a:buFont typeface="Arial" panose="020B0604020202020204" pitchFamily="34" charset="0"/>
+              <a:buChar char="•"/>
+            </a:pPr>
+            <a:endParaRPr lang="en-US" sz="2800" b="1" dirty="0"/>
+          </a:p>
+          <a:p>
+            <a:pPr marL="457200" indent="-457200">
+              <a:buFont typeface="Arial" panose="020B0604020202020204" pitchFamily="34" charset="0"/>
+              <a:buChar char="•"/>
+            </a:pPr>
+            <a:endParaRPr lang="en-US" sz="2800" b="1" dirty="0"/>
+          </a:p>
+          <a:p>
+            <a:pPr marL="457200" indent="-457200">
+              <a:buFont typeface="Arial" panose="020B0604020202020204" pitchFamily="34" charset="0"/>
+              <a:buChar char="•"/>
+            </a:pPr>
+            <a:endParaRPr lang="en-US" sz="2800" b="1" dirty="0"/>
+          </a:p>
+          <a:p>
+            <a:pPr marL="457200" indent="-457200">
+              <a:buFont typeface="Arial" panose="020B0604020202020204" pitchFamily="34" charset="0"/>
+              <a:buChar char="•"/>
+            </a:pPr>
+            <a:endParaRPr lang="en-US" sz="2800" b="1" dirty="0"/>
+          </a:p>
+          <a:p>
+            <a:pPr marL="457200" indent="-457200">
+              <a:buFont typeface="Arial" panose="020B0604020202020204" pitchFamily="34" charset="0"/>
+              <a:buChar char="•"/>
+            </a:pPr>
+            <a:endParaRPr lang="en-US" sz="2800" b="1" dirty="0"/>
+          </a:p>
+          <a:p>
+            <a:pPr marL="457200" indent="-457200">
+              <a:buFont typeface="Arial" panose="020B0604020202020204" pitchFamily="34" charset="0"/>
+              <a:buChar char="•"/>
+            </a:pPr>
+            <a:endParaRPr lang="en-US" sz="2800" b="1" dirty="0"/>
+          </a:p>
+        </p:txBody>
+      </p:sp>
+      <p:sp>
+        <p:nvSpPr>
+          <p:cNvPr id="7" name="TextBox 6">
+            <a:extLst>
+              <a:ext uri="{FF2B5EF4-FFF2-40B4-BE49-F238E27FC236}">
+                <a16:creationId xmlns:a16="http://schemas.microsoft.com/office/drawing/2014/main" id="{2E259646-0826-CBCF-F645-E6DB9D95EBD8}"/>
+              </a:ext>
+            </a:extLst>
+          </p:cNvPr>
+          <p:cNvSpPr txBox="1"/>
+          <p:nvPr/>
+        </p:nvSpPr>
+        <p:spPr>
+          <a:xfrm>
+            <a:off x="20022243" y="28905433"/>
+            <a:ext cx="8780767" cy="8802410"/>
+          </a:xfrm>
+          <a:prstGeom prst="rect">
+            <a:avLst/>
+          </a:prstGeom>
+          <a:noFill/>
+          <a:ln>
+            <a:solidFill>
+              <a:srgbClr val="D5D5D5"/>
+            </a:solidFill>
+          </a:ln>
+        </p:spPr>
+        <p:txBody>
+          <a:bodyPr wrap="square">
+            <a:spAutoFit/>
+          </a:bodyPr>
+          <a:lstStyle/>
+          <a:p>
+            <a:r>
+              <a:rPr lang="de-DE" sz="3400" b="1" dirty="0"/>
+              <a:t>Our Achievements </a:t>
+            </a:r>
+          </a:p>
+          <a:p>
+            <a:pPr marL="457200" indent="-457200">
+              <a:buFont typeface="Arial" panose="020B0604020202020204" pitchFamily="34" charset="0"/>
+              <a:buChar char="•"/>
+            </a:pPr>
+            <a:r>
+              <a:rPr lang="de-DE" sz="2800" dirty="0"/>
+              <a:t>We found X proteins that ...</a:t>
+            </a:r>
+          </a:p>
+          <a:p>
+            <a:pPr marL="457200" indent="-457200">
+              <a:buFont typeface="Arial" panose="020B0604020202020204" pitchFamily="34" charset="0"/>
+              <a:buChar char="•"/>
+            </a:pPr>
+            <a:endParaRPr lang="de-DE" sz="2800" dirty="0"/>
+          </a:p>
+          <a:p>
+            <a:pPr marL="457200" indent="-457200">
+              <a:buFont typeface="Arial" panose="020B0604020202020204" pitchFamily="34" charset="0"/>
+              <a:buChar char="•"/>
+            </a:pPr>
+            <a:endParaRPr lang="de-DE" sz="2800" dirty="0"/>
+          </a:p>
+          <a:p>
+            <a:pPr marL="457200" indent="-457200">
+              <a:buFont typeface="Arial" panose="020B0604020202020204" pitchFamily="34" charset="0"/>
+              <a:buChar char="•"/>
+            </a:pPr>
+            <a:endParaRPr lang="de-DE" sz="2800" dirty="0"/>
+          </a:p>
+          <a:p>
+            <a:pPr marL="457200" indent="-457200">
+              <a:buFont typeface="Arial" panose="020B0604020202020204" pitchFamily="34" charset="0"/>
+              <a:buChar char="•"/>
+            </a:pPr>
+            <a:endParaRPr lang="de-DE" sz="2800" dirty="0"/>
+          </a:p>
+          <a:p>
+            <a:pPr marL="457200" indent="-457200">
+              <a:buFont typeface="Arial" panose="020B0604020202020204" pitchFamily="34" charset="0"/>
+              <a:buChar char="•"/>
+            </a:pPr>
+            <a:endParaRPr lang="de-DE" sz="2800" dirty="0"/>
+          </a:p>
+          <a:p>
+            <a:pPr marL="457200" indent="-457200">
+              <a:buFont typeface="Arial" panose="020B0604020202020204" pitchFamily="34" charset="0"/>
+              <a:buChar char="•"/>
+            </a:pPr>
+            <a:endParaRPr lang="de-DE" sz="2800" dirty="0"/>
+          </a:p>
+          <a:p>
+            <a:pPr marL="457200" indent="-457200">
+              <a:buFont typeface="Arial" panose="020B0604020202020204" pitchFamily="34" charset="0"/>
+              <a:buChar char="•"/>
+            </a:pPr>
+            <a:endParaRPr lang="de-DE" sz="2800" dirty="0"/>
+          </a:p>
+          <a:p>
+            <a:pPr marL="457200" indent="-457200">
+              <a:buFont typeface="Arial" panose="020B0604020202020204" pitchFamily="34" charset="0"/>
+              <a:buChar char="•"/>
+            </a:pPr>
+            <a:endParaRPr lang="de-DE" sz="2800" dirty="0"/>
+          </a:p>
+          <a:p>
+            <a:pPr marL="457200" indent="-457200">
+              <a:buFont typeface="Arial" panose="020B0604020202020204" pitchFamily="34" charset="0"/>
+              <a:buChar char="•"/>
+            </a:pPr>
+            <a:endParaRPr lang="de-DE" sz="2800" dirty="0"/>
+          </a:p>
+          <a:p>
+            <a:pPr marL="457200" indent="-457200">
+              <a:buFont typeface="Arial" panose="020B0604020202020204" pitchFamily="34" charset="0"/>
+              <a:buChar char="•"/>
+            </a:pPr>
+            <a:endParaRPr lang="de-DE" sz="2800" dirty="0"/>
+          </a:p>
+          <a:p>
+            <a:pPr marL="457200" indent="-457200">
+              <a:buFont typeface="Arial" panose="020B0604020202020204" pitchFamily="34" charset="0"/>
+              <a:buChar char="•"/>
+            </a:pPr>
+            <a:endParaRPr lang="de-DE" sz="2800" dirty="0"/>
+          </a:p>
+          <a:p>
+            <a:pPr marL="457200" indent="-457200">
+              <a:buFont typeface="Arial" panose="020B0604020202020204" pitchFamily="34" charset="0"/>
+              <a:buChar char="•"/>
+            </a:pPr>
+            <a:endParaRPr lang="de-DE" sz="2800" dirty="0"/>
+          </a:p>
+          <a:p>
+            <a:pPr marL="457200" indent="-457200">
+              <a:buFont typeface="Arial" panose="020B0604020202020204" pitchFamily="34" charset="0"/>
+              <a:buChar char="•"/>
+            </a:pPr>
+            <a:endParaRPr lang="de-DE" sz="2800" dirty="0"/>
+          </a:p>
+          <a:p>
+            <a:pPr marL="457200" indent="-457200">
+              <a:buFont typeface="Arial" panose="020B0604020202020204" pitchFamily="34" charset="0"/>
+              <a:buChar char="•"/>
+            </a:pPr>
+            <a:endParaRPr lang="de-DE" sz="2800" dirty="0"/>
+          </a:p>
+          <a:p>
+            <a:pPr marL="457200" indent="-457200">
+              <a:buFont typeface="Arial" panose="020B0604020202020204" pitchFamily="34" charset="0"/>
+              <a:buChar char="•"/>
+            </a:pPr>
+            <a:endParaRPr lang="de-DE" sz="2800" dirty="0"/>
+          </a:p>
+          <a:p>
+            <a:pPr marL="457200" indent="-457200">
+              <a:buFont typeface="Arial" panose="020B0604020202020204" pitchFamily="34" charset="0"/>
+              <a:buChar char="•"/>
+            </a:pPr>
+            <a:endParaRPr lang="de-DE" sz="2800" dirty="0"/>
+          </a:p>
+          <a:p>
+            <a:pPr marL="457200" indent="-457200">
+              <a:buFont typeface="Arial" panose="020B0604020202020204" pitchFamily="34" charset="0"/>
+              <a:buChar char="•"/>
+            </a:pPr>
+            <a:endParaRPr lang="de-DE" sz="2800" dirty="0"/>
+          </a:p>
+          <a:p>
+            <a:endParaRPr lang="en-US" sz="2800" b="1" dirty="0"/>
+          </a:p>
+        </p:txBody>
+      </p:sp>
+    </p:spTree>
+    <p:extLst>
+      <p:ext uri="{BB962C8B-B14F-4D97-AF65-F5344CB8AC3E}">
+        <p14:creationId xmlns:p14="http://schemas.microsoft.com/office/powerpoint/2010/main" val="3929491743"/>
+      </p:ext>
+    </p:extLst>
+  </p:cSld>
+  <p:clrMapOvr>
+    <a:masterClrMapping/>
+  </p:clrMapOvr>
+</p:sld>
+</file>
+
+<file path=ppt/slides/slide11.xml><?xml version="1.0" encoding="utf-8"?>
+<p:sld xmlns:a="http://schemas.openxmlformats.org/drawingml/2006/main" xmlns:r="http://schemas.openxmlformats.org/officeDocument/2006/relationships" xmlns:p="http://schemas.openxmlformats.org/presentationml/2006/main" show="0">
+  <p:cSld>
+    <p:spTree>
+      <p:nvGrpSpPr>
+        <p:cNvPr id="1" name="">
+          <a:extLst>
+            <a:ext uri="{FF2B5EF4-FFF2-40B4-BE49-F238E27FC236}">
+              <a16:creationId xmlns:a16="http://schemas.microsoft.com/office/drawing/2014/main" id="{EDD1FACE-BD14-A6BC-5DFF-DBB56ED83F7D}"/>
+            </a:ext>
+          </a:extLst>
+        </p:cNvPr>
+        <p:cNvGrpSpPr/>
+        <p:nvPr/>
+      </p:nvGrpSpPr>
+      <p:grpSpPr>
+        <a:xfrm>
+          <a:off x="0" y="0"/>
+          <a:ext cx="0" cy="0"/>
+          <a:chOff x="0" y="0"/>
+          <a:chExt cx="0" cy="0"/>
+        </a:xfrm>
+      </p:grpSpPr>
+      <p:pic>
+        <p:nvPicPr>
+          <p:cNvPr id="9" name="Picture 8">
+            <a:extLst>
+              <a:ext uri="{FF2B5EF4-FFF2-40B4-BE49-F238E27FC236}">
+                <a16:creationId xmlns:a16="http://schemas.microsoft.com/office/drawing/2014/main" id="{6F7DD403-B70A-F5C2-3609-3BB7AF16A2A8}"/>
+              </a:ext>
+            </a:extLst>
+          </p:cNvPr>
+          <p:cNvPicPr>
+            <a:picLocks noChangeAspect="1"/>
+          </p:cNvPicPr>
+          <p:nvPr/>
+        </p:nvPicPr>
+        <p:blipFill>
+          <a:blip r:embed="rId2"/>
+          <a:stretch>
+            <a:fillRect/>
+          </a:stretch>
+        </p:blipFill>
+        <p:spPr>
+          <a:xfrm>
+            <a:off x="99683" y="23020"/>
+            <a:ext cx="9050209" cy="5088730"/>
+          </a:xfrm>
+          <a:prstGeom prst="rect">
+            <a:avLst/>
+          </a:prstGeom>
+        </p:spPr>
+      </p:pic>
+      <p:pic>
+        <p:nvPicPr>
+          <p:cNvPr id="11" name="Picture 10">
+            <a:extLst>
+              <a:ext uri="{FF2B5EF4-FFF2-40B4-BE49-F238E27FC236}">
+                <a16:creationId xmlns:a16="http://schemas.microsoft.com/office/drawing/2014/main" id="{5814D88D-4756-F6B3-8A87-61E0E90105FB}"/>
+              </a:ext>
+            </a:extLst>
+          </p:cNvPr>
+          <p:cNvPicPr>
+            <a:picLocks noChangeAspect="1"/>
+          </p:cNvPicPr>
+          <p:nvPr/>
+        </p:nvPicPr>
+        <p:blipFill>
+          <a:blip r:embed="rId3"/>
+          <a:stretch>
+            <a:fillRect/>
+          </a:stretch>
+        </p:blipFill>
+        <p:spPr>
+          <a:xfrm>
+            <a:off x="23489343" y="704131"/>
+            <a:ext cx="6328620" cy="3559849"/>
+          </a:xfrm>
+          <a:prstGeom prst="rect">
+            <a:avLst/>
+          </a:prstGeom>
+        </p:spPr>
+      </p:pic>
+      <p:sp>
+        <p:nvSpPr>
+          <p:cNvPr id="4" name="Titel 1">
+            <a:extLst>
+              <a:ext uri="{FF2B5EF4-FFF2-40B4-BE49-F238E27FC236}">
+                <a16:creationId xmlns:a16="http://schemas.microsoft.com/office/drawing/2014/main" id="{1D99515C-09A3-D081-0F16-3B4603AAFF17}"/>
+              </a:ext>
+            </a:extLst>
+          </p:cNvPr>
+          <p:cNvSpPr>
+            <a:spLocks noGrp="1"/>
+          </p:cNvSpPr>
+          <p:nvPr>
+            <p:ph type="ctrTitle"/>
+          </p:nvPr>
+        </p:nvSpPr>
+        <p:spPr>
+          <a:xfrm>
+            <a:off x="9482040" y="2021850"/>
+            <a:ext cx="12820650" cy="1836887"/>
+          </a:xfrm>
+        </p:spPr>
+        <p:txBody>
+          <a:bodyPr>
+            <a:noAutofit/>
+          </a:bodyPr>
+          <a:lstStyle/>
+          <a:p>
+            <a:r>
+              <a:rPr lang="de-DE" sz="7000" b="1" dirty="0"/>
+              <a:t>Hidden Alliances: RNA-Dependent Protein Interactions in Cancer Cells</a:t>
+            </a:r>
+            <a:endParaRPr lang="en-US" sz="7000" b="1" dirty="0"/>
+          </a:p>
+        </p:txBody>
+      </p:sp>
+      <p:sp>
+        <p:nvSpPr>
+          <p:cNvPr id="2" name="Untertitel 2">
+            <a:extLst>
+              <a:ext uri="{FF2B5EF4-FFF2-40B4-BE49-F238E27FC236}">
+                <a16:creationId xmlns:a16="http://schemas.microsoft.com/office/drawing/2014/main" id="{93D884B7-4287-4014-CA37-FACB7804637B}"/>
+              </a:ext>
+            </a:extLst>
+          </p:cNvPr>
+          <p:cNvSpPr>
+            <a:spLocks noGrp="1"/>
+          </p:cNvSpPr>
+          <p:nvPr>
+            <p:ph type="subTitle" idx="1"/>
+          </p:nvPr>
+        </p:nvSpPr>
+        <p:spPr>
+          <a:xfrm>
+            <a:off x="800100" y="5675366"/>
+            <a:ext cx="28612006" cy="36424266"/>
+          </a:xfrm>
+          <a:noFill/>
+          <a:ln>
+            <a:solidFill>
+              <a:schemeClr val="tx1"/>
+            </a:solidFill>
+          </a:ln>
+        </p:spPr>
+        <p:txBody>
+          <a:bodyPr>
+            <a:normAutofit/>
+          </a:bodyPr>
+          <a:lstStyle/>
+          <a:p>
+            <a:r>
+              <a:rPr lang="de-DE" sz="100" dirty="0"/>
+              <a:t>.</a:t>
+            </a:r>
+          </a:p>
+        </p:txBody>
+      </p:sp>
+      <p:sp>
+        <p:nvSpPr>
+          <p:cNvPr id="26" name="Titel 1">
+            <a:extLst>
+              <a:ext uri="{FF2B5EF4-FFF2-40B4-BE49-F238E27FC236}">
+                <a16:creationId xmlns:a16="http://schemas.microsoft.com/office/drawing/2014/main" id="{042A9CAA-36C6-F63E-6832-733621510C4C}"/>
+              </a:ext>
+            </a:extLst>
+          </p:cNvPr>
+          <p:cNvSpPr txBox="1">
+            <a:spLocks/>
+          </p:cNvSpPr>
+          <p:nvPr/>
+        </p:nvSpPr>
+        <p:spPr>
+          <a:xfrm>
+            <a:off x="8627535" y="3602136"/>
+            <a:ext cx="13675155" cy="1323687"/>
+          </a:xfrm>
+          <a:prstGeom prst="rect">
+            <a:avLst/>
+          </a:prstGeom>
+        </p:spPr>
+        <p:txBody>
+          <a:bodyPr vert="horz" lIns="45681" tIns="22840" rIns="45681" bIns="22840" rtlCol="0" anchor="b">
+            <a:noAutofit/>
+          </a:bodyPr>
+          <a:lstStyle>
+            <a:lvl1pPr algn="ctr" defTabSz="3027487" rtl="0" eaLnBrk="1" latinLnBrk="0" hangingPunct="1">
+              <a:lnSpc>
+                <a:spcPct val="90000"/>
+              </a:lnSpc>
+              <a:spcBef>
+                <a:spcPct val="0"/>
+              </a:spcBef>
+              <a:buNone/>
+              <a:defRPr sz="19865" kern="1200">
+                <a:solidFill>
+                  <a:schemeClr val="tx1"/>
+                </a:solidFill>
+                <a:latin typeface="+mj-lt"/>
+                <a:ea typeface="+mj-ea"/>
+                <a:cs typeface="+mj-cs"/>
+              </a:defRPr>
+            </a:lvl1pPr>
+          </a:lstStyle>
+          <a:p>
+            <a:r>
+              <a:rPr lang="de-DE" sz="2800" dirty="0"/>
+              <a:t>Julian </a:t>
+            </a:r>
+            <a:r>
+              <a:rPr lang="de-DE" sz="2800" dirty="0" err="1"/>
+              <a:t>Baureis</a:t>
+            </a:r>
+            <a:r>
+              <a:rPr lang="de-DE" sz="2800" dirty="0"/>
+              <a:t>, Julia Ferdin, Benjamin Nicklas, Luisa </a:t>
+            </a:r>
+            <a:r>
+              <a:rPr lang="de-DE" sz="2800" dirty="0" err="1"/>
+              <a:t>Wintel</a:t>
+            </a:r>
+            <a:endParaRPr lang="de-DE" sz="2800" dirty="0"/>
+          </a:p>
+          <a:p>
+            <a:r>
+              <a:rPr lang="de-DE" sz="2800" dirty="0"/>
+              <a:t>Data Analysis Project </a:t>
+            </a:r>
+            <a:r>
+              <a:rPr lang="de-DE" sz="2800" dirty="0" err="1"/>
+              <a:t>Molecular</a:t>
+            </a:r>
+            <a:r>
+              <a:rPr lang="de-DE" sz="2800" dirty="0"/>
+              <a:t> Biotechnology SS2025</a:t>
+            </a:r>
+          </a:p>
+        </p:txBody>
+      </p:sp>
       <p:cxnSp>
         <p:nvCxnSpPr>
           <p:cNvPr id="8" name="Gerader Verbinder 37">
@@ -4892,7 +6049,7 @@
 </p:sld>
 </file>
 
-<file path=ppt/slides/slide11.xml><?xml version="1.0" encoding="utf-8"?>
+<file path=ppt/slides/slide12.xml><?xml version="1.0" encoding="utf-8"?>
 <p:sld xmlns:a="http://schemas.openxmlformats.org/drawingml/2006/main" xmlns:r="http://schemas.openxmlformats.org/officeDocument/2006/relationships" xmlns:p="http://schemas.openxmlformats.org/presentationml/2006/main" show="0">
   <p:cSld>
     <p:spTree>
@@ -13647,6 +14804,2409 @@
 <file path=ppt/slides/slide5.xml><?xml version="1.0" encoding="utf-8"?>
 <p:sld xmlns:a="http://schemas.openxmlformats.org/drawingml/2006/main" xmlns:r="http://schemas.openxmlformats.org/officeDocument/2006/relationships" xmlns:p="http://schemas.openxmlformats.org/presentationml/2006/main">
   <p:cSld>
+    <p:spTree>
+      <p:nvGrpSpPr>
+        <p:cNvPr id="1" name="">
+          <a:extLst>
+            <a:ext uri="{FF2B5EF4-FFF2-40B4-BE49-F238E27FC236}">
+              <a16:creationId xmlns:a16="http://schemas.microsoft.com/office/drawing/2014/main" id="{DCB4DA4B-7B45-0382-80F4-61398FB455E4}"/>
+            </a:ext>
+          </a:extLst>
+        </p:cNvPr>
+        <p:cNvGrpSpPr/>
+        <p:nvPr/>
+      </p:nvGrpSpPr>
+      <p:grpSpPr>
+        <a:xfrm>
+          <a:off x="0" y="0"/>
+          <a:ext cx="0" cy="0"/>
+          <a:chOff x="0" y="0"/>
+          <a:chExt cx="0" cy="0"/>
+        </a:xfrm>
+      </p:grpSpPr>
+      <p:sp>
+        <p:nvSpPr>
+          <p:cNvPr id="42" name="Rectangle 41">
+            <a:extLst>
+              <a:ext uri="{FF2B5EF4-FFF2-40B4-BE49-F238E27FC236}">
+                <a16:creationId xmlns:a16="http://schemas.microsoft.com/office/drawing/2014/main" id="{1AC209E2-E86A-DC60-7394-49FA626A5E0F}"/>
+              </a:ext>
+            </a:extLst>
+          </p:cNvPr>
+          <p:cNvSpPr/>
+          <p:nvPr/>
+        </p:nvSpPr>
+        <p:spPr>
+          <a:xfrm flipV="1">
+            <a:off x="-1" y="-21301"/>
+            <a:ext cx="30275214" cy="4467776"/>
+          </a:xfrm>
+          <a:prstGeom prst="rect">
+            <a:avLst/>
+          </a:prstGeom>
+          <a:solidFill>
+            <a:srgbClr val="475A5F"/>
+          </a:solidFill>
+          <a:ln w="254000">
+            <a:noFill/>
+          </a:ln>
+        </p:spPr>
+        <p:style>
+          <a:lnRef idx="2">
+            <a:schemeClr val="accent1">
+              <a:shade val="15000"/>
+            </a:schemeClr>
+          </a:lnRef>
+          <a:fillRef idx="1">
+            <a:schemeClr val="accent1"/>
+          </a:fillRef>
+          <a:effectRef idx="0">
+            <a:schemeClr val="accent1"/>
+          </a:effectRef>
+          <a:fontRef idx="minor">
+            <a:schemeClr val="lt1"/>
+          </a:fontRef>
+        </p:style>
+        <p:txBody>
+          <a:bodyPr rtlCol="0" anchor="ctr"/>
+          <a:lstStyle/>
+          <a:p>
+            <a:pPr algn="ctr"/>
+            <a:endParaRPr lang="de-DE"/>
+          </a:p>
+        </p:txBody>
+      </p:sp>
+      <p:sp>
+        <p:nvSpPr>
+          <p:cNvPr id="43" name="Rectangle: Top Corners Rounded 42">
+            <a:extLst>
+              <a:ext uri="{FF2B5EF4-FFF2-40B4-BE49-F238E27FC236}">
+                <a16:creationId xmlns:a16="http://schemas.microsoft.com/office/drawing/2014/main" id="{00027BC6-8133-9E0D-F5F2-E13C64A79C6A}"/>
+              </a:ext>
+            </a:extLst>
+          </p:cNvPr>
+          <p:cNvSpPr/>
+          <p:nvPr/>
+        </p:nvSpPr>
+        <p:spPr>
+          <a:xfrm flipV="1">
+            <a:off x="856746" y="-21302"/>
+            <a:ext cx="28404556" cy="4468351"/>
+          </a:xfrm>
+          <a:prstGeom prst="round2SameRect">
+            <a:avLst/>
+          </a:prstGeom>
+          <a:solidFill>
+            <a:srgbClr val="394C53"/>
+          </a:solidFill>
+          <a:ln w="254000">
+            <a:noFill/>
+          </a:ln>
+        </p:spPr>
+        <p:style>
+          <a:lnRef idx="2">
+            <a:schemeClr val="accent1">
+              <a:shade val="15000"/>
+            </a:schemeClr>
+          </a:lnRef>
+          <a:fillRef idx="1">
+            <a:schemeClr val="accent1"/>
+          </a:fillRef>
+          <a:effectRef idx="0">
+            <a:schemeClr val="accent1"/>
+          </a:effectRef>
+          <a:fontRef idx="minor">
+            <a:schemeClr val="lt1"/>
+          </a:fontRef>
+        </p:style>
+        <p:txBody>
+          <a:bodyPr rtlCol="0" anchor="ctr"/>
+          <a:lstStyle/>
+          <a:p>
+            <a:pPr algn="ctr"/>
+            <a:endParaRPr lang="de-DE"/>
+          </a:p>
+        </p:txBody>
+      </p:sp>
+      <p:sp>
+        <p:nvSpPr>
+          <p:cNvPr id="44" name="Rectangle: Top Corners Rounded 43">
+            <a:extLst>
+              <a:ext uri="{FF2B5EF4-FFF2-40B4-BE49-F238E27FC236}">
+                <a16:creationId xmlns:a16="http://schemas.microsoft.com/office/drawing/2014/main" id="{7B13E027-2107-C080-170A-DCF4421FBF2C}"/>
+              </a:ext>
+            </a:extLst>
+          </p:cNvPr>
+          <p:cNvSpPr/>
+          <p:nvPr/>
+        </p:nvSpPr>
+        <p:spPr>
+          <a:xfrm flipV="1">
+            <a:off x="2245466" y="-19077"/>
+            <a:ext cx="25838205" cy="4468351"/>
+          </a:xfrm>
+          <a:prstGeom prst="round2SameRect">
+            <a:avLst/>
+          </a:prstGeom>
+          <a:solidFill>
+            <a:srgbClr val="2F4047"/>
+          </a:solidFill>
+          <a:ln w="254000">
+            <a:noFill/>
+          </a:ln>
+        </p:spPr>
+        <p:style>
+          <a:lnRef idx="2">
+            <a:schemeClr val="accent1">
+              <a:shade val="15000"/>
+            </a:schemeClr>
+          </a:lnRef>
+          <a:fillRef idx="1">
+            <a:schemeClr val="accent1"/>
+          </a:fillRef>
+          <a:effectRef idx="0">
+            <a:schemeClr val="accent1"/>
+          </a:effectRef>
+          <a:fontRef idx="minor">
+            <a:schemeClr val="lt1"/>
+          </a:fontRef>
+        </p:style>
+        <p:txBody>
+          <a:bodyPr rtlCol="0" anchor="ctr"/>
+          <a:lstStyle/>
+          <a:p>
+            <a:pPr algn="ctr"/>
+            <a:endParaRPr lang="de-DE"/>
+          </a:p>
+        </p:txBody>
+      </p:sp>
+      <p:sp>
+        <p:nvSpPr>
+          <p:cNvPr id="45" name="Rectangle: Top Corners Rounded 44">
+            <a:extLst>
+              <a:ext uri="{FF2B5EF4-FFF2-40B4-BE49-F238E27FC236}">
+                <a16:creationId xmlns:a16="http://schemas.microsoft.com/office/drawing/2014/main" id="{4C738D4B-1B97-123E-4CA8-044CE1E687C5}"/>
+              </a:ext>
+            </a:extLst>
+          </p:cNvPr>
+          <p:cNvSpPr/>
+          <p:nvPr/>
+        </p:nvSpPr>
+        <p:spPr>
+          <a:xfrm flipV="1">
+            <a:off x="3593302" y="-21303"/>
+            <a:ext cx="23088601" cy="4470577"/>
+          </a:xfrm>
+          <a:prstGeom prst="round2SameRect">
+            <a:avLst/>
+          </a:prstGeom>
+          <a:solidFill>
+            <a:srgbClr val="25333C"/>
+          </a:solidFill>
+          <a:ln w="254000">
+            <a:noFill/>
+          </a:ln>
+        </p:spPr>
+        <p:style>
+          <a:lnRef idx="2">
+            <a:schemeClr val="accent1">
+              <a:shade val="15000"/>
+            </a:schemeClr>
+          </a:lnRef>
+          <a:fillRef idx="1">
+            <a:schemeClr val="accent1"/>
+          </a:fillRef>
+          <a:effectRef idx="0">
+            <a:schemeClr val="accent1"/>
+          </a:effectRef>
+          <a:fontRef idx="minor">
+            <a:schemeClr val="lt1"/>
+          </a:fontRef>
+        </p:style>
+        <p:txBody>
+          <a:bodyPr rtlCol="0" anchor="ctr"/>
+          <a:lstStyle/>
+          <a:p>
+            <a:pPr algn="ctr"/>
+            <a:endParaRPr lang="de-DE"/>
+          </a:p>
+        </p:txBody>
+      </p:sp>
+      <p:sp>
+        <p:nvSpPr>
+          <p:cNvPr id="17" name="Rectangle: Rounded Corners 16">
+            <a:extLst>
+              <a:ext uri="{FF2B5EF4-FFF2-40B4-BE49-F238E27FC236}">
+                <a16:creationId xmlns:a16="http://schemas.microsoft.com/office/drawing/2014/main" id="{BE8ABDD3-27BB-99EE-BA60-7E9ECA8350F0}"/>
+              </a:ext>
+            </a:extLst>
+          </p:cNvPr>
+          <p:cNvSpPr/>
+          <p:nvPr/>
+        </p:nvSpPr>
+        <p:spPr>
+          <a:xfrm>
+            <a:off x="619433" y="28063936"/>
+            <a:ext cx="14518173" cy="13738215"/>
+          </a:xfrm>
+          <a:prstGeom prst="roundRect">
+            <a:avLst>
+              <a:gd name="adj" fmla="val 3189"/>
+            </a:avLst>
+          </a:prstGeom>
+          <a:solidFill>
+            <a:schemeClr val="bg1"/>
+          </a:solidFill>
+          <a:ln w="254000">
+            <a:solidFill>
+              <a:srgbClr val="2F4047"/>
+            </a:solidFill>
+          </a:ln>
+        </p:spPr>
+        <p:style>
+          <a:lnRef idx="2">
+            <a:schemeClr val="accent1">
+              <a:shade val="15000"/>
+            </a:schemeClr>
+          </a:lnRef>
+          <a:fillRef idx="1">
+            <a:schemeClr val="accent1"/>
+          </a:fillRef>
+          <a:effectRef idx="0">
+            <a:schemeClr val="accent1"/>
+          </a:effectRef>
+          <a:fontRef idx="minor">
+            <a:schemeClr val="lt1"/>
+          </a:fontRef>
+        </p:style>
+        <p:txBody>
+          <a:bodyPr rtlCol="0" anchor="ctr"/>
+          <a:lstStyle/>
+          <a:p>
+            <a:pPr algn="ctr"/>
+            <a:endParaRPr lang="de-DE"/>
+          </a:p>
+        </p:txBody>
+      </p:sp>
+      <p:sp>
+        <p:nvSpPr>
+          <p:cNvPr id="18" name="Rectangle: Rounded Corners 17">
+            <a:extLst>
+              <a:ext uri="{FF2B5EF4-FFF2-40B4-BE49-F238E27FC236}">
+                <a16:creationId xmlns:a16="http://schemas.microsoft.com/office/drawing/2014/main" id="{49455363-3B73-2B30-7262-6CFFC92A71C7}"/>
+              </a:ext>
+            </a:extLst>
+          </p:cNvPr>
+          <p:cNvSpPr/>
+          <p:nvPr/>
+        </p:nvSpPr>
+        <p:spPr>
+          <a:xfrm>
+            <a:off x="15747588" y="28211421"/>
+            <a:ext cx="14070375" cy="5808341"/>
+          </a:xfrm>
+          <a:prstGeom prst="roundRect">
+            <a:avLst>
+              <a:gd name="adj" fmla="val 2683"/>
+            </a:avLst>
+          </a:prstGeom>
+          <a:solidFill>
+            <a:schemeClr val="bg1"/>
+          </a:solidFill>
+          <a:ln w="254000">
+            <a:solidFill>
+              <a:srgbClr val="B21D31"/>
+            </a:solidFill>
+          </a:ln>
+        </p:spPr>
+        <p:style>
+          <a:lnRef idx="2">
+            <a:schemeClr val="accent1">
+              <a:shade val="15000"/>
+            </a:schemeClr>
+          </a:lnRef>
+          <a:fillRef idx="1">
+            <a:schemeClr val="accent1"/>
+          </a:fillRef>
+          <a:effectRef idx="0">
+            <a:schemeClr val="accent1"/>
+          </a:effectRef>
+          <a:fontRef idx="minor">
+            <a:schemeClr val="lt1"/>
+          </a:fontRef>
+        </p:style>
+        <p:txBody>
+          <a:bodyPr rtlCol="0" anchor="ctr"/>
+          <a:lstStyle/>
+          <a:p>
+            <a:pPr algn="ctr"/>
+            <a:endParaRPr lang="de-DE"/>
+          </a:p>
+        </p:txBody>
+      </p:sp>
+      <p:sp>
+        <p:nvSpPr>
+          <p:cNvPr id="19" name="Rectangle: Rounded Corners 18">
+            <a:extLst>
+              <a:ext uri="{FF2B5EF4-FFF2-40B4-BE49-F238E27FC236}">
+                <a16:creationId xmlns:a16="http://schemas.microsoft.com/office/drawing/2014/main" id="{2BC33F1A-BD85-B65F-A434-5A04CA4B33F6}"/>
+              </a:ext>
+            </a:extLst>
+          </p:cNvPr>
+          <p:cNvSpPr/>
+          <p:nvPr/>
+        </p:nvSpPr>
+        <p:spPr>
+          <a:xfrm>
+            <a:off x="15765564" y="34728653"/>
+            <a:ext cx="14052399" cy="7073498"/>
+          </a:xfrm>
+          <a:prstGeom prst="roundRect">
+            <a:avLst>
+              <a:gd name="adj" fmla="val 2154"/>
+            </a:avLst>
+          </a:prstGeom>
+          <a:solidFill>
+            <a:schemeClr val="bg1"/>
+          </a:solidFill>
+          <a:ln w="254000">
+            <a:solidFill>
+              <a:srgbClr val="475A5F"/>
+            </a:solidFill>
+          </a:ln>
+        </p:spPr>
+        <p:style>
+          <a:lnRef idx="2">
+            <a:schemeClr val="accent1">
+              <a:shade val="15000"/>
+            </a:schemeClr>
+          </a:lnRef>
+          <a:fillRef idx="1">
+            <a:schemeClr val="accent1"/>
+          </a:fillRef>
+          <a:effectRef idx="0">
+            <a:schemeClr val="accent1"/>
+          </a:effectRef>
+          <a:fontRef idx="minor">
+            <a:schemeClr val="lt1"/>
+          </a:fontRef>
+        </p:style>
+        <p:txBody>
+          <a:bodyPr rtlCol="0" anchor="ctr"/>
+          <a:lstStyle/>
+          <a:p>
+            <a:pPr algn="ctr"/>
+            <a:endParaRPr lang="de-DE" dirty="0"/>
+          </a:p>
+        </p:txBody>
+      </p:sp>
+      <p:sp>
+        <p:nvSpPr>
+          <p:cNvPr id="16" name="Rectangle: Rounded Corners 15">
+            <a:extLst>
+              <a:ext uri="{FF2B5EF4-FFF2-40B4-BE49-F238E27FC236}">
+                <a16:creationId xmlns:a16="http://schemas.microsoft.com/office/drawing/2014/main" id="{F06E53D9-CA36-5647-EF1E-8A60CC19F917}"/>
+              </a:ext>
+            </a:extLst>
+          </p:cNvPr>
+          <p:cNvSpPr/>
+          <p:nvPr/>
+        </p:nvSpPr>
+        <p:spPr>
+          <a:xfrm>
+            <a:off x="619433" y="14268580"/>
+            <a:ext cx="29054323" cy="13032673"/>
+          </a:xfrm>
+          <a:prstGeom prst="roundRect">
+            <a:avLst>
+              <a:gd name="adj" fmla="val 1883"/>
+            </a:avLst>
+          </a:prstGeom>
+          <a:solidFill>
+            <a:schemeClr val="bg1"/>
+          </a:solidFill>
+          <a:ln w="254000">
+            <a:solidFill>
+              <a:srgbClr val="25333C"/>
+            </a:solidFill>
+          </a:ln>
+        </p:spPr>
+        <p:style>
+          <a:lnRef idx="2">
+            <a:schemeClr val="accent1">
+              <a:shade val="15000"/>
+            </a:schemeClr>
+          </a:lnRef>
+          <a:fillRef idx="1">
+            <a:schemeClr val="accent1"/>
+          </a:fillRef>
+          <a:effectRef idx="0">
+            <a:schemeClr val="accent1"/>
+          </a:effectRef>
+          <a:fontRef idx="minor">
+            <a:schemeClr val="lt1"/>
+          </a:fontRef>
+        </p:style>
+        <p:txBody>
+          <a:bodyPr rtlCol="0" anchor="ctr"/>
+          <a:lstStyle/>
+          <a:p>
+            <a:pPr algn="ctr"/>
+            <a:endParaRPr lang="de-DE" dirty="0"/>
+          </a:p>
+        </p:txBody>
+      </p:sp>
+      <p:sp>
+        <p:nvSpPr>
+          <p:cNvPr id="14" name="Rectangle: Rounded Corners 13">
+            <a:extLst>
+              <a:ext uri="{FF2B5EF4-FFF2-40B4-BE49-F238E27FC236}">
+                <a16:creationId xmlns:a16="http://schemas.microsoft.com/office/drawing/2014/main" id="{442DFF40-5104-AAB8-F3E6-D638B4C1BB1C}"/>
+              </a:ext>
+            </a:extLst>
+          </p:cNvPr>
+          <p:cNvSpPr/>
+          <p:nvPr/>
+        </p:nvSpPr>
+        <p:spPr>
+          <a:xfrm>
+            <a:off x="619433" y="6667390"/>
+            <a:ext cx="29054323" cy="6831954"/>
+          </a:xfrm>
+          <a:prstGeom prst="roundRect">
+            <a:avLst>
+              <a:gd name="adj" fmla="val 4408"/>
+            </a:avLst>
+          </a:prstGeom>
+          <a:solidFill>
+            <a:schemeClr val="bg1"/>
+          </a:solidFill>
+          <a:ln w="254000">
+            <a:solidFill>
+              <a:srgbClr val="B21D31"/>
+            </a:solidFill>
+          </a:ln>
+        </p:spPr>
+        <p:style>
+          <a:lnRef idx="2">
+            <a:schemeClr val="accent1">
+              <a:shade val="15000"/>
+            </a:schemeClr>
+          </a:lnRef>
+          <a:fillRef idx="1">
+            <a:schemeClr val="accent1"/>
+          </a:fillRef>
+          <a:effectRef idx="0">
+            <a:schemeClr val="accent1"/>
+          </a:effectRef>
+          <a:fontRef idx="minor">
+            <a:schemeClr val="lt1"/>
+          </a:fontRef>
+        </p:style>
+        <p:txBody>
+          <a:bodyPr numCol="1" rtlCol="0" anchor="ctr"/>
+          <a:lstStyle/>
+          <a:p>
+            <a:pPr algn="ctr"/>
+            <a:r>
+              <a:rPr lang="de-DE" dirty="0"/>
+              <a:t> </a:t>
+            </a:r>
+          </a:p>
+        </p:txBody>
+      </p:sp>
+      <p:sp>
+        <p:nvSpPr>
+          <p:cNvPr id="20" name="TextBox 19">
+            <a:extLst>
+              <a:ext uri="{FF2B5EF4-FFF2-40B4-BE49-F238E27FC236}">
+                <a16:creationId xmlns:a16="http://schemas.microsoft.com/office/drawing/2014/main" id="{7A39D7F8-D14C-CDDC-8785-7FCA1FB89EE4}"/>
+              </a:ext>
+            </a:extLst>
+          </p:cNvPr>
+          <p:cNvSpPr txBox="1"/>
+          <p:nvPr/>
+        </p:nvSpPr>
+        <p:spPr>
+          <a:xfrm>
+            <a:off x="1253554" y="8641574"/>
+            <a:ext cx="13893040" cy="4524315"/>
+          </a:xfrm>
+          <a:prstGeom prst="rect">
+            <a:avLst/>
+          </a:prstGeom>
+          <a:noFill/>
+          <a:ln>
+            <a:noFill/>
+          </a:ln>
+        </p:spPr>
+        <p:txBody>
+          <a:bodyPr wrap="square">
+            <a:spAutoFit/>
+          </a:bodyPr>
+          <a:lstStyle/>
+          <a:p>
+            <a:r>
+              <a:rPr lang="en-US" sz="2400" b="1" dirty="0"/>
+              <a:t>  </a:t>
+            </a:r>
+            <a:endParaRPr lang="en-US" sz="2400" dirty="0"/>
+          </a:p>
+          <a:p>
+            <a:pPr marL="457200" indent="-457200">
+              <a:buFont typeface="Arial" panose="020B0604020202020204" pitchFamily="34" charset="0"/>
+              <a:buChar char="•"/>
+            </a:pPr>
+            <a:r>
+              <a:rPr lang="de-DE" sz="2400" dirty="0"/>
+              <a:t>„We want to </a:t>
+            </a:r>
+            <a:r>
+              <a:rPr lang="en-US" sz="2400" dirty="0"/>
+              <a:t>extract RNA-dependent proteins from proteomic screens”</a:t>
+            </a:r>
+            <a:endParaRPr lang="de-DE" sz="2400" dirty="0"/>
+          </a:p>
+          <a:p>
+            <a:pPr marL="457200" indent="-457200">
+              <a:buFont typeface="Arial" panose="020B0604020202020204" pitchFamily="34" charset="0"/>
+              <a:buChar char="•"/>
+            </a:pPr>
+            <a:r>
+              <a:rPr lang="de-DE" sz="2400" dirty="0"/>
+              <a:t>„RNA-dependency = the proteins interactome depends on RNA“</a:t>
+            </a:r>
+          </a:p>
+          <a:p>
+            <a:endParaRPr lang="en-US" sz="2400" b="1" dirty="0"/>
+          </a:p>
+          <a:p>
+            <a:r>
+              <a:rPr lang="en-US" sz="2400" b="1" dirty="0"/>
+              <a:t>What Makes RNA-Dependent Proteins Worth Investigating?</a:t>
+            </a:r>
+          </a:p>
+          <a:p>
+            <a:pPr marL="457200" indent="-457200">
+              <a:buFont typeface="Arial" panose="020B0604020202020204" pitchFamily="34" charset="0"/>
+              <a:buChar char="•"/>
+            </a:pPr>
+            <a:r>
+              <a:rPr lang="de-DE" sz="2400" b="1" dirty="0"/>
+              <a:t>Key Regulators:</a:t>
+            </a:r>
+            <a:r>
+              <a:rPr lang="de-DE" sz="2400" dirty="0"/>
+              <a:t> RBPs control RNA metabolism &amp; gene expression.</a:t>
+            </a:r>
+          </a:p>
+          <a:p>
+            <a:pPr marL="457200" indent="-457200">
+              <a:buFont typeface="Arial" panose="020B0604020202020204" pitchFamily="34" charset="0"/>
+              <a:buChar char="•"/>
+            </a:pPr>
+            <a:r>
+              <a:rPr lang="de-DE" sz="2400" b="1" dirty="0"/>
+              <a:t>Disease Links:</a:t>
+            </a:r>
+            <a:r>
+              <a:rPr lang="de-DE" sz="2400" dirty="0"/>
+              <a:t> Misregulation is tied to cancer &amp; neurodegeneration.</a:t>
+            </a:r>
+          </a:p>
+          <a:p>
+            <a:pPr marL="457200" indent="-457200">
+              <a:buFont typeface="Arial" panose="020B0604020202020204" pitchFamily="34" charset="0"/>
+              <a:buChar char="•"/>
+            </a:pPr>
+            <a:r>
+              <a:rPr lang="de-DE" sz="2400" b="1" dirty="0"/>
+              <a:t>Functional Clues:</a:t>
+            </a:r>
+            <a:r>
+              <a:rPr lang="de-DE" sz="2400" dirty="0"/>
+              <a:t> New RBPs hint at RNA’s role in specific pathways.</a:t>
+            </a:r>
+          </a:p>
+          <a:p>
+            <a:pPr marL="457200" indent="-457200">
+              <a:buFont typeface="Arial" panose="020B0604020202020204" pitchFamily="34" charset="0"/>
+              <a:buChar char="•"/>
+            </a:pPr>
+            <a:r>
+              <a:rPr lang="de-DE" sz="2400" b="1" dirty="0"/>
+              <a:t>Interaction Networks:</a:t>
+            </a:r>
+            <a:r>
+              <a:rPr lang="de-DE" sz="2400" dirty="0"/>
+              <a:t> Mapping RNA-protein complexes reveals regulatory logic. </a:t>
+            </a:r>
+          </a:p>
+          <a:p>
+            <a:pPr marL="457200" indent="-457200">
+              <a:buFont typeface="Arial" panose="020B0604020202020204" pitchFamily="34" charset="0"/>
+              <a:buChar char="•"/>
+            </a:pPr>
+            <a:r>
+              <a:rPr lang="de-DE" sz="2400" b="1" dirty="0"/>
+              <a:t>Molecular Insights:</a:t>
+            </a:r>
+            <a:r>
+              <a:rPr lang="de-DE" sz="2400" dirty="0"/>
+              <a:t> Deepens our understanding of cell cycle and cellular behavior. </a:t>
+            </a:r>
+            <a:endParaRPr lang="en-US" sz="2400" b="1" dirty="0"/>
+          </a:p>
+          <a:p>
+            <a:pPr marL="457200" indent="-457200">
+              <a:buFont typeface="Arial" panose="020B0604020202020204" pitchFamily="34" charset="0"/>
+              <a:buChar char="•"/>
+            </a:pPr>
+            <a:endParaRPr lang="de-DE" sz="2400" dirty="0"/>
+          </a:p>
+          <a:p>
+            <a:pPr marL="457200" indent="-457200">
+              <a:buFont typeface="Arial" panose="020B0604020202020204" pitchFamily="34" charset="0"/>
+              <a:buChar char="•"/>
+            </a:pPr>
+            <a:endParaRPr lang="de-DE" sz="2400" dirty="0"/>
+          </a:p>
+        </p:txBody>
+      </p:sp>
+      <p:sp>
+        <p:nvSpPr>
+          <p:cNvPr id="3" name="TextBox 2">
+            <a:extLst>
+              <a:ext uri="{FF2B5EF4-FFF2-40B4-BE49-F238E27FC236}">
+                <a16:creationId xmlns:a16="http://schemas.microsoft.com/office/drawing/2014/main" id="{688CC709-6B5B-3A34-DD16-04185AD0985D}"/>
+              </a:ext>
+            </a:extLst>
+          </p:cNvPr>
+          <p:cNvSpPr txBox="1"/>
+          <p:nvPr/>
+        </p:nvSpPr>
+        <p:spPr>
+          <a:xfrm>
+            <a:off x="1887734" y="16409755"/>
+            <a:ext cx="24173364" cy="7109639"/>
+          </a:xfrm>
+          <a:prstGeom prst="rect">
+            <a:avLst/>
+          </a:prstGeom>
+          <a:noFill/>
+          <a:ln>
+            <a:noFill/>
+          </a:ln>
+        </p:spPr>
+        <p:txBody>
+          <a:bodyPr wrap="square">
+            <a:spAutoFit/>
+          </a:bodyPr>
+          <a:lstStyle/>
+          <a:p>
+            <a:r>
+              <a:rPr lang="en-US" sz="2400" b="1" dirty="0"/>
+              <a:t>1) Data preparation</a:t>
+            </a:r>
+          </a:p>
+          <a:p>
+            <a:pPr marL="457200" indent="-457200">
+              <a:buFont typeface="Arial" panose="020B0604020202020204" pitchFamily="34" charset="0"/>
+              <a:buChar char="•"/>
+            </a:pPr>
+            <a:r>
+              <a:rPr lang="en-US" sz="2400" dirty="0"/>
+              <a:t>Data cleanup</a:t>
+            </a:r>
+          </a:p>
+          <a:p>
+            <a:pPr marL="457200" indent="-457200">
+              <a:buFont typeface="Arial" panose="020B0604020202020204" pitchFamily="34" charset="0"/>
+              <a:buChar char="•"/>
+            </a:pPr>
+            <a:r>
+              <a:rPr lang="en-US" sz="2400" dirty="0"/>
+              <a:t>“Rearrange and reorder the columns to their treatment, replicate and fraction”</a:t>
+            </a:r>
+          </a:p>
+          <a:p>
+            <a:pPr marL="457200" indent="-457200">
+              <a:buFont typeface="Arial" panose="020B0604020202020204" pitchFamily="34" charset="0"/>
+              <a:buChar char="•"/>
+            </a:pPr>
+            <a:r>
+              <a:rPr lang="en-US" sz="2400" dirty="0"/>
+              <a:t>Normalization</a:t>
+            </a:r>
+          </a:p>
+          <a:p>
+            <a:endParaRPr lang="en-US" sz="2400" b="1" dirty="0"/>
+          </a:p>
+          <a:p>
+            <a:r>
+              <a:rPr lang="de-DE" sz="2400" b="1" dirty="0"/>
+              <a:t>2) Data exploration</a:t>
+            </a:r>
+            <a:endParaRPr lang="de-DE" sz="2400" dirty="0"/>
+          </a:p>
+          <a:p>
+            <a:pPr marL="457200" indent="-457200">
+              <a:buFont typeface="Arial" panose="020B0604020202020204" pitchFamily="34" charset="0"/>
+              <a:buChar char="•"/>
+            </a:pPr>
+            <a:r>
+              <a:rPr lang="en-US" sz="2400" dirty="0"/>
+              <a:t> Identification of maxima and shoulders</a:t>
+            </a:r>
+          </a:p>
+          <a:p>
+            <a:pPr marL="457200" indent="-457200">
+              <a:buFont typeface="Arial" panose="020B0604020202020204" pitchFamily="34" charset="0"/>
+              <a:buChar char="•"/>
+            </a:pPr>
+            <a:r>
+              <a:rPr lang="en-US" sz="2400" dirty="0"/>
+              <a:t> </a:t>
+            </a:r>
+            <a:r>
+              <a:rPr lang="de-DE" sz="2400" dirty="0"/>
+              <a:t>Selection criteria</a:t>
+            </a:r>
+            <a:r>
+              <a:rPr lang="en-US" sz="2400" dirty="0"/>
+              <a:t> &amp; Wilcoxon Test </a:t>
+            </a:r>
+          </a:p>
+          <a:p>
+            <a:pPr marL="457200" indent="-457200">
+              <a:buFont typeface="Arial" panose="020B0604020202020204" pitchFamily="34" charset="0"/>
+              <a:buChar char="•"/>
+            </a:pPr>
+            <a:r>
+              <a:rPr lang="en-US" sz="2400" dirty="0"/>
+              <a:t>Visualization for the </a:t>
+            </a:r>
+            <a:r>
+              <a:rPr lang="de-DE" sz="2400" dirty="0"/>
+              <a:t>order of selection criteria</a:t>
+            </a:r>
+            <a:endParaRPr lang="en-US" sz="2400" dirty="0"/>
+          </a:p>
+          <a:p>
+            <a:pPr marL="457200" indent="-457200">
+              <a:buFont typeface="Arial" panose="020B0604020202020204" pitchFamily="34" charset="0"/>
+              <a:buChar char="•"/>
+            </a:pPr>
+            <a:r>
+              <a:rPr lang="en-US" sz="2400" dirty="0"/>
+              <a:t>Pie charts for selection results</a:t>
+            </a:r>
+          </a:p>
+          <a:p>
+            <a:endParaRPr lang="en-US" sz="2400" b="1" dirty="0"/>
+          </a:p>
+          <a:p>
+            <a:r>
+              <a:rPr lang="de-DE" sz="2400" b="1" dirty="0"/>
+              <a:t>3) Data reduction</a:t>
+            </a:r>
+          </a:p>
+          <a:p>
+            <a:pPr marL="457200" indent="-457200">
+              <a:buFont typeface="Arial" panose="020B0604020202020204" pitchFamily="34" charset="0"/>
+              <a:buChar char="•"/>
+            </a:pPr>
+            <a:r>
+              <a:rPr lang="de-DE" sz="2400" dirty="0"/>
+              <a:t>PCR </a:t>
+            </a:r>
+            <a:endParaRPr lang="en-US" sz="2400" dirty="0"/>
+          </a:p>
+          <a:p>
+            <a:pPr marL="457200" indent="-457200">
+              <a:buFont typeface="Arial" panose="020B0604020202020204" pitchFamily="34" charset="0"/>
+              <a:buChar char="•"/>
+            </a:pPr>
+            <a:r>
+              <a:rPr lang="en-US" sz="2400" dirty="0"/>
+              <a:t> k-means clustering</a:t>
+            </a:r>
+          </a:p>
+          <a:p>
+            <a:pPr marL="457200" indent="-457200">
+              <a:buFont typeface="Arial" panose="020B0604020202020204" pitchFamily="34" charset="0"/>
+              <a:buChar char="•"/>
+            </a:pPr>
+            <a:endParaRPr lang="en-US" sz="2400" dirty="0"/>
+          </a:p>
+          <a:p>
+            <a:r>
+              <a:rPr lang="de-DE" sz="2400" b="1" dirty="0"/>
+              <a:t>4) Data modelling</a:t>
+            </a:r>
+          </a:p>
+          <a:p>
+            <a:pPr marL="457200" indent="-457200">
+              <a:buFont typeface="Arial" panose="020B0604020202020204" pitchFamily="34" charset="0"/>
+              <a:buChar char="•"/>
+            </a:pPr>
+            <a:r>
+              <a:rPr lang="en-US" sz="2400" dirty="0"/>
+              <a:t> Linear Regression </a:t>
+            </a:r>
+            <a:endParaRPr lang="en-US" sz="2400" b="1" dirty="0"/>
+          </a:p>
+          <a:p>
+            <a:endParaRPr lang="en-US" sz="2400" b="1" dirty="0"/>
+          </a:p>
+          <a:p>
+            <a:endParaRPr lang="en-US" sz="2400" b="1" dirty="0"/>
+          </a:p>
+        </p:txBody>
+      </p:sp>
+      <p:sp>
+        <p:nvSpPr>
+          <p:cNvPr id="5" name="TextBox 4">
+            <a:extLst>
+              <a:ext uri="{FF2B5EF4-FFF2-40B4-BE49-F238E27FC236}">
+                <a16:creationId xmlns:a16="http://schemas.microsoft.com/office/drawing/2014/main" id="{15C96ECF-1153-1171-D7BB-57B8D20E34CE}"/>
+              </a:ext>
+            </a:extLst>
+          </p:cNvPr>
+          <p:cNvSpPr txBox="1"/>
+          <p:nvPr/>
+        </p:nvSpPr>
+        <p:spPr>
+          <a:xfrm>
+            <a:off x="1253554" y="30344188"/>
+            <a:ext cx="11401261" cy="11172289"/>
+          </a:xfrm>
+          <a:prstGeom prst="rect">
+            <a:avLst/>
+          </a:prstGeom>
+          <a:noFill/>
+          <a:ln>
+            <a:noFill/>
+          </a:ln>
+        </p:spPr>
+        <p:txBody>
+          <a:bodyPr wrap="square">
+            <a:spAutoFit/>
+          </a:bodyPr>
+          <a:lstStyle/>
+          <a:p>
+            <a:pPr marL="457200" indent="-457200">
+              <a:buFont typeface="Arial" panose="020B0604020202020204" pitchFamily="34" charset="0"/>
+              <a:buChar char="•"/>
+            </a:pPr>
+            <a:r>
+              <a:rPr lang="en-US" sz="2400" dirty="0"/>
+              <a:t>Critical review of our own results and methods (e.g., Selection criteria made us delete some RBPs. Why? What were their properties?)</a:t>
+            </a:r>
+          </a:p>
+          <a:p>
+            <a:pPr marL="457200" indent="-457200">
+              <a:buFont typeface="Arial" panose="020B0604020202020204" pitchFamily="34" charset="0"/>
+              <a:buChar char="•"/>
+            </a:pPr>
+            <a:r>
+              <a:rPr lang="en-US" sz="2400" dirty="0"/>
+              <a:t>Why do we find fewer proteins than </a:t>
+            </a:r>
+            <a:r>
+              <a:rPr lang="en-US" sz="2400" dirty="0" err="1"/>
+              <a:t>Maïwen</a:t>
+            </a:r>
+            <a:r>
+              <a:rPr lang="en-US" sz="2400" dirty="0"/>
+              <a:t>? </a:t>
+            </a:r>
+          </a:p>
+          <a:p>
+            <a:pPr marL="457200" indent="-457200">
+              <a:buFont typeface="Arial" panose="020B0604020202020204" pitchFamily="34" charset="0"/>
+              <a:buChar char="•"/>
+            </a:pPr>
+            <a:endParaRPr lang="en-US" sz="2400" dirty="0"/>
+          </a:p>
+          <a:p>
+            <a:pPr marL="457200" indent="-457200">
+              <a:buFont typeface="Arial" panose="020B0604020202020204" pitchFamily="34" charset="0"/>
+              <a:buChar char="•"/>
+            </a:pPr>
+            <a:endParaRPr lang="en-US" sz="2400" dirty="0"/>
+          </a:p>
+          <a:p>
+            <a:pPr marL="457200" indent="-457200">
+              <a:buFont typeface="Arial" panose="020B0604020202020204" pitchFamily="34" charset="0"/>
+              <a:buChar char="•"/>
+            </a:pPr>
+            <a:endParaRPr lang="en-US" sz="2400" dirty="0"/>
+          </a:p>
+          <a:p>
+            <a:pPr marL="457200" indent="-457200">
+              <a:buFont typeface="Arial" panose="020B0604020202020204" pitchFamily="34" charset="0"/>
+              <a:buChar char="•"/>
+            </a:pPr>
+            <a:endParaRPr lang="en-US" sz="2400" dirty="0"/>
+          </a:p>
+          <a:p>
+            <a:pPr marL="457200" indent="-457200">
+              <a:buFont typeface="Arial" panose="020B0604020202020204" pitchFamily="34" charset="0"/>
+              <a:buChar char="•"/>
+            </a:pPr>
+            <a:endParaRPr lang="en-US" sz="2400" dirty="0"/>
+          </a:p>
+          <a:p>
+            <a:pPr marL="457200" indent="-457200">
+              <a:buFont typeface="Arial" panose="020B0604020202020204" pitchFamily="34" charset="0"/>
+              <a:buChar char="•"/>
+            </a:pPr>
+            <a:endParaRPr lang="en-US" sz="2400" dirty="0"/>
+          </a:p>
+          <a:p>
+            <a:pPr marL="457200" indent="-457200">
+              <a:buFont typeface="Arial" panose="020B0604020202020204" pitchFamily="34" charset="0"/>
+              <a:buChar char="•"/>
+            </a:pPr>
+            <a:endParaRPr lang="en-US" sz="2400" dirty="0"/>
+          </a:p>
+          <a:p>
+            <a:pPr marL="457200" indent="-457200">
+              <a:buFont typeface="Arial" panose="020B0604020202020204" pitchFamily="34" charset="0"/>
+              <a:buChar char="•"/>
+            </a:pPr>
+            <a:endParaRPr lang="en-US" sz="2400" dirty="0"/>
+          </a:p>
+          <a:p>
+            <a:pPr marL="457200" indent="-457200">
+              <a:buFont typeface="Arial" panose="020B0604020202020204" pitchFamily="34" charset="0"/>
+              <a:buChar char="•"/>
+            </a:pPr>
+            <a:endParaRPr lang="en-US" sz="2400" dirty="0"/>
+          </a:p>
+          <a:p>
+            <a:pPr marL="457200" indent="-457200">
+              <a:buFont typeface="Arial" panose="020B0604020202020204" pitchFamily="34" charset="0"/>
+              <a:buChar char="•"/>
+            </a:pPr>
+            <a:endParaRPr lang="en-US" sz="2400" dirty="0"/>
+          </a:p>
+          <a:p>
+            <a:pPr marL="457200" indent="-457200">
+              <a:buFont typeface="Arial" panose="020B0604020202020204" pitchFamily="34" charset="0"/>
+              <a:buChar char="•"/>
+            </a:pPr>
+            <a:endParaRPr lang="en-US" sz="2400" dirty="0"/>
+          </a:p>
+          <a:p>
+            <a:pPr marL="457200" indent="-457200">
+              <a:buFont typeface="Arial" panose="020B0604020202020204" pitchFamily="34" charset="0"/>
+              <a:buChar char="•"/>
+            </a:pPr>
+            <a:endParaRPr lang="en-US" sz="2400" dirty="0"/>
+          </a:p>
+          <a:p>
+            <a:pPr marL="457200" indent="-457200">
+              <a:buFont typeface="Arial" panose="020B0604020202020204" pitchFamily="34" charset="0"/>
+              <a:buChar char="•"/>
+            </a:pPr>
+            <a:endParaRPr lang="en-US" sz="2400" dirty="0"/>
+          </a:p>
+          <a:p>
+            <a:pPr marL="457200" indent="-457200">
+              <a:buFont typeface="Arial" panose="020B0604020202020204" pitchFamily="34" charset="0"/>
+              <a:buChar char="•"/>
+            </a:pPr>
+            <a:endParaRPr lang="en-US" sz="2400" dirty="0"/>
+          </a:p>
+          <a:p>
+            <a:pPr marL="457200" indent="-457200">
+              <a:buFont typeface="Arial" panose="020B0604020202020204" pitchFamily="34" charset="0"/>
+              <a:buChar char="•"/>
+            </a:pPr>
+            <a:endParaRPr lang="en-US" sz="2400" dirty="0"/>
+          </a:p>
+          <a:p>
+            <a:pPr marL="457200" indent="-457200">
+              <a:buFont typeface="Arial" panose="020B0604020202020204" pitchFamily="34" charset="0"/>
+              <a:buChar char="•"/>
+            </a:pPr>
+            <a:endParaRPr lang="en-US" sz="2400" dirty="0"/>
+          </a:p>
+          <a:p>
+            <a:pPr marL="457200" indent="-457200">
+              <a:buFont typeface="Arial" panose="020B0604020202020204" pitchFamily="34" charset="0"/>
+              <a:buChar char="•"/>
+            </a:pPr>
+            <a:endParaRPr lang="en-US" sz="2400" dirty="0"/>
+          </a:p>
+          <a:p>
+            <a:pPr marL="457200" indent="-457200">
+              <a:buFont typeface="Arial" panose="020B0604020202020204" pitchFamily="34" charset="0"/>
+              <a:buChar char="•"/>
+            </a:pPr>
+            <a:endParaRPr lang="en-US" sz="2400" dirty="0"/>
+          </a:p>
+          <a:p>
+            <a:pPr marL="457200" indent="-457200">
+              <a:buFont typeface="Arial" panose="020B0604020202020204" pitchFamily="34" charset="0"/>
+              <a:buChar char="•"/>
+            </a:pPr>
+            <a:endParaRPr lang="en-US" sz="2400" dirty="0"/>
+          </a:p>
+          <a:p>
+            <a:pPr marL="457200" indent="-457200">
+              <a:buFont typeface="Arial" panose="020B0604020202020204" pitchFamily="34" charset="0"/>
+              <a:buChar char="•"/>
+            </a:pPr>
+            <a:endParaRPr lang="en-US" sz="2400" dirty="0"/>
+          </a:p>
+          <a:p>
+            <a:pPr marL="457200" indent="-457200">
+              <a:buFont typeface="Arial" panose="020B0604020202020204" pitchFamily="34" charset="0"/>
+              <a:buChar char="•"/>
+            </a:pPr>
+            <a:endParaRPr lang="en-US" sz="2400" dirty="0"/>
+          </a:p>
+          <a:p>
+            <a:pPr marL="457200" indent="-457200">
+              <a:buFont typeface="Arial" panose="020B0604020202020204" pitchFamily="34" charset="0"/>
+              <a:buChar char="•"/>
+            </a:pPr>
+            <a:endParaRPr lang="en-US" sz="2400" dirty="0"/>
+          </a:p>
+          <a:p>
+            <a:pPr marL="457200" indent="-457200">
+              <a:buFont typeface="Arial" panose="020B0604020202020204" pitchFamily="34" charset="0"/>
+              <a:buChar char="•"/>
+            </a:pPr>
+            <a:endParaRPr lang="en-US" sz="2400" dirty="0"/>
+          </a:p>
+          <a:p>
+            <a:pPr marL="457200" indent="-457200">
+              <a:buFont typeface="Arial" panose="020B0604020202020204" pitchFamily="34" charset="0"/>
+              <a:buChar char="•"/>
+            </a:pPr>
+            <a:endParaRPr lang="en-US" sz="2400" dirty="0"/>
+          </a:p>
+          <a:p>
+            <a:pPr marL="457200" indent="-457200">
+              <a:buFont typeface="Arial" panose="020B0604020202020204" pitchFamily="34" charset="0"/>
+              <a:buChar char="•"/>
+            </a:pPr>
+            <a:endParaRPr lang="en-US" sz="2400" dirty="0"/>
+          </a:p>
+          <a:p>
+            <a:pPr marL="457200" indent="-457200">
+              <a:buFont typeface="Arial" panose="020B0604020202020204" pitchFamily="34" charset="0"/>
+              <a:buChar char="•"/>
+            </a:pPr>
+            <a:endParaRPr lang="en-US" sz="2400" dirty="0"/>
+          </a:p>
+          <a:p>
+            <a:endParaRPr lang="en-US" sz="2400" b="1" dirty="0"/>
+          </a:p>
+        </p:txBody>
+      </p:sp>
+      <p:sp>
+        <p:nvSpPr>
+          <p:cNvPr id="6" name="TextBox 5">
+            <a:extLst>
+              <a:ext uri="{FF2B5EF4-FFF2-40B4-BE49-F238E27FC236}">
+                <a16:creationId xmlns:a16="http://schemas.microsoft.com/office/drawing/2014/main" id="{B1D16A49-64DF-A7C4-2570-0F65E565AC94}"/>
+              </a:ext>
+            </a:extLst>
+          </p:cNvPr>
+          <p:cNvSpPr txBox="1"/>
+          <p:nvPr/>
+        </p:nvSpPr>
+        <p:spPr>
+          <a:xfrm>
+            <a:off x="16242587" y="36706123"/>
+            <a:ext cx="5093413" cy="1569660"/>
+          </a:xfrm>
+          <a:prstGeom prst="rect">
+            <a:avLst/>
+          </a:prstGeom>
+          <a:noFill/>
+          <a:ln>
+            <a:noFill/>
+          </a:ln>
+        </p:spPr>
+        <p:txBody>
+          <a:bodyPr wrap="square">
+            <a:spAutoFit/>
+          </a:bodyPr>
+          <a:lstStyle/>
+          <a:p>
+            <a:pPr marL="457200" indent="-457200">
+              <a:buFont typeface="Arial" panose="020B0604020202020204" pitchFamily="34" charset="0"/>
+              <a:buChar char="•"/>
+            </a:pPr>
+            <a:endParaRPr lang="en-US" sz="2400" dirty="0"/>
+          </a:p>
+          <a:p>
+            <a:pPr marL="457200" indent="-457200">
+              <a:buFont typeface="Arial" panose="020B0604020202020204" pitchFamily="34" charset="0"/>
+              <a:buChar char="•"/>
+            </a:pPr>
+            <a:r>
+              <a:rPr lang="en-US" sz="2400" dirty="0"/>
+              <a:t>https://de.wikipedia.org/wiki/Eigentliche_Schnepfen</a:t>
+            </a:r>
+          </a:p>
+          <a:p>
+            <a:pPr marL="457200" indent="-457200">
+              <a:buFont typeface="Arial" panose="020B0604020202020204" pitchFamily="34" charset="0"/>
+              <a:buChar char="•"/>
+            </a:pPr>
+            <a:endParaRPr lang="en-US" sz="2400" dirty="0"/>
+          </a:p>
+        </p:txBody>
+      </p:sp>
+      <p:sp>
+        <p:nvSpPr>
+          <p:cNvPr id="7" name="TextBox 6">
+            <a:extLst>
+              <a:ext uri="{FF2B5EF4-FFF2-40B4-BE49-F238E27FC236}">
+                <a16:creationId xmlns:a16="http://schemas.microsoft.com/office/drawing/2014/main" id="{312DA0DD-6821-DBE6-F9C4-AC9A32830850}"/>
+              </a:ext>
+            </a:extLst>
+          </p:cNvPr>
+          <p:cNvSpPr txBox="1"/>
+          <p:nvPr/>
+        </p:nvSpPr>
+        <p:spPr>
+          <a:xfrm>
+            <a:off x="16242587" y="29972784"/>
+            <a:ext cx="8291810" cy="1200329"/>
+          </a:xfrm>
+          <a:prstGeom prst="rect">
+            <a:avLst/>
+          </a:prstGeom>
+          <a:noFill/>
+          <a:ln>
+            <a:noFill/>
+          </a:ln>
+        </p:spPr>
+        <p:txBody>
+          <a:bodyPr wrap="square">
+            <a:spAutoFit/>
+          </a:bodyPr>
+          <a:lstStyle/>
+          <a:p>
+            <a:pPr marL="457200" indent="-457200">
+              <a:buFont typeface="Arial" panose="020B0604020202020204" pitchFamily="34" charset="0"/>
+              <a:buChar char="•"/>
+            </a:pPr>
+            <a:r>
+              <a:rPr lang="de-DE" sz="2400" dirty="0"/>
+              <a:t>We found X proteins that ...</a:t>
+            </a:r>
+          </a:p>
+          <a:p>
+            <a:pPr marL="457200" indent="-457200">
+              <a:buFont typeface="Arial" panose="020B0604020202020204" pitchFamily="34" charset="0"/>
+              <a:buChar char="•"/>
+            </a:pPr>
+            <a:endParaRPr lang="de-DE" sz="2400" dirty="0"/>
+          </a:p>
+          <a:p>
+            <a:endParaRPr lang="en-US" sz="2400" b="1" dirty="0"/>
+          </a:p>
+        </p:txBody>
+      </p:sp>
+      <p:sp>
+        <p:nvSpPr>
+          <p:cNvPr id="24" name="Rectangle: Rounded Corners 23">
+            <a:extLst>
+              <a:ext uri="{FF2B5EF4-FFF2-40B4-BE49-F238E27FC236}">
+                <a16:creationId xmlns:a16="http://schemas.microsoft.com/office/drawing/2014/main" id="{28283AE4-3E84-2FD4-25A8-0CB2827E3F63}"/>
+              </a:ext>
+            </a:extLst>
+          </p:cNvPr>
+          <p:cNvSpPr/>
+          <p:nvPr/>
+        </p:nvSpPr>
+        <p:spPr>
+          <a:xfrm>
+            <a:off x="619433" y="6667389"/>
+            <a:ext cx="29036347" cy="1430255"/>
+          </a:xfrm>
+          <a:prstGeom prst="roundRect">
+            <a:avLst>
+              <a:gd name="adj" fmla="val 0"/>
+            </a:avLst>
+          </a:prstGeom>
+          <a:solidFill>
+            <a:srgbClr val="B21D31"/>
+          </a:solidFill>
+          <a:ln>
+            <a:noFill/>
+          </a:ln>
+        </p:spPr>
+        <p:style>
+          <a:lnRef idx="2">
+            <a:schemeClr val="accent1">
+              <a:shade val="15000"/>
+            </a:schemeClr>
+          </a:lnRef>
+          <a:fillRef idx="1">
+            <a:schemeClr val="accent1"/>
+          </a:fillRef>
+          <a:effectRef idx="0">
+            <a:schemeClr val="accent1"/>
+          </a:effectRef>
+          <a:fontRef idx="minor">
+            <a:schemeClr val="lt1"/>
+          </a:fontRef>
+        </p:style>
+        <p:txBody>
+          <a:bodyPr rtlCol="0" anchor="ctr"/>
+          <a:lstStyle/>
+          <a:p>
+            <a:r>
+              <a:rPr lang="en-US" sz="6000" b="1" dirty="0"/>
+              <a:t>                   Identifying RNA-Dependent Proteins from Proteomic Data</a:t>
+            </a:r>
+            <a:endParaRPr lang="en-US" sz="1500" b="1" dirty="0"/>
+          </a:p>
+          <a:p>
+            <a:pPr algn="ctr"/>
+            <a:r>
+              <a:rPr lang="en-US" sz="1000" b="1" dirty="0" err="1"/>
+              <a:t>kkk</a:t>
+            </a:r>
+            <a:endParaRPr lang="en-US" sz="1000" b="1" dirty="0"/>
+          </a:p>
+        </p:txBody>
+      </p:sp>
+      <p:sp>
+        <p:nvSpPr>
+          <p:cNvPr id="25" name="TextBox 24">
+            <a:extLst>
+              <a:ext uri="{FF2B5EF4-FFF2-40B4-BE49-F238E27FC236}">
+                <a16:creationId xmlns:a16="http://schemas.microsoft.com/office/drawing/2014/main" id="{116EB967-3BC3-6597-3AB4-CA792E49DDB7}"/>
+              </a:ext>
+            </a:extLst>
+          </p:cNvPr>
+          <p:cNvSpPr txBox="1"/>
+          <p:nvPr/>
+        </p:nvSpPr>
+        <p:spPr>
+          <a:xfrm>
+            <a:off x="15164570" y="8641574"/>
+            <a:ext cx="13893040" cy="2308324"/>
+          </a:xfrm>
+          <a:prstGeom prst="rect">
+            <a:avLst/>
+          </a:prstGeom>
+          <a:noFill/>
+          <a:ln>
+            <a:noFill/>
+          </a:ln>
+        </p:spPr>
+        <p:txBody>
+          <a:bodyPr wrap="square">
+            <a:spAutoFit/>
+          </a:bodyPr>
+          <a:lstStyle/>
+          <a:p>
+            <a:r>
+              <a:rPr lang="en-US" sz="2400" b="1" dirty="0"/>
+              <a:t>Key Characteristics of Our Dataset</a:t>
+            </a:r>
+            <a:endParaRPr lang="de-DE" sz="2400" b="1" dirty="0"/>
+          </a:p>
+          <a:p>
+            <a:pPr marL="457200" indent="-457200">
+              <a:buFont typeface="Arial" panose="020B0604020202020204" pitchFamily="34" charset="0"/>
+              <a:buChar char="•"/>
+            </a:pPr>
+            <a:r>
+              <a:rPr lang="en-US" sz="2400" dirty="0"/>
+              <a:t>Our dataset was generated using the R-Deep approach</a:t>
+            </a:r>
+          </a:p>
+          <a:p>
+            <a:pPr marL="457200" indent="-457200">
+              <a:buFont typeface="Arial" panose="020B0604020202020204" pitchFamily="34" charset="0"/>
+              <a:buChar char="•"/>
+            </a:pPr>
+            <a:r>
+              <a:rPr lang="de-DE" sz="2400" dirty="0"/>
+              <a:t>~5000 Proteine in 25 Fraktionen, Rnase vs. CTRL</a:t>
+            </a:r>
+            <a:endParaRPr lang="en-US" sz="2400" dirty="0"/>
+          </a:p>
+          <a:p>
+            <a:pPr marL="457200" indent="-457200">
+              <a:buFont typeface="Arial" panose="020B0604020202020204" pitchFamily="34" charset="0"/>
+              <a:buChar char="•"/>
+            </a:pPr>
+            <a:r>
+              <a:rPr lang="en-US" sz="2400" dirty="0"/>
+              <a:t>Dimensions</a:t>
+            </a:r>
+            <a:endParaRPr lang="en-US" sz="2400" b="1" dirty="0"/>
+          </a:p>
+          <a:p>
+            <a:pPr marL="457200" indent="-457200">
+              <a:buFont typeface="Arial" panose="020B0604020202020204" pitchFamily="34" charset="0"/>
+              <a:buChar char="•"/>
+            </a:pPr>
+            <a:endParaRPr lang="de-DE" sz="2400" dirty="0"/>
+          </a:p>
+          <a:p>
+            <a:pPr marL="457200" indent="-457200">
+              <a:buFont typeface="Arial" panose="020B0604020202020204" pitchFamily="34" charset="0"/>
+              <a:buChar char="•"/>
+            </a:pPr>
+            <a:endParaRPr lang="de-DE" sz="2400" dirty="0"/>
+          </a:p>
+        </p:txBody>
+      </p:sp>
+      <p:sp>
+        <p:nvSpPr>
+          <p:cNvPr id="27" name="Rectangle: Rounded Corners 26">
+            <a:extLst>
+              <a:ext uri="{FF2B5EF4-FFF2-40B4-BE49-F238E27FC236}">
+                <a16:creationId xmlns:a16="http://schemas.microsoft.com/office/drawing/2014/main" id="{42638118-C807-6664-3F04-3B8505A98390}"/>
+              </a:ext>
+            </a:extLst>
+          </p:cNvPr>
+          <p:cNvSpPr/>
+          <p:nvPr/>
+        </p:nvSpPr>
+        <p:spPr>
+          <a:xfrm>
+            <a:off x="668635" y="14273441"/>
+            <a:ext cx="28937944" cy="1430255"/>
+          </a:xfrm>
+          <a:prstGeom prst="roundRect">
+            <a:avLst>
+              <a:gd name="adj" fmla="val 0"/>
+            </a:avLst>
+          </a:prstGeom>
+          <a:solidFill>
+            <a:srgbClr val="25333C"/>
+          </a:solidFill>
+          <a:ln>
+            <a:solidFill>
+              <a:srgbClr val="25333C"/>
+            </a:solidFill>
+          </a:ln>
+        </p:spPr>
+        <p:style>
+          <a:lnRef idx="2">
+            <a:schemeClr val="accent1">
+              <a:shade val="15000"/>
+            </a:schemeClr>
+          </a:lnRef>
+          <a:fillRef idx="1">
+            <a:schemeClr val="accent1"/>
+          </a:fillRef>
+          <a:effectRef idx="0">
+            <a:schemeClr val="accent1"/>
+          </a:effectRef>
+          <a:fontRef idx="minor">
+            <a:schemeClr val="lt1"/>
+          </a:fontRef>
+        </p:style>
+        <p:txBody>
+          <a:bodyPr rtlCol="0" anchor="ctr"/>
+          <a:lstStyle/>
+          <a:p>
+            <a:r>
+              <a:rPr lang="en-US" sz="6000" b="1" dirty="0"/>
+              <a:t>                  Our Approach</a:t>
+            </a:r>
+            <a:endParaRPr lang="en-US" sz="1500" b="1" dirty="0"/>
+          </a:p>
+          <a:p>
+            <a:pPr algn="ctr"/>
+            <a:endParaRPr lang="en-US" sz="1000" b="1" dirty="0"/>
+          </a:p>
+        </p:txBody>
+      </p:sp>
+      <p:sp>
+        <p:nvSpPr>
+          <p:cNvPr id="28" name="Rectangle: Rounded Corners 27">
+            <a:extLst>
+              <a:ext uri="{FF2B5EF4-FFF2-40B4-BE49-F238E27FC236}">
+                <a16:creationId xmlns:a16="http://schemas.microsoft.com/office/drawing/2014/main" id="{50B5C6F4-F98B-2E02-0993-889E6094351B}"/>
+              </a:ext>
+            </a:extLst>
+          </p:cNvPr>
+          <p:cNvSpPr/>
+          <p:nvPr/>
+        </p:nvSpPr>
+        <p:spPr>
+          <a:xfrm>
+            <a:off x="668636" y="28063936"/>
+            <a:ext cx="14468970" cy="1430255"/>
+          </a:xfrm>
+          <a:prstGeom prst="roundRect">
+            <a:avLst>
+              <a:gd name="adj" fmla="val 0"/>
+            </a:avLst>
+          </a:prstGeom>
+          <a:solidFill>
+            <a:srgbClr val="2F4047"/>
+          </a:solidFill>
+          <a:ln>
+            <a:solidFill>
+              <a:srgbClr val="2F4047"/>
+            </a:solidFill>
+          </a:ln>
+        </p:spPr>
+        <p:style>
+          <a:lnRef idx="2">
+            <a:schemeClr val="accent1">
+              <a:shade val="15000"/>
+            </a:schemeClr>
+          </a:lnRef>
+          <a:fillRef idx="1">
+            <a:schemeClr val="accent1"/>
+          </a:fillRef>
+          <a:effectRef idx="0">
+            <a:schemeClr val="accent1"/>
+          </a:effectRef>
+          <a:fontRef idx="minor">
+            <a:schemeClr val="lt1"/>
+          </a:fontRef>
+        </p:style>
+        <p:txBody>
+          <a:bodyPr rtlCol="0" anchor="ctr"/>
+          <a:lstStyle/>
+          <a:p>
+            <a:r>
+              <a:rPr lang="en-US" sz="6000" b="1" dirty="0"/>
+              <a:t>                  Discussion</a:t>
+            </a:r>
+            <a:endParaRPr lang="en-US" sz="1500" b="1" dirty="0"/>
+          </a:p>
+          <a:p>
+            <a:endParaRPr lang="en-US" sz="1000" b="1" dirty="0"/>
+          </a:p>
+        </p:txBody>
+      </p:sp>
+      <p:sp>
+        <p:nvSpPr>
+          <p:cNvPr id="29" name="Rectangle: Rounded Corners 28">
+            <a:extLst>
+              <a:ext uri="{FF2B5EF4-FFF2-40B4-BE49-F238E27FC236}">
+                <a16:creationId xmlns:a16="http://schemas.microsoft.com/office/drawing/2014/main" id="{EEA3C6B2-7C03-B754-7125-6351562E708B}"/>
+              </a:ext>
+            </a:extLst>
+          </p:cNvPr>
+          <p:cNvSpPr/>
+          <p:nvPr/>
+        </p:nvSpPr>
+        <p:spPr>
+          <a:xfrm>
+            <a:off x="15765564" y="28216109"/>
+            <a:ext cx="14052399" cy="1430255"/>
+          </a:xfrm>
+          <a:prstGeom prst="roundRect">
+            <a:avLst>
+              <a:gd name="adj" fmla="val 0"/>
+            </a:avLst>
+          </a:prstGeom>
+          <a:solidFill>
+            <a:srgbClr val="B21D31"/>
+          </a:solidFill>
+          <a:ln>
+            <a:solidFill>
+              <a:srgbClr val="B21D31"/>
+            </a:solidFill>
+          </a:ln>
+        </p:spPr>
+        <p:style>
+          <a:lnRef idx="2">
+            <a:schemeClr val="accent1">
+              <a:shade val="15000"/>
+            </a:schemeClr>
+          </a:lnRef>
+          <a:fillRef idx="1">
+            <a:schemeClr val="accent1"/>
+          </a:fillRef>
+          <a:effectRef idx="0">
+            <a:schemeClr val="accent1"/>
+          </a:effectRef>
+          <a:fontRef idx="minor">
+            <a:schemeClr val="lt1"/>
+          </a:fontRef>
+        </p:style>
+        <p:txBody>
+          <a:bodyPr rtlCol="0" anchor="ctr"/>
+          <a:lstStyle/>
+          <a:p>
+            <a:pPr algn="ctr"/>
+            <a:r>
+              <a:rPr lang="en-US" sz="6000" b="1" dirty="0"/>
+              <a:t>     Our Achievements</a:t>
+            </a:r>
+            <a:endParaRPr lang="en-US" sz="1000" b="1" dirty="0"/>
+          </a:p>
+        </p:txBody>
+      </p:sp>
+      <p:sp>
+        <p:nvSpPr>
+          <p:cNvPr id="30" name="Rectangle: Rounded Corners 29">
+            <a:extLst>
+              <a:ext uri="{FF2B5EF4-FFF2-40B4-BE49-F238E27FC236}">
+                <a16:creationId xmlns:a16="http://schemas.microsoft.com/office/drawing/2014/main" id="{BC1AF5C1-3079-FA54-EE67-825EC9EC12B8}"/>
+              </a:ext>
+            </a:extLst>
+          </p:cNvPr>
+          <p:cNvSpPr/>
+          <p:nvPr/>
+        </p:nvSpPr>
+        <p:spPr>
+          <a:xfrm>
+            <a:off x="15841730" y="34677796"/>
+            <a:ext cx="14052399" cy="1430255"/>
+          </a:xfrm>
+          <a:prstGeom prst="roundRect">
+            <a:avLst>
+              <a:gd name="adj" fmla="val 0"/>
+            </a:avLst>
+          </a:prstGeom>
+          <a:solidFill>
+            <a:srgbClr val="475A5F"/>
+          </a:solidFill>
+          <a:ln>
+            <a:noFill/>
+          </a:ln>
+        </p:spPr>
+        <p:style>
+          <a:lnRef idx="2">
+            <a:schemeClr val="accent1">
+              <a:shade val="15000"/>
+            </a:schemeClr>
+          </a:lnRef>
+          <a:fillRef idx="1">
+            <a:schemeClr val="accent1"/>
+          </a:fillRef>
+          <a:effectRef idx="0">
+            <a:schemeClr val="accent1"/>
+          </a:effectRef>
+          <a:fontRef idx="minor">
+            <a:schemeClr val="lt1"/>
+          </a:fontRef>
+        </p:style>
+        <p:txBody>
+          <a:bodyPr rtlCol="0" anchor="ctr"/>
+          <a:lstStyle/>
+          <a:p>
+            <a:r>
+              <a:rPr lang="en-US" sz="6000" b="1" dirty="0"/>
+              <a:t>                 References</a:t>
+            </a:r>
+            <a:endParaRPr lang="en-US" sz="1000" b="1" dirty="0"/>
+          </a:p>
+        </p:txBody>
+      </p:sp>
+      <p:sp>
+        <p:nvSpPr>
+          <p:cNvPr id="15" name="Rectangle: Top Corners Rounded 14">
+            <a:extLst>
+              <a:ext uri="{FF2B5EF4-FFF2-40B4-BE49-F238E27FC236}">
+                <a16:creationId xmlns:a16="http://schemas.microsoft.com/office/drawing/2014/main" id="{64D0707B-72C3-CFC8-2A22-45B13640E075}"/>
+              </a:ext>
+            </a:extLst>
+          </p:cNvPr>
+          <p:cNvSpPr/>
+          <p:nvPr/>
+        </p:nvSpPr>
+        <p:spPr>
+          <a:xfrm flipV="1">
+            <a:off x="4914900" y="-21880"/>
+            <a:ext cx="20288249" cy="4463665"/>
+          </a:xfrm>
+          <a:prstGeom prst="round2SameRect">
+            <a:avLst/>
+          </a:prstGeom>
+          <a:solidFill>
+            <a:srgbClr val="B21D31"/>
+          </a:solidFill>
+          <a:ln w="254000">
+            <a:noFill/>
+          </a:ln>
+        </p:spPr>
+        <p:style>
+          <a:lnRef idx="2">
+            <a:schemeClr val="accent1">
+              <a:shade val="15000"/>
+            </a:schemeClr>
+          </a:lnRef>
+          <a:fillRef idx="1">
+            <a:schemeClr val="accent1"/>
+          </a:fillRef>
+          <a:effectRef idx="0">
+            <a:schemeClr val="accent1"/>
+          </a:effectRef>
+          <a:fontRef idx="minor">
+            <a:schemeClr val="lt1"/>
+          </a:fontRef>
+        </p:style>
+        <p:txBody>
+          <a:bodyPr rtlCol="0" anchor="ctr"/>
+          <a:lstStyle/>
+          <a:p>
+            <a:pPr algn="ctr"/>
+            <a:endParaRPr lang="de-DE"/>
+          </a:p>
+        </p:txBody>
+      </p:sp>
+      <p:sp>
+        <p:nvSpPr>
+          <p:cNvPr id="23" name="Titel 1">
+            <a:extLst>
+              <a:ext uri="{FF2B5EF4-FFF2-40B4-BE49-F238E27FC236}">
+                <a16:creationId xmlns:a16="http://schemas.microsoft.com/office/drawing/2014/main" id="{6400AEC1-9B0B-1686-6EFB-8E4B141B7CFC}"/>
+              </a:ext>
+            </a:extLst>
+          </p:cNvPr>
+          <p:cNvSpPr txBox="1">
+            <a:spLocks/>
+          </p:cNvSpPr>
+          <p:nvPr/>
+        </p:nvSpPr>
+        <p:spPr>
+          <a:xfrm>
+            <a:off x="8664242" y="959551"/>
+            <a:ext cx="13000655" cy="1836887"/>
+          </a:xfrm>
+          <a:prstGeom prst="rect">
+            <a:avLst/>
+          </a:prstGeom>
+        </p:spPr>
+        <p:txBody>
+          <a:bodyPr vert="horz" lIns="91440" tIns="45720" rIns="91440" bIns="45720" rtlCol="0" anchor="b">
+            <a:noAutofit/>
+          </a:bodyPr>
+          <a:lstStyle>
+            <a:lvl1pPr algn="ctr" defTabSz="3027487" rtl="0" eaLnBrk="1" latinLnBrk="0" hangingPunct="1">
+              <a:lnSpc>
+                <a:spcPct val="90000"/>
+              </a:lnSpc>
+              <a:spcBef>
+                <a:spcPct val="0"/>
+              </a:spcBef>
+              <a:buNone/>
+              <a:defRPr sz="19865" kern="1200">
+                <a:solidFill>
+                  <a:schemeClr val="tx1"/>
+                </a:solidFill>
+                <a:latin typeface="+mj-lt"/>
+                <a:ea typeface="+mj-ea"/>
+                <a:cs typeface="+mj-cs"/>
+              </a:defRPr>
+            </a:lvl1pPr>
+          </a:lstStyle>
+          <a:p>
+            <a:pPr algn="l"/>
+            <a:r>
+              <a:rPr lang="de-DE" sz="7000" b="1" dirty="0">
+                <a:solidFill>
+                  <a:schemeClr val="bg1"/>
+                </a:solidFill>
+              </a:rPr>
+              <a:t>Hidden Alliances: RNA-Dependent Protein Interactions in Cancer Cells</a:t>
+            </a:r>
+            <a:endParaRPr lang="en-US" sz="7000" b="1" dirty="0">
+              <a:solidFill>
+                <a:schemeClr val="bg1"/>
+              </a:solidFill>
+            </a:endParaRPr>
+          </a:p>
+        </p:txBody>
+      </p:sp>
+      <p:sp>
+        <p:nvSpPr>
+          <p:cNvPr id="31" name="Titel 1">
+            <a:extLst>
+              <a:ext uri="{FF2B5EF4-FFF2-40B4-BE49-F238E27FC236}">
+                <a16:creationId xmlns:a16="http://schemas.microsoft.com/office/drawing/2014/main" id="{B7C0B148-B6A9-151E-D8C7-7F063AF2C0B5}"/>
+              </a:ext>
+            </a:extLst>
+          </p:cNvPr>
+          <p:cNvSpPr txBox="1">
+            <a:spLocks/>
+          </p:cNvSpPr>
+          <p:nvPr/>
+        </p:nvSpPr>
+        <p:spPr>
+          <a:xfrm>
+            <a:off x="9650865" y="2528719"/>
+            <a:ext cx="10973477" cy="1323687"/>
+          </a:xfrm>
+          <a:prstGeom prst="rect">
+            <a:avLst/>
+          </a:prstGeom>
+        </p:spPr>
+        <p:txBody>
+          <a:bodyPr vert="horz" lIns="45681" tIns="22840" rIns="45681" bIns="22840" rtlCol="0" anchor="b">
+            <a:noAutofit/>
+          </a:bodyPr>
+          <a:lstStyle>
+            <a:lvl1pPr algn="ctr" defTabSz="3027487" rtl="0" eaLnBrk="1" latinLnBrk="0" hangingPunct="1">
+              <a:lnSpc>
+                <a:spcPct val="90000"/>
+              </a:lnSpc>
+              <a:spcBef>
+                <a:spcPct val="0"/>
+              </a:spcBef>
+              <a:buNone/>
+              <a:defRPr sz="19865" kern="1200">
+                <a:solidFill>
+                  <a:schemeClr val="tx1"/>
+                </a:solidFill>
+                <a:latin typeface="+mj-lt"/>
+                <a:ea typeface="+mj-ea"/>
+                <a:cs typeface="+mj-cs"/>
+              </a:defRPr>
+            </a:lvl1pPr>
+          </a:lstStyle>
+          <a:p>
+            <a:r>
+              <a:rPr lang="de-DE" sz="2800" dirty="0">
+                <a:solidFill>
+                  <a:schemeClr val="bg1"/>
+                </a:solidFill>
+              </a:rPr>
+              <a:t>Julian </a:t>
+            </a:r>
+            <a:r>
+              <a:rPr lang="de-DE" sz="2800" dirty="0" err="1">
+                <a:solidFill>
+                  <a:schemeClr val="bg1"/>
+                </a:solidFill>
+              </a:rPr>
+              <a:t>Baureis</a:t>
+            </a:r>
+            <a:r>
+              <a:rPr lang="de-DE" sz="2800" dirty="0">
+                <a:solidFill>
+                  <a:schemeClr val="bg1"/>
+                </a:solidFill>
+              </a:rPr>
+              <a:t>, Julia Ferdin, Benjamin Nicklas, Luisa </a:t>
+            </a:r>
+            <a:r>
+              <a:rPr lang="de-DE" sz="2800" dirty="0" err="1">
+                <a:solidFill>
+                  <a:schemeClr val="bg1"/>
+                </a:solidFill>
+              </a:rPr>
+              <a:t>Wintel</a:t>
+            </a:r>
+            <a:endParaRPr lang="de-DE" sz="2800" dirty="0">
+              <a:solidFill>
+                <a:schemeClr val="bg1"/>
+              </a:solidFill>
+            </a:endParaRPr>
+          </a:p>
+          <a:p>
+            <a:r>
+              <a:rPr lang="de-DE" sz="2800" dirty="0">
+                <a:solidFill>
+                  <a:schemeClr val="bg1"/>
+                </a:solidFill>
+              </a:rPr>
+              <a:t>Data Analysis Project </a:t>
+            </a:r>
+            <a:r>
+              <a:rPr lang="de-DE" sz="2800" dirty="0" err="1">
+                <a:solidFill>
+                  <a:schemeClr val="bg1"/>
+                </a:solidFill>
+              </a:rPr>
+              <a:t>Molecular</a:t>
+            </a:r>
+            <a:r>
+              <a:rPr lang="de-DE" sz="2800" dirty="0">
+                <a:solidFill>
+                  <a:schemeClr val="bg1"/>
+                </a:solidFill>
+              </a:rPr>
+              <a:t> Biotechnology SS2025</a:t>
+            </a:r>
+          </a:p>
+        </p:txBody>
+      </p:sp>
+      <p:sp>
+        <p:nvSpPr>
+          <p:cNvPr id="32" name="Flowchart: Connector 31">
+            <a:extLst>
+              <a:ext uri="{FF2B5EF4-FFF2-40B4-BE49-F238E27FC236}">
+                <a16:creationId xmlns:a16="http://schemas.microsoft.com/office/drawing/2014/main" id="{1FC9C8A9-F9F8-6B88-E578-17825105B11A}"/>
+              </a:ext>
+            </a:extLst>
+          </p:cNvPr>
+          <p:cNvSpPr/>
+          <p:nvPr/>
+        </p:nvSpPr>
+        <p:spPr>
+          <a:xfrm>
+            <a:off x="1194289" y="6298753"/>
+            <a:ext cx="2006111" cy="1960592"/>
+          </a:xfrm>
+          <a:prstGeom prst="flowChartConnector">
+            <a:avLst/>
+          </a:prstGeom>
+          <a:solidFill>
+            <a:schemeClr val="bg1"/>
+          </a:solidFill>
+          <a:ln w="254000">
+            <a:solidFill>
+              <a:srgbClr val="B21D31"/>
+            </a:solidFill>
+          </a:ln>
+        </p:spPr>
+        <p:style>
+          <a:lnRef idx="2">
+            <a:schemeClr val="accent1">
+              <a:shade val="15000"/>
+            </a:schemeClr>
+          </a:lnRef>
+          <a:fillRef idx="1">
+            <a:schemeClr val="accent1"/>
+          </a:fillRef>
+          <a:effectRef idx="0">
+            <a:schemeClr val="accent1"/>
+          </a:effectRef>
+          <a:fontRef idx="minor">
+            <a:schemeClr val="lt1"/>
+          </a:fontRef>
+        </p:style>
+        <p:txBody>
+          <a:bodyPr rtlCol="0" anchor="ctr"/>
+          <a:lstStyle/>
+          <a:p>
+            <a:pPr algn="ctr"/>
+            <a:r>
+              <a:rPr lang="de-DE" sz="7000" b="1" dirty="0">
+                <a:solidFill>
+                  <a:srgbClr val="B21D31"/>
+                </a:solidFill>
+              </a:rPr>
+              <a:t>1</a:t>
+            </a:r>
+          </a:p>
+        </p:txBody>
+      </p:sp>
+      <p:sp>
+        <p:nvSpPr>
+          <p:cNvPr id="34" name="Flowchart: Connector 33">
+            <a:extLst>
+              <a:ext uri="{FF2B5EF4-FFF2-40B4-BE49-F238E27FC236}">
+                <a16:creationId xmlns:a16="http://schemas.microsoft.com/office/drawing/2014/main" id="{7076C07F-492A-4F63-189B-4BC9D7D448B0}"/>
+              </a:ext>
+            </a:extLst>
+          </p:cNvPr>
+          <p:cNvSpPr/>
+          <p:nvPr/>
+        </p:nvSpPr>
+        <p:spPr>
+          <a:xfrm>
+            <a:off x="1194288" y="13951122"/>
+            <a:ext cx="2006111" cy="1960592"/>
+          </a:xfrm>
+          <a:prstGeom prst="flowChartConnector">
+            <a:avLst/>
+          </a:prstGeom>
+          <a:solidFill>
+            <a:schemeClr val="bg1"/>
+          </a:solidFill>
+          <a:ln w="254000">
+            <a:solidFill>
+              <a:srgbClr val="25333C"/>
+            </a:solidFill>
+          </a:ln>
+        </p:spPr>
+        <p:style>
+          <a:lnRef idx="2">
+            <a:schemeClr val="accent1">
+              <a:shade val="15000"/>
+            </a:schemeClr>
+          </a:lnRef>
+          <a:fillRef idx="1">
+            <a:schemeClr val="accent1"/>
+          </a:fillRef>
+          <a:effectRef idx="0">
+            <a:schemeClr val="accent1"/>
+          </a:effectRef>
+          <a:fontRef idx="minor">
+            <a:schemeClr val="lt1"/>
+          </a:fontRef>
+        </p:style>
+        <p:txBody>
+          <a:bodyPr rtlCol="0" anchor="ctr"/>
+          <a:lstStyle/>
+          <a:p>
+            <a:pPr algn="ctr"/>
+            <a:r>
+              <a:rPr lang="de-DE" sz="7000" b="1" dirty="0">
+                <a:solidFill>
+                  <a:srgbClr val="25333C"/>
+                </a:solidFill>
+              </a:rPr>
+              <a:t>2</a:t>
+            </a:r>
+          </a:p>
+        </p:txBody>
+      </p:sp>
+      <p:sp>
+        <p:nvSpPr>
+          <p:cNvPr id="35" name="Flowchart: Connector 34">
+            <a:extLst>
+              <a:ext uri="{FF2B5EF4-FFF2-40B4-BE49-F238E27FC236}">
+                <a16:creationId xmlns:a16="http://schemas.microsoft.com/office/drawing/2014/main" id="{9435EEEE-1743-4EEE-F489-9612B1B041B7}"/>
+              </a:ext>
+            </a:extLst>
+          </p:cNvPr>
+          <p:cNvSpPr/>
+          <p:nvPr/>
+        </p:nvSpPr>
+        <p:spPr>
+          <a:xfrm>
+            <a:off x="1194287" y="27819044"/>
+            <a:ext cx="2006111" cy="1960592"/>
+          </a:xfrm>
+          <a:prstGeom prst="flowChartConnector">
+            <a:avLst/>
+          </a:prstGeom>
+          <a:solidFill>
+            <a:schemeClr val="bg1"/>
+          </a:solidFill>
+          <a:ln w="254000">
+            <a:solidFill>
+              <a:srgbClr val="2F4047"/>
+            </a:solidFill>
+          </a:ln>
+        </p:spPr>
+        <p:style>
+          <a:lnRef idx="2">
+            <a:schemeClr val="accent1">
+              <a:shade val="15000"/>
+            </a:schemeClr>
+          </a:lnRef>
+          <a:fillRef idx="1">
+            <a:schemeClr val="accent1"/>
+          </a:fillRef>
+          <a:effectRef idx="0">
+            <a:schemeClr val="accent1"/>
+          </a:effectRef>
+          <a:fontRef idx="minor">
+            <a:schemeClr val="lt1"/>
+          </a:fontRef>
+        </p:style>
+        <p:txBody>
+          <a:bodyPr rtlCol="0" anchor="ctr"/>
+          <a:lstStyle/>
+          <a:p>
+            <a:pPr algn="ctr"/>
+            <a:r>
+              <a:rPr lang="de-DE" sz="7000" b="1" dirty="0">
+                <a:solidFill>
+                  <a:srgbClr val="2F4047"/>
+                </a:solidFill>
+              </a:rPr>
+              <a:t>3</a:t>
+            </a:r>
+          </a:p>
+        </p:txBody>
+      </p:sp>
+      <p:sp>
+        <p:nvSpPr>
+          <p:cNvPr id="36" name="Flowchart: Connector 35">
+            <a:extLst>
+              <a:ext uri="{FF2B5EF4-FFF2-40B4-BE49-F238E27FC236}">
+                <a16:creationId xmlns:a16="http://schemas.microsoft.com/office/drawing/2014/main" id="{FDE399B6-B76B-8020-3F4F-199E61BB369A}"/>
+              </a:ext>
+            </a:extLst>
+          </p:cNvPr>
+          <p:cNvSpPr/>
+          <p:nvPr/>
+        </p:nvSpPr>
+        <p:spPr>
+          <a:xfrm>
+            <a:off x="16242587" y="27873899"/>
+            <a:ext cx="2006111" cy="1960592"/>
+          </a:xfrm>
+          <a:prstGeom prst="flowChartConnector">
+            <a:avLst/>
+          </a:prstGeom>
+          <a:solidFill>
+            <a:schemeClr val="bg1"/>
+          </a:solidFill>
+          <a:ln w="254000">
+            <a:solidFill>
+              <a:srgbClr val="B21D31"/>
+            </a:solidFill>
+          </a:ln>
+        </p:spPr>
+        <p:style>
+          <a:lnRef idx="2">
+            <a:schemeClr val="accent1">
+              <a:shade val="15000"/>
+            </a:schemeClr>
+          </a:lnRef>
+          <a:fillRef idx="1">
+            <a:schemeClr val="accent1"/>
+          </a:fillRef>
+          <a:effectRef idx="0">
+            <a:schemeClr val="accent1"/>
+          </a:effectRef>
+          <a:fontRef idx="minor">
+            <a:schemeClr val="lt1"/>
+          </a:fontRef>
+        </p:style>
+        <p:txBody>
+          <a:bodyPr rtlCol="0" anchor="ctr"/>
+          <a:lstStyle/>
+          <a:p>
+            <a:pPr algn="ctr"/>
+            <a:r>
+              <a:rPr lang="de-DE" sz="7000" b="1" dirty="0">
+                <a:solidFill>
+                  <a:srgbClr val="394C53"/>
+                </a:solidFill>
+              </a:rPr>
+              <a:t>4</a:t>
+            </a:r>
+          </a:p>
+        </p:txBody>
+      </p:sp>
+      <p:sp>
+        <p:nvSpPr>
+          <p:cNvPr id="37" name="Flowchart: Connector 36">
+            <a:extLst>
+              <a:ext uri="{FF2B5EF4-FFF2-40B4-BE49-F238E27FC236}">
+                <a16:creationId xmlns:a16="http://schemas.microsoft.com/office/drawing/2014/main" id="{CFA725E4-8E8C-2EE2-38A2-B996AA32119E}"/>
+              </a:ext>
+            </a:extLst>
+          </p:cNvPr>
+          <p:cNvSpPr/>
+          <p:nvPr/>
+        </p:nvSpPr>
+        <p:spPr>
+          <a:xfrm>
+            <a:off x="16285627" y="34406144"/>
+            <a:ext cx="2006111" cy="1960592"/>
+          </a:xfrm>
+          <a:prstGeom prst="flowChartConnector">
+            <a:avLst/>
+          </a:prstGeom>
+          <a:solidFill>
+            <a:schemeClr val="bg1"/>
+          </a:solidFill>
+          <a:ln w="254000">
+            <a:solidFill>
+              <a:srgbClr val="475A5F"/>
+            </a:solidFill>
+          </a:ln>
+        </p:spPr>
+        <p:style>
+          <a:lnRef idx="2">
+            <a:schemeClr val="accent1">
+              <a:shade val="15000"/>
+            </a:schemeClr>
+          </a:lnRef>
+          <a:fillRef idx="1">
+            <a:schemeClr val="accent1"/>
+          </a:fillRef>
+          <a:effectRef idx="0">
+            <a:schemeClr val="accent1"/>
+          </a:effectRef>
+          <a:fontRef idx="minor">
+            <a:schemeClr val="lt1"/>
+          </a:fontRef>
+        </p:style>
+        <p:txBody>
+          <a:bodyPr rtlCol="0" anchor="ctr"/>
+          <a:lstStyle/>
+          <a:p>
+            <a:pPr algn="ctr"/>
+            <a:r>
+              <a:rPr lang="de-DE" sz="7000" b="1" dirty="0">
+                <a:solidFill>
+                  <a:srgbClr val="475A5F"/>
+                </a:solidFill>
+              </a:rPr>
+              <a:t>5</a:t>
+            </a:r>
+          </a:p>
+        </p:txBody>
+      </p:sp>
+      <p:sp>
+        <p:nvSpPr>
+          <p:cNvPr id="2" name="Rectangle 1">
+            <a:extLst>
+              <a:ext uri="{FF2B5EF4-FFF2-40B4-BE49-F238E27FC236}">
+                <a16:creationId xmlns:a16="http://schemas.microsoft.com/office/drawing/2014/main" id="{31518CA8-4AE9-3B06-44B2-DD2BF406CA8E}"/>
+              </a:ext>
+            </a:extLst>
+          </p:cNvPr>
+          <p:cNvSpPr/>
+          <p:nvPr/>
+        </p:nvSpPr>
+        <p:spPr>
+          <a:xfrm>
+            <a:off x="-1" y="0"/>
+            <a:ext cx="30275213" cy="5437746"/>
+          </a:xfrm>
+          <a:prstGeom prst="rect">
+            <a:avLst/>
+          </a:prstGeom>
+          <a:solidFill>
+            <a:schemeClr val="bg1"/>
+          </a:solidFill>
+          <a:ln>
+            <a:noFill/>
+          </a:ln>
+        </p:spPr>
+        <p:style>
+          <a:lnRef idx="2">
+            <a:schemeClr val="accent1">
+              <a:shade val="15000"/>
+            </a:schemeClr>
+          </a:lnRef>
+          <a:fillRef idx="1">
+            <a:schemeClr val="accent1"/>
+          </a:fillRef>
+          <a:effectRef idx="0">
+            <a:schemeClr val="accent1"/>
+          </a:effectRef>
+          <a:fontRef idx="minor">
+            <a:schemeClr val="lt1"/>
+          </a:fontRef>
+        </p:style>
+        <p:txBody>
+          <a:bodyPr rtlCol="0" anchor="ctr"/>
+          <a:lstStyle/>
+          <a:p>
+            <a:pPr algn="ctr"/>
+            <a:endParaRPr lang="de-DE"/>
+          </a:p>
+        </p:txBody>
+      </p:sp>
+      <p:pic>
+        <p:nvPicPr>
+          <p:cNvPr id="4" name="Picture 3">
+            <a:extLst>
+              <a:ext uri="{FF2B5EF4-FFF2-40B4-BE49-F238E27FC236}">
+                <a16:creationId xmlns:a16="http://schemas.microsoft.com/office/drawing/2014/main" id="{F429E725-A976-FF95-780B-465336E75E34}"/>
+              </a:ext>
+            </a:extLst>
+          </p:cNvPr>
+          <p:cNvPicPr>
+            <a:picLocks noChangeAspect="1"/>
+          </p:cNvPicPr>
+          <p:nvPr/>
+        </p:nvPicPr>
+        <p:blipFill>
+          <a:blip r:embed="rId2"/>
+          <a:stretch>
+            <a:fillRect/>
+          </a:stretch>
+        </p:blipFill>
+        <p:spPr>
+          <a:xfrm>
+            <a:off x="99683" y="23020"/>
+            <a:ext cx="9050209" cy="5088730"/>
+          </a:xfrm>
+          <a:prstGeom prst="rect">
+            <a:avLst/>
+          </a:prstGeom>
+        </p:spPr>
+      </p:pic>
+      <p:pic>
+        <p:nvPicPr>
+          <p:cNvPr id="8" name="Picture 7">
+            <a:extLst>
+              <a:ext uri="{FF2B5EF4-FFF2-40B4-BE49-F238E27FC236}">
+                <a16:creationId xmlns:a16="http://schemas.microsoft.com/office/drawing/2014/main" id="{780C1B67-9AFD-DACB-38E2-57384CC38CDF}"/>
+              </a:ext>
+            </a:extLst>
+          </p:cNvPr>
+          <p:cNvPicPr>
+            <a:picLocks noChangeAspect="1"/>
+          </p:cNvPicPr>
+          <p:nvPr/>
+        </p:nvPicPr>
+        <p:blipFill>
+          <a:blip r:embed="rId3"/>
+          <a:stretch>
+            <a:fillRect/>
+          </a:stretch>
+        </p:blipFill>
+        <p:spPr>
+          <a:xfrm>
+            <a:off x="23489343" y="704131"/>
+            <a:ext cx="6328620" cy="3559849"/>
+          </a:xfrm>
+          <a:prstGeom prst="rect">
+            <a:avLst/>
+          </a:prstGeom>
+        </p:spPr>
+      </p:pic>
+      <p:sp>
+        <p:nvSpPr>
+          <p:cNvPr id="9" name="Titel 1">
+            <a:extLst>
+              <a:ext uri="{FF2B5EF4-FFF2-40B4-BE49-F238E27FC236}">
+                <a16:creationId xmlns:a16="http://schemas.microsoft.com/office/drawing/2014/main" id="{5E7A4EAD-ECAB-F930-C23F-DBB6386CAA77}"/>
+              </a:ext>
+            </a:extLst>
+          </p:cNvPr>
+          <p:cNvSpPr txBox="1">
+            <a:spLocks/>
+          </p:cNvSpPr>
+          <p:nvPr/>
+        </p:nvSpPr>
+        <p:spPr>
+          <a:xfrm>
+            <a:off x="9482040" y="1726880"/>
+            <a:ext cx="12820650" cy="1836887"/>
+          </a:xfrm>
+          <a:prstGeom prst="rect">
+            <a:avLst/>
+          </a:prstGeom>
+        </p:spPr>
+        <p:txBody>
+          <a:bodyPr vert="horz" lIns="91440" tIns="45720" rIns="91440" bIns="45720" rtlCol="0" anchor="b">
+            <a:noAutofit/>
+          </a:bodyPr>
+          <a:lstStyle>
+            <a:lvl1pPr algn="ctr" defTabSz="3027487" rtl="0" eaLnBrk="1" latinLnBrk="0" hangingPunct="1">
+              <a:lnSpc>
+                <a:spcPct val="90000"/>
+              </a:lnSpc>
+              <a:spcBef>
+                <a:spcPct val="0"/>
+              </a:spcBef>
+              <a:buNone/>
+              <a:defRPr sz="19865" kern="1200">
+                <a:solidFill>
+                  <a:schemeClr val="tx1"/>
+                </a:solidFill>
+                <a:latin typeface="+mj-lt"/>
+                <a:ea typeface="+mj-ea"/>
+                <a:cs typeface="+mj-cs"/>
+              </a:defRPr>
+            </a:lvl1pPr>
+          </a:lstStyle>
+          <a:p>
+            <a:r>
+              <a:rPr lang="de-DE" sz="7000" b="1"/>
+              <a:t>Hidden Alliances: RNA-Dependent Protein Interactions in Cancer Cells</a:t>
+            </a:r>
+            <a:endParaRPr lang="en-US" sz="7000" b="1" dirty="0"/>
+          </a:p>
+        </p:txBody>
+      </p:sp>
+      <p:sp>
+        <p:nvSpPr>
+          <p:cNvPr id="10" name="Titel 1">
+            <a:extLst>
+              <a:ext uri="{FF2B5EF4-FFF2-40B4-BE49-F238E27FC236}">
+                <a16:creationId xmlns:a16="http://schemas.microsoft.com/office/drawing/2014/main" id="{D0AAF6B9-4BE1-49D0-9AA3-C20227AA24F5}"/>
+              </a:ext>
+            </a:extLst>
+          </p:cNvPr>
+          <p:cNvSpPr txBox="1">
+            <a:spLocks/>
+          </p:cNvSpPr>
+          <p:nvPr/>
+        </p:nvSpPr>
+        <p:spPr>
+          <a:xfrm>
+            <a:off x="8627535" y="3159684"/>
+            <a:ext cx="13675155" cy="1323687"/>
+          </a:xfrm>
+          <a:prstGeom prst="rect">
+            <a:avLst/>
+          </a:prstGeom>
+        </p:spPr>
+        <p:txBody>
+          <a:bodyPr vert="horz" lIns="45681" tIns="22840" rIns="45681" bIns="22840" rtlCol="0" anchor="b">
+            <a:noAutofit/>
+          </a:bodyPr>
+          <a:lstStyle>
+            <a:lvl1pPr algn="ctr" defTabSz="3027487" rtl="0" eaLnBrk="1" latinLnBrk="0" hangingPunct="1">
+              <a:lnSpc>
+                <a:spcPct val="90000"/>
+              </a:lnSpc>
+              <a:spcBef>
+                <a:spcPct val="0"/>
+              </a:spcBef>
+              <a:buNone/>
+              <a:defRPr sz="19865" kern="1200">
+                <a:solidFill>
+                  <a:schemeClr val="tx1"/>
+                </a:solidFill>
+                <a:latin typeface="+mj-lt"/>
+                <a:ea typeface="+mj-ea"/>
+                <a:cs typeface="+mj-cs"/>
+              </a:defRPr>
+            </a:lvl1pPr>
+          </a:lstStyle>
+          <a:p>
+            <a:r>
+              <a:rPr lang="de-DE" sz="2800" dirty="0"/>
+              <a:t>Julian </a:t>
+            </a:r>
+            <a:r>
+              <a:rPr lang="de-DE" sz="2800" dirty="0" err="1"/>
+              <a:t>Baureis</a:t>
+            </a:r>
+            <a:r>
+              <a:rPr lang="de-DE" sz="2800" dirty="0"/>
+              <a:t>, Julia Ferdin, Benjamin Nicklas, Luisa </a:t>
+            </a:r>
+            <a:r>
+              <a:rPr lang="de-DE" sz="2800" dirty="0" err="1"/>
+              <a:t>Wintel</a:t>
+            </a:r>
+            <a:endParaRPr lang="de-DE" sz="2800" dirty="0"/>
+          </a:p>
+          <a:p>
+            <a:r>
+              <a:rPr lang="de-DE" sz="2800" dirty="0"/>
+              <a:t>Data Analysis Project </a:t>
+            </a:r>
+            <a:r>
+              <a:rPr lang="de-DE" sz="2800" dirty="0" err="1"/>
+              <a:t>Molecular</a:t>
+            </a:r>
+            <a:r>
+              <a:rPr lang="de-DE" sz="2800" dirty="0"/>
+              <a:t> Biotechnology SS2025</a:t>
+            </a:r>
+          </a:p>
+        </p:txBody>
+      </p:sp>
+    </p:spTree>
+    <p:extLst>
+      <p:ext uri="{BB962C8B-B14F-4D97-AF65-F5344CB8AC3E}">
+        <p14:creationId xmlns:p14="http://schemas.microsoft.com/office/powerpoint/2010/main" val="2063906167"/>
+      </p:ext>
+    </p:extLst>
+  </p:cSld>
+  <p:clrMapOvr>
+    <a:masterClrMapping/>
+  </p:clrMapOvr>
+</p:sld>
+</file>
+
+<file path=ppt/slides/slide6.xml><?xml version="1.0" encoding="utf-8"?>
+<p:sld xmlns:a="http://schemas.openxmlformats.org/drawingml/2006/main" xmlns:r="http://schemas.openxmlformats.org/officeDocument/2006/relationships" xmlns:p="http://schemas.openxmlformats.org/presentationml/2006/main">
+  <p:cSld>
     <p:bg>
       <p:bgPr>
         <a:solidFill>
@@ -16129,7 +19689,7 @@
 </p:sld>
 </file>
 
-<file path=ppt/slides/slide6.xml><?xml version="1.0" encoding="utf-8"?>
+<file path=ppt/slides/slide7.xml><?xml version="1.0" encoding="utf-8"?>
 <p:sld xmlns:a="http://schemas.openxmlformats.org/drawingml/2006/main" xmlns:r="http://schemas.openxmlformats.org/officeDocument/2006/relationships" xmlns:p="http://schemas.openxmlformats.org/presentationml/2006/main">
   <p:cSld>
     <p:spTree>
@@ -18608,7 +22168,7 @@
 </p:sld>
 </file>
 
-<file path=ppt/slides/slide7.xml><?xml version="1.0" encoding="utf-8"?>
+<file path=ppt/slides/slide8.xml><?xml version="1.0" encoding="utf-8"?>
 <p:sld xmlns:a="http://schemas.openxmlformats.org/drawingml/2006/main" xmlns:r="http://schemas.openxmlformats.org/officeDocument/2006/relationships" xmlns:p="http://schemas.openxmlformats.org/presentationml/2006/main">
   <p:cSld>
     <p:bg>
@@ -20339,7 +23899,7 @@
 </p:sld>
 </file>
 
-<file path=ppt/slides/slide8.xml><?xml version="1.0" encoding="utf-8"?>
+<file path=ppt/slides/slide9.xml><?xml version="1.0" encoding="utf-8"?>
 <p:sld xmlns:a="http://schemas.openxmlformats.org/drawingml/2006/main" xmlns:r="http://schemas.openxmlformats.org/officeDocument/2006/relationships" xmlns:p="http://schemas.openxmlformats.org/presentationml/2006/main">
   <p:cSld>
     <p:bg>
@@ -21982,1162 +25542,6 @@
     <p:extLst>
       <p:ext uri="{BB962C8B-B14F-4D97-AF65-F5344CB8AC3E}">
         <p14:creationId xmlns:p14="http://schemas.microsoft.com/office/powerpoint/2010/main" val="1691417317"/>
-      </p:ext>
-    </p:extLst>
-  </p:cSld>
-  <p:clrMapOvr>
-    <a:masterClrMapping/>
-  </p:clrMapOvr>
-</p:sld>
-</file>
-
-<file path=ppt/slides/slide9.xml><?xml version="1.0" encoding="utf-8"?>
-<p:sld xmlns:a="http://schemas.openxmlformats.org/drawingml/2006/main" xmlns:r="http://schemas.openxmlformats.org/officeDocument/2006/relationships" xmlns:p="http://schemas.openxmlformats.org/presentationml/2006/main" show="0">
-  <p:cSld>
-    <p:spTree>
-      <p:nvGrpSpPr>
-        <p:cNvPr id="1" name="">
-          <a:extLst>
-            <a:ext uri="{FF2B5EF4-FFF2-40B4-BE49-F238E27FC236}">
-              <a16:creationId xmlns:a16="http://schemas.microsoft.com/office/drawing/2014/main" id="{513BFE7F-0E7B-E710-C823-7E99A3D507DC}"/>
-            </a:ext>
-          </a:extLst>
-        </p:cNvPr>
-        <p:cNvGrpSpPr/>
-        <p:nvPr/>
-      </p:nvGrpSpPr>
-      <p:grpSpPr>
-        <a:xfrm>
-          <a:off x="0" y="0"/>
-          <a:ext cx="0" cy="0"/>
-          <a:chOff x="0" y="0"/>
-          <a:chExt cx="0" cy="0"/>
-        </a:xfrm>
-      </p:grpSpPr>
-      <p:pic>
-        <p:nvPicPr>
-          <p:cNvPr id="9" name="Picture 8">
-            <a:extLst>
-              <a:ext uri="{FF2B5EF4-FFF2-40B4-BE49-F238E27FC236}">
-                <a16:creationId xmlns:a16="http://schemas.microsoft.com/office/drawing/2014/main" id="{27175357-617B-F7FB-6E04-8138D148B9D1}"/>
-              </a:ext>
-            </a:extLst>
-          </p:cNvPr>
-          <p:cNvPicPr>
-            <a:picLocks noChangeAspect="1"/>
-          </p:cNvPicPr>
-          <p:nvPr/>
-        </p:nvPicPr>
-        <p:blipFill>
-          <a:blip r:embed="rId2"/>
-          <a:stretch>
-            <a:fillRect/>
-          </a:stretch>
-        </p:blipFill>
-        <p:spPr>
-          <a:xfrm>
-            <a:off x="99683" y="23020"/>
-            <a:ext cx="9050209" cy="5088730"/>
-          </a:xfrm>
-          <a:prstGeom prst="rect">
-            <a:avLst/>
-          </a:prstGeom>
-        </p:spPr>
-      </p:pic>
-      <p:pic>
-        <p:nvPicPr>
-          <p:cNvPr id="11" name="Picture 10">
-            <a:extLst>
-              <a:ext uri="{FF2B5EF4-FFF2-40B4-BE49-F238E27FC236}">
-                <a16:creationId xmlns:a16="http://schemas.microsoft.com/office/drawing/2014/main" id="{5447D4E8-6D98-A608-D4A1-D10D8308C658}"/>
-              </a:ext>
-            </a:extLst>
-          </p:cNvPr>
-          <p:cNvPicPr>
-            <a:picLocks noChangeAspect="1"/>
-          </p:cNvPicPr>
-          <p:nvPr/>
-        </p:nvPicPr>
-        <p:blipFill>
-          <a:blip r:embed="rId3"/>
-          <a:stretch>
-            <a:fillRect/>
-          </a:stretch>
-        </p:blipFill>
-        <p:spPr>
-          <a:xfrm>
-            <a:off x="23489343" y="704131"/>
-            <a:ext cx="6328620" cy="3559849"/>
-          </a:xfrm>
-          <a:prstGeom prst="rect">
-            <a:avLst/>
-          </a:prstGeom>
-        </p:spPr>
-      </p:pic>
-      <p:sp>
-        <p:nvSpPr>
-          <p:cNvPr id="4" name="Titel 1">
-            <a:extLst>
-              <a:ext uri="{FF2B5EF4-FFF2-40B4-BE49-F238E27FC236}">
-                <a16:creationId xmlns:a16="http://schemas.microsoft.com/office/drawing/2014/main" id="{5182FA33-332F-9DEF-3B43-D6CFE0F0B487}"/>
-              </a:ext>
-            </a:extLst>
-          </p:cNvPr>
-          <p:cNvSpPr>
-            <a:spLocks noGrp="1"/>
-          </p:cNvSpPr>
-          <p:nvPr>
-            <p:ph type="ctrTitle"/>
-          </p:nvPr>
-        </p:nvSpPr>
-        <p:spPr>
-          <a:xfrm>
-            <a:off x="9482040" y="2021850"/>
-            <a:ext cx="12820650" cy="1836887"/>
-          </a:xfrm>
-        </p:spPr>
-        <p:txBody>
-          <a:bodyPr>
-            <a:noAutofit/>
-          </a:bodyPr>
-          <a:lstStyle/>
-          <a:p>
-            <a:r>
-              <a:rPr lang="de-DE" sz="7000" b="1" dirty="0"/>
-              <a:t>Hidden Alliances: RNA-Dependent Protein Interactions in Cancer Cells</a:t>
-            </a:r>
-            <a:endParaRPr lang="en-US" sz="7000" b="1" dirty="0"/>
-          </a:p>
-        </p:txBody>
-      </p:sp>
-      <p:sp>
-        <p:nvSpPr>
-          <p:cNvPr id="26" name="Titel 1">
-            <a:extLst>
-              <a:ext uri="{FF2B5EF4-FFF2-40B4-BE49-F238E27FC236}">
-                <a16:creationId xmlns:a16="http://schemas.microsoft.com/office/drawing/2014/main" id="{401F74FC-BC80-1087-9AD6-F0A68E308053}"/>
-              </a:ext>
-            </a:extLst>
-          </p:cNvPr>
-          <p:cNvSpPr txBox="1">
-            <a:spLocks/>
-          </p:cNvSpPr>
-          <p:nvPr/>
-        </p:nvSpPr>
-        <p:spPr>
-          <a:xfrm>
-            <a:off x="8627535" y="3602136"/>
-            <a:ext cx="13675155" cy="1323687"/>
-          </a:xfrm>
-          <a:prstGeom prst="rect">
-            <a:avLst/>
-          </a:prstGeom>
-        </p:spPr>
-        <p:txBody>
-          <a:bodyPr vert="horz" lIns="45681" tIns="22840" rIns="45681" bIns="22840" rtlCol="0" anchor="b">
-            <a:noAutofit/>
-          </a:bodyPr>
-          <a:lstStyle>
-            <a:lvl1pPr algn="ctr" defTabSz="3027487" rtl="0" eaLnBrk="1" latinLnBrk="0" hangingPunct="1">
-              <a:lnSpc>
-                <a:spcPct val="90000"/>
-              </a:lnSpc>
-              <a:spcBef>
-                <a:spcPct val="0"/>
-              </a:spcBef>
-              <a:buNone/>
-              <a:defRPr sz="19865" kern="1200">
-                <a:solidFill>
-                  <a:schemeClr val="tx1"/>
-                </a:solidFill>
-                <a:latin typeface="+mj-lt"/>
-                <a:ea typeface="+mj-ea"/>
-                <a:cs typeface="+mj-cs"/>
-              </a:defRPr>
-            </a:lvl1pPr>
-          </a:lstStyle>
-          <a:p>
-            <a:r>
-              <a:rPr lang="de-DE" sz="2800" dirty="0"/>
-              <a:t>Julian </a:t>
-            </a:r>
-            <a:r>
-              <a:rPr lang="de-DE" sz="2800" dirty="0" err="1"/>
-              <a:t>Baureis</a:t>
-            </a:r>
-            <a:r>
-              <a:rPr lang="de-DE" sz="2800" dirty="0"/>
-              <a:t>, Julia Ferdin, Benjamin Nicklas, Luisa </a:t>
-            </a:r>
-            <a:r>
-              <a:rPr lang="de-DE" sz="2800" dirty="0" err="1"/>
-              <a:t>Wintel</a:t>
-            </a:r>
-            <a:endParaRPr lang="de-DE" sz="2800" dirty="0"/>
-          </a:p>
-          <a:p>
-            <a:r>
-              <a:rPr lang="de-DE" sz="2800" dirty="0"/>
-              <a:t>Data Analysis Project </a:t>
-            </a:r>
-            <a:r>
-              <a:rPr lang="de-DE" sz="2800" dirty="0" err="1"/>
-              <a:t>Molecular</a:t>
-            </a:r>
-            <a:r>
-              <a:rPr lang="de-DE" sz="2800" dirty="0"/>
-              <a:t> Biotechnology SS2025</a:t>
-            </a:r>
-          </a:p>
-        </p:txBody>
-      </p:sp>
-      <p:sp>
-        <p:nvSpPr>
-          <p:cNvPr id="20" name="TextBox 19">
-            <a:extLst>
-              <a:ext uri="{FF2B5EF4-FFF2-40B4-BE49-F238E27FC236}">
-                <a16:creationId xmlns:a16="http://schemas.microsoft.com/office/drawing/2014/main" id="{9E63F4EF-6E2A-92FF-8F86-E31B8DA09B14}"/>
-              </a:ext>
-            </a:extLst>
-          </p:cNvPr>
-          <p:cNvSpPr txBox="1"/>
-          <p:nvPr/>
-        </p:nvSpPr>
-        <p:spPr>
-          <a:xfrm>
-            <a:off x="1105371" y="6035818"/>
-            <a:ext cx="27697639" cy="7925246"/>
-          </a:xfrm>
-          <a:prstGeom prst="rect">
-            <a:avLst/>
-          </a:prstGeom>
-          <a:noFill/>
-          <a:ln>
-            <a:solidFill>
-              <a:srgbClr val="D5D5D5"/>
-            </a:solidFill>
-          </a:ln>
-        </p:spPr>
-        <p:txBody>
-          <a:bodyPr wrap="square">
-            <a:spAutoFit/>
-          </a:bodyPr>
-          <a:lstStyle/>
-          <a:p>
-            <a:r>
-              <a:rPr lang="en-US" sz="4000" b="1" dirty="0"/>
-              <a:t>Identifying RNA-Dependent Proteins from Proteomic Data</a:t>
-            </a:r>
-          </a:p>
-          <a:p>
-            <a:r>
-              <a:rPr lang="en-US" sz="500" b="1" dirty="0"/>
-              <a:t> </a:t>
-            </a:r>
-            <a:r>
-              <a:rPr lang="en-US" sz="200" b="1" dirty="0"/>
-              <a:t> </a:t>
-            </a:r>
-            <a:endParaRPr lang="en-US" sz="500" dirty="0"/>
-          </a:p>
-          <a:p>
-            <a:pPr marL="457200" indent="-457200">
-              <a:buFont typeface="Arial" panose="020B0604020202020204" pitchFamily="34" charset="0"/>
-              <a:buChar char="•"/>
-            </a:pPr>
-            <a:r>
-              <a:rPr lang="de-DE" sz="2800" dirty="0"/>
-              <a:t>„We want to </a:t>
-            </a:r>
-            <a:r>
-              <a:rPr lang="en-US" sz="2800" dirty="0"/>
-              <a:t>extract RNA-dependent proteins from proteomic screens”</a:t>
-            </a:r>
-            <a:endParaRPr lang="de-DE" sz="2800" dirty="0"/>
-          </a:p>
-          <a:p>
-            <a:pPr marL="457200" indent="-457200">
-              <a:buFont typeface="Arial" panose="020B0604020202020204" pitchFamily="34" charset="0"/>
-              <a:buChar char="•"/>
-            </a:pPr>
-            <a:r>
-              <a:rPr lang="de-DE" sz="2800" dirty="0"/>
-              <a:t>„RNA-dependency = the proteins interactome depends on RNA“</a:t>
-            </a:r>
-          </a:p>
-          <a:p>
-            <a:endParaRPr lang="en-US" sz="3200" b="1" dirty="0"/>
-          </a:p>
-          <a:p>
-            <a:r>
-              <a:rPr lang="en-US" sz="3200" b="1" dirty="0"/>
-              <a:t>What Makes RNA-Dependent Proteins Worth Investigating?</a:t>
-            </a:r>
-          </a:p>
-          <a:p>
-            <a:pPr marL="457200" indent="-457200">
-              <a:buFont typeface="Arial" panose="020B0604020202020204" pitchFamily="34" charset="0"/>
-              <a:buChar char="•"/>
-            </a:pPr>
-            <a:r>
-              <a:rPr lang="de-DE" sz="2800" b="1" dirty="0"/>
-              <a:t>Key Regulators:</a:t>
-            </a:r>
-            <a:r>
-              <a:rPr lang="de-DE" sz="2800" dirty="0"/>
-              <a:t> RBPs control RNA metabolism &amp; gene expression.</a:t>
-            </a:r>
-          </a:p>
-          <a:p>
-            <a:pPr marL="457200" indent="-457200">
-              <a:buFont typeface="Arial" panose="020B0604020202020204" pitchFamily="34" charset="0"/>
-              <a:buChar char="•"/>
-            </a:pPr>
-            <a:r>
-              <a:rPr lang="de-DE" sz="2800" b="1" dirty="0"/>
-              <a:t>Disease Links:</a:t>
-            </a:r>
-            <a:r>
-              <a:rPr lang="de-DE" sz="2800" dirty="0"/>
-              <a:t> Misregulation is tied to cancer &amp; neurodegeneration.</a:t>
-            </a:r>
-          </a:p>
-          <a:p>
-            <a:pPr marL="457200" indent="-457200">
-              <a:buFont typeface="Arial" panose="020B0604020202020204" pitchFamily="34" charset="0"/>
-              <a:buChar char="•"/>
-            </a:pPr>
-            <a:r>
-              <a:rPr lang="de-DE" sz="2800" b="1" dirty="0"/>
-              <a:t>Functional Clues:</a:t>
-            </a:r>
-            <a:r>
-              <a:rPr lang="de-DE" sz="2800" dirty="0"/>
-              <a:t> New RBPs hint at RNA’s role in specific pathways.</a:t>
-            </a:r>
-          </a:p>
-          <a:p>
-            <a:pPr marL="457200" indent="-457200">
-              <a:buFont typeface="Arial" panose="020B0604020202020204" pitchFamily="34" charset="0"/>
-              <a:buChar char="•"/>
-            </a:pPr>
-            <a:r>
-              <a:rPr lang="de-DE" sz="2800" b="1" dirty="0"/>
-              <a:t>Interaction Networks:</a:t>
-            </a:r>
-            <a:r>
-              <a:rPr lang="de-DE" sz="2800" dirty="0"/>
-              <a:t> Mapping RNA-protein complexes reveals regulatory logic. </a:t>
-            </a:r>
-          </a:p>
-          <a:p>
-            <a:pPr marL="457200" indent="-457200">
-              <a:buFont typeface="Arial" panose="020B0604020202020204" pitchFamily="34" charset="0"/>
-              <a:buChar char="•"/>
-            </a:pPr>
-            <a:r>
-              <a:rPr lang="de-DE" sz="2800" b="1" dirty="0"/>
-              <a:t>Molecular Insights:</a:t>
-            </a:r>
-            <a:r>
-              <a:rPr lang="de-DE" sz="2800" dirty="0"/>
-              <a:t> Deepens our understanding of cell cycle and cellular behavior.</a:t>
-            </a:r>
-          </a:p>
-          <a:p>
-            <a:pPr marL="457200" indent="-457200">
-              <a:buFont typeface="Arial" panose="020B0604020202020204" pitchFamily="34" charset="0"/>
-              <a:buChar char="•"/>
-            </a:pPr>
-            <a:endParaRPr lang="de-DE" sz="3200" dirty="0"/>
-          </a:p>
-          <a:p>
-            <a:r>
-              <a:rPr lang="en-US" sz="3200" b="1" dirty="0"/>
-              <a:t>Key Characteristics of Our Dataset</a:t>
-            </a:r>
-            <a:endParaRPr lang="de-DE" sz="2400" b="1" dirty="0"/>
-          </a:p>
-          <a:p>
-            <a:pPr marL="457200" indent="-457200">
-              <a:buFont typeface="Arial" panose="020B0604020202020204" pitchFamily="34" charset="0"/>
-              <a:buChar char="•"/>
-            </a:pPr>
-            <a:r>
-              <a:rPr lang="en-US" sz="2800" dirty="0"/>
-              <a:t>Our dataset was generated using the R-Deep approach</a:t>
-            </a:r>
-          </a:p>
-          <a:p>
-            <a:pPr marL="457200" indent="-457200">
-              <a:buFont typeface="Arial" panose="020B0604020202020204" pitchFamily="34" charset="0"/>
-              <a:buChar char="•"/>
-            </a:pPr>
-            <a:r>
-              <a:rPr lang="de-DE" sz="2800" dirty="0"/>
-              <a:t>~5000 Proteine in 25 Fraktionen, Rnase vs. CTRL</a:t>
-            </a:r>
-            <a:endParaRPr lang="en-US" sz="2800" dirty="0"/>
-          </a:p>
-          <a:p>
-            <a:pPr marL="457200" indent="-457200">
-              <a:buFont typeface="Arial" panose="020B0604020202020204" pitchFamily="34" charset="0"/>
-              <a:buChar char="•"/>
-            </a:pPr>
-            <a:r>
-              <a:rPr lang="en-US" sz="2800" dirty="0"/>
-              <a:t>Dimensions</a:t>
-            </a:r>
-          </a:p>
-          <a:p>
-            <a:endParaRPr lang="en-US" sz="2800" b="1" dirty="0"/>
-          </a:p>
-          <a:p>
-            <a:endParaRPr lang="en-US" sz="2800" b="1" dirty="0"/>
-          </a:p>
-        </p:txBody>
-      </p:sp>
-      <p:sp>
-        <p:nvSpPr>
-          <p:cNvPr id="3" name="TextBox 2">
-            <a:extLst>
-              <a:ext uri="{FF2B5EF4-FFF2-40B4-BE49-F238E27FC236}">
-                <a16:creationId xmlns:a16="http://schemas.microsoft.com/office/drawing/2014/main" id="{D187C595-D787-B69C-9599-02920619ECC7}"/>
-              </a:ext>
-            </a:extLst>
-          </p:cNvPr>
-          <p:cNvSpPr txBox="1"/>
-          <p:nvPr/>
-        </p:nvSpPr>
-        <p:spPr>
-          <a:xfrm>
-            <a:off x="1105371" y="14356324"/>
-            <a:ext cx="27697639" cy="13819168"/>
-          </a:xfrm>
-          <a:prstGeom prst="rect">
-            <a:avLst/>
-          </a:prstGeom>
-          <a:noFill/>
-          <a:ln>
-            <a:solidFill>
-              <a:srgbClr val="D5D5D5"/>
-            </a:solidFill>
-          </a:ln>
-        </p:spPr>
-        <p:txBody>
-          <a:bodyPr wrap="square">
-            <a:spAutoFit/>
-          </a:bodyPr>
-          <a:lstStyle/>
-          <a:p>
-            <a:r>
-              <a:rPr lang="en-US" sz="3400" b="1" dirty="0"/>
-              <a:t>Data preparation</a:t>
-            </a:r>
-          </a:p>
-          <a:p>
-            <a:pPr marL="457200" indent="-457200">
-              <a:buFont typeface="Arial" panose="020B0604020202020204" pitchFamily="34" charset="0"/>
-              <a:buChar char="•"/>
-            </a:pPr>
-            <a:r>
-              <a:rPr lang="en-US" sz="2800" dirty="0"/>
-              <a:t>Data cleanup</a:t>
-            </a:r>
-          </a:p>
-          <a:p>
-            <a:pPr marL="457200" indent="-457200">
-              <a:buFont typeface="Arial" panose="020B0604020202020204" pitchFamily="34" charset="0"/>
-              <a:buChar char="•"/>
-            </a:pPr>
-            <a:r>
-              <a:rPr lang="en-US" sz="2800" dirty="0"/>
-              <a:t>“Rearrange and reorder the columns to their treatment, replicate and fraction”</a:t>
-            </a:r>
-          </a:p>
-          <a:p>
-            <a:pPr marL="457200" indent="-457200">
-              <a:buFont typeface="Arial" panose="020B0604020202020204" pitchFamily="34" charset="0"/>
-              <a:buChar char="•"/>
-            </a:pPr>
-            <a:r>
-              <a:rPr lang="en-US" sz="2800" dirty="0"/>
-              <a:t>Normalization</a:t>
-            </a:r>
-          </a:p>
-          <a:p>
-            <a:endParaRPr lang="en-US" sz="3400" b="1" dirty="0"/>
-          </a:p>
-          <a:p>
-            <a:r>
-              <a:rPr lang="de-DE" sz="3400" b="1" dirty="0"/>
-              <a:t>Data exploration</a:t>
-            </a:r>
-            <a:endParaRPr lang="de-DE" sz="3400" dirty="0"/>
-          </a:p>
-          <a:p>
-            <a:pPr marL="457200" indent="-457200">
-              <a:buFont typeface="Arial" panose="020B0604020202020204" pitchFamily="34" charset="0"/>
-              <a:buChar char="•"/>
-            </a:pPr>
-            <a:r>
-              <a:rPr lang="en-US" sz="2800" dirty="0"/>
-              <a:t> Identification of maxima and shoulders</a:t>
-            </a:r>
-          </a:p>
-          <a:p>
-            <a:pPr marL="457200" indent="-457200">
-              <a:buFont typeface="Arial" panose="020B0604020202020204" pitchFamily="34" charset="0"/>
-              <a:buChar char="•"/>
-            </a:pPr>
-            <a:r>
-              <a:rPr lang="en-US" sz="2800" dirty="0"/>
-              <a:t> </a:t>
-            </a:r>
-            <a:r>
-              <a:rPr lang="de-DE" sz="2800" dirty="0"/>
-              <a:t>Selection criteria</a:t>
-            </a:r>
-            <a:r>
-              <a:rPr lang="en-US" sz="2800" dirty="0"/>
-              <a:t> &amp; Wilcoxon Test </a:t>
-            </a:r>
-          </a:p>
-          <a:p>
-            <a:pPr marL="457200" indent="-457200">
-              <a:buFont typeface="Arial" panose="020B0604020202020204" pitchFamily="34" charset="0"/>
-              <a:buChar char="•"/>
-            </a:pPr>
-            <a:r>
-              <a:rPr lang="en-US" sz="2800" dirty="0"/>
-              <a:t>Visualization for the </a:t>
-            </a:r>
-            <a:r>
-              <a:rPr lang="de-DE" sz="2800" dirty="0"/>
-              <a:t>order of selection criteria</a:t>
-            </a:r>
-            <a:endParaRPr lang="en-US" sz="2800" dirty="0"/>
-          </a:p>
-          <a:p>
-            <a:pPr marL="457200" indent="-457200">
-              <a:buFont typeface="Arial" panose="020B0604020202020204" pitchFamily="34" charset="0"/>
-              <a:buChar char="•"/>
-            </a:pPr>
-            <a:r>
-              <a:rPr lang="en-US" sz="2800" dirty="0"/>
-              <a:t>Pie charts for selection results</a:t>
-            </a:r>
-          </a:p>
-          <a:p>
-            <a:endParaRPr lang="en-US" sz="3400" b="1" dirty="0"/>
-          </a:p>
-          <a:p>
-            <a:r>
-              <a:rPr lang="de-DE" sz="3400" b="1" dirty="0"/>
-              <a:t>Data reduction</a:t>
-            </a:r>
-          </a:p>
-          <a:p>
-            <a:pPr marL="457200" indent="-457200">
-              <a:buFont typeface="Arial" panose="020B0604020202020204" pitchFamily="34" charset="0"/>
-              <a:buChar char="•"/>
-            </a:pPr>
-            <a:r>
-              <a:rPr lang="de-DE" sz="2800" dirty="0"/>
-              <a:t>PCR </a:t>
-            </a:r>
-            <a:endParaRPr lang="en-US" sz="2800" dirty="0"/>
-          </a:p>
-          <a:p>
-            <a:pPr marL="457200" indent="-457200">
-              <a:buFont typeface="Arial" panose="020B0604020202020204" pitchFamily="34" charset="0"/>
-              <a:buChar char="•"/>
-            </a:pPr>
-            <a:r>
-              <a:rPr lang="en-US" sz="2800" dirty="0"/>
-              <a:t> k-means clustering</a:t>
-            </a:r>
-          </a:p>
-          <a:p>
-            <a:pPr marL="457200" indent="-457200">
-              <a:buFont typeface="Arial" panose="020B0604020202020204" pitchFamily="34" charset="0"/>
-              <a:buChar char="•"/>
-            </a:pPr>
-            <a:endParaRPr lang="en-US" sz="3400" dirty="0"/>
-          </a:p>
-          <a:p>
-            <a:r>
-              <a:rPr lang="de-DE" sz="3400" b="1" dirty="0"/>
-              <a:t>Data modelling</a:t>
-            </a:r>
-          </a:p>
-          <a:p>
-            <a:pPr marL="457200" indent="-457200">
-              <a:buFont typeface="Arial" panose="020B0604020202020204" pitchFamily="34" charset="0"/>
-              <a:buChar char="•"/>
-            </a:pPr>
-            <a:r>
-              <a:rPr lang="en-US" sz="2800" dirty="0"/>
-              <a:t> Linear Regression </a:t>
-            </a:r>
-          </a:p>
-          <a:p>
-            <a:endParaRPr lang="en-US" sz="3400" b="1" dirty="0"/>
-          </a:p>
-          <a:p>
-            <a:endParaRPr lang="en-US" sz="3400" b="1" dirty="0"/>
-          </a:p>
-          <a:p>
-            <a:endParaRPr lang="en-US" sz="3400" b="1" dirty="0"/>
-          </a:p>
-          <a:p>
-            <a:endParaRPr lang="en-US" sz="3400" b="1" dirty="0"/>
-          </a:p>
-          <a:p>
-            <a:endParaRPr lang="en-US" sz="3400" b="1" dirty="0"/>
-          </a:p>
-          <a:p>
-            <a:endParaRPr lang="en-US" sz="3400" b="1" dirty="0"/>
-          </a:p>
-          <a:p>
-            <a:endParaRPr lang="en-US" sz="3400" b="1" dirty="0"/>
-          </a:p>
-          <a:p>
-            <a:endParaRPr lang="en-US" sz="3400" b="1" dirty="0"/>
-          </a:p>
-          <a:p>
-            <a:endParaRPr lang="en-US" sz="3400" b="1" dirty="0"/>
-          </a:p>
-          <a:p>
-            <a:endParaRPr lang="en-US" sz="3400" b="1" dirty="0"/>
-          </a:p>
-          <a:p>
-            <a:endParaRPr lang="en-US" sz="3400" b="1" dirty="0"/>
-          </a:p>
-        </p:txBody>
-      </p:sp>
-      <p:sp>
-        <p:nvSpPr>
-          <p:cNvPr id="5" name="TextBox 4">
-            <a:extLst>
-              <a:ext uri="{FF2B5EF4-FFF2-40B4-BE49-F238E27FC236}">
-                <a16:creationId xmlns:a16="http://schemas.microsoft.com/office/drawing/2014/main" id="{C3869B88-1347-235D-0D4E-91A2239B13D0}"/>
-              </a:ext>
-            </a:extLst>
-          </p:cNvPr>
-          <p:cNvSpPr txBox="1"/>
-          <p:nvPr/>
-        </p:nvSpPr>
-        <p:spPr>
-          <a:xfrm>
-            <a:off x="1105371" y="28905434"/>
-            <a:ext cx="18020829" cy="13542169"/>
-          </a:xfrm>
-          <a:prstGeom prst="rect">
-            <a:avLst/>
-          </a:prstGeom>
-          <a:noFill/>
-          <a:ln>
-            <a:solidFill>
-              <a:srgbClr val="D5D5D5"/>
-            </a:solidFill>
-          </a:ln>
-        </p:spPr>
-        <p:txBody>
-          <a:bodyPr wrap="square">
-            <a:spAutoFit/>
-          </a:bodyPr>
-          <a:lstStyle/>
-          <a:p>
-            <a:r>
-              <a:rPr lang="en-US" sz="3400" b="1" dirty="0"/>
-              <a:t>Discussion</a:t>
-            </a:r>
-            <a:endParaRPr lang="en-US" sz="3400" dirty="0"/>
-          </a:p>
-          <a:p>
-            <a:pPr marL="457200" indent="-457200">
-              <a:buFont typeface="Arial" panose="020B0604020202020204" pitchFamily="34" charset="0"/>
-              <a:buChar char="•"/>
-            </a:pPr>
-            <a:r>
-              <a:rPr lang="en-US" sz="2800" dirty="0"/>
-              <a:t>Critical review of our own results and methods (e.g., Selection criteria made us delete some RBPs. Why? What were their properties?)</a:t>
-            </a:r>
-          </a:p>
-          <a:p>
-            <a:pPr marL="457200" indent="-457200">
-              <a:buFont typeface="Arial" panose="020B0604020202020204" pitchFamily="34" charset="0"/>
-              <a:buChar char="•"/>
-            </a:pPr>
-            <a:r>
-              <a:rPr lang="en-US" sz="2800" dirty="0"/>
-              <a:t>Why do we find fewer proteins than </a:t>
-            </a:r>
-            <a:r>
-              <a:rPr lang="en-US" sz="2800" dirty="0" err="1"/>
-              <a:t>Maïwen</a:t>
-            </a:r>
-            <a:r>
-              <a:rPr lang="en-US" sz="2800" dirty="0"/>
-              <a:t>? </a:t>
-            </a:r>
-          </a:p>
-          <a:p>
-            <a:pPr marL="457200" indent="-457200">
-              <a:buFont typeface="Arial" panose="020B0604020202020204" pitchFamily="34" charset="0"/>
-              <a:buChar char="•"/>
-            </a:pPr>
-            <a:endParaRPr lang="en-US" sz="2800" dirty="0"/>
-          </a:p>
-          <a:p>
-            <a:pPr marL="457200" indent="-457200">
-              <a:buFont typeface="Arial" panose="020B0604020202020204" pitchFamily="34" charset="0"/>
-              <a:buChar char="•"/>
-            </a:pPr>
-            <a:endParaRPr lang="en-US" sz="2800" dirty="0"/>
-          </a:p>
-          <a:p>
-            <a:pPr marL="457200" indent="-457200">
-              <a:buFont typeface="Arial" panose="020B0604020202020204" pitchFamily="34" charset="0"/>
-              <a:buChar char="•"/>
-            </a:pPr>
-            <a:endParaRPr lang="en-US" sz="2800" dirty="0"/>
-          </a:p>
-          <a:p>
-            <a:pPr marL="457200" indent="-457200">
-              <a:buFont typeface="Arial" panose="020B0604020202020204" pitchFamily="34" charset="0"/>
-              <a:buChar char="•"/>
-            </a:pPr>
-            <a:endParaRPr lang="en-US" sz="2800" dirty="0"/>
-          </a:p>
-          <a:p>
-            <a:pPr marL="457200" indent="-457200">
-              <a:buFont typeface="Arial" panose="020B0604020202020204" pitchFamily="34" charset="0"/>
-              <a:buChar char="•"/>
-            </a:pPr>
-            <a:endParaRPr lang="en-US" sz="2800" dirty="0"/>
-          </a:p>
-          <a:p>
-            <a:pPr marL="457200" indent="-457200">
-              <a:buFont typeface="Arial" panose="020B0604020202020204" pitchFamily="34" charset="0"/>
-              <a:buChar char="•"/>
-            </a:pPr>
-            <a:endParaRPr lang="en-US" sz="2800" dirty="0"/>
-          </a:p>
-          <a:p>
-            <a:pPr marL="457200" indent="-457200">
-              <a:buFont typeface="Arial" panose="020B0604020202020204" pitchFamily="34" charset="0"/>
-              <a:buChar char="•"/>
-            </a:pPr>
-            <a:endParaRPr lang="en-US" sz="2800" dirty="0"/>
-          </a:p>
-          <a:p>
-            <a:pPr marL="457200" indent="-457200">
-              <a:buFont typeface="Arial" panose="020B0604020202020204" pitchFamily="34" charset="0"/>
-              <a:buChar char="•"/>
-            </a:pPr>
-            <a:endParaRPr lang="en-US" sz="2800" dirty="0"/>
-          </a:p>
-          <a:p>
-            <a:pPr marL="457200" indent="-457200">
-              <a:buFont typeface="Arial" panose="020B0604020202020204" pitchFamily="34" charset="0"/>
-              <a:buChar char="•"/>
-            </a:pPr>
-            <a:endParaRPr lang="en-US" sz="2800" dirty="0"/>
-          </a:p>
-          <a:p>
-            <a:pPr marL="457200" indent="-457200">
-              <a:buFont typeface="Arial" panose="020B0604020202020204" pitchFamily="34" charset="0"/>
-              <a:buChar char="•"/>
-            </a:pPr>
-            <a:endParaRPr lang="en-US" sz="2800" dirty="0"/>
-          </a:p>
-          <a:p>
-            <a:pPr marL="457200" indent="-457200">
-              <a:buFont typeface="Arial" panose="020B0604020202020204" pitchFamily="34" charset="0"/>
-              <a:buChar char="•"/>
-            </a:pPr>
-            <a:endParaRPr lang="en-US" sz="2800" dirty="0"/>
-          </a:p>
-          <a:p>
-            <a:pPr marL="457200" indent="-457200">
-              <a:buFont typeface="Arial" panose="020B0604020202020204" pitchFamily="34" charset="0"/>
-              <a:buChar char="•"/>
-            </a:pPr>
-            <a:endParaRPr lang="en-US" sz="2800" dirty="0"/>
-          </a:p>
-          <a:p>
-            <a:pPr marL="457200" indent="-457200">
-              <a:buFont typeface="Arial" panose="020B0604020202020204" pitchFamily="34" charset="0"/>
-              <a:buChar char="•"/>
-            </a:pPr>
-            <a:endParaRPr lang="en-US" sz="2800" dirty="0"/>
-          </a:p>
-          <a:p>
-            <a:pPr marL="457200" indent="-457200">
-              <a:buFont typeface="Arial" panose="020B0604020202020204" pitchFamily="34" charset="0"/>
-              <a:buChar char="•"/>
-            </a:pPr>
-            <a:endParaRPr lang="en-US" sz="2800" dirty="0"/>
-          </a:p>
-          <a:p>
-            <a:pPr marL="457200" indent="-457200">
-              <a:buFont typeface="Arial" panose="020B0604020202020204" pitchFamily="34" charset="0"/>
-              <a:buChar char="•"/>
-            </a:pPr>
-            <a:endParaRPr lang="en-US" sz="2800" dirty="0"/>
-          </a:p>
-          <a:p>
-            <a:pPr marL="457200" indent="-457200">
-              <a:buFont typeface="Arial" panose="020B0604020202020204" pitchFamily="34" charset="0"/>
-              <a:buChar char="•"/>
-            </a:pPr>
-            <a:endParaRPr lang="en-US" sz="2800" dirty="0"/>
-          </a:p>
-          <a:p>
-            <a:pPr marL="457200" indent="-457200">
-              <a:buFont typeface="Arial" panose="020B0604020202020204" pitchFamily="34" charset="0"/>
-              <a:buChar char="•"/>
-            </a:pPr>
-            <a:endParaRPr lang="en-US" sz="2800" dirty="0"/>
-          </a:p>
-          <a:p>
-            <a:pPr marL="457200" indent="-457200">
-              <a:buFont typeface="Arial" panose="020B0604020202020204" pitchFamily="34" charset="0"/>
-              <a:buChar char="•"/>
-            </a:pPr>
-            <a:endParaRPr lang="en-US" sz="2800" dirty="0"/>
-          </a:p>
-          <a:p>
-            <a:pPr marL="457200" indent="-457200">
-              <a:buFont typeface="Arial" panose="020B0604020202020204" pitchFamily="34" charset="0"/>
-              <a:buChar char="•"/>
-            </a:pPr>
-            <a:endParaRPr lang="en-US" sz="2800" dirty="0"/>
-          </a:p>
-          <a:p>
-            <a:pPr marL="457200" indent="-457200">
-              <a:buFont typeface="Arial" panose="020B0604020202020204" pitchFamily="34" charset="0"/>
-              <a:buChar char="•"/>
-            </a:pPr>
-            <a:endParaRPr lang="en-US" sz="2800" dirty="0"/>
-          </a:p>
-          <a:p>
-            <a:pPr marL="457200" indent="-457200">
-              <a:buFont typeface="Arial" panose="020B0604020202020204" pitchFamily="34" charset="0"/>
-              <a:buChar char="•"/>
-            </a:pPr>
-            <a:endParaRPr lang="en-US" sz="2800" dirty="0"/>
-          </a:p>
-          <a:p>
-            <a:pPr marL="457200" indent="-457200">
-              <a:buFont typeface="Arial" panose="020B0604020202020204" pitchFamily="34" charset="0"/>
-              <a:buChar char="•"/>
-            </a:pPr>
-            <a:endParaRPr lang="en-US" sz="2800" dirty="0"/>
-          </a:p>
-          <a:p>
-            <a:pPr marL="457200" indent="-457200">
-              <a:buFont typeface="Arial" panose="020B0604020202020204" pitchFamily="34" charset="0"/>
-              <a:buChar char="•"/>
-            </a:pPr>
-            <a:endParaRPr lang="en-US" sz="2800" dirty="0"/>
-          </a:p>
-          <a:p>
-            <a:pPr marL="457200" indent="-457200">
-              <a:buFont typeface="Arial" panose="020B0604020202020204" pitchFamily="34" charset="0"/>
-              <a:buChar char="•"/>
-            </a:pPr>
-            <a:endParaRPr lang="en-US" sz="2800" dirty="0"/>
-          </a:p>
-          <a:p>
-            <a:pPr marL="457200" indent="-457200">
-              <a:buFont typeface="Arial" panose="020B0604020202020204" pitchFamily="34" charset="0"/>
-              <a:buChar char="•"/>
-            </a:pPr>
-            <a:endParaRPr lang="en-US" sz="2800" dirty="0"/>
-          </a:p>
-          <a:p>
-            <a:pPr marL="457200" indent="-457200">
-              <a:buFont typeface="Arial" panose="020B0604020202020204" pitchFamily="34" charset="0"/>
-              <a:buChar char="•"/>
-            </a:pPr>
-            <a:endParaRPr lang="en-US" sz="2800" dirty="0"/>
-          </a:p>
-          <a:p>
-            <a:endParaRPr lang="en-US" sz="2800" b="1" dirty="0"/>
-          </a:p>
-        </p:txBody>
-      </p:sp>
-      <p:sp>
-        <p:nvSpPr>
-          <p:cNvPr id="6" name="TextBox 5">
-            <a:extLst>
-              <a:ext uri="{FF2B5EF4-FFF2-40B4-BE49-F238E27FC236}">
-                <a16:creationId xmlns:a16="http://schemas.microsoft.com/office/drawing/2014/main" id="{C647DCDC-CAF3-A237-DE4E-1E9297F1816A}"/>
-              </a:ext>
-            </a:extLst>
-          </p:cNvPr>
-          <p:cNvSpPr txBox="1"/>
-          <p:nvPr/>
-        </p:nvSpPr>
-        <p:spPr>
-          <a:xfrm>
-            <a:off x="20022243" y="38678407"/>
-            <a:ext cx="8780767" cy="3631763"/>
-          </a:xfrm>
-          <a:prstGeom prst="rect">
-            <a:avLst/>
-          </a:prstGeom>
-          <a:noFill/>
-          <a:ln>
-            <a:solidFill>
-              <a:srgbClr val="D5D5D5"/>
-            </a:solidFill>
-          </a:ln>
-        </p:spPr>
-        <p:txBody>
-          <a:bodyPr wrap="square">
-            <a:spAutoFit/>
-          </a:bodyPr>
-          <a:lstStyle/>
-          <a:p>
-            <a:r>
-              <a:rPr lang="de-DE" sz="3400" b="1" dirty="0"/>
-              <a:t>References</a:t>
-            </a:r>
-          </a:p>
-          <a:p>
-            <a:pPr marL="457200" indent="-457200">
-              <a:buFont typeface="Arial" panose="020B0604020202020204" pitchFamily="34" charset="0"/>
-              <a:buChar char="•"/>
-            </a:pPr>
-            <a:r>
-              <a:rPr lang="en-US" sz="2800" b="1" dirty="0"/>
-              <a:t> </a:t>
-            </a:r>
-          </a:p>
-          <a:p>
-            <a:pPr marL="457200" indent="-457200">
-              <a:buFont typeface="Arial" panose="020B0604020202020204" pitchFamily="34" charset="0"/>
-              <a:buChar char="•"/>
-            </a:pPr>
-            <a:endParaRPr lang="en-US" sz="2800" b="1" dirty="0"/>
-          </a:p>
-          <a:p>
-            <a:pPr marL="457200" indent="-457200">
-              <a:buFont typeface="Arial" panose="020B0604020202020204" pitchFamily="34" charset="0"/>
-              <a:buChar char="•"/>
-            </a:pPr>
-            <a:endParaRPr lang="en-US" sz="2800" b="1" dirty="0"/>
-          </a:p>
-          <a:p>
-            <a:pPr marL="457200" indent="-457200">
-              <a:buFont typeface="Arial" panose="020B0604020202020204" pitchFamily="34" charset="0"/>
-              <a:buChar char="•"/>
-            </a:pPr>
-            <a:endParaRPr lang="en-US" sz="2800" b="1" dirty="0"/>
-          </a:p>
-          <a:p>
-            <a:pPr marL="457200" indent="-457200">
-              <a:buFont typeface="Arial" panose="020B0604020202020204" pitchFamily="34" charset="0"/>
-              <a:buChar char="•"/>
-            </a:pPr>
-            <a:endParaRPr lang="en-US" sz="2800" b="1" dirty="0"/>
-          </a:p>
-          <a:p>
-            <a:pPr marL="457200" indent="-457200">
-              <a:buFont typeface="Arial" panose="020B0604020202020204" pitchFamily="34" charset="0"/>
-              <a:buChar char="•"/>
-            </a:pPr>
-            <a:endParaRPr lang="en-US" sz="2800" b="1" dirty="0"/>
-          </a:p>
-          <a:p>
-            <a:pPr marL="457200" indent="-457200">
-              <a:buFont typeface="Arial" panose="020B0604020202020204" pitchFamily="34" charset="0"/>
-              <a:buChar char="•"/>
-            </a:pPr>
-            <a:endParaRPr lang="en-US" sz="2800" b="1" dirty="0"/>
-          </a:p>
-        </p:txBody>
-      </p:sp>
-      <p:sp>
-        <p:nvSpPr>
-          <p:cNvPr id="7" name="TextBox 6">
-            <a:extLst>
-              <a:ext uri="{FF2B5EF4-FFF2-40B4-BE49-F238E27FC236}">
-                <a16:creationId xmlns:a16="http://schemas.microsoft.com/office/drawing/2014/main" id="{2E259646-0826-CBCF-F645-E6DB9D95EBD8}"/>
-              </a:ext>
-            </a:extLst>
-          </p:cNvPr>
-          <p:cNvSpPr txBox="1"/>
-          <p:nvPr/>
-        </p:nvSpPr>
-        <p:spPr>
-          <a:xfrm>
-            <a:off x="20022243" y="28905433"/>
-            <a:ext cx="8780767" cy="8802410"/>
-          </a:xfrm>
-          <a:prstGeom prst="rect">
-            <a:avLst/>
-          </a:prstGeom>
-          <a:noFill/>
-          <a:ln>
-            <a:solidFill>
-              <a:srgbClr val="D5D5D5"/>
-            </a:solidFill>
-          </a:ln>
-        </p:spPr>
-        <p:txBody>
-          <a:bodyPr wrap="square">
-            <a:spAutoFit/>
-          </a:bodyPr>
-          <a:lstStyle/>
-          <a:p>
-            <a:r>
-              <a:rPr lang="de-DE" sz="3400" b="1" dirty="0"/>
-              <a:t>Our Achievements </a:t>
-            </a:r>
-          </a:p>
-          <a:p>
-            <a:pPr marL="457200" indent="-457200">
-              <a:buFont typeface="Arial" panose="020B0604020202020204" pitchFamily="34" charset="0"/>
-              <a:buChar char="•"/>
-            </a:pPr>
-            <a:r>
-              <a:rPr lang="de-DE" sz="2800" dirty="0"/>
-              <a:t>We found X proteins that ...</a:t>
-            </a:r>
-          </a:p>
-          <a:p>
-            <a:pPr marL="457200" indent="-457200">
-              <a:buFont typeface="Arial" panose="020B0604020202020204" pitchFamily="34" charset="0"/>
-              <a:buChar char="•"/>
-            </a:pPr>
-            <a:endParaRPr lang="de-DE" sz="2800" dirty="0"/>
-          </a:p>
-          <a:p>
-            <a:pPr marL="457200" indent="-457200">
-              <a:buFont typeface="Arial" panose="020B0604020202020204" pitchFamily="34" charset="0"/>
-              <a:buChar char="•"/>
-            </a:pPr>
-            <a:endParaRPr lang="de-DE" sz="2800" dirty="0"/>
-          </a:p>
-          <a:p>
-            <a:pPr marL="457200" indent="-457200">
-              <a:buFont typeface="Arial" panose="020B0604020202020204" pitchFamily="34" charset="0"/>
-              <a:buChar char="•"/>
-            </a:pPr>
-            <a:endParaRPr lang="de-DE" sz="2800" dirty="0"/>
-          </a:p>
-          <a:p>
-            <a:pPr marL="457200" indent="-457200">
-              <a:buFont typeface="Arial" panose="020B0604020202020204" pitchFamily="34" charset="0"/>
-              <a:buChar char="•"/>
-            </a:pPr>
-            <a:endParaRPr lang="de-DE" sz="2800" dirty="0"/>
-          </a:p>
-          <a:p>
-            <a:pPr marL="457200" indent="-457200">
-              <a:buFont typeface="Arial" panose="020B0604020202020204" pitchFamily="34" charset="0"/>
-              <a:buChar char="•"/>
-            </a:pPr>
-            <a:endParaRPr lang="de-DE" sz="2800" dirty="0"/>
-          </a:p>
-          <a:p>
-            <a:pPr marL="457200" indent="-457200">
-              <a:buFont typeface="Arial" panose="020B0604020202020204" pitchFamily="34" charset="0"/>
-              <a:buChar char="•"/>
-            </a:pPr>
-            <a:endParaRPr lang="de-DE" sz="2800" dirty="0"/>
-          </a:p>
-          <a:p>
-            <a:pPr marL="457200" indent="-457200">
-              <a:buFont typeface="Arial" panose="020B0604020202020204" pitchFamily="34" charset="0"/>
-              <a:buChar char="•"/>
-            </a:pPr>
-            <a:endParaRPr lang="de-DE" sz="2800" dirty="0"/>
-          </a:p>
-          <a:p>
-            <a:pPr marL="457200" indent="-457200">
-              <a:buFont typeface="Arial" panose="020B0604020202020204" pitchFamily="34" charset="0"/>
-              <a:buChar char="•"/>
-            </a:pPr>
-            <a:endParaRPr lang="de-DE" sz="2800" dirty="0"/>
-          </a:p>
-          <a:p>
-            <a:pPr marL="457200" indent="-457200">
-              <a:buFont typeface="Arial" panose="020B0604020202020204" pitchFamily="34" charset="0"/>
-              <a:buChar char="•"/>
-            </a:pPr>
-            <a:endParaRPr lang="de-DE" sz="2800" dirty="0"/>
-          </a:p>
-          <a:p>
-            <a:pPr marL="457200" indent="-457200">
-              <a:buFont typeface="Arial" panose="020B0604020202020204" pitchFamily="34" charset="0"/>
-              <a:buChar char="•"/>
-            </a:pPr>
-            <a:endParaRPr lang="de-DE" sz="2800" dirty="0"/>
-          </a:p>
-          <a:p>
-            <a:pPr marL="457200" indent="-457200">
-              <a:buFont typeface="Arial" panose="020B0604020202020204" pitchFamily="34" charset="0"/>
-              <a:buChar char="•"/>
-            </a:pPr>
-            <a:endParaRPr lang="de-DE" sz="2800" dirty="0"/>
-          </a:p>
-          <a:p>
-            <a:pPr marL="457200" indent="-457200">
-              <a:buFont typeface="Arial" panose="020B0604020202020204" pitchFamily="34" charset="0"/>
-              <a:buChar char="•"/>
-            </a:pPr>
-            <a:endParaRPr lang="de-DE" sz="2800" dirty="0"/>
-          </a:p>
-          <a:p>
-            <a:pPr marL="457200" indent="-457200">
-              <a:buFont typeface="Arial" panose="020B0604020202020204" pitchFamily="34" charset="0"/>
-              <a:buChar char="•"/>
-            </a:pPr>
-            <a:endParaRPr lang="de-DE" sz="2800" dirty="0"/>
-          </a:p>
-          <a:p>
-            <a:pPr marL="457200" indent="-457200">
-              <a:buFont typeface="Arial" panose="020B0604020202020204" pitchFamily="34" charset="0"/>
-              <a:buChar char="•"/>
-            </a:pPr>
-            <a:endParaRPr lang="de-DE" sz="2800" dirty="0"/>
-          </a:p>
-          <a:p>
-            <a:pPr marL="457200" indent="-457200">
-              <a:buFont typeface="Arial" panose="020B0604020202020204" pitchFamily="34" charset="0"/>
-              <a:buChar char="•"/>
-            </a:pPr>
-            <a:endParaRPr lang="de-DE" sz="2800" dirty="0"/>
-          </a:p>
-          <a:p>
-            <a:pPr marL="457200" indent="-457200">
-              <a:buFont typeface="Arial" panose="020B0604020202020204" pitchFamily="34" charset="0"/>
-              <a:buChar char="•"/>
-            </a:pPr>
-            <a:endParaRPr lang="de-DE" sz="2800" dirty="0"/>
-          </a:p>
-          <a:p>
-            <a:pPr marL="457200" indent="-457200">
-              <a:buFont typeface="Arial" panose="020B0604020202020204" pitchFamily="34" charset="0"/>
-              <a:buChar char="•"/>
-            </a:pPr>
-            <a:endParaRPr lang="de-DE" sz="2800" dirty="0"/>
-          </a:p>
-          <a:p>
-            <a:endParaRPr lang="en-US" sz="2800" b="1" dirty="0"/>
-          </a:p>
-        </p:txBody>
-      </p:sp>
-    </p:spTree>
-    <p:extLst>
-      <p:ext uri="{BB962C8B-B14F-4D97-AF65-F5344CB8AC3E}">
-        <p14:creationId xmlns:p14="http://schemas.microsoft.com/office/powerpoint/2010/main" val="3929491743"/>
       </p:ext>
     </p:extLst>
   </p:cSld>

--- a/Posterideen.pptx
+++ b/Posterideen.pptx
@@ -5,21 +5,22 @@
     <p:sldMasterId id="2147483684" r:id="rId1"/>
   </p:sldMasterIdLst>
   <p:notesMasterIdLst>
-    <p:notesMasterId r:id="rId14"/>
+    <p:notesMasterId r:id="rId15"/>
   </p:notesMasterIdLst>
   <p:sldIdLst>
     <p:sldId id="257" r:id="rId2"/>
-    <p:sldId id="278" r:id="rId3"/>
-    <p:sldId id="275" r:id="rId4"/>
+    <p:sldId id="280" r:id="rId3"/>
+    <p:sldId id="278" r:id="rId4"/>
     <p:sldId id="277" r:id="rId5"/>
-    <p:sldId id="274" r:id="rId6"/>
-    <p:sldId id="270" r:id="rId7"/>
-    <p:sldId id="272" r:id="rId8"/>
-    <p:sldId id="271" r:id="rId9"/>
-    <p:sldId id="263" r:id="rId10"/>
-    <p:sldId id="262" r:id="rId11"/>
-    <p:sldId id="260" r:id="rId12"/>
-    <p:sldId id="258" r:id="rId13"/>
+    <p:sldId id="275" r:id="rId6"/>
+    <p:sldId id="274" r:id="rId7"/>
+    <p:sldId id="270" r:id="rId8"/>
+    <p:sldId id="272" r:id="rId9"/>
+    <p:sldId id="271" r:id="rId10"/>
+    <p:sldId id="263" r:id="rId11"/>
+    <p:sldId id="262" r:id="rId12"/>
+    <p:sldId id="260" r:id="rId13"/>
+    <p:sldId id="258" r:id="rId14"/>
   </p:sldIdLst>
   <p:sldSz cx="30275213" cy="42803763"/>
   <p:notesSz cx="6858000" cy="9144000"/>
@@ -4174,6 +4175,1658 @@
 </file>
 
 <file path=ppt/slides/slide10.xml><?xml version="1.0" encoding="utf-8"?>
+<p:sld xmlns:a="http://schemas.openxmlformats.org/drawingml/2006/main" xmlns:r="http://schemas.openxmlformats.org/officeDocument/2006/relationships" xmlns:p="http://schemas.openxmlformats.org/presentationml/2006/main">
+  <p:cSld>
+    <p:bg>
+      <p:bgPr>
+        <a:solidFill>
+          <a:srgbClr val="D5D5D5"/>
+        </a:solidFill>
+        <a:effectLst/>
+      </p:bgPr>
+    </p:bg>
+    <p:spTree>
+      <p:nvGrpSpPr>
+        <p:cNvPr id="1" name="">
+          <a:extLst>
+            <a:ext uri="{FF2B5EF4-FFF2-40B4-BE49-F238E27FC236}">
+              <a16:creationId xmlns:a16="http://schemas.microsoft.com/office/drawing/2014/main" id="{D56F377D-295D-9581-94CD-56975E62B1BF}"/>
+            </a:ext>
+          </a:extLst>
+        </p:cNvPr>
+        <p:cNvGrpSpPr/>
+        <p:nvPr/>
+      </p:nvGrpSpPr>
+      <p:grpSpPr>
+        <a:xfrm>
+          <a:off x="0" y="0"/>
+          <a:ext cx="0" cy="0"/>
+          <a:chOff x="0" y="0"/>
+          <a:chExt cx="0" cy="0"/>
+        </a:xfrm>
+      </p:grpSpPr>
+      <p:sp>
+        <p:nvSpPr>
+          <p:cNvPr id="17" name="Rectangle: Rounded Corners 16">
+            <a:extLst>
+              <a:ext uri="{FF2B5EF4-FFF2-40B4-BE49-F238E27FC236}">
+                <a16:creationId xmlns:a16="http://schemas.microsoft.com/office/drawing/2014/main" id="{DCE63D26-2A55-6D36-CB96-48EEDC7A82C6}"/>
+              </a:ext>
+            </a:extLst>
+          </p:cNvPr>
+          <p:cNvSpPr/>
+          <p:nvPr/>
+        </p:nvSpPr>
+        <p:spPr>
+          <a:xfrm>
+            <a:off x="619433" y="31244169"/>
+            <a:ext cx="17743067" cy="11024530"/>
+          </a:xfrm>
+          <a:prstGeom prst="roundRect">
+            <a:avLst>
+              <a:gd name="adj" fmla="val 3189"/>
+            </a:avLst>
+          </a:prstGeom>
+          <a:solidFill>
+            <a:schemeClr val="bg1"/>
+          </a:solidFill>
+          <a:ln w="254000">
+            <a:solidFill>
+              <a:srgbClr val="626D58"/>
+            </a:solidFill>
+          </a:ln>
+        </p:spPr>
+        <p:style>
+          <a:lnRef idx="2">
+            <a:schemeClr val="accent1">
+              <a:shade val="15000"/>
+            </a:schemeClr>
+          </a:lnRef>
+          <a:fillRef idx="1">
+            <a:schemeClr val="accent1"/>
+          </a:fillRef>
+          <a:effectRef idx="0">
+            <a:schemeClr val="accent1"/>
+          </a:effectRef>
+          <a:fontRef idx="minor">
+            <a:schemeClr val="lt1"/>
+          </a:fontRef>
+        </p:style>
+        <p:txBody>
+          <a:bodyPr rtlCol="0" anchor="ctr"/>
+          <a:lstStyle/>
+          <a:p>
+            <a:pPr algn="ctr"/>
+            <a:endParaRPr lang="de-DE"/>
+          </a:p>
+        </p:txBody>
+      </p:sp>
+      <p:sp>
+        <p:nvSpPr>
+          <p:cNvPr id="18" name="Rectangle: Rounded Corners 17">
+            <a:extLst>
+              <a:ext uri="{FF2B5EF4-FFF2-40B4-BE49-F238E27FC236}">
+                <a16:creationId xmlns:a16="http://schemas.microsoft.com/office/drawing/2014/main" id="{3373BAD0-B1D3-B7F1-F464-305EA2D5ADB3}"/>
+              </a:ext>
+            </a:extLst>
+          </p:cNvPr>
+          <p:cNvSpPr/>
+          <p:nvPr/>
+        </p:nvSpPr>
+        <p:spPr>
+          <a:xfrm>
+            <a:off x="18848439" y="31244168"/>
+            <a:ext cx="10807341" cy="6130088"/>
+          </a:xfrm>
+          <a:prstGeom prst="roundRect">
+            <a:avLst>
+              <a:gd name="adj" fmla="val 2683"/>
+            </a:avLst>
+          </a:prstGeom>
+          <a:solidFill>
+            <a:schemeClr val="bg1"/>
+          </a:solidFill>
+          <a:ln w="254000">
+            <a:solidFill>
+              <a:srgbClr val="B31029"/>
+            </a:solidFill>
+          </a:ln>
+        </p:spPr>
+        <p:style>
+          <a:lnRef idx="2">
+            <a:schemeClr val="accent1">
+              <a:shade val="15000"/>
+            </a:schemeClr>
+          </a:lnRef>
+          <a:fillRef idx="1">
+            <a:schemeClr val="accent1"/>
+          </a:fillRef>
+          <a:effectRef idx="0">
+            <a:schemeClr val="accent1"/>
+          </a:effectRef>
+          <a:fontRef idx="minor">
+            <a:schemeClr val="lt1"/>
+          </a:fontRef>
+        </p:style>
+        <p:txBody>
+          <a:bodyPr rtlCol="0" anchor="ctr"/>
+          <a:lstStyle/>
+          <a:p>
+            <a:pPr algn="ctr"/>
+            <a:endParaRPr lang="de-DE"/>
+          </a:p>
+        </p:txBody>
+      </p:sp>
+      <p:sp>
+        <p:nvSpPr>
+          <p:cNvPr id="19" name="Rectangle: Rounded Corners 18">
+            <a:extLst>
+              <a:ext uri="{FF2B5EF4-FFF2-40B4-BE49-F238E27FC236}">
+                <a16:creationId xmlns:a16="http://schemas.microsoft.com/office/drawing/2014/main" id="{A30D7989-DBFF-C477-104E-A9A0EB0F68BE}"/>
+              </a:ext>
+            </a:extLst>
+          </p:cNvPr>
+          <p:cNvSpPr/>
+          <p:nvPr/>
+        </p:nvSpPr>
+        <p:spPr>
+          <a:xfrm>
+            <a:off x="18866415" y="38023185"/>
+            <a:ext cx="10807341" cy="4245514"/>
+          </a:xfrm>
+          <a:prstGeom prst="roundRect">
+            <a:avLst>
+              <a:gd name="adj" fmla="val 7244"/>
+            </a:avLst>
+          </a:prstGeom>
+          <a:solidFill>
+            <a:schemeClr val="bg1"/>
+          </a:solidFill>
+          <a:ln w="254000">
+            <a:solidFill>
+              <a:srgbClr val="77966D"/>
+            </a:solidFill>
+          </a:ln>
+        </p:spPr>
+        <p:style>
+          <a:lnRef idx="2">
+            <a:schemeClr val="accent1">
+              <a:shade val="15000"/>
+            </a:schemeClr>
+          </a:lnRef>
+          <a:fillRef idx="1">
+            <a:schemeClr val="accent1"/>
+          </a:fillRef>
+          <a:effectRef idx="0">
+            <a:schemeClr val="accent1"/>
+          </a:effectRef>
+          <a:fontRef idx="minor">
+            <a:schemeClr val="lt1"/>
+          </a:fontRef>
+        </p:style>
+        <p:txBody>
+          <a:bodyPr rtlCol="0" anchor="ctr"/>
+          <a:lstStyle/>
+          <a:p>
+            <a:pPr algn="ctr"/>
+            <a:endParaRPr lang="de-DE"/>
+          </a:p>
+        </p:txBody>
+      </p:sp>
+      <p:sp>
+        <p:nvSpPr>
+          <p:cNvPr id="16" name="Rectangle: Rounded Corners 15">
+            <a:extLst>
+              <a:ext uri="{FF2B5EF4-FFF2-40B4-BE49-F238E27FC236}">
+                <a16:creationId xmlns:a16="http://schemas.microsoft.com/office/drawing/2014/main" id="{CBF719C4-90ED-3E35-A287-A00EB7E8FCB0}"/>
+              </a:ext>
+            </a:extLst>
+          </p:cNvPr>
+          <p:cNvSpPr/>
+          <p:nvPr/>
+        </p:nvSpPr>
+        <p:spPr>
+          <a:xfrm>
+            <a:off x="619433" y="14359353"/>
+            <a:ext cx="29054323" cy="16443286"/>
+          </a:xfrm>
+          <a:prstGeom prst="roundRect">
+            <a:avLst>
+              <a:gd name="adj" fmla="val 1883"/>
+            </a:avLst>
+          </a:prstGeom>
+          <a:solidFill>
+            <a:schemeClr val="bg1"/>
+          </a:solidFill>
+          <a:ln w="254000">
+            <a:solidFill>
+              <a:srgbClr val="B31029"/>
+            </a:solidFill>
+          </a:ln>
+        </p:spPr>
+        <p:style>
+          <a:lnRef idx="2">
+            <a:schemeClr val="accent1">
+              <a:shade val="15000"/>
+            </a:schemeClr>
+          </a:lnRef>
+          <a:fillRef idx="1">
+            <a:schemeClr val="accent1"/>
+          </a:fillRef>
+          <a:effectRef idx="0">
+            <a:schemeClr val="accent1"/>
+          </a:effectRef>
+          <a:fontRef idx="minor">
+            <a:schemeClr val="lt1"/>
+          </a:fontRef>
+        </p:style>
+        <p:txBody>
+          <a:bodyPr rtlCol="0" anchor="ctr"/>
+          <a:lstStyle/>
+          <a:p>
+            <a:pPr algn="ctr"/>
+            <a:endParaRPr lang="de-DE" dirty="0"/>
+          </a:p>
+        </p:txBody>
+      </p:sp>
+      <p:sp>
+        <p:nvSpPr>
+          <p:cNvPr id="14" name="Rectangle: Rounded Corners 13">
+            <a:extLst>
+              <a:ext uri="{FF2B5EF4-FFF2-40B4-BE49-F238E27FC236}">
+                <a16:creationId xmlns:a16="http://schemas.microsoft.com/office/drawing/2014/main" id="{3DF204A4-DE6F-EC0C-7F2A-115AAB5469F5}"/>
+              </a:ext>
+            </a:extLst>
+          </p:cNvPr>
+          <p:cNvSpPr/>
+          <p:nvPr/>
+        </p:nvSpPr>
+        <p:spPr>
+          <a:xfrm>
+            <a:off x="619433" y="5978668"/>
+            <a:ext cx="29054323" cy="7925246"/>
+          </a:xfrm>
+          <a:prstGeom prst="roundRect">
+            <a:avLst>
+              <a:gd name="adj" fmla="val 4408"/>
+            </a:avLst>
+          </a:prstGeom>
+          <a:solidFill>
+            <a:schemeClr val="bg1"/>
+          </a:solidFill>
+          <a:ln w="254000">
+            <a:solidFill>
+              <a:srgbClr val="320A28"/>
+            </a:solidFill>
+          </a:ln>
+        </p:spPr>
+        <p:style>
+          <a:lnRef idx="2">
+            <a:schemeClr val="accent1">
+              <a:shade val="15000"/>
+            </a:schemeClr>
+          </a:lnRef>
+          <a:fillRef idx="1">
+            <a:schemeClr val="accent1"/>
+          </a:fillRef>
+          <a:effectRef idx="0">
+            <a:schemeClr val="accent1"/>
+          </a:effectRef>
+          <a:fontRef idx="minor">
+            <a:schemeClr val="lt1"/>
+          </a:fontRef>
+        </p:style>
+        <p:txBody>
+          <a:bodyPr numCol="1" rtlCol="0" anchor="ctr"/>
+          <a:lstStyle/>
+          <a:p>
+            <a:pPr algn="ctr"/>
+            <a:r>
+              <a:rPr lang="de-DE" dirty="0"/>
+              <a:t> </a:t>
+            </a:r>
+          </a:p>
+        </p:txBody>
+      </p:sp>
+      <p:sp>
+        <p:nvSpPr>
+          <p:cNvPr id="13" name="Rectangle 12">
+            <a:extLst>
+              <a:ext uri="{FF2B5EF4-FFF2-40B4-BE49-F238E27FC236}">
+                <a16:creationId xmlns:a16="http://schemas.microsoft.com/office/drawing/2014/main" id="{E55E5E4F-55D1-9112-EA20-12BD7C7824E8}"/>
+              </a:ext>
+            </a:extLst>
+          </p:cNvPr>
+          <p:cNvSpPr/>
+          <p:nvPr/>
+        </p:nvSpPr>
+        <p:spPr>
+          <a:xfrm>
+            <a:off x="-1" y="0"/>
+            <a:ext cx="30275213" cy="5437746"/>
+          </a:xfrm>
+          <a:prstGeom prst="rect">
+            <a:avLst/>
+          </a:prstGeom>
+          <a:solidFill>
+            <a:schemeClr val="bg1"/>
+          </a:solidFill>
+          <a:ln>
+            <a:noFill/>
+          </a:ln>
+        </p:spPr>
+        <p:style>
+          <a:lnRef idx="2">
+            <a:schemeClr val="accent1">
+              <a:shade val="15000"/>
+            </a:schemeClr>
+          </a:lnRef>
+          <a:fillRef idx="1">
+            <a:schemeClr val="accent1"/>
+          </a:fillRef>
+          <a:effectRef idx="0">
+            <a:schemeClr val="accent1"/>
+          </a:effectRef>
+          <a:fontRef idx="minor">
+            <a:schemeClr val="lt1"/>
+          </a:fontRef>
+        </p:style>
+        <p:txBody>
+          <a:bodyPr rtlCol="0" anchor="ctr"/>
+          <a:lstStyle/>
+          <a:p>
+            <a:pPr algn="ctr"/>
+            <a:endParaRPr lang="de-DE"/>
+          </a:p>
+        </p:txBody>
+      </p:sp>
+      <p:pic>
+        <p:nvPicPr>
+          <p:cNvPr id="9" name="Picture 8">
+            <a:extLst>
+              <a:ext uri="{FF2B5EF4-FFF2-40B4-BE49-F238E27FC236}">
+                <a16:creationId xmlns:a16="http://schemas.microsoft.com/office/drawing/2014/main" id="{764040E7-9F7A-1695-33EB-BCAC71B47C35}"/>
+              </a:ext>
+            </a:extLst>
+          </p:cNvPr>
+          <p:cNvPicPr>
+            <a:picLocks noChangeAspect="1"/>
+          </p:cNvPicPr>
+          <p:nvPr/>
+        </p:nvPicPr>
+        <p:blipFill>
+          <a:blip r:embed="rId2"/>
+          <a:stretch>
+            <a:fillRect/>
+          </a:stretch>
+        </p:blipFill>
+        <p:spPr>
+          <a:xfrm>
+            <a:off x="99683" y="23020"/>
+            <a:ext cx="9050209" cy="5088730"/>
+          </a:xfrm>
+          <a:prstGeom prst="rect">
+            <a:avLst/>
+          </a:prstGeom>
+        </p:spPr>
+      </p:pic>
+      <p:pic>
+        <p:nvPicPr>
+          <p:cNvPr id="11" name="Picture 10">
+            <a:extLst>
+              <a:ext uri="{FF2B5EF4-FFF2-40B4-BE49-F238E27FC236}">
+                <a16:creationId xmlns:a16="http://schemas.microsoft.com/office/drawing/2014/main" id="{DA82CCC1-5E3B-DC8A-F4B9-3BCE30F61608}"/>
+              </a:ext>
+            </a:extLst>
+          </p:cNvPr>
+          <p:cNvPicPr>
+            <a:picLocks noChangeAspect="1"/>
+          </p:cNvPicPr>
+          <p:nvPr/>
+        </p:nvPicPr>
+        <p:blipFill>
+          <a:blip r:embed="rId3"/>
+          <a:stretch>
+            <a:fillRect/>
+          </a:stretch>
+        </p:blipFill>
+        <p:spPr>
+          <a:xfrm>
+            <a:off x="23489343" y="704131"/>
+            <a:ext cx="6328620" cy="3559849"/>
+          </a:xfrm>
+          <a:prstGeom prst="rect">
+            <a:avLst/>
+          </a:prstGeom>
+        </p:spPr>
+      </p:pic>
+      <p:sp>
+        <p:nvSpPr>
+          <p:cNvPr id="4" name="Titel 1">
+            <a:extLst>
+              <a:ext uri="{FF2B5EF4-FFF2-40B4-BE49-F238E27FC236}">
+                <a16:creationId xmlns:a16="http://schemas.microsoft.com/office/drawing/2014/main" id="{E25DD35F-ED77-9EE5-F4AE-8CF89EA825C8}"/>
+              </a:ext>
+            </a:extLst>
+          </p:cNvPr>
+          <p:cNvSpPr>
+            <a:spLocks noGrp="1"/>
+          </p:cNvSpPr>
+          <p:nvPr>
+            <p:ph type="ctrTitle"/>
+          </p:nvPr>
+        </p:nvSpPr>
+        <p:spPr>
+          <a:xfrm>
+            <a:off x="9482040" y="1726880"/>
+            <a:ext cx="12820650" cy="1836887"/>
+          </a:xfrm>
+        </p:spPr>
+        <p:txBody>
+          <a:bodyPr>
+            <a:noAutofit/>
+          </a:bodyPr>
+          <a:lstStyle/>
+          <a:p>
+            <a:r>
+              <a:rPr lang="de-DE" sz="7000" b="1" dirty="0"/>
+              <a:t>Hidden Alliances: RNA-Dependent Protein Interactions in Cancer Cells</a:t>
+            </a:r>
+            <a:endParaRPr lang="en-US" sz="7000" b="1" dirty="0"/>
+          </a:p>
+        </p:txBody>
+      </p:sp>
+      <p:sp>
+        <p:nvSpPr>
+          <p:cNvPr id="26" name="Titel 1">
+            <a:extLst>
+              <a:ext uri="{FF2B5EF4-FFF2-40B4-BE49-F238E27FC236}">
+                <a16:creationId xmlns:a16="http://schemas.microsoft.com/office/drawing/2014/main" id="{A5F7E815-D8A6-09E8-2D4C-D8FD063124FA}"/>
+              </a:ext>
+            </a:extLst>
+          </p:cNvPr>
+          <p:cNvSpPr txBox="1">
+            <a:spLocks/>
+          </p:cNvSpPr>
+          <p:nvPr/>
+        </p:nvSpPr>
+        <p:spPr>
+          <a:xfrm>
+            <a:off x="8627535" y="3159684"/>
+            <a:ext cx="13675155" cy="1323687"/>
+          </a:xfrm>
+          <a:prstGeom prst="rect">
+            <a:avLst/>
+          </a:prstGeom>
+        </p:spPr>
+        <p:txBody>
+          <a:bodyPr vert="horz" lIns="45681" tIns="22840" rIns="45681" bIns="22840" rtlCol="0" anchor="b">
+            <a:noAutofit/>
+          </a:bodyPr>
+          <a:lstStyle>
+            <a:lvl1pPr algn="ctr" defTabSz="3027487" rtl="0" eaLnBrk="1" latinLnBrk="0" hangingPunct="1">
+              <a:lnSpc>
+                <a:spcPct val="90000"/>
+              </a:lnSpc>
+              <a:spcBef>
+                <a:spcPct val="0"/>
+              </a:spcBef>
+              <a:buNone/>
+              <a:defRPr sz="19865" kern="1200">
+                <a:solidFill>
+                  <a:schemeClr val="tx1"/>
+                </a:solidFill>
+                <a:latin typeface="+mj-lt"/>
+                <a:ea typeface="+mj-ea"/>
+                <a:cs typeface="+mj-cs"/>
+              </a:defRPr>
+            </a:lvl1pPr>
+          </a:lstStyle>
+          <a:p>
+            <a:r>
+              <a:rPr lang="de-DE" sz="2800" dirty="0"/>
+              <a:t>Julian </a:t>
+            </a:r>
+            <a:r>
+              <a:rPr lang="de-DE" sz="2800" dirty="0" err="1"/>
+              <a:t>Baureis</a:t>
+            </a:r>
+            <a:r>
+              <a:rPr lang="de-DE" sz="2800" dirty="0"/>
+              <a:t>, Julia Ferdin, Benjamin Nicklas, Luisa </a:t>
+            </a:r>
+            <a:r>
+              <a:rPr lang="de-DE" sz="2800" dirty="0" err="1"/>
+              <a:t>Wintel</a:t>
+            </a:r>
+            <a:endParaRPr lang="de-DE" sz="2800" dirty="0"/>
+          </a:p>
+          <a:p>
+            <a:r>
+              <a:rPr lang="de-DE" sz="2800" dirty="0"/>
+              <a:t>Data Analysis Project </a:t>
+            </a:r>
+            <a:r>
+              <a:rPr lang="de-DE" sz="2800" dirty="0" err="1"/>
+              <a:t>Molecular</a:t>
+            </a:r>
+            <a:r>
+              <a:rPr lang="de-DE" sz="2800" dirty="0"/>
+              <a:t> Biotechnology SS2025</a:t>
+            </a:r>
+          </a:p>
+        </p:txBody>
+      </p:sp>
+      <p:sp>
+        <p:nvSpPr>
+          <p:cNvPr id="20" name="TextBox 19">
+            <a:extLst>
+              <a:ext uri="{FF2B5EF4-FFF2-40B4-BE49-F238E27FC236}">
+                <a16:creationId xmlns:a16="http://schemas.microsoft.com/office/drawing/2014/main" id="{965FE686-FB52-9630-EC4E-C66BA7B9BF65}"/>
+              </a:ext>
+            </a:extLst>
+          </p:cNvPr>
+          <p:cNvSpPr txBox="1"/>
+          <p:nvPr/>
+        </p:nvSpPr>
+        <p:spPr>
+          <a:xfrm>
+            <a:off x="1253554" y="7864362"/>
+            <a:ext cx="13893040" cy="5093702"/>
+          </a:xfrm>
+          <a:prstGeom prst="rect">
+            <a:avLst/>
+          </a:prstGeom>
+          <a:noFill/>
+          <a:ln>
+            <a:noFill/>
+          </a:ln>
+        </p:spPr>
+        <p:txBody>
+          <a:bodyPr wrap="square">
+            <a:spAutoFit/>
+          </a:bodyPr>
+          <a:lstStyle/>
+          <a:p>
+            <a:r>
+              <a:rPr lang="en-US" sz="500" b="1" dirty="0"/>
+              <a:t> </a:t>
+            </a:r>
+            <a:r>
+              <a:rPr lang="en-US" sz="200" b="1" dirty="0"/>
+              <a:t> </a:t>
+            </a:r>
+            <a:endParaRPr lang="en-US" sz="500" dirty="0"/>
+          </a:p>
+          <a:p>
+            <a:pPr marL="457200" indent="-457200">
+              <a:buFont typeface="Arial" panose="020B0604020202020204" pitchFamily="34" charset="0"/>
+              <a:buChar char="•"/>
+            </a:pPr>
+            <a:r>
+              <a:rPr lang="de-DE" sz="2800" dirty="0"/>
+              <a:t>„We want to </a:t>
+            </a:r>
+            <a:r>
+              <a:rPr lang="en-US" sz="2800" dirty="0"/>
+              <a:t>extract RNA-dependent proteins from proteomic screens”</a:t>
+            </a:r>
+            <a:endParaRPr lang="de-DE" sz="2800" dirty="0"/>
+          </a:p>
+          <a:p>
+            <a:pPr marL="457200" indent="-457200">
+              <a:buFont typeface="Arial" panose="020B0604020202020204" pitchFamily="34" charset="0"/>
+              <a:buChar char="•"/>
+            </a:pPr>
+            <a:r>
+              <a:rPr lang="de-DE" sz="2800" dirty="0"/>
+              <a:t>„RNA-dependency = the proteins interactome depends on RNA“</a:t>
+            </a:r>
+          </a:p>
+          <a:p>
+            <a:endParaRPr lang="en-US" sz="3200" b="1" dirty="0"/>
+          </a:p>
+          <a:p>
+            <a:r>
+              <a:rPr lang="en-US" sz="3200" b="1" dirty="0"/>
+              <a:t>What Makes RNA-Dependent Proteins Worth Investigating?</a:t>
+            </a:r>
+          </a:p>
+          <a:p>
+            <a:pPr marL="457200" indent="-457200">
+              <a:buFont typeface="Arial" panose="020B0604020202020204" pitchFamily="34" charset="0"/>
+              <a:buChar char="•"/>
+            </a:pPr>
+            <a:r>
+              <a:rPr lang="de-DE" sz="2800" b="1" dirty="0"/>
+              <a:t>Key Regulators:</a:t>
+            </a:r>
+            <a:r>
+              <a:rPr lang="de-DE" sz="2800" dirty="0"/>
+              <a:t> RBPs control RNA metabolism &amp; gene expression.</a:t>
+            </a:r>
+          </a:p>
+          <a:p>
+            <a:pPr marL="457200" indent="-457200">
+              <a:buFont typeface="Arial" panose="020B0604020202020204" pitchFamily="34" charset="0"/>
+              <a:buChar char="•"/>
+            </a:pPr>
+            <a:r>
+              <a:rPr lang="de-DE" sz="2800" b="1" dirty="0"/>
+              <a:t>Disease Links:</a:t>
+            </a:r>
+            <a:r>
+              <a:rPr lang="de-DE" sz="2800" dirty="0"/>
+              <a:t> Misregulation is tied to cancer &amp; neurodegeneration.</a:t>
+            </a:r>
+          </a:p>
+          <a:p>
+            <a:pPr marL="457200" indent="-457200">
+              <a:buFont typeface="Arial" panose="020B0604020202020204" pitchFamily="34" charset="0"/>
+              <a:buChar char="•"/>
+            </a:pPr>
+            <a:r>
+              <a:rPr lang="de-DE" sz="2800" b="1" dirty="0"/>
+              <a:t>Functional Clues:</a:t>
+            </a:r>
+            <a:r>
+              <a:rPr lang="de-DE" sz="2800" dirty="0"/>
+              <a:t> New RBPs hint at RNA’s role in specific pathways.</a:t>
+            </a:r>
+          </a:p>
+          <a:p>
+            <a:pPr marL="457200" indent="-457200">
+              <a:buFont typeface="Arial" panose="020B0604020202020204" pitchFamily="34" charset="0"/>
+              <a:buChar char="•"/>
+            </a:pPr>
+            <a:r>
+              <a:rPr lang="de-DE" sz="2800" b="1" dirty="0"/>
+              <a:t>Interaction Networks:</a:t>
+            </a:r>
+            <a:r>
+              <a:rPr lang="de-DE" sz="2800" dirty="0"/>
+              <a:t> Mapping RNA-protein complexes reveals regulatory logic. </a:t>
+            </a:r>
+          </a:p>
+          <a:p>
+            <a:pPr marL="457200" indent="-457200">
+              <a:buFont typeface="Arial" panose="020B0604020202020204" pitchFamily="34" charset="0"/>
+              <a:buChar char="•"/>
+            </a:pPr>
+            <a:r>
+              <a:rPr lang="de-DE" sz="2800" b="1" dirty="0"/>
+              <a:t>Molecular Insights:</a:t>
+            </a:r>
+            <a:r>
+              <a:rPr lang="de-DE" sz="2800" dirty="0"/>
+              <a:t> Deepens our understanding of cell cycle and cellular behavior. </a:t>
+            </a:r>
+            <a:endParaRPr lang="en-US" sz="2800" b="1" dirty="0"/>
+          </a:p>
+          <a:p>
+            <a:pPr marL="457200" indent="-457200">
+              <a:buFont typeface="Arial" panose="020B0604020202020204" pitchFamily="34" charset="0"/>
+              <a:buChar char="•"/>
+            </a:pPr>
+            <a:endParaRPr lang="de-DE" sz="2800" dirty="0"/>
+          </a:p>
+          <a:p>
+            <a:pPr marL="457200" indent="-457200">
+              <a:buFont typeface="Arial" panose="020B0604020202020204" pitchFamily="34" charset="0"/>
+              <a:buChar char="•"/>
+            </a:pPr>
+            <a:endParaRPr lang="de-DE" sz="3200" dirty="0"/>
+          </a:p>
+        </p:txBody>
+      </p:sp>
+      <p:sp>
+        <p:nvSpPr>
+          <p:cNvPr id="3" name="TextBox 2">
+            <a:extLst>
+              <a:ext uri="{FF2B5EF4-FFF2-40B4-BE49-F238E27FC236}">
+                <a16:creationId xmlns:a16="http://schemas.microsoft.com/office/drawing/2014/main" id="{BC9895A4-BD83-3887-AA95-F71707FEB39A}"/>
+              </a:ext>
+            </a:extLst>
+          </p:cNvPr>
+          <p:cNvSpPr txBox="1"/>
+          <p:nvPr/>
+        </p:nvSpPr>
+        <p:spPr>
+          <a:xfrm>
+            <a:off x="1887734" y="16500529"/>
+            <a:ext cx="24173364" cy="9110186"/>
+          </a:xfrm>
+          <a:prstGeom prst="rect">
+            <a:avLst/>
+          </a:prstGeom>
+          <a:noFill/>
+          <a:ln>
+            <a:noFill/>
+          </a:ln>
+        </p:spPr>
+        <p:txBody>
+          <a:bodyPr wrap="square">
+            <a:spAutoFit/>
+          </a:bodyPr>
+          <a:lstStyle/>
+          <a:p>
+            <a:r>
+              <a:rPr lang="en-US" sz="3400" b="1" dirty="0"/>
+              <a:t>1) Data preparation</a:t>
+            </a:r>
+          </a:p>
+          <a:p>
+            <a:pPr marL="457200" indent="-457200">
+              <a:buFont typeface="Arial" panose="020B0604020202020204" pitchFamily="34" charset="0"/>
+              <a:buChar char="•"/>
+            </a:pPr>
+            <a:r>
+              <a:rPr lang="en-US" sz="2800" dirty="0"/>
+              <a:t>Data cleanup</a:t>
+            </a:r>
+          </a:p>
+          <a:p>
+            <a:pPr marL="457200" indent="-457200">
+              <a:buFont typeface="Arial" panose="020B0604020202020204" pitchFamily="34" charset="0"/>
+              <a:buChar char="•"/>
+            </a:pPr>
+            <a:r>
+              <a:rPr lang="en-US" sz="2800" dirty="0"/>
+              <a:t>“Rearrange and reorder the columns to their treatment, replicate and fraction”</a:t>
+            </a:r>
+          </a:p>
+          <a:p>
+            <a:pPr marL="457200" indent="-457200">
+              <a:buFont typeface="Arial" panose="020B0604020202020204" pitchFamily="34" charset="0"/>
+              <a:buChar char="•"/>
+            </a:pPr>
+            <a:r>
+              <a:rPr lang="en-US" sz="2800" dirty="0"/>
+              <a:t>Normalization</a:t>
+            </a:r>
+          </a:p>
+          <a:p>
+            <a:endParaRPr lang="en-US" sz="3400" b="1" dirty="0"/>
+          </a:p>
+          <a:p>
+            <a:r>
+              <a:rPr lang="de-DE" sz="3400" b="1" dirty="0"/>
+              <a:t>2) Data exploration</a:t>
+            </a:r>
+            <a:endParaRPr lang="de-DE" sz="3400" dirty="0"/>
+          </a:p>
+          <a:p>
+            <a:pPr marL="457200" indent="-457200">
+              <a:buFont typeface="Arial" panose="020B0604020202020204" pitchFamily="34" charset="0"/>
+              <a:buChar char="•"/>
+            </a:pPr>
+            <a:r>
+              <a:rPr lang="en-US" sz="2800" dirty="0"/>
+              <a:t> Identification of maxima and shoulders</a:t>
+            </a:r>
+          </a:p>
+          <a:p>
+            <a:pPr marL="457200" indent="-457200">
+              <a:buFont typeface="Arial" panose="020B0604020202020204" pitchFamily="34" charset="0"/>
+              <a:buChar char="•"/>
+            </a:pPr>
+            <a:r>
+              <a:rPr lang="en-US" sz="2800" dirty="0"/>
+              <a:t> </a:t>
+            </a:r>
+            <a:r>
+              <a:rPr lang="de-DE" sz="2800" dirty="0"/>
+              <a:t>Selection criteria</a:t>
+            </a:r>
+            <a:r>
+              <a:rPr lang="en-US" sz="2800" dirty="0"/>
+              <a:t> &amp; Wilcoxon Test </a:t>
+            </a:r>
+          </a:p>
+          <a:p>
+            <a:pPr marL="457200" indent="-457200">
+              <a:buFont typeface="Arial" panose="020B0604020202020204" pitchFamily="34" charset="0"/>
+              <a:buChar char="•"/>
+            </a:pPr>
+            <a:r>
+              <a:rPr lang="en-US" sz="2800" dirty="0"/>
+              <a:t>Visualization for the </a:t>
+            </a:r>
+            <a:r>
+              <a:rPr lang="de-DE" sz="2800" dirty="0"/>
+              <a:t>order of selection criteria</a:t>
+            </a:r>
+            <a:endParaRPr lang="en-US" sz="2800" dirty="0"/>
+          </a:p>
+          <a:p>
+            <a:pPr marL="457200" indent="-457200">
+              <a:buFont typeface="Arial" panose="020B0604020202020204" pitchFamily="34" charset="0"/>
+              <a:buChar char="•"/>
+            </a:pPr>
+            <a:r>
+              <a:rPr lang="en-US" sz="2800" dirty="0"/>
+              <a:t>Pie charts for selection results</a:t>
+            </a:r>
+          </a:p>
+          <a:p>
+            <a:endParaRPr lang="en-US" sz="3400" b="1" dirty="0"/>
+          </a:p>
+          <a:p>
+            <a:r>
+              <a:rPr lang="de-DE" sz="3400" b="1" dirty="0"/>
+              <a:t>3) Data reduction</a:t>
+            </a:r>
+          </a:p>
+          <a:p>
+            <a:pPr marL="457200" indent="-457200">
+              <a:buFont typeface="Arial" panose="020B0604020202020204" pitchFamily="34" charset="0"/>
+              <a:buChar char="•"/>
+            </a:pPr>
+            <a:r>
+              <a:rPr lang="de-DE" sz="2800" dirty="0"/>
+              <a:t>PCR </a:t>
+            </a:r>
+            <a:endParaRPr lang="en-US" sz="2800" dirty="0"/>
+          </a:p>
+          <a:p>
+            <a:pPr marL="457200" indent="-457200">
+              <a:buFont typeface="Arial" panose="020B0604020202020204" pitchFamily="34" charset="0"/>
+              <a:buChar char="•"/>
+            </a:pPr>
+            <a:r>
+              <a:rPr lang="en-US" sz="2800" dirty="0"/>
+              <a:t> k-means clustering</a:t>
+            </a:r>
+          </a:p>
+          <a:p>
+            <a:pPr marL="457200" indent="-457200">
+              <a:buFont typeface="Arial" panose="020B0604020202020204" pitchFamily="34" charset="0"/>
+              <a:buChar char="•"/>
+            </a:pPr>
+            <a:endParaRPr lang="en-US" sz="3400" dirty="0"/>
+          </a:p>
+          <a:p>
+            <a:r>
+              <a:rPr lang="de-DE" sz="3400" b="1" dirty="0"/>
+              <a:t>4) Data modelling</a:t>
+            </a:r>
+          </a:p>
+          <a:p>
+            <a:pPr marL="457200" indent="-457200">
+              <a:buFont typeface="Arial" panose="020B0604020202020204" pitchFamily="34" charset="0"/>
+              <a:buChar char="•"/>
+            </a:pPr>
+            <a:r>
+              <a:rPr lang="en-US" sz="2800" dirty="0"/>
+              <a:t> Linear Regression </a:t>
+            </a:r>
+            <a:endParaRPr lang="en-US" sz="3400" b="1" dirty="0"/>
+          </a:p>
+          <a:p>
+            <a:endParaRPr lang="en-US" sz="3400" b="1" dirty="0"/>
+          </a:p>
+          <a:p>
+            <a:endParaRPr lang="en-US" sz="3400" b="1" dirty="0"/>
+          </a:p>
+        </p:txBody>
+      </p:sp>
+      <p:sp>
+        <p:nvSpPr>
+          <p:cNvPr id="5" name="TextBox 4">
+            <a:extLst>
+              <a:ext uri="{FF2B5EF4-FFF2-40B4-BE49-F238E27FC236}">
+                <a16:creationId xmlns:a16="http://schemas.microsoft.com/office/drawing/2014/main" id="{A6F86289-896D-4870-38F1-2E72C771AFFB}"/>
+              </a:ext>
+            </a:extLst>
+          </p:cNvPr>
+          <p:cNvSpPr txBox="1"/>
+          <p:nvPr/>
+        </p:nvSpPr>
+        <p:spPr>
+          <a:xfrm>
+            <a:off x="1404974" y="33329176"/>
+            <a:ext cx="11401261" cy="13018949"/>
+          </a:xfrm>
+          <a:prstGeom prst="rect">
+            <a:avLst/>
+          </a:prstGeom>
+          <a:noFill/>
+          <a:ln>
+            <a:noFill/>
+          </a:ln>
+        </p:spPr>
+        <p:txBody>
+          <a:bodyPr wrap="square">
+            <a:spAutoFit/>
+          </a:bodyPr>
+          <a:lstStyle/>
+          <a:p>
+            <a:pPr marL="457200" indent="-457200">
+              <a:buFont typeface="Arial" panose="020B0604020202020204" pitchFamily="34" charset="0"/>
+              <a:buChar char="•"/>
+            </a:pPr>
+            <a:r>
+              <a:rPr lang="en-US" sz="2800" dirty="0"/>
+              <a:t>Critical review of our own results and methods (e.g., Selection criteria made us delete some RBPs. Why? What were their properties?)</a:t>
+            </a:r>
+          </a:p>
+          <a:p>
+            <a:pPr marL="457200" indent="-457200">
+              <a:buFont typeface="Arial" panose="020B0604020202020204" pitchFamily="34" charset="0"/>
+              <a:buChar char="•"/>
+            </a:pPr>
+            <a:r>
+              <a:rPr lang="en-US" sz="2800" dirty="0"/>
+              <a:t>Why do we find fewer proteins than </a:t>
+            </a:r>
+            <a:r>
+              <a:rPr lang="en-US" sz="2800" dirty="0" err="1"/>
+              <a:t>Maïwen</a:t>
+            </a:r>
+            <a:r>
+              <a:rPr lang="en-US" sz="2800" dirty="0"/>
+              <a:t>? </a:t>
+            </a:r>
+          </a:p>
+          <a:p>
+            <a:pPr marL="457200" indent="-457200">
+              <a:buFont typeface="Arial" panose="020B0604020202020204" pitchFamily="34" charset="0"/>
+              <a:buChar char="•"/>
+            </a:pPr>
+            <a:endParaRPr lang="en-US" sz="2800" dirty="0"/>
+          </a:p>
+          <a:p>
+            <a:pPr marL="457200" indent="-457200">
+              <a:buFont typeface="Arial" panose="020B0604020202020204" pitchFamily="34" charset="0"/>
+              <a:buChar char="•"/>
+            </a:pPr>
+            <a:endParaRPr lang="en-US" sz="2800" dirty="0"/>
+          </a:p>
+          <a:p>
+            <a:pPr marL="457200" indent="-457200">
+              <a:buFont typeface="Arial" panose="020B0604020202020204" pitchFamily="34" charset="0"/>
+              <a:buChar char="•"/>
+            </a:pPr>
+            <a:endParaRPr lang="en-US" sz="2800" dirty="0"/>
+          </a:p>
+          <a:p>
+            <a:pPr marL="457200" indent="-457200">
+              <a:buFont typeface="Arial" panose="020B0604020202020204" pitchFamily="34" charset="0"/>
+              <a:buChar char="•"/>
+            </a:pPr>
+            <a:endParaRPr lang="en-US" sz="2800" dirty="0"/>
+          </a:p>
+          <a:p>
+            <a:pPr marL="457200" indent="-457200">
+              <a:buFont typeface="Arial" panose="020B0604020202020204" pitchFamily="34" charset="0"/>
+              <a:buChar char="•"/>
+            </a:pPr>
+            <a:endParaRPr lang="en-US" sz="2800" dirty="0"/>
+          </a:p>
+          <a:p>
+            <a:pPr marL="457200" indent="-457200">
+              <a:buFont typeface="Arial" panose="020B0604020202020204" pitchFamily="34" charset="0"/>
+              <a:buChar char="•"/>
+            </a:pPr>
+            <a:endParaRPr lang="en-US" sz="2800" dirty="0"/>
+          </a:p>
+          <a:p>
+            <a:pPr marL="457200" indent="-457200">
+              <a:buFont typeface="Arial" panose="020B0604020202020204" pitchFamily="34" charset="0"/>
+              <a:buChar char="•"/>
+            </a:pPr>
+            <a:endParaRPr lang="en-US" sz="2800" dirty="0"/>
+          </a:p>
+          <a:p>
+            <a:pPr marL="457200" indent="-457200">
+              <a:buFont typeface="Arial" panose="020B0604020202020204" pitchFamily="34" charset="0"/>
+              <a:buChar char="•"/>
+            </a:pPr>
+            <a:endParaRPr lang="en-US" sz="2800" dirty="0"/>
+          </a:p>
+          <a:p>
+            <a:pPr marL="457200" indent="-457200">
+              <a:buFont typeface="Arial" panose="020B0604020202020204" pitchFamily="34" charset="0"/>
+              <a:buChar char="•"/>
+            </a:pPr>
+            <a:endParaRPr lang="en-US" sz="2800" dirty="0"/>
+          </a:p>
+          <a:p>
+            <a:pPr marL="457200" indent="-457200">
+              <a:buFont typeface="Arial" panose="020B0604020202020204" pitchFamily="34" charset="0"/>
+              <a:buChar char="•"/>
+            </a:pPr>
+            <a:endParaRPr lang="en-US" sz="2800" dirty="0"/>
+          </a:p>
+          <a:p>
+            <a:pPr marL="457200" indent="-457200">
+              <a:buFont typeface="Arial" panose="020B0604020202020204" pitchFamily="34" charset="0"/>
+              <a:buChar char="•"/>
+            </a:pPr>
+            <a:endParaRPr lang="en-US" sz="2800" dirty="0"/>
+          </a:p>
+          <a:p>
+            <a:pPr marL="457200" indent="-457200">
+              <a:buFont typeface="Arial" panose="020B0604020202020204" pitchFamily="34" charset="0"/>
+              <a:buChar char="•"/>
+            </a:pPr>
+            <a:endParaRPr lang="en-US" sz="2800" dirty="0"/>
+          </a:p>
+          <a:p>
+            <a:pPr marL="457200" indent="-457200">
+              <a:buFont typeface="Arial" panose="020B0604020202020204" pitchFamily="34" charset="0"/>
+              <a:buChar char="•"/>
+            </a:pPr>
+            <a:endParaRPr lang="en-US" sz="2800" dirty="0"/>
+          </a:p>
+          <a:p>
+            <a:pPr marL="457200" indent="-457200">
+              <a:buFont typeface="Arial" panose="020B0604020202020204" pitchFamily="34" charset="0"/>
+              <a:buChar char="•"/>
+            </a:pPr>
+            <a:endParaRPr lang="en-US" sz="2800" dirty="0"/>
+          </a:p>
+          <a:p>
+            <a:pPr marL="457200" indent="-457200">
+              <a:buFont typeface="Arial" panose="020B0604020202020204" pitchFamily="34" charset="0"/>
+              <a:buChar char="•"/>
+            </a:pPr>
+            <a:endParaRPr lang="en-US" sz="2800" dirty="0"/>
+          </a:p>
+          <a:p>
+            <a:pPr marL="457200" indent="-457200">
+              <a:buFont typeface="Arial" panose="020B0604020202020204" pitchFamily="34" charset="0"/>
+              <a:buChar char="•"/>
+            </a:pPr>
+            <a:endParaRPr lang="en-US" sz="2800" dirty="0"/>
+          </a:p>
+          <a:p>
+            <a:pPr marL="457200" indent="-457200">
+              <a:buFont typeface="Arial" panose="020B0604020202020204" pitchFamily="34" charset="0"/>
+              <a:buChar char="•"/>
+            </a:pPr>
+            <a:endParaRPr lang="en-US" sz="2800" dirty="0"/>
+          </a:p>
+          <a:p>
+            <a:pPr marL="457200" indent="-457200">
+              <a:buFont typeface="Arial" panose="020B0604020202020204" pitchFamily="34" charset="0"/>
+              <a:buChar char="•"/>
+            </a:pPr>
+            <a:endParaRPr lang="en-US" sz="2800" dirty="0"/>
+          </a:p>
+          <a:p>
+            <a:pPr marL="457200" indent="-457200">
+              <a:buFont typeface="Arial" panose="020B0604020202020204" pitchFamily="34" charset="0"/>
+              <a:buChar char="•"/>
+            </a:pPr>
+            <a:endParaRPr lang="en-US" sz="2800" dirty="0"/>
+          </a:p>
+          <a:p>
+            <a:pPr marL="457200" indent="-457200">
+              <a:buFont typeface="Arial" panose="020B0604020202020204" pitchFamily="34" charset="0"/>
+              <a:buChar char="•"/>
+            </a:pPr>
+            <a:endParaRPr lang="en-US" sz="2800" dirty="0"/>
+          </a:p>
+          <a:p>
+            <a:pPr marL="457200" indent="-457200">
+              <a:buFont typeface="Arial" panose="020B0604020202020204" pitchFamily="34" charset="0"/>
+              <a:buChar char="•"/>
+            </a:pPr>
+            <a:endParaRPr lang="en-US" sz="2800" dirty="0"/>
+          </a:p>
+          <a:p>
+            <a:pPr marL="457200" indent="-457200">
+              <a:buFont typeface="Arial" panose="020B0604020202020204" pitchFamily="34" charset="0"/>
+              <a:buChar char="•"/>
+            </a:pPr>
+            <a:endParaRPr lang="en-US" sz="2800" dirty="0"/>
+          </a:p>
+          <a:p>
+            <a:pPr marL="457200" indent="-457200">
+              <a:buFont typeface="Arial" panose="020B0604020202020204" pitchFamily="34" charset="0"/>
+              <a:buChar char="•"/>
+            </a:pPr>
+            <a:endParaRPr lang="en-US" sz="2800" dirty="0"/>
+          </a:p>
+          <a:p>
+            <a:pPr marL="457200" indent="-457200">
+              <a:buFont typeface="Arial" panose="020B0604020202020204" pitchFamily="34" charset="0"/>
+              <a:buChar char="•"/>
+            </a:pPr>
+            <a:endParaRPr lang="en-US" sz="2800" dirty="0"/>
+          </a:p>
+          <a:p>
+            <a:pPr marL="457200" indent="-457200">
+              <a:buFont typeface="Arial" panose="020B0604020202020204" pitchFamily="34" charset="0"/>
+              <a:buChar char="•"/>
+            </a:pPr>
+            <a:endParaRPr lang="en-US" sz="2800" dirty="0"/>
+          </a:p>
+          <a:p>
+            <a:pPr marL="457200" indent="-457200">
+              <a:buFont typeface="Arial" panose="020B0604020202020204" pitchFamily="34" charset="0"/>
+              <a:buChar char="•"/>
+            </a:pPr>
+            <a:endParaRPr lang="en-US" sz="2800" dirty="0"/>
+          </a:p>
+          <a:p>
+            <a:endParaRPr lang="en-US" sz="2800" b="1" dirty="0"/>
+          </a:p>
+        </p:txBody>
+      </p:sp>
+      <p:sp>
+        <p:nvSpPr>
+          <p:cNvPr id="6" name="TextBox 5">
+            <a:extLst>
+              <a:ext uri="{FF2B5EF4-FFF2-40B4-BE49-F238E27FC236}">
+                <a16:creationId xmlns:a16="http://schemas.microsoft.com/office/drawing/2014/main" id="{FD1586FD-BE09-8503-3505-297F756FF1F0}"/>
+              </a:ext>
+            </a:extLst>
+          </p:cNvPr>
+          <p:cNvSpPr txBox="1"/>
+          <p:nvPr/>
+        </p:nvSpPr>
+        <p:spPr>
+          <a:xfrm>
+            <a:off x="19343438" y="39583446"/>
+            <a:ext cx="8780767" cy="1384995"/>
+          </a:xfrm>
+          <a:prstGeom prst="rect">
+            <a:avLst/>
+          </a:prstGeom>
+          <a:noFill/>
+          <a:ln>
+            <a:noFill/>
+          </a:ln>
+        </p:spPr>
+        <p:txBody>
+          <a:bodyPr wrap="square">
+            <a:spAutoFit/>
+          </a:bodyPr>
+          <a:lstStyle/>
+          <a:p>
+            <a:pPr marL="457200" indent="-457200">
+              <a:buFont typeface="Arial" panose="020B0604020202020204" pitchFamily="34" charset="0"/>
+              <a:buChar char="•"/>
+            </a:pPr>
+            <a:r>
+              <a:rPr lang="en-US" sz="2800" b="1" dirty="0"/>
+              <a:t> </a:t>
+            </a:r>
+          </a:p>
+          <a:p>
+            <a:pPr marL="457200" indent="-457200">
+              <a:buFont typeface="Arial" panose="020B0604020202020204" pitchFamily="34" charset="0"/>
+              <a:buChar char="•"/>
+            </a:pPr>
+            <a:r>
+              <a:rPr lang="en-US" sz="2800" b="1" dirty="0"/>
+              <a:t> </a:t>
+            </a:r>
+          </a:p>
+          <a:p>
+            <a:pPr marL="457200" indent="-457200">
+              <a:buFont typeface="Arial" panose="020B0604020202020204" pitchFamily="34" charset="0"/>
+              <a:buChar char="•"/>
+            </a:pPr>
+            <a:endParaRPr lang="en-US" sz="2800" b="1" dirty="0"/>
+          </a:p>
+        </p:txBody>
+      </p:sp>
+      <p:sp>
+        <p:nvSpPr>
+          <p:cNvPr id="7" name="TextBox 6">
+            <a:extLst>
+              <a:ext uri="{FF2B5EF4-FFF2-40B4-BE49-F238E27FC236}">
+                <a16:creationId xmlns:a16="http://schemas.microsoft.com/office/drawing/2014/main" id="{359E51AC-384C-EE1E-2F30-AE89FD46AA94}"/>
+              </a:ext>
+            </a:extLst>
+          </p:cNvPr>
+          <p:cNvSpPr txBox="1"/>
+          <p:nvPr/>
+        </p:nvSpPr>
+        <p:spPr>
+          <a:xfrm>
+            <a:off x="19343438" y="33005531"/>
+            <a:ext cx="8291810" cy="1384995"/>
+          </a:xfrm>
+          <a:prstGeom prst="rect">
+            <a:avLst/>
+          </a:prstGeom>
+          <a:noFill/>
+          <a:ln>
+            <a:noFill/>
+          </a:ln>
+        </p:spPr>
+        <p:txBody>
+          <a:bodyPr wrap="square">
+            <a:spAutoFit/>
+          </a:bodyPr>
+          <a:lstStyle/>
+          <a:p>
+            <a:pPr marL="457200" indent="-457200">
+              <a:buFont typeface="Arial" panose="020B0604020202020204" pitchFamily="34" charset="0"/>
+              <a:buChar char="•"/>
+            </a:pPr>
+            <a:r>
+              <a:rPr lang="de-DE" sz="2800" dirty="0"/>
+              <a:t>We found X proteins that ...</a:t>
+            </a:r>
+          </a:p>
+          <a:p>
+            <a:pPr marL="457200" indent="-457200">
+              <a:buFont typeface="Arial" panose="020B0604020202020204" pitchFamily="34" charset="0"/>
+              <a:buChar char="•"/>
+            </a:pPr>
+            <a:endParaRPr lang="de-DE" sz="2800" dirty="0"/>
+          </a:p>
+          <a:p>
+            <a:endParaRPr lang="en-US" sz="2800" b="1" dirty="0"/>
+          </a:p>
+        </p:txBody>
+      </p:sp>
+      <p:sp>
+        <p:nvSpPr>
+          <p:cNvPr id="24" name="Rectangle: Rounded Corners 23">
+            <a:extLst>
+              <a:ext uri="{FF2B5EF4-FFF2-40B4-BE49-F238E27FC236}">
+                <a16:creationId xmlns:a16="http://schemas.microsoft.com/office/drawing/2014/main" id="{EB8B74E9-E910-5DC3-95AD-F98D89AF6329}"/>
+              </a:ext>
+            </a:extLst>
+          </p:cNvPr>
+          <p:cNvSpPr/>
+          <p:nvPr/>
+        </p:nvSpPr>
+        <p:spPr>
+          <a:xfrm>
+            <a:off x="619433" y="5978668"/>
+            <a:ext cx="29036347" cy="1430255"/>
+          </a:xfrm>
+          <a:prstGeom prst="roundRect">
+            <a:avLst>
+              <a:gd name="adj" fmla="val 0"/>
+            </a:avLst>
+          </a:prstGeom>
+          <a:solidFill>
+            <a:srgbClr val="320A28"/>
+          </a:solidFill>
+          <a:ln>
+            <a:noFill/>
+          </a:ln>
+        </p:spPr>
+        <p:style>
+          <a:lnRef idx="2">
+            <a:schemeClr val="accent1">
+              <a:shade val="15000"/>
+            </a:schemeClr>
+          </a:lnRef>
+          <a:fillRef idx="1">
+            <a:schemeClr val="accent1"/>
+          </a:fillRef>
+          <a:effectRef idx="0">
+            <a:schemeClr val="accent1"/>
+          </a:effectRef>
+          <a:fontRef idx="minor">
+            <a:schemeClr val="lt1"/>
+          </a:fontRef>
+        </p:style>
+        <p:txBody>
+          <a:bodyPr rtlCol="0" anchor="ctr"/>
+          <a:lstStyle/>
+          <a:p>
+            <a:pPr algn="ctr"/>
+            <a:r>
+              <a:rPr lang="en-US" sz="6000" b="1" dirty="0"/>
+              <a:t>Identifying RNA-Dependent Proteins from Proteomic Data</a:t>
+            </a:r>
+            <a:endParaRPr lang="en-US" sz="1500" b="1" dirty="0"/>
+          </a:p>
+          <a:p>
+            <a:pPr algn="ctr"/>
+            <a:endParaRPr lang="en-US" sz="1000" b="1" dirty="0"/>
+          </a:p>
+        </p:txBody>
+      </p:sp>
+      <p:sp>
+        <p:nvSpPr>
+          <p:cNvPr id="25" name="TextBox 24">
+            <a:extLst>
+              <a:ext uri="{FF2B5EF4-FFF2-40B4-BE49-F238E27FC236}">
+                <a16:creationId xmlns:a16="http://schemas.microsoft.com/office/drawing/2014/main" id="{39ECE124-088D-3940-CC52-C342E71951C6}"/>
+              </a:ext>
+            </a:extLst>
+          </p:cNvPr>
+          <p:cNvSpPr txBox="1"/>
+          <p:nvPr/>
+        </p:nvSpPr>
+        <p:spPr>
+          <a:xfrm>
+            <a:off x="15164570" y="7864362"/>
+            <a:ext cx="13893040" cy="2800767"/>
+          </a:xfrm>
+          <a:prstGeom prst="rect">
+            <a:avLst/>
+          </a:prstGeom>
+          <a:noFill/>
+          <a:ln>
+            <a:noFill/>
+          </a:ln>
+        </p:spPr>
+        <p:txBody>
+          <a:bodyPr wrap="square">
+            <a:spAutoFit/>
+          </a:bodyPr>
+          <a:lstStyle/>
+          <a:p>
+            <a:r>
+              <a:rPr lang="en-US" sz="3200" b="1" dirty="0"/>
+              <a:t>Key Characteristics of Our Dataset</a:t>
+            </a:r>
+            <a:endParaRPr lang="de-DE" sz="2400" b="1" dirty="0"/>
+          </a:p>
+          <a:p>
+            <a:pPr marL="457200" indent="-457200">
+              <a:buFont typeface="Arial" panose="020B0604020202020204" pitchFamily="34" charset="0"/>
+              <a:buChar char="•"/>
+            </a:pPr>
+            <a:r>
+              <a:rPr lang="en-US" sz="2800" dirty="0"/>
+              <a:t>Our dataset was generated using the R-Deep approach</a:t>
+            </a:r>
+          </a:p>
+          <a:p>
+            <a:pPr marL="457200" indent="-457200">
+              <a:buFont typeface="Arial" panose="020B0604020202020204" pitchFamily="34" charset="0"/>
+              <a:buChar char="•"/>
+            </a:pPr>
+            <a:r>
+              <a:rPr lang="de-DE" sz="2800" dirty="0"/>
+              <a:t>~5000 Proteine in 25 Fraktionen, Rnase vs. CTRL</a:t>
+            </a:r>
+            <a:endParaRPr lang="en-US" sz="2800" dirty="0"/>
+          </a:p>
+          <a:p>
+            <a:pPr marL="457200" indent="-457200">
+              <a:buFont typeface="Arial" panose="020B0604020202020204" pitchFamily="34" charset="0"/>
+              <a:buChar char="•"/>
+            </a:pPr>
+            <a:r>
+              <a:rPr lang="en-US" sz="2800" dirty="0"/>
+              <a:t>Dimensions</a:t>
+            </a:r>
+            <a:endParaRPr lang="en-US" sz="2800" b="1" dirty="0"/>
+          </a:p>
+          <a:p>
+            <a:pPr marL="457200" indent="-457200">
+              <a:buFont typeface="Arial" panose="020B0604020202020204" pitchFamily="34" charset="0"/>
+              <a:buChar char="•"/>
+            </a:pPr>
+            <a:endParaRPr lang="de-DE" sz="2800" dirty="0"/>
+          </a:p>
+          <a:p>
+            <a:pPr marL="457200" indent="-457200">
+              <a:buFont typeface="Arial" panose="020B0604020202020204" pitchFamily="34" charset="0"/>
+              <a:buChar char="•"/>
+            </a:pPr>
+            <a:endParaRPr lang="de-DE" sz="3200" dirty="0"/>
+          </a:p>
+        </p:txBody>
+      </p:sp>
+      <p:sp>
+        <p:nvSpPr>
+          <p:cNvPr id="27" name="Rectangle: Rounded Corners 26">
+            <a:extLst>
+              <a:ext uri="{FF2B5EF4-FFF2-40B4-BE49-F238E27FC236}">
+                <a16:creationId xmlns:a16="http://schemas.microsoft.com/office/drawing/2014/main" id="{47441B66-EB22-E662-C5D1-6781954407EC}"/>
+              </a:ext>
+            </a:extLst>
+          </p:cNvPr>
+          <p:cNvSpPr/>
+          <p:nvPr/>
+        </p:nvSpPr>
+        <p:spPr>
+          <a:xfrm>
+            <a:off x="668635" y="14364215"/>
+            <a:ext cx="28937944" cy="1430255"/>
+          </a:xfrm>
+          <a:prstGeom prst="roundRect">
+            <a:avLst>
+              <a:gd name="adj" fmla="val 0"/>
+            </a:avLst>
+          </a:prstGeom>
+          <a:solidFill>
+            <a:srgbClr val="B31029"/>
+          </a:solidFill>
+          <a:ln>
+            <a:noFill/>
+          </a:ln>
+        </p:spPr>
+        <p:style>
+          <a:lnRef idx="2">
+            <a:schemeClr val="accent1">
+              <a:shade val="15000"/>
+            </a:schemeClr>
+          </a:lnRef>
+          <a:fillRef idx="1">
+            <a:schemeClr val="accent1"/>
+          </a:fillRef>
+          <a:effectRef idx="0">
+            <a:schemeClr val="accent1"/>
+          </a:effectRef>
+          <a:fontRef idx="minor">
+            <a:schemeClr val="lt1"/>
+          </a:fontRef>
+        </p:style>
+        <p:txBody>
+          <a:bodyPr rtlCol="0" anchor="ctr"/>
+          <a:lstStyle/>
+          <a:p>
+            <a:pPr algn="ctr"/>
+            <a:r>
+              <a:rPr lang="en-US" sz="6000" b="1" dirty="0"/>
+              <a:t>Our Approach</a:t>
+            </a:r>
+            <a:endParaRPr lang="en-US" sz="1500" b="1" dirty="0"/>
+          </a:p>
+          <a:p>
+            <a:pPr algn="ctr"/>
+            <a:endParaRPr lang="en-US" sz="1000" b="1" dirty="0"/>
+          </a:p>
+        </p:txBody>
+      </p:sp>
+      <p:sp>
+        <p:nvSpPr>
+          <p:cNvPr id="28" name="Rectangle: Rounded Corners 27">
+            <a:extLst>
+              <a:ext uri="{FF2B5EF4-FFF2-40B4-BE49-F238E27FC236}">
+                <a16:creationId xmlns:a16="http://schemas.microsoft.com/office/drawing/2014/main" id="{55B06ED8-2BD4-9A9B-C476-11BDEFABD586}"/>
+              </a:ext>
+            </a:extLst>
+          </p:cNvPr>
+          <p:cNvSpPr/>
+          <p:nvPr/>
+        </p:nvSpPr>
+        <p:spPr>
+          <a:xfrm>
+            <a:off x="668635" y="31244168"/>
+            <a:ext cx="17693865" cy="1430255"/>
+          </a:xfrm>
+          <a:prstGeom prst="roundRect">
+            <a:avLst>
+              <a:gd name="adj" fmla="val 0"/>
+            </a:avLst>
+          </a:prstGeom>
+          <a:solidFill>
+            <a:srgbClr val="626D58"/>
+          </a:solidFill>
+          <a:ln>
+            <a:noFill/>
+          </a:ln>
+        </p:spPr>
+        <p:style>
+          <a:lnRef idx="2">
+            <a:schemeClr val="accent1">
+              <a:shade val="15000"/>
+            </a:schemeClr>
+          </a:lnRef>
+          <a:fillRef idx="1">
+            <a:schemeClr val="accent1"/>
+          </a:fillRef>
+          <a:effectRef idx="0">
+            <a:schemeClr val="accent1"/>
+          </a:effectRef>
+          <a:fontRef idx="minor">
+            <a:schemeClr val="lt1"/>
+          </a:fontRef>
+        </p:style>
+        <p:txBody>
+          <a:bodyPr rtlCol="0" anchor="ctr"/>
+          <a:lstStyle/>
+          <a:p>
+            <a:pPr algn="ctr"/>
+            <a:r>
+              <a:rPr lang="en-US" sz="6000" b="1" dirty="0"/>
+              <a:t>Discussion</a:t>
+            </a:r>
+            <a:endParaRPr lang="en-US" sz="1500" b="1" dirty="0"/>
+          </a:p>
+          <a:p>
+            <a:pPr algn="ctr"/>
+            <a:endParaRPr lang="en-US" sz="1000" b="1" dirty="0"/>
+          </a:p>
+        </p:txBody>
+      </p:sp>
+      <p:sp>
+        <p:nvSpPr>
+          <p:cNvPr id="29" name="Rectangle: Rounded Corners 28">
+            <a:extLst>
+              <a:ext uri="{FF2B5EF4-FFF2-40B4-BE49-F238E27FC236}">
+                <a16:creationId xmlns:a16="http://schemas.microsoft.com/office/drawing/2014/main" id="{6F3D3C5A-8190-A885-6D4F-054977884C2C}"/>
+              </a:ext>
+            </a:extLst>
+          </p:cNvPr>
+          <p:cNvSpPr/>
+          <p:nvPr/>
+        </p:nvSpPr>
+        <p:spPr>
+          <a:xfrm>
+            <a:off x="18866415" y="31248856"/>
+            <a:ext cx="10740163" cy="1430255"/>
+          </a:xfrm>
+          <a:prstGeom prst="roundRect">
+            <a:avLst>
+              <a:gd name="adj" fmla="val 0"/>
+            </a:avLst>
+          </a:prstGeom>
+          <a:solidFill>
+            <a:srgbClr val="B31029"/>
+          </a:solidFill>
+          <a:ln>
+            <a:noFill/>
+          </a:ln>
+        </p:spPr>
+        <p:style>
+          <a:lnRef idx="2">
+            <a:schemeClr val="accent1">
+              <a:shade val="15000"/>
+            </a:schemeClr>
+          </a:lnRef>
+          <a:fillRef idx="1">
+            <a:schemeClr val="accent1"/>
+          </a:fillRef>
+          <a:effectRef idx="0">
+            <a:schemeClr val="accent1"/>
+          </a:effectRef>
+          <a:fontRef idx="minor">
+            <a:schemeClr val="lt1"/>
+          </a:fontRef>
+        </p:style>
+        <p:txBody>
+          <a:bodyPr rtlCol="0" anchor="ctr"/>
+          <a:lstStyle/>
+          <a:p>
+            <a:pPr algn="ctr"/>
+            <a:r>
+              <a:rPr lang="en-US" sz="6000" b="1" dirty="0"/>
+              <a:t>Our Achievements</a:t>
+            </a:r>
+            <a:endParaRPr lang="en-US" sz="1000" b="1" dirty="0"/>
+          </a:p>
+        </p:txBody>
+      </p:sp>
+      <p:sp>
+        <p:nvSpPr>
+          <p:cNvPr id="30" name="Rectangle: Rounded Corners 29">
+            <a:extLst>
+              <a:ext uri="{FF2B5EF4-FFF2-40B4-BE49-F238E27FC236}">
+                <a16:creationId xmlns:a16="http://schemas.microsoft.com/office/drawing/2014/main" id="{9D4BB3A5-AF8B-472B-4E69-7C30A912068A}"/>
+              </a:ext>
+            </a:extLst>
+          </p:cNvPr>
+          <p:cNvSpPr/>
+          <p:nvPr/>
+        </p:nvSpPr>
+        <p:spPr>
+          <a:xfrm>
+            <a:off x="18942580" y="37972328"/>
+            <a:ext cx="10740163" cy="1430255"/>
+          </a:xfrm>
+          <a:prstGeom prst="roundRect">
+            <a:avLst>
+              <a:gd name="adj" fmla="val 0"/>
+            </a:avLst>
+          </a:prstGeom>
+          <a:solidFill>
+            <a:srgbClr val="77966D"/>
+          </a:solidFill>
+          <a:ln>
+            <a:noFill/>
+          </a:ln>
+        </p:spPr>
+        <p:style>
+          <a:lnRef idx="2">
+            <a:schemeClr val="accent1">
+              <a:shade val="15000"/>
+            </a:schemeClr>
+          </a:lnRef>
+          <a:fillRef idx="1">
+            <a:schemeClr val="accent1"/>
+          </a:fillRef>
+          <a:effectRef idx="0">
+            <a:schemeClr val="accent1"/>
+          </a:effectRef>
+          <a:fontRef idx="minor">
+            <a:schemeClr val="lt1"/>
+          </a:fontRef>
+        </p:style>
+        <p:txBody>
+          <a:bodyPr rtlCol="0" anchor="ctr"/>
+          <a:lstStyle/>
+          <a:p>
+            <a:pPr algn="ctr"/>
+            <a:r>
+              <a:rPr lang="en-US" sz="6000" b="1" dirty="0"/>
+              <a:t>References</a:t>
+            </a:r>
+            <a:endParaRPr lang="en-US" sz="1000" b="1" dirty="0"/>
+          </a:p>
+        </p:txBody>
+      </p:sp>
+    </p:spTree>
+    <p:extLst>
+      <p:ext uri="{BB962C8B-B14F-4D97-AF65-F5344CB8AC3E}">
+        <p14:creationId xmlns:p14="http://schemas.microsoft.com/office/powerpoint/2010/main" val="1691417317"/>
+      </p:ext>
+    </p:extLst>
+  </p:cSld>
+  <p:clrMapOvr>
+    <a:masterClrMapping/>
+  </p:clrMapOvr>
+</p:sld>
+</file>
+
+<file path=ppt/slides/slide11.xml><?xml version="1.0" encoding="utf-8"?>
 <p:sld xmlns:a="http://schemas.openxmlformats.org/drawingml/2006/main" xmlns:r="http://schemas.openxmlformats.org/officeDocument/2006/relationships" xmlns:p="http://schemas.openxmlformats.org/presentationml/2006/main" show="0">
   <p:cSld>
     <p:spTree>
@@ -5329,7 +6982,7 @@
 </p:sld>
 </file>
 
-<file path=ppt/slides/slide11.xml><?xml version="1.0" encoding="utf-8"?>
+<file path=ppt/slides/slide12.xml><?xml version="1.0" encoding="utf-8"?>
 <p:sld xmlns:a="http://schemas.openxmlformats.org/drawingml/2006/main" xmlns:r="http://schemas.openxmlformats.org/officeDocument/2006/relationships" xmlns:p="http://schemas.openxmlformats.org/presentationml/2006/main" show="0">
   <p:cSld>
     <p:spTree>
@@ -6049,7 +7702,7 @@
 </p:sld>
 </file>
 
-<file path=ppt/slides/slide12.xml><?xml version="1.0" encoding="utf-8"?>
+<file path=ppt/slides/slide13.xml><?xml version="1.0" encoding="utf-8"?>
 <p:sld xmlns:a="http://schemas.openxmlformats.org/drawingml/2006/main" xmlns:r="http://schemas.openxmlformats.org/officeDocument/2006/relationships" xmlns:p="http://schemas.openxmlformats.org/presentationml/2006/main" show="0">
   <p:cSld>
     <p:spTree>
@@ -7364,7 +9017,7 @@
         <p:cNvPr id="1" name="">
           <a:extLst>
             <a:ext uri="{FF2B5EF4-FFF2-40B4-BE49-F238E27FC236}">
-              <a16:creationId xmlns:a16="http://schemas.microsoft.com/office/drawing/2014/main" id="{20CA9CDC-6795-43D0-F10A-993D26C76E85}"/>
+              <a16:creationId xmlns:a16="http://schemas.microsoft.com/office/drawing/2014/main" id="{87681CCB-5FF6-BE5F-2829-11CDBFD0A9ED}"/>
             </a:ext>
           </a:extLst>
         </p:cNvPr>
@@ -7384,7 +9037,7 @@
           <p:cNvPr id="15" name="Rectangle: Top Corners Rounded 14">
             <a:extLst>
               <a:ext uri="{FF2B5EF4-FFF2-40B4-BE49-F238E27FC236}">
-                <a16:creationId xmlns:a16="http://schemas.microsoft.com/office/drawing/2014/main" id="{AE24F733-E967-9D35-030D-DB1BC3DFE293}"/>
+                <a16:creationId xmlns:a16="http://schemas.microsoft.com/office/drawing/2014/main" id="{049157CD-ADAB-9A07-64CB-70FA600DE01C}"/>
               </a:ext>
             </a:extLst>
           </p:cNvPr>
@@ -7403,7 +9056,7 @@
             </a:avLst>
           </a:prstGeom>
           <a:solidFill>
-            <a:srgbClr val="072C30"/>
+            <a:srgbClr val="031E20"/>
           </a:solidFill>
           <a:ln w="254000">
             <a:noFill/>
@@ -7439,7 +9092,7 @@
           <p:cNvPr id="2" name="Flowchart: Off-page Connector 1">
             <a:extLst>
               <a:ext uri="{FF2B5EF4-FFF2-40B4-BE49-F238E27FC236}">
-                <a16:creationId xmlns:a16="http://schemas.microsoft.com/office/drawing/2014/main" id="{D53CF44F-F111-3660-6869-A82CB5EAD249}"/>
+                <a16:creationId xmlns:a16="http://schemas.microsoft.com/office/drawing/2014/main" id="{6CF2CB19-0B47-19BE-13E4-A557736BE912}"/>
               </a:ext>
             </a:extLst>
           </p:cNvPr>
@@ -7493,7 +9146,7 @@
           <p:cNvPr id="40" name="Picture 39">
             <a:extLst>
               <a:ext uri="{FF2B5EF4-FFF2-40B4-BE49-F238E27FC236}">
-                <a16:creationId xmlns:a16="http://schemas.microsoft.com/office/drawing/2014/main" id="{D64729D2-8B0E-115C-3971-F1FB81C5C251}"/>
+                <a16:creationId xmlns:a16="http://schemas.microsoft.com/office/drawing/2014/main" id="{CB298C1B-A52C-B756-FA55-4B4FEBA49C2F}"/>
               </a:ext>
             </a:extLst>
           </p:cNvPr>
@@ -7523,7 +9176,7 @@
           <p:cNvPr id="17" name="Rectangle: Rounded Corners 16">
             <a:extLst>
               <a:ext uri="{FF2B5EF4-FFF2-40B4-BE49-F238E27FC236}">
-                <a16:creationId xmlns:a16="http://schemas.microsoft.com/office/drawing/2014/main" id="{C8E20907-9690-C9C3-0188-63CFEB608923}"/>
+                <a16:creationId xmlns:a16="http://schemas.microsoft.com/office/drawing/2014/main" id="{8064354F-0DCC-B798-41A3-577957F351C1}"/>
               </a:ext>
             </a:extLst>
           </p:cNvPr>
@@ -7545,7 +9198,7 @@
           </a:solidFill>
           <a:ln w="254000">
             <a:solidFill>
-              <a:srgbClr val="174948"/>
+              <a:srgbClr val="184743"/>
             </a:solidFill>
           </a:ln>
         </p:spPr>
@@ -7579,7 +9232,7 @@
           <p:cNvPr id="18" name="Rectangle: Rounded Corners 17">
             <a:extLst>
               <a:ext uri="{FF2B5EF4-FFF2-40B4-BE49-F238E27FC236}">
-                <a16:creationId xmlns:a16="http://schemas.microsoft.com/office/drawing/2014/main" id="{6B5F2859-9334-2930-0F07-294CEB0EA2AD}"/>
+                <a16:creationId xmlns:a16="http://schemas.microsoft.com/office/drawing/2014/main" id="{C77353A5-BA73-BBE3-CEBC-E1B782C65043}"/>
               </a:ext>
             </a:extLst>
           </p:cNvPr>
@@ -7635,7 +9288,7 @@
           <p:cNvPr id="19" name="Rectangle: Rounded Corners 18">
             <a:extLst>
               <a:ext uri="{FF2B5EF4-FFF2-40B4-BE49-F238E27FC236}">
-                <a16:creationId xmlns:a16="http://schemas.microsoft.com/office/drawing/2014/main" id="{D1F75560-1F6B-32A5-BF65-6CA31A953482}"/>
+                <a16:creationId xmlns:a16="http://schemas.microsoft.com/office/drawing/2014/main" id="{6F3E213D-1579-0691-43E9-EE0699922A34}"/>
               </a:ext>
             </a:extLst>
           </p:cNvPr>
@@ -7691,7 +9344,7 @@
           <p:cNvPr id="16" name="Rectangle: Rounded Corners 15">
             <a:extLst>
               <a:ext uri="{FF2B5EF4-FFF2-40B4-BE49-F238E27FC236}">
-                <a16:creationId xmlns:a16="http://schemas.microsoft.com/office/drawing/2014/main" id="{4A737686-AA97-81B9-A60E-DFC72F4310F0}"/>
+                <a16:creationId xmlns:a16="http://schemas.microsoft.com/office/drawing/2014/main" id="{5FD65E1C-3FA0-D78D-E4D4-175CBC574837}"/>
               </a:ext>
             </a:extLst>
           </p:cNvPr>
@@ -7713,7 +9366,7 @@
           </a:solidFill>
           <a:ln w="254000">
             <a:solidFill>
-              <a:srgbClr val="0F3A3C"/>
+              <a:srgbClr val="0F3534"/>
             </a:solidFill>
           </a:ln>
         </p:spPr>
@@ -7747,7 +9400,7 @@
           <p:cNvPr id="14" name="Rectangle: Rounded Corners 13">
             <a:extLst>
               <a:ext uri="{FF2B5EF4-FFF2-40B4-BE49-F238E27FC236}">
-                <a16:creationId xmlns:a16="http://schemas.microsoft.com/office/drawing/2014/main" id="{8F6AE0FD-9625-DA86-D640-74A5833A3CB8}"/>
+                <a16:creationId xmlns:a16="http://schemas.microsoft.com/office/drawing/2014/main" id="{A41C68CB-23E4-3069-8439-F69D36ACED92}"/>
               </a:ext>
             </a:extLst>
           </p:cNvPr>
@@ -7769,7 +9422,7 @@
           </a:solidFill>
           <a:ln w="254000">
             <a:solidFill>
-              <a:srgbClr val="072C30"/>
+              <a:srgbClr val="031E20"/>
             </a:solidFill>
           </a:ln>
         </p:spPr>
@@ -7806,7 +9459,7 @@
           <p:cNvPr id="20" name="TextBox 19">
             <a:extLst>
               <a:ext uri="{FF2B5EF4-FFF2-40B4-BE49-F238E27FC236}">
-                <a16:creationId xmlns:a16="http://schemas.microsoft.com/office/drawing/2014/main" id="{99F60092-BDE3-05B7-EFD9-9DCB87820E54}"/>
+                <a16:creationId xmlns:a16="http://schemas.microsoft.com/office/drawing/2014/main" id="{1165F25F-7B42-3CF1-6097-86F2544A8B59}"/>
               </a:ext>
             </a:extLst>
           </p:cNvPr>
@@ -7964,7 +9617,7 @@
           <p:cNvPr id="3" name="TextBox 2">
             <a:extLst>
               <a:ext uri="{FF2B5EF4-FFF2-40B4-BE49-F238E27FC236}">
-                <a16:creationId xmlns:a16="http://schemas.microsoft.com/office/drawing/2014/main" id="{A10ADA84-007D-D28E-D978-2E2422803422}"/>
+                <a16:creationId xmlns:a16="http://schemas.microsoft.com/office/drawing/2014/main" id="{3269AAEA-8FC8-812A-7FDC-3E1024C14171}"/>
               </a:ext>
             </a:extLst>
           </p:cNvPr>
@@ -8155,7 +9808,7 @@
           <p:cNvPr id="5" name="TextBox 4">
             <a:extLst>
               <a:ext uri="{FF2B5EF4-FFF2-40B4-BE49-F238E27FC236}">
-                <a16:creationId xmlns:a16="http://schemas.microsoft.com/office/drawing/2014/main" id="{D2A96327-E157-BE23-8869-12D8D7B9EDBD}"/>
+                <a16:creationId xmlns:a16="http://schemas.microsoft.com/office/drawing/2014/main" id="{F39A2755-F156-D891-BD58-8C1D097A8504}"/>
               </a:ext>
             </a:extLst>
           </p:cNvPr>
@@ -8400,7 +10053,7 @@
           <p:cNvPr id="6" name="TextBox 5">
             <a:extLst>
               <a:ext uri="{FF2B5EF4-FFF2-40B4-BE49-F238E27FC236}">
-                <a16:creationId xmlns:a16="http://schemas.microsoft.com/office/drawing/2014/main" id="{F62511C7-BFF5-8CA3-7B15-86745EEB17A6}"/>
+                <a16:creationId xmlns:a16="http://schemas.microsoft.com/office/drawing/2014/main" id="{81A48AA1-538C-2A8E-FC9C-BB58C04CA4FD}"/>
               </a:ext>
             </a:extLst>
           </p:cNvPr>
@@ -8456,7 +10109,7 @@
           <p:cNvPr id="7" name="TextBox 6">
             <a:extLst>
               <a:ext uri="{FF2B5EF4-FFF2-40B4-BE49-F238E27FC236}">
-                <a16:creationId xmlns:a16="http://schemas.microsoft.com/office/drawing/2014/main" id="{D2D0B188-3BEA-8240-04F4-2529E568A11A}"/>
+                <a16:creationId xmlns:a16="http://schemas.microsoft.com/office/drawing/2014/main" id="{A967FE62-5D83-5B65-E183-4F0908828DCD}"/>
               </a:ext>
             </a:extLst>
           </p:cNvPr>
@@ -8508,7 +10161,7 @@
           <p:cNvPr id="24" name="Rectangle: Rounded Corners 23">
             <a:extLst>
               <a:ext uri="{FF2B5EF4-FFF2-40B4-BE49-F238E27FC236}">
-                <a16:creationId xmlns:a16="http://schemas.microsoft.com/office/drawing/2014/main" id="{4A270B3D-50D8-B4D7-3729-E6C5AC5D10DD}"/>
+                <a16:creationId xmlns:a16="http://schemas.microsoft.com/office/drawing/2014/main" id="{4A5A37DA-828D-ADBC-53D7-0A29666F7477}"/>
               </a:ext>
             </a:extLst>
           </p:cNvPr>
@@ -8526,7 +10179,7 @@
             </a:avLst>
           </a:prstGeom>
           <a:solidFill>
-            <a:srgbClr val="072C30"/>
+            <a:srgbClr val="031E20"/>
           </a:solidFill>
           <a:ln>
             <a:noFill/>
@@ -8569,7 +10222,7 @@
           <p:cNvPr id="25" name="TextBox 24">
             <a:extLst>
               <a:ext uri="{FF2B5EF4-FFF2-40B4-BE49-F238E27FC236}">
-                <a16:creationId xmlns:a16="http://schemas.microsoft.com/office/drawing/2014/main" id="{4AD0CA96-CD7B-3DD5-133A-7554EA596689}"/>
+                <a16:creationId xmlns:a16="http://schemas.microsoft.com/office/drawing/2014/main" id="{A7EF1DED-DF59-4F52-5981-3E59C7A07F69}"/>
               </a:ext>
             </a:extLst>
           </p:cNvPr>
@@ -8654,7 +10307,7 @@
           <p:cNvPr id="27" name="Rectangle: Rounded Corners 26">
             <a:extLst>
               <a:ext uri="{FF2B5EF4-FFF2-40B4-BE49-F238E27FC236}">
-                <a16:creationId xmlns:a16="http://schemas.microsoft.com/office/drawing/2014/main" id="{040957F8-88B8-9A14-2992-8A0986294EDA}"/>
+                <a16:creationId xmlns:a16="http://schemas.microsoft.com/office/drawing/2014/main" id="{BDAB639B-B1A2-3839-E337-EE9E7B9C1341}"/>
               </a:ext>
             </a:extLst>
           </p:cNvPr>
@@ -8672,7 +10325,7 @@
             </a:avLst>
           </a:prstGeom>
           <a:solidFill>
-            <a:srgbClr val="0F3A3C"/>
+            <a:srgbClr val="0F3534"/>
           </a:solidFill>
           <a:ln>
             <a:noFill/>
@@ -8715,7 +10368,7 @@
           <p:cNvPr id="28" name="Rectangle: Rounded Corners 27">
             <a:extLst>
               <a:ext uri="{FF2B5EF4-FFF2-40B4-BE49-F238E27FC236}">
-                <a16:creationId xmlns:a16="http://schemas.microsoft.com/office/drawing/2014/main" id="{7A6435AF-DD15-B0F8-5814-F778CB4B7FD9}"/>
+                <a16:creationId xmlns:a16="http://schemas.microsoft.com/office/drawing/2014/main" id="{282884BB-13BC-1B1C-3E35-5C6C2DBD17B1}"/>
               </a:ext>
             </a:extLst>
           </p:cNvPr>
@@ -8733,12 +10386,10 @@
             </a:avLst>
           </a:prstGeom>
           <a:solidFill>
-            <a:srgbClr val="174948"/>
+            <a:srgbClr val="184743"/>
           </a:solidFill>
           <a:ln>
-            <a:solidFill>
-              <a:srgbClr val="174948"/>
-            </a:solidFill>
+            <a:noFill/>
           </a:ln>
         </p:spPr>
         <p:style>
@@ -8777,7 +10428,7 @@
           <p:cNvPr id="29" name="Rectangle: Rounded Corners 28">
             <a:extLst>
               <a:ext uri="{FF2B5EF4-FFF2-40B4-BE49-F238E27FC236}">
-                <a16:creationId xmlns:a16="http://schemas.microsoft.com/office/drawing/2014/main" id="{5AF60CD5-1A36-5FAC-28A3-9FF5775E8C04}"/>
+                <a16:creationId xmlns:a16="http://schemas.microsoft.com/office/drawing/2014/main" id="{8336DF6C-DAAD-E115-5E98-BFA884E22E4A}"/>
               </a:ext>
             </a:extLst>
           </p:cNvPr>
@@ -8835,7 +10486,7 @@
           <p:cNvPr id="30" name="Rectangle: Rounded Corners 29">
             <a:extLst>
               <a:ext uri="{FF2B5EF4-FFF2-40B4-BE49-F238E27FC236}">
-                <a16:creationId xmlns:a16="http://schemas.microsoft.com/office/drawing/2014/main" id="{97AEFDAE-50F8-9AAC-24DE-0B047BCF2393}"/>
+                <a16:creationId xmlns:a16="http://schemas.microsoft.com/office/drawing/2014/main" id="{0062F7B3-6FE4-F8CB-5BB2-C1441EC7BEB4}"/>
               </a:ext>
             </a:extLst>
           </p:cNvPr>
@@ -8892,7 +10543,7 @@
           <p:cNvPr id="23" name="Titel 1">
             <a:extLst>
               <a:ext uri="{FF2B5EF4-FFF2-40B4-BE49-F238E27FC236}">
-                <a16:creationId xmlns:a16="http://schemas.microsoft.com/office/drawing/2014/main" id="{FD437D73-3F50-4FB0-FC9A-E8F4BD28E934}"/>
+                <a16:creationId xmlns:a16="http://schemas.microsoft.com/office/drawing/2014/main" id="{C78C4FC7-DBC5-B434-3F22-3BADBDF09BBB}"/>
               </a:ext>
             </a:extLst>
           </p:cNvPr>
@@ -8956,7 +10607,7 @@
           <p:cNvPr id="31" name="Titel 1">
             <a:extLst>
               <a:ext uri="{FF2B5EF4-FFF2-40B4-BE49-F238E27FC236}">
-                <a16:creationId xmlns:a16="http://schemas.microsoft.com/office/drawing/2014/main" id="{E09F30F2-EB85-4639-23C5-01C5E15E5656}"/>
+                <a16:creationId xmlns:a16="http://schemas.microsoft.com/office/drawing/2014/main" id="{ACC6238C-6DAE-3805-DE55-CB27656A73BA}"/>
               </a:ext>
             </a:extLst>
           </p:cNvPr>
@@ -9071,7 +10722,7 @@
           <p:cNvPr id="32" name="Flowchart: Connector 31">
             <a:extLst>
               <a:ext uri="{FF2B5EF4-FFF2-40B4-BE49-F238E27FC236}">
-                <a16:creationId xmlns:a16="http://schemas.microsoft.com/office/drawing/2014/main" id="{425C5BA3-2A2E-33C4-FFD0-4DF391D31518}"/>
+                <a16:creationId xmlns:a16="http://schemas.microsoft.com/office/drawing/2014/main" id="{A240B424-AA58-87FD-A4ED-A8093E02FDE4}"/>
               </a:ext>
             </a:extLst>
           </p:cNvPr>
@@ -9091,7 +10742,7 @@
           </a:solidFill>
           <a:ln w="254000">
             <a:solidFill>
-              <a:srgbClr val="072C30"/>
+              <a:srgbClr val="031E20"/>
             </a:solidFill>
           </a:ln>
         </p:spPr>
@@ -9132,7 +10783,7 @@
           <p:cNvPr id="34" name="Flowchart: Connector 33">
             <a:extLst>
               <a:ext uri="{FF2B5EF4-FFF2-40B4-BE49-F238E27FC236}">
-                <a16:creationId xmlns:a16="http://schemas.microsoft.com/office/drawing/2014/main" id="{4C528279-1C13-569D-92C1-E24EACC0BCA6}"/>
+                <a16:creationId xmlns:a16="http://schemas.microsoft.com/office/drawing/2014/main" id="{F288F007-BFDC-0F76-5480-54CD9130917C}"/>
               </a:ext>
             </a:extLst>
           </p:cNvPr>
@@ -9152,7 +10803,7 @@
           </a:solidFill>
           <a:ln w="254000">
             <a:solidFill>
-              <a:srgbClr val="0F3A3C"/>
+              <a:srgbClr val="0F3534"/>
             </a:solidFill>
           </a:ln>
         </p:spPr>
@@ -9193,7 +10844,7 @@
           <p:cNvPr id="35" name="Flowchart: Connector 34">
             <a:extLst>
               <a:ext uri="{FF2B5EF4-FFF2-40B4-BE49-F238E27FC236}">
-                <a16:creationId xmlns:a16="http://schemas.microsoft.com/office/drawing/2014/main" id="{9576D722-6873-FEDE-7D52-9BCDA6EC25FF}"/>
+                <a16:creationId xmlns:a16="http://schemas.microsoft.com/office/drawing/2014/main" id="{F69548A5-1EAE-1612-3661-7AA6C4C2E1DF}"/>
               </a:ext>
             </a:extLst>
           </p:cNvPr>
@@ -9213,7 +10864,7 @@
           </a:solidFill>
           <a:ln w="254000">
             <a:solidFill>
-              <a:srgbClr val="174948"/>
+              <a:srgbClr val="184743"/>
             </a:solidFill>
           </a:ln>
         </p:spPr>
@@ -9254,7 +10905,7 @@
           <p:cNvPr id="36" name="Flowchart: Connector 35">
             <a:extLst>
               <a:ext uri="{FF2B5EF4-FFF2-40B4-BE49-F238E27FC236}">
-                <a16:creationId xmlns:a16="http://schemas.microsoft.com/office/drawing/2014/main" id="{FEFA34E5-F153-3FB4-1D7F-9C6526B53715}"/>
+                <a16:creationId xmlns:a16="http://schemas.microsoft.com/office/drawing/2014/main" id="{75528C9E-87A9-874E-13AF-F092197ED5B0}"/>
               </a:ext>
             </a:extLst>
           </p:cNvPr>
@@ -9315,7 +10966,7 @@
           <p:cNvPr id="37" name="Flowchart: Connector 36">
             <a:extLst>
               <a:ext uri="{FF2B5EF4-FFF2-40B4-BE49-F238E27FC236}">
-                <a16:creationId xmlns:a16="http://schemas.microsoft.com/office/drawing/2014/main" id="{FC9FB5DC-1C4B-D229-1C93-D46A458BF445}"/>
+                <a16:creationId xmlns:a16="http://schemas.microsoft.com/office/drawing/2014/main" id="{8BECB1FB-826B-E507-A53F-4C89EC6FC29F}"/>
               </a:ext>
             </a:extLst>
           </p:cNvPr>
@@ -9376,7 +11027,7 @@
           <p:cNvPr id="39" name="Picture 38">
             <a:extLst>
               <a:ext uri="{FF2B5EF4-FFF2-40B4-BE49-F238E27FC236}">
-                <a16:creationId xmlns:a16="http://schemas.microsoft.com/office/drawing/2014/main" id="{E1D251F1-AE9A-6052-37F4-67E7099CEF93}"/>
+                <a16:creationId xmlns:a16="http://schemas.microsoft.com/office/drawing/2014/main" id="{8C1D2777-278F-B90D-8F02-98A64B758288}"/>
               </a:ext>
             </a:extLst>
           </p:cNvPr>
@@ -9406,7 +11057,7 @@
           <p:cNvPr id="62" name="Rectangle: Top Corners Rounded 61">
             <a:extLst>
               <a:ext uri="{FF2B5EF4-FFF2-40B4-BE49-F238E27FC236}">
-                <a16:creationId xmlns:a16="http://schemas.microsoft.com/office/drawing/2014/main" id="{E3FCFFB2-A39F-8E9E-7635-489D8B103C22}"/>
+                <a16:creationId xmlns:a16="http://schemas.microsoft.com/office/drawing/2014/main" id="{DEF95930-3E67-66EF-B838-DDA57F37F74D}"/>
               </a:ext>
             </a:extLst>
           </p:cNvPr>
@@ -9459,7 +11110,7 @@
     </p:spTree>
     <p:extLst>
       <p:ext uri="{BB962C8B-B14F-4D97-AF65-F5344CB8AC3E}">
-        <p14:creationId xmlns:p14="http://schemas.microsoft.com/office/powerpoint/2010/main" val="2980305190"/>
+        <p14:creationId xmlns:p14="http://schemas.microsoft.com/office/powerpoint/2010/main" val="1685194702"/>
       </p:ext>
     </p:extLst>
   </p:cSld>
@@ -9470,14 +11121,22 @@
 </file>
 
 <file path=ppt/slides/slide3.xml><?xml version="1.0" encoding="utf-8"?>
-<p:sld xmlns:a="http://schemas.openxmlformats.org/drawingml/2006/main" xmlns:r="http://schemas.openxmlformats.org/officeDocument/2006/relationships" xmlns:p="http://schemas.openxmlformats.org/presentationml/2006/main">
+<p:sld xmlns:a="http://schemas.openxmlformats.org/drawingml/2006/main" xmlns:r="http://schemas.openxmlformats.org/officeDocument/2006/relationships" xmlns:p="http://schemas.openxmlformats.org/presentationml/2006/main" show="0">
   <p:cSld>
+    <p:bg>
+      <p:bgPr>
+        <a:solidFill>
+          <a:srgbClr val="509783"/>
+        </a:solidFill>
+        <a:effectLst/>
+      </p:bgPr>
+    </p:bg>
     <p:spTree>
       <p:nvGrpSpPr>
         <p:cNvPr id="1" name="">
           <a:extLst>
             <a:ext uri="{FF2B5EF4-FFF2-40B4-BE49-F238E27FC236}">
-              <a16:creationId xmlns:a16="http://schemas.microsoft.com/office/drawing/2014/main" id="{FB4D14C2-3AD0-1CAE-FE87-4F4C5D99C8C4}"/>
+              <a16:creationId xmlns:a16="http://schemas.microsoft.com/office/drawing/2014/main" id="{20CA9CDC-6795-43D0-F10A-993D26C76E85}"/>
             </a:ext>
           </a:extLst>
         </p:cNvPr>
@@ -9494,10 +11153,10 @@
       </p:grpSpPr>
       <p:sp>
         <p:nvSpPr>
-          <p:cNvPr id="42" name="Rectangle 41">
-            <a:extLst>
-              <a:ext uri="{FF2B5EF4-FFF2-40B4-BE49-F238E27FC236}">
-                <a16:creationId xmlns:a16="http://schemas.microsoft.com/office/drawing/2014/main" id="{D61C9AF0-397B-228F-1CA7-78E9B58362B0}"/>
+          <p:cNvPr id="15" name="Rectangle: Top Corners Rounded 14">
+            <a:extLst>
+              <a:ext uri="{FF2B5EF4-FFF2-40B4-BE49-F238E27FC236}">
+                <a16:creationId xmlns:a16="http://schemas.microsoft.com/office/drawing/2014/main" id="{AE24F733-E967-9D35-030D-DB1BC3DFE293}"/>
               </a:ext>
             </a:extLst>
           </p:cNvPr>
@@ -9506,14 +11165,17 @@
         </p:nvSpPr>
         <p:spPr>
           <a:xfrm flipV="1">
-            <a:off x="-1" y="-21301"/>
-            <a:ext cx="30275214" cy="4467776"/>
-          </a:xfrm>
-          <a:prstGeom prst="rect">
-            <a:avLst/>
+            <a:off x="0" y="-21883"/>
+            <a:ext cx="30275214" cy="5684230"/>
+          </a:xfrm>
+          <a:prstGeom prst="round2SameRect">
+            <a:avLst>
+              <a:gd name="adj1" fmla="val 0"/>
+              <a:gd name="adj2" fmla="val 0"/>
+            </a:avLst>
           </a:prstGeom>
           <a:solidFill>
-            <a:srgbClr val="FC9A64"/>
+            <a:srgbClr val="221B36"/>
           </a:solidFill>
           <a:ln w="254000">
             <a:noFill/>
@@ -9540,16 +11202,19 @@
           <a:lstStyle/>
           <a:p>
             <a:pPr algn="ctr"/>
-            <a:endParaRPr lang="de-DE"/>
-          </a:p>
-        </p:txBody>
-      </p:sp>
-      <p:sp>
-        <p:nvSpPr>
-          <p:cNvPr id="43" name="Rectangle: Top Corners Rounded 42">
-            <a:extLst>
-              <a:ext uri="{FF2B5EF4-FFF2-40B4-BE49-F238E27FC236}">
-                <a16:creationId xmlns:a16="http://schemas.microsoft.com/office/drawing/2014/main" id="{B284EB02-403C-E2E3-521D-C50866F22F7C}"/>
+            <a:r>
+              <a:rPr lang="de-DE" dirty="0"/>
+              <a:t>k</a:t>
+            </a:r>
+          </a:p>
+        </p:txBody>
+      </p:sp>
+      <p:sp>
+        <p:nvSpPr>
+          <p:cNvPr id="2" name="Flowchart: Off-page Connector 1">
+            <a:extLst>
+              <a:ext uri="{FF2B5EF4-FFF2-40B4-BE49-F238E27FC236}">
+                <a16:creationId xmlns:a16="http://schemas.microsoft.com/office/drawing/2014/main" id="{D53CF44F-F111-3660-6869-A82CB5EAD249}"/>
               </a:ext>
             </a:extLst>
           </p:cNvPr>
@@ -9557,18 +11222,20 @@
           <p:nvPr/>
         </p:nvSpPr>
         <p:spPr>
-          <a:xfrm flipV="1">
-            <a:off x="856746" y="-21302"/>
-            <a:ext cx="28404556" cy="4468351"/>
-          </a:xfrm>
-          <a:prstGeom prst="round2SameRect">
+          <a:xfrm>
+            <a:off x="19143406" y="-286836"/>
+            <a:ext cx="9932181" cy="5235034"/>
+          </a:xfrm>
+          <a:prstGeom prst="flowChartOffpageConnector">
             <a:avLst/>
           </a:prstGeom>
           <a:solidFill>
-            <a:srgbClr val="B57F56"/>
+            <a:schemeClr val="bg1"/>
           </a:solidFill>
           <a:ln w="254000">
-            <a:noFill/>
+            <a:solidFill>
+              <a:srgbClr val="0D474A"/>
+            </a:solidFill>
           </a:ln>
         </p:spPr>
         <p:style>
@@ -9596,12 +11263,42 @@
           </a:p>
         </p:txBody>
       </p:sp>
-      <p:sp>
-        <p:nvSpPr>
-          <p:cNvPr id="44" name="Rectangle: Top Corners Rounded 43">
-            <a:extLst>
-              <a:ext uri="{FF2B5EF4-FFF2-40B4-BE49-F238E27FC236}">
-                <a16:creationId xmlns:a16="http://schemas.microsoft.com/office/drawing/2014/main" id="{16E254FF-9E11-FB24-2F1F-B92427B66ED3}"/>
+      <p:pic>
+        <p:nvPicPr>
+          <p:cNvPr id="40" name="Picture 39">
+            <a:extLst>
+              <a:ext uri="{FF2B5EF4-FFF2-40B4-BE49-F238E27FC236}">
+                <a16:creationId xmlns:a16="http://schemas.microsoft.com/office/drawing/2014/main" id="{D64729D2-8B0E-115C-3971-F1FB81C5C251}"/>
+              </a:ext>
+            </a:extLst>
+          </p:cNvPr>
+          <p:cNvPicPr>
+            <a:picLocks noChangeAspect="1"/>
+          </p:cNvPicPr>
+          <p:nvPr/>
+        </p:nvPicPr>
+        <p:blipFill>
+          <a:blip r:embed="rId2"/>
+          <a:stretch>
+            <a:fillRect/>
+          </a:stretch>
+        </p:blipFill>
+        <p:spPr>
+          <a:xfrm>
+            <a:off x="19387659" y="450340"/>
+            <a:ext cx="5494984" cy="3089708"/>
+          </a:xfrm>
+          <a:prstGeom prst="rect">
+            <a:avLst/>
+          </a:prstGeom>
+        </p:spPr>
+      </p:pic>
+      <p:sp>
+        <p:nvSpPr>
+          <p:cNvPr id="17" name="Rectangle: Rounded Corners 16">
+            <a:extLst>
+              <a:ext uri="{FF2B5EF4-FFF2-40B4-BE49-F238E27FC236}">
+                <a16:creationId xmlns:a16="http://schemas.microsoft.com/office/drawing/2014/main" id="{C8E20907-9690-C9C3-0188-63CFEB608923}"/>
               </a:ext>
             </a:extLst>
           </p:cNvPr>
@@ -9609,18 +11306,22 @@
           <p:nvPr/>
         </p:nvSpPr>
         <p:spPr>
-          <a:xfrm flipV="1">
-            <a:off x="2245466" y="-19077"/>
-            <a:ext cx="25838205" cy="4468351"/>
-          </a:xfrm>
-          <a:prstGeom prst="round2SameRect">
-            <a:avLst/>
+          <a:xfrm>
+            <a:off x="619433" y="27643718"/>
+            <a:ext cx="14518173" cy="13738215"/>
+          </a:xfrm>
+          <a:prstGeom prst="roundRect">
+            <a:avLst>
+              <a:gd name="adj" fmla="val 3189"/>
+            </a:avLst>
           </a:prstGeom>
           <a:solidFill>
-            <a:srgbClr val="76644D"/>
+            <a:schemeClr val="bg1"/>
           </a:solidFill>
           <a:ln w="254000">
-            <a:noFill/>
+            <a:solidFill>
+              <a:srgbClr val="3B5E60"/>
+            </a:solidFill>
           </a:ln>
         </p:spPr>
         <p:style>
@@ -9650,10 +11351,10 @@
       </p:sp>
       <p:sp>
         <p:nvSpPr>
-          <p:cNvPr id="45" name="Rectangle: Top Corners Rounded 44">
-            <a:extLst>
-              <a:ext uri="{FF2B5EF4-FFF2-40B4-BE49-F238E27FC236}">
-                <a16:creationId xmlns:a16="http://schemas.microsoft.com/office/drawing/2014/main" id="{C92364AA-E5F8-B30F-BB0A-FA347A199874}"/>
+          <p:cNvPr id="18" name="Rectangle: Rounded Corners 17">
+            <a:extLst>
+              <a:ext uri="{FF2B5EF4-FFF2-40B4-BE49-F238E27FC236}">
+                <a16:creationId xmlns:a16="http://schemas.microsoft.com/office/drawing/2014/main" id="{6B5F2859-9334-2930-0F07-294CEB0EA2AD}"/>
               </a:ext>
             </a:extLst>
           </p:cNvPr>
@@ -9661,18 +11362,22 @@
           <p:nvPr/>
         </p:nvSpPr>
         <p:spPr>
-          <a:xfrm flipV="1">
-            <a:off x="3593302" y="-21303"/>
-            <a:ext cx="23088601" cy="4470577"/>
-          </a:xfrm>
-          <a:prstGeom prst="round2SameRect">
-            <a:avLst/>
+          <a:xfrm>
+            <a:off x="15747588" y="27791203"/>
+            <a:ext cx="13858989" cy="7375456"/>
+          </a:xfrm>
+          <a:prstGeom prst="roundRect">
+            <a:avLst>
+              <a:gd name="adj" fmla="val 2683"/>
+            </a:avLst>
           </a:prstGeom>
           <a:solidFill>
-            <a:srgbClr val="465045"/>
+            <a:schemeClr val="bg1"/>
           </a:solidFill>
           <a:ln w="254000">
-            <a:noFill/>
+            <a:solidFill>
+              <a:srgbClr val="5EBF9D"/>
+            </a:solidFill>
           </a:ln>
         </p:spPr>
         <p:style>
@@ -9702,10 +11407,10 @@
       </p:sp>
       <p:sp>
         <p:nvSpPr>
-          <p:cNvPr id="17" name="Rectangle: Rounded Corners 16">
-            <a:extLst>
-              <a:ext uri="{FF2B5EF4-FFF2-40B4-BE49-F238E27FC236}">
-                <a16:creationId xmlns:a16="http://schemas.microsoft.com/office/drawing/2014/main" id="{CA286275-F852-4B3C-DE17-86AD75A0E2B0}"/>
+          <p:cNvPr id="19" name="Rectangle: Rounded Corners 18">
+            <a:extLst>
+              <a:ext uri="{FF2B5EF4-FFF2-40B4-BE49-F238E27FC236}">
+                <a16:creationId xmlns:a16="http://schemas.microsoft.com/office/drawing/2014/main" id="{D1F75560-1F6B-32A5-BF65-6CA31A953482}"/>
               </a:ext>
             </a:extLst>
           </p:cNvPr>
@@ -9714,12 +11419,12 @@
         </p:nvSpPr>
         <p:spPr>
           <a:xfrm>
-            <a:off x="619433" y="26557868"/>
-            <a:ext cx="14518173" cy="13738215"/>
+            <a:off x="15765564" y="35908635"/>
+            <a:ext cx="13908192" cy="5244457"/>
           </a:xfrm>
           <a:prstGeom prst="roundRect">
             <a:avLst>
-              <a:gd name="adj" fmla="val 3189"/>
+              <a:gd name="adj" fmla="val 2154"/>
             </a:avLst>
           </a:prstGeom>
           <a:solidFill>
@@ -9727,7 +11432,7 @@
           </a:solidFill>
           <a:ln w="254000">
             <a:solidFill>
-              <a:srgbClr val="76644D"/>
+              <a:srgbClr val="6DE8B6"/>
             </a:solidFill>
           </a:ln>
         </p:spPr>
@@ -9752,16 +11457,16 @@
           <a:lstStyle/>
           <a:p>
             <a:pPr algn="ctr"/>
-            <a:endParaRPr lang="de-DE"/>
-          </a:p>
-        </p:txBody>
-      </p:sp>
-      <p:sp>
-        <p:nvSpPr>
-          <p:cNvPr id="18" name="Rectangle: Rounded Corners 17">
-            <a:extLst>
-              <a:ext uri="{FF2B5EF4-FFF2-40B4-BE49-F238E27FC236}">
-                <a16:creationId xmlns:a16="http://schemas.microsoft.com/office/drawing/2014/main" id="{80E05CFA-6D89-3627-F3A4-ABE861A56CBB}"/>
+            <a:endParaRPr lang="de-DE" dirty="0"/>
+          </a:p>
+        </p:txBody>
+      </p:sp>
+      <p:sp>
+        <p:nvSpPr>
+          <p:cNvPr id="16" name="Rectangle: Rounded Corners 15">
+            <a:extLst>
+              <a:ext uri="{FF2B5EF4-FFF2-40B4-BE49-F238E27FC236}">
+                <a16:creationId xmlns:a16="http://schemas.microsoft.com/office/drawing/2014/main" id="{4A737686-AA97-81B9-A60E-DFC72F4310F0}"/>
               </a:ext>
             </a:extLst>
           </p:cNvPr>
@@ -9770,12 +11475,12 @@
         </p:nvSpPr>
         <p:spPr>
           <a:xfrm>
-            <a:off x="15747588" y="26705353"/>
-            <a:ext cx="13858989" cy="5808341"/>
+            <a:off x="619433" y="13902154"/>
+            <a:ext cx="29054323" cy="13032673"/>
           </a:xfrm>
           <a:prstGeom prst="roundRect">
             <a:avLst>
-              <a:gd name="adj" fmla="val 2683"/>
+              <a:gd name="adj" fmla="val 1883"/>
             </a:avLst>
           </a:prstGeom>
           <a:solidFill>
@@ -9783,7 +11488,7 @@
           </a:solidFill>
           <a:ln w="254000">
             <a:solidFill>
-              <a:srgbClr val="465045"/>
+              <a:srgbClr val="2C3747"/>
             </a:solidFill>
           </a:ln>
         </p:spPr>
@@ -9808,16 +11513,16 @@
           <a:lstStyle/>
           <a:p>
             <a:pPr algn="ctr"/>
-            <a:endParaRPr lang="de-DE"/>
-          </a:p>
-        </p:txBody>
-      </p:sp>
-      <p:sp>
-        <p:nvSpPr>
-          <p:cNvPr id="19" name="Rectangle: Rounded Corners 18">
-            <a:extLst>
-              <a:ext uri="{FF2B5EF4-FFF2-40B4-BE49-F238E27FC236}">
-                <a16:creationId xmlns:a16="http://schemas.microsoft.com/office/drawing/2014/main" id="{1DE5B65F-483B-A84A-70D7-DCD09FE3B0E7}"/>
+            <a:endParaRPr lang="de-DE" dirty="0"/>
+          </a:p>
+        </p:txBody>
+      </p:sp>
+      <p:sp>
+        <p:nvSpPr>
+          <p:cNvPr id="14" name="Rectangle: Rounded Corners 13">
+            <a:extLst>
+              <a:ext uri="{FF2B5EF4-FFF2-40B4-BE49-F238E27FC236}">
+                <a16:creationId xmlns:a16="http://schemas.microsoft.com/office/drawing/2014/main" id="{8F6AE0FD-9625-DA86-D640-74A5833A3CB8}"/>
               </a:ext>
             </a:extLst>
           </p:cNvPr>
@@ -9826,12 +11531,12 @@
         </p:nvSpPr>
         <p:spPr>
           <a:xfrm>
-            <a:off x="15765564" y="33222585"/>
-            <a:ext cx="7194683" cy="7073498"/>
+            <a:off x="619433" y="6354752"/>
+            <a:ext cx="29054323" cy="6831954"/>
           </a:xfrm>
           <a:prstGeom prst="roundRect">
             <a:avLst>
-              <a:gd name="adj" fmla="val 2154"/>
+              <a:gd name="adj" fmla="val 4408"/>
             </a:avLst>
           </a:prstGeom>
           <a:solidFill>
@@ -9839,7 +11544,7 @@
           </a:solidFill>
           <a:ln w="254000">
             <a:solidFill>
-              <a:srgbClr val="152C2C"/>
+              <a:srgbClr val="221B36"/>
             </a:solidFill>
           </a:ln>
         </p:spPr>
@@ -9860,20 +11565,725 @@
           </a:fontRef>
         </p:style>
         <p:txBody>
-          <a:bodyPr rtlCol="0" anchor="ctr"/>
+          <a:bodyPr numCol="1" rtlCol="0" anchor="ctr"/>
           <a:lstStyle/>
           <a:p>
             <a:pPr algn="ctr"/>
-            <a:endParaRPr lang="de-DE" dirty="0"/>
-          </a:p>
-        </p:txBody>
-      </p:sp>
-      <p:sp>
-        <p:nvSpPr>
-          <p:cNvPr id="16" name="Rectangle: Rounded Corners 15">
-            <a:extLst>
-              <a:ext uri="{FF2B5EF4-FFF2-40B4-BE49-F238E27FC236}">
-                <a16:creationId xmlns:a16="http://schemas.microsoft.com/office/drawing/2014/main" id="{C7FA495A-9C27-CC6C-54E8-E274F6376A44}"/>
+            <a:r>
+              <a:rPr lang="de-DE" dirty="0"/>
+              <a:t> </a:t>
+            </a:r>
+          </a:p>
+        </p:txBody>
+      </p:sp>
+      <p:sp>
+        <p:nvSpPr>
+          <p:cNvPr id="20" name="TextBox 19">
+            <a:extLst>
+              <a:ext uri="{FF2B5EF4-FFF2-40B4-BE49-F238E27FC236}">
+                <a16:creationId xmlns:a16="http://schemas.microsoft.com/office/drawing/2014/main" id="{99F60092-BDE3-05B7-EFD9-9DCB87820E54}"/>
+              </a:ext>
+            </a:extLst>
+          </p:cNvPr>
+          <p:cNvSpPr txBox="1"/>
+          <p:nvPr/>
+        </p:nvSpPr>
+        <p:spPr>
+          <a:xfrm>
+            <a:off x="1253554" y="8328936"/>
+            <a:ext cx="13893040" cy="4524315"/>
+          </a:xfrm>
+          <a:prstGeom prst="rect">
+            <a:avLst/>
+          </a:prstGeom>
+          <a:noFill/>
+          <a:ln>
+            <a:noFill/>
+          </a:ln>
+        </p:spPr>
+        <p:txBody>
+          <a:bodyPr wrap="square">
+            <a:spAutoFit/>
+          </a:bodyPr>
+          <a:lstStyle/>
+          <a:p>
+            <a:r>
+              <a:rPr lang="en-US" sz="2400" b="1" dirty="0"/>
+              <a:t>  </a:t>
+            </a:r>
+            <a:endParaRPr lang="en-US" sz="2400" dirty="0"/>
+          </a:p>
+          <a:p>
+            <a:pPr marL="457200" indent="-457200">
+              <a:buFont typeface="Arial" panose="020B0604020202020204" pitchFamily="34" charset="0"/>
+              <a:buChar char="•"/>
+            </a:pPr>
+            <a:r>
+              <a:rPr lang="de-DE" sz="2400" dirty="0"/>
+              <a:t>„We want to </a:t>
+            </a:r>
+            <a:r>
+              <a:rPr lang="en-US" sz="2400" dirty="0"/>
+              <a:t>extract RNA-dependent proteins from proteomic screens”</a:t>
+            </a:r>
+            <a:endParaRPr lang="de-DE" sz="2400" dirty="0"/>
+          </a:p>
+          <a:p>
+            <a:pPr marL="457200" indent="-457200">
+              <a:buFont typeface="Arial" panose="020B0604020202020204" pitchFamily="34" charset="0"/>
+              <a:buChar char="•"/>
+            </a:pPr>
+            <a:r>
+              <a:rPr lang="de-DE" sz="2400" dirty="0"/>
+              <a:t>„RNA-dependency = the proteins interactome depends on RNA“</a:t>
+            </a:r>
+          </a:p>
+          <a:p>
+            <a:endParaRPr lang="en-US" sz="2400" b="1" dirty="0"/>
+          </a:p>
+          <a:p>
+            <a:r>
+              <a:rPr lang="en-US" sz="2400" b="1" dirty="0"/>
+              <a:t>What Makes RNA-Dependent Proteins Worth Investigating?</a:t>
+            </a:r>
+          </a:p>
+          <a:p>
+            <a:pPr marL="457200" indent="-457200">
+              <a:buFont typeface="Arial" panose="020B0604020202020204" pitchFamily="34" charset="0"/>
+              <a:buChar char="•"/>
+            </a:pPr>
+            <a:r>
+              <a:rPr lang="de-DE" sz="2400" b="1" dirty="0"/>
+              <a:t>Key Regulators:</a:t>
+            </a:r>
+            <a:r>
+              <a:rPr lang="de-DE" sz="2400" dirty="0"/>
+              <a:t> RBPs control RNA metabolism &amp; gene expression.</a:t>
+            </a:r>
+          </a:p>
+          <a:p>
+            <a:pPr marL="457200" indent="-457200">
+              <a:buFont typeface="Arial" panose="020B0604020202020204" pitchFamily="34" charset="0"/>
+              <a:buChar char="•"/>
+            </a:pPr>
+            <a:r>
+              <a:rPr lang="de-DE" sz="2400" b="1" dirty="0"/>
+              <a:t>Disease Links:</a:t>
+            </a:r>
+            <a:r>
+              <a:rPr lang="de-DE" sz="2400" dirty="0"/>
+              <a:t> Misregulation is tied to cancer &amp; neurodegeneration.</a:t>
+            </a:r>
+          </a:p>
+          <a:p>
+            <a:pPr marL="457200" indent="-457200">
+              <a:buFont typeface="Arial" panose="020B0604020202020204" pitchFamily="34" charset="0"/>
+              <a:buChar char="•"/>
+            </a:pPr>
+            <a:r>
+              <a:rPr lang="de-DE" sz="2400" b="1" dirty="0"/>
+              <a:t>Functional Clues:</a:t>
+            </a:r>
+            <a:r>
+              <a:rPr lang="de-DE" sz="2400" dirty="0"/>
+              <a:t> New RBPs hint at RNA’s role in specific pathways.</a:t>
+            </a:r>
+          </a:p>
+          <a:p>
+            <a:pPr marL="457200" indent="-457200">
+              <a:buFont typeface="Arial" panose="020B0604020202020204" pitchFamily="34" charset="0"/>
+              <a:buChar char="•"/>
+            </a:pPr>
+            <a:r>
+              <a:rPr lang="de-DE" sz="2400" b="1" dirty="0"/>
+              <a:t>Interaction Networks:</a:t>
+            </a:r>
+            <a:r>
+              <a:rPr lang="de-DE" sz="2400" dirty="0"/>
+              <a:t> Mapping RNA-protein complexes reveals regulatory logic. </a:t>
+            </a:r>
+          </a:p>
+          <a:p>
+            <a:pPr marL="457200" indent="-457200">
+              <a:buFont typeface="Arial" panose="020B0604020202020204" pitchFamily="34" charset="0"/>
+              <a:buChar char="•"/>
+            </a:pPr>
+            <a:r>
+              <a:rPr lang="de-DE" sz="2400" b="1" dirty="0"/>
+              <a:t>Molecular Insights:</a:t>
+            </a:r>
+            <a:r>
+              <a:rPr lang="de-DE" sz="2400" dirty="0"/>
+              <a:t> Deepens our understanding of cell cycle and cellular behavior. </a:t>
+            </a:r>
+            <a:endParaRPr lang="en-US" sz="2400" b="1" dirty="0"/>
+          </a:p>
+          <a:p>
+            <a:pPr marL="457200" indent="-457200">
+              <a:buFont typeface="Arial" panose="020B0604020202020204" pitchFamily="34" charset="0"/>
+              <a:buChar char="•"/>
+            </a:pPr>
+            <a:endParaRPr lang="de-DE" sz="2400" dirty="0"/>
+          </a:p>
+          <a:p>
+            <a:pPr marL="457200" indent="-457200">
+              <a:buFont typeface="Arial" panose="020B0604020202020204" pitchFamily="34" charset="0"/>
+              <a:buChar char="•"/>
+            </a:pPr>
+            <a:endParaRPr lang="de-DE" sz="2400" dirty="0"/>
+          </a:p>
+        </p:txBody>
+      </p:sp>
+      <p:sp>
+        <p:nvSpPr>
+          <p:cNvPr id="3" name="TextBox 2">
+            <a:extLst>
+              <a:ext uri="{FF2B5EF4-FFF2-40B4-BE49-F238E27FC236}">
+                <a16:creationId xmlns:a16="http://schemas.microsoft.com/office/drawing/2014/main" id="{A10ADA84-007D-D28E-D978-2E2422803422}"/>
+              </a:ext>
+            </a:extLst>
+          </p:cNvPr>
+          <p:cNvSpPr txBox="1"/>
+          <p:nvPr/>
+        </p:nvSpPr>
+        <p:spPr>
+          <a:xfrm>
+            <a:off x="1887734" y="16043329"/>
+            <a:ext cx="24173364" cy="7109639"/>
+          </a:xfrm>
+          <a:prstGeom prst="rect">
+            <a:avLst/>
+          </a:prstGeom>
+          <a:noFill/>
+          <a:ln>
+            <a:noFill/>
+          </a:ln>
+        </p:spPr>
+        <p:txBody>
+          <a:bodyPr wrap="square">
+            <a:spAutoFit/>
+          </a:bodyPr>
+          <a:lstStyle/>
+          <a:p>
+            <a:r>
+              <a:rPr lang="en-US" sz="2400" b="1" dirty="0"/>
+              <a:t>1) Data preparation</a:t>
+            </a:r>
+          </a:p>
+          <a:p>
+            <a:pPr marL="457200" indent="-457200">
+              <a:buFont typeface="Arial" panose="020B0604020202020204" pitchFamily="34" charset="0"/>
+              <a:buChar char="•"/>
+            </a:pPr>
+            <a:r>
+              <a:rPr lang="en-US" sz="2400" dirty="0"/>
+              <a:t>Data cleanup</a:t>
+            </a:r>
+          </a:p>
+          <a:p>
+            <a:pPr marL="457200" indent="-457200">
+              <a:buFont typeface="Arial" panose="020B0604020202020204" pitchFamily="34" charset="0"/>
+              <a:buChar char="•"/>
+            </a:pPr>
+            <a:r>
+              <a:rPr lang="en-US" sz="2400" dirty="0"/>
+              <a:t>“Rearrange and reorder the columns to their treatment, replicate and fraction”</a:t>
+            </a:r>
+          </a:p>
+          <a:p>
+            <a:pPr marL="457200" indent="-457200">
+              <a:buFont typeface="Arial" panose="020B0604020202020204" pitchFamily="34" charset="0"/>
+              <a:buChar char="•"/>
+            </a:pPr>
+            <a:r>
+              <a:rPr lang="en-US" sz="2400" dirty="0"/>
+              <a:t>Normalization</a:t>
+            </a:r>
+          </a:p>
+          <a:p>
+            <a:endParaRPr lang="en-US" sz="2400" b="1" dirty="0"/>
+          </a:p>
+          <a:p>
+            <a:r>
+              <a:rPr lang="de-DE" sz="2400" b="1" dirty="0"/>
+              <a:t>2) Data exploration</a:t>
+            </a:r>
+            <a:endParaRPr lang="de-DE" sz="2400" dirty="0"/>
+          </a:p>
+          <a:p>
+            <a:pPr marL="457200" indent="-457200">
+              <a:buFont typeface="Arial" panose="020B0604020202020204" pitchFamily="34" charset="0"/>
+              <a:buChar char="•"/>
+            </a:pPr>
+            <a:r>
+              <a:rPr lang="en-US" sz="2400" dirty="0"/>
+              <a:t> Identification of maxima and shoulders</a:t>
+            </a:r>
+          </a:p>
+          <a:p>
+            <a:pPr marL="457200" indent="-457200">
+              <a:buFont typeface="Arial" panose="020B0604020202020204" pitchFamily="34" charset="0"/>
+              <a:buChar char="•"/>
+            </a:pPr>
+            <a:r>
+              <a:rPr lang="en-US" sz="2400" dirty="0"/>
+              <a:t> </a:t>
+            </a:r>
+            <a:r>
+              <a:rPr lang="de-DE" sz="2400" dirty="0"/>
+              <a:t>Selection criteria</a:t>
+            </a:r>
+            <a:r>
+              <a:rPr lang="en-US" sz="2400" dirty="0"/>
+              <a:t> &amp; Wilcoxon Test </a:t>
+            </a:r>
+          </a:p>
+          <a:p>
+            <a:pPr marL="457200" indent="-457200">
+              <a:buFont typeface="Arial" panose="020B0604020202020204" pitchFamily="34" charset="0"/>
+              <a:buChar char="•"/>
+            </a:pPr>
+            <a:r>
+              <a:rPr lang="en-US" sz="2400" dirty="0"/>
+              <a:t>Visualization for the </a:t>
+            </a:r>
+            <a:r>
+              <a:rPr lang="de-DE" sz="2400" dirty="0"/>
+              <a:t>order of selection criteria</a:t>
+            </a:r>
+            <a:endParaRPr lang="en-US" sz="2400" dirty="0"/>
+          </a:p>
+          <a:p>
+            <a:pPr marL="457200" indent="-457200">
+              <a:buFont typeface="Arial" panose="020B0604020202020204" pitchFamily="34" charset="0"/>
+              <a:buChar char="•"/>
+            </a:pPr>
+            <a:r>
+              <a:rPr lang="en-US" sz="2400" dirty="0"/>
+              <a:t>Pie charts for selection results</a:t>
+            </a:r>
+          </a:p>
+          <a:p>
+            <a:endParaRPr lang="en-US" sz="2400" b="1" dirty="0"/>
+          </a:p>
+          <a:p>
+            <a:r>
+              <a:rPr lang="de-DE" sz="2400" b="1" dirty="0"/>
+              <a:t>3) Data reduction</a:t>
+            </a:r>
+          </a:p>
+          <a:p>
+            <a:pPr marL="457200" indent="-457200">
+              <a:buFont typeface="Arial" panose="020B0604020202020204" pitchFamily="34" charset="0"/>
+              <a:buChar char="•"/>
+            </a:pPr>
+            <a:r>
+              <a:rPr lang="de-DE" sz="2400" dirty="0"/>
+              <a:t>PCR </a:t>
+            </a:r>
+            <a:endParaRPr lang="en-US" sz="2400" dirty="0"/>
+          </a:p>
+          <a:p>
+            <a:pPr marL="457200" indent="-457200">
+              <a:buFont typeface="Arial" panose="020B0604020202020204" pitchFamily="34" charset="0"/>
+              <a:buChar char="•"/>
+            </a:pPr>
+            <a:r>
+              <a:rPr lang="en-US" sz="2400" dirty="0"/>
+              <a:t> k-means clustering</a:t>
+            </a:r>
+          </a:p>
+          <a:p>
+            <a:pPr marL="457200" indent="-457200">
+              <a:buFont typeface="Arial" panose="020B0604020202020204" pitchFamily="34" charset="0"/>
+              <a:buChar char="•"/>
+            </a:pPr>
+            <a:endParaRPr lang="en-US" sz="2400" dirty="0"/>
+          </a:p>
+          <a:p>
+            <a:r>
+              <a:rPr lang="de-DE" sz="2400" b="1" dirty="0"/>
+              <a:t>4) Data modelling</a:t>
+            </a:r>
+          </a:p>
+          <a:p>
+            <a:pPr marL="457200" indent="-457200">
+              <a:buFont typeface="Arial" panose="020B0604020202020204" pitchFamily="34" charset="0"/>
+              <a:buChar char="•"/>
+            </a:pPr>
+            <a:r>
+              <a:rPr lang="en-US" sz="2400" dirty="0"/>
+              <a:t> Linear Regression </a:t>
+            </a:r>
+            <a:endParaRPr lang="en-US" sz="2400" b="1" dirty="0"/>
+          </a:p>
+          <a:p>
+            <a:endParaRPr lang="en-US" sz="2400" b="1" dirty="0"/>
+          </a:p>
+          <a:p>
+            <a:endParaRPr lang="en-US" sz="2400" b="1" dirty="0"/>
+          </a:p>
+        </p:txBody>
+      </p:sp>
+      <p:sp>
+        <p:nvSpPr>
+          <p:cNvPr id="5" name="TextBox 4">
+            <a:extLst>
+              <a:ext uri="{FF2B5EF4-FFF2-40B4-BE49-F238E27FC236}">
+                <a16:creationId xmlns:a16="http://schemas.microsoft.com/office/drawing/2014/main" id="{D2A96327-E157-BE23-8869-12D8D7B9EDBD}"/>
+              </a:ext>
+            </a:extLst>
+          </p:cNvPr>
+          <p:cNvSpPr txBox="1"/>
+          <p:nvPr/>
+        </p:nvSpPr>
+        <p:spPr>
+          <a:xfrm>
+            <a:off x="1253554" y="29923970"/>
+            <a:ext cx="11401261" cy="11172289"/>
+          </a:xfrm>
+          <a:prstGeom prst="rect">
+            <a:avLst/>
+          </a:prstGeom>
+          <a:noFill/>
+          <a:ln>
+            <a:noFill/>
+          </a:ln>
+        </p:spPr>
+        <p:txBody>
+          <a:bodyPr wrap="square">
+            <a:spAutoFit/>
+          </a:bodyPr>
+          <a:lstStyle/>
+          <a:p>
+            <a:pPr marL="457200" indent="-457200">
+              <a:buFont typeface="Arial" panose="020B0604020202020204" pitchFamily="34" charset="0"/>
+              <a:buChar char="•"/>
+            </a:pPr>
+            <a:r>
+              <a:rPr lang="en-US" sz="2400" dirty="0"/>
+              <a:t>Critical review of our own results and methods (e.g., Selection criteria made us delete some RBPs. Why? What were their properties?)</a:t>
+            </a:r>
+          </a:p>
+          <a:p>
+            <a:pPr marL="457200" indent="-457200">
+              <a:buFont typeface="Arial" panose="020B0604020202020204" pitchFamily="34" charset="0"/>
+              <a:buChar char="•"/>
+            </a:pPr>
+            <a:r>
+              <a:rPr lang="en-US" sz="2400" dirty="0"/>
+              <a:t>Why do we find fewer proteins than </a:t>
+            </a:r>
+            <a:r>
+              <a:rPr lang="en-US" sz="2400" dirty="0" err="1"/>
+              <a:t>Maïwen</a:t>
+            </a:r>
+            <a:r>
+              <a:rPr lang="en-US" sz="2400" dirty="0"/>
+              <a:t>? </a:t>
+            </a:r>
+          </a:p>
+          <a:p>
+            <a:pPr marL="457200" indent="-457200">
+              <a:buFont typeface="Arial" panose="020B0604020202020204" pitchFamily="34" charset="0"/>
+              <a:buChar char="•"/>
+            </a:pPr>
+            <a:endParaRPr lang="en-US" sz="2400" dirty="0"/>
+          </a:p>
+          <a:p>
+            <a:pPr marL="457200" indent="-457200">
+              <a:buFont typeface="Arial" panose="020B0604020202020204" pitchFamily="34" charset="0"/>
+              <a:buChar char="•"/>
+            </a:pPr>
+            <a:endParaRPr lang="en-US" sz="2400" dirty="0"/>
+          </a:p>
+          <a:p>
+            <a:pPr marL="457200" indent="-457200">
+              <a:buFont typeface="Arial" panose="020B0604020202020204" pitchFamily="34" charset="0"/>
+              <a:buChar char="•"/>
+            </a:pPr>
+            <a:endParaRPr lang="en-US" sz="2400" dirty="0"/>
+          </a:p>
+          <a:p>
+            <a:pPr marL="457200" indent="-457200">
+              <a:buFont typeface="Arial" panose="020B0604020202020204" pitchFamily="34" charset="0"/>
+              <a:buChar char="•"/>
+            </a:pPr>
+            <a:endParaRPr lang="en-US" sz="2400" dirty="0"/>
+          </a:p>
+          <a:p>
+            <a:pPr marL="457200" indent="-457200">
+              <a:buFont typeface="Arial" panose="020B0604020202020204" pitchFamily="34" charset="0"/>
+              <a:buChar char="•"/>
+            </a:pPr>
+            <a:endParaRPr lang="en-US" sz="2400" dirty="0"/>
+          </a:p>
+          <a:p>
+            <a:pPr marL="457200" indent="-457200">
+              <a:buFont typeface="Arial" panose="020B0604020202020204" pitchFamily="34" charset="0"/>
+              <a:buChar char="•"/>
+            </a:pPr>
+            <a:endParaRPr lang="en-US" sz="2400" dirty="0"/>
+          </a:p>
+          <a:p>
+            <a:pPr marL="457200" indent="-457200">
+              <a:buFont typeface="Arial" panose="020B0604020202020204" pitchFamily="34" charset="0"/>
+              <a:buChar char="•"/>
+            </a:pPr>
+            <a:endParaRPr lang="en-US" sz="2400" dirty="0"/>
+          </a:p>
+          <a:p>
+            <a:pPr marL="457200" indent="-457200">
+              <a:buFont typeface="Arial" panose="020B0604020202020204" pitchFamily="34" charset="0"/>
+              <a:buChar char="•"/>
+            </a:pPr>
+            <a:endParaRPr lang="en-US" sz="2400" dirty="0"/>
+          </a:p>
+          <a:p>
+            <a:pPr marL="457200" indent="-457200">
+              <a:buFont typeface="Arial" panose="020B0604020202020204" pitchFamily="34" charset="0"/>
+              <a:buChar char="•"/>
+            </a:pPr>
+            <a:endParaRPr lang="en-US" sz="2400" dirty="0"/>
+          </a:p>
+          <a:p>
+            <a:pPr marL="457200" indent="-457200">
+              <a:buFont typeface="Arial" panose="020B0604020202020204" pitchFamily="34" charset="0"/>
+              <a:buChar char="•"/>
+            </a:pPr>
+            <a:endParaRPr lang="en-US" sz="2400" dirty="0"/>
+          </a:p>
+          <a:p>
+            <a:pPr marL="457200" indent="-457200">
+              <a:buFont typeface="Arial" panose="020B0604020202020204" pitchFamily="34" charset="0"/>
+              <a:buChar char="•"/>
+            </a:pPr>
+            <a:endParaRPr lang="en-US" sz="2400" dirty="0"/>
+          </a:p>
+          <a:p>
+            <a:pPr marL="457200" indent="-457200">
+              <a:buFont typeface="Arial" panose="020B0604020202020204" pitchFamily="34" charset="0"/>
+              <a:buChar char="•"/>
+            </a:pPr>
+            <a:endParaRPr lang="en-US" sz="2400" dirty="0"/>
+          </a:p>
+          <a:p>
+            <a:pPr marL="457200" indent="-457200">
+              <a:buFont typeface="Arial" panose="020B0604020202020204" pitchFamily="34" charset="0"/>
+              <a:buChar char="•"/>
+            </a:pPr>
+            <a:endParaRPr lang="en-US" sz="2400" dirty="0"/>
+          </a:p>
+          <a:p>
+            <a:pPr marL="457200" indent="-457200">
+              <a:buFont typeface="Arial" panose="020B0604020202020204" pitchFamily="34" charset="0"/>
+              <a:buChar char="•"/>
+            </a:pPr>
+            <a:endParaRPr lang="en-US" sz="2400" dirty="0"/>
+          </a:p>
+          <a:p>
+            <a:pPr marL="457200" indent="-457200">
+              <a:buFont typeface="Arial" panose="020B0604020202020204" pitchFamily="34" charset="0"/>
+              <a:buChar char="•"/>
+            </a:pPr>
+            <a:endParaRPr lang="en-US" sz="2400" dirty="0"/>
+          </a:p>
+          <a:p>
+            <a:pPr marL="457200" indent="-457200">
+              <a:buFont typeface="Arial" panose="020B0604020202020204" pitchFamily="34" charset="0"/>
+              <a:buChar char="•"/>
+            </a:pPr>
+            <a:endParaRPr lang="en-US" sz="2400" dirty="0"/>
+          </a:p>
+          <a:p>
+            <a:pPr marL="457200" indent="-457200">
+              <a:buFont typeface="Arial" panose="020B0604020202020204" pitchFamily="34" charset="0"/>
+              <a:buChar char="•"/>
+            </a:pPr>
+            <a:endParaRPr lang="en-US" sz="2400" dirty="0"/>
+          </a:p>
+          <a:p>
+            <a:pPr marL="457200" indent="-457200">
+              <a:buFont typeface="Arial" panose="020B0604020202020204" pitchFamily="34" charset="0"/>
+              <a:buChar char="•"/>
+            </a:pPr>
+            <a:endParaRPr lang="en-US" sz="2400" dirty="0"/>
+          </a:p>
+          <a:p>
+            <a:pPr marL="457200" indent="-457200">
+              <a:buFont typeface="Arial" panose="020B0604020202020204" pitchFamily="34" charset="0"/>
+              <a:buChar char="•"/>
+            </a:pPr>
+            <a:endParaRPr lang="en-US" sz="2400" dirty="0"/>
+          </a:p>
+          <a:p>
+            <a:pPr marL="457200" indent="-457200">
+              <a:buFont typeface="Arial" panose="020B0604020202020204" pitchFamily="34" charset="0"/>
+              <a:buChar char="•"/>
+            </a:pPr>
+            <a:endParaRPr lang="en-US" sz="2400" dirty="0"/>
+          </a:p>
+          <a:p>
+            <a:pPr marL="457200" indent="-457200">
+              <a:buFont typeface="Arial" panose="020B0604020202020204" pitchFamily="34" charset="0"/>
+              <a:buChar char="•"/>
+            </a:pPr>
+            <a:endParaRPr lang="en-US" sz="2400" dirty="0"/>
+          </a:p>
+          <a:p>
+            <a:pPr marL="457200" indent="-457200">
+              <a:buFont typeface="Arial" panose="020B0604020202020204" pitchFamily="34" charset="0"/>
+              <a:buChar char="•"/>
+            </a:pPr>
+            <a:endParaRPr lang="en-US" sz="2400" dirty="0"/>
+          </a:p>
+          <a:p>
+            <a:pPr marL="457200" indent="-457200">
+              <a:buFont typeface="Arial" panose="020B0604020202020204" pitchFamily="34" charset="0"/>
+              <a:buChar char="•"/>
+            </a:pPr>
+            <a:endParaRPr lang="en-US" sz="2400" dirty="0"/>
+          </a:p>
+          <a:p>
+            <a:pPr marL="457200" indent="-457200">
+              <a:buFont typeface="Arial" panose="020B0604020202020204" pitchFamily="34" charset="0"/>
+              <a:buChar char="•"/>
+            </a:pPr>
+            <a:endParaRPr lang="en-US" sz="2400" dirty="0"/>
+          </a:p>
+          <a:p>
+            <a:pPr marL="457200" indent="-457200">
+              <a:buFont typeface="Arial" panose="020B0604020202020204" pitchFamily="34" charset="0"/>
+              <a:buChar char="•"/>
+            </a:pPr>
+            <a:endParaRPr lang="en-US" sz="2400" dirty="0"/>
+          </a:p>
+          <a:p>
+            <a:pPr marL="457200" indent="-457200">
+              <a:buFont typeface="Arial" panose="020B0604020202020204" pitchFamily="34" charset="0"/>
+              <a:buChar char="•"/>
+            </a:pPr>
+            <a:endParaRPr lang="en-US" sz="2400" dirty="0"/>
+          </a:p>
+          <a:p>
+            <a:endParaRPr lang="en-US" sz="2400" b="1" dirty="0"/>
+          </a:p>
+        </p:txBody>
+      </p:sp>
+      <p:sp>
+        <p:nvSpPr>
+          <p:cNvPr id="6" name="TextBox 5">
+            <a:extLst>
+              <a:ext uri="{FF2B5EF4-FFF2-40B4-BE49-F238E27FC236}">
+                <a16:creationId xmlns:a16="http://schemas.microsoft.com/office/drawing/2014/main" id="{F62511C7-BFF5-8CA3-7B15-86745EEB17A6}"/>
+              </a:ext>
+            </a:extLst>
+          </p:cNvPr>
+          <p:cNvSpPr txBox="1"/>
+          <p:nvPr/>
+        </p:nvSpPr>
+        <p:spPr>
+          <a:xfrm>
+            <a:off x="16242587" y="37886105"/>
+            <a:ext cx="5093413" cy="1569660"/>
+          </a:xfrm>
+          <a:prstGeom prst="rect">
+            <a:avLst/>
+          </a:prstGeom>
+          <a:noFill/>
+          <a:ln>
+            <a:noFill/>
+          </a:ln>
+        </p:spPr>
+        <p:txBody>
+          <a:bodyPr wrap="square">
+            <a:spAutoFit/>
+          </a:bodyPr>
+          <a:lstStyle/>
+          <a:p>
+            <a:pPr marL="457200" indent="-457200">
+              <a:buFont typeface="Arial" panose="020B0604020202020204" pitchFamily="34" charset="0"/>
+              <a:buChar char="•"/>
+            </a:pPr>
+            <a:endParaRPr lang="en-US" sz="2400" dirty="0"/>
+          </a:p>
+          <a:p>
+            <a:pPr marL="457200" indent="-457200">
+              <a:buFont typeface="Arial" panose="020B0604020202020204" pitchFamily="34" charset="0"/>
+              <a:buChar char="•"/>
+            </a:pPr>
+            <a:r>
+              <a:rPr lang="en-US" sz="2400" dirty="0"/>
+              <a:t>https://de.wikipedia.org/wiki/Eigentliche_Schnepfen</a:t>
+            </a:r>
+          </a:p>
+          <a:p>
+            <a:pPr marL="457200" indent="-457200">
+              <a:buFont typeface="Arial" panose="020B0604020202020204" pitchFamily="34" charset="0"/>
+              <a:buChar char="•"/>
+            </a:pPr>
+            <a:endParaRPr lang="en-US" sz="2400" dirty="0"/>
+          </a:p>
+        </p:txBody>
+      </p:sp>
+      <p:sp>
+        <p:nvSpPr>
+          <p:cNvPr id="7" name="TextBox 6">
+            <a:extLst>
+              <a:ext uri="{FF2B5EF4-FFF2-40B4-BE49-F238E27FC236}">
+                <a16:creationId xmlns:a16="http://schemas.microsoft.com/office/drawing/2014/main" id="{D2D0B188-3BEA-8240-04F4-2529E568A11A}"/>
+              </a:ext>
+            </a:extLst>
+          </p:cNvPr>
+          <p:cNvSpPr txBox="1"/>
+          <p:nvPr/>
+        </p:nvSpPr>
+        <p:spPr>
+          <a:xfrm>
+            <a:off x="16242587" y="29724016"/>
+            <a:ext cx="8291810" cy="1200329"/>
+          </a:xfrm>
+          <a:prstGeom prst="rect">
+            <a:avLst/>
+          </a:prstGeom>
+          <a:noFill/>
+          <a:ln>
+            <a:noFill/>
+          </a:ln>
+        </p:spPr>
+        <p:txBody>
+          <a:bodyPr wrap="square">
+            <a:spAutoFit/>
+          </a:bodyPr>
+          <a:lstStyle/>
+          <a:p>
+            <a:pPr marL="457200" indent="-457200">
+              <a:buFont typeface="Arial" panose="020B0604020202020204" pitchFamily="34" charset="0"/>
+              <a:buChar char="•"/>
+            </a:pPr>
+            <a:r>
+              <a:rPr lang="de-DE" sz="2400" dirty="0"/>
+              <a:t>We found X proteins that ...</a:t>
+            </a:r>
+          </a:p>
+          <a:p>
+            <a:pPr marL="457200" indent="-457200">
+              <a:buFont typeface="Arial" panose="020B0604020202020204" pitchFamily="34" charset="0"/>
+              <a:buChar char="•"/>
+            </a:pPr>
+            <a:endParaRPr lang="de-DE" sz="2400" dirty="0"/>
+          </a:p>
+          <a:p>
+            <a:endParaRPr lang="en-US" sz="2400" b="1" dirty="0"/>
+          </a:p>
+        </p:txBody>
+      </p:sp>
+      <p:sp>
+        <p:nvSpPr>
+          <p:cNvPr id="24" name="Rectangle: Rounded Corners 23">
+            <a:extLst>
+              <a:ext uri="{FF2B5EF4-FFF2-40B4-BE49-F238E27FC236}">
+                <a16:creationId xmlns:a16="http://schemas.microsoft.com/office/drawing/2014/main" id="{4A270B3D-50D8-B4D7-3729-E6C5AC5D10DD}"/>
               </a:ext>
             </a:extLst>
           </p:cNvPr>
@@ -9882,21 +12292,19 @@
         </p:nvSpPr>
         <p:spPr>
           <a:xfrm>
-            <a:off x="619433" y="12816304"/>
-            <a:ext cx="29054323" cy="13032673"/>
+            <a:off x="619433" y="6354751"/>
+            <a:ext cx="29036347" cy="1430255"/>
           </a:xfrm>
           <a:prstGeom prst="roundRect">
             <a:avLst>
-              <a:gd name="adj" fmla="val 1883"/>
+              <a:gd name="adj" fmla="val 0"/>
             </a:avLst>
           </a:prstGeom>
           <a:solidFill>
-            <a:schemeClr val="bg1"/>
+            <a:srgbClr val="221B36"/>
           </a:solidFill>
-          <a:ln w="254000">
-            <a:solidFill>
-              <a:srgbClr val="B57F56"/>
-            </a:solidFill>
+          <a:ln>
+            <a:noFill/>
           </a:ln>
         </p:spPr>
         <p:style>
@@ -9919,17 +12327,109 @@
           <a:bodyPr rtlCol="0" anchor="ctr"/>
           <a:lstStyle/>
           <a:p>
+            <a:r>
+              <a:rPr lang="en-US" sz="6000" b="1" dirty="0"/>
+              <a:t>                   Identifying RNA-Dependent Proteins from Proteomic Data</a:t>
+            </a:r>
+            <a:endParaRPr lang="en-US" sz="1500" b="1" dirty="0"/>
+          </a:p>
+          <a:p>
             <a:pPr algn="ctr"/>
-            <a:endParaRPr lang="de-DE" dirty="0"/>
-          </a:p>
-        </p:txBody>
-      </p:sp>
-      <p:sp>
-        <p:nvSpPr>
-          <p:cNvPr id="14" name="Rectangle: Rounded Corners 13">
-            <a:extLst>
-              <a:ext uri="{FF2B5EF4-FFF2-40B4-BE49-F238E27FC236}">
-                <a16:creationId xmlns:a16="http://schemas.microsoft.com/office/drawing/2014/main" id="{18909301-6170-5D41-E3F1-724312B21968}"/>
+            <a:endParaRPr lang="en-US" sz="1000" b="1" dirty="0"/>
+          </a:p>
+        </p:txBody>
+      </p:sp>
+      <p:sp>
+        <p:nvSpPr>
+          <p:cNvPr id="25" name="TextBox 24">
+            <a:extLst>
+              <a:ext uri="{FF2B5EF4-FFF2-40B4-BE49-F238E27FC236}">
+                <a16:creationId xmlns:a16="http://schemas.microsoft.com/office/drawing/2014/main" id="{4AD0CA96-CD7B-3DD5-133A-7554EA596689}"/>
+              </a:ext>
+            </a:extLst>
+          </p:cNvPr>
+          <p:cNvSpPr txBox="1"/>
+          <p:nvPr/>
+        </p:nvSpPr>
+        <p:spPr>
+          <a:xfrm>
+            <a:off x="15164570" y="8328936"/>
+            <a:ext cx="13893040" cy="2308324"/>
+          </a:xfrm>
+          <a:prstGeom prst="rect">
+            <a:avLst/>
+          </a:prstGeom>
+          <a:noFill/>
+          <a:ln>
+            <a:noFill/>
+          </a:ln>
+        </p:spPr>
+        <p:txBody>
+          <a:bodyPr wrap="square">
+            <a:spAutoFit/>
+          </a:bodyPr>
+          <a:lstStyle/>
+          <a:p>
+            <a:r>
+              <a:rPr lang="en-US" sz="2400" b="1" dirty="0"/>
+              <a:t>Key Characteristics of Our Dataset</a:t>
+            </a:r>
+            <a:endParaRPr lang="de-DE" sz="2400" b="1" dirty="0"/>
+          </a:p>
+          <a:p>
+            <a:pPr marL="457200" indent="-457200">
+              <a:buFont typeface="Arial" panose="020B0604020202020204" pitchFamily="34" charset="0"/>
+              <a:buChar char="•"/>
+            </a:pPr>
+            <a:r>
+              <a:rPr lang="en-US" sz="2400" dirty="0"/>
+              <a:t>Our dataset was generated using the R-Deep approach</a:t>
+            </a:r>
+          </a:p>
+          <a:p>
+            <a:pPr marL="457200" indent="-457200">
+              <a:buFont typeface="Arial" panose="020B0604020202020204" pitchFamily="34" charset="0"/>
+              <a:buChar char="•"/>
+            </a:pPr>
+            <a:r>
+              <a:rPr lang="de-DE" sz="2400" dirty="0"/>
+              <a:t>~5000 Proteine in 25 Fraktionen, Rnase vs. CTRL</a:t>
+            </a:r>
+            <a:endParaRPr lang="en-US" sz="2400" dirty="0"/>
+          </a:p>
+          <a:p>
+            <a:pPr marL="457200" indent="-457200">
+              <a:buFont typeface="Arial" panose="020B0604020202020204" pitchFamily="34" charset="0"/>
+              <a:buChar char="•"/>
+            </a:pPr>
+            <a:r>
+              <a:rPr lang="en-US" sz="2400" dirty="0"/>
+              <a:t>Dimensions</a:t>
+            </a:r>
+            <a:endParaRPr lang="en-US" sz="2400" b="1" dirty="0"/>
+          </a:p>
+          <a:p>
+            <a:pPr marL="457200" indent="-457200">
+              <a:buFont typeface="Arial" panose="020B0604020202020204" pitchFamily="34" charset="0"/>
+              <a:buChar char="•"/>
+            </a:pPr>
+            <a:endParaRPr lang="de-DE" sz="2400" dirty="0"/>
+          </a:p>
+          <a:p>
+            <a:pPr marL="457200" indent="-457200">
+              <a:buFont typeface="Arial" panose="020B0604020202020204" pitchFamily="34" charset="0"/>
+              <a:buChar char="•"/>
+            </a:pPr>
+            <a:endParaRPr lang="de-DE" sz="2400" dirty="0"/>
+          </a:p>
+        </p:txBody>
+      </p:sp>
+      <p:sp>
+        <p:nvSpPr>
+          <p:cNvPr id="27" name="Rectangle: Rounded Corners 26">
+            <a:extLst>
+              <a:ext uri="{FF2B5EF4-FFF2-40B4-BE49-F238E27FC236}">
+                <a16:creationId xmlns:a16="http://schemas.microsoft.com/office/drawing/2014/main" id="{040957F8-88B8-9A14-2992-8A0986294EDA}"/>
               </a:ext>
             </a:extLst>
           </p:cNvPr>
@@ -9938,21 +12438,19 @@
         </p:nvSpPr>
         <p:spPr>
           <a:xfrm>
-            <a:off x="619433" y="5268902"/>
-            <a:ext cx="29054323" cy="6831954"/>
+            <a:off x="668635" y="13907015"/>
+            <a:ext cx="28937944" cy="1430255"/>
           </a:xfrm>
           <a:prstGeom prst="roundRect">
             <a:avLst>
-              <a:gd name="adj" fmla="val 4408"/>
+              <a:gd name="adj" fmla="val 0"/>
             </a:avLst>
           </a:prstGeom>
           <a:solidFill>
-            <a:schemeClr val="bg1"/>
+            <a:srgbClr val="2C3747"/>
           </a:solidFill>
-          <a:ln w="254000">
-            <a:solidFill>
-              <a:srgbClr val="E7945E"/>
-            </a:solidFill>
+          <a:ln>
+            <a:noFill/>
           </a:ln>
         </p:spPr>
         <p:style>
@@ -9972,748 +12470,48 @@
           </a:fontRef>
         </p:style>
         <p:txBody>
-          <a:bodyPr numCol="1" rtlCol="0" anchor="ctr"/>
-          <a:lstStyle/>
+          <a:bodyPr rtlCol="0" anchor="ctr"/>
+          <a:lstStyle/>
+          <a:p>
+            <a:r>
+              <a:rPr lang="en-US" sz="6000" b="1" dirty="0"/>
+              <a:t>                  Our Approach</a:t>
+            </a:r>
+            <a:endParaRPr lang="en-US" sz="1500" b="1" dirty="0"/>
+          </a:p>
           <a:p>
             <a:pPr algn="ctr"/>
-            <a:r>
-              <a:rPr lang="de-DE" dirty="0"/>
-              <a:t> </a:t>
-            </a:r>
-          </a:p>
-        </p:txBody>
-      </p:sp>
-      <p:sp>
-        <p:nvSpPr>
-          <p:cNvPr id="20" name="TextBox 19">
-            <a:extLst>
-              <a:ext uri="{FF2B5EF4-FFF2-40B4-BE49-F238E27FC236}">
-                <a16:creationId xmlns:a16="http://schemas.microsoft.com/office/drawing/2014/main" id="{CEEFBC22-6DEF-0FB9-C0AE-21A162275454}"/>
-              </a:ext>
-            </a:extLst>
-          </p:cNvPr>
-          <p:cNvSpPr txBox="1"/>
+            <a:endParaRPr lang="en-US" sz="1000" b="1" dirty="0"/>
+          </a:p>
+        </p:txBody>
+      </p:sp>
+      <p:sp>
+        <p:nvSpPr>
+          <p:cNvPr id="28" name="Rectangle: Rounded Corners 27">
+            <a:extLst>
+              <a:ext uri="{FF2B5EF4-FFF2-40B4-BE49-F238E27FC236}">
+                <a16:creationId xmlns:a16="http://schemas.microsoft.com/office/drawing/2014/main" id="{7A6435AF-DD15-B0F8-5814-F778CB4B7FD9}"/>
+              </a:ext>
+            </a:extLst>
+          </p:cNvPr>
+          <p:cNvSpPr/>
           <p:nvPr/>
         </p:nvSpPr>
         <p:spPr>
           <a:xfrm>
-            <a:off x="1253554" y="7243086"/>
-            <a:ext cx="13893040" cy="4524315"/>
-          </a:xfrm>
-          <a:prstGeom prst="rect">
-            <a:avLst/>
-          </a:prstGeom>
-          <a:noFill/>
+            <a:off x="668636" y="27643718"/>
+            <a:ext cx="14468970" cy="1430255"/>
+          </a:xfrm>
+          <a:prstGeom prst="roundRect">
+            <a:avLst>
+              <a:gd name="adj" fmla="val 10312"/>
+            </a:avLst>
+          </a:prstGeom>
+          <a:solidFill>
+            <a:srgbClr val="3B5E60"/>
+          </a:solidFill>
           <a:ln>
             <a:noFill/>
-          </a:ln>
-        </p:spPr>
-        <p:txBody>
-          <a:bodyPr wrap="square">
-            <a:spAutoFit/>
-          </a:bodyPr>
-          <a:lstStyle/>
-          <a:p>
-            <a:r>
-              <a:rPr lang="en-US" sz="2400" b="1" dirty="0"/>
-              <a:t>  </a:t>
-            </a:r>
-            <a:endParaRPr lang="en-US" sz="2400" dirty="0"/>
-          </a:p>
-          <a:p>
-            <a:pPr marL="457200" indent="-457200">
-              <a:buFont typeface="Arial" panose="020B0604020202020204" pitchFamily="34" charset="0"/>
-              <a:buChar char="•"/>
-            </a:pPr>
-            <a:r>
-              <a:rPr lang="de-DE" sz="2400" dirty="0"/>
-              <a:t>„We want to </a:t>
-            </a:r>
-            <a:r>
-              <a:rPr lang="en-US" sz="2400" dirty="0"/>
-              <a:t>extract RNA-dependent proteins from proteomic screens”</a:t>
-            </a:r>
-            <a:endParaRPr lang="de-DE" sz="2400" dirty="0"/>
-          </a:p>
-          <a:p>
-            <a:pPr marL="457200" indent="-457200">
-              <a:buFont typeface="Arial" panose="020B0604020202020204" pitchFamily="34" charset="0"/>
-              <a:buChar char="•"/>
-            </a:pPr>
-            <a:r>
-              <a:rPr lang="de-DE" sz="2400" dirty="0"/>
-              <a:t>„RNA-dependency = the proteins interactome depends on RNA“</a:t>
-            </a:r>
-          </a:p>
-          <a:p>
-            <a:endParaRPr lang="en-US" sz="2400" b="1" dirty="0"/>
-          </a:p>
-          <a:p>
-            <a:r>
-              <a:rPr lang="en-US" sz="2400" b="1" dirty="0"/>
-              <a:t>What Makes RNA-Dependent Proteins Worth Investigating?</a:t>
-            </a:r>
-          </a:p>
-          <a:p>
-            <a:pPr marL="457200" indent="-457200">
-              <a:buFont typeface="Arial" panose="020B0604020202020204" pitchFamily="34" charset="0"/>
-              <a:buChar char="•"/>
-            </a:pPr>
-            <a:r>
-              <a:rPr lang="de-DE" sz="2400" b="1" dirty="0"/>
-              <a:t>Key Regulators:</a:t>
-            </a:r>
-            <a:r>
-              <a:rPr lang="de-DE" sz="2400" dirty="0"/>
-              <a:t> RBPs control RNA metabolism &amp; gene expression.</a:t>
-            </a:r>
-          </a:p>
-          <a:p>
-            <a:pPr marL="457200" indent="-457200">
-              <a:buFont typeface="Arial" panose="020B0604020202020204" pitchFamily="34" charset="0"/>
-              <a:buChar char="•"/>
-            </a:pPr>
-            <a:r>
-              <a:rPr lang="de-DE" sz="2400" b="1" dirty="0"/>
-              <a:t>Disease Links:</a:t>
-            </a:r>
-            <a:r>
-              <a:rPr lang="de-DE" sz="2400" dirty="0"/>
-              <a:t> Misregulation is tied to cancer &amp; neurodegeneration.</a:t>
-            </a:r>
-          </a:p>
-          <a:p>
-            <a:pPr marL="457200" indent="-457200">
-              <a:buFont typeface="Arial" panose="020B0604020202020204" pitchFamily="34" charset="0"/>
-              <a:buChar char="•"/>
-            </a:pPr>
-            <a:r>
-              <a:rPr lang="de-DE" sz="2400" b="1" dirty="0"/>
-              <a:t>Functional Clues:</a:t>
-            </a:r>
-            <a:r>
-              <a:rPr lang="de-DE" sz="2400" dirty="0"/>
-              <a:t> New RBPs hint at RNA’s role in specific pathways.</a:t>
-            </a:r>
-          </a:p>
-          <a:p>
-            <a:pPr marL="457200" indent="-457200">
-              <a:buFont typeface="Arial" panose="020B0604020202020204" pitchFamily="34" charset="0"/>
-              <a:buChar char="•"/>
-            </a:pPr>
-            <a:r>
-              <a:rPr lang="de-DE" sz="2400" b="1" dirty="0"/>
-              <a:t>Interaction Networks:</a:t>
-            </a:r>
-            <a:r>
-              <a:rPr lang="de-DE" sz="2400" dirty="0"/>
-              <a:t> Mapping RNA-protein complexes reveals regulatory logic. </a:t>
-            </a:r>
-          </a:p>
-          <a:p>
-            <a:pPr marL="457200" indent="-457200">
-              <a:buFont typeface="Arial" panose="020B0604020202020204" pitchFamily="34" charset="0"/>
-              <a:buChar char="•"/>
-            </a:pPr>
-            <a:r>
-              <a:rPr lang="de-DE" sz="2400" b="1" dirty="0"/>
-              <a:t>Molecular Insights:</a:t>
-            </a:r>
-            <a:r>
-              <a:rPr lang="de-DE" sz="2400" dirty="0"/>
-              <a:t> Deepens our understanding of cell cycle and cellular behavior. </a:t>
-            </a:r>
-            <a:endParaRPr lang="en-US" sz="2400" b="1" dirty="0"/>
-          </a:p>
-          <a:p>
-            <a:pPr marL="457200" indent="-457200">
-              <a:buFont typeface="Arial" panose="020B0604020202020204" pitchFamily="34" charset="0"/>
-              <a:buChar char="•"/>
-            </a:pPr>
-            <a:endParaRPr lang="de-DE" sz="2400" dirty="0"/>
-          </a:p>
-          <a:p>
-            <a:pPr marL="457200" indent="-457200">
-              <a:buFont typeface="Arial" panose="020B0604020202020204" pitchFamily="34" charset="0"/>
-              <a:buChar char="•"/>
-            </a:pPr>
-            <a:endParaRPr lang="de-DE" sz="2400" dirty="0"/>
-          </a:p>
-        </p:txBody>
-      </p:sp>
-      <p:sp>
-        <p:nvSpPr>
-          <p:cNvPr id="3" name="TextBox 2">
-            <a:extLst>
-              <a:ext uri="{FF2B5EF4-FFF2-40B4-BE49-F238E27FC236}">
-                <a16:creationId xmlns:a16="http://schemas.microsoft.com/office/drawing/2014/main" id="{241EEAF9-E58A-617D-30EE-1E7290AB64BE}"/>
-              </a:ext>
-            </a:extLst>
-          </p:cNvPr>
-          <p:cNvSpPr txBox="1"/>
-          <p:nvPr/>
-        </p:nvSpPr>
-        <p:spPr>
-          <a:xfrm>
-            <a:off x="1887734" y="14957479"/>
-            <a:ext cx="24173364" cy="7109639"/>
-          </a:xfrm>
-          <a:prstGeom prst="rect">
-            <a:avLst/>
-          </a:prstGeom>
-          <a:noFill/>
-          <a:ln>
-            <a:noFill/>
-          </a:ln>
-        </p:spPr>
-        <p:txBody>
-          <a:bodyPr wrap="square">
-            <a:spAutoFit/>
-          </a:bodyPr>
-          <a:lstStyle/>
-          <a:p>
-            <a:r>
-              <a:rPr lang="en-US" sz="2400" b="1" dirty="0"/>
-              <a:t>1) Data preparation</a:t>
-            </a:r>
-          </a:p>
-          <a:p>
-            <a:pPr marL="457200" indent="-457200">
-              <a:buFont typeface="Arial" panose="020B0604020202020204" pitchFamily="34" charset="0"/>
-              <a:buChar char="•"/>
-            </a:pPr>
-            <a:r>
-              <a:rPr lang="en-US" sz="2400" dirty="0"/>
-              <a:t>Data cleanup</a:t>
-            </a:r>
-          </a:p>
-          <a:p>
-            <a:pPr marL="457200" indent="-457200">
-              <a:buFont typeface="Arial" panose="020B0604020202020204" pitchFamily="34" charset="0"/>
-              <a:buChar char="•"/>
-            </a:pPr>
-            <a:r>
-              <a:rPr lang="en-US" sz="2400" dirty="0"/>
-              <a:t>“Rearrange and reorder the columns to their treatment, replicate and fraction”</a:t>
-            </a:r>
-          </a:p>
-          <a:p>
-            <a:pPr marL="457200" indent="-457200">
-              <a:buFont typeface="Arial" panose="020B0604020202020204" pitchFamily="34" charset="0"/>
-              <a:buChar char="•"/>
-            </a:pPr>
-            <a:r>
-              <a:rPr lang="en-US" sz="2400" dirty="0"/>
-              <a:t>Normalization</a:t>
-            </a:r>
-          </a:p>
-          <a:p>
-            <a:endParaRPr lang="en-US" sz="2400" b="1" dirty="0"/>
-          </a:p>
-          <a:p>
-            <a:r>
-              <a:rPr lang="de-DE" sz="2400" b="1" dirty="0"/>
-              <a:t>2) Data exploration</a:t>
-            </a:r>
-            <a:endParaRPr lang="de-DE" sz="2400" dirty="0"/>
-          </a:p>
-          <a:p>
-            <a:pPr marL="457200" indent="-457200">
-              <a:buFont typeface="Arial" panose="020B0604020202020204" pitchFamily="34" charset="0"/>
-              <a:buChar char="•"/>
-            </a:pPr>
-            <a:r>
-              <a:rPr lang="en-US" sz="2400" dirty="0"/>
-              <a:t> Identification of maxima and shoulders</a:t>
-            </a:r>
-          </a:p>
-          <a:p>
-            <a:pPr marL="457200" indent="-457200">
-              <a:buFont typeface="Arial" panose="020B0604020202020204" pitchFamily="34" charset="0"/>
-              <a:buChar char="•"/>
-            </a:pPr>
-            <a:r>
-              <a:rPr lang="en-US" sz="2400" dirty="0"/>
-              <a:t> </a:t>
-            </a:r>
-            <a:r>
-              <a:rPr lang="de-DE" sz="2400" dirty="0"/>
-              <a:t>Selection criteria</a:t>
-            </a:r>
-            <a:r>
-              <a:rPr lang="en-US" sz="2400" dirty="0"/>
-              <a:t> &amp; Wilcoxon Test </a:t>
-            </a:r>
-          </a:p>
-          <a:p>
-            <a:pPr marL="457200" indent="-457200">
-              <a:buFont typeface="Arial" panose="020B0604020202020204" pitchFamily="34" charset="0"/>
-              <a:buChar char="•"/>
-            </a:pPr>
-            <a:r>
-              <a:rPr lang="en-US" sz="2400" dirty="0"/>
-              <a:t>Visualization for the </a:t>
-            </a:r>
-            <a:r>
-              <a:rPr lang="de-DE" sz="2400" dirty="0"/>
-              <a:t>order of selection criteria</a:t>
-            </a:r>
-            <a:endParaRPr lang="en-US" sz="2400" dirty="0"/>
-          </a:p>
-          <a:p>
-            <a:pPr marL="457200" indent="-457200">
-              <a:buFont typeface="Arial" panose="020B0604020202020204" pitchFamily="34" charset="0"/>
-              <a:buChar char="•"/>
-            </a:pPr>
-            <a:r>
-              <a:rPr lang="en-US" sz="2400" dirty="0"/>
-              <a:t>Pie charts for selection results</a:t>
-            </a:r>
-          </a:p>
-          <a:p>
-            <a:endParaRPr lang="en-US" sz="2400" b="1" dirty="0"/>
-          </a:p>
-          <a:p>
-            <a:r>
-              <a:rPr lang="de-DE" sz="2400" b="1" dirty="0"/>
-              <a:t>3) Data reduction</a:t>
-            </a:r>
-          </a:p>
-          <a:p>
-            <a:pPr marL="457200" indent="-457200">
-              <a:buFont typeface="Arial" panose="020B0604020202020204" pitchFamily="34" charset="0"/>
-              <a:buChar char="•"/>
-            </a:pPr>
-            <a:r>
-              <a:rPr lang="de-DE" sz="2400" dirty="0"/>
-              <a:t>PCR </a:t>
-            </a:r>
-            <a:endParaRPr lang="en-US" sz="2400" dirty="0"/>
-          </a:p>
-          <a:p>
-            <a:pPr marL="457200" indent="-457200">
-              <a:buFont typeface="Arial" panose="020B0604020202020204" pitchFamily="34" charset="0"/>
-              <a:buChar char="•"/>
-            </a:pPr>
-            <a:r>
-              <a:rPr lang="en-US" sz="2400" dirty="0"/>
-              <a:t> k-means clustering</a:t>
-            </a:r>
-          </a:p>
-          <a:p>
-            <a:pPr marL="457200" indent="-457200">
-              <a:buFont typeface="Arial" panose="020B0604020202020204" pitchFamily="34" charset="0"/>
-              <a:buChar char="•"/>
-            </a:pPr>
-            <a:endParaRPr lang="en-US" sz="2400" dirty="0"/>
-          </a:p>
-          <a:p>
-            <a:r>
-              <a:rPr lang="de-DE" sz="2400" b="1" dirty="0"/>
-              <a:t>4) Data modelling</a:t>
-            </a:r>
-          </a:p>
-          <a:p>
-            <a:pPr marL="457200" indent="-457200">
-              <a:buFont typeface="Arial" panose="020B0604020202020204" pitchFamily="34" charset="0"/>
-              <a:buChar char="•"/>
-            </a:pPr>
-            <a:r>
-              <a:rPr lang="en-US" sz="2400" dirty="0"/>
-              <a:t> Linear Regression </a:t>
-            </a:r>
-            <a:endParaRPr lang="en-US" sz="2400" b="1" dirty="0"/>
-          </a:p>
-          <a:p>
-            <a:endParaRPr lang="en-US" sz="2400" b="1" dirty="0"/>
-          </a:p>
-          <a:p>
-            <a:endParaRPr lang="en-US" sz="2400" b="1" dirty="0"/>
-          </a:p>
-        </p:txBody>
-      </p:sp>
-      <p:sp>
-        <p:nvSpPr>
-          <p:cNvPr id="5" name="TextBox 4">
-            <a:extLst>
-              <a:ext uri="{FF2B5EF4-FFF2-40B4-BE49-F238E27FC236}">
-                <a16:creationId xmlns:a16="http://schemas.microsoft.com/office/drawing/2014/main" id="{557814E2-24A8-F728-2A93-72227A405E48}"/>
-              </a:ext>
-            </a:extLst>
-          </p:cNvPr>
-          <p:cNvSpPr txBox="1"/>
-          <p:nvPr/>
-        </p:nvSpPr>
-        <p:spPr>
-          <a:xfrm>
-            <a:off x="1253554" y="28838120"/>
-            <a:ext cx="11401261" cy="11172289"/>
-          </a:xfrm>
-          <a:prstGeom prst="rect">
-            <a:avLst/>
-          </a:prstGeom>
-          <a:noFill/>
-          <a:ln>
-            <a:noFill/>
-          </a:ln>
-        </p:spPr>
-        <p:txBody>
-          <a:bodyPr wrap="square">
-            <a:spAutoFit/>
-          </a:bodyPr>
-          <a:lstStyle/>
-          <a:p>
-            <a:pPr marL="457200" indent="-457200">
-              <a:buFont typeface="Arial" panose="020B0604020202020204" pitchFamily="34" charset="0"/>
-              <a:buChar char="•"/>
-            </a:pPr>
-            <a:r>
-              <a:rPr lang="en-US" sz="2400" dirty="0"/>
-              <a:t>Critical review of our own results and methods (e.g., Selection criteria made us delete some RBPs. Why? What were their properties?)</a:t>
-            </a:r>
-          </a:p>
-          <a:p>
-            <a:pPr marL="457200" indent="-457200">
-              <a:buFont typeface="Arial" panose="020B0604020202020204" pitchFamily="34" charset="0"/>
-              <a:buChar char="•"/>
-            </a:pPr>
-            <a:r>
-              <a:rPr lang="en-US" sz="2400" dirty="0"/>
-              <a:t>Why do we find fewer proteins than </a:t>
-            </a:r>
-            <a:r>
-              <a:rPr lang="en-US" sz="2400" dirty="0" err="1"/>
-              <a:t>Maïwen</a:t>
-            </a:r>
-            <a:r>
-              <a:rPr lang="en-US" sz="2400" dirty="0"/>
-              <a:t>? </a:t>
-            </a:r>
-          </a:p>
-          <a:p>
-            <a:pPr marL="457200" indent="-457200">
-              <a:buFont typeface="Arial" panose="020B0604020202020204" pitchFamily="34" charset="0"/>
-              <a:buChar char="•"/>
-            </a:pPr>
-            <a:endParaRPr lang="en-US" sz="2400" dirty="0"/>
-          </a:p>
-          <a:p>
-            <a:pPr marL="457200" indent="-457200">
-              <a:buFont typeface="Arial" panose="020B0604020202020204" pitchFamily="34" charset="0"/>
-              <a:buChar char="•"/>
-            </a:pPr>
-            <a:endParaRPr lang="en-US" sz="2400" dirty="0"/>
-          </a:p>
-          <a:p>
-            <a:pPr marL="457200" indent="-457200">
-              <a:buFont typeface="Arial" panose="020B0604020202020204" pitchFamily="34" charset="0"/>
-              <a:buChar char="•"/>
-            </a:pPr>
-            <a:endParaRPr lang="en-US" sz="2400" dirty="0"/>
-          </a:p>
-          <a:p>
-            <a:pPr marL="457200" indent="-457200">
-              <a:buFont typeface="Arial" panose="020B0604020202020204" pitchFamily="34" charset="0"/>
-              <a:buChar char="•"/>
-            </a:pPr>
-            <a:endParaRPr lang="en-US" sz="2400" dirty="0"/>
-          </a:p>
-          <a:p>
-            <a:pPr marL="457200" indent="-457200">
-              <a:buFont typeface="Arial" panose="020B0604020202020204" pitchFamily="34" charset="0"/>
-              <a:buChar char="•"/>
-            </a:pPr>
-            <a:endParaRPr lang="en-US" sz="2400" dirty="0"/>
-          </a:p>
-          <a:p>
-            <a:pPr marL="457200" indent="-457200">
-              <a:buFont typeface="Arial" panose="020B0604020202020204" pitchFamily="34" charset="0"/>
-              <a:buChar char="•"/>
-            </a:pPr>
-            <a:endParaRPr lang="en-US" sz="2400" dirty="0"/>
-          </a:p>
-          <a:p>
-            <a:pPr marL="457200" indent="-457200">
-              <a:buFont typeface="Arial" panose="020B0604020202020204" pitchFamily="34" charset="0"/>
-              <a:buChar char="•"/>
-            </a:pPr>
-            <a:endParaRPr lang="en-US" sz="2400" dirty="0"/>
-          </a:p>
-          <a:p>
-            <a:pPr marL="457200" indent="-457200">
-              <a:buFont typeface="Arial" panose="020B0604020202020204" pitchFamily="34" charset="0"/>
-              <a:buChar char="•"/>
-            </a:pPr>
-            <a:endParaRPr lang="en-US" sz="2400" dirty="0"/>
-          </a:p>
-          <a:p>
-            <a:pPr marL="457200" indent="-457200">
-              <a:buFont typeface="Arial" panose="020B0604020202020204" pitchFamily="34" charset="0"/>
-              <a:buChar char="•"/>
-            </a:pPr>
-            <a:endParaRPr lang="en-US" sz="2400" dirty="0"/>
-          </a:p>
-          <a:p>
-            <a:pPr marL="457200" indent="-457200">
-              <a:buFont typeface="Arial" panose="020B0604020202020204" pitchFamily="34" charset="0"/>
-              <a:buChar char="•"/>
-            </a:pPr>
-            <a:endParaRPr lang="en-US" sz="2400" dirty="0"/>
-          </a:p>
-          <a:p>
-            <a:pPr marL="457200" indent="-457200">
-              <a:buFont typeface="Arial" panose="020B0604020202020204" pitchFamily="34" charset="0"/>
-              <a:buChar char="•"/>
-            </a:pPr>
-            <a:endParaRPr lang="en-US" sz="2400" dirty="0"/>
-          </a:p>
-          <a:p>
-            <a:pPr marL="457200" indent="-457200">
-              <a:buFont typeface="Arial" panose="020B0604020202020204" pitchFamily="34" charset="0"/>
-              <a:buChar char="•"/>
-            </a:pPr>
-            <a:endParaRPr lang="en-US" sz="2400" dirty="0"/>
-          </a:p>
-          <a:p>
-            <a:pPr marL="457200" indent="-457200">
-              <a:buFont typeface="Arial" panose="020B0604020202020204" pitchFamily="34" charset="0"/>
-              <a:buChar char="•"/>
-            </a:pPr>
-            <a:endParaRPr lang="en-US" sz="2400" dirty="0"/>
-          </a:p>
-          <a:p>
-            <a:pPr marL="457200" indent="-457200">
-              <a:buFont typeface="Arial" panose="020B0604020202020204" pitchFamily="34" charset="0"/>
-              <a:buChar char="•"/>
-            </a:pPr>
-            <a:endParaRPr lang="en-US" sz="2400" dirty="0"/>
-          </a:p>
-          <a:p>
-            <a:pPr marL="457200" indent="-457200">
-              <a:buFont typeface="Arial" panose="020B0604020202020204" pitchFamily="34" charset="0"/>
-              <a:buChar char="•"/>
-            </a:pPr>
-            <a:endParaRPr lang="en-US" sz="2400" dirty="0"/>
-          </a:p>
-          <a:p>
-            <a:pPr marL="457200" indent="-457200">
-              <a:buFont typeface="Arial" panose="020B0604020202020204" pitchFamily="34" charset="0"/>
-              <a:buChar char="•"/>
-            </a:pPr>
-            <a:endParaRPr lang="en-US" sz="2400" dirty="0"/>
-          </a:p>
-          <a:p>
-            <a:pPr marL="457200" indent="-457200">
-              <a:buFont typeface="Arial" panose="020B0604020202020204" pitchFamily="34" charset="0"/>
-              <a:buChar char="•"/>
-            </a:pPr>
-            <a:endParaRPr lang="en-US" sz="2400" dirty="0"/>
-          </a:p>
-          <a:p>
-            <a:pPr marL="457200" indent="-457200">
-              <a:buFont typeface="Arial" panose="020B0604020202020204" pitchFamily="34" charset="0"/>
-              <a:buChar char="•"/>
-            </a:pPr>
-            <a:endParaRPr lang="en-US" sz="2400" dirty="0"/>
-          </a:p>
-          <a:p>
-            <a:pPr marL="457200" indent="-457200">
-              <a:buFont typeface="Arial" panose="020B0604020202020204" pitchFamily="34" charset="0"/>
-              <a:buChar char="•"/>
-            </a:pPr>
-            <a:endParaRPr lang="en-US" sz="2400" dirty="0"/>
-          </a:p>
-          <a:p>
-            <a:pPr marL="457200" indent="-457200">
-              <a:buFont typeface="Arial" panose="020B0604020202020204" pitchFamily="34" charset="0"/>
-              <a:buChar char="•"/>
-            </a:pPr>
-            <a:endParaRPr lang="en-US" sz="2400" dirty="0"/>
-          </a:p>
-          <a:p>
-            <a:pPr marL="457200" indent="-457200">
-              <a:buFont typeface="Arial" panose="020B0604020202020204" pitchFamily="34" charset="0"/>
-              <a:buChar char="•"/>
-            </a:pPr>
-            <a:endParaRPr lang="en-US" sz="2400" dirty="0"/>
-          </a:p>
-          <a:p>
-            <a:pPr marL="457200" indent="-457200">
-              <a:buFont typeface="Arial" panose="020B0604020202020204" pitchFamily="34" charset="0"/>
-              <a:buChar char="•"/>
-            </a:pPr>
-            <a:endParaRPr lang="en-US" sz="2400" dirty="0"/>
-          </a:p>
-          <a:p>
-            <a:pPr marL="457200" indent="-457200">
-              <a:buFont typeface="Arial" panose="020B0604020202020204" pitchFamily="34" charset="0"/>
-              <a:buChar char="•"/>
-            </a:pPr>
-            <a:endParaRPr lang="en-US" sz="2400" dirty="0"/>
-          </a:p>
-          <a:p>
-            <a:pPr marL="457200" indent="-457200">
-              <a:buFont typeface="Arial" panose="020B0604020202020204" pitchFamily="34" charset="0"/>
-              <a:buChar char="•"/>
-            </a:pPr>
-            <a:endParaRPr lang="en-US" sz="2400" dirty="0"/>
-          </a:p>
-          <a:p>
-            <a:pPr marL="457200" indent="-457200">
-              <a:buFont typeface="Arial" panose="020B0604020202020204" pitchFamily="34" charset="0"/>
-              <a:buChar char="•"/>
-            </a:pPr>
-            <a:endParaRPr lang="en-US" sz="2400" dirty="0"/>
-          </a:p>
-          <a:p>
-            <a:pPr marL="457200" indent="-457200">
-              <a:buFont typeface="Arial" panose="020B0604020202020204" pitchFamily="34" charset="0"/>
-              <a:buChar char="•"/>
-            </a:pPr>
-            <a:endParaRPr lang="en-US" sz="2400" dirty="0"/>
-          </a:p>
-          <a:p>
-            <a:endParaRPr lang="en-US" sz="2400" b="1" dirty="0"/>
-          </a:p>
-        </p:txBody>
-      </p:sp>
-      <p:sp>
-        <p:nvSpPr>
-          <p:cNvPr id="6" name="TextBox 5">
-            <a:extLst>
-              <a:ext uri="{FF2B5EF4-FFF2-40B4-BE49-F238E27FC236}">
-                <a16:creationId xmlns:a16="http://schemas.microsoft.com/office/drawing/2014/main" id="{27CCA9C6-542F-DFB2-9A69-7FC60740217B}"/>
-              </a:ext>
-            </a:extLst>
-          </p:cNvPr>
-          <p:cNvSpPr txBox="1"/>
-          <p:nvPr/>
-        </p:nvSpPr>
-        <p:spPr>
-          <a:xfrm>
-            <a:off x="16242587" y="35200055"/>
-            <a:ext cx="5093413" cy="1569660"/>
-          </a:xfrm>
-          <a:prstGeom prst="rect">
-            <a:avLst/>
-          </a:prstGeom>
-          <a:noFill/>
-          <a:ln>
-            <a:noFill/>
-          </a:ln>
-        </p:spPr>
-        <p:txBody>
-          <a:bodyPr wrap="square">
-            <a:spAutoFit/>
-          </a:bodyPr>
-          <a:lstStyle/>
-          <a:p>
-            <a:pPr marL="457200" indent="-457200">
-              <a:buFont typeface="Arial" panose="020B0604020202020204" pitchFamily="34" charset="0"/>
-              <a:buChar char="•"/>
-            </a:pPr>
-            <a:endParaRPr lang="en-US" sz="2400" dirty="0"/>
-          </a:p>
-          <a:p>
-            <a:pPr marL="457200" indent="-457200">
-              <a:buFont typeface="Arial" panose="020B0604020202020204" pitchFamily="34" charset="0"/>
-              <a:buChar char="•"/>
-            </a:pPr>
-            <a:r>
-              <a:rPr lang="en-US" sz="2400" dirty="0"/>
-              <a:t>https://de.wikipedia.org/wiki/Eigentliche_Schnepfen</a:t>
-            </a:r>
-          </a:p>
-          <a:p>
-            <a:pPr marL="457200" indent="-457200">
-              <a:buFont typeface="Arial" panose="020B0604020202020204" pitchFamily="34" charset="0"/>
-              <a:buChar char="•"/>
-            </a:pPr>
-            <a:endParaRPr lang="en-US" sz="2400" dirty="0"/>
-          </a:p>
-        </p:txBody>
-      </p:sp>
-      <p:sp>
-        <p:nvSpPr>
-          <p:cNvPr id="7" name="TextBox 6">
-            <a:extLst>
-              <a:ext uri="{FF2B5EF4-FFF2-40B4-BE49-F238E27FC236}">
-                <a16:creationId xmlns:a16="http://schemas.microsoft.com/office/drawing/2014/main" id="{A24D6844-56B5-0968-8EE5-B70F4F774D0C}"/>
-              </a:ext>
-            </a:extLst>
-          </p:cNvPr>
-          <p:cNvSpPr txBox="1"/>
-          <p:nvPr/>
-        </p:nvSpPr>
-        <p:spPr>
-          <a:xfrm>
-            <a:off x="16242587" y="28638166"/>
-            <a:ext cx="8291810" cy="1200329"/>
-          </a:xfrm>
-          <a:prstGeom prst="rect">
-            <a:avLst/>
-          </a:prstGeom>
-          <a:noFill/>
-          <a:ln>
-            <a:noFill/>
-          </a:ln>
-        </p:spPr>
-        <p:txBody>
-          <a:bodyPr wrap="square">
-            <a:spAutoFit/>
-          </a:bodyPr>
-          <a:lstStyle/>
-          <a:p>
-            <a:pPr marL="457200" indent="-457200">
-              <a:buFont typeface="Arial" panose="020B0604020202020204" pitchFamily="34" charset="0"/>
-              <a:buChar char="•"/>
-            </a:pPr>
-            <a:r>
-              <a:rPr lang="de-DE" sz="2400" dirty="0"/>
-              <a:t>We found X proteins that ...</a:t>
-            </a:r>
-          </a:p>
-          <a:p>
-            <a:pPr marL="457200" indent="-457200">
-              <a:buFont typeface="Arial" panose="020B0604020202020204" pitchFamily="34" charset="0"/>
-              <a:buChar char="•"/>
-            </a:pPr>
-            <a:endParaRPr lang="de-DE" sz="2400" dirty="0"/>
-          </a:p>
-          <a:p>
-            <a:endParaRPr lang="en-US" sz="2400" b="1" dirty="0"/>
-          </a:p>
-        </p:txBody>
-      </p:sp>
-      <p:sp>
-        <p:nvSpPr>
-          <p:cNvPr id="24" name="Rectangle: Rounded Corners 23">
-            <a:extLst>
-              <a:ext uri="{FF2B5EF4-FFF2-40B4-BE49-F238E27FC236}">
-                <a16:creationId xmlns:a16="http://schemas.microsoft.com/office/drawing/2014/main" id="{0FC5CC0D-3EB5-304B-79EC-A6A2CAD7881E}"/>
-              </a:ext>
-            </a:extLst>
-          </p:cNvPr>
-          <p:cNvSpPr/>
-          <p:nvPr/>
-        </p:nvSpPr>
-        <p:spPr>
-          <a:xfrm>
-            <a:off x="619433" y="5268901"/>
-            <a:ext cx="29036347" cy="1430255"/>
-          </a:xfrm>
-          <a:prstGeom prst="roundRect">
-            <a:avLst>
-              <a:gd name="adj" fmla="val 0"/>
-            </a:avLst>
-          </a:prstGeom>
-          <a:solidFill>
-            <a:srgbClr val="E7945E"/>
-          </a:solidFill>
-          <a:ln>
-            <a:solidFill>
-              <a:srgbClr val="E7945E"/>
-            </a:solidFill>
           </a:ln>
         </p:spPr>
         <p:style>
@@ -10738,117 +12536,31 @@
           <a:p>
             <a:r>
               <a:rPr lang="en-US" sz="6000" b="1" dirty="0"/>
-              <a:t>                   Identifying RNA-Dependent Proteins from Proteomic Data</a:t>
+              <a:t>                  Discussion</a:t>
             </a:r>
             <a:endParaRPr lang="en-US" sz="1500" b="1" dirty="0"/>
           </a:p>
           <a:p>
-            <a:pPr algn="ctr"/>
             <a:endParaRPr lang="en-US" sz="1000" b="1" dirty="0"/>
           </a:p>
         </p:txBody>
       </p:sp>
       <p:sp>
         <p:nvSpPr>
-          <p:cNvPr id="25" name="TextBox 24">
-            <a:extLst>
-              <a:ext uri="{FF2B5EF4-FFF2-40B4-BE49-F238E27FC236}">
-                <a16:creationId xmlns:a16="http://schemas.microsoft.com/office/drawing/2014/main" id="{B4212980-06B9-8340-A723-E9C650349722}"/>
-              </a:ext>
-            </a:extLst>
-          </p:cNvPr>
-          <p:cNvSpPr txBox="1"/>
+          <p:cNvPr id="29" name="Rectangle: Rounded Corners 28">
+            <a:extLst>
+              <a:ext uri="{FF2B5EF4-FFF2-40B4-BE49-F238E27FC236}">
+                <a16:creationId xmlns:a16="http://schemas.microsoft.com/office/drawing/2014/main" id="{5AF60CD5-1A36-5FAC-28A3-9FF5775E8C04}"/>
+              </a:ext>
+            </a:extLst>
+          </p:cNvPr>
+          <p:cNvSpPr/>
           <p:nvPr/>
         </p:nvSpPr>
         <p:spPr>
           <a:xfrm>
-            <a:off x="15164570" y="7243086"/>
-            <a:ext cx="13893040" cy="2308324"/>
-          </a:xfrm>
-          <a:prstGeom prst="rect">
-            <a:avLst/>
-          </a:prstGeom>
-          <a:noFill/>
-          <a:ln>
-            <a:noFill/>
-          </a:ln>
-        </p:spPr>
-        <p:txBody>
-          <a:bodyPr wrap="square">
-            <a:spAutoFit/>
-          </a:bodyPr>
-          <a:lstStyle/>
-          <a:p>
-            <a:r>
-              <a:rPr lang="en-US" sz="2400" b="1" dirty="0"/>
-              <a:t>Key Characteristics of Our Dataset</a:t>
-            </a:r>
-            <a:endParaRPr lang="de-DE" sz="2400" b="1" dirty="0"/>
-          </a:p>
-          <a:p>
-            <a:pPr marL="457200" indent="-457200">
-              <a:buFont typeface="Arial" panose="020B0604020202020204" pitchFamily="34" charset="0"/>
-              <a:buChar char="•"/>
-            </a:pPr>
-            <a:r>
-              <a:rPr lang="en-US" sz="2400" dirty="0"/>
-              <a:t>Our dataset was generated using the R-Deep approach</a:t>
-            </a:r>
-          </a:p>
-          <a:p>
-            <a:pPr marL="457200" indent="-457200">
-              <a:buFont typeface="Arial" panose="020B0604020202020204" pitchFamily="34" charset="0"/>
-              <a:buChar char="•"/>
-            </a:pPr>
-            <a:r>
-              <a:rPr lang="de-DE" sz="2400" dirty="0"/>
-              <a:t>~5000 Proteine in 25 Fraktionen, Rnase vs. CTRL</a:t>
-            </a:r>
-            <a:endParaRPr lang="en-US" sz="2400" dirty="0"/>
-          </a:p>
-          <a:p>
-            <a:pPr marL="457200" indent="-457200">
-              <a:buFont typeface="Arial" panose="020B0604020202020204" pitchFamily="34" charset="0"/>
-              <a:buChar char="•"/>
-            </a:pPr>
-            <a:r>
-              <a:rPr lang="en-US" sz="2400" dirty="0"/>
-              <a:t>Dimensions</a:t>
-            </a:r>
-            <a:endParaRPr lang="en-US" sz="2400" b="1" dirty="0"/>
-          </a:p>
-          <a:p>
-            <a:pPr marL="457200" indent="-457200">
-              <a:buFont typeface="Arial" panose="020B0604020202020204" pitchFamily="34" charset="0"/>
-              <a:buChar char="•"/>
-            </a:pPr>
-            <a:endParaRPr lang="de-DE" sz="2400" dirty="0"/>
-          </a:p>
-          <a:p>
-            <a:pPr marL="457200" indent="-457200">
-              <a:buFont typeface="Arial" panose="020B0604020202020204" pitchFamily="34" charset="0"/>
-              <a:buChar char="•"/>
-            </a:pPr>
-            <a:endParaRPr lang="de-DE" sz="2400" dirty="0"/>
-          </a:p>
-        </p:txBody>
-      </p:sp>
-      <p:sp>
-        <p:nvSpPr>
-          <p:cNvPr id="27" name="Rectangle: Rounded Corners 26">
-            <a:extLst>
-              <a:ext uri="{FF2B5EF4-FFF2-40B4-BE49-F238E27FC236}">
-                <a16:creationId xmlns:a16="http://schemas.microsoft.com/office/drawing/2014/main" id="{B0FDB353-5CAA-8B22-7E68-4941947B54FF}"/>
-              </a:ext>
-            </a:extLst>
-          </p:cNvPr>
-          <p:cNvSpPr/>
-          <p:nvPr/>
-        </p:nvSpPr>
-        <p:spPr>
-          <a:xfrm>
-            <a:off x="668635" y="12821165"/>
-            <a:ext cx="28937944" cy="1430255"/>
+            <a:off x="15765564" y="27795891"/>
+            <a:ext cx="13841013" cy="1430255"/>
           </a:xfrm>
           <a:prstGeom prst="roundRect">
             <a:avLst>
@@ -10856,12 +12568,10 @@
             </a:avLst>
           </a:prstGeom>
           <a:solidFill>
-            <a:srgbClr val="B57F56"/>
+            <a:srgbClr val="5EBF9D"/>
           </a:solidFill>
           <a:ln>
-            <a:solidFill>
-              <a:srgbClr val="B57F56"/>
-            </a:solidFill>
+            <a:noFill/>
           </a:ln>
         </p:spPr>
         <p:style>
@@ -10884,24 +12594,21 @@
           <a:bodyPr rtlCol="0" anchor="ctr"/>
           <a:lstStyle/>
           <a:p>
+            <a:pPr algn="ctr"/>
             <a:r>
               <a:rPr lang="en-US" sz="6000" b="1" dirty="0"/>
-              <a:t>                  Our Approach</a:t>
-            </a:r>
-            <a:endParaRPr lang="en-US" sz="1500" b="1" dirty="0"/>
-          </a:p>
-          <a:p>
-            <a:pPr algn="ctr"/>
+              <a:t>     Our Achievements</a:t>
+            </a:r>
             <a:endParaRPr lang="en-US" sz="1000" b="1" dirty="0"/>
           </a:p>
         </p:txBody>
       </p:sp>
       <p:sp>
         <p:nvSpPr>
-          <p:cNvPr id="28" name="Rectangle: Rounded Corners 27">
-            <a:extLst>
-              <a:ext uri="{FF2B5EF4-FFF2-40B4-BE49-F238E27FC236}">
-                <a16:creationId xmlns:a16="http://schemas.microsoft.com/office/drawing/2014/main" id="{CB3A26E1-4B03-89F9-BDE8-F7BADFC63AD0}"/>
+          <p:cNvPr id="30" name="Rectangle: Rounded Corners 29">
+            <a:extLst>
+              <a:ext uri="{FF2B5EF4-FFF2-40B4-BE49-F238E27FC236}">
+                <a16:creationId xmlns:a16="http://schemas.microsoft.com/office/drawing/2014/main" id="{97AEFDAE-50F8-9AAC-24DE-0B047BCF2393}"/>
               </a:ext>
             </a:extLst>
           </p:cNvPr>
@@ -10910,8 +12617,8 @@
         </p:nvSpPr>
         <p:spPr>
           <a:xfrm>
-            <a:off x="668636" y="26557868"/>
-            <a:ext cx="14468970" cy="1430255"/>
+            <a:off x="15841730" y="35857778"/>
+            <a:ext cx="13764847" cy="1430255"/>
           </a:xfrm>
           <a:prstGeom prst="roundRect">
             <a:avLst>
@@ -10919,12 +12626,10 @@
             </a:avLst>
           </a:prstGeom>
           <a:solidFill>
-            <a:srgbClr val="76644D"/>
+            <a:srgbClr val="6DE8B6"/>
           </a:solidFill>
           <a:ln>
-            <a:solidFill>
-              <a:srgbClr val="76644D"/>
-            </a:solidFill>
+            <a:noFill/>
           </a:ln>
         </p:spPr>
         <p:style>
@@ -10949,190 +12654,18 @@
           <a:p>
             <a:r>
               <a:rPr lang="en-US" sz="6000" b="1" dirty="0"/>
-              <a:t>                  Discussion</a:t>
-            </a:r>
-            <a:endParaRPr lang="en-US" sz="1500" b="1" dirty="0"/>
-          </a:p>
-          <a:p>
+              <a:t>                 References</a:t>
+            </a:r>
             <a:endParaRPr lang="en-US" sz="1000" b="1" dirty="0"/>
           </a:p>
         </p:txBody>
       </p:sp>
       <p:sp>
         <p:nvSpPr>
-          <p:cNvPr id="29" name="Rectangle: Rounded Corners 28">
-            <a:extLst>
-              <a:ext uri="{FF2B5EF4-FFF2-40B4-BE49-F238E27FC236}">
-                <a16:creationId xmlns:a16="http://schemas.microsoft.com/office/drawing/2014/main" id="{8128D3E9-C319-CC8D-F5E6-8EC9ABDADCD1}"/>
-              </a:ext>
-            </a:extLst>
-          </p:cNvPr>
-          <p:cNvSpPr/>
-          <p:nvPr/>
-        </p:nvSpPr>
-        <p:spPr>
-          <a:xfrm>
-            <a:off x="15765564" y="26710041"/>
-            <a:ext cx="13841013" cy="1430255"/>
-          </a:xfrm>
-          <a:prstGeom prst="roundRect">
-            <a:avLst>
-              <a:gd name="adj" fmla="val 0"/>
-            </a:avLst>
-          </a:prstGeom>
-          <a:solidFill>
-            <a:srgbClr val="465045"/>
-          </a:solidFill>
-          <a:ln>
-            <a:noFill/>
-          </a:ln>
-        </p:spPr>
-        <p:style>
-          <a:lnRef idx="2">
-            <a:schemeClr val="accent1">
-              <a:shade val="15000"/>
-            </a:schemeClr>
-          </a:lnRef>
-          <a:fillRef idx="1">
-            <a:schemeClr val="accent1"/>
-          </a:fillRef>
-          <a:effectRef idx="0">
-            <a:schemeClr val="accent1"/>
-          </a:effectRef>
-          <a:fontRef idx="minor">
-            <a:schemeClr val="lt1"/>
-          </a:fontRef>
-        </p:style>
-        <p:txBody>
-          <a:bodyPr rtlCol="0" anchor="ctr"/>
-          <a:lstStyle/>
-          <a:p>
-            <a:pPr algn="ctr"/>
-            <a:r>
-              <a:rPr lang="en-US" sz="6000" b="1" dirty="0"/>
-              <a:t>     Our Achievements</a:t>
-            </a:r>
-            <a:endParaRPr lang="en-US" sz="1000" b="1" dirty="0"/>
-          </a:p>
-        </p:txBody>
-      </p:sp>
-      <p:sp>
-        <p:nvSpPr>
-          <p:cNvPr id="30" name="Rectangle: Rounded Corners 29">
-            <a:extLst>
-              <a:ext uri="{FF2B5EF4-FFF2-40B4-BE49-F238E27FC236}">
-                <a16:creationId xmlns:a16="http://schemas.microsoft.com/office/drawing/2014/main" id="{A46DA571-EF0F-D655-E74C-BA1039F68586}"/>
-              </a:ext>
-            </a:extLst>
-          </p:cNvPr>
-          <p:cNvSpPr/>
-          <p:nvPr/>
-        </p:nvSpPr>
-        <p:spPr>
-          <a:xfrm>
-            <a:off x="15841730" y="33171728"/>
-            <a:ext cx="7118517" cy="1430255"/>
-          </a:xfrm>
-          <a:prstGeom prst="roundRect">
-            <a:avLst>
-              <a:gd name="adj" fmla="val 0"/>
-            </a:avLst>
-          </a:prstGeom>
-          <a:solidFill>
-            <a:srgbClr val="152C2C"/>
-          </a:solidFill>
-          <a:ln>
-            <a:solidFill>
-              <a:srgbClr val="152C2C"/>
-            </a:solidFill>
-          </a:ln>
-        </p:spPr>
-        <p:style>
-          <a:lnRef idx="2">
-            <a:schemeClr val="accent1">
-              <a:shade val="15000"/>
-            </a:schemeClr>
-          </a:lnRef>
-          <a:fillRef idx="1">
-            <a:schemeClr val="accent1"/>
-          </a:fillRef>
-          <a:effectRef idx="0">
-            <a:schemeClr val="accent1"/>
-          </a:effectRef>
-          <a:fontRef idx="minor">
-            <a:schemeClr val="lt1"/>
-          </a:fontRef>
-        </p:style>
-        <p:txBody>
-          <a:bodyPr rtlCol="0" anchor="ctr"/>
-          <a:lstStyle/>
-          <a:p>
-            <a:r>
-              <a:rPr lang="en-US" sz="6000" b="1" dirty="0"/>
-              <a:t>                 References</a:t>
-            </a:r>
-            <a:endParaRPr lang="en-US" sz="1000" b="1" dirty="0"/>
-          </a:p>
-        </p:txBody>
-      </p:sp>
-      <p:sp>
-        <p:nvSpPr>
-          <p:cNvPr id="15" name="Rectangle: Top Corners Rounded 14">
-            <a:extLst>
-              <a:ext uri="{FF2B5EF4-FFF2-40B4-BE49-F238E27FC236}">
-                <a16:creationId xmlns:a16="http://schemas.microsoft.com/office/drawing/2014/main" id="{102E6AFA-C420-C4D6-5788-31937611C682}"/>
-              </a:ext>
-            </a:extLst>
-          </p:cNvPr>
-          <p:cNvSpPr/>
-          <p:nvPr/>
-        </p:nvSpPr>
-        <p:spPr>
-          <a:xfrm flipV="1">
-            <a:off x="4914900" y="-21880"/>
-            <a:ext cx="20288249" cy="4463665"/>
-          </a:xfrm>
-          <a:prstGeom prst="round2SameRect">
-            <a:avLst/>
-          </a:prstGeom>
-          <a:solidFill>
-            <a:srgbClr val="13393A"/>
-          </a:solidFill>
-          <a:ln w="254000">
-            <a:noFill/>
-          </a:ln>
-        </p:spPr>
-        <p:style>
-          <a:lnRef idx="2">
-            <a:schemeClr val="accent1">
-              <a:shade val="15000"/>
-            </a:schemeClr>
-          </a:lnRef>
-          <a:fillRef idx="1">
-            <a:schemeClr val="accent1"/>
-          </a:fillRef>
-          <a:effectRef idx="0">
-            <a:schemeClr val="accent1"/>
-          </a:effectRef>
-          <a:fontRef idx="minor">
-            <a:schemeClr val="lt1"/>
-          </a:fontRef>
-        </p:style>
-        <p:txBody>
-          <a:bodyPr rtlCol="0" anchor="ctr"/>
-          <a:lstStyle/>
-          <a:p>
-            <a:pPr algn="ctr"/>
-            <a:endParaRPr lang="de-DE" dirty="0"/>
-          </a:p>
-        </p:txBody>
-      </p:sp>
-      <p:sp>
-        <p:nvSpPr>
           <p:cNvPr id="23" name="Titel 1">
             <a:extLst>
               <a:ext uri="{FF2B5EF4-FFF2-40B4-BE49-F238E27FC236}">
-                <a16:creationId xmlns:a16="http://schemas.microsoft.com/office/drawing/2014/main" id="{A873A2AD-1B4F-6C08-9808-A6380A01529A}"/>
+                <a16:creationId xmlns:a16="http://schemas.microsoft.com/office/drawing/2014/main" id="{FD437D73-3F50-4FB0-FC9A-E8F4BD28E934}"/>
               </a:ext>
             </a:extLst>
           </p:cNvPr>
@@ -11143,8 +12676,8 @@
         </p:nvSpPr>
         <p:spPr>
           <a:xfrm>
-            <a:off x="8664242" y="959551"/>
-            <a:ext cx="13000655" cy="1836887"/>
+            <a:off x="1125836" y="1454851"/>
+            <a:ext cx="16136912" cy="1836887"/>
           </a:xfrm>
           <a:prstGeom prst="rect">
             <a:avLst/>
@@ -11176,14 +12709,14 @@
           <a:p>
             <a:pPr algn="l"/>
             <a:r>
-              <a:rPr lang="de-DE" sz="7000" b="1" dirty="0">
+              <a:rPr lang="de-DE" sz="8000" b="1" dirty="0">
                 <a:solidFill>
                   <a:schemeClr val="bg1"/>
                 </a:solidFill>
               </a:rPr>
               <a:t>Hidden Alliances: RNA-Dependent Protein Interactions in Cancer Cells</a:t>
             </a:r>
-            <a:endParaRPr lang="en-US" sz="7000" b="1" dirty="0">
+            <a:endParaRPr lang="en-US" sz="8000" b="1" dirty="0">
               <a:solidFill>
                 <a:schemeClr val="bg1"/>
               </a:solidFill>
@@ -11196,7 +12729,7 @@
           <p:cNvPr id="31" name="Titel 1">
             <a:extLst>
               <a:ext uri="{FF2B5EF4-FFF2-40B4-BE49-F238E27FC236}">
-                <a16:creationId xmlns:a16="http://schemas.microsoft.com/office/drawing/2014/main" id="{7520F38B-E979-8B95-09AE-F32C716A461E}"/>
+                <a16:creationId xmlns:a16="http://schemas.microsoft.com/office/drawing/2014/main" id="{E09F30F2-EB85-4639-23C5-01C5E15E5656}"/>
               </a:ext>
             </a:extLst>
           </p:cNvPr>
@@ -11207,8 +12740,8 @@
         </p:nvSpPr>
         <p:spPr>
           <a:xfrm>
-            <a:off x="9650865" y="2528719"/>
-            <a:ext cx="10973477" cy="1323687"/>
+            <a:off x="1076633" y="3092172"/>
+            <a:ext cx="12850233" cy="1323687"/>
           </a:xfrm>
           <a:prstGeom prst="rect">
             <a:avLst/>
@@ -11238,6 +12771,7 @@
             </a:lvl1pPr>
           </a:lstStyle>
           <a:p>
+            <a:pPr algn="l"/>
             <a:r>
               <a:rPr lang="de-DE" sz="2800" dirty="0">
                 <a:solidFill>
@@ -11277,6 +12811,7 @@
             </a:endParaRPr>
           </a:p>
           <a:p>
+            <a:pPr algn="l"/>
             <a:r>
               <a:rPr lang="de-DE" sz="2800" dirty="0">
                 <a:solidFill>
@@ -11309,7 +12844,7 @@
           <p:cNvPr id="32" name="Flowchart: Connector 31">
             <a:extLst>
               <a:ext uri="{FF2B5EF4-FFF2-40B4-BE49-F238E27FC236}">
-                <a16:creationId xmlns:a16="http://schemas.microsoft.com/office/drawing/2014/main" id="{7C4F7E8E-5E38-D14D-68E0-E6941BDF6633}"/>
+                <a16:creationId xmlns:a16="http://schemas.microsoft.com/office/drawing/2014/main" id="{425C5BA3-2A2E-33C4-FFD0-4DF391D31518}"/>
               </a:ext>
             </a:extLst>
           </p:cNvPr>
@@ -11318,7 +12853,7 @@
         </p:nvSpPr>
         <p:spPr>
           <a:xfrm>
-            <a:off x="1194289" y="4900265"/>
+            <a:off x="1194289" y="5986115"/>
             <a:ext cx="2006111" cy="1960592"/>
           </a:xfrm>
           <a:prstGeom prst="flowChartConnector">
@@ -11329,7 +12864,7 @@
           </a:solidFill>
           <a:ln w="254000">
             <a:solidFill>
-              <a:srgbClr val="E7945E"/>
+              <a:srgbClr val="221B36"/>
             </a:solidFill>
           </a:ln>
         </p:spPr>
@@ -11357,7 +12892,7 @@
             <a:r>
               <a:rPr lang="de-DE" sz="7000" b="1" dirty="0">
                 <a:solidFill>
-                  <a:srgbClr val="E7945E"/>
+                  <a:srgbClr val="07363B"/>
                 </a:solidFill>
               </a:rPr>
               <a:t>1</a:t>
@@ -11370,7 +12905,7 @@
           <p:cNvPr id="34" name="Flowchart: Connector 33">
             <a:extLst>
               <a:ext uri="{FF2B5EF4-FFF2-40B4-BE49-F238E27FC236}">
-                <a16:creationId xmlns:a16="http://schemas.microsoft.com/office/drawing/2014/main" id="{E948F019-D372-7B08-C79E-5A80DF523DFB}"/>
+                <a16:creationId xmlns:a16="http://schemas.microsoft.com/office/drawing/2014/main" id="{4C528279-1C13-569D-92C1-E24EACC0BCA6}"/>
               </a:ext>
             </a:extLst>
           </p:cNvPr>
@@ -11379,7 +12914,7 @@
         </p:nvSpPr>
         <p:spPr>
           <a:xfrm>
-            <a:off x="1194288" y="12498846"/>
+            <a:off x="1194288" y="13584696"/>
             <a:ext cx="2006111" cy="1960592"/>
           </a:xfrm>
           <a:prstGeom prst="flowChartConnector">
@@ -11390,7 +12925,7 @@
           </a:solidFill>
           <a:ln w="254000">
             <a:solidFill>
-              <a:srgbClr val="B57F56"/>
+              <a:srgbClr val="2C3747"/>
             </a:solidFill>
           </a:ln>
         </p:spPr>
@@ -11418,7 +12953,7 @@
             <a:r>
               <a:rPr lang="de-DE" sz="7000" b="1" dirty="0">
                 <a:solidFill>
-                  <a:srgbClr val="B57F56"/>
+                  <a:srgbClr val="0D474A"/>
                 </a:solidFill>
               </a:rPr>
               <a:t>2</a:t>
@@ -11431,7 +12966,7 @@
           <p:cNvPr id="35" name="Flowchart: Connector 34">
             <a:extLst>
               <a:ext uri="{FF2B5EF4-FFF2-40B4-BE49-F238E27FC236}">
-                <a16:creationId xmlns:a16="http://schemas.microsoft.com/office/drawing/2014/main" id="{9C0784C2-DE83-AC5D-8EB2-2632BFBD1716}"/>
+                <a16:creationId xmlns:a16="http://schemas.microsoft.com/office/drawing/2014/main" id="{9576D722-6873-FEDE-7D52-9BCDA6EC25FF}"/>
               </a:ext>
             </a:extLst>
           </p:cNvPr>
@@ -11440,7 +12975,7 @@
         </p:nvSpPr>
         <p:spPr>
           <a:xfrm>
-            <a:off x="1194287" y="26312976"/>
+            <a:off x="1194287" y="27398826"/>
             <a:ext cx="2006111" cy="1960592"/>
           </a:xfrm>
           <a:prstGeom prst="flowChartConnector">
@@ -11451,7 +12986,7 @@
           </a:solidFill>
           <a:ln w="254000">
             <a:solidFill>
-              <a:srgbClr val="76644D"/>
+              <a:srgbClr val="3B5E60"/>
             </a:solidFill>
           </a:ln>
         </p:spPr>
@@ -11479,7 +13014,7 @@
             <a:r>
               <a:rPr lang="de-DE" sz="7000" b="1" dirty="0">
                 <a:solidFill>
-                  <a:srgbClr val="76644D"/>
+                  <a:srgbClr val="196B68"/>
                 </a:solidFill>
               </a:rPr>
               <a:t>3</a:t>
@@ -11492,7 +13027,7 @@
           <p:cNvPr id="36" name="Flowchart: Connector 35">
             <a:extLst>
               <a:ext uri="{FF2B5EF4-FFF2-40B4-BE49-F238E27FC236}">
-                <a16:creationId xmlns:a16="http://schemas.microsoft.com/office/drawing/2014/main" id="{7F69448E-88C1-49EB-A393-10CF56DD6A3A}"/>
+                <a16:creationId xmlns:a16="http://schemas.microsoft.com/office/drawing/2014/main" id="{FEFA34E5-F153-3FB4-1D7F-9C6526B53715}"/>
               </a:ext>
             </a:extLst>
           </p:cNvPr>
@@ -11501,7 +13036,7 @@
         </p:nvSpPr>
         <p:spPr>
           <a:xfrm>
-            <a:off x="16242587" y="26367831"/>
+            <a:off x="16242587" y="27453681"/>
             <a:ext cx="2006111" cy="1960592"/>
           </a:xfrm>
           <a:prstGeom prst="flowChartConnector">
@@ -11512,7 +13047,7 @@
           </a:solidFill>
           <a:ln w="254000">
             <a:solidFill>
-              <a:srgbClr val="465045"/>
+              <a:srgbClr val="5EBF9D"/>
             </a:solidFill>
           </a:ln>
         </p:spPr>
@@ -11540,7 +13075,7 @@
             <a:r>
               <a:rPr lang="de-DE" sz="7000" b="1" dirty="0">
                 <a:solidFill>
-                  <a:srgbClr val="465045"/>
+                  <a:srgbClr val="269088"/>
                 </a:solidFill>
               </a:rPr>
               <a:t>4</a:t>
@@ -11553,7 +13088,7 @@
           <p:cNvPr id="37" name="Flowchart: Connector 36">
             <a:extLst>
               <a:ext uri="{FF2B5EF4-FFF2-40B4-BE49-F238E27FC236}">
-                <a16:creationId xmlns:a16="http://schemas.microsoft.com/office/drawing/2014/main" id="{FE1528EC-4F63-2D3C-28CF-B3A290950A84}"/>
+                <a16:creationId xmlns:a16="http://schemas.microsoft.com/office/drawing/2014/main" id="{FC9FB5DC-1C4B-D229-1C93-D46A458BF445}"/>
               </a:ext>
             </a:extLst>
           </p:cNvPr>
@@ -11562,7 +13097,7 @@
         </p:nvSpPr>
         <p:spPr>
           <a:xfrm>
-            <a:off x="16285627" y="32900076"/>
+            <a:off x="16285627" y="35586126"/>
             <a:ext cx="2006111" cy="1960592"/>
           </a:xfrm>
           <a:prstGeom prst="flowChartConnector">
@@ -11573,7 +13108,7 @@
           </a:solidFill>
           <a:ln w="254000">
             <a:solidFill>
-              <a:srgbClr val="152C2C"/>
+              <a:srgbClr val="6DE8B6"/>
             </a:solidFill>
           </a:ln>
         </p:spPr>
@@ -11601,7 +13136,7 @@
             <a:r>
               <a:rPr lang="de-DE" sz="7000" b="1" dirty="0">
                 <a:solidFill>
-                  <a:srgbClr val="152C2C"/>
+                  <a:srgbClr val="2EA99D"/>
                 </a:solidFill>
               </a:rPr>
               <a:t>5</a:t>
@@ -11614,37 +13149,7 @@
           <p:cNvPr id="39" name="Picture 38">
             <a:extLst>
               <a:ext uri="{FF2B5EF4-FFF2-40B4-BE49-F238E27FC236}">
-                <a16:creationId xmlns:a16="http://schemas.microsoft.com/office/drawing/2014/main" id="{2F1BBC82-41DA-D98E-0EA2-205A288E96A9}"/>
-              </a:ext>
-            </a:extLst>
-          </p:cNvPr>
-          <p:cNvPicPr>
-            <a:picLocks noChangeAspect="1"/>
-          </p:cNvPicPr>
-          <p:nvPr/>
-        </p:nvPicPr>
-        <p:blipFill>
-          <a:blip r:embed="rId2"/>
-          <a:stretch>
-            <a:fillRect/>
-          </a:stretch>
-        </p:blipFill>
-        <p:spPr>
-          <a:xfrm>
-            <a:off x="23437270" y="36759334"/>
-            <a:ext cx="6538913" cy="3678137"/>
-          </a:xfrm>
-          <a:prstGeom prst="rect">
-            <a:avLst/>
-          </a:prstGeom>
-        </p:spPr>
-      </p:pic>
-      <p:pic>
-        <p:nvPicPr>
-          <p:cNvPr id="40" name="Picture 39">
-            <a:extLst>
-              <a:ext uri="{FF2B5EF4-FFF2-40B4-BE49-F238E27FC236}">
-                <a16:creationId xmlns:a16="http://schemas.microsoft.com/office/drawing/2014/main" id="{E13EAB15-BB13-73C1-5C49-7D13BE70589C}"/>
+                <a16:creationId xmlns:a16="http://schemas.microsoft.com/office/drawing/2014/main" id="{E1D251F1-AE9A-6052-37F4-67E7099CEF93}"/>
               </a:ext>
             </a:extLst>
           </p:cNvPr>
@@ -11661,8 +13166,8 @@
         </p:blipFill>
         <p:spPr>
           <a:xfrm>
-            <a:off x="23329394" y="32942169"/>
-            <a:ext cx="6643297" cy="3735379"/>
+            <a:off x="24844542" y="1129290"/>
+            <a:ext cx="3922235" cy="2206256"/>
           </a:xfrm>
           <a:prstGeom prst="rect">
             <a:avLst/>
@@ -11671,10 +13176,10 @@
       </p:pic>
       <p:sp>
         <p:nvSpPr>
-          <p:cNvPr id="58" name="Rectangle 57">
-            <a:extLst>
-              <a:ext uri="{FF2B5EF4-FFF2-40B4-BE49-F238E27FC236}">
-                <a16:creationId xmlns:a16="http://schemas.microsoft.com/office/drawing/2014/main" id="{DF422B7F-E7C0-EBF0-765B-6ADA7A53D3D1}"/>
+          <p:cNvPr id="62" name="Rectangle: Top Corners Rounded 61">
+            <a:extLst>
+              <a:ext uri="{FF2B5EF4-FFF2-40B4-BE49-F238E27FC236}">
+                <a16:creationId xmlns:a16="http://schemas.microsoft.com/office/drawing/2014/main" id="{E3FCFFB2-A39F-8E9E-7635-489D8B103C22}"/>
               </a:ext>
             </a:extLst>
           </p:cNvPr>
@@ -11683,14 +13188,17 @@
         </p:nvSpPr>
         <p:spPr>
           <a:xfrm flipV="1">
-            <a:off x="-1" y="40883037"/>
-            <a:ext cx="30275214" cy="1920726"/>
-          </a:xfrm>
-          <a:prstGeom prst="rect">
-            <a:avLst/>
+            <a:off x="-1" y="41844211"/>
+            <a:ext cx="30329139" cy="959548"/>
+          </a:xfrm>
+          <a:prstGeom prst="round2SameRect">
+            <a:avLst>
+              <a:gd name="adj1" fmla="val 0"/>
+              <a:gd name="adj2" fmla="val 0"/>
+            </a:avLst>
           </a:prstGeom>
           <a:solidFill>
-            <a:srgbClr val="E7945E"/>
+            <a:srgbClr val="07363B"/>
           </a:solidFill>
           <a:ln w="254000">
             <a:noFill/>
@@ -11721,230 +13229,10 @@
           </a:p>
         </p:txBody>
       </p:sp>
-      <p:sp>
-        <p:nvSpPr>
-          <p:cNvPr id="59" name="Rectangle: Top Corners Rounded 58">
-            <a:extLst>
-              <a:ext uri="{FF2B5EF4-FFF2-40B4-BE49-F238E27FC236}">
-                <a16:creationId xmlns:a16="http://schemas.microsoft.com/office/drawing/2014/main" id="{6D4C9CD3-7FDB-16DF-B6C7-CF1C31A2FDF5}"/>
-              </a:ext>
-            </a:extLst>
-          </p:cNvPr>
-          <p:cNvSpPr/>
-          <p:nvPr/>
-        </p:nvSpPr>
-        <p:spPr>
-          <a:xfrm flipV="1">
-            <a:off x="856746" y="40880241"/>
-            <a:ext cx="28404556" cy="1921842"/>
-          </a:xfrm>
-          <a:prstGeom prst="round2SameRect">
-            <a:avLst>
-              <a:gd name="adj1" fmla="val 0"/>
-              <a:gd name="adj2" fmla="val 0"/>
-            </a:avLst>
-          </a:prstGeom>
-          <a:solidFill>
-            <a:srgbClr val="B57F56"/>
-          </a:solidFill>
-          <a:ln w="254000">
-            <a:noFill/>
-          </a:ln>
-        </p:spPr>
-        <p:style>
-          <a:lnRef idx="2">
-            <a:schemeClr val="accent1">
-              <a:shade val="15000"/>
-            </a:schemeClr>
-          </a:lnRef>
-          <a:fillRef idx="1">
-            <a:schemeClr val="accent1"/>
-          </a:fillRef>
-          <a:effectRef idx="0">
-            <a:schemeClr val="accent1"/>
-          </a:effectRef>
-          <a:fontRef idx="minor">
-            <a:schemeClr val="lt1"/>
-          </a:fontRef>
-        </p:style>
-        <p:txBody>
-          <a:bodyPr rtlCol="0" anchor="ctr"/>
-          <a:lstStyle/>
-          <a:p>
-            <a:pPr algn="ctr"/>
-            <a:endParaRPr lang="de-DE"/>
-          </a:p>
-        </p:txBody>
-      </p:sp>
-      <p:sp>
-        <p:nvSpPr>
-          <p:cNvPr id="60" name="Rectangle: Top Corners Rounded 59">
-            <a:extLst>
-              <a:ext uri="{FF2B5EF4-FFF2-40B4-BE49-F238E27FC236}">
-                <a16:creationId xmlns:a16="http://schemas.microsoft.com/office/drawing/2014/main" id="{F5863150-595C-9983-7031-2135505D34C7}"/>
-              </a:ext>
-            </a:extLst>
-          </p:cNvPr>
-          <p:cNvSpPr/>
-          <p:nvPr/>
-        </p:nvSpPr>
-        <p:spPr>
-          <a:xfrm flipV="1">
-            <a:off x="2245466" y="40878015"/>
-            <a:ext cx="25838205" cy="1923314"/>
-          </a:xfrm>
-          <a:prstGeom prst="round2SameRect">
-            <a:avLst>
-              <a:gd name="adj1" fmla="val 0"/>
-              <a:gd name="adj2" fmla="val 0"/>
-            </a:avLst>
-          </a:prstGeom>
-          <a:solidFill>
-            <a:srgbClr val="76644D"/>
-          </a:solidFill>
-          <a:ln w="254000">
-            <a:noFill/>
-          </a:ln>
-        </p:spPr>
-        <p:style>
-          <a:lnRef idx="2">
-            <a:schemeClr val="accent1">
-              <a:shade val="15000"/>
-            </a:schemeClr>
-          </a:lnRef>
-          <a:fillRef idx="1">
-            <a:schemeClr val="accent1"/>
-          </a:fillRef>
-          <a:effectRef idx="0">
-            <a:schemeClr val="accent1"/>
-          </a:effectRef>
-          <a:fontRef idx="minor">
-            <a:schemeClr val="lt1"/>
-          </a:fontRef>
-        </p:style>
-        <p:txBody>
-          <a:bodyPr rtlCol="0" anchor="ctr"/>
-          <a:lstStyle/>
-          <a:p>
-            <a:pPr algn="ctr"/>
-            <a:endParaRPr lang="de-DE"/>
-          </a:p>
-        </p:txBody>
-      </p:sp>
-      <p:sp>
-        <p:nvSpPr>
-          <p:cNvPr id="61" name="Rectangle: Top Corners Rounded 60">
-            <a:extLst>
-              <a:ext uri="{FF2B5EF4-FFF2-40B4-BE49-F238E27FC236}">
-                <a16:creationId xmlns:a16="http://schemas.microsoft.com/office/drawing/2014/main" id="{AAB8C81E-D50E-6FA4-1564-E9563D3E7C77}"/>
-              </a:ext>
-            </a:extLst>
-          </p:cNvPr>
-          <p:cNvSpPr/>
-          <p:nvPr/>
-        </p:nvSpPr>
-        <p:spPr>
-          <a:xfrm flipV="1">
-            <a:off x="3593302" y="40878014"/>
-            <a:ext cx="23088601" cy="1923315"/>
-          </a:xfrm>
-          <a:prstGeom prst="round2SameRect">
-            <a:avLst>
-              <a:gd name="adj1" fmla="val 0"/>
-              <a:gd name="adj2" fmla="val 0"/>
-            </a:avLst>
-          </a:prstGeom>
-          <a:solidFill>
-            <a:srgbClr val="465045"/>
-          </a:solidFill>
-          <a:ln w="254000">
-            <a:noFill/>
-          </a:ln>
-        </p:spPr>
-        <p:style>
-          <a:lnRef idx="2">
-            <a:schemeClr val="accent1">
-              <a:shade val="15000"/>
-            </a:schemeClr>
-          </a:lnRef>
-          <a:fillRef idx="1">
-            <a:schemeClr val="accent1"/>
-          </a:fillRef>
-          <a:effectRef idx="0">
-            <a:schemeClr val="accent1"/>
-          </a:effectRef>
-          <a:fontRef idx="minor">
-            <a:schemeClr val="lt1"/>
-          </a:fontRef>
-        </p:style>
-        <p:txBody>
-          <a:bodyPr rtlCol="0" anchor="ctr"/>
-          <a:lstStyle/>
-          <a:p>
-            <a:pPr algn="ctr"/>
-            <a:endParaRPr lang="de-DE"/>
-          </a:p>
-        </p:txBody>
-      </p:sp>
-      <p:sp>
-        <p:nvSpPr>
-          <p:cNvPr id="62" name="Rectangle: Top Corners Rounded 61">
-            <a:extLst>
-              <a:ext uri="{FF2B5EF4-FFF2-40B4-BE49-F238E27FC236}">
-                <a16:creationId xmlns:a16="http://schemas.microsoft.com/office/drawing/2014/main" id="{BE9E3805-7272-615B-EFC8-B58CD7C13187}"/>
-              </a:ext>
-            </a:extLst>
-          </p:cNvPr>
-          <p:cNvSpPr/>
-          <p:nvPr/>
-        </p:nvSpPr>
-        <p:spPr>
-          <a:xfrm flipV="1">
-            <a:off x="4914900" y="40877437"/>
-            <a:ext cx="20288249" cy="1926325"/>
-          </a:xfrm>
-          <a:prstGeom prst="round2SameRect">
-            <a:avLst>
-              <a:gd name="adj1" fmla="val 0"/>
-              <a:gd name="adj2" fmla="val 0"/>
-            </a:avLst>
-          </a:prstGeom>
-          <a:solidFill>
-            <a:srgbClr val="152C2C"/>
-          </a:solidFill>
-          <a:ln w="254000">
-            <a:noFill/>
-          </a:ln>
-        </p:spPr>
-        <p:style>
-          <a:lnRef idx="2">
-            <a:schemeClr val="accent1">
-              <a:shade val="15000"/>
-            </a:schemeClr>
-          </a:lnRef>
-          <a:fillRef idx="1">
-            <a:schemeClr val="accent1"/>
-          </a:fillRef>
-          <a:effectRef idx="0">
-            <a:schemeClr val="accent1"/>
-          </a:effectRef>
-          <a:fontRef idx="minor">
-            <a:schemeClr val="lt1"/>
-          </a:fontRef>
-        </p:style>
-        <p:txBody>
-          <a:bodyPr rtlCol="0" anchor="ctr"/>
-          <a:lstStyle/>
-          <a:p>
-            <a:pPr algn="ctr"/>
-            <a:endParaRPr lang="de-DE"/>
-          </a:p>
-        </p:txBody>
-      </p:sp>
     </p:spTree>
     <p:extLst>
       <p:ext uri="{BB962C8B-B14F-4D97-AF65-F5344CB8AC3E}">
-        <p14:creationId xmlns:p14="http://schemas.microsoft.com/office/powerpoint/2010/main" val="4205756802"/>
+        <p14:creationId xmlns:p14="http://schemas.microsoft.com/office/powerpoint/2010/main" val="2980305190"/>
       </p:ext>
     </p:extLst>
   </p:cSld>
@@ -14444,6 +15732,2491 @@
 </file>
 
 <file path=ppt/slides/slide5.xml><?xml version="1.0" encoding="utf-8"?>
+<p:sld xmlns:a="http://schemas.openxmlformats.org/drawingml/2006/main" xmlns:r="http://schemas.openxmlformats.org/officeDocument/2006/relationships" xmlns:p="http://schemas.openxmlformats.org/presentationml/2006/main" show="0">
+  <p:cSld>
+    <p:spTree>
+      <p:nvGrpSpPr>
+        <p:cNvPr id="1" name="">
+          <a:extLst>
+            <a:ext uri="{FF2B5EF4-FFF2-40B4-BE49-F238E27FC236}">
+              <a16:creationId xmlns:a16="http://schemas.microsoft.com/office/drawing/2014/main" id="{FB4D14C2-3AD0-1CAE-FE87-4F4C5D99C8C4}"/>
+            </a:ext>
+          </a:extLst>
+        </p:cNvPr>
+        <p:cNvGrpSpPr/>
+        <p:nvPr/>
+      </p:nvGrpSpPr>
+      <p:grpSpPr>
+        <a:xfrm>
+          <a:off x="0" y="0"/>
+          <a:ext cx="0" cy="0"/>
+          <a:chOff x="0" y="0"/>
+          <a:chExt cx="0" cy="0"/>
+        </a:xfrm>
+      </p:grpSpPr>
+      <p:sp>
+        <p:nvSpPr>
+          <p:cNvPr id="42" name="Rectangle 41">
+            <a:extLst>
+              <a:ext uri="{FF2B5EF4-FFF2-40B4-BE49-F238E27FC236}">
+                <a16:creationId xmlns:a16="http://schemas.microsoft.com/office/drawing/2014/main" id="{D61C9AF0-397B-228F-1CA7-78E9B58362B0}"/>
+              </a:ext>
+            </a:extLst>
+          </p:cNvPr>
+          <p:cNvSpPr/>
+          <p:nvPr/>
+        </p:nvSpPr>
+        <p:spPr>
+          <a:xfrm flipV="1">
+            <a:off x="-1" y="-21301"/>
+            <a:ext cx="30275214" cy="4467776"/>
+          </a:xfrm>
+          <a:prstGeom prst="rect">
+            <a:avLst/>
+          </a:prstGeom>
+          <a:solidFill>
+            <a:srgbClr val="FC9A64"/>
+          </a:solidFill>
+          <a:ln w="254000">
+            <a:noFill/>
+          </a:ln>
+        </p:spPr>
+        <p:style>
+          <a:lnRef idx="2">
+            <a:schemeClr val="accent1">
+              <a:shade val="15000"/>
+            </a:schemeClr>
+          </a:lnRef>
+          <a:fillRef idx="1">
+            <a:schemeClr val="accent1"/>
+          </a:fillRef>
+          <a:effectRef idx="0">
+            <a:schemeClr val="accent1"/>
+          </a:effectRef>
+          <a:fontRef idx="minor">
+            <a:schemeClr val="lt1"/>
+          </a:fontRef>
+        </p:style>
+        <p:txBody>
+          <a:bodyPr rtlCol="0" anchor="ctr"/>
+          <a:lstStyle/>
+          <a:p>
+            <a:pPr algn="ctr"/>
+            <a:endParaRPr lang="de-DE"/>
+          </a:p>
+        </p:txBody>
+      </p:sp>
+      <p:sp>
+        <p:nvSpPr>
+          <p:cNvPr id="43" name="Rectangle: Top Corners Rounded 42">
+            <a:extLst>
+              <a:ext uri="{FF2B5EF4-FFF2-40B4-BE49-F238E27FC236}">
+                <a16:creationId xmlns:a16="http://schemas.microsoft.com/office/drawing/2014/main" id="{B284EB02-403C-E2E3-521D-C50866F22F7C}"/>
+              </a:ext>
+            </a:extLst>
+          </p:cNvPr>
+          <p:cNvSpPr/>
+          <p:nvPr/>
+        </p:nvSpPr>
+        <p:spPr>
+          <a:xfrm flipV="1">
+            <a:off x="856746" y="-21302"/>
+            <a:ext cx="28404556" cy="4468351"/>
+          </a:xfrm>
+          <a:prstGeom prst="round2SameRect">
+            <a:avLst/>
+          </a:prstGeom>
+          <a:solidFill>
+            <a:srgbClr val="B57F56"/>
+          </a:solidFill>
+          <a:ln w="254000">
+            <a:noFill/>
+          </a:ln>
+        </p:spPr>
+        <p:style>
+          <a:lnRef idx="2">
+            <a:schemeClr val="accent1">
+              <a:shade val="15000"/>
+            </a:schemeClr>
+          </a:lnRef>
+          <a:fillRef idx="1">
+            <a:schemeClr val="accent1"/>
+          </a:fillRef>
+          <a:effectRef idx="0">
+            <a:schemeClr val="accent1"/>
+          </a:effectRef>
+          <a:fontRef idx="minor">
+            <a:schemeClr val="lt1"/>
+          </a:fontRef>
+        </p:style>
+        <p:txBody>
+          <a:bodyPr rtlCol="0" anchor="ctr"/>
+          <a:lstStyle/>
+          <a:p>
+            <a:pPr algn="ctr"/>
+            <a:endParaRPr lang="de-DE"/>
+          </a:p>
+        </p:txBody>
+      </p:sp>
+      <p:sp>
+        <p:nvSpPr>
+          <p:cNvPr id="44" name="Rectangle: Top Corners Rounded 43">
+            <a:extLst>
+              <a:ext uri="{FF2B5EF4-FFF2-40B4-BE49-F238E27FC236}">
+                <a16:creationId xmlns:a16="http://schemas.microsoft.com/office/drawing/2014/main" id="{16E254FF-9E11-FB24-2F1F-B92427B66ED3}"/>
+              </a:ext>
+            </a:extLst>
+          </p:cNvPr>
+          <p:cNvSpPr/>
+          <p:nvPr/>
+        </p:nvSpPr>
+        <p:spPr>
+          <a:xfrm flipV="1">
+            <a:off x="2245466" y="-19077"/>
+            <a:ext cx="25838205" cy="4468351"/>
+          </a:xfrm>
+          <a:prstGeom prst="round2SameRect">
+            <a:avLst/>
+          </a:prstGeom>
+          <a:solidFill>
+            <a:srgbClr val="76644D"/>
+          </a:solidFill>
+          <a:ln w="254000">
+            <a:noFill/>
+          </a:ln>
+        </p:spPr>
+        <p:style>
+          <a:lnRef idx="2">
+            <a:schemeClr val="accent1">
+              <a:shade val="15000"/>
+            </a:schemeClr>
+          </a:lnRef>
+          <a:fillRef idx="1">
+            <a:schemeClr val="accent1"/>
+          </a:fillRef>
+          <a:effectRef idx="0">
+            <a:schemeClr val="accent1"/>
+          </a:effectRef>
+          <a:fontRef idx="minor">
+            <a:schemeClr val="lt1"/>
+          </a:fontRef>
+        </p:style>
+        <p:txBody>
+          <a:bodyPr rtlCol="0" anchor="ctr"/>
+          <a:lstStyle/>
+          <a:p>
+            <a:pPr algn="ctr"/>
+            <a:endParaRPr lang="de-DE"/>
+          </a:p>
+        </p:txBody>
+      </p:sp>
+      <p:sp>
+        <p:nvSpPr>
+          <p:cNvPr id="45" name="Rectangle: Top Corners Rounded 44">
+            <a:extLst>
+              <a:ext uri="{FF2B5EF4-FFF2-40B4-BE49-F238E27FC236}">
+                <a16:creationId xmlns:a16="http://schemas.microsoft.com/office/drawing/2014/main" id="{C92364AA-E5F8-B30F-BB0A-FA347A199874}"/>
+              </a:ext>
+            </a:extLst>
+          </p:cNvPr>
+          <p:cNvSpPr/>
+          <p:nvPr/>
+        </p:nvSpPr>
+        <p:spPr>
+          <a:xfrm flipV="1">
+            <a:off x="3593302" y="-21303"/>
+            <a:ext cx="23088601" cy="4470577"/>
+          </a:xfrm>
+          <a:prstGeom prst="round2SameRect">
+            <a:avLst/>
+          </a:prstGeom>
+          <a:solidFill>
+            <a:srgbClr val="465045"/>
+          </a:solidFill>
+          <a:ln w="254000">
+            <a:noFill/>
+          </a:ln>
+        </p:spPr>
+        <p:style>
+          <a:lnRef idx="2">
+            <a:schemeClr val="accent1">
+              <a:shade val="15000"/>
+            </a:schemeClr>
+          </a:lnRef>
+          <a:fillRef idx="1">
+            <a:schemeClr val="accent1"/>
+          </a:fillRef>
+          <a:effectRef idx="0">
+            <a:schemeClr val="accent1"/>
+          </a:effectRef>
+          <a:fontRef idx="minor">
+            <a:schemeClr val="lt1"/>
+          </a:fontRef>
+        </p:style>
+        <p:txBody>
+          <a:bodyPr rtlCol="0" anchor="ctr"/>
+          <a:lstStyle/>
+          <a:p>
+            <a:pPr algn="ctr"/>
+            <a:endParaRPr lang="de-DE"/>
+          </a:p>
+        </p:txBody>
+      </p:sp>
+      <p:sp>
+        <p:nvSpPr>
+          <p:cNvPr id="17" name="Rectangle: Rounded Corners 16">
+            <a:extLst>
+              <a:ext uri="{FF2B5EF4-FFF2-40B4-BE49-F238E27FC236}">
+                <a16:creationId xmlns:a16="http://schemas.microsoft.com/office/drawing/2014/main" id="{CA286275-F852-4B3C-DE17-86AD75A0E2B0}"/>
+              </a:ext>
+            </a:extLst>
+          </p:cNvPr>
+          <p:cNvSpPr/>
+          <p:nvPr/>
+        </p:nvSpPr>
+        <p:spPr>
+          <a:xfrm>
+            <a:off x="619433" y="26557868"/>
+            <a:ext cx="14518173" cy="13738215"/>
+          </a:xfrm>
+          <a:prstGeom prst="roundRect">
+            <a:avLst>
+              <a:gd name="adj" fmla="val 3189"/>
+            </a:avLst>
+          </a:prstGeom>
+          <a:solidFill>
+            <a:schemeClr val="bg1"/>
+          </a:solidFill>
+          <a:ln w="254000">
+            <a:solidFill>
+              <a:srgbClr val="76644D"/>
+            </a:solidFill>
+          </a:ln>
+        </p:spPr>
+        <p:style>
+          <a:lnRef idx="2">
+            <a:schemeClr val="accent1">
+              <a:shade val="15000"/>
+            </a:schemeClr>
+          </a:lnRef>
+          <a:fillRef idx="1">
+            <a:schemeClr val="accent1"/>
+          </a:fillRef>
+          <a:effectRef idx="0">
+            <a:schemeClr val="accent1"/>
+          </a:effectRef>
+          <a:fontRef idx="minor">
+            <a:schemeClr val="lt1"/>
+          </a:fontRef>
+        </p:style>
+        <p:txBody>
+          <a:bodyPr rtlCol="0" anchor="ctr"/>
+          <a:lstStyle/>
+          <a:p>
+            <a:pPr algn="ctr"/>
+            <a:endParaRPr lang="de-DE"/>
+          </a:p>
+        </p:txBody>
+      </p:sp>
+      <p:sp>
+        <p:nvSpPr>
+          <p:cNvPr id="18" name="Rectangle: Rounded Corners 17">
+            <a:extLst>
+              <a:ext uri="{FF2B5EF4-FFF2-40B4-BE49-F238E27FC236}">
+                <a16:creationId xmlns:a16="http://schemas.microsoft.com/office/drawing/2014/main" id="{80E05CFA-6D89-3627-F3A4-ABE861A56CBB}"/>
+              </a:ext>
+            </a:extLst>
+          </p:cNvPr>
+          <p:cNvSpPr/>
+          <p:nvPr/>
+        </p:nvSpPr>
+        <p:spPr>
+          <a:xfrm>
+            <a:off x="15747588" y="26705353"/>
+            <a:ext cx="13858989" cy="5808341"/>
+          </a:xfrm>
+          <a:prstGeom prst="roundRect">
+            <a:avLst>
+              <a:gd name="adj" fmla="val 2683"/>
+            </a:avLst>
+          </a:prstGeom>
+          <a:solidFill>
+            <a:schemeClr val="bg1"/>
+          </a:solidFill>
+          <a:ln w="254000">
+            <a:solidFill>
+              <a:srgbClr val="465045"/>
+            </a:solidFill>
+          </a:ln>
+        </p:spPr>
+        <p:style>
+          <a:lnRef idx="2">
+            <a:schemeClr val="accent1">
+              <a:shade val="15000"/>
+            </a:schemeClr>
+          </a:lnRef>
+          <a:fillRef idx="1">
+            <a:schemeClr val="accent1"/>
+          </a:fillRef>
+          <a:effectRef idx="0">
+            <a:schemeClr val="accent1"/>
+          </a:effectRef>
+          <a:fontRef idx="minor">
+            <a:schemeClr val="lt1"/>
+          </a:fontRef>
+        </p:style>
+        <p:txBody>
+          <a:bodyPr rtlCol="0" anchor="ctr"/>
+          <a:lstStyle/>
+          <a:p>
+            <a:pPr algn="ctr"/>
+            <a:endParaRPr lang="de-DE"/>
+          </a:p>
+        </p:txBody>
+      </p:sp>
+      <p:sp>
+        <p:nvSpPr>
+          <p:cNvPr id="19" name="Rectangle: Rounded Corners 18">
+            <a:extLst>
+              <a:ext uri="{FF2B5EF4-FFF2-40B4-BE49-F238E27FC236}">
+                <a16:creationId xmlns:a16="http://schemas.microsoft.com/office/drawing/2014/main" id="{1DE5B65F-483B-A84A-70D7-DCD09FE3B0E7}"/>
+              </a:ext>
+            </a:extLst>
+          </p:cNvPr>
+          <p:cNvSpPr/>
+          <p:nvPr/>
+        </p:nvSpPr>
+        <p:spPr>
+          <a:xfrm>
+            <a:off x="15765564" y="33222585"/>
+            <a:ext cx="7194683" cy="7073498"/>
+          </a:xfrm>
+          <a:prstGeom prst="roundRect">
+            <a:avLst>
+              <a:gd name="adj" fmla="val 2154"/>
+            </a:avLst>
+          </a:prstGeom>
+          <a:solidFill>
+            <a:schemeClr val="bg1"/>
+          </a:solidFill>
+          <a:ln w="254000">
+            <a:solidFill>
+              <a:srgbClr val="152C2C"/>
+            </a:solidFill>
+          </a:ln>
+        </p:spPr>
+        <p:style>
+          <a:lnRef idx="2">
+            <a:schemeClr val="accent1">
+              <a:shade val="15000"/>
+            </a:schemeClr>
+          </a:lnRef>
+          <a:fillRef idx="1">
+            <a:schemeClr val="accent1"/>
+          </a:fillRef>
+          <a:effectRef idx="0">
+            <a:schemeClr val="accent1"/>
+          </a:effectRef>
+          <a:fontRef idx="minor">
+            <a:schemeClr val="lt1"/>
+          </a:fontRef>
+        </p:style>
+        <p:txBody>
+          <a:bodyPr rtlCol="0" anchor="ctr"/>
+          <a:lstStyle/>
+          <a:p>
+            <a:pPr algn="ctr"/>
+            <a:endParaRPr lang="de-DE" dirty="0"/>
+          </a:p>
+        </p:txBody>
+      </p:sp>
+      <p:sp>
+        <p:nvSpPr>
+          <p:cNvPr id="16" name="Rectangle: Rounded Corners 15">
+            <a:extLst>
+              <a:ext uri="{FF2B5EF4-FFF2-40B4-BE49-F238E27FC236}">
+                <a16:creationId xmlns:a16="http://schemas.microsoft.com/office/drawing/2014/main" id="{C7FA495A-9C27-CC6C-54E8-E274F6376A44}"/>
+              </a:ext>
+            </a:extLst>
+          </p:cNvPr>
+          <p:cNvSpPr/>
+          <p:nvPr/>
+        </p:nvSpPr>
+        <p:spPr>
+          <a:xfrm>
+            <a:off x="619433" y="12816304"/>
+            <a:ext cx="29054323" cy="13032673"/>
+          </a:xfrm>
+          <a:prstGeom prst="roundRect">
+            <a:avLst>
+              <a:gd name="adj" fmla="val 1883"/>
+            </a:avLst>
+          </a:prstGeom>
+          <a:solidFill>
+            <a:schemeClr val="bg1"/>
+          </a:solidFill>
+          <a:ln w="254000">
+            <a:solidFill>
+              <a:srgbClr val="B57F56"/>
+            </a:solidFill>
+          </a:ln>
+        </p:spPr>
+        <p:style>
+          <a:lnRef idx="2">
+            <a:schemeClr val="accent1">
+              <a:shade val="15000"/>
+            </a:schemeClr>
+          </a:lnRef>
+          <a:fillRef idx="1">
+            <a:schemeClr val="accent1"/>
+          </a:fillRef>
+          <a:effectRef idx="0">
+            <a:schemeClr val="accent1"/>
+          </a:effectRef>
+          <a:fontRef idx="minor">
+            <a:schemeClr val="lt1"/>
+          </a:fontRef>
+        </p:style>
+        <p:txBody>
+          <a:bodyPr rtlCol="0" anchor="ctr"/>
+          <a:lstStyle/>
+          <a:p>
+            <a:pPr algn="ctr"/>
+            <a:endParaRPr lang="de-DE" dirty="0"/>
+          </a:p>
+        </p:txBody>
+      </p:sp>
+      <p:sp>
+        <p:nvSpPr>
+          <p:cNvPr id="14" name="Rectangle: Rounded Corners 13">
+            <a:extLst>
+              <a:ext uri="{FF2B5EF4-FFF2-40B4-BE49-F238E27FC236}">
+                <a16:creationId xmlns:a16="http://schemas.microsoft.com/office/drawing/2014/main" id="{18909301-6170-5D41-E3F1-724312B21968}"/>
+              </a:ext>
+            </a:extLst>
+          </p:cNvPr>
+          <p:cNvSpPr/>
+          <p:nvPr/>
+        </p:nvSpPr>
+        <p:spPr>
+          <a:xfrm>
+            <a:off x="619433" y="5268902"/>
+            <a:ext cx="29054323" cy="6831954"/>
+          </a:xfrm>
+          <a:prstGeom prst="roundRect">
+            <a:avLst>
+              <a:gd name="adj" fmla="val 4408"/>
+            </a:avLst>
+          </a:prstGeom>
+          <a:solidFill>
+            <a:schemeClr val="bg1"/>
+          </a:solidFill>
+          <a:ln w="254000">
+            <a:solidFill>
+              <a:srgbClr val="E7945E"/>
+            </a:solidFill>
+          </a:ln>
+        </p:spPr>
+        <p:style>
+          <a:lnRef idx="2">
+            <a:schemeClr val="accent1">
+              <a:shade val="15000"/>
+            </a:schemeClr>
+          </a:lnRef>
+          <a:fillRef idx="1">
+            <a:schemeClr val="accent1"/>
+          </a:fillRef>
+          <a:effectRef idx="0">
+            <a:schemeClr val="accent1"/>
+          </a:effectRef>
+          <a:fontRef idx="minor">
+            <a:schemeClr val="lt1"/>
+          </a:fontRef>
+        </p:style>
+        <p:txBody>
+          <a:bodyPr numCol="1" rtlCol="0" anchor="ctr"/>
+          <a:lstStyle/>
+          <a:p>
+            <a:pPr algn="ctr"/>
+            <a:r>
+              <a:rPr lang="de-DE" dirty="0"/>
+              <a:t> </a:t>
+            </a:r>
+          </a:p>
+        </p:txBody>
+      </p:sp>
+      <p:sp>
+        <p:nvSpPr>
+          <p:cNvPr id="20" name="TextBox 19">
+            <a:extLst>
+              <a:ext uri="{FF2B5EF4-FFF2-40B4-BE49-F238E27FC236}">
+                <a16:creationId xmlns:a16="http://schemas.microsoft.com/office/drawing/2014/main" id="{CEEFBC22-6DEF-0FB9-C0AE-21A162275454}"/>
+              </a:ext>
+            </a:extLst>
+          </p:cNvPr>
+          <p:cNvSpPr txBox="1"/>
+          <p:nvPr/>
+        </p:nvSpPr>
+        <p:spPr>
+          <a:xfrm>
+            <a:off x="1253554" y="7243086"/>
+            <a:ext cx="13893040" cy="4524315"/>
+          </a:xfrm>
+          <a:prstGeom prst="rect">
+            <a:avLst/>
+          </a:prstGeom>
+          <a:noFill/>
+          <a:ln>
+            <a:noFill/>
+          </a:ln>
+        </p:spPr>
+        <p:txBody>
+          <a:bodyPr wrap="square">
+            <a:spAutoFit/>
+          </a:bodyPr>
+          <a:lstStyle/>
+          <a:p>
+            <a:r>
+              <a:rPr lang="en-US" sz="2400" b="1" dirty="0"/>
+              <a:t>  </a:t>
+            </a:r>
+            <a:endParaRPr lang="en-US" sz="2400" dirty="0"/>
+          </a:p>
+          <a:p>
+            <a:pPr marL="457200" indent="-457200">
+              <a:buFont typeface="Arial" panose="020B0604020202020204" pitchFamily="34" charset="0"/>
+              <a:buChar char="•"/>
+            </a:pPr>
+            <a:r>
+              <a:rPr lang="de-DE" sz="2400" dirty="0"/>
+              <a:t>„We want to </a:t>
+            </a:r>
+            <a:r>
+              <a:rPr lang="en-US" sz="2400" dirty="0"/>
+              <a:t>extract RNA-dependent proteins from proteomic screens”</a:t>
+            </a:r>
+            <a:endParaRPr lang="de-DE" sz="2400" dirty="0"/>
+          </a:p>
+          <a:p>
+            <a:pPr marL="457200" indent="-457200">
+              <a:buFont typeface="Arial" panose="020B0604020202020204" pitchFamily="34" charset="0"/>
+              <a:buChar char="•"/>
+            </a:pPr>
+            <a:r>
+              <a:rPr lang="de-DE" sz="2400" dirty="0"/>
+              <a:t>„RNA-dependency = the proteins interactome depends on RNA“</a:t>
+            </a:r>
+          </a:p>
+          <a:p>
+            <a:endParaRPr lang="en-US" sz="2400" b="1" dirty="0"/>
+          </a:p>
+          <a:p>
+            <a:r>
+              <a:rPr lang="en-US" sz="2400" b="1" dirty="0"/>
+              <a:t>What Makes RNA-Dependent Proteins Worth Investigating?</a:t>
+            </a:r>
+          </a:p>
+          <a:p>
+            <a:pPr marL="457200" indent="-457200">
+              <a:buFont typeface="Arial" panose="020B0604020202020204" pitchFamily="34" charset="0"/>
+              <a:buChar char="•"/>
+            </a:pPr>
+            <a:r>
+              <a:rPr lang="de-DE" sz="2400" b="1" dirty="0"/>
+              <a:t>Key Regulators:</a:t>
+            </a:r>
+            <a:r>
+              <a:rPr lang="de-DE" sz="2400" dirty="0"/>
+              <a:t> RBPs control RNA metabolism &amp; gene expression.</a:t>
+            </a:r>
+          </a:p>
+          <a:p>
+            <a:pPr marL="457200" indent="-457200">
+              <a:buFont typeface="Arial" panose="020B0604020202020204" pitchFamily="34" charset="0"/>
+              <a:buChar char="•"/>
+            </a:pPr>
+            <a:r>
+              <a:rPr lang="de-DE" sz="2400" b="1" dirty="0"/>
+              <a:t>Disease Links:</a:t>
+            </a:r>
+            <a:r>
+              <a:rPr lang="de-DE" sz="2400" dirty="0"/>
+              <a:t> Misregulation is tied to cancer &amp; neurodegeneration.</a:t>
+            </a:r>
+          </a:p>
+          <a:p>
+            <a:pPr marL="457200" indent="-457200">
+              <a:buFont typeface="Arial" panose="020B0604020202020204" pitchFamily="34" charset="0"/>
+              <a:buChar char="•"/>
+            </a:pPr>
+            <a:r>
+              <a:rPr lang="de-DE" sz="2400" b="1" dirty="0"/>
+              <a:t>Functional Clues:</a:t>
+            </a:r>
+            <a:r>
+              <a:rPr lang="de-DE" sz="2400" dirty="0"/>
+              <a:t> New RBPs hint at RNA’s role in specific pathways.</a:t>
+            </a:r>
+          </a:p>
+          <a:p>
+            <a:pPr marL="457200" indent="-457200">
+              <a:buFont typeface="Arial" panose="020B0604020202020204" pitchFamily="34" charset="0"/>
+              <a:buChar char="•"/>
+            </a:pPr>
+            <a:r>
+              <a:rPr lang="de-DE" sz="2400" b="1" dirty="0"/>
+              <a:t>Interaction Networks:</a:t>
+            </a:r>
+            <a:r>
+              <a:rPr lang="de-DE" sz="2400" dirty="0"/>
+              <a:t> Mapping RNA-protein complexes reveals regulatory logic. </a:t>
+            </a:r>
+          </a:p>
+          <a:p>
+            <a:pPr marL="457200" indent="-457200">
+              <a:buFont typeface="Arial" panose="020B0604020202020204" pitchFamily="34" charset="0"/>
+              <a:buChar char="•"/>
+            </a:pPr>
+            <a:r>
+              <a:rPr lang="de-DE" sz="2400" b="1" dirty="0"/>
+              <a:t>Molecular Insights:</a:t>
+            </a:r>
+            <a:r>
+              <a:rPr lang="de-DE" sz="2400" dirty="0"/>
+              <a:t> Deepens our understanding of cell cycle and cellular behavior. </a:t>
+            </a:r>
+            <a:endParaRPr lang="en-US" sz="2400" b="1" dirty="0"/>
+          </a:p>
+          <a:p>
+            <a:pPr marL="457200" indent="-457200">
+              <a:buFont typeface="Arial" panose="020B0604020202020204" pitchFamily="34" charset="0"/>
+              <a:buChar char="•"/>
+            </a:pPr>
+            <a:endParaRPr lang="de-DE" sz="2400" dirty="0"/>
+          </a:p>
+          <a:p>
+            <a:pPr marL="457200" indent="-457200">
+              <a:buFont typeface="Arial" panose="020B0604020202020204" pitchFamily="34" charset="0"/>
+              <a:buChar char="•"/>
+            </a:pPr>
+            <a:endParaRPr lang="de-DE" sz="2400" dirty="0"/>
+          </a:p>
+        </p:txBody>
+      </p:sp>
+      <p:sp>
+        <p:nvSpPr>
+          <p:cNvPr id="3" name="TextBox 2">
+            <a:extLst>
+              <a:ext uri="{FF2B5EF4-FFF2-40B4-BE49-F238E27FC236}">
+                <a16:creationId xmlns:a16="http://schemas.microsoft.com/office/drawing/2014/main" id="{241EEAF9-E58A-617D-30EE-1E7290AB64BE}"/>
+              </a:ext>
+            </a:extLst>
+          </p:cNvPr>
+          <p:cNvSpPr txBox="1"/>
+          <p:nvPr/>
+        </p:nvSpPr>
+        <p:spPr>
+          <a:xfrm>
+            <a:off x="1887734" y="14957479"/>
+            <a:ext cx="24173364" cy="7109639"/>
+          </a:xfrm>
+          <a:prstGeom prst="rect">
+            <a:avLst/>
+          </a:prstGeom>
+          <a:noFill/>
+          <a:ln>
+            <a:noFill/>
+          </a:ln>
+        </p:spPr>
+        <p:txBody>
+          <a:bodyPr wrap="square">
+            <a:spAutoFit/>
+          </a:bodyPr>
+          <a:lstStyle/>
+          <a:p>
+            <a:r>
+              <a:rPr lang="en-US" sz="2400" b="1" dirty="0"/>
+              <a:t>1) Data preparation</a:t>
+            </a:r>
+          </a:p>
+          <a:p>
+            <a:pPr marL="457200" indent="-457200">
+              <a:buFont typeface="Arial" panose="020B0604020202020204" pitchFamily="34" charset="0"/>
+              <a:buChar char="•"/>
+            </a:pPr>
+            <a:r>
+              <a:rPr lang="en-US" sz="2400" dirty="0"/>
+              <a:t>Data cleanup</a:t>
+            </a:r>
+          </a:p>
+          <a:p>
+            <a:pPr marL="457200" indent="-457200">
+              <a:buFont typeface="Arial" panose="020B0604020202020204" pitchFamily="34" charset="0"/>
+              <a:buChar char="•"/>
+            </a:pPr>
+            <a:r>
+              <a:rPr lang="en-US" sz="2400" dirty="0"/>
+              <a:t>“Rearrange and reorder the columns to their treatment, replicate and fraction”</a:t>
+            </a:r>
+          </a:p>
+          <a:p>
+            <a:pPr marL="457200" indent="-457200">
+              <a:buFont typeface="Arial" panose="020B0604020202020204" pitchFamily="34" charset="0"/>
+              <a:buChar char="•"/>
+            </a:pPr>
+            <a:r>
+              <a:rPr lang="en-US" sz="2400" dirty="0"/>
+              <a:t>Normalization</a:t>
+            </a:r>
+          </a:p>
+          <a:p>
+            <a:endParaRPr lang="en-US" sz="2400" b="1" dirty="0"/>
+          </a:p>
+          <a:p>
+            <a:r>
+              <a:rPr lang="de-DE" sz="2400" b="1" dirty="0"/>
+              <a:t>2) Data exploration</a:t>
+            </a:r>
+            <a:endParaRPr lang="de-DE" sz="2400" dirty="0"/>
+          </a:p>
+          <a:p>
+            <a:pPr marL="457200" indent="-457200">
+              <a:buFont typeface="Arial" panose="020B0604020202020204" pitchFamily="34" charset="0"/>
+              <a:buChar char="•"/>
+            </a:pPr>
+            <a:r>
+              <a:rPr lang="en-US" sz="2400" dirty="0"/>
+              <a:t> Identification of maxima and shoulders</a:t>
+            </a:r>
+          </a:p>
+          <a:p>
+            <a:pPr marL="457200" indent="-457200">
+              <a:buFont typeface="Arial" panose="020B0604020202020204" pitchFamily="34" charset="0"/>
+              <a:buChar char="•"/>
+            </a:pPr>
+            <a:r>
+              <a:rPr lang="en-US" sz="2400" dirty="0"/>
+              <a:t> </a:t>
+            </a:r>
+            <a:r>
+              <a:rPr lang="de-DE" sz="2400" dirty="0"/>
+              <a:t>Selection criteria</a:t>
+            </a:r>
+            <a:r>
+              <a:rPr lang="en-US" sz="2400" dirty="0"/>
+              <a:t> &amp; Wilcoxon Test </a:t>
+            </a:r>
+          </a:p>
+          <a:p>
+            <a:pPr marL="457200" indent="-457200">
+              <a:buFont typeface="Arial" panose="020B0604020202020204" pitchFamily="34" charset="0"/>
+              <a:buChar char="•"/>
+            </a:pPr>
+            <a:r>
+              <a:rPr lang="en-US" sz="2400" dirty="0"/>
+              <a:t>Visualization for the </a:t>
+            </a:r>
+            <a:r>
+              <a:rPr lang="de-DE" sz="2400" dirty="0"/>
+              <a:t>order of selection criteria</a:t>
+            </a:r>
+            <a:endParaRPr lang="en-US" sz="2400" dirty="0"/>
+          </a:p>
+          <a:p>
+            <a:pPr marL="457200" indent="-457200">
+              <a:buFont typeface="Arial" panose="020B0604020202020204" pitchFamily="34" charset="0"/>
+              <a:buChar char="•"/>
+            </a:pPr>
+            <a:r>
+              <a:rPr lang="en-US" sz="2400" dirty="0"/>
+              <a:t>Pie charts for selection results</a:t>
+            </a:r>
+          </a:p>
+          <a:p>
+            <a:endParaRPr lang="en-US" sz="2400" b="1" dirty="0"/>
+          </a:p>
+          <a:p>
+            <a:r>
+              <a:rPr lang="de-DE" sz="2400" b="1" dirty="0"/>
+              <a:t>3) Data reduction</a:t>
+            </a:r>
+          </a:p>
+          <a:p>
+            <a:pPr marL="457200" indent="-457200">
+              <a:buFont typeface="Arial" panose="020B0604020202020204" pitchFamily="34" charset="0"/>
+              <a:buChar char="•"/>
+            </a:pPr>
+            <a:r>
+              <a:rPr lang="de-DE" sz="2400" dirty="0"/>
+              <a:t>PCR </a:t>
+            </a:r>
+            <a:endParaRPr lang="en-US" sz="2400" dirty="0"/>
+          </a:p>
+          <a:p>
+            <a:pPr marL="457200" indent="-457200">
+              <a:buFont typeface="Arial" panose="020B0604020202020204" pitchFamily="34" charset="0"/>
+              <a:buChar char="•"/>
+            </a:pPr>
+            <a:r>
+              <a:rPr lang="en-US" sz="2400" dirty="0"/>
+              <a:t> k-means clustering</a:t>
+            </a:r>
+          </a:p>
+          <a:p>
+            <a:pPr marL="457200" indent="-457200">
+              <a:buFont typeface="Arial" panose="020B0604020202020204" pitchFamily="34" charset="0"/>
+              <a:buChar char="•"/>
+            </a:pPr>
+            <a:endParaRPr lang="en-US" sz="2400" dirty="0"/>
+          </a:p>
+          <a:p>
+            <a:r>
+              <a:rPr lang="de-DE" sz="2400" b="1" dirty="0"/>
+              <a:t>4) Data modelling</a:t>
+            </a:r>
+          </a:p>
+          <a:p>
+            <a:pPr marL="457200" indent="-457200">
+              <a:buFont typeface="Arial" panose="020B0604020202020204" pitchFamily="34" charset="0"/>
+              <a:buChar char="•"/>
+            </a:pPr>
+            <a:r>
+              <a:rPr lang="en-US" sz="2400" dirty="0"/>
+              <a:t> Linear Regression </a:t>
+            </a:r>
+            <a:endParaRPr lang="en-US" sz="2400" b="1" dirty="0"/>
+          </a:p>
+          <a:p>
+            <a:endParaRPr lang="en-US" sz="2400" b="1" dirty="0"/>
+          </a:p>
+          <a:p>
+            <a:endParaRPr lang="en-US" sz="2400" b="1" dirty="0"/>
+          </a:p>
+        </p:txBody>
+      </p:sp>
+      <p:sp>
+        <p:nvSpPr>
+          <p:cNvPr id="5" name="TextBox 4">
+            <a:extLst>
+              <a:ext uri="{FF2B5EF4-FFF2-40B4-BE49-F238E27FC236}">
+                <a16:creationId xmlns:a16="http://schemas.microsoft.com/office/drawing/2014/main" id="{557814E2-24A8-F728-2A93-72227A405E48}"/>
+              </a:ext>
+            </a:extLst>
+          </p:cNvPr>
+          <p:cNvSpPr txBox="1"/>
+          <p:nvPr/>
+        </p:nvSpPr>
+        <p:spPr>
+          <a:xfrm>
+            <a:off x="1253554" y="28838120"/>
+            <a:ext cx="11401261" cy="11172289"/>
+          </a:xfrm>
+          <a:prstGeom prst="rect">
+            <a:avLst/>
+          </a:prstGeom>
+          <a:noFill/>
+          <a:ln>
+            <a:noFill/>
+          </a:ln>
+        </p:spPr>
+        <p:txBody>
+          <a:bodyPr wrap="square">
+            <a:spAutoFit/>
+          </a:bodyPr>
+          <a:lstStyle/>
+          <a:p>
+            <a:pPr marL="457200" indent="-457200">
+              <a:buFont typeface="Arial" panose="020B0604020202020204" pitchFamily="34" charset="0"/>
+              <a:buChar char="•"/>
+            </a:pPr>
+            <a:r>
+              <a:rPr lang="en-US" sz="2400" dirty="0"/>
+              <a:t>Critical review of our own results and methods (e.g., Selection criteria made us delete some RBPs. Why? What were their properties?)</a:t>
+            </a:r>
+          </a:p>
+          <a:p>
+            <a:pPr marL="457200" indent="-457200">
+              <a:buFont typeface="Arial" panose="020B0604020202020204" pitchFamily="34" charset="0"/>
+              <a:buChar char="•"/>
+            </a:pPr>
+            <a:r>
+              <a:rPr lang="en-US" sz="2400" dirty="0"/>
+              <a:t>Why do we find fewer proteins than </a:t>
+            </a:r>
+            <a:r>
+              <a:rPr lang="en-US" sz="2400" dirty="0" err="1"/>
+              <a:t>Maïwen</a:t>
+            </a:r>
+            <a:r>
+              <a:rPr lang="en-US" sz="2400" dirty="0"/>
+              <a:t>? </a:t>
+            </a:r>
+          </a:p>
+          <a:p>
+            <a:pPr marL="457200" indent="-457200">
+              <a:buFont typeface="Arial" panose="020B0604020202020204" pitchFamily="34" charset="0"/>
+              <a:buChar char="•"/>
+            </a:pPr>
+            <a:endParaRPr lang="en-US" sz="2400" dirty="0"/>
+          </a:p>
+          <a:p>
+            <a:pPr marL="457200" indent="-457200">
+              <a:buFont typeface="Arial" panose="020B0604020202020204" pitchFamily="34" charset="0"/>
+              <a:buChar char="•"/>
+            </a:pPr>
+            <a:endParaRPr lang="en-US" sz="2400" dirty="0"/>
+          </a:p>
+          <a:p>
+            <a:pPr marL="457200" indent="-457200">
+              <a:buFont typeface="Arial" panose="020B0604020202020204" pitchFamily="34" charset="0"/>
+              <a:buChar char="•"/>
+            </a:pPr>
+            <a:endParaRPr lang="en-US" sz="2400" dirty="0"/>
+          </a:p>
+          <a:p>
+            <a:pPr marL="457200" indent="-457200">
+              <a:buFont typeface="Arial" panose="020B0604020202020204" pitchFamily="34" charset="0"/>
+              <a:buChar char="•"/>
+            </a:pPr>
+            <a:endParaRPr lang="en-US" sz="2400" dirty="0"/>
+          </a:p>
+          <a:p>
+            <a:pPr marL="457200" indent="-457200">
+              <a:buFont typeface="Arial" panose="020B0604020202020204" pitchFamily="34" charset="0"/>
+              <a:buChar char="•"/>
+            </a:pPr>
+            <a:endParaRPr lang="en-US" sz="2400" dirty="0"/>
+          </a:p>
+          <a:p>
+            <a:pPr marL="457200" indent="-457200">
+              <a:buFont typeface="Arial" panose="020B0604020202020204" pitchFamily="34" charset="0"/>
+              <a:buChar char="•"/>
+            </a:pPr>
+            <a:endParaRPr lang="en-US" sz="2400" dirty="0"/>
+          </a:p>
+          <a:p>
+            <a:pPr marL="457200" indent="-457200">
+              <a:buFont typeface="Arial" panose="020B0604020202020204" pitchFamily="34" charset="0"/>
+              <a:buChar char="•"/>
+            </a:pPr>
+            <a:endParaRPr lang="en-US" sz="2400" dirty="0"/>
+          </a:p>
+          <a:p>
+            <a:pPr marL="457200" indent="-457200">
+              <a:buFont typeface="Arial" panose="020B0604020202020204" pitchFamily="34" charset="0"/>
+              <a:buChar char="•"/>
+            </a:pPr>
+            <a:endParaRPr lang="en-US" sz="2400" dirty="0"/>
+          </a:p>
+          <a:p>
+            <a:pPr marL="457200" indent="-457200">
+              <a:buFont typeface="Arial" panose="020B0604020202020204" pitchFamily="34" charset="0"/>
+              <a:buChar char="•"/>
+            </a:pPr>
+            <a:endParaRPr lang="en-US" sz="2400" dirty="0"/>
+          </a:p>
+          <a:p>
+            <a:pPr marL="457200" indent="-457200">
+              <a:buFont typeface="Arial" panose="020B0604020202020204" pitchFamily="34" charset="0"/>
+              <a:buChar char="•"/>
+            </a:pPr>
+            <a:endParaRPr lang="en-US" sz="2400" dirty="0"/>
+          </a:p>
+          <a:p>
+            <a:pPr marL="457200" indent="-457200">
+              <a:buFont typeface="Arial" panose="020B0604020202020204" pitchFamily="34" charset="0"/>
+              <a:buChar char="•"/>
+            </a:pPr>
+            <a:endParaRPr lang="en-US" sz="2400" dirty="0"/>
+          </a:p>
+          <a:p>
+            <a:pPr marL="457200" indent="-457200">
+              <a:buFont typeface="Arial" panose="020B0604020202020204" pitchFamily="34" charset="0"/>
+              <a:buChar char="•"/>
+            </a:pPr>
+            <a:endParaRPr lang="en-US" sz="2400" dirty="0"/>
+          </a:p>
+          <a:p>
+            <a:pPr marL="457200" indent="-457200">
+              <a:buFont typeface="Arial" panose="020B0604020202020204" pitchFamily="34" charset="0"/>
+              <a:buChar char="•"/>
+            </a:pPr>
+            <a:endParaRPr lang="en-US" sz="2400" dirty="0"/>
+          </a:p>
+          <a:p>
+            <a:pPr marL="457200" indent="-457200">
+              <a:buFont typeface="Arial" panose="020B0604020202020204" pitchFamily="34" charset="0"/>
+              <a:buChar char="•"/>
+            </a:pPr>
+            <a:endParaRPr lang="en-US" sz="2400" dirty="0"/>
+          </a:p>
+          <a:p>
+            <a:pPr marL="457200" indent="-457200">
+              <a:buFont typeface="Arial" panose="020B0604020202020204" pitchFamily="34" charset="0"/>
+              <a:buChar char="•"/>
+            </a:pPr>
+            <a:endParaRPr lang="en-US" sz="2400" dirty="0"/>
+          </a:p>
+          <a:p>
+            <a:pPr marL="457200" indent="-457200">
+              <a:buFont typeface="Arial" panose="020B0604020202020204" pitchFamily="34" charset="0"/>
+              <a:buChar char="•"/>
+            </a:pPr>
+            <a:endParaRPr lang="en-US" sz="2400" dirty="0"/>
+          </a:p>
+          <a:p>
+            <a:pPr marL="457200" indent="-457200">
+              <a:buFont typeface="Arial" panose="020B0604020202020204" pitchFamily="34" charset="0"/>
+              <a:buChar char="•"/>
+            </a:pPr>
+            <a:endParaRPr lang="en-US" sz="2400" dirty="0"/>
+          </a:p>
+          <a:p>
+            <a:pPr marL="457200" indent="-457200">
+              <a:buFont typeface="Arial" panose="020B0604020202020204" pitchFamily="34" charset="0"/>
+              <a:buChar char="•"/>
+            </a:pPr>
+            <a:endParaRPr lang="en-US" sz="2400" dirty="0"/>
+          </a:p>
+          <a:p>
+            <a:pPr marL="457200" indent="-457200">
+              <a:buFont typeface="Arial" panose="020B0604020202020204" pitchFamily="34" charset="0"/>
+              <a:buChar char="•"/>
+            </a:pPr>
+            <a:endParaRPr lang="en-US" sz="2400" dirty="0"/>
+          </a:p>
+          <a:p>
+            <a:pPr marL="457200" indent="-457200">
+              <a:buFont typeface="Arial" panose="020B0604020202020204" pitchFamily="34" charset="0"/>
+              <a:buChar char="•"/>
+            </a:pPr>
+            <a:endParaRPr lang="en-US" sz="2400" dirty="0"/>
+          </a:p>
+          <a:p>
+            <a:pPr marL="457200" indent="-457200">
+              <a:buFont typeface="Arial" panose="020B0604020202020204" pitchFamily="34" charset="0"/>
+              <a:buChar char="•"/>
+            </a:pPr>
+            <a:endParaRPr lang="en-US" sz="2400" dirty="0"/>
+          </a:p>
+          <a:p>
+            <a:pPr marL="457200" indent="-457200">
+              <a:buFont typeface="Arial" panose="020B0604020202020204" pitchFamily="34" charset="0"/>
+              <a:buChar char="•"/>
+            </a:pPr>
+            <a:endParaRPr lang="en-US" sz="2400" dirty="0"/>
+          </a:p>
+          <a:p>
+            <a:pPr marL="457200" indent="-457200">
+              <a:buFont typeface="Arial" panose="020B0604020202020204" pitchFamily="34" charset="0"/>
+              <a:buChar char="•"/>
+            </a:pPr>
+            <a:endParaRPr lang="en-US" sz="2400" dirty="0"/>
+          </a:p>
+          <a:p>
+            <a:pPr marL="457200" indent="-457200">
+              <a:buFont typeface="Arial" panose="020B0604020202020204" pitchFamily="34" charset="0"/>
+              <a:buChar char="•"/>
+            </a:pPr>
+            <a:endParaRPr lang="en-US" sz="2400" dirty="0"/>
+          </a:p>
+          <a:p>
+            <a:pPr marL="457200" indent="-457200">
+              <a:buFont typeface="Arial" panose="020B0604020202020204" pitchFamily="34" charset="0"/>
+              <a:buChar char="•"/>
+            </a:pPr>
+            <a:endParaRPr lang="en-US" sz="2400" dirty="0"/>
+          </a:p>
+          <a:p>
+            <a:pPr marL="457200" indent="-457200">
+              <a:buFont typeface="Arial" panose="020B0604020202020204" pitchFamily="34" charset="0"/>
+              <a:buChar char="•"/>
+            </a:pPr>
+            <a:endParaRPr lang="en-US" sz="2400" dirty="0"/>
+          </a:p>
+          <a:p>
+            <a:endParaRPr lang="en-US" sz="2400" b="1" dirty="0"/>
+          </a:p>
+        </p:txBody>
+      </p:sp>
+      <p:sp>
+        <p:nvSpPr>
+          <p:cNvPr id="6" name="TextBox 5">
+            <a:extLst>
+              <a:ext uri="{FF2B5EF4-FFF2-40B4-BE49-F238E27FC236}">
+                <a16:creationId xmlns:a16="http://schemas.microsoft.com/office/drawing/2014/main" id="{27CCA9C6-542F-DFB2-9A69-7FC60740217B}"/>
+              </a:ext>
+            </a:extLst>
+          </p:cNvPr>
+          <p:cNvSpPr txBox="1"/>
+          <p:nvPr/>
+        </p:nvSpPr>
+        <p:spPr>
+          <a:xfrm>
+            <a:off x="16242587" y="35200055"/>
+            <a:ext cx="5093413" cy="1569660"/>
+          </a:xfrm>
+          <a:prstGeom prst="rect">
+            <a:avLst/>
+          </a:prstGeom>
+          <a:noFill/>
+          <a:ln>
+            <a:noFill/>
+          </a:ln>
+        </p:spPr>
+        <p:txBody>
+          <a:bodyPr wrap="square">
+            <a:spAutoFit/>
+          </a:bodyPr>
+          <a:lstStyle/>
+          <a:p>
+            <a:pPr marL="457200" indent="-457200">
+              <a:buFont typeface="Arial" panose="020B0604020202020204" pitchFamily="34" charset="0"/>
+              <a:buChar char="•"/>
+            </a:pPr>
+            <a:endParaRPr lang="en-US" sz="2400" dirty="0"/>
+          </a:p>
+          <a:p>
+            <a:pPr marL="457200" indent="-457200">
+              <a:buFont typeface="Arial" panose="020B0604020202020204" pitchFamily="34" charset="0"/>
+              <a:buChar char="•"/>
+            </a:pPr>
+            <a:r>
+              <a:rPr lang="en-US" sz="2400" dirty="0"/>
+              <a:t>https://de.wikipedia.org/wiki/Eigentliche_Schnepfen</a:t>
+            </a:r>
+          </a:p>
+          <a:p>
+            <a:pPr marL="457200" indent="-457200">
+              <a:buFont typeface="Arial" panose="020B0604020202020204" pitchFamily="34" charset="0"/>
+              <a:buChar char="•"/>
+            </a:pPr>
+            <a:endParaRPr lang="en-US" sz="2400" dirty="0"/>
+          </a:p>
+        </p:txBody>
+      </p:sp>
+      <p:sp>
+        <p:nvSpPr>
+          <p:cNvPr id="7" name="TextBox 6">
+            <a:extLst>
+              <a:ext uri="{FF2B5EF4-FFF2-40B4-BE49-F238E27FC236}">
+                <a16:creationId xmlns:a16="http://schemas.microsoft.com/office/drawing/2014/main" id="{A24D6844-56B5-0968-8EE5-B70F4F774D0C}"/>
+              </a:ext>
+            </a:extLst>
+          </p:cNvPr>
+          <p:cNvSpPr txBox="1"/>
+          <p:nvPr/>
+        </p:nvSpPr>
+        <p:spPr>
+          <a:xfrm>
+            <a:off x="16242587" y="28638166"/>
+            <a:ext cx="8291810" cy="1200329"/>
+          </a:xfrm>
+          <a:prstGeom prst="rect">
+            <a:avLst/>
+          </a:prstGeom>
+          <a:noFill/>
+          <a:ln>
+            <a:noFill/>
+          </a:ln>
+        </p:spPr>
+        <p:txBody>
+          <a:bodyPr wrap="square">
+            <a:spAutoFit/>
+          </a:bodyPr>
+          <a:lstStyle/>
+          <a:p>
+            <a:pPr marL="457200" indent="-457200">
+              <a:buFont typeface="Arial" panose="020B0604020202020204" pitchFamily="34" charset="0"/>
+              <a:buChar char="•"/>
+            </a:pPr>
+            <a:r>
+              <a:rPr lang="de-DE" sz="2400" dirty="0"/>
+              <a:t>We found X proteins that ...</a:t>
+            </a:r>
+          </a:p>
+          <a:p>
+            <a:pPr marL="457200" indent="-457200">
+              <a:buFont typeface="Arial" panose="020B0604020202020204" pitchFamily="34" charset="0"/>
+              <a:buChar char="•"/>
+            </a:pPr>
+            <a:endParaRPr lang="de-DE" sz="2400" dirty="0"/>
+          </a:p>
+          <a:p>
+            <a:endParaRPr lang="en-US" sz="2400" b="1" dirty="0"/>
+          </a:p>
+        </p:txBody>
+      </p:sp>
+      <p:sp>
+        <p:nvSpPr>
+          <p:cNvPr id="24" name="Rectangle: Rounded Corners 23">
+            <a:extLst>
+              <a:ext uri="{FF2B5EF4-FFF2-40B4-BE49-F238E27FC236}">
+                <a16:creationId xmlns:a16="http://schemas.microsoft.com/office/drawing/2014/main" id="{0FC5CC0D-3EB5-304B-79EC-A6A2CAD7881E}"/>
+              </a:ext>
+            </a:extLst>
+          </p:cNvPr>
+          <p:cNvSpPr/>
+          <p:nvPr/>
+        </p:nvSpPr>
+        <p:spPr>
+          <a:xfrm>
+            <a:off x="619433" y="5268901"/>
+            <a:ext cx="29036347" cy="1430255"/>
+          </a:xfrm>
+          <a:prstGeom prst="roundRect">
+            <a:avLst>
+              <a:gd name="adj" fmla="val 0"/>
+            </a:avLst>
+          </a:prstGeom>
+          <a:solidFill>
+            <a:srgbClr val="E7945E"/>
+          </a:solidFill>
+          <a:ln>
+            <a:solidFill>
+              <a:srgbClr val="E7945E"/>
+            </a:solidFill>
+          </a:ln>
+        </p:spPr>
+        <p:style>
+          <a:lnRef idx="2">
+            <a:schemeClr val="accent1">
+              <a:shade val="15000"/>
+            </a:schemeClr>
+          </a:lnRef>
+          <a:fillRef idx="1">
+            <a:schemeClr val="accent1"/>
+          </a:fillRef>
+          <a:effectRef idx="0">
+            <a:schemeClr val="accent1"/>
+          </a:effectRef>
+          <a:fontRef idx="minor">
+            <a:schemeClr val="lt1"/>
+          </a:fontRef>
+        </p:style>
+        <p:txBody>
+          <a:bodyPr rtlCol="0" anchor="ctr"/>
+          <a:lstStyle/>
+          <a:p>
+            <a:r>
+              <a:rPr lang="en-US" sz="6000" b="1" dirty="0"/>
+              <a:t>                   Identifying RNA-Dependent Proteins from Proteomic Data</a:t>
+            </a:r>
+            <a:endParaRPr lang="en-US" sz="1500" b="1" dirty="0"/>
+          </a:p>
+          <a:p>
+            <a:pPr algn="ctr"/>
+            <a:endParaRPr lang="en-US" sz="1000" b="1" dirty="0"/>
+          </a:p>
+        </p:txBody>
+      </p:sp>
+      <p:sp>
+        <p:nvSpPr>
+          <p:cNvPr id="25" name="TextBox 24">
+            <a:extLst>
+              <a:ext uri="{FF2B5EF4-FFF2-40B4-BE49-F238E27FC236}">
+                <a16:creationId xmlns:a16="http://schemas.microsoft.com/office/drawing/2014/main" id="{B4212980-06B9-8340-A723-E9C650349722}"/>
+              </a:ext>
+            </a:extLst>
+          </p:cNvPr>
+          <p:cNvSpPr txBox="1"/>
+          <p:nvPr/>
+        </p:nvSpPr>
+        <p:spPr>
+          <a:xfrm>
+            <a:off x="15164570" y="7243086"/>
+            <a:ext cx="13893040" cy="2308324"/>
+          </a:xfrm>
+          <a:prstGeom prst="rect">
+            <a:avLst/>
+          </a:prstGeom>
+          <a:noFill/>
+          <a:ln>
+            <a:noFill/>
+          </a:ln>
+        </p:spPr>
+        <p:txBody>
+          <a:bodyPr wrap="square">
+            <a:spAutoFit/>
+          </a:bodyPr>
+          <a:lstStyle/>
+          <a:p>
+            <a:r>
+              <a:rPr lang="en-US" sz="2400" b="1" dirty="0"/>
+              <a:t>Key Characteristics of Our Dataset</a:t>
+            </a:r>
+            <a:endParaRPr lang="de-DE" sz="2400" b="1" dirty="0"/>
+          </a:p>
+          <a:p>
+            <a:pPr marL="457200" indent="-457200">
+              <a:buFont typeface="Arial" panose="020B0604020202020204" pitchFamily="34" charset="0"/>
+              <a:buChar char="•"/>
+            </a:pPr>
+            <a:r>
+              <a:rPr lang="en-US" sz="2400" dirty="0"/>
+              <a:t>Our dataset was generated using the R-Deep approach</a:t>
+            </a:r>
+          </a:p>
+          <a:p>
+            <a:pPr marL="457200" indent="-457200">
+              <a:buFont typeface="Arial" panose="020B0604020202020204" pitchFamily="34" charset="0"/>
+              <a:buChar char="•"/>
+            </a:pPr>
+            <a:r>
+              <a:rPr lang="de-DE" sz="2400" dirty="0"/>
+              <a:t>~5000 Proteine in 25 Fraktionen, Rnase vs. CTRL</a:t>
+            </a:r>
+            <a:endParaRPr lang="en-US" sz="2400" dirty="0"/>
+          </a:p>
+          <a:p>
+            <a:pPr marL="457200" indent="-457200">
+              <a:buFont typeface="Arial" panose="020B0604020202020204" pitchFamily="34" charset="0"/>
+              <a:buChar char="•"/>
+            </a:pPr>
+            <a:r>
+              <a:rPr lang="en-US" sz="2400" dirty="0"/>
+              <a:t>Dimensions</a:t>
+            </a:r>
+            <a:endParaRPr lang="en-US" sz="2400" b="1" dirty="0"/>
+          </a:p>
+          <a:p>
+            <a:pPr marL="457200" indent="-457200">
+              <a:buFont typeface="Arial" panose="020B0604020202020204" pitchFamily="34" charset="0"/>
+              <a:buChar char="•"/>
+            </a:pPr>
+            <a:endParaRPr lang="de-DE" sz="2400" dirty="0"/>
+          </a:p>
+          <a:p>
+            <a:pPr marL="457200" indent="-457200">
+              <a:buFont typeface="Arial" panose="020B0604020202020204" pitchFamily="34" charset="0"/>
+              <a:buChar char="•"/>
+            </a:pPr>
+            <a:endParaRPr lang="de-DE" sz="2400" dirty="0"/>
+          </a:p>
+        </p:txBody>
+      </p:sp>
+      <p:sp>
+        <p:nvSpPr>
+          <p:cNvPr id="27" name="Rectangle: Rounded Corners 26">
+            <a:extLst>
+              <a:ext uri="{FF2B5EF4-FFF2-40B4-BE49-F238E27FC236}">
+                <a16:creationId xmlns:a16="http://schemas.microsoft.com/office/drawing/2014/main" id="{B0FDB353-5CAA-8B22-7E68-4941947B54FF}"/>
+              </a:ext>
+            </a:extLst>
+          </p:cNvPr>
+          <p:cNvSpPr/>
+          <p:nvPr/>
+        </p:nvSpPr>
+        <p:spPr>
+          <a:xfrm>
+            <a:off x="668635" y="12821165"/>
+            <a:ext cx="28937944" cy="1430255"/>
+          </a:xfrm>
+          <a:prstGeom prst="roundRect">
+            <a:avLst>
+              <a:gd name="adj" fmla="val 0"/>
+            </a:avLst>
+          </a:prstGeom>
+          <a:solidFill>
+            <a:srgbClr val="B57F56"/>
+          </a:solidFill>
+          <a:ln>
+            <a:solidFill>
+              <a:srgbClr val="B57F56"/>
+            </a:solidFill>
+          </a:ln>
+        </p:spPr>
+        <p:style>
+          <a:lnRef idx="2">
+            <a:schemeClr val="accent1">
+              <a:shade val="15000"/>
+            </a:schemeClr>
+          </a:lnRef>
+          <a:fillRef idx="1">
+            <a:schemeClr val="accent1"/>
+          </a:fillRef>
+          <a:effectRef idx="0">
+            <a:schemeClr val="accent1"/>
+          </a:effectRef>
+          <a:fontRef idx="minor">
+            <a:schemeClr val="lt1"/>
+          </a:fontRef>
+        </p:style>
+        <p:txBody>
+          <a:bodyPr rtlCol="0" anchor="ctr"/>
+          <a:lstStyle/>
+          <a:p>
+            <a:r>
+              <a:rPr lang="en-US" sz="6000" b="1" dirty="0"/>
+              <a:t>                  Our Approach</a:t>
+            </a:r>
+            <a:endParaRPr lang="en-US" sz="1500" b="1" dirty="0"/>
+          </a:p>
+          <a:p>
+            <a:pPr algn="ctr"/>
+            <a:endParaRPr lang="en-US" sz="1000" b="1" dirty="0"/>
+          </a:p>
+        </p:txBody>
+      </p:sp>
+      <p:sp>
+        <p:nvSpPr>
+          <p:cNvPr id="28" name="Rectangle: Rounded Corners 27">
+            <a:extLst>
+              <a:ext uri="{FF2B5EF4-FFF2-40B4-BE49-F238E27FC236}">
+                <a16:creationId xmlns:a16="http://schemas.microsoft.com/office/drawing/2014/main" id="{CB3A26E1-4B03-89F9-BDE8-F7BADFC63AD0}"/>
+              </a:ext>
+            </a:extLst>
+          </p:cNvPr>
+          <p:cNvSpPr/>
+          <p:nvPr/>
+        </p:nvSpPr>
+        <p:spPr>
+          <a:xfrm>
+            <a:off x="668636" y="26557868"/>
+            <a:ext cx="14468970" cy="1430255"/>
+          </a:xfrm>
+          <a:prstGeom prst="roundRect">
+            <a:avLst>
+              <a:gd name="adj" fmla="val 0"/>
+            </a:avLst>
+          </a:prstGeom>
+          <a:solidFill>
+            <a:srgbClr val="76644D"/>
+          </a:solidFill>
+          <a:ln>
+            <a:solidFill>
+              <a:srgbClr val="76644D"/>
+            </a:solidFill>
+          </a:ln>
+        </p:spPr>
+        <p:style>
+          <a:lnRef idx="2">
+            <a:schemeClr val="accent1">
+              <a:shade val="15000"/>
+            </a:schemeClr>
+          </a:lnRef>
+          <a:fillRef idx="1">
+            <a:schemeClr val="accent1"/>
+          </a:fillRef>
+          <a:effectRef idx="0">
+            <a:schemeClr val="accent1"/>
+          </a:effectRef>
+          <a:fontRef idx="minor">
+            <a:schemeClr val="lt1"/>
+          </a:fontRef>
+        </p:style>
+        <p:txBody>
+          <a:bodyPr rtlCol="0" anchor="ctr"/>
+          <a:lstStyle/>
+          <a:p>
+            <a:r>
+              <a:rPr lang="en-US" sz="6000" b="1" dirty="0"/>
+              <a:t>                  Discussion</a:t>
+            </a:r>
+            <a:endParaRPr lang="en-US" sz="1500" b="1" dirty="0"/>
+          </a:p>
+          <a:p>
+            <a:endParaRPr lang="en-US" sz="1000" b="1" dirty="0"/>
+          </a:p>
+        </p:txBody>
+      </p:sp>
+      <p:sp>
+        <p:nvSpPr>
+          <p:cNvPr id="29" name="Rectangle: Rounded Corners 28">
+            <a:extLst>
+              <a:ext uri="{FF2B5EF4-FFF2-40B4-BE49-F238E27FC236}">
+                <a16:creationId xmlns:a16="http://schemas.microsoft.com/office/drawing/2014/main" id="{8128D3E9-C319-CC8D-F5E6-8EC9ABDADCD1}"/>
+              </a:ext>
+            </a:extLst>
+          </p:cNvPr>
+          <p:cNvSpPr/>
+          <p:nvPr/>
+        </p:nvSpPr>
+        <p:spPr>
+          <a:xfrm>
+            <a:off x="15765564" y="26710041"/>
+            <a:ext cx="13841013" cy="1430255"/>
+          </a:xfrm>
+          <a:prstGeom prst="roundRect">
+            <a:avLst>
+              <a:gd name="adj" fmla="val 0"/>
+            </a:avLst>
+          </a:prstGeom>
+          <a:solidFill>
+            <a:srgbClr val="465045"/>
+          </a:solidFill>
+          <a:ln>
+            <a:noFill/>
+          </a:ln>
+        </p:spPr>
+        <p:style>
+          <a:lnRef idx="2">
+            <a:schemeClr val="accent1">
+              <a:shade val="15000"/>
+            </a:schemeClr>
+          </a:lnRef>
+          <a:fillRef idx="1">
+            <a:schemeClr val="accent1"/>
+          </a:fillRef>
+          <a:effectRef idx="0">
+            <a:schemeClr val="accent1"/>
+          </a:effectRef>
+          <a:fontRef idx="minor">
+            <a:schemeClr val="lt1"/>
+          </a:fontRef>
+        </p:style>
+        <p:txBody>
+          <a:bodyPr rtlCol="0" anchor="ctr"/>
+          <a:lstStyle/>
+          <a:p>
+            <a:pPr algn="ctr"/>
+            <a:r>
+              <a:rPr lang="en-US" sz="6000" b="1" dirty="0"/>
+              <a:t>     Our Achievements</a:t>
+            </a:r>
+            <a:endParaRPr lang="en-US" sz="1000" b="1" dirty="0"/>
+          </a:p>
+        </p:txBody>
+      </p:sp>
+      <p:sp>
+        <p:nvSpPr>
+          <p:cNvPr id="30" name="Rectangle: Rounded Corners 29">
+            <a:extLst>
+              <a:ext uri="{FF2B5EF4-FFF2-40B4-BE49-F238E27FC236}">
+                <a16:creationId xmlns:a16="http://schemas.microsoft.com/office/drawing/2014/main" id="{A46DA571-EF0F-D655-E74C-BA1039F68586}"/>
+              </a:ext>
+            </a:extLst>
+          </p:cNvPr>
+          <p:cNvSpPr/>
+          <p:nvPr/>
+        </p:nvSpPr>
+        <p:spPr>
+          <a:xfrm>
+            <a:off x="15841730" y="33171728"/>
+            <a:ext cx="7118517" cy="1430255"/>
+          </a:xfrm>
+          <a:prstGeom prst="roundRect">
+            <a:avLst>
+              <a:gd name="adj" fmla="val 0"/>
+            </a:avLst>
+          </a:prstGeom>
+          <a:solidFill>
+            <a:srgbClr val="152C2C"/>
+          </a:solidFill>
+          <a:ln>
+            <a:solidFill>
+              <a:srgbClr val="152C2C"/>
+            </a:solidFill>
+          </a:ln>
+        </p:spPr>
+        <p:style>
+          <a:lnRef idx="2">
+            <a:schemeClr val="accent1">
+              <a:shade val="15000"/>
+            </a:schemeClr>
+          </a:lnRef>
+          <a:fillRef idx="1">
+            <a:schemeClr val="accent1"/>
+          </a:fillRef>
+          <a:effectRef idx="0">
+            <a:schemeClr val="accent1"/>
+          </a:effectRef>
+          <a:fontRef idx="minor">
+            <a:schemeClr val="lt1"/>
+          </a:fontRef>
+        </p:style>
+        <p:txBody>
+          <a:bodyPr rtlCol="0" anchor="ctr"/>
+          <a:lstStyle/>
+          <a:p>
+            <a:r>
+              <a:rPr lang="en-US" sz="6000" b="1" dirty="0"/>
+              <a:t>                 References</a:t>
+            </a:r>
+            <a:endParaRPr lang="en-US" sz="1000" b="1" dirty="0"/>
+          </a:p>
+        </p:txBody>
+      </p:sp>
+      <p:sp>
+        <p:nvSpPr>
+          <p:cNvPr id="15" name="Rectangle: Top Corners Rounded 14">
+            <a:extLst>
+              <a:ext uri="{FF2B5EF4-FFF2-40B4-BE49-F238E27FC236}">
+                <a16:creationId xmlns:a16="http://schemas.microsoft.com/office/drawing/2014/main" id="{102E6AFA-C420-C4D6-5788-31937611C682}"/>
+              </a:ext>
+            </a:extLst>
+          </p:cNvPr>
+          <p:cNvSpPr/>
+          <p:nvPr/>
+        </p:nvSpPr>
+        <p:spPr>
+          <a:xfrm flipV="1">
+            <a:off x="4914900" y="-21880"/>
+            <a:ext cx="20288249" cy="4463665"/>
+          </a:xfrm>
+          <a:prstGeom prst="round2SameRect">
+            <a:avLst/>
+          </a:prstGeom>
+          <a:solidFill>
+            <a:srgbClr val="13393A"/>
+          </a:solidFill>
+          <a:ln w="254000">
+            <a:noFill/>
+          </a:ln>
+        </p:spPr>
+        <p:style>
+          <a:lnRef idx="2">
+            <a:schemeClr val="accent1">
+              <a:shade val="15000"/>
+            </a:schemeClr>
+          </a:lnRef>
+          <a:fillRef idx="1">
+            <a:schemeClr val="accent1"/>
+          </a:fillRef>
+          <a:effectRef idx="0">
+            <a:schemeClr val="accent1"/>
+          </a:effectRef>
+          <a:fontRef idx="minor">
+            <a:schemeClr val="lt1"/>
+          </a:fontRef>
+        </p:style>
+        <p:txBody>
+          <a:bodyPr rtlCol="0" anchor="ctr"/>
+          <a:lstStyle/>
+          <a:p>
+            <a:pPr algn="ctr"/>
+            <a:endParaRPr lang="de-DE" dirty="0"/>
+          </a:p>
+        </p:txBody>
+      </p:sp>
+      <p:sp>
+        <p:nvSpPr>
+          <p:cNvPr id="23" name="Titel 1">
+            <a:extLst>
+              <a:ext uri="{FF2B5EF4-FFF2-40B4-BE49-F238E27FC236}">
+                <a16:creationId xmlns:a16="http://schemas.microsoft.com/office/drawing/2014/main" id="{A873A2AD-1B4F-6C08-9808-A6380A01529A}"/>
+              </a:ext>
+            </a:extLst>
+          </p:cNvPr>
+          <p:cNvSpPr txBox="1">
+            <a:spLocks/>
+          </p:cNvSpPr>
+          <p:nvPr/>
+        </p:nvSpPr>
+        <p:spPr>
+          <a:xfrm>
+            <a:off x="8664242" y="959551"/>
+            <a:ext cx="13000655" cy="1836887"/>
+          </a:xfrm>
+          <a:prstGeom prst="rect">
+            <a:avLst/>
+          </a:prstGeom>
+        </p:spPr>
+        <p:txBody>
+          <a:bodyPr vert="horz" lIns="91440" tIns="45720" rIns="91440" bIns="45720" rtlCol="0" anchor="b">
+            <a:noAutofit/>
+          </a:bodyPr>
+          <a:lstStyle>
+            <a:lvl1pPr algn="ctr" defTabSz="3027487" rtl="0" eaLnBrk="1" latinLnBrk="0" hangingPunct="1">
+              <a:lnSpc>
+                <a:spcPct val="90000"/>
+              </a:lnSpc>
+              <a:spcBef>
+                <a:spcPct val="0"/>
+              </a:spcBef>
+              <a:buNone/>
+              <a:defRPr sz="19865" kern="1200">
+                <a:solidFill>
+                  <a:schemeClr val="tx1"/>
+                </a:solidFill>
+                <a:latin typeface="+mj-lt"/>
+                <a:ea typeface="+mj-ea"/>
+                <a:cs typeface="+mj-cs"/>
+              </a:defRPr>
+            </a:lvl1pPr>
+          </a:lstStyle>
+          <a:p>
+            <a:pPr algn="l"/>
+            <a:r>
+              <a:rPr lang="de-DE" sz="7000" b="1" dirty="0">
+                <a:solidFill>
+                  <a:schemeClr val="bg1"/>
+                </a:solidFill>
+              </a:rPr>
+              <a:t>Hidden Alliances: RNA-Dependent Protein Interactions in Cancer Cells</a:t>
+            </a:r>
+            <a:endParaRPr lang="en-US" sz="7000" b="1" dirty="0">
+              <a:solidFill>
+                <a:schemeClr val="bg1"/>
+              </a:solidFill>
+            </a:endParaRPr>
+          </a:p>
+        </p:txBody>
+      </p:sp>
+      <p:sp>
+        <p:nvSpPr>
+          <p:cNvPr id="31" name="Titel 1">
+            <a:extLst>
+              <a:ext uri="{FF2B5EF4-FFF2-40B4-BE49-F238E27FC236}">
+                <a16:creationId xmlns:a16="http://schemas.microsoft.com/office/drawing/2014/main" id="{7520F38B-E979-8B95-09AE-F32C716A461E}"/>
+              </a:ext>
+            </a:extLst>
+          </p:cNvPr>
+          <p:cNvSpPr txBox="1">
+            <a:spLocks/>
+          </p:cNvSpPr>
+          <p:nvPr/>
+        </p:nvSpPr>
+        <p:spPr>
+          <a:xfrm>
+            <a:off x="9650865" y="2528719"/>
+            <a:ext cx="10973477" cy="1323687"/>
+          </a:xfrm>
+          <a:prstGeom prst="rect">
+            <a:avLst/>
+          </a:prstGeom>
+        </p:spPr>
+        <p:txBody>
+          <a:bodyPr vert="horz" lIns="45681" tIns="22840" rIns="45681" bIns="22840" rtlCol="0" anchor="b">
+            <a:noAutofit/>
+          </a:bodyPr>
+          <a:lstStyle>
+            <a:lvl1pPr algn="ctr" defTabSz="3027487" rtl="0" eaLnBrk="1" latinLnBrk="0" hangingPunct="1">
+              <a:lnSpc>
+                <a:spcPct val="90000"/>
+              </a:lnSpc>
+              <a:spcBef>
+                <a:spcPct val="0"/>
+              </a:spcBef>
+              <a:buNone/>
+              <a:defRPr sz="19865" kern="1200">
+                <a:solidFill>
+                  <a:schemeClr val="tx1"/>
+                </a:solidFill>
+                <a:latin typeface="+mj-lt"/>
+                <a:ea typeface="+mj-ea"/>
+                <a:cs typeface="+mj-cs"/>
+              </a:defRPr>
+            </a:lvl1pPr>
+          </a:lstStyle>
+          <a:p>
+            <a:r>
+              <a:rPr lang="de-DE" sz="2800" dirty="0">
+                <a:solidFill>
+                  <a:schemeClr val="bg1"/>
+                </a:solidFill>
+              </a:rPr>
+              <a:t>Julian </a:t>
+            </a:r>
+            <a:r>
+              <a:rPr lang="de-DE" sz="2800" dirty="0" err="1">
+                <a:solidFill>
+                  <a:schemeClr val="bg1"/>
+                </a:solidFill>
+              </a:rPr>
+              <a:t>Baureis</a:t>
+            </a:r>
+            <a:r>
+              <a:rPr lang="de-DE" sz="2800" dirty="0">
+                <a:solidFill>
+                  <a:schemeClr val="bg1"/>
+                </a:solidFill>
+              </a:rPr>
+              <a:t>, Julia Ferdin, Benjamin Nicklas, Luisa </a:t>
+            </a:r>
+            <a:r>
+              <a:rPr lang="de-DE" sz="2800" dirty="0" err="1">
+                <a:solidFill>
+                  <a:schemeClr val="bg1"/>
+                </a:solidFill>
+              </a:rPr>
+              <a:t>Wintel</a:t>
+            </a:r>
+            <a:endParaRPr lang="de-DE" sz="2800" dirty="0">
+              <a:solidFill>
+                <a:schemeClr val="bg1"/>
+              </a:solidFill>
+            </a:endParaRPr>
+          </a:p>
+          <a:p>
+            <a:r>
+              <a:rPr lang="de-DE" sz="2800" dirty="0">
+                <a:solidFill>
+                  <a:schemeClr val="bg1"/>
+                </a:solidFill>
+              </a:rPr>
+              <a:t>Data Analysis Project </a:t>
+            </a:r>
+            <a:r>
+              <a:rPr lang="de-DE" sz="2800" dirty="0" err="1">
+                <a:solidFill>
+                  <a:schemeClr val="bg1"/>
+                </a:solidFill>
+              </a:rPr>
+              <a:t>Molecular</a:t>
+            </a:r>
+            <a:r>
+              <a:rPr lang="de-DE" sz="2800" dirty="0">
+                <a:solidFill>
+                  <a:schemeClr val="bg1"/>
+                </a:solidFill>
+              </a:rPr>
+              <a:t> Biotechnology SS2025</a:t>
+            </a:r>
+          </a:p>
+        </p:txBody>
+      </p:sp>
+      <p:sp>
+        <p:nvSpPr>
+          <p:cNvPr id="32" name="Flowchart: Connector 31">
+            <a:extLst>
+              <a:ext uri="{FF2B5EF4-FFF2-40B4-BE49-F238E27FC236}">
+                <a16:creationId xmlns:a16="http://schemas.microsoft.com/office/drawing/2014/main" id="{7C4F7E8E-5E38-D14D-68E0-E6941BDF6633}"/>
+              </a:ext>
+            </a:extLst>
+          </p:cNvPr>
+          <p:cNvSpPr/>
+          <p:nvPr/>
+        </p:nvSpPr>
+        <p:spPr>
+          <a:xfrm>
+            <a:off x="1194289" y="4900265"/>
+            <a:ext cx="2006111" cy="1960592"/>
+          </a:xfrm>
+          <a:prstGeom prst="flowChartConnector">
+            <a:avLst/>
+          </a:prstGeom>
+          <a:solidFill>
+            <a:schemeClr val="bg1"/>
+          </a:solidFill>
+          <a:ln w="254000">
+            <a:solidFill>
+              <a:srgbClr val="E7945E"/>
+            </a:solidFill>
+          </a:ln>
+        </p:spPr>
+        <p:style>
+          <a:lnRef idx="2">
+            <a:schemeClr val="accent1">
+              <a:shade val="15000"/>
+            </a:schemeClr>
+          </a:lnRef>
+          <a:fillRef idx="1">
+            <a:schemeClr val="accent1"/>
+          </a:fillRef>
+          <a:effectRef idx="0">
+            <a:schemeClr val="accent1"/>
+          </a:effectRef>
+          <a:fontRef idx="minor">
+            <a:schemeClr val="lt1"/>
+          </a:fontRef>
+        </p:style>
+        <p:txBody>
+          <a:bodyPr rtlCol="0" anchor="ctr"/>
+          <a:lstStyle/>
+          <a:p>
+            <a:pPr algn="ctr"/>
+            <a:r>
+              <a:rPr lang="de-DE" sz="7000" b="1" dirty="0">
+                <a:solidFill>
+                  <a:srgbClr val="E7945E"/>
+                </a:solidFill>
+              </a:rPr>
+              <a:t>1</a:t>
+            </a:r>
+          </a:p>
+        </p:txBody>
+      </p:sp>
+      <p:sp>
+        <p:nvSpPr>
+          <p:cNvPr id="34" name="Flowchart: Connector 33">
+            <a:extLst>
+              <a:ext uri="{FF2B5EF4-FFF2-40B4-BE49-F238E27FC236}">
+                <a16:creationId xmlns:a16="http://schemas.microsoft.com/office/drawing/2014/main" id="{E948F019-D372-7B08-C79E-5A80DF523DFB}"/>
+              </a:ext>
+            </a:extLst>
+          </p:cNvPr>
+          <p:cNvSpPr/>
+          <p:nvPr/>
+        </p:nvSpPr>
+        <p:spPr>
+          <a:xfrm>
+            <a:off x="1194288" y="12498846"/>
+            <a:ext cx="2006111" cy="1960592"/>
+          </a:xfrm>
+          <a:prstGeom prst="flowChartConnector">
+            <a:avLst/>
+          </a:prstGeom>
+          <a:solidFill>
+            <a:schemeClr val="bg1"/>
+          </a:solidFill>
+          <a:ln w="254000">
+            <a:solidFill>
+              <a:srgbClr val="B57F56"/>
+            </a:solidFill>
+          </a:ln>
+        </p:spPr>
+        <p:style>
+          <a:lnRef idx="2">
+            <a:schemeClr val="accent1">
+              <a:shade val="15000"/>
+            </a:schemeClr>
+          </a:lnRef>
+          <a:fillRef idx="1">
+            <a:schemeClr val="accent1"/>
+          </a:fillRef>
+          <a:effectRef idx="0">
+            <a:schemeClr val="accent1"/>
+          </a:effectRef>
+          <a:fontRef idx="minor">
+            <a:schemeClr val="lt1"/>
+          </a:fontRef>
+        </p:style>
+        <p:txBody>
+          <a:bodyPr rtlCol="0" anchor="ctr"/>
+          <a:lstStyle/>
+          <a:p>
+            <a:pPr algn="ctr"/>
+            <a:r>
+              <a:rPr lang="de-DE" sz="7000" b="1" dirty="0">
+                <a:solidFill>
+                  <a:srgbClr val="B57F56"/>
+                </a:solidFill>
+              </a:rPr>
+              <a:t>2</a:t>
+            </a:r>
+          </a:p>
+        </p:txBody>
+      </p:sp>
+      <p:sp>
+        <p:nvSpPr>
+          <p:cNvPr id="35" name="Flowchart: Connector 34">
+            <a:extLst>
+              <a:ext uri="{FF2B5EF4-FFF2-40B4-BE49-F238E27FC236}">
+                <a16:creationId xmlns:a16="http://schemas.microsoft.com/office/drawing/2014/main" id="{9C0784C2-DE83-AC5D-8EB2-2632BFBD1716}"/>
+              </a:ext>
+            </a:extLst>
+          </p:cNvPr>
+          <p:cNvSpPr/>
+          <p:nvPr/>
+        </p:nvSpPr>
+        <p:spPr>
+          <a:xfrm>
+            <a:off x="1194287" y="26312976"/>
+            <a:ext cx="2006111" cy="1960592"/>
+          </a:xfrm>
+          <a:prstGeom prst="flowChartConnector">
+            <a:avLst/>
+          </a:prstGeom>
+          <a:solidFill>
+            <a:schemeClr val="bg1"/>
+          </a:solidFill>
+          <a:ln w="254000">
+            <a:solidFill>
+              <a:srgbClr val="76644D"/>
+            </a:solidFill>
+          </a:ln>
+        </p:spPr>
+        <p:style>
+          <a:lnRef idx="2">
+            <a:schemeClr val="accent1">
+              <a:shade val="15000"/>
+            </a:schemeClr>
+          </a:lnRef>
+          <a:fillRef idx="1">
+            <a:schemeClr val="accent1"/>
+          </a:fillRef>
+          <a:effectRef idx="0">
+            <a:schemeClr val="accent1"/>
+          </a:effectRef>
+          <a:fontRef idx="minor">
+            <a:schemeClr val="lt1"/>
+          </a:fontRef>
+        </p:style>
+        <p:txBody>
+          <a:bodyPr rtlCol="0" anchor="ctr"/>
+          <a:lstStyle/>
+          <a:p>
+            <a:pPr algn="ctr"/>
+            <a:r>
+              <a:rPr lang="de-DE" sz="7000" b="1" dirty="0">
+                <a:solidFill>
+                  <a:srgbClr val="76644D"/>
+                </a:solidFill>
+              </a:rPr>
+              <a:t>3</a:t>
+            </a:r>
+          </a:p>
+        </p:txBody>
+      </p:sp>
+      <p:sp>
+        <p:nvSpPr>
+          <p:cNvPr id="36" name="Flowchart: Connector 35">
+            <a:extLst>
+              <a:ext uri="{FF2B5EF4-FFF2-40B4-BE49-F238E27FC236}">
+                <a16:creationId xmlns:a16="http://schemas.microsoft.com/office/drawing/2014/main" id="{7F69448E-88C1-49EB-A393-10CF56DD6A3A}"/>
+              </a:ext>
+            </a:extLst>
+          </p:cNvPr>
+          <p:cNvSpPr/>
+          <p:nvPr/>
+        </p:nvSpPr>
+        <p:spPr>
+          <a:xfrm>
+            <a:off x="16242587" y="26367831"/>
+            <a:ext cx="2006111" cy="1960592"/>
+          </a:xfrm>
+          <a:prstGeom prst="flowChartConnector">
+            <a:avLst/>
+          </a:prstGeom>
+          <a:solidFill>
+            <a:schemeClr val="bg1"/>
+          </a:solidFill>
+          <a:ln w="254000">
+            <a:solidFill>
+              <a:srgbClr val="465045"/>
+            </a:solidFill>
+          </a:ln>
+        </p:spPr>
+        <p:style>
+          <a:lnRef idx="2">
+            <a:schemeClr val="accent1">
+              <a:shade val="15000"/>
+            </a:schemeClr>
+          </a:lnRef>
+          <a:fillRef idx="1">
+            <a:schemeClr val="accent1"/>
+          </a:fillRef>
+          <a:effectRef idx="0">
+            <a:schemeClr val="accent1"/>
+          </a:effectRef>
+          <a:fontRef idx="minor">
+            <a:schemeClr val="lt1"/>
+          </a:fontRef>
+        </p:style>
+        <p:txBody>
+          <a:bodyPr rtlCol="0" anchor="ctr"/>
+          <a:lstStyle/>
+          <a:p>
+            <a:pPr algn="ctr"/>
+            <a:r>
+              <a:rPr lang="de-DE" sz="7000" b="1" dirty="0">
+                <a:solidFill>
+                  <a:srgbClr val="465045"/>
+                </a:solidFill>
+              </a:rPr>
+              <a:t>4</a:t>
+            </a:r>
+          </a:p>
+        </p:txBody>
+      </p:sp>
+      <p:sp>
+        <p:nvSpPr>
+          <p:cNvPr id="37" name="Flowchart: Connector 36">
+            <a:extLst>
+              <a:ext uri="{FF2B5EF4-FFF2-40B4-BE49-F238E27FC236}">
+                <a16:creationId xmlns:a16="http://schemas.microsoft.com/office/drawing/2014/main" id="{FE1528EC-4F63-2D3C-28CF-B3A290950A84}"/>
+              </a:ext>
+            </a:extLst>
+          </p:cNvPr>
+          <p:cNvSpPr/>
+          <p:nvPr/>
+        </p:nvSpPr>
+        <p:spPr>
+          <a:xfrm>
+            <a:off x="16285627" y="32900076"/>
+            <a:ext cx="2006111" cy="1960592"/>
+          </a:xfrm>
+          <a:prstGeom prst="flowChartConnector">
+            <a:avLst/>
+          </a:prstGeom>
+          <a:solidFill>
+            <a:schemeClr val="bg1"/>
+          </a:solidFill>
+          <a:ln w="254000">
+            <a:solidFill>
+              <a:srgbClr val="152C2C"/>
+            </a:solidFill>
+          </a:ln>
+        </p:spPr>
+        <p:style>
+          <a:lnRef idx="2">
+            <a:schemeClr val="accent1">
+              <a:shade val="15000"/>
+            </a:schemeClr>
+          </a:lnRef>
+          <a:fillRef idx="1">
+            <a:schemeClr val="accent1"/>
+          </a:fillRef>
+          <a:effectRef idx="0">
+            <a:schemeClr val="accent1"/>
+          </a:effectRef>
+          <a:fontRef idx="minor">
+            <a:schemeClr val="lt1"/>
+          </a:fontRef>
+        </p:style>
+        <p:txBody>
+          <a:bodyPr rtlCol="0" anchor="ctr"/>
+          <a:lstStyle/>
+          <a:p>
+            <a:pPr algn="ctr"/>
+            <a:r>
+              <a:rPr lang="de-DE" sz="7000" b="1" dirty="0">
+                <a:solidFill>
+                  <a:srgbClr val="152C2C"/>
+                </a:solidFill>
+              </a:rPr>
+              <a:t>5</a:t>
+            </a:r>
+          </a:p>
+        </p:txBody>
+      </p:sp>
+      <p:pic>
+        <p:nvPicPr>
+          <p:cNvPr id="39" name="Picture 38">
+            <a:extLst>
+              <a:ext uri="{FF2B5EF4-FFF2-40B4-BE49-F238E27FC236}">
+                <a16:creationId xmlns:a16="http://schemas.microsoft.com/office/drawing/2014/main" id="{2F1BBC82-41DA-D98E-0EA2-205A288E96A9}"/>
+              </a:ext>
+            </a:extLst>
+          </p:cNvPr>
+          <p:cNvPicPr>
+            <a:picLocks noChangeAspect="1"/>
+          </p:cNvPicPr>
+          <p:nvPr/>
+        </p:nvPicPr>
+        <p:blipFill>
+          <a:blip r:embed="rId2"/>
+          <a:stretch>
+            <a:fillRect/>
+          </a:stretch>
+        </p:blipFill>
+        <p:spPr>
+          <a:xfrm>
+            <a:off x="23437270" y="36759334"/>
+            <a:ext cx="6538913" cy="3678137"/>
+          </a:xfrm>
+          <a:prstGeom prst="rect">
+            <a:avLst/>
+          </a:prstGeom>
+        </p:spPr>
+      </p:pic>
+      <p:pic>
+        <p:nvPicPr>
+          <p:cNvPr id="40" name="Picture 39">
+            <a:extLst>
+              <a:ext uri="{FF2B5EF4-FFF2-40B4-BE49-F238E27FC236}">
+                <a16:creationId xmlns:a16="http://schemas.microsoft.com/office/drawing/2014/main" id="{E13EAB15-BB13-73C1-5C49-7D13BE70589C}"/>
+              </a:ext>
+            </a:extLst>
+          </p:cNvPr>
+          <p:cNvPicPr>
+            <a:picLocks noChangeAspect="1"/>
+          </p:cNvPicPr>
+          <p:nvPr/>
+        </p:nvPicPr>
+        <p:blipFill>
+          <a:blip r:embed="rId3"/>
+          <a:stretch>
+            <a:fillRect/>
+          </a:stretch>
+        </p:blipFill>
+        <p:spPr>
+          <a:xfrm>
+            <a:off x="23329394" y="32942169"/>
+            <a:ext cx="6643297" cy="3735379"/>
+          </a:xfrm>
+          <a:prstGeom prst="rect">
+            <a:avLst/>
+          </a:prstGeom>
+        </p:spPr>
+      </p:pic>
+      <p:sp>
+        <p:nvSpPr>
+          <p:cNvPr id="58" name="Rectangle 57">
+            <a:extLst>
+              <a:ext uri="{FF2B5EF4-FFF2-40B4-BE49-F238E27FC236}">
+                <a16:creationId xmlns:a16="http://schemas.microsoft.com/office/drawing/2014/main" id="{DF422B7F-E7C0-EBF0-765B-6ADA7A53D3D1}"/>
+              </a:ext>
+            </a:extLst>
+          </p:cNvPr>
+          <p:cNvSpPr/>
+          <p:nvPr/>
+        </p:nvSpPr>
+        <p:spPr>
+          <a:xfrm flipV="1">
+            <a:off x="-1" y="40883037"/>
+            <a:ext cx="30275214" cy="1920726"/>
+          </a:xfrm>
+          <a:prstGeom prst="rect">
+            <a:avLst/>
+          </a:prstGeom>
+          <a:solidFill>
+            <a:srgbClr val="E7945E"/>
+          </a:solidFill>
+          <a:ln w="254000">
+            <a:noFill/>
+          </a:ln>
+        </p:spPr>
+        <p:style>
+          <a:lnRef idx="2">
+            <a:schemeClr val="accent1">
+              <a:shade val="15000"/>
+            </a:schemeClr>
+          </a:lnRef>
+          <a:fillRef idx="1">
+            <a:schemeClr val="accent1"/>
+          </a:fillRef>
+          <a:effectRef idx="0">
+            <a:schemeClr val="accent1"/>
+          </a:effectRef>
+          <a:fontRef idx="minor">
+            <a:schemeClr val="lt1"/>
+          </a:fontRef>
+        </p:style>
+        <p:txBody>
+          <a:bodyPr rtlCol="0" anchor="ctr"/>
+          <a:lstStyle/>
+          <a:p>
+            <a:pPr algn="ctr"/>
+            <a:endParaRPr lang="de-DE"/>
+          </a:p>
+        </p:txBody>
+      </p:sp>
+      <p:sp>
+        <p:nvSpPr>
+          <p:cNvPr id="59" name="Rectangle: Top Corners Rounded 58">
+            <a:extLst>
+              <a:ext uri="{FF2B5EF4-FFF2-40B4-BE49-F238E27FC236}">
+                <a16:creationId xmlns:a16="http://schemas.microsoft.com/office/drawing/2014/main" id="{6D4C9CD3-7FDB-16DF-B6C7-CF1C31A2FDF5}"/>
+              </a:ext>
+            </a:extLst>
+          </p:cNvPr>
+          <p:cNvSpPr/>
+          <p:nvPr/>
+        </p:nvSpPr>
+        <p:spPr>
+          <a:xfrm flipV="1">
+            <a:off x="856746" y="40880241"/>
+            <a:ext cx="28404556" cy="1921842"/>
+          </a:xfrm>
+          <a:prstGeom prst="round2SameRect">
+            <a:avLst>
+              <a:gd name="adj1" fmla="val 0"/>
+              <a:gd name="adj2" fmla="val 0"/>
+            </a:avLst>
+          </a:prstGeom>
+          <a:solidFill>
+            <a:srgbClr val="B57F56"/>
+          </a:solidFill>
+          <a:ln w="254000">
+            <a:noFill/>
+          </a:ln>
+        </p:spPr>
+        <p:style>
+          <a:lnRef idx="2">
+            <a:schemeClr val="accent1">
+              <a:shade val="15000"/>
+            </a:schemeClr>
+          </a:lnRef>
+          <a:fillRef idx="1">
+            <a:schemeClr val="accent1"/>
+          </a:fillRef>
+          <a:effectRef idx="0">
+            <a:schemeClr val="accent1"/>
+          </a:effectRef>
+          <a:fontRef idx="minor">
+            <a:schemeClr val="lt1"/>
+          </a:fontRef>
+        </p:style>
+        <p:txBody>
+          <a:bodyPr rtlCol="0" anchor="ctr"/>
+          <a:lstStyle/>
+          <a:p>
+            <a:pPr algn="ctr"/>
+            <a:endParaRPr lang="de-DE"/>
+          </a:p>
+        </p:txBody>
+      </p:sp>
+      <p:sp>
+        <p:nvSpPr>
+          <p:cNvPr id="60" name="Rectangle: Top Corners Rounded 59">
+            <a:extLst>
+              <a:ext uri="{FF2B5EF4-FFF2-40B4-BE49-F238E27FC236}">
+                <a16:creationId xmlns:a16="http://schemas.microsoft.com/office/drawing/2014/main" id="{F5863150-595C-9983-7031-2135505D34C7}"/>
+              </a:ext>
+            </a:extLst>
+          </p:cNvPr>
+          <p:cNvSpPr/>
+          <p:nvPr/>
+        </p:nvSpPr>
+        <p:spPr>
+          <a:xfrm flipV="1">
+            <a:off x="2245466" y="40878015"/>
+            <a:ext cx="25838205" cy="1923314"/>
+          </a:xfrm>
+          <a:prstGeom prst="round2SameRect">
+            <a:avLst>
+              <a:gd name="adj1" fmla="val 0"/>
+              <a:gd name="adj2" fmla="val 0"/>
+            </a:avLst>
+          </a:prstGeom>
+          <a:solidFill>
+            <a:srgbClr val="76644D"/>
+          </a:solidFill>
+          <a:ln w="254000">
+            <a:noFill/>
+          </a:ln>
+        </p:spPr>
+        <p:style>
+          <a:lnRef idx="2">
+            <a:schemeClr val="accent1">
+              <a:shade val="15000"/>
+            </a:schemeClr>
+          </a:lnRef>
+          <a:fillRef idx="1">
+            <a:schemeClr val="accent1"/>
+          </a:fillRef>
+          <a:effectRef idx="0">
+            <a:schemeClr val="accent1"/>
+          </a:effectRef>
+          <a:fontRef idx="minor">
+            <a:schemeClr val="lt1"/>
+          </a:fontRef>
+        </p:style>
+        <p:txBody>
+          <a:bodyPr rtlCol="0" anchor="ctr"/>
+          <a:lstStyle/>
+          <a:p>
+            <a:pPr algn="ctr"/>
+            <a:endParaRPr lang="de-DE"/>
+          </a:p>
+        </p:txBody>
+      </p:sp>
+      <p:sp>
+        <p:nvSpPr>
+          <p:cNvPr id="61" name="Rectangle: Top Corners Rounded 60">
+            <a:extLst>
+              <a:ext uri="{FF2B5EF4-FFF2-40B4-BE49-F238E27FC236}">
+                <a16:creationId xmlns:a16="http://schemas.microsoft.com/office/drawing/2014/main" id="{AAB8C81E-D50E-6FA4-1564-E9563D3E7C77}"/>
+              </a:ext>
+            </a:extLst>
+          </p:cNvPr>
+          <p:cNvSpPr/>
+          <p:nvPr/>
+        </p:nvSpPr>
+        <p:spPr>
+          <a:xfrm flipV="1">
+            <a:off x="3593302" y="40878014"/>
+            <a:ext cx="23088601" cy="1923315"/>
+          </a:xfrm>
+          <a:prstGeom prst="round2SameRect">
+            <a:avLst>
+              <a:gd name="adj1" fmla="val 0"/>
+              <a:gd name="adj2" fmla="val 0"/>
+            </a:avLst>
+          </a:prstGeom>
+          <a:solidFill>
+            <a:srgbClr val="465045"/>
+          </a:solidFill>
+          <a:ln w="254000">
+            <a:noFill/>
+          </a:ln>
+        </p:spPr>
+        <p:style>
+          <a:lnRef idx="2">
+            <a:schemeClr val="accent1">
+              <a:shade val="15000"/>
+            </a:schemeClr>
+          </a:lnRef>
+          <a:fillRef idx="1">
+            <a:schemeClr val="accent1"/>
+          </a:fillRef>
+          <a:effectRef idx="0">
+            <a:schemeClr val="accent1"/>
+          </a:effectRef>
+          <a:fontRef idx="minor">
+            <a:schemeClr val="lt1"/>
+          </a:fontRef>
+        </p:style>
+        <p:txBody>
+          <a:bodyPr rtlCol="0" anchor="ctr"/>
+          <a:lstStyle/>
+          <a:p>
+            <a:pPr algn="ctr"/>
+            <a:endParaRPr lang="de-DE"/>
+          </a:p>
+        </p:txBody>
+      </p:sp>
+      <p:sp>
+        <p:nvSpPr>
+          <p:cNvPr id="62" name="Rectangle: Top Corners Rounded 61">
+            <a:extLst>
+              <a:ext uri="{FF2B5EF4-FFF2-40B4-BE49-F238E27FC236}">
+                <a16:creationId xmlns:a16="http://schemas.microsoft.com/office/drawing/2014/main" id="{BE9E3805-7272-615B-EFC8-B58CD7C13187}"/>
+              </a:ext>
+            </a:extLst>
+          </p:cNvPr>
+          <p:cNvSpPr/>
+          <p:nvPr/>
+        </p:nvSpPr>
+        <p:spPr>
+          <a:xfrm flipV="1">
+            <a:off x="4914900" y="40877437"/>
+            <a:ext cx="20288249" cy="1926325"/>
+          </a:xfrm>
+          <a:prstGeom prst="round2SameRect">
+            <a:avLst>
+              <a:gd name="adj1" fmla="val 0"/>
+              <a:gd name="adj2" fmla="val 0"/>
+            </a:avLst>
+          </a:prstGeom>
+          <a:solidFill>
+            <a:srgbClr val="152C2C"/>
+          </a:solidFill>
+          <a:ln w="254000">
+            <a:noFill/>
+          </a:ln>
+        </p:spPr>
+        <p:style>
+          <a:lnRef idx="2">
+            <a:schemeClr val="accent1">
+              <a:shade val="15000"/>
+            </a:schemeClr>
+          </a:lnRef>
+          <a:fillRef idx="1">
+            <a:schemeClr val="accent1"/>
+          </a:fillRef>
+          <a:effectRef idx="0">
+            <a:schemeClr val="accent1"/>
+          </a:effectRef>
+          <a:fontRef idx="minor">
+            <a:schemeClr val="lt1"/>
+          </a:fontRef>
+        </p:style>
+        <p:txBody>
+          <a:bodyPr rtlCol="0" anchor="ctr"/>
+          <a:lstStyle/>
+          <a:p>
+            <a:pPr algn="ctr"/>
+            <a:endParaRPr lang="de-DE"/>
+          </a:p>
+        </p:txBody>
+      </p:sp>
+    </p:spTree>
+    <p:extLst>
+      <p:ext uri="{BB962C8B-B14F-4D97-AF65-F5344CB8AC3E}">
+        <p14:creationId xmlns:p14="http://schemas.microsoft.com/office/powerpoint/2010/main" val="4205756802"/>
+      </p:ext>
+    </p:extLst>
+  </p:cSld>
+  <p:clrMapOvr>
+    <a:masterClrMapping/>
+  </p:clrMapOvr>
+</p:sld>
+</file>
+
+<file path=ppt/slides/slide6.xml><?xml version="1.0" encoding="utf-8"?>
 <p:sld xmlns:a="http://schemas.openxmlformats.org/drawingml/2006/main" xmlns:r="http://schemas.openxmlformats.org/officeDocument/2006/relationships" xmlns:p="http://schemas.openxmlformats.org/presentationml/2006/main">
   <p:cSld>
     <p:spTree>
@@ -16930,7 +20703,7 @@
 </p:sld>
 </file>
 
-<file path=ppt/slides/slide6.xml><?xml version="1.0" encoding="utf-8"?>
+<file path=ppt/slides/slide7.xml><?xml version="1.0" encoding="utf-8"?>
 <p:sld xmlns:a="http://schemas.openxmlformats.org/drawingml/2006/main" xmlns:r="http://schemas.openxmlformats.org/officeDocument/2006/relationships" xmlns:p="http://schemas.openxmlformats.org/presentationml/2006/main">
   <p:cSld>
     <p:bg>
@@ -19415,7 +23188,7 @@
 </p:sld>
 </file>
 
-<file path=ppt/slides/slide7.xml><?xml version="1.0" encoding="utf-8"?>
+<file path=ppt/slides/slide8.xml><?xml version="1.0" encoding="utf-8"?>
 <p:sld xmlns:a="http://schemas.openxmlformats.org/drawingml/2006/main" xmlns:r="http://schemas.openxmlformats.org/officeDocument/2006/relationships" xmlns:p="http://schemas.openxmlformats.org/presentationml/2006/main">
   <p:cSld>
     <p:spTree>
@@ -21894,7 +25667,7 @@
 </p:sld>
 </file>
 
-<file path=ppt/slides/slide8.xml><?xml version="1.0" encoding="utf-8"?>
+<file path=ppt/slides/slide9.xml><?xml version="1.0" encoding="utf-8"?>
 <p:sld xmlns:a="http://schemas.openxmlformats.org/drawingml/2006/main" xmlns:r="http://schemas.openxmlformats.org/officeDocument/2006/relationships" xmlns:p="http://schemas.openxmlformats.org/presentationml/2006/main">
   <p:cSld>
     <p:bg>
@@ -23616,1658 +27389,6 @@
     <p:extLst>
       <p:ext uri="{BB962C8B-B14F-4D97-AF65-F5344CB8AC3E}">
         <p14:creationId xmlns:p14="http://schemas.microsoft.com/office/powerpoint/2010/main" val="2070410323"/>
-      </p:ext>
-    </p:extLst>
-  </p:cSld>
-  <p:clrMapOvr>
-    <a:masterClrMapping/>
-  </p:clrMapOvr>
-</p:sld>
-</file>
-
-<file path=ppt/slides/slide9.xml><?xml version="1.0" encoding="utf-8"?>
-<p:sld xmlns:a="http://schemas.openxmlformats.org/drawingml/2006/main" xmlns:r="http://schemas.openxmlformats.org/officeDocument/2006/relationships" xmlns:p="http://schemas.openxmlformats.org/presentationml/2006/main">
-  <p:cSld>
-    <p:bg>
-      <p:bgPr>
-        <a:solidFill>
-          <a:srgbClr val="D5D5D5"/>
-        </a:solidFill>
-        <a:effectLst/>
-      </p:bgPr>
-    </p:bg>
-    <p:spTree>
-      <p:nvGrpSpPr>
-        <p:cNvPr id="1" name="">
-          <a:extLst>
-            <a:ext uri="{FF2B5EF4-FFF2-40B4-BE49-F238E27FC236}">
-              <a16:creationId xmlns:a16="http://schemas.microsoft.com/office/drawing/2014/main" id="{D56F377D-295D-9581-94CD-56975E62B1BF}"/>
-            </a:ext>
-          </a:extLst>
-        </p:cNvPr>
-        <p:cNvGrpSpPr/>
-        <p:nvPr/>
-      </p:nvGrpSpPr>
-      <p:grpSpPr>
-        <a:xfrm>
-          <a:off x="0" y="0"/>
-          <a:ext cx="0" cy="0"/>
-          <a:chOff x="0" y="0"/>
-          <a:chExt cx="0" cy="0"/>
-        </a:xfrm>
-      </p:grpSpPr>
-      <p:sp>
-        <p:nvSpPr>
-          <p:cNvPr id="17" name="Rectangle: Rounded Corners 16">
-            <a:extLst>
-              <a:ext uri="{FF2B5EF4-FFF2-40B4-BE49-F238E27FC236}">
-                <a16:creationId xmlns:a16="http://schemas.microsoft.com/office/drawing/2014/main" id="{DCE63D26-2A55-6D36-CB96-48EEDC7A82C6}"/>
-              </a:ext>
-            </a:extLst>
-          </p:cNvPr>
-          <p:cNvSpPr/>
-          <p:nvPr/>
-        </p:nvSpPr>
-        <p:spPr>
-          <a:xfrm>
-            <a:off x="619433" y="31244169"/>
-            <a:ext cx="17743067" cy="11024530"/>
-          </a:xfrm>
-          <a:prstGeom prst="roundRect">
-            <a:avLst>
-              <a:gd name="adj" fmla="val 3189"/>
-            </a:avLst>
-          </a:prstGeom>
-          <a:solidFill>
-            <a:schemeClr val="bg1"/>
-          </a:solidFill>
-          <a:ln w="254000">
-            <a:solidFill>
-              <a:srgbClr val="626D58"/>
-            </a:solidFill>
-          </a:ln>
-        </p:spPr>
-        <p:style>
-          <a:lnRef idx="2">
-            <a:schemeClr val="accent1">
-              <a:shade val="15000"/>
-            </a:schemeClr>
-          </a:lnRef>
-          <a:fillRef idx="1">
-            <a:schemeClr val="accent1"/>
-          </a:fillRef>
-          <a:effectRef idx="0">
-            <a:schemeClr val="accent1"/>
-          </a:effectRef>
-          <a:fontRef idx="minor">
-            <a:schemeClr val="lt1"/>
-          </a:fontRef>
-        </p:style>
-        <p:txBody>
-          <a:bodyPr rtlCol="0" anchor="ctr"/>
-          <a:lstStyle/>
-          <a:p>
-            <a:pPr algn="ctr"/>
-            <a:endParaRPr lang="de-DE"/>
-          </a:p>
-        </p:txBody>
-      </p:sp>
-      <p:sp>
-        <p:nvSpPr>
-          <p:cNvPr id="18" name="Rectangle: Rounded Corners 17">
-            <a:extLst>
-              <a:ext uri="{FF2B5EF4-FFF2-40B4-BE49-F238E27FC236}">
-                <a16:creationId xmlns:a16="http://schemas.microsoft.com/office/drawing/2014/main" id="{3373BAD0-B1D3-B7F1-F464-305EA2D5ADB3}"/>
-              </a:ext>
-            </a:extLst>
-          </p:cNvPr>
-          <p:cNvSpPr/>
-          <p:nvPr/>
-        </p:nvSpPr>
-        <p:spPr>
-          <a:xfrm>
-            <a:off x="18848439" y="31244168"/>
-            <a:ext cx="10807341" cy="6130088"/>
-          </a:xfrm>
-          <a:prstGeom prst="roundRect">
-            <a:avLst>
-              <a:gd name="adj" fmla="val 2683"/>
-            </a:avLst>
-          </a:prstGeom>
-          <a:solidFill>
-            <a:schemeClr val="bg1"/>
-          </a:solidFill>
-          <a:ln w="254000">
-            <a:solidFill>
-              <a:srgbClr val="B31029"/>
-            </a:solidFill>
-          </a:ln>
-        </p:spPr>
-        <p:style>
-          <a:lnRef idx="2">
-            <a:schemeClr val="accent1">
-              <a:shade val="15000"/>
-            </a:schemeClr>
-          </a:lnRef>
-          <a:fillRef idx="1">
-            <a:schemeClr val="accent1"/>
-          </a:fillRef>
-          <a:effectRef idx="0">
-            <a:schemeClr val="accent1"/>
-          </a:effectRef>
-          <a:fontRef idx="minor">
-            <a:schemeClr val="lt1"/>
-          </a:fontRef>
-        </p:style>
-        <p:txBody>
-          <a:bodyPr rtlCol="0" anchor="ctr"/>
-          <a:lstStyle/>
-          <a:p>
-            <a:pPr algn="ctr"/>
-            <a:endParaRPr lang="de-DE"/>
-          </a:p>
-        </p:txBody>
-      </p:sp>
-      <p:sp>
-        <p:nvSpPr>
-          <p:cNvPr id="19" name="Rectangle: Rounded Corners 18">
-            <a:extLst>
-              <a:ext uri="{FF2B5EF4-FFF2-40B4-BE49-F238E27FC236}">
-                <a16:creationId xmlns:a16="http://schemas.microsoft.com/office/drawing/2014/main" id="{A30D7989-DBFF-C477-104E-A9A0EB0F68BE}"/>
-              </a:ext>
-            </a:extLst>
-          </p:cNvPr>
-          <p:cNvSpPr/>
-          <p:nvPr/>
-        </p:nvSpPr>
-        <p:spPr>
-          <a:xfrm>
-            <a:off x="18866415" y="38023185"/>
-            <a:ext cx="10807341" cy="4245514"/>
-          </a:xfrm>
-          <a:prstGeom prst="roundRect">
-            <a:avLst>
-              <a:gd name="adj" fmla="val 7244"/>
-            </a:avLst>
-          </a:prstGeom>
-          <a:solidFill>
-            <a:schemeClr val="bg1"/>
-          </a:solidFill>
-          <a:ln w="254000">
-            <a:solidFill>
-              <a:srgbClr val="77966D"/>
-            </a:solidFill>
-          </a:ln>
-        </p:spPr>
-        <p:style>
-          <a:lnRef idx="2">
-            <a:schemeClr val="accent1">
-              <a:shade val="15000"/>
-            </a:schemeClr>
-          </a:lnRef>
-          <a:fillRef idx="1">
-            <a:schemeClr val="accent1"/>
-          </a:fillRef>
-          <a:effectRef idx="0">
-            <a:schemeClr val="accent1"/>
-          </a:effectRef>
-          <a:fontRef idx="minor">
-            <a:schemeClr val="lt1"/>
-          </a:fontRef>
-        </p:style>
-        <p:txBody>
-          <a:bodyPr rtlCol="0" anchor="ctr"/>
-          <a:lstStyle/>
-          <a:p>
-            <a:pPr algn="ctr"/>
-            <a:endParaRPr lang="de-DE"/>
-          </a:p>
-        </p:txBody>
-      </p:sp>
-      <p:sp>
-        <p:nvSpPr>
-          <p:cNvPr id="16" name="Rectangle: Rounded Corners 15">
-            <a:extLst>
-              <a:ext uri="{FF2B5EF4-FFF2-40B4-BE49-F238E27FC236}">
-                <a16:creationId xmlns:a16="http://schemas.microsoft.com/office/drawing/2014/main" id="{CBF719C4-90ED-3E35-A287-A00EB7E8FCB0}"/>
-              </a:ext>
-            </a:extLst>
-          </p:cNvPr>
-          <p:cNvSpPr/>
-          <p:nvPr/>
-        </p:nvSpPr>
-        <p:spPr>
-          <a:xfrm>
-            <a:off x="619433" y="14359353"/>
-            <a:ext cx="29054323" cy="16443286"/>
-          </a:xfrm>
-          <a:prstGeom prst="roundRect">
-            <a:avLst>
-              <a:gd name="adj" fmla="val 1883"/>
-            </a:avLst>
-          </a:prstGeom>
-          <a:solidFill>
-            <a:schemeClr val="bg1"/>
-          </a:solidFill>
-          <a:ln w="254000">
-            <a:solidFill>
-              <a:srgbClr val="B31029"/>
-            </a:solidFill>
-          </a:ln>
-        </p:spPr>
-        <p:style>
-          <a:lnRef idx="2">
-            <a:schemeClr val="accent1">
-              <a:shade val="15000"/>
-            </a:schemeClr>
-          </a:lnRef>
-          <a:fillRef idx="1">
-            <a:schemeClr val="accent1"/>
-          </a:fillRef>
-          <a:effectRef idx="0">
-            <a:schemeClr val="accent1"/>
-          </a:effectRef>
-          <a:fontRef idx="minor">
-            <a:schemeClr val="lt1"/>
-          </a:fontRef>
-        </p:style>
-        <p:txBody>
-          <a:bodyPr rtlCol="0" anchor="ctr"/>
-          <a:lstStyle/>
-          <a:p>
-            <a:pPr algn="ctr"/>
-            <a:endParaRPr lang="de-DE" dirty="0"/>
-          </a:p>
-        </p:txBody>
-      </p:sp>
-      <p:sp>
-        <p:nvSpPr>
-          <p:cNvPr id="14" name="Rectangle: Rounded Corners 13">
-            <a:extLst>
-              <a:ext uri="{FF2B5EF4-FFF2-40B4-BE49-F238E27FC236}">
-                <a16:creationId xmlns:a16="http://schemas.microsoft.com/office/drawing/2014/main" id="{3DF204A4-DE6F-EC0C-7F2A-115AAB5469F5}"/>
-              </a:ext>
-            </a:extLst>
-          </p:cNvPr>
-          <p:cNvSpPr/>
-          <p:nvPr/>
-        </p:nvSpPr>
-        <p:spPr>
-          <a:xfrm>
-            <a:off x="619433" y="5978668"/>
-            <a:ext cx="29054323" cy="7925246"/>
-          </a:xfrm>
-          <a:prstGeom prst="roundRect">
-            <a:avLst>
-              <a:gd name="adj" fmla="val 4408"/>
-            </a:avLst>
-          </a:prstGeom>
-          <a:solidFill>
-            <a:schemeClr val="bg1"/>
-          </a:solidFill>
-          <a:ln w="254000">
-            <a:solidFill>
-              <a:srgbClr val="320A28"/>
-            </a:solidFill>
-          </a:ln>
-        </p:spPr>
-        <p:style>
-          <a:lnRef idx="2">
-            <a:schemeClr val="accent1">
-              <a:shade val="15000"/>
-            </a:schemeClr>
-          </a:lnRef>
-          <a:fillRef idx="1">
-            <a:schemeClr val="accent1"/>
-          </a:fillRef>
-          <a:effectRef idx="0">
-            <a:schemeClr val="accent1"/>
-          </a:effectRef>
-          <a:fontRef idx="minor">
-            <a:schemeClr val="lt1"/>
-          </a:fontRef>
-        </p:style>
-        <p:txBody>
-          <a:bodyPr numCol="1" rtlCol="0" anchor="ctr"/>
-          <a:lstStyle/>
-          <a:p>
-            <a:pPr algn="ctr"/>
-            <a:r>
-              <a:rPr lang="de-DE" dirty="0"/>
-              <a:t> </a:t>
-            </a:r>
-          </a:p>
-        </p:txBody>
-      </p:sp>
-      <p:sp>
-        <p:nvSpPr>
-          <p:cNvPr id="13" name="Rectangle 12">
-            <a:extLst>
-              <a:ext uri="{FF2B5EF4-FFF2-40B4-BE49-F238E27FC236}">
-                <a16:creationId xmlns:a16="http://schemas.microsoft.com/office/drawing/2014/main" id="{E55E5E4F-55D1-9112-EA20-12BD7C7824E8}"/>
-              </a:ext>
-            </a:extLst>
-          </p:cNvPr>
-          <p:cNvSpPr/>
-          <p:nvPr/>
-        </p:nvSpPr>
-        <p:spPr>
-          <a:xfrm>
-            <a:off x="-1" y="0"/>
-            <a:ext cx="30275213" cy="5437746"/>
-          </a:xfrm>
-          <a:prstGeom prst="rect">
-            <a:avLst/>
-          </a:prstGeom>
-          <a:solidFill>
-            <a:schemeClr val="bg1"/>
-          </a:solidFill>
-          <a:ln>
-            <a:noFill/>
-          </a:ln>
-        </p:spPr>
-        <p:style>
-          <a:lnRef idx="2">
-            <a:schemeClr val="accent1">
-              <a:shade val="15000"/>
-            </a:schemeClr>
-          </a:lnRef>
-          <a:fillRef idx="1">
-            <a:schemeClr val="accent1"/>
-          </a:fillRef>
-          <a:effectRef idx="0">
-            <a:schemeClr val="accent1"/>
-          </a:effectRef>
-          <a:fontRef idx="minor">
-            <a:schemeClr val="lt1"/>
-          </a:fontRef>
-        </p:style>
-        <p:txBody>
-          <a:bodyPr rtlCol="0" anchor="ctr"/>
-          <a:lstStyle/>
-          <a:p>
-            <a:pPr algn="ctr"/>
-            <a:endParaRPr lang="de-DE"/>
-          </a:p>
-        </p:txBody>
-      </p:sp>
-      <p:pic>
-        <p:nvPicPr>
-          <p:cNvPr id="9" name="Picture 8">
-            <a:extLst>
-              <a:ext uri="{FF2B5EF4-FFF2-40B4-BE49-F238E27FC236}">
-                <a16:creationId xmlns:a16="http://schemas.microsoft.com/office/drawing/2014/main" id="{764040E7-9F7A-1695-33EB-BCAC71B47C35}"/>
-              </a:ext>
-            </a:extLst>
-          </p:cNvPr>
-          <p:cNvPicPr>
-            <a:picLocks noChangeAspect="1"/>
-          </p:cNvPicPr>
-          <p:nvPr/>
-        </p:nvPicPr>
-        <p:blipFill>
-          <a:blip r:embed="rId2"/>
-          <a:stretch>
-            <a:fillRect/>
-          </a:stretch>
-        </p:blipFill>
-        <p:spPr>
-          <a:xfrm>
-            <a:off x="99683" y="23020"/>
-            <a:ext cx="9050209" cy="5088730"/>
-          </a:xfrm>
-          <a:prstGeom prst="rect">
-            <a:avLst/>
-          </a:prstGeom>
-        </p:spPr>
-      </p:pic>
-      <p:pic>
-        <p:nvPicPr>
-          <p:cNvPr id="11" name="Picture 10">
-            <a:extLst>
-              <a:ext uri="{FF2B5EF4-FFF2-40B4-BE49-F238E27FC236}">
-                <a16:creationId xmlns:a16="http://schemas.microsoft.com/office/drawing/2014/main" id="{DA82CCC1-5E3B-DC8A-F4B9-3BCE30F61608}"/>
-              </a:ext>
-            </a:extLst>
-          </p:cNvPr>
-          <p:cNvPicPr>
-            <a:picLocks noChangeAspect="1"/>
-          </p:cNvPicPr>
-          <p:nvPr/>
-        </p:nvPicPr>
-        <p:blipFill>
-          <a:blip r:embed="rId3"/>
-          <a:stretch>
-            <a:fillRect/>
-          </a:stretch>
-        </p:blipFill>
-        <p:spPr>
-          <a:xfrm>
-            <a:off x="23489343" y="704131"/>
-            <a:ext cx="6328620" cy="3559849"/>
-          </a:xfrm>
-          <a:prstGeom prst="rect">
-            <a:avLst/>
-          </a:prstGeom>
-        </p:spPr>
-      </p:pic>
-      <p:sp>
-        <p:nvSpPr>
-          <p:cNvPr id="4" name="Titel 1">
-            <a:extLst>
-              <a:ext uri="{FF2B5EF4-FFF2-40B4-BE49-F238E27FC236}">
-                <a16:creationId xmlns:a16="http://schemas.microsoft.com/office/drawing/2014/main" id="{E25DD35F-ED77-9EE5-F4AE-8CF89EA825C8}"/>
-              </a:ext>
-            </a:extLst>
-          </p:cNvPr>
-          <p:cNvSpPr>
-            <a:spLocks noGrp="1"/>
-          </p:cNvSpPr>
-          <p:nvPr>
-            <p:ph type="ctrTitle"/>
-          </p:nvPr>
-        </p:nvSpPr>
-        <p:spPr>
-          <a:xfrm>
-            <a:off x="9482040" y="1726880"/>
-            <a:ext cx="12820650" cy="1836887"/>
-          </a:xfrm>
-        </p:spPr>
-        <p:txBody>
-          <a:bodyPr>
-            <a:noAutofit/>
-          </a:bodyPr>
-          <a:lstStyle/>
-          <a:p>
-            <a:r>
-              <a:rPr lang="de-DE" sz="7000" b="1" dirty="0"/>
-              <a:t>Hidden Alliances: RNA-Dependent Protein Interactions in Cancer Cells</a:t>
-            </a:r>
-            <a:endParaRPr lang="en-US" sz="7000" b="1" dirty="0"/>
-          </a:p>
-        </p:txBody>
-      </p:sp>
-      <p:sp>
-        <p:nvSpPr>
-          <p:cNvPr id="26" name="Titel 1">
-            <a:extLst>
-              <a:ext uri="{FF2B5EF4-FFF2-40B4-BE49-F238E27FC236}">
-                <a16:creationId xmlns:a16="http://schemas.microsoft.com/office/drawing/2014/main" id="{A5F7E815-D8A6-09E8-2D4C-D8FD063124FA}"/>
-              </a:ext>
-            </a:extLst>
-          </p:cNvPr>
-          <p:cNvSpPr txBox="1">
-            <a:spLocks/>
-          </p:cNvSpPr>
-          <p:nvPr/>
-        </p:nvSpPr>
-        <p:spPr>
-          <a:xfrm>
-            <a:off x="8627535" y="3159684"/>
-            <a:ext cx="13675155" cy="1323687"/>
-          </a:xfrm>
-          <a:prstGeom prst="rect">
-            <a:avLst/>
-          </a:prstGeom>
-        </p:spPr>
-        <p:txBody>
-          <a:bodyPr vert="horz" lIns="45681" tIns="22840" rIns="45681" bIns="22840" rtlCol="0" anchor="b">
-            <a:noAutofit/>
-          </a:bodyPr>
-          <a:lstStyle>
-            <a:lvl1pPr algn="ctr" defTabSz="3027487" rtl="0" eaLnBrk="1" latinLnBrk="0" hangingPunct="1">
-              <a:lnSpc>
-                <a:spcPct val="90000"/>
-              </a:lnSpc>
-              <a:spcBef>
-                <a:spcPct val="0"/>
-              </a:spcBef>
-              <a:buNone/>
-              <a:defRPr sz="19865" kern="1200">
-                <a:solidFill>
-                  <a:schemeClr val="tx1"/>
-                </a:solidFill>
-                <a:latin typeface="+mj-lt"/>
-                <a:ea typeface="+mj-ea"/>
-                <a:cs typeface="+mj-cs"/>
-              </a:defRPr>
-            </a:lvl1pPr>
-          </a:lstStyle>
-          <a:p>
-            <a:r>
-              <a:rPr lang="de-DE" sz="2800" dirty="0"/>
-              <a:t>Julian </a:t>
-            </a:r>
-            <a:r>
-              <a:rPr lang="de-DE" sz="2800" dirty="0" err="1"/>
-              <a:t>Baureis</a:t>
-            </a:r>
-            <a:r>
-              <a:rPr lang="de-DE" sz="2800" dirty="0"/>
-              <a:t>, Julia Ferdin, Benjamin Nicklas, Luisa </a:t>
-            </a:r>
-            <a:r>
-              <a:rPr lang="de-DE" sz="2800" dirty="0" err="1"/>
-              <a:t>Wintel</a:t>
-            </a:r>
-            <a:endParaRPr lang="de-DE" sz="2800" dirty="0"/>
-          </a:p>
-          <a:p>
-            <a:r>
-              <a:rPr lang="de-DE" sz="2800" dirty="0"/>
-              <a:t>Data Analysis Project </a:t>
-            </a:r>
-            <a:r>
-              <a:rPr lang="de-DE" sz="2800" dirty="0" err="1"/>
-              <a:t>Molecular</a:t>
-            </a:r>
-            <a:r>
-              <a:rPr lang="de-DE" sz="2800" dirty="0"/>
-              <a:t> Biotechnology SS2025</a:t>
-            </a:r>
-          </a:p>
-        </p:txBody>
-      </p:sp>
-      <p:sp>
-        <p:nvSpPr>
-          <p:cNvPr id="20" name="TextBox 19">
-            <a:extLst>
-              <a:ext uri="{FF2B5EF4-FFF2-40B4-BE49-F238E27FC236}">
-                <a16:creationId xmlns:a16="http://schemas.microsoft.com/office/drawing/2014/main" id="{965FE686-FB52-9630-EC4E-C66BA7B9BF65}"/>
-              </a:ext>
-            </a:extLst>
-          </p:cNvPr>
-          <p:cNvSpPr txBox="1"/>
-          <p:nvPr/>
-        </p:nvSpPr>
-        <p:spPr>
-          <a:xfrm>
-            <a:off x="1253554" y="7864362"/>
-            <a:ext cx="13893040" cy="5093702"/>
-          </a:xfrm>
-          <a:prstGeom prst="rect">
-            <a:avLst/>
-          </a:prstGeom>
-          <a:noFill/>
-          <a:ln>
-            <a:noFill/>
-          </a:ln>
-        </p:spPr>
-        <p:txBody>
-          <a:bodyPr wrap="square">
-            <a:spAutoFit/>
-          </a:bodyPr>
-          <a:lstStyle/>
-          <a:p>
-            <a:r>
-              <a:rPr lang="en-US" sz="500" b="1" dirty="0"/>
-              <a:t> </a:t>
-            </a:r>
-            <a:r>
-              <a:rPr lang="en-US" sz="200" b="1" dirty="0"/>
-              <a:t> </a:t>
-            </a:r>
-            <a:endParaRPr lang="en-US" sz="500" dirty="0"/>
-          </a:p>
-          <a:p>
-            <a:pPr marL="457200" indent="-457200">
-              <a:buFont typeface="Arial" panose="020B0604020202020204" pitchFamily="34" charset="0"/>
-              <a:buChar char="•"/>
-            </a:pPr>
-            <a:r>
-              <a:rPr lang="de-DE" sz="2800" dirty="0"/>
-              <a:t>„We want to </a:t>
-            </a:r>
-            <a:r>
-              <a:rPr lang="en-US" sz="2800" dirty="0"/>
-              <a:t>extract RNA-dependent proteins from proteomic screens”</a:t>
-            </a:r>
-            <a:endParaRPr lang="de-DE" sz="2800" dirty="0"/>
-          </a:p>
-          <a:p>
-            <a:pPr marL="457200" indent="-457200">
-              <a:buFont typeface="Arial" panose="020B0604020202020204" pitchFamily="34" charset="0"/>
-              <a:buChar char="•"/>
-            </a:pPr>
-            <a:r>
-              <a:rPr lang="de-DE" sz="2800" dirty="0"/>
-              <a:t>„RNA-dependency = the proteins interactome depends on RNA“</a:t>
-            </a:r>
-          </a:p>
-          <a:p>
-            <a:endParaRPr lang="en-US" sz="3200" b="1" dirty="0"/>
-          </a:p>
-          <a:p>
-            <a:r>
-              <a:rPr lang="en-US" sz="3200" b="1" dirty="0"/>
-              <a:t>What Makes RNA-Dependent Proteins Worth Investigating?</a:t>
-            </a:r>
-          </a:p>
-          <a:p>
-            <a:pPr marL="457200" indent="-457200">
-              <a:buFont typeface="Arial" panose="020B0604020202020204" pitchFamily="34" charset="0"/>
-              <a:buChar char="•"/>
-            </a:pPr>
-            <a:r>
-              <a:rPr lang="de-DE" sz="2800" b="1" dirty="0"/>
-              <a:t>Key Regulators:</a:t>
-            </a:r>
-            <a:r>
-              <a:rPr lang="de-DE" sz="2800" dirty="0"/>
-              <a:t> RBPs control RNA metabolism &amp; gene expression.</a:t>
-            </a:r>
-          </a:p>
-          <a:p>
-            <a:pPr marL="457200" indent="-457200">
-              <a:buFont typeface="Arial" panose="020B0604020202020204" pitchFamily="34" charset="0"/>
-              <a:buChar char="•"/>
-            </a:pPr>
-            <a:r>
-              <a:rPr lang="de-DE" sz="2800" b="1" dirty="0"/>
-              <a:t>Disease Links:</a:t>
-            </a:r>
-            <a:r>
-              <a:rPr lang="de-DE" sz="2800" dirty="0"/>
-              <a:t> Misregulation is tied to cancer &amp; neurodegeneration.</a:t>
-            </a:r>
-          </a:p>
-          <a:p>
-            <a:pPr marL="457200" indent="-457200">
-              <a:buFont typeface="Arial" panose="020B0604020202020204" pitchFamily="34" charset="0"/>
-              <a:buChar char="•"/>
-            </a:pPr>
-            <a:r>
-              <a:rPr lang="de-DE" sz="2800" b="1" dirty="0"/>
-              <a:t>Functional Clues:</a:t>
-            </a:r>
-            <a:r>
-              <a:rPr lang="de-DE" sz="2800" dirty="0"/>
-              <a:t> New RBPs hint at RNA’s role in specific pathways.</a:t>
-            </a:r>
-          </a:p>
-          <a:p>
-            <a:pPr marL="457200" indent="-457200">
-              <a:buFont typeface="Arial" panose="020B0604020202020204" pitchFamily="34" charset="0"/>
-              <a:buChar char="•"/>
-            </a:pPr>
-            <a:r>
-              <a:rPr lang="de-DE" sz="2800" b="1" dirty="0"/>
-              <a:t>Interaction Networks:</a:t>
-            </a:r>
-            <a:r>
-              <a:rPr lang="de-DE" sz="2800" dirty="0"/>
-              <a:t> Mapping RNA-protein complexes reveals regulatory logic. </a:t>
-            </a:r>
-          </a:p>
-          <a:p>
-            <a:pPr marL="457200" indent="-457200">
-              <a:buFont typeface="Arial" panose="020B0604020202020204" pitchFamily="34" charset="0"/>
-              <a:buChar char="•"/>
-            </a:pPr>
-            <a:r>
-              <a:rPr lang="de-DE" sz="2800" b="1" dirty="0"/>
-              <a:t>Molecular Insights:</a:t>
-            </a:r>
-            <a:r>
-              <a:rPr lang="de-DE" sz="2800" dirty="0"/>
-              <a:t> Deepens our understanding of cell cycle and cellular behavior. </a:t>
-            </a:r>
-            <a:endParaRPr lang="en-US" sz="2800" b="1" dirty="0"/>
-          </a:p>
-          <a:p>
-            <a:pPr marL="457200" indent="-457200">
-              <a:buFont typeface="Arial" panose="020B0604020202020204" pitchFamily="34" charset="0"/>
-              <a:buChar char="•"/>
-            </a:pPr>
-            <a:endParaRPr lang="de-DE" sz="2800" dirty="0"/>
-          </a:p>
-          <a:p>
-            <a:pPr marL="457200" indent="-457200">
-              <a:buFont typeface="Arial" panose="020B0604020202020204" pitchFamily="34" charset="0"/>
-              <a:buChar char="•"/>
-            </a:pPr>
-            <a:endParaRPr lang="de-DE" sz="3200" dirty="0"/>
-          </a:p>
-        </p:txBody>
-      </p:sp>
-      <p:sp>
-        <p:nvSpPr>
-          <p:cNvPr id="3" name="TextBox 2">
-            <a:extLst>
-              <a:ext uri="{FF2B5EF4-FFF2-40B4-BE49-F238E27FC236}">
-                <a16:creationId xmlns:a16="http://schemas.microsoft.com/office/drawing/2014/main" id="{BC9895A4-BD83-3887-AA95-F71707FEB39A}"/>
-              </a:ext>
-            </a:extLst>
-          </p:cNvPr>
-          <p:cNvSpPr txBox="1"/>
-          <p:nvPr/>
-        </p:nvSpPr>
-        <p:spPr>
-          <a:xfrm>
-            <a:off x="1887734" y="16500529"/>
-            <a:ext cx="24173364" cy="9110186"/>
-          </a:xfrm>
-          <a:prstGeom prst="rect">
-            <a:avLst/>
-          </a:prstGeom>
-          <a:noFill/>
-          <a:ln>
-            <a:noFill/>
-          </a:ln>
-        </p:spPr>
-        <p:txBody>
-          <a:bodyPr wrap="square">
-            <a:spAutoFit/>
-          </a:bodyPr>
-          <a:lstStyle/>
-          <a:p>
-            <a:r>
-              <a:rPr lang="en-US" sz="3400" b="1" dirty="0"/>
-              <a:t>1) Data preparation</a:t>
-            </a:r>
-          </a:p>
-          <a:p>
-            <a:pPr marL="457200" indent="-457200">
-              <a:buFont typeface="Arial" panose="020B0604020202020204" pitchFamily="34" charset="0"/>
-              <a:buChar char="•"/>
-            </a:pPr>
-            <a:r>
-              <a:rPr lang="en-US" sz="2800" dirty="0"/>
-              <a:t>Data cleanup</a:t>
-            </a:r>
-          </a:p>
-          <a:p>
-            <a:pPr marL="457200" indent="-457200">
-              <a:buFont typeface="Arial" panose="020B0604020202020204" pitchFamily="34" charset="0"/>
-              <a:buChar char="•"/>
-            </a:pPr>
-            <a:r>
-              <a:rPr lang="en-US" sz="2800" dirty="0"/>
-              <a:t>“Rearrange and reorder the columns to their treatment, replicate and fraction”</a:t>
-            </a:r>
-          </a:p>
-          <a:p>
-            <a:pPr marL="457200" indent="-457200">
-              <a:buFont typeface="Arial" panose="020B0604020202020204" pitchFamily="34" charset="0"/>
-              <a:buChar char="•"/>
-            </a:pPr>
-            <a:r>
-              <a:rPr lang="en-US" sz="2800" dirty="0"/>
-              <a:t>Normalization</a:t>
-            </a:r>
-          </a:p>
-          <a:p>
-            <a:endParaRPr lang="en-US" sz="3400" b="1" dirty="0"/>
-          </a:p>
-          <a:p>
-            <a:r>
-              <a:rPr lang="de-DE" sz="3400" b="1" dirty="0"/>
-              <a:t>2) Data exploration</a:t>
-            </a:r>
-            <a:endParaRPr lang="de-DE" sz="3400" dirty="0"/>
-          </a:p>
-          <a:p>
-            <a:pPr marL="457200" indent="-457200">
-              <a:buFont typeface="Arial" panose="020B0604020202020204" pitchFamily="34" charset="0"/>
-              <a:buChar char="•"/>
-            </a:pPr>
-            <a:r>
-              <a:rPr lang="en-US" sz="2800" dirty="0"/>
-              <a:t> Identification of maxima and shoulders</a:t>
-            </a:r>
-          </a:p>
-          <a:p>
-            <a:pPr marL="457200" indent="-457200">
-              <a:buFont typeface="Arial" panose="020B0604020202020204" pitchFamily="34" charset="0"/>
-              <a:buChar char="•"/>
-            </a:pPr>
-            <a:r>
-              <a:rPr lang="en-US" sz="2800" dirty="0"/>
-              <a:t> </a:t>
-            </a:r>
-            <a:r>
-              <a:rPr lang="de-DE" sz="2800" dirty="0"/>
-              <a:t>Selection criteria</a:t>
-            </a:r>
-            <a:r>
-              <a:rPr lang="en-US" sz="2800" dirty="0"/>
-              <a:t> &amp; Wilcoxon Test </a:t>
-            </a:r>
-          </a:p>
-          <a:p>
-            <a:pPr marL="457200" indent="-457200">
-              <a:buFont typeface="Arial" panose="020B0604020202020204" pitchFamily="34" charset="0"/>
-              <a:buChar char="•"/>
-            </a:pPr>
-            <a:r>
-              <a:rPr lang="en-US" sz="2800" dirty="0"/>
-              <a:t>Visualization for the </a:t>
-            </a:r>
-            <a:r>
-              <a:rPr lang="de-DE" sz="2800" dirty="0"/>
-              <a:t>order of selection criteria</a:t>
-            </a:r>
-            <a:endParaRPr lang="en-US" sz="2800" dirty="0"/>
-          </a:p>
-          <a:p>
-            <a:pPr marL="457200" indent="-457200">
-              <a:buFont typeface="Arial" panose="020B0604020202020204" pitchFamily="34" charset="0"/>
-              <a:buChar char="•"/>
-            </a:pPr>
-            <a:r>
-              <a:rPr lang="en-US" sz="2800" dirty="0"/>
-              <a:t>Pie charts for selection results</a:t>
-            </a:r>
-          </a:p>
-          <a:p>
-            <a:endParaRPr lang="en-US" sz="3400" b="1" dirty="0"/>
-          </a:p>
-          <a:p>
-            <a:r>
-              <a:rPr lang="de-DE" sz="3400" b="1" dirty="0"/>
-              <a:t>3) Data reduction</a:t>
-            </a:r>
-          </a:p>
-          <a:p>
-            <a:pPr marL="457200" indent="-457200">
-              <a:buFont typeface="Arial" panose="020B0604020202020204" pitchFamily="34" charset="0"/>
-              <a:buChar char="•"/>
-            </a:pPr>
-            <a:r>
-              <a:rPr lang="de-DE" sz="2800" dirty="0"/>
-              <a:t>PCR </a:t>
-            </a:r>
-            <a:endParaRPr lang="en-US" sz="2800" dirty="0"/>
-          </a:p>
-          <a:p>
-            <a:pPr marL="457200" indent="-457200">
-              <a:buFont typeface="Arial" panose="020B0604020202020204" pitchFamily="34" charset="0"/>
-              <a:buChar char="•"/>
-            </a:pPr>
-            <a:r>
-              <a:rPr lang="en-US" sz="2800" dirty="0"/>
-              <a:t> k-means clustering</a:t>
-            </a:r>
-          </a:p>
-          <a:p>
-            <a:pPr marL="457200" indent="-457200">
-              <a:buFont typeface="Arial" panose="020B0604020202020204" pitchFamily="34" charset="0"/>
-              <a:buChar char="•"/>
-            </a:pPr>
-            <a:endParaRPr lang="en-US" sz="3400" dirty="0"/>
-          </a:p>
-          <a:p>
-            <a:r>
-              <a:rPr lang="de-DE" sz="3400" b="1" dirty="0"/>
-              <a:t>4) Data modelling</a:t>
-            </a:r>
-          </a:p>
-          <a:p>
-            <a:pPr marL="457200" indent="-457200">
-              <a:buFont typeface="Arial" panose="020B0604020202020204" pitchFamily="34" charset="0"/>
-              <a:buChar char="•"/>
-            </a:pPr>
-            <a:r>
-              <a:rPr lang="en-US" sz="2800" dirty="0"/>
-              <a:t> Linear Regression </a:t>
-            </a:r>
-            <a:endParaRPr lang="en-US" sz="3400" b="1" dirty="0"/>
-          </a:p>
-          <a:p>
-            <a:endParaRPr lang="en-US" sz="3400" b="1" dirty="0"/>
-          </a:p>
-          <a:p>
-            <a:endParaRPr lang="en-US" sz="3400" b="1" dirty="0"/>
-          </a:p>
-        </p:txBody>
-      </p:sp>
-      <p:sp>
-        <p:nvSpPr>
-          <p:cNvPr id="5" name="TextBox 4">
-            <a:extLst>
-              <a:ext uri="{FF2B5EF4-FFF2-40B4-BE49-F238E27FC236}">
-                <a16:creationId xmlns:a16="http://schemas.microsoft.com/office/drawing/2014/main" id="{A6F86289-896D-4870-38F1-2E72C771AFFB}"/>
-              </a:ext>
-            </a:extLst>
-          </p:cNvPr>
-          <p:cNvSpPr txBox="1"/>
-          <p:nvPr/>
-        </p:nvSpPr>
-        <p:spPr>
-          <a:xfrm>
-            <a:off x="1404974" y="33329176"/>
-            <a:ext cx="11401261" cy="13018949"/>
-          </a:xfrm>
-          <a:prstGeom prst="rect">
-            <a:avLst/>
-          </a:prstGeom>
-          <a:noFill/>
-          <a:ln>
-            <a:noFill/>
-          </a:ln>
-        </p:spPr>
-        <p:txBody>
-          <a:bodyPr wrap="square">
-            <a:spAutoFit/>
-          </a:bodyPr>
-          <a:lstStyle/>
-          <a:p>
-            <a:pPr marL="457200" indent="-457200">
-              <a:buFont typeface="Arial" panose="020B0604020202020204" pitchFamily="34" charset="0"/>
-              <a:buChar char="•"/>
-            </a:pPr>
-            <a:r>
-              <a:rPr lang="en-US" sz="2800" dirty="0"/>
-              <a:t>Critical review of our own results and methods (e.g., Selection criteria made us delete some RBPs. Why? What were their properties?)</a:t>
-            </a:r>
-          </a:p>
-          <a:p>
-            <a:pPr marL="457200" indent="-457200">
-              <a:buFont typeface="Arial" panose="020B0604020202020204" pitchFamily="34" charset="0"/>
-              <a:buChar char="•"/>
-            </a:pPr>
-            <a:r>
-              <a:rPr lang="en-US" sz="2800" dirty="0"/>
-              <a:t>Why do we find fewer proteins than </a:t>
-            </a:r>
-            <a:r>
-              <a:rPr lang="en-US" sz="2800" dirty="0" err="1"/>
-              <a:t>Maïwen</a:t>
-            </a:r>
-            <a:r>
-              <a:rPr lang="en-US" sz="2800" dirty="0"/>
-              <a:t>? </a:t>
-            </a:r>
-          </a:p>
-          <a:p>
-            <a:pPr marL="457200" indent="-457200">
-              <a:buFont typeface="Arial" panose="020B0604020202020204" pitchFamily="34" charset="0"/>
-              <a:buChar char="•"/>
-            </a:pPr>
-            <a:endParaRPr lang="en-US" sz="2800" dirty="0"/>
-          </a:p>
-          <a:p>
-            <a:pPr marL="457200" indent="-457200">
-              <a:buFont typeface="Arial" panose="020B0604020202020204" pitchFamily="34" charset="0"/>
-              <a:buChar char="•"/>
-            </a:pPr>
-            <a:endParaRPr lang="en-US" sz="2800" dirty="0"/>
-          </a:p>
-          <a:p>
-            <a:pPr marL="457200" indent="-457200">
-              <a:buFont typeface="Arial" panose="020B0604020202020204" pitchFamily="34" charset="0"/>
-              <a:buChar char="•"/>
-            </a:pPr>
-            <a:endParaRPr lang="en-US" sz="2800" dirty="0"/>
-          </a:p>
-          <a:p>
-            <a:pPr marL="457200" indent="-457200">
-              <a:buFont typeface="Arial" panose="020B0604020202020204" pitchFamily="34" charset="0"/>
-              <a:buChar char="•"/>
-            </a:pPr>
-            <a:endParaRPr lang="en-US" sz="2800" dirty="0"/>
-          </a:p>
-          <a:p>
-            <a:pPr marL="457200" indent="-457200">
-              <a:buFont typeface="Arial" panose="020B0604020202020204" pitchFamily="34" charset="0"/>
-              <a:buChar char="•"/>
-            </a:pPr>
-            <a:endParaRPr lang="en-US" sz="2800" dirty="0"/>
-          </a:p>
-          <a:p>
-            <a:pPr marL="457200" indent="-457200">
-              <a:buFont typeface="Arial" panose="020B0604020202020204" pitchFamily="34" charset="0"/>
-              <a:buChar char="•"/>
-            </a:pPr>
-            <a:endParaRPr lang="en-US" sz="2800" dirty="0"/>
-          </a:p>
-          <a:p>
-            <a:pPr marL="457200" indent="-457200">
-              <a:buFont typeface="Arial" panose="020B0604020202020204" pitchFamily="34" charset="0"/>
-              <a:buChar char="•"/>
-            </a:pPr>
-            <a:endParaRPr lang="en-US" sz="2800" dirty="0"/>
-          </a:p>
-          <a:p>
-            <a:pPr marL="457200" indent="-457200">
-              <a:buFont typeface="Arial" panose="020B0604020202020204" pitchFamily="34" charset="0"/>
-              <a:buChar char="•"/>
-            </a:pPr>
-            <a:endParaRPr lang="en-US" sz="2800" dirty="0"/>
-          </a:p>
-          <a:p>
-            <a:pPr marL="457200" indent="-457200">
-              <a:buFont typeface="Arial" panose="020B0604020202020204" pitchFamily="34" charset="0"/>
-              <a:buChar char="•"/>
-            </a:pPr>
-            <a:endParaRPr lang="en-US" sz="2800" dirty="0"/>
-          </a:p>
-          <a:p>
-            <a:pPr marL="457200" indent="-457200">
-              <a:buFont typeface="Arial" panose="020B0604020202020204" pitchFamily="34" charset="0"/>
-              <a:buChar char="•"/>
-            </a:pPr>
-            <a:endParaRPr lang="en-US" sz="2800" dirty="0"/>
-          </a:p>
-          <a:p>
-            <a:pPr marL="457200" indent="-457200">
-              <a:buFont typeface="Arial" panose="020B0604020202020204" pitchFamily="34" charset="0"/>
-              <a:buChar char="•"/>
-            </a:pPr>
-            <a:endParaRPr lang="en-US" sz="2800" dirty="0"/>
-          </a:p>
-          <a:p>
-            <a:pPr marL="457200" indent="-457200">
-              <a:buFont typeface="Arial" panose="020B0604020202020204" pitchFamily="34" charset="0"/>
-              <a:buChar char="•"/>
-            </a:pPr>
-            <a:endParaRPr lang="en-US" sz="2800" dirty="0"/>
-          </a:p>
-          <a:p>
-            <a:pPr marL="457200" indent="-457200">
-              <a:buFont typeface="Arial" panose="020B0604020202020204" pitchFamily="34" charset="0"/>
-              <a:buChar char="•"/>
-            </a:pPr>
-            <a:endParaRPr lang="en-US" sz="2800" dirty="0"/>
-          </a:p>
-          <a:p>
-            <a:pPr marL="457200" indent="-457200">
-              <a:buFont typeface="Arial" panose="020B0604020202020204" pitchFamily="34" charset="0"/>
-              <a:buChar char="•"/>
-            </a:pPr>
-            <a:endParaRPr lang="en-US" sz="2800" dirty="0"/>
-          </a:p>
-          <a:p>
-            <a:pPr marL="457200" indent="-457200">
-              <a:buFont typeface="Arial" panose="020B0604020202020204" pitchFamily="34" charset="0"/>
-              <a:buChar char="•"/>
-            </a:pPr>
-            <a:endParaRPr lang="en-US" sz="2800" dirty="0"/>
-          </a:p>
-          <a:p>
-            <a:pPr marL="457200" indent="-457200">
-              <a:buFont typeface="Arial" panose="020B0604020202020204" pitchFamily="34" charset="0"/>
-              <a:buChar char="•"/>
-            </a:pPr>
-            <a:endParaRPr lang="en-US" sz="2800" dirty="0"/>
-          </a:p>
-          <a:p>
-            <a:pPr marL="457200" indent="-457200">
-              <a:buFont typeface="Arial" panose="020B0604020202020204" pitchFamily="34" charset="0"/>
-              <a:buChar char="•"/>
-            </a:pPr>
-            <a:endParaRPr lang="en-US" sz="2800" dirty="0"/>
-          </a:p>
-          <a:p>
-            <a:pPr marL="457200" indent="-457200">
-              <a:buFont typeface="Arial" panose="020B0604020202020204" pitchFamily="34" charset="0"/>
-              <a:buChar char="•"/>
-            </a:pPr>
-            <a:endParaRPr lang="en-US" sz="2800" dirty="0"/>
-          </a:p>
-          <a:p>
-            <a:pPr marL="457200" indent="-457200">
-              <a:buFont typeface="Arial" panose="020B0604020202020204" pitchFamily="34" charset="0"/>
-              <a:buChar char="•"/>
-            </a:pPr>
-            <a:endParaRPr lang="en-US" sz="2800" dirty="0"/>
-          </a:p>
-          <a:p>
-            <a:pPr marL="457200" indent="-457200">
-              <a:buFont typeface="Arial" panose="020B0604020202020204" pitchFamily="34" charset="0"/>
-              <a:buChar char="•"/>
-            </a:pPr>
-            <a:endParaRPr lang="en-US" sz="2800" dirty="0"/>
-          </a:p>
-          <a:p>
-            <a:pPr marL="457200" indent="-457200">
-              <a:buFont typeface="Arial" panose="020B0604020202020204" pitchFamily="34" charset="0"/>
-              <a:buChar char="•"/>
-            </a:pPr>
-            <a:endParaRPr lang="en-US" sz="2800" dirty="0"/>
-          </a:p>
-          <a:p>
-            <a:pPr marL="457200" indent="-457200">
-              <a:buFont typeface="Arial" panose="020B0604020202020204" pitchFamily="34" charset="0"/>
-              <a:buChar char="•"/>
-            </a:pPr>
-            <a:endParaRPr lang="en-US" sz="2800" dirty="0"/>
-          </a:p>
-          <a:p>
-            <a:pPr marL="457200" indent="-457200">
-              <a:buFont typeface="Arial" panose="020B0604020202020204" pitchFamily="34" charset="0"/>
-              <a:buChar char="•"/>
-            </a:pPr>
-            <a:endParaRPr lang="en-US" sz="2800" dirty="0"/>
-          </a:p>
-          <a:p>
-            <a:pPr marL="457200" indent="-457200">
-              <a:buFont typeface="Arial" panose="020B0604020202020204" pitchFamily="34" charset="0"/>
-              <a:buChar char="•"/>
-            </a:pPr>
-            <a:endParaRPr lang="en-US" sz="2800" dirty="0"/>
-          </a:p>
-          <a:p>
-            <a:pPr marL="457200" indent="-457200">
-              <a:buFont typeface="Arial" panose="020B0604020202020204" pitchFamily="34" charset="0"/>
-              <a:buChar char="•"/>
-            </a:pPr>
-            <a:endParaRPr lang="en-US" sz="2800" dirty="0"/>
-          </a:p>
-          <a:p>
-            <a:pPr marL="457200" indent="-457200">
-              <a:buFont typeface="Arial" panose="020B0604020202020204" pitchFamily="34" charset="0"/>
-              <a:buChar char="•"/>
-            </a:pPr>
-            <a:endParaRPr lang="en-US" sz="2800" dirty="0"/>
-          </a:p>
-          <a:p>
-            <a:endParaRPr lang="en-US" sz="2800" b="1" dirty="0"/>
-          </a:p>
-        </p:txBody>
-      </p:sp>
-      <p:sp>
-        <p:nvSpPr>
-          <p:cNvPr id="6" name="TextBox 5">
-            <a:extLst>
-              <a:ext uri="{FF2B5EF4-FFF2-40B4-BE49-F238E27FC236}">
-                <a16:creationId xmlns:a16="http://schemas.microsoft.com/office/drawing/2014/main" id="{FD1586FD-BE09-8503-3505-297F756FF1F0}"/>
-              </a:ext>
-            </a:extLst>
-          </p:cNvPr>
-          <p:cNvSpPr txBox="1"/>
-          <p:nvPr/>
-        </p:nvSpPr>
-        <p:spPr>
-          <a:xfrm>
-            <a:off x="19343438" y="39583446"/>
-            <a:ext cx="8780767" cy="1384995"/>
-          </a:xfrm>
-          <a:prstGeom prst="rect">
-            <a:avLst/>
-          </a:prstGeom>
-          <a:noFill/>
-          <a:ln>
-            <a:noFill/>
-          </a:ln>
-        </p:spPr>
-        <p:txBody>
-          <a:bodyPr wrap="square">
-            <a:spAutoFit/>
-          </a:bodyPr>
-          <a:lstStyle/>
-          <a:p>
-            <a:pPr marL="457200" indent="-457200">
-              <a:buFont typeface="Arial" panose="020B0604020202020204" pitchFamily="34" charset="0"/>
-              <a:buChar char="•"/>
-            </a:pPr>
-            <a:r>
-              <a:rPr lang="en-US" sz="2800" b="1" dirty="0"/>
-              <a:t> </a:t>
-            </a:r>
-          </a:p>
-          <a:p>
-            <a:pPr marL="457200" indent="-457200">
-              <a:buFont typeface="Arial" panose="020B0604020202020204" pitchFamily="34" charset="0"/>
-              <a:buChar char="•"/>
-            </a:pPr>
-            <a:r>
-              <a:rPr lang="en-US" sz="2800" b="1" dirty="0"/>
-              <a:t> </a:t>
-            </a:r>
-          </a:p>
-          <a:p>
-            <a:pPr marL="457200" indent="-457200">
-              <a:buFont typeface="Arial" panose="020B0604020202020204" pitchFamily="34" charset="0"/>
-              <a:buChar char="•"/>
-            </a:pPr>
-            <a:endParaRPr lang="en-US" sz="2800" b="1" dirty="0"/>
-          </a:p>
-        </p:txBody>
-      </p:sp>
-      <p:sp>
-        <p:nvSpPr>
-          <p:cNvPr id="7" name="TextBox 6">
-            <a:extLst>
-              <a:ext uri="{FF2B5EF4-FFF2-40B4-BE49-F238E27FC236}">
-                <a16:creationId xmlns:a16="http://schemas.microsoft.com/office/drawing/2014/main" id="{359E51AC-384C-EE1E-2F30-AE89FD46AA94}"/>
-              </a:ext>
-            </a:extLst>
-          </p:cNvPr>
-          <p:cNvSpPr txBox="1"/>
-          <p:nvPr/>
-        </p:nvSpPr>
-        <p:spPr>
-          <a:xfrm>
-            <a:off x="19343438" y="33005531"/>
-            <a:ext cx="8291810" cy="1384995"/>
-          </a:xfrm>
-          <a:prstGeom prst="rect">
-            <a:avLst/>
-          </a:prstGeom>
-          <a:noFill/>
-          <a:ln>
-            <a:noFill/>
-          </a:ln>
-        </p:spPr>
-        <p:txBody>
-          <a:bodyPr wrap="square">
-            <a:spAutoFit/>
-          </a:bodyPr>
-          <a:lstStyle/>
-          <a:p>
-            <a:pPr marL="457200" indent="-457200">
-              <a:buFont typeface="Arial" panose="020B0604020202020204" pitchFamily="34" charset="0"/>
-              <a:buChar char="•"/>
-            </a:pPr>
-            <a:r>
-              <a:rPr lang="de-DE" sz="2800" dirty="0"/>
-              <a:t>We found X proteins that ...</a:t>
-            </a:r>
-          </a:p>
-          <a:p>
-            <a:pPr marL="457200" indent="-457200">
-              <a:buFont typeface="Arial" panose="020B0604020202020204" pitchFamily="34" charset="0"/>
-              <a:buChar char="•"/>
-            </a:pPr>
-            <a:endParaRPr lang="de-DE" sz="2800" dirty="0"/>
-          </a:p>
-          <a:p>
-            <a:endParaRPr lang="en-US" sz="2800" b="1" dirty="0"/>
-          </a:p>
-        </p:txBody>
-      </p:sp>
-      <p:sp>
-        <p:nvSpPr>
-          <p:cNvPr id="24" name="Rectangle: Rounded Corners 23">
-            <a:extLst>
-              <a:ext uri="{FF2B5EF4-FFF2-40B4-BE49-F238E27FC236}">
-                <a16:creationId xmlns:a16="http://schemas.microsoft.com/office/drawing/2014/main" id="{EB8B74E9-E910-5DC3-95AD-F98D89AF6329}"/>
-              </a:ext>
-            </a:extLst>
-          </p:cNvPr>
-          <p:cNvSpPr/>
-          <p:nvPr/>
-        </p:nvSpPr>
-        <p:spPr>
-          <a:xfrm>
-            <a:off x="619433" y="5978668"/>
-            <a:ext cx="29036347" cy="1430255"/>
-          </a:xfrm>
-          <a:prstGeom prst="roundRect">
-            <a:avLst>
-              <a:gd name="adj" fmla="val 0"/>
-            </a:avLst>
-          </a:prstGeom>
-          <a:solidFill>
-            <a:srgbClr val="320A28"/>
-          </a:solidFill>
-          <a:ln>
-            <a:noFill/>
-          </a:ln>
-        </p:spPr>
-        <p:style>
-          <a:lnRef idx="2">
-            <a:schemeClr val="accent1">
-              <a:shade val="15000"/>
-            </a:schemeClr>
-          </a:lnRef>
-          <a:fillRef idx="1">
-            <a:schemeClr val="accent1"/>
-          </a:fillRef>
-          <a:effectRef idx="0">
-            <a:schemeClr val="accent1"/>
-          </a:effectRef>
-          <a:fontRef idx="minor">
-            <a:schemeClr val="lt1"/>
-          </a:fontRef>
-        </p:style>
-        <p:txBody>
-          <a:bodyPr rtlCol="0" anchor="ctr"/>
-          <a:lstStyle/>
-          <a:p>
-            <a:pPr algn="ctr"/>
-            <a:r>
-              <a:rPr lang="en-US" sz="6000" b="1" dirty="0"/>
-              <a:t>Identifying RNA-Dependent Proteins from Proteomic Data</a:t>
-            </a:r>
-            <a:endParaRPr lang="en-US" sz="1500" b="1" dirty="0"/>
-          </a:p>
-          <a:p>
-            <a:pPr algn="ctr"/>
-            <a:endParaRPr lang="en-US" sz="1000" b="1" dirty="0"/>
-          </a:p>
-        </p:txBody>
-      </p:sp>
-      <p:sp>
-        <p:nvSpPr>
-          <p:cNvPr id="25" name="TextBox 24">
-            <a:extLst>
-              <a:ext uri="{FF2B5EF4-FFF2-40B4-BE49-F238E27FC236}">
-                <a16:creationId xmlns:a16="http://schemas.microsoft.com/office/drawing/2014/main" id="{39ECE124-088D-3940-CC52-C342E71951C6}"/>
-              </a:ext>
-            </a:extLst>
-          </p:cNvPr>
-          <p:cNvSpPr txBox="1"/>
-          <p:nvPr/>
-        </p:nvSpPr>
-        <p:spPr>
-          <a:xfrm>
-            <a:off x="15164570" y="7864362"/>
-            <a:ext cx="13893040" cy="2800767"/>
-          </a:xfrm>
-          <a:prstGeom prst="rect">
-            <a:avLst/>
-          </a:prstGeom>
-          <a:noFill/>
-          <a:ln>
-            <a:noFill/>
-          </a:ln>
-        </p:spPr>
-        <p:txBody>
-          <a:bodyPr wrap="square">
-            <a:spAutoFit/>
-          </a:bodyPr>
-          <a:lstStyle/>
-          <a:p>
-            <a:r>
-              <a:rPr lang="en-US" sz="3200" b="1" dirty="0"/>
-              <a:t>Key Characteristics of Our Dataset</a:t>
-            </a:r>
-            <a:endParaRPr lang="de-DE" sz="2400" b="1" dirty="0"/>
-          </a:p>
-          <a:p>
-            <a:pPr marL="457200" indent="-457200">
-              <a:buFont typeface="Arial" panose="020B0604020202020204" pitchFamily="34" charset="0"/>
-              <a:buChar char="•"/>
-            </a:pPr>
-            <a:r>
-              <a:rPr lang="en-US" sz="2800" dirty="0"/>
-              <a:t>Our dataset was generated using the R-Deep approach</a:t>
-            </a:r>
-          </a:p>
-          <a:p>
-            <a:pPr marL="457200" indent="-457200">
-              <a:buFont typeface="Arial" panose="020B0604020202020204" pitchFamily="34" charset="0"/>
-              <a:buChar char="•"/>
-            </a:pPr>
-            <a:r>
-              <a:rPr lang="de-DE" sz="2800" dirty="0"/>
-              <a:t>~5000 Proteine in 25 Fraktionen, Rnase vs. CTRL</a:t>
-            </a:r>
-            <a:endParaRPr lang="en-US" sz="2800" dirty="0"/>
-          </a:p>
-          <a:p>
-            <a:pPr marL="457200" indent="-457200">
-              <a:buFont typeface="Arial" panose="020B0604020202020204" pitchFamily="34" charset="0"/>
-              <a:buChar char="•"/>
-            </a:pPr>
-            <a:r>
-              <a:rPr lang="en-US" sz="2800" dirty="0"/>
-              <a:t>Dimensions</a:t>
-            </a:r>
-            <a:endParaRPr lang="en-US" sz="2800" b="1" dirty="0"/>
-          </a:p>
-          <a:p>
-            <a:pPr marL="457200" indent="-457200">
-              <a:buFont typeface="Arial" panose="020B0604020202020204" pitchFamily="34" charset="0"/>
-              <a:buChar char="•"/>
-            </a:pPr>
-            <a:endParaRPr lang="de-DE" sz="2800" dirty="0"/>
-          </a:p>
-          <a:p>
-            <a:pPr marL="457200" indent="-457200">
-              <a:buFont typeface="Arial" panose="020B0604020202020204" pitchFamily="34" charset="0"/>
-              <a:buChar char="•"/>
-            </a:pPr>
-            <a:endParaRPr lang="de-DE" sz="3200" dirty="0"/>
-          </a:p>
-        </p:txBody>
-      </p:sp>
-      <p:sp>
-        <p:nvSpPr>
-          <p:cNvPr id="27" name="Rectangle: Rounded Corners 26">
-            <a:extLst>
-              <a:ext uri="{FF2B5EF4-FFF2-40B4-BE49-F238E27FC236}">
-                <a16:creationId xmlns:a16="http://schemas.microsoft.com/office/drawing/2014/main" id="{47441B66-EB22-E662-C5D1-6781954407EC}"/>
-              </a:ext>
-            </a:extLst>
-          </p:cNvPr>
-          <p:cNvSpPr/>
-          <p:nvPr/>
-        </p:nvSpPr>
-        <p:spPr>
-          <a:xfrm>
-            <a:off x="668635" y="14364215"/>
-            <a:ext cx="28937944" cy="1430255"/>
-          </a:xfrm>
-          <a:prstGeom prst="roundRect">
-            <a:avLst>
-              <a:gd name="adj" fmla="val 0"/>
-            </a:avLst>
-          </a:prstGeom>
-          <a:solidFill>
-            <a:srgbClr val="B31029"/>
-          </a:solidFill>
-          <a:ln>
-            <a:noFill/>
-          </a:ln>
-        </p:spPr>
-        <p:style>
-          <a:lnRef idx="2">
-            <a:schemeClr val="accent1">
-              <a:shade val="15000"/>
-            </a:schemeClr>
-          </a:lnRef>
-          <a:fillRef idx="1">
-            <a:schemeClr val="accent1"/>
-          </a:fillRef>
-          <a:effectRef idx="0">
-            <a:schemeClr val="accent1"/>
-          </a:effectRef>
-          <a:fontRef idx="minor">
-            <a:schemeClr val="lt1"/>
-          </a:fontRef>
-        </p:style>
-        <p:txBody>
-          <a:bodyPr rtlCol="0" anchor="ctr"/>
-          <a:lstStyle/>
-          <a:p>
-            <a:pPr algn="ctr"/>
-            <a:r>
-              <a:rPr lang="en-US" sz="6000" b="1" dirty="0"/>
-              <a:t>Our Approach</a:t>
-            </a:r>
-            <a:endParaRPr lang="en-US" sz="1500" b="1" dirty="0"/>
-          </a:p>
-          <a:p>
-            <a:pPr algn="ctr"/>
-            <a:endParaRPr lang="en-US" sz="1000" b="1" dirty="0"/>
-          </a:p>
-        </p:txBody>
-      </p:sp>
-      <p:sp>
-        <p:nvSpPr>
-          <p:cNvPr id="28" name="Rectangle: Rounded Corners 27">
-            <a:extLst>
-              <a:ext uri="{FF2B5EF4-FFF2-40B4-BE49-F238E27FC236}">
-                <a16:creationId xmlns:a16="http://schemas.microsoft.com/office/drawing/2014/main" id="{55B06ED8-2BD4-9A9B-C476-11BDEFABD586}"/>
-              </a:ext>
-            </a:extLst>
-          </p:cNvPr>
-          <p:cNvSpPr/>
-          <p:nvPr/>
-        </p:nvSpPr>
-        <p:spPr>
-          <a:xfrm>
-            <a:off x="668635" y="31244168"/>
-            <a:ext cx="17693865" cy="1430255"/>
-          </a:xfrm>
-          <a:prstGeom prst="roundRect">
-            <a:avLst>
-              <a:gd name="adj" fmla="val 0"/>
-            </a:avLst>
-          </a:prstGeom>
-          <a:solidFill>
-            <a:srgbClr val="626D58"/>
-          </a:solidFill>
-          <a:ln>
-            <a:noFill/>
-          </a:ln>
-        </p:spPr>
-        <p:style>
-          <a:lnRef idx="2">
-            <a:schemeClr val="accent1">
-              <a:shade val="15000"/>
-            </a:schemeClr>
-          </a:lnRef>
-          <a:fillRef idx="1">
-            <a:schemeClr val="accent1"/>
-          </a:fillRef>
-          <a:effectRef idx="0">
-            <a:schemeClr val="accent1"/>
-          </a:effectRef>
-          <a:fontRef idx="minor">
-            <a:schemeClr val="lt1"/>
-          </a:fontRef>
-        </p:style>
-        <p:txBody>
-          <a:bodyPr rtlCol="0" anchor="ctr"/>
-          <a:lstStyle/>
-          <a:p>
-            <a:pPr algn="ctr"/>
-            <a:r>
-              <a:rPr lang="en-US" sz="6000" b="1" dirty="0"/>
-              <a:t>Discussion</a:t>
-            </a:r>
-            <a:endParaRPr lang="en-US" sz="1500" b="1" dirty="0"/>
-          </a:p>
-          <a:p>
-            <a:pPr algn="ctr"/>
-            <a:endParaRPr lang="en-US" sz="1000" b="1" dirty="0"/>
-          </a:p>
-        </p:txBody>
-      </p:sp>
-      <p:sp>
-        <p:nvSpPr>
-          <p:cNvPr id="29" name="Rectangle: Rounded Corners 28">
-            <a:extLst>
-              <a:ext uri="{FF2B5EF4-FFF2-40B4-BE49-F238E27FC236}">
-                <a16:creationId xmlns:a16="http://schemas.microsoft.com/office/drawing/2014/main" id="{6F3D3C5A-8190-A885-6D4F-054977884C2C}"/>
-              </a:ext>
-            </a:extLst>
-          </p:cNvPr>
-          <p:cNvSpPr/>
-          <p:nvPr/>
-        </p:nvSpPr>
-        <p:spPr>
-          <a:xfrm>
-            <a:off x="18866415" y="31248856"/>
-            <a:ext cx="10740163" cy="1430255"/>
-          </a:xfrm>
-          <a:prstGeom prst="roundRect">
-            <a:avLst>
-              <a:gd name="adj" fmla="val 0"/>
-            </a:avLst>
-          </a:prstGeom>
-          <a:solidFill>
-            <a:srgbClr val="B31029"/>
-          </a:solidFill>
-          <a:ln>
-            <a:noFill/>
-          </a:ln>
-        </p:spPr>
-        <p:style>
-          <a:lnRef idx="2">
-            <a:schemeClr val="accent1">
-              <a:shade val="15000"/>
-            </a:schemeClr>
-          </a:lnRef>
-          <a:fillRef idx="1">
-            <a:schemeClr val="accent1"/>
-          </a:fillRef>
-          <a:effectRef idx="0">
-            <a:schemeClr val="accent1"/>
-          </a:effectRef>
-          <a:fontRef idx="minor">
-            <a:schemeClr val="lt1"/>
-          </a:fontRef>
-        </p:style>
-        <p:txBody>
-          <a:bodyPr rtlCol="0" anchor="ctr"/>
-          <a:lstStyle/>
-          <a:p>
-            <a:pPr algn="ctr"/>
-            <a:r>
-              <a:rPr lang="en-US" sz="6000" b="1" dirty="0"/>
-              <a:t>Our Achievements</a:t>
-            </a:r>
-            <a:endParaRPr lang="en-US" sz="1000" b="1" dirty="0"/>
-          </a:p>
-        </p:txBody>
-      </p:sp>
-      <p:sp>
-        <p:nvSpPr>
-          <p:cNvPr id="30" name="Rectangle: Rounded Corners 29">
-            <a:extLst>
-              <a:ext uri="{FF2B5EF4-FFF2-40B4-BE49-F238E27FC236}">
-                <a16:creationId xmlns:a16="http://schemas.microsoft.com/office/drawing/2014/main" id="{9D4BB3A5-AF8B-472B-4E69-7C30A912068A}"/>
-              </a:ext>
-            </a:extLst>
-          </p:cNvPr>
-          <p:cNvSpPr/>
-          <p:nvPr/>
-        </p:nvSpPr>
-        <p:spPr>
-          <a:xfrm>
-            <a:off x="18942580" y="37972328"/>
-            <a:ext cx="10740163" cy="1430255"/>
-          </a:xfrm>
-          <a:prstGeom prst="roundRect">
-            <a:avLst>
-              <a:gd name="adj" fmla="val 0"/>
-            </a:avLst>
-          </a:prstGeom>
-          <a:solidFill>
-            <a:srgbClr val="77966D"/>
-          </a:solidFill>
-          <a:ln>
-            <a:noFill/>
-          </a:ln>
-        </p:spPr>
-        <p:style>
-          <a:lnRef idx="2">
-            <a:schemeClr val="accent1">
-              <a:shade val="15000"/>
-            </a:schemeClr>
-          </a:lnRef>
-          <a:fillRef idx="1">
-            <a:schemeClr val="accent1"/>
-          </a:fillRef>
-          <a:effectRef idx="0">
-            <a:schemeClr val="accent1"/>
-          </a:effectRef>
-          <a:fontRef idx="minor">
-            <a:schemeClr val="lt1"/>
-          </a:fontRef>
-        </p:style>
-        <p:txBody>
-          <a:bodyPr rtlCol="0" anchor="ctr"/>
-          <a:lstStyle/>
-          <a:p>
-            <a:pPr algn="ctr"/>
-            <a:r>
-              <a:rPr lang="en-US" sz="6000" b="1" dirty="0"/>
-              <a:t>References</a:t>
-            </a:r>
-            <a:endParaRPr lang="en-US" sz="1000" b="1" dirty="0"/>
-          </a:p>
-        </p:txBody>
-      </p:sp>
-    </p:spTree>
-    <p:extLst>
-      <p:ext uri="{BB962C8B-B14F-4D97-AF65-F5344CB8AC3E}">
-        <p14:creationId xmlns:p14="http://schemas.microsoft.com/office/powerpoint/2010/main" val="1691417317"/>
       </p:ext>
     </p:extLst>
   </p:cSld>

--- a/Posterideen.pptx
+++ b/Posterideen.pptx
@@ -5,7 +5,7 @@
     <p:sldMasterId id="2147483684" r:id="rId1"/>
   </p:sldMasterIdLst>
   <p:notesMasterIdLst>
-    <p:notesMasterId r:id="rId15"/>
+    <p:notesMasterId r:id="rId16"/>
   </p:notesMasterIdLst>
   <p:sldIdLst>
     <p:sldId id="257" r:id="rId2"/>
@@ -14,13 +14,14 @@
     <p:sldId id="277" r:id="rId5"/>
     <p:sldId id="275" r:id="rId6"/>
     <p:sldId id="274" r:id="rId7"/>
-    <p:sldId id="270" r:id="rId8"/>
-    <p:sldId id="272" r:id="rId9"/>
-    <p:sldId id="271" r:id="rId10"/>
-    <p:sldId id="263" r:id="rId11"/>
-    <p:sldId id="262" r:id="rId12"/>
-    <p:sldId id="260" r:id="rId13"/>
-    <p:sldId id="258" r:id="rId14"/>
+    <p:sldId id="281" r:id="rId8"/>
+    <p:sldId id="270" r:id="rId9"/>
+    <p:sldId id="272" r:id="rId10"/>
+    <p:sldId id="271" r:id="rId11"/>
+    <p:sldId id="263" r:id="rId12"/>
+    <p:sldId id="262" r:id="rId13"/>
+    <p:sldId id="260" r:id="rId14"/>
+    <p:sldId id="258" r:id="rId15"/>
   </p:sldIdLst>
   <p:sldSz cx="30275213" cy="42803763"/>
   <p:notesSz cx="6858000" cy="9144000"/>
@@ -4179,6 +4180,1737 @@
   <p:cSld>
     <p:bg>
       <p:bgPr>
+        <a:gradFill>
+          <a:gsLst>
+            <a:gs pos="20000">
+              <a:schemeClr val="bg1"/>
+            </a:gs>
+            <a:gs pos="100000">
+              <a:srgbClr val="D5D5D5"/>
+            </a:gs>
+          </a:gsLst>
+          <a:lin ang="5400000" scaled="1"/>
+        </a:gradFill>
+        <a:effectLst/>
+      </p:bgPr>
+    </p:bg>
+    <p:spTree>
+      <p:nvGrpSpPr>
+        <p:cNvPr id="1" name="">
+          <a:extLst>
+            <a:ext uri="{FF2B5EF4-FFF2-40B4-BE49-F238E27FC236}">
+              <a16:creationId xmlns:a16="http://schemas.microsoft.com/office/drawing/2014/main" id="{D31BCC6E-2770-DA6A-5016-F7669BAB0E01}"/>
+            </a:ext>
+          </a:extLst>
+        </p:cNvPr>
+        <p:cNvGrpSpPr/>
+        <p:nvPr/>
+      </p:nvGrpSpPr>
+      <p:grpSpPr>
+        <a:xfrm>
+          <a:off x="0" y="0"/>
+          <a:ext cx="0" cy="0"/>
+          <a:chOff x="0" y="0"/>
+          <a:chExt cx="0" cy="0"/>
+        </a:xfrm>
+      </p:grpSpPr>
+      <p:sp>
+        <p:nvSpPr>
+          <p:cNvPr id="17" name="Rectangle: Rounded Corners 16">
+            <a:extLst>
+              <a:ext uri="{FF2B5EF4-FFF2-40B4-BE49-F238E27FC236}">
+                <a16:creationId xmlns:a16="http://schemas.microsoft.com/office/drawing/2014/main" id="{4D8D5280-B5E3-D41C-D9BC-3EB1B69051C1}"/>
+              </a:ext>
+            </a:extLst>
+          </p:cNvPr>
+          <p:cNvSpPr/>
+          <p:nvPr/>
+        </p:nvSpPr>
+        <p:spPr>
+          <a:xfrm>
+            <a:off x="619433" y="30272619"/>
+            <a:ext cx="17743067" cy="11024530"/>
+          </a:xfrm>
+          <a:prstGeom prst="roundRect">
+            <a:avLst>
+              <a:gd name="adj" fmla="val 3189"/>
+            </a:avLst>
+          </a:prstGeom>
+          <a:solidFill>
+            <a:schemeClr val="bg1"/>
+          </a:solidFill>
+          <a:ln w="254000">
+            <a:solidFill>
+              <a:srgbClr val="136F63"/>
+            </a:solidFill>
+          </a:ln>
+        </p:spPr>
+        <p:style>
+          <a:lnRef idx="2">
+            <a:schemeClr val="accent1">
+              <a:shade val="15000"/>
+            </a:schemeClr>
+          </a:lnRef>
+          <a:fillRef idx="1">
+            <a:schemeClr val="accent1"/>
+          </a:fillRef>
+          <a:effectRef idx="0">
+            <a:schemeClr val="accent1"/>
+          </a:effectRef>
+          <a:fontRef idx="minor">
+            <a:schemeClr val="lt1"/>
+          </a:fontRef>
+        </p:style>
+        <p:txBody>
+          <a:bodyPr rtlCol="0" anchor="ctr"/>
+          <a:lstStyle/>
+          <a:p>
+            <a:pPr algn="ctr"/>
+            <a:endParaRPr lang="de-DE"/>
+          </a:p>
+        </p:txBody>
+      </p:sp>
+      <p:sp>
+        <p:nvSpPr>
+          <p:cNvPr id="18" name="Rectangle: Rounded Corners 17">
+            <a:extLst>
+              <a:ext uri="{FF2B5EF4-FFF2-40B4-BE49-F238E27FC236}">
+                <a16:creationId xmlns:a16="http://schemas.microsoft.com/office/drawing/2014/main" id="{FC0E6B50-E3F9-0B3F-B30B-A13EAC268EAF}"/>
+              </a:ext>
+            </a:extLst>
+          </p:cNvPr>
+          <p:cNvSpPr/>
+          <p:nvPr/>
+        </p:nvSpPr>
+        <p:spPr>
+          <a:xfrm>
+            <a:off x="18848439" y="30272618"/>
+            <a:ext cx="10807341" cy="6130088"/>
+          </a:xfrm>
+          <a:prstGeom prst="roundRect">
+            <a:avLst>
+              <a:gd name="adj" fmla="val 2683"/>
+            </a:avLst>
+          </a:prstGeom>
+          <a:solidFill>
+            <a:schemeClr val="bg1"/>
+          </a:solidFill>
+          <a:ln w="254000">
+            <a:solidFill>
+              <a:srgbClr val="120D31"/>
+            </a:solidFill>
+          </a:ln>
+        </p:spPr>
+        <p:style>
+          <a:lnRef idx="2">
+            <a:schemeClr val="accent1">
+              <a:shade val="15000"/>
+            </a:schemeClr>
+          </a:lnRef>
+          <a:fillRef idx="1">
+            <a:schemeClr val="accent1"/>
+          </a:fillRef>
+          <a:effectRef idx="0">
+            <a:schemeClr val="accent1"/>
+          </a:effectRef>
+          <a:fontRef idx="minor">
+            <a:schemeClr val="lt1"/>
+          </a:fontRef>
+        </p:style>
+        <p:txBody>
+          <a:bodyPr rtlCol="0" anchor="ctr"/>
+          <a:lstStyle/>
+          <a:p>
+            <a:pPr algn="ctr"/>
+            <a:endParaRPr lang="de-DE"/>
+          </a:p>
+        </p:txBody>
+      </p:sp>
+      <p:sp>
+        <p:nvSpPr>
+          <p:cNvPr id="19" name="Rectangle: Rounded Corners 18">
+            <a:extLst>
+              <a:ext uri="{FF2B5EF4-FFF2-40B4-BE49-F238E27FC236}">
+                <a16:creationId xmlns:a16="http://schemas.microsoft.com/office/drawing/2014/main" id="{B6AB65BA-575B-B7C9-4328-3EB2A502DE03}"/>
+              </a:ext>
+            </a:extLst>
+          </p:cNvPr>
+          <p:cNvSpPr/>
+          <p:nvPr/>
+        </p:nvSpPr>
+        <p:spPr>
+          <a:xfrm>
+            <a:off x="18866415" y="37051635"/>
+            <a:ext cx="10807341" cy="4245514"/>
+          </a:xfrm>
+          <a:prstGeom prst="roundRect">
+            <a:avLst>
+              <a:gd name="adj" fmla="val 7244"/>
+            </a:avLst>
+          </a:prstGeom>
+          <a:solidFill>
+            <a:schemeClr val="bg1"/>
+          </a:solidFill>
+          <a:ln w="254000">
+            <a:solidFill>
+              <a:srgbClr val="302F4D"/>
+            </a:solidFill>
+          </a:ln>
+        </p:spPr>
+        <p:style>
+          <a:lnRef idx="2">
+            <a:schemeClr val="accent1">
+              <a:shade val="15000"/>
+            </a:schemeClr>
+          </a:lnRef>
+          <a:fillRef idx="1">
+            <a:schemeClr val="accent1"/>
+          </a:fillRef>
+          <a:effectRef idx="0">
+            <a:schemeClr val="accent1"/>
+          </a:effectRef>
+          <a:fontRef idx="minor">
+            <a:schemeClr val="lt1"/>
+          </a:fontRef>
+        </p:style>
+        <p:txBody>
+          <a:bodyPr rtlCol="0" anchor="ctr"/>
+          <a:lstStyle/>
+          <a:p>
+            <a:pPr algn="ctr"/>
+            <a:endParaRPr lang="de-DE"/>
+          </a:p>
+        </p:txBody>
+      </p:sp>
+      <p:sp>
+        <p:nvSpPr>
+          <p:cNvPr id="16" name="Rectangle: Rounded Corners 15">
+            <a:extLst>
+              <a:ext uri="{FF2B5EF4-FFF2-40B4-BE49-F238E27FC236}">
+                <a16:creationId xmlns:a16="http://schemas.microsoft.com/office/drawing/2014/main" id="{36EF023E-3DDA-617E-5659-2231663868EE}"/>
+              </a:ext>
+            </a:extLst>
+          </p:cNvPr>
+          <p:cNvSpPr/>
+          <p:nvPr/>
+        </p:nvSpPr>
+        <p:spPr>
+          <a:xfrm>
+            <a:off x="619433" y="14073603"/>
+            <a:ext cx="29054323" cy="15760120"/>
+          </a:xfrm>
+          <a:prstGeom prst="roundRect">
+            <a:avLst>
+              <a:gd name="adj" fmla="val 1883"/>
+            </a:avLst>
+          </a:prstGeom>
+          <a:solidFill>
+            <a:schemeClr val="bg1"/>
+          </a:solidFill>
+          <a:ln w="254000">
+            <a:solidFill>
+              <a:srgbClr val="0E1428"/>
+            </a:solidFill>
+          </a:ln>
+        </p:spPr>
+        <p:style>
+          <a:lnRef idx="2">
+            <a:schemeClr val="accent1">
+              <a:shade val="15000"/>
+            </a:schemeClr>
+          </a:lnRef>
+          <a:fillRef idx="1">
+            <a:schemeClr val="accent1"/>
+          </a:fillRef>
+          <a:effectRef idx="0">
+            <a:schemeClr val="accent1"/>
+          </a:effectRef>
+          <a:fontRef idx="minor">
+            <a:schemeClr val="lt1"/>
+          </a:fontRef>
+        </p:style>
+        <p:txBody>
+          <a:bodyPr rtlCol="0" anchor="ctr"/>
+          <a:lstStyle/>
+          <a:p>
+            <a:pPr algn="ctr"/>
+            <a:endParaRPr lang="de-DE" dirty="0"/>
+          </a:p>
+        </p:txBody>
+      </p:sp>
+      <p:sp>
+        <p:nvSpPr>
+          <p:cNvPr id="14" name="Rectangle: Rounded Corners 13">
+            <a:extLst>
+              <a:ext uri="{FF2B5EF4-FFF2-40B4-BE49-F238E27FC236}">
+                <a16:creationId xmlns:a16="http://schemas.microsoft.com/office/drawing/2014/main" id="{D48F5412-8D34-971E-B97F-9044DAA0DEAC}"/>
+              </a:ext>
+            </a:extLst>
+          </p:cNvPr>
+          <p:cNvSpPr/>
+          <p:nvPr/>
+        </p:nvSpPr>
+        <p:spPr>
+          <a:xfrm>
+            <a:off x="619433" y="5978668"/>
+            <a:ext cx="29054323" cy="7538131"/>
+          </a:xfrm>
+          <a:prstGeom prst="roundRect">
+            <a:avLst>
+              <a:gd name="adj" fmla="val 4408"/>
+            </a:avLst>
+          </a:prstGeom>
+          <a:solidFill>
+            <a:schemeClr val="bg1"/>
+          </a:solidFill>
+          <a:ln w="254000">
+            <a:solidFill>
+              <a:srgbClr val="B31029"/>
+            </a:solidFill>
+          </a:ln>
+        </p:spPr>
+        <p:style>
+          <a:lnRef idx="2">
+            <a:schemeClr val="accent1">
+              <a:shade val="15000"/>
+            </a:schemeClr>
+          </a:lnRef>
+          <a:fillRef idx="1">
+            <a:schemeClr val="accent1"/>
+          </a:fillRef>
+          <a:effectRef idx="0">
+            <a:schemeClr val="accent1"/>
+          </a:effectRef>
+          <a:fontRef idx="minor">
+            <a:schemeClr val="lt1"/>
+          </a:fontRef>
+        </p:style>
+        <p:txBody>
+          <a:bodyPr numCol="1" rtlCol="0" anchor="ctr"/>
+          <a:lstStyle/>
+          <a:p>
+            <a:pPr algn="ctr"/>
+            <a:r>
+              <a:rPr lang="de-DE" dirty="0"/>
+              <a:t> </a:t>
+            </a:r>
+          </a:p>
+        </p:txBody>
+      </p:sp>
+      <p:sp>
+        <p:nvSpPr>
+          <p:cNvPr id="20" name="TextBox 19">
+            <a:extLst>
+              <a:ext uri="{FF2B5EF4-FFF2-40B4-BE49-F238E27FC236}">
+                <a16:creationId xmlns:a16="http://schemas.microsoft.com/office/drawing/2014/main" id="{ACA5DA6E-C193-736F-F586-8DE1C8510767}"/>
+              </a:ext>
+            </a:extLst>
+          </p:cNvPr>
+          <p:cNvSpPr txBox="1"/>
+          <p:nvPr/>
+        </p:nvSpPr>
+        <p:spPr>
+          <a:xfrm>
+            <a:off x="1253554" y="7864362"/>
+            <a:ext cx="13893040" cy="5093702"/>
+          </a:xfrm>
+          <a:prstGeom prst="rect">
+            <a:avLst/>
+          </a:prstGeom>
+          <a:noFill/>
+          <a:ln>
+            <a:noFill/>
+          </a:ln>
+        </p:spPr>
+        <p:txBody>
+          <a:bodyPr wrap="square">
+            <a:spAutoFit/>
+          </a:bodyPr>
+          <a:lstStyle/>
+          <a:p>
+            <a:r>
+              <a:rPr lang="en-US" sz="500" b="1" dirty="0"/>
+              <a:t> </a:t>
+            </a:r>
+            <a:r>
+              <a:rPr lang="en-US" sz="200" b="1" dirty="0"/>
+              <a:t> </a:t>
+            </a:r>
+            <a:endParaRPr lang="en-US" sz="500" dirty="0"/>
+          </a:p>
+          <a:p>
+            <a:pPr marL="457200" indent="-457200">
+              <a:buFont typeface="Arial" panose="020B0604020202020204" pitchFamily="34" charset="0"/>
+              <a:buChar char="•"/>
+            </a:pPr>
+            <a:r>
+              <a:rPr lang="de-DE" sz="2800" dirty="0"/>
+              <a:t>„We want to </a:t>
+            </a:r>
+            <a:r>
+              <a:rPr lang="en-US" sz="2800" dirty="0"/>
+              <a:t>extract RNA-dependent proteins from proteomic screens”</a:t>
+            </a:r>
+            <a:endParaRPr lang="de-DE" sz="2800" dirty="0"/>
+          </a:p>
+          <a:p>
+            <a:pPr marL="457200" indent="-457200">
+              <a:buFont typeface="Arial" panose="020B0604020202020204" pitchFamily="34" charset="0"/>
+              <a:buChar char="•"/>
+            </a:pPr>
+            <a:r>
+              <a:rPr lang="de-DE" sz="2800" dirty="0"/>
+              <a:t>„RNA-dependency = the proteins interactome depends on RNA“</a:t>
+            </a:r>
+          </a:p>
+          <a:p>
+            <a:endParaRPr lang="en-US" sz="3200" b="1" dirty="0"/>
+          </a:p>
+          <a:p>
+            <a:r>
+              <a:rPr lang="en-US" sz="3200" b="1" dirty="0"/>
+              <a:t>What Makes RNA-Dependent Proteins Worth Investigating?</a:t>
+            </a:r>
+          </a:p>
+          <a:p>
+            <a:pPr marL="457200" indent="-457200">
+              <a:buFont typeface="Arial" panose="020B0604020202020204" pitchFamily="34" charset="0"/>
+              <a:buChar char="•"/>
+            </a:pPr>
+            <a:r>
+              <a:rPr lang="de-DE" sz="2800" b="1" dirty="0"/>
+              <a:t>Key Regulators:</a:t>
+            </a:r>
+            <a:r>
+              <a:rPr lang="de-DE" sz="2800" dirty="0"/>
+              <a:t> RBPs control RNA metabolism &amp; gene expression.</a:t>
+            </a:r>
+          </a:p>
+          <a:p>
+            <a:pPr marL="457200" indent="-457200">
+              <a:buFont typeface="Arial" panose="020B0604020202020204" pitchFamily="34" charset="0"/>
+              <a:buChar char="•"/>
+            </a:pPr>
+            <a:r>
+              <a:rPr lang="de-DE" sz="2800" b="1" dirty="0"/>
+              <a:t>Disease Links:</a:t>
+            </a:r>
+            <a:r>
+              <a:rPr lang="de-DE" sz="2800" dirty="0"/>
+              <a:t> Misregulation is tied to cancer &amp; neurodegeneration.</a:t>
+            </a:r>
+          </a:p>
+          <a:p>
+            <a:pPr marL="457200" indent="-457200">
+              <a:buFont typeface="Arial" panose="020B0604020202020204" pitchFamily="34" charset="0"/>
+              <a:buChar char="•"/>
+            </a:pPr>
+            <a:r>
+              <a:rPr lang="de-DE" sz="2800" b="1" dirty="0"/>
+              <a:t>Functional Clues:</a:t>
+            </a:r>
+            <a:r>
+              <a:rPr lang="de-DE" sz="2800" dirty="0"/>
+              <a:t> New RBPs hint at RNA’s role in specific pathways.</a:t>
+            </a:r>
+          </a:p>
+          <a:p>
+            <a:pPr marL="457200" indent="-457200">
+              <a:buFont typeface="Arial" panose="020B0604020202020204" pitchFamily="34" charset="0"/>
+              <a:buChar char="•"/>
+            </a:pPr>
+            <a:r>
+              <a:rPr lang="de-DE" sz="2800" b="1" dirty="0"/>
+              <a:t>Interaction Networks:</a:t>
+            </a:r>
+            <a:r>
+              <a:rPr lang="de-DE" sz="2800" dirty="0"/>
+              <a:t> Mapping RNA-protein complexes reveals regulatory logic. </a:t>
+            </a:r>
+          </a:p>
+          <a:p>
+            <a:pPr marL="457200" indent="-457200">
+              <a:buFont typeface="Arial" panose="020B0604020202020204" pitchFamily="34" charset="0"/>
+              <a:buChar char="•"/>
+            </a:pPr>
+            <a:r>
+              <a:rPr lang="de-DE" sz="2800" b="1" dirty="0"/>
+              <a:t>Molecular Insights:</a:t>
+            </a:r>
+            <a:r>
+              <a:rPr lang="de-DE" sz="2800" dirty="0"/>
+              <a:t> Deepens our understanding of cell cycle and cellular behavior. </a:t>
+            </a:r>
+            <a:endParaRPr lang="en-US" sz="2800" b="1" dirty="0"/>
+          </a:p>
+          <a:p>
+            <a:pPr marL="457200" indent="-457200">
+              <a:buFont typeface="Arial" panose="020B0604020202020204" pitchFamily="34" charset="0"/>
+              <a:buChar char="•"/>
+            </a:pPr>
+            <a:endParaRPr lang="de-DE" sz="2800" dirty="0"/>
+          </a:p>
+          <a:p>
+            <a:pPr marL="457200" indent="-457200">
+              <a:buFont typeface="Arial" panose="020B0604020202020204" pitchFamily="34" charset="0"/>
+              <a:buChar char="•"/>
+            </a:pPr>
+            <a:endParaRPr lang="de-DE" sz="3200" dirty="0"/>
+          </a:p>
+        </p:txBody>
+      </p:sp>
+      <p:sp>
+        <p:nvSpPr>
+          <p:cNvPr id="3" name="TextBox 2">
+            <a:extLst>
+              <a:ext uri="{FF2B5EF4-FFF2-40B4-BE49-F238E27FC236}">
+                <a16:creationId xmlns:a16="http://schemas.microsoft.com/office/drawing/2014/main" id="{5AEF6F66-8D74-6B3F-43F5-1ABC4B008DEB}"/>
+              </a:ext>
+            </a:extLst>
+          </p:cNvPr>
+          <p:cNvSpPr txBox="1"/>
+          <p:nvPr/>
+        </p:nvSpPr>
+        <p:spPr>
+          <a:xfrm>
+            <a:off x="1887734" y="16214779"/>
+            <a:ext cx="24173364" cy="9110186"/>
+          </a:xfrm>
+          <a:prstGeom prst="rect">
+            <a:avLst/>
+          </a:prstGeom>
+          <a:noFill/>
+          <a:ln>
+            <a:noFill/>
+          </a:ln>
+        </p:spPr>
+        <p:txBody>
+          <a:bodyPr wrap="square">
+            <a:spAutoFit/>
+          </a:bodyPr>
+          <a:lstStyle/>
+          <a:p>
+            <a:r>
+              <a:rPr lang="en-US" sz="3400" b="1" dirty="0"/>
+              <a:t>1) Data preparation</a:t>
+            </a:r>
+          </a:p>
+          <a:p>
+            <a:pPr marL="457200" indent="-457200">
+              <a:buFont typeface="Arial" panose="020B0604020202020204" pitchFamily="34" charset="0"/>
+              <a:buChar char="•"/>
+            </a:pPr>
+            <a:r>
+              <a:rPr lang="en-US" sz="2800" dirty="0"/>
+              <a:t>Data cleanup</a:t>
+            </a:r>
+          </a:p>
+          <a:p>
+            <a:pPr marL="457200" indent="-457200">
+              <a:buFont typeface="Arial" panose="020B0604020202020204" pitchFamily="34" charset="0"/>
+              <a:buChar char="•"/>
+            </a:pPr>
+            <a:r>
+              <a:rPr lang="en-US" sz="2800" dirty="0"/>
+              <a:t>“Rearrange and reorder the columns to their treatment, replicate and fraction”</a:t>
+            </a:r>
+          </a:p>
+          <a:p>
+            <a:pPr marL="457200" indent="-457200">
+              <a:buFont typeface="Arial" panose="020B0604020202020204" pitchFamily="34" charset="0"/>
+              <a:buChar char="•"/>
+            </a:pPr>
+            <a:r>
+              <a:rPr lang="en-US" sz="2800" dirty="0"/>
+              <a:t>Normalization</a:t>
+            </a:r>
+          </a:p>
+          <a:p>
+            <a:endParaRPr lang="en-US" sz="3400" b="1" dirty="0"/>
+          </a:p>
+          <a:p>
+            <a:r>
+              <a:rPr lang="de-DE" sz="3400" b="1" dirty="0"/>
+              <a:t>2) Data exploration</a:t>
+            </a:r>
+            <a:endParaRPr lang="de-DE" sz="3400" dirty="0"/>
+          </a:p>
+          <a:p>
+            <a:pPr marL="457200" indent="-457200">
+              <a:buFont typeface="Arial" panose="020B0604020202020204" pitchFamily="34" charset="0"/>
+              <a:buChar char="•"/>
+            </a:pPr>
+            <a:r>
+              <a:rPr lang="en-US" sz="2800" dirty="0"/>
+              <a:t> Identification of maxima and shoulders</a:t>
+            </a:r>
+          </a:p>
+          <a:p>
+            <a:pPr marL="457200" indent="-457200">
+              <a:buFont typeface="Arial" panose="020B0604020202020204" pitchFamily="34" charset="0"/>
+              <a:buChar char="•"/>
+            </a:pPr>
+            <a:r>
+              <a:rPr lang="en-US" sz="2800" dirty="0"/>
+              <a:t> </a:t>
+            </a:r>
+            <a:r>
+              <a:rPr lang="de-DE" sz="2800" dirty="0"/>
+              <a:t>Selection criteria</a:t>
+            </a:r>
+            <a:r>
+              <a:rPr lang="en-US" sz="2800" dirty="0"/>
+              <a:t> &amp; Wilcoxon Test </a:t>
+            </a:r>
+          </a:p>
+          <a:p>
+            <a:pPr marL="457200" indent="-457200">
+              <a:buFont typeface="Arial" panose="020B0604020202020204" pitchFamily="34" charset="0"/>
+              <a:buChar char="•"/>
+            </a:pPr>
+            <a:r>
+              <a:rPr lang="en-US" sz="2800" dirty="0"/>
+              <a:t>Visualization for the </a:t>
+            </a:r>
+            <a:r>
+              <a:rPr lang="de-DE" sz="2800" dirty="0"/>
+              <a:t>order of selection criteria</a:t>
+            </a:r>
+            <a:endParaRPr lang="en-US" sz="2800" dirty="0"/>
+          </a:p>
+          <a:p>
+            <a:pPr marL="457200" indent="-457200">
+              <a:buFont typeface="Arial" panose="020B0604020202020204" pitchFamily="34" charset="0"/>
+              <a:buChar char="•"/>
+            </a:pPr>
+            <a:r>
+              <a:rPr lang="en-US" sz="2800" dirty="0"/>
+              <a:t>Pie charts for selection results</a:t>
+            </a:r>
+          </a:p>
+          <a:p>
+            <a:endParaRPr lang="en-US" sz="3400" b="1" dirty="0"/>
+          </a:p>
+          <a:p>
+            <a:r>
+              <a:rPr lang="de-DE" sz="3400" b="1" dirty="0"/>
+              <a:t>3) Data reduction</a:t>
+            </a:r>
+          </a:p>
+          <a:p>
+            <a:pPr marL="457200" indent="-457200">
+              <a:buFont typeface="Arial" panose="020B0604020202020204" pitchFamily="34" charset="0"/>
+              <a:buChar char="•"/>
+            </a:pPr>
+            <a:r>
+              <a:rPr lang="de-DE" sz="2800" dirty="0"/>
+              <a:t>PCR </a:t>
+            </a:r>
+            <a:endParaRPr lang="en-US" sz="2800" dirty="0"/>
+          </a:p>
+          <a:p>
+            <a:pPr marL="457200" indent="-457200">
+              <a:buFont typeface="Arial" panose="020B0604020202020204" pitchFamily="34" charset="0"/>
+              <a:buChar char="•"/>
+            </a:pPr>
+            <a:r>
+              <a:rPr lang="en-US" sz="2800" dirty="0"/>
+              <a:t> k-means clustering</a:t>
+            </a:r>
+          </a:p>
+          <a:p>
+            <a:pPr marL="457200" indent="-457200">
+              <a:buFont typeface="Arial" panose="020B0604020202020204" pitchFamily="34" charset="0"/>
+              <a:buChar char="•"/>
+            </a:pPr>
+            <a:endParaRPr lang="en-US" sz="3400" dirty="0"/>
+          </a:p>
+          <a:p>
+            <a:r>
+              <a:rPr lang="de-DE" sz="3400" b="1" dirty="0"/>
+              <a:t>4) Data modelling</a:t>
+            </a:r>
+          </a:p>
+          <a:p>
+            <a:pPr marL="457200" indent="-457200">
+              <a:buFont typeface="Arial" panose="020B0604020202020204" pitchFamily="34" charset="0"/>
+              <a:buChar char="•"/>
+            </a:pPr>
+            <a:r>
+              <a:rPr lang="en-US" sz="2800" dirty="0"/>
+              <a:t> Linear Regression </a:t>
+            </a:r>
+            <a:endParaRPr lang="en-US" sz="3400" b="1" dirty="0"/>
+          </a:p>
+          <a:p>
+            <a:endParaRPr lang="en-US" sz="3400" b="1" dirty="0"/>
+          </a:p>
+          <a:p>
+            <a:endParaRPr lang="en-US" sz="3400" b="1" dirty="0"/>
+          </a:p>
+        </p:txBody>
+      </p:sp>
+      <p:sp>
+        <p:nvSpPr>
+          <p:cNvPr id="5" name="TextBox 4">
+            <a:extLst>
+              <a:ext uri="{FF2B5EF4-FFF2-40B4-BE49-F238E27FC236}">
+                <a16:creationId xmlns:a16="http://schemas.microsoft.com/office/drawing/2014/main" id="{9031789E-800D-EB3D-63D2-EB1CF6FB0101}"/>
+              </a:ext>
+            </a:extLst>
+          </p:cNvPr>
+          <p:cNvSpPr txBox="1"/>
+          <p:nvPr/>
+        </p:nvSpPr>
+        <p:spPr>
+          <a:xfrm>
+            <a:off x="1404974" y="33329176"/>
+            <a:ext cx="11401261" cy="13018949"/>
+          </a:xfrm>
+          <a:prstGeom prst="rect">
+            <a:avLst/>
+          </a:prstGeom>
+          <a:noFill/>
+          <a:ln>
+            <a:noFill/>
+          </a:ln>
+        </p:spPr>
+        <p:txBody>
+          <a:bodyPr wrap="square">
+            <a:spAutoFit/>
+          </a:bodyPr>
+          <a:lstStyle/>
+          <a:p>
+            <a:pPr marL="457200" indent="-457200">
+              <a:buFont typeface="Arial" panose="020B0604020202020204" pitchFamily="34" charset="0"/>
+              <a:buChar char="•"/>
+            </a:pPr>
+            <a:r>
+              <a:rPr lang="en-US" sz="2800" dirty="0"/>
+              <a:t>Critical review of our own results and methods (e.g., Selection criteria made us delete some RBPs. Why? What were their properties?)</a:t>
+            </a:r>
+          </a:p>
+          <a:p>
+            <a:pPr marL="457200" indent="-457200">
+              <a:buFont typeface="Arial" panose="020B0604020202020204" pitchFamily="34" charset="0"/>
+              <a:buChar char="•"/>
+            </a:pPr>
+            <a:r>
+              <a:rPr lang="en-US" sz="2800" dirty="0"/>
+              <a:t>Why do we find fewer proteins than </a:t>
+            </a:r>
+            <a:r>
+              <a:rPr lang="en-US" sz="2800" dirty="0" err="1"/>
+              <a:t>Maïwen</a:t>
+            </a:r>
+            <a:r>
+              <a:rPr lang="en-US" sz="2800" dirty="0"/>
+              <a:t>? </a:t>
+            </a:r>
+          </a:p>
+          <a:p>
+            <a:pPr marL="457200" indent="-457200">
+              <a:buFont typeface="Arial" panose="020B0604020202020204" pitchFamily="34" charset="0"/>
+              <a:buChar char="•"/>
+            </a:pPr>
+            <a:endParaRPr lang="en-US" sz="2800" dirty="0"/>
+          </a:p>
+          <a:p>
+            <a:pPr marL="457200" indent="-457200">
+              <a:buFont typeface="Arial" panose="020B0604020202020204" pitchFamily="34" charset="0"/>
+              <a:buChar char="•"/>
+            </a:pPr>
+            <a:endParaRPr lang="en-US" sz="2800" dirty="0"/>
+          </a:p>
+          <a:p>
+            <a:pPr marL="457200" indent="-457200">
+              <a:buFont typeface="Arial" panose="020B0604020202020204" pitchFamily="34" charset="0"/>
+              <a:buChar char="•"/>
+            </a:pPr>
+            <a:endParaRPr lang="en-US" sz="2800" dirty="0"/>
+          </a:p>
+          <a:p>
+            <a:pPr marL="457200" indent="-457200">
+              <a:buFont typeface="Arial" panose="020B0604020202020204" pitchFamily="34" charset="0"/>
+              <a:buChar char="•"/>
+            </a:pPr>
+            <a:endParaRPr lang="en-US" sz="2800" dirty="0"/>
+          </a:p>
+          <a:p>
+            <a:pPr marL="457200" indent="-457200">
+              <a:buFont typeface="Arial" panose="020B0604020202020204" pitchFamily="34" charset="0"/>
+              <a:buChar char="•"/>
+            </a:pPr>
+            <a:endParaRPr lang="en-US" sz="2800" dirty="0"/>
+          </a:p>
+          <a:p>
+            <a:pPr marL="457200" indent="-457200">
+              <a:buFont typeface="Arial" panose="020B0604020202020204" pitchFamily="34" charset="0"/>
+              <a:buChar char="•"/>
+            </a:pPr>
+            <a:endParaRPr lang="en-US" sz="2800" dirty="0"/>
+          </a:p>
+          <a:p>
+            <a:pPr marL="457200" indent="-457200">
+              <a:buFont typeface="Arial" panose="020B0604020202020204" pitchFamily="34" charset="0"/>
+              <a:buChar char="•"/>
+            </a:pPr>
+            <a:endParaRPr lang="en-US" sz="2800" dirty="0"/>
+          </a:p>
+          <a:p>
+            <a:pPr marL="457200" indent="-457200">
+              <a:buFont typeface="Arial" panose="020B0604020202020204" pitchFamily="34" charset="0"/>
+              <a:buChar char="•"/>
+            </a:pPr>
+            <a:endParaRPr lang="en-US" sz="2800" dirty="0"/>
+          </a:p>
+          <a:p>
+            <a:pPr marL="457200" indent="-457200">
+              <a:buFont typeface="Arial" panose="020B0604020202020204" pitchFamily="34" charset="0"/>
+              <a:buChar char="•"/>
+            </a:pPr>
+            <a:endParaRPr lang="en-US" sz="2800" dirty="0"/>
+          </a:p>
+          <a:p>
+            <a:pPr marL="457200" indent="-457200">
+              <a:buFont typeface="Arial" panose="020B0604020202020204" pitchFamily="34" charset="0"/>
+              <a:buChar char="•"/>
+            </a:pPr>
+            <a:endParaRPr lang="en-US" sz="2800" dirty="0"/>
+          </a:p>
+          <a:p>
+            <a:pPr marL="457200" indent="-457200">
+              <a:buFont typeface="Arial" panose="020B0604020202020204" pitchFamily="34" charset="0"/>
+              <a:buChar char="•"/>
+            </a:pPr>
+            <a:endParaRPr lang="en-US" sz="2800" dirty="0"/>
+          </a:p>
+          <a:p>
+            <a:pPr marL="457200" indent="-457200">
+              <a:buFont typeface="Arial" panose="020B0604020202020204" pitchFamily="34" charset="0"/>
+              <a:buChar char="•"/>
+            </a:pPr>
+            <a:endParaRPr lang="en-US" sz="2800" dirty="0"/>
+          </a:p>
+          <a:p>
+            <a:pPr marL="457200" indent="-457200">
+              <a:buFont typeface="Arial" panose="020B0604020202020204" pitchFamily="34" charset="0"/>
+              <a:buChar char="•"/>
+            </a:pPr>
+            <a:endParaRPr lang="en-US" sz="2800" dirty="0"/>
+          </a:p>
+          <a:p>
+            <a:pPr marL="457200" indent="-457200">
+              <a:buFont typeface="Arial" panose="020B0604020202020204" pitchFamily="34" charset="0"/>
+              <a:buChar char="•"/>
+            </a:pPr>
+            <a:endParaRPr lang="en-US" sz="2800" dirty="0"/>
+          </a:p>
+          <a:p>
+            <a:pPr marL="457200" indent="-457200">
+              <a:buFont typeface="Arial" panose="020B0604020202020204" pitchFamily="34" charset="0"/>
+              <a:buChar char="•"/>
+            </a:pPr>
+            <a:endParaRPr lang="en-US" sz="2800" dirty="0"/>
+          </a:p>
+          <a:p>
+            <a:pPr marL="457200" indent="-457200">
+              <a:buFont typeface="Arial" panose="020B0604020202020204" pitchFamily="34" charset="0"/>
+              <a:buChar char="•"/>
+            </a:pPr>
+            <a:endParaRPr lang="en-US" sz="2800" dirty="0"/>
+          </a:p>
+          <a:p>
+            <a:pPr marL="457200" indent="-457200">
+              <a:buFont typeface="Arial" panose="020B0604020202020204" pitchFamily="34" charset="0"/>
+              <a:buChar char="•"/>
+            </a:pPr>
+            <a:endParaRPr lang="en-US" sz="2800" dirty="0"/>
+          </a:p>
+          <a:p>
+            <a:pPr marL="457200" indent="-457200">
+              <a:buFont typeface="Arial" panose="020B0604020202020204" pitchFamily="34" charset="0"/>
+              <a:buChar char="•"/>
+            </a:pPr>
+            <a:endParaRPr lang="en-US" sz="2800" dirty="0"/>
+          </a:p>
+          <a:p>
+            <a:pPr marL="457200" indent="-457200">
+              <a:buFont typeface="Arial" panose="020B0604020202020204" pitchFamily="34" charset="0"/>
+              <a:buChar char="•"/>
+            </a:pPr>
+            <a:endParaRPr lang="en-US" sz="2800" dirty="0"/>
+          </a:p>
+          <a:p>
+            <a:pPr marL="457200" indent="-457200">
+              <a:buFont typeface="Arial" panose="020B0604020202020204" pitchFamily="34" charset="0"/>
+              <a:buChar char="•"/>
+            </a:pPr>
+            <a:endParaRPr lang="en-US" sz="2800" dirty="0"/>
+          </a:p>
+          <a:p>
+            <a:pPr marL="457200" indent="-457200">
+              <a:buFont typeface="Arial" panose="020B0604020202020204" pitchFamily="34" charset="0"/>
+              <a:buChar char="•"/>
+            </a:pPr>
+            <a:endParaRPr lang="en-US" sz="2800" dirty="0"/>
+          </a:p>
+          <a:p>
+            <a:pPr marL="457200" indent="-457200">
+              <a:buFont typeface="Arial" panose="020B0604020202020204" pitchFamily="34" charset="0"/>
+              <a:buChar char="•"/>
+            </a:pPr>
+            <a:endParaRPr lang="en-US" sz="2800" dirty="0"/>
+          </a:p>
+          <a:p>
+            <a:pPr marL="457200" indent="-457200">
+              <a:buFont typeface="Arial" panose="020B0604020202020204" pitchFamily="34" charset="0"/>
+              <a:buChar char="•"/>
+            </a:pPr>
+            <a:endParaRPr lang="en-US" sz="2800" dirty="0"/>
+          </a:p>
+          <a:p>
+            <a:pPr marL="457200" indent="-457200">
+              <a:buFont typeface="Arial" panose="020B0604020202020204" pitchFamily="34" charset="0"/>
+              <a:buChar char="•"/>
+            </a:pPr>
+            <a:endParaRPr lang="en-US" sz="2800" dirty="0"/>
+          </a:p>
+          <a:p>
+            <a:pPr marL="457200" indent="-457200">
+              <a:buFont typeface="Arial" panose="020B0604020202020204" pitchFamily="34" charset="0"/>
+              <a:buChar char="•"/>
+            </a:pPr>
+            <a:endParaRPr lang="en-US" sz="2800" dirty="0"/>
+          </a:p>
+          <a:p>
+            <a:pPr marL="457200" indent="-457200">
+              <a:buFont typeface="Arial" panose="020B0604020202020204" pitchFamily="34" charset="0"/>
+              <a:buChar char="•"/>
+            </a:pPr>
+            <a:endParaRPr lang="en-US" sz="2800" dirty="0"/>
+          </a:p>
+          <a:p>
+            <a:endParaRPr lang="en-US" sz="2800" b="1" dirty="0"/>
+          </a:p>
+        </p:txBody>
+      </p:sp>
+      <p:sp>
+        <p:nvSpPr>
+          <p:cNvPr id="6" name="TextBox 5">
+            <a:extLst>
+              <a:ext uri="{FF2B5EF4-FFF2-40B4-BE49-F238E27FC236}">
+                <a16:creationId xmlns:a16="http://schemas.microsoft.com/office/drawing/2014/main" id="{C42E7FB7-8891-3FC5-A4D9-095994E8338E}"/>
+              </a:ext>
+            </a:extLst>
+          </p:cNvPr>
+          <p:cNvSpPr txBox="1"/>
+          <p:nvPr/>
+        </p:nvSpPr>
+        <p:spPr>
+          <a:xfrm>
+            <a:off x="19343438" y="39583446"/>
+            <a:ext cx="8780767" cy="1384995"/>
+          </a:xfrm>
+          <a:prstGeom prst="rect">
+            <a:avLst/>
+          </a:prstGeom>
+          <a:noFill/>
+          <a:ln>
+            <a:noFill/>
+          </a:ln>
+        </p:spPr>
+        <p:txBody>
+          <a:bodyPr wrap="square">
+            <a:spAutoFit/>
+          </a:bodyPr>
+          <a:lstStyle/>
+          <a:p>
+            <a:pPr marL="457200" indent="-457200">
+              <a:buFont typeface="Arial" panose="020B0604020202020204" pitchFamily="34" charset="0"/>
+              <a:buChar char="•"/>
+            </a:pPr>
+            <a:r>
+              <a:rPr lang="en-US" sz="2800" b="1" dirty="0"/>
+              <a:t> </a:t>
+            </a:r>
+          </a:p>
+          <a:p>
+            <a:pPr marL="457200" indent="-457200">
+              <a:buFont typeface="Arial" panose="020B0604020202020204" pitchFamily="34" charset="0"/>
+              <a:buChar char="•"/>
+            </a:pPr>
+            <a:r>
+              <a:rPr lang="en-US" sz="2800" b="1" dirty="0"/>
+              <a:t> </a:t>
+            </a:r>
+          </a:p>
+          <a:p>
+            <a:pPr marL="457200" indent="-457200">
+              <a:buFont typeface="Arial" panose="020B0604020202020204" pitchFamily="34" charset="0"/>
+              <a:buChar char="•"/>
+            </a:pPr>
+            <a:endParaRPr lang="en-US" sz="2800" b="1" dirty="0"/>
+          </a:p>
+        </p:txBody>
+      </p:sp>
+      <p:sp>
+        <p:nvSpPr>
+          <p:cNvPr id="7" name="TextBox 6">
+            <a:extLst>
+              <a:ext uri="{FF2B5EF4-FFF2-40B4-BE49-F238E27FC236}">
+                <a16:creationId xmlns:a16="http://schemas.microsoft.com/office/drawing/2014/main" id="{5D4EB1CA-B7D9-ED85-7C7E-C1C86E45D9BA}"/>
+              </a:ext>
+            </a:extLst>
+          </p:cNvPr>
+          <p:cNvSpPr txBox="1"/>
+          <p:nvPr/>
+        </p:nvSpPr>
+        <p:spPr>
+          <a:xfrm>
+            <a:off x="19343438" y="32033981"/>
+            <a:ext cx="8291810" cy="1384995"/>
+          </a:xfrm>
+          <a:prstGeom prst="rect">
+            <a:avLst/>
+          </a:prstGeom>
+          <a:noFill/>
+          <a:ln>
+            <a:noFill/>
+          </a:ln>
+        </p:spPr>
+        <p:txBody>
+          <a:bodyPr wrap="square">
+            <a:spAutoFit/>
+          </a:bodyPr>
+          <a:lstStyle/>
+          <a:p>
+            <a:pPr marL="457200" indent="-457200">
+              <a:buFont typeface="Arial" panose="020B0604020202020204" pitchFamily="34" charset="0"/>
+              <a:buChar char="•"/>
+            </a:pPr>
+            <a:r>
+              <a:rPr lang="de-DE" sz="2800" dirty="0"/>
+              <a:t>We found X proteins that ...</a:t>
+            </a:r>
+          </a:p>
+          <a:p>
+            <a:pPr marL="457200" indent="-457200">
+              <a:buFont typeface="Arial" panose="020B0604020202020204" pitchFamily="34" charset="0"/>
+              <a:buChar char="•"/>
+            </a:pPr>
+            <a:endParaRPr lang="de-DE" sz="2800" dirty="0"/>
+          </a:p>
+          <a:p>
+            <a:endParaRPr lang="en-US" sz="2800" b="1" dirty="0"/>
+          </a:p>
+        </p:txBody>
+      </p:sp>
+      <p:sp>
+        <p:nvSpPr>
+          <p:cNvPr id="24" name="Rectangle: Rounded Corners 23">
+            <a:extLst>
+              <a:ext uri="{FF2B5EF4-FFF2-40B4-BE49-F238E27FC236}">
+                <a16:creationId xmlns:a16="http://schemas.microsoft.com/office/drawing/2014/main" id="{002C7CEA-07CF-DA27-1430-7A18C4FB2147}"/>
+              </a:ext>
+            </a:extLst>
+          </p:cNvPr>
+          <p:cNvSpPr/>
+          <p:nvPr/>
+        </p:nvSpPr>
+        <p:spPr>
+          <a:xfrm>
+            <a:off x="619433" y="5978668"/>
+            <a:ext cx="29036347" cy="1430255"/>
+          </a:xfrm>
+          <a:prstGeom prst="roundRect">
+            <a:avLst>
+              <a:gd name="adj" fmla="val 0"/>
+            </a:avLst>
+          </a:prstGeom>
+          <a:solidFill>
+            <a:srgbClr val="B31029"/>
+          </a:solidFill>
+          <a:ln>
+            <a:noFill/>
+          </a:ln>
+        </p:spPr>
+        <p:style>
+          <a:lnRef idx="2">
+            <a:schemeClr val="accent1">
+              <a:shade val="15000"/>
+            </a:schemeClr>
+          </a:lnRef>
+          <a:fillRef idx="1">
+            <a:schemeClr val="accent1"/>
+          </a:fillRef>
+          <a:effectRef idx="0">
+            <a:schemeClr val="accent1"/>
+          </a:effectRef>
+          <a:fontRef idx="minor">
+            <a:schemeClr val="lt1"/>
+          </a:fontRef>
+        </p:style>
+        <p:txBody>
+          <a:bodyPr rtlCol="0" anchor="ctr"/>
+          <a:lstStyle/>
+          <a:p>
+            <a:pPr algn="ctr"/>
+            <a:r>
+              <a:rPr lang="en-US" sz="6000" b="1" dirty="0"/>
+              <a:t>Identifying RNA-Dependent Proteins from Proteomic Data</a:t>
+            </a:r>
+            <a:endParaRPr lang="en-US" sz="1500" b="1" dirty="0"/>
+          </a:p>
+          <a:p>
+            <a:pPr algn="ctr"/>
+            <a:endParaRPr lang="en-US" sz="1000" b="1" dirty="0"/>
+          </a:p>
+        </p:txBody>
+      </p:sp>
+      <p:sp>
+        <p:nvSpPr>
+          <p:cNvPr id="25" name="TextBox 24">
+            <a:extLst>
+              <a:ext uri="{FF2B5EF4-FFF2-40B4-BE49-F238E27FC236}">
+                <a16:creationId xmlns:a16="http://schemas.microsoft.com/office/drawing/2014/main" id="{88BBB9F1-9370-43E5-8904-8D6FF72C4BAF}"/>
+              </a:ext>
+            </a:extLst>
+          </p:cNvPr>
+          <p:cNvSpPr txBox="1"/>
+          <p:nvPr/>
+        </p:nvSpPr>
+        <p:spPr>
+          <a:xfrm>
+            <a:off x="15164570" y="7864362"/>
+            <a:ext cx="13893040" cy="2800767"/>
+          </a:xfrm>
+          <a:prstGeom prst="rect">
+            <a:avLst/>
+          </a:prstGeom>
+          <a:noFill/>
+          <a:ln>
+            <a:noFill/>
+          </a:ln>
+        </p:spPr>
+        <p:txBody>
+          <a:bodyPr wrap="square">
+            <a:spAutoFit/>
+          </a:bodyPr>
+          <a:lstStyle/>
+          <a:p>
+            <a:r>
+              <a:rPr lang="en-US" sz="3200" b="1" dirty="0"/>
+              <a:t>Key Characteristics of Our Dataset</a:t>
+            </a:r>
+            <a:endParaRPr lang="de-DE" sz="2400" b="1" dirty="0"/>
+          </a:p>
+          <a:p>
+            <a:pPr marL="457200" indent="-457200">
+              <a:buFont typeface="Arial" panose="020B0604020202020204" pitchFamily="34" charset="0"/>
+              <a:buChar char="•"/>
+            </a:pPr>
+            <a:r>
+              <a:rPr lang="en-US" sz="2800" dirty="0"/>
+              <a:t>Our dataset was generated using the R-Deep approach</a:t>
+            </a:r>
+          </a:p>
+          <a:p>
+            <a:pPr marL="457200" indent="-457200">
+              <a:buFont typeface="Arial" panose="020B0604020202020204" pitchFamily="34" charset="0"/>
+              <a:buChar char="•"/>
+            </a:pPr>
+            <a:r>
+              <a:rPr lang="de-DE" sz="2800" dirty="0"/>
+              <a:t>~5000 Proteine in 25 Fraktionen, Rnase vs. CTRL</a:t>
+            </a:r>
+            <a:endParaRPr lang="en-US" sz="2800" dirty="0"/>
+          </a:p>
+          <a:p>
+            <a:pPr marL="457200" indent="-457200">
+              <a:buFont typeface="Arial" panose="020B0604020202020204" pitchFamily="34" charset="0"/>
+              <a:buChar char="•"/>
+            </a:pPr>
+            <a:r>
+              <a:rPr lang="en-US" sz="2800" dirty="0"/>
+              <a:t>Dimensions</a:t>
+            </a:r>
+            <a:endParaRPr lang="en-US" sz="2800" b="1" dirty="0"/>
+          </a:p>
+          <a:p>
+            <a:pPr marL="457200" indent="-457200">
+              <a:buFont typeface="Arial" panose="020B0604020202020204" pitchFamily="34" charset="0"/>
+              <a:buChar char="•"/>
+            </a:pPr>
+            <a:endParaRPr lang="de-DE" sz="2800" dirty="0"/>
+          </a:p>
+          <a:p>
+            <a:pPr marL="457200" indent="-457200">
+              <a:buFont typeface="Arial" panose="020B0604020202020204" pitchFamily="34" charset="0"/>
+              <a:buChar char="•"/>
+            </a:pPr>
+            <a:endParaRPr lang="de-DE" sz="3200" dirty="0"/>
+          </a:p>
+        </p:txBody>
+      </p:sp>
+      <p:sp>
+        <p:nvSpPr>
+          <p:cNvPr id="27" name="Rectangle: Rounded Corners 26">
+            <a:extLst>
+              <a:ext uri="{FF2B5EF4-FFF2-40B4-BE49-F238E27FC236}">
+                <a16:creationId xmlns:a16="http://schemas.microsoft.com/office/drawing/2014/main" id="{CD256F81-0E4A-15C5-ABD6-5AE87FEB3761}"/>
+              </a:ext>
+            </a:extLst>
+          </p:cNvPr>
+          <p:cNvSpPr/>
+          <p:nvPr/>
+        </p:nvSpPr>
+        <p:spPr>
+          <a:xfrm>
+            <a:off x="668635" y="14078465"/>
+            <a:ext cx="28937944" cy="1430255"/>
+          </a:xfrm>
+          <a:prstGeom prst="roundRect">
+            <a:avLst>
+              <a:gd name="adj" fmla="val 0"/>
+            </a:avLst>
+          </a:prstGeom>
+          <a:solidFill>
+            <a:srgbClr val="0E1428"/>
+          </a:solidFill>
+          <a:ln>
+            <a:noFill/>
+          </a:ln>
+        </p:spPr>
+        <p:style>
+          <a:lnRef idx="2">
+            <a:schemeClr val="accent1">
+              <a:shade val="15000"/>
+            </a:schemeClr>
+          </a:lnRef>
+          <a:fillRef idx="1">
+            <a:schemeClr val="accent1"/>
+          </a:fillRef>
+          <a:effectRef idx="0">
+            <a:schemeClr val="accent1"/>
+          </a:effectRef>
+          <a:fontRef idx="minor">
+            <a:schemeClr val="lt1"/>
+          </a:fontRef>
+        </p:style>
+        <p:txBody>
+          <a:bodyPr rtlCol="0" anchor="ctr"/>
+          <a:lstStyle/>
+          <a:p>
+            <a:pPr algn="ctr"/>
+            <a:r>
+              <a:rPr lang="en-US" sz="6000" b="1" dirty="0"/>
+              <a:t>Our Approach</a:t>
+            </a:r>
+            <a:endParaRPr lang="en-US" sz="1500" b="1" dirty="0"/>
+          </a:p>
+          <a:p>
+            <a:pPr algn="ctr"/>
+            <a:endParaRPr lang="en-US" sz="1000" b="1" dirty="0"/>
+          </a:p>
+        </p:txBody>
+      </p:sp>
+      <p:sp>
+        <p:nvSpPr>
+          <p:cNvPr id="28" name="Rectangle: Rounded Corners 27">
+            <a:extLst>
+              <a:ext uri="{FF2B5EF4-FFF2-40B4-BE49-F238E27FC236}">
+                <a16:creationId xmlns:a16="http://schemas.microsoft.com/office/drawing/2014/main" id="{C38C3210-3065-4547-557C-000860DEE5D3}"/>
+              </a:ext>
+            </a:extLst>
+          </p:cNvPr>
+          <p:cNvSpPr/>
+          <p:nvPr/>
+        </p:nvSpPr>
+        <p:spPr>
+          <a:xfrm>
+            <a:off x="668635" y="30272618"/>
+            <a:ext cx="17693865" cy="1430255"/>
+          </a:xfrm>
+          <a:prstGeom prst="roundRect">
+            <a:avLst>
+              <a:gd name="adj" fmla="val 0"/>
+            </a:avLst>
+          </a:prstGeom>
+          <a:solidFill>
+            <a:srgbClr val="136F63"/>
+          </a:solidFill>
+          <a:ln>
+            <a:noFill/>
+          </a:ln>
+        </p:spPr>
+        <p:style>
+          <a:lnRef idx="2">
+            <a:schemeClr val="accent1">
+              <a:shade val="15000"/>
+            </a:schemeClr>
+          </a:lnRef>
+          <a:fillRef idx="1">
+            <a:schemeClr val="accent1"/>
+          </a:fillRef>
+          <a:effectRef idx="0">
+            <a:schemeClr val="accent1"/>
+          </a:effectRef>
+          <a:fontRef idx="minor">
+            <a:schemeClr val="lt1"/>
+          </a:fontRef>
+        </p:style>
+        <p:txBody>
+          <a:bodyPr rtlCol="0" anchor="ctr"/>
+          <a:lstStyle/>
+          <a:p>
+            <a:pPr algn="ctr"/>
+            <a:r>
+              <a:rPr lang="en-US" sz="6000" b="1" dirty="0"/>
+              <a:t>Discussion</a:t>
+            </a:r>
+            <a:endParaRPr lang="en-US" sz="1500" b="1" dirty="0"/>
+          </a:p>
+          <a:p>
+            <a:pPr algn="ctr"/>
+            <a:endParaRPr lang="en-US" sz="1000" b="1" dirty="0"/>
+          </a:p>
+        </p:txBody>
+      </p:sp>
+      <p:sp>
+        <p:nvSpPr>
+          <p:cNvPr id="29" name="Rectangle: Rounded Corners 28">
+            <a:extLst>
+              <a:ext uri="{FF2B5EF4-FFF2-40B4-BE49-F238E27FC236}">
+                <a16:creationId xmlns:a16="http://schemas.microsoft.com/office/drawing/2014/main" id="{2C9BD048-C70B-C901-0263-7DA78C20B957}"/>
+              </a:ext>
+            </a:extLst>
+          </p:cNvPr>
+          <p:cNvSpPr/>
+          <p:nvPr/>
+        </p:nvSpPr>
+        <p:spPr>
+          <a:xfrm>
+            <a:off x="18866415" y="30277306"/>
+            <a:ext cx="10740163" cy="1430255"/>
+          </a:xfrm>
+          <a:prstGeom prst="roundRect">
+            <a:avLst>
+              <a:gd name="adj" fmla="val 0"/>
+            </a:avLst>
+          </a:prstGeom>
+          <a:solidFill>
+            <a:srgbClr val="120D31"/>
+          </a:solidFill>
+          <a:ln>
+            <a:noFill/>
+          </a:ln>
+        </p:spPr>
+        <p:style>
+          <a:lnRef idx="2">
+            <a:schemeClr val="accent1">
+              <a:shade val="15000"/>
+            </a:schemeClr>
+          </a:lnRef>
+          <a:fillRef idx="1">
+            <a:schemeClr val="accent1"/>
+          </a:fillRef>
+          <a:effectRef idx="0">
+            <a:schemeClr val="accent1"/>
+          </a:effectRef>
+          <a:fontRef idx="minor">
+            <a:schemeClr val="lt1"/>
+          </a:fontRef>
+        </p:style>
+        <p:txBody>
+          <a:bodyPr rtlCol="0" anchor="ctr"/>
+          <a:lstStyle/>
+          <a:p>
+            <a:pPr algn="ctr"/>
+            <a:r>
+              <a:rPr lang="en-US" sz="6000" b="1" dirty="0"/>
+              <a:t>Our Achievements</a:t>
+            </a:r>
+            <a:endParaRPr lang="en-US" sz="1000" b="1" dirty="0"/>
+          </a:p>
+        </p:txBody>
+      </p:sp>
+      <p:sp>
+        <p:nvSpPr>
+          <p:cNvPr id="30" name="Rectangle: Rounded Corners 29">
+            <a:extLst>
+              <a:ext uri="{FF2B5EF4-FFF2-40B4-BE49-F238E27FC236}">
+                <a16:creationId xmlns:a16="http://schemas.microsoft.com/office/drawing/2014/main" id="{B2645000-4D98-08A1-4746-E16BACC96D92}"/>
+              </a:ext>
+            </a:extLst>
+          </p:cNvPr>
+          <p:cNvSpPr/>
+          <p:nvPr/>
+        </p:nvSpPr>
+        <p:spPr>
+          <a:xfrm>
+            <a:off x="18942580" y="37000778"/>
+            <a:ext cx="10740163" cy="1430255"/>
+          </a:xfrm>
+          <a:prstGeom prst="roundRect">
+            <a:avLst>
+              <a:gd name="adj" fmla="val 0"/>
+            </a:avLst>
+          </a:prstGeom>
+          <a:solidFill>
+            <a:srgbClr val="302F4D"/>
+          </a:solidFill>
+          <a:ln>
+            <a:noFill/>
+          </a:ln>
+        </p:spPr>
+        <p:style>
+          <a:lnRef idx="2">
+            <a:schemeClr val="accent1">
+              <a:shade val="15000"/>
+            </a:schemeClr>
+          </a:lnRef>
+          <a:fillRef idx="1">
+            <a:schemeClr val="accent1"/>
+          </a:fillRef>
+          <a:effectRef idx="0">
+            <a:schemeClr val="accent1"/>
+          </a:effectRef>
+          <a:fontRef idx="minor">
+            <a:schemeClr val="lt1"/>
+          </a:fontRef>
+        </p:style>
+        <p:txBody>
+          <a:bodyPr rtlCol="0" anchor="ctr"/>
+          <a:lstStyle/>
+          <a:p>
+            <a:pPr algn="ctr"/>
+            <a:r>
+              <a:rPr lang="en-US" sz="6000" b="1" dirty="0"/>
+              <a:t>References</a:t>
+            </a:r>
+            <a:endParaRPr lang="en-US" sz="1000" b="1" dirty="0"/>
+          </a:p>
+        </p:txBody>
+      </p:sp>
+      <p:sp>
+        <p:nvSpPr>
+          <p:cNvPr id="2" name="Rectangle 1">
+            <a:extLst>
+              <a:ext uri="{FF2B5EF4-FFF2-40B4-BE49-F238E27FC236}">
+                <a16:creationId xmlns:a16="http://schemas.microsoft.com/office/drawing/2014/main" id="{C263CBAF-29FC-225A-17D4-586D46BCBFDD}"/>
+              </a:ext>
+            </a:extLst>
+          </p:cNvPr>
+          <p:cNvSpPr/>
+          <p:nvPr/>
+        </p:nvSpPr>
+        <p:spPr>
+          <a:xfrm>
+            <a:off x="-2" y="41835104"/>
+            <a:ext cx="30275213" cy="1017568"/>
+          </a:xfrm>
+          <a:prstGeom prst="rect">
+            <a:avLst/>
+          </a:prstGeom>
+          <a:solidFill>
+            <a:schemeClr val="bg1"/>
+          </a:solidFill>
+          <a:ln>
+            <a:noFill/>
+          </a:ln>
+        </p:spPr>
+        <p:style>
+          <a:lnRef idx="2">
+            <a:schemeClr val="accent1">
+              <a:shade val="15000"/>
+            </a:schemeClr>
+          </a:lnRef>
+          <a:fillRef idx="1">
+            <a:schemeClr val="accent1"/>
+          </a:fillRef>
+          <a:effectRef idx="0">
+            <a:schemeClr val="accent1"/>
+          </a:effectRef>
+          <a:fontRef idx="minor">
+            <a:schemeClr val="lt1"/>
+          </a:fontRef>
+        </p:style>
+        <p:txBody>
+          <a:bodyPr rtlCol="0" anchor="ctr"/>
+          <a:lstStyle/>
+          <a:p>
+            <a:pPr algn="ctr"/>
+            <a:endParaRPr lang="de-DE"/>
+          </a:p>
+        </p:txBody>
+      </p:sp>
+      <p:sp>
+        <p:nvSpPr>
+          <p:cNvPr id="15" name="Rectangle 14">
+            <a:extLst>
+              <a:ext uri="{FF2B5EF4-FFF2-40B4-BE49-F238E27FC236}">
+                <a16:creationId xmlns:a16="http://schemas.microsoft.com/office/drawing/2014/main" id="{6002A07D-31C6-C72C-7BD3-27FBD1DB3313}"/>
+              </a:ext>
+            </a:extLst>
+          </p:cNvPr>
+          <p:cNvSpPr/>
+          <p:nvPr/>
+        </p:nvSpPr>
+        <p:spPr>
+          <a:xfrm>
+            <a:off x="-1" y="0"/>
+            <a:ext cx="30275213" cy="5437746"/>
+          </a:xfrm>
+          <a:prstGeom prst="rect">
+            <a:avLst/>
+          </a:prstGeom>
+          <a:solidFill>
+            <a:schemeClr val="bg1"/>
+          </a:solidFill>
+          <a:ln>
+            <a:noFill/>
+          </a:ln>
+        </p:spPr>
+        <p:style>
+          <a:lnRef idx="2">
+            <a:schemeClr val="accent1">
+              <a:shade val="15000"/>
+            </a:schemeClr>
+          </a:lnRef>
+          <a:fillRef idx="1">
+            <a:schemeClr val="accent1"/>
+          </a:fillRef>
+          <a:effectRef idx="0">
+            <a:schemeClr val="accent1"/>
+          </a:effectRef>
+          <a:fontRef idx="minor">
+            <a:schemeClr val="lt1"/>
+          </a:fontRef>
+        </p:style>
+        <p:txBody>
+          <a:bodyPr rtlCol="0" anchor="ctr"/>
+          <a:lstStyle/>
+          <a:p>
+            <a:pPr algn="ctr"/>
+            <a:endParaRPr lang="de-DE"/>
+          </a:p>
+        </p:txBody>
+      </p:sp>
+      <p:pic>
+        <p:nvPicPr>
+          <p:cNvPr id="21" name="Picture 20">
+            <a:extLst>
+              <a:ext uri="{FF2B5EF4-FFF2-40B4-BE49-F238E27FC236}">
+                <a16:creationId xmlns:a16="http://schemas.microsoft.com/office/drawing/2014/main" id="{BA0E3070-118E-C40C-3836-FFB78A51EB34}"/>
+              </a:ext>
+            </a:extLst>
+          </p:cNvPr>
+          <p:cNvPicPr>
+            <a:picLocks noChangeAspect="1"/>
+          </p:cNvPicPr>
+          <p:nvPr/>
+        </p:nvPicPr>
+        <p:blipFill>
+          <a:blip r:embed="rId2"/>
+          <a:stretch>
+            <a:fillRect/>
+          </a:stretch>
+        </p:blipFill>
+        <p:spPr>
+          <a:xfrm>
+            <a:off x="99683" y="23020"/>
+            <a:ext cx="9050209" cy="5088730"/>
+          </a:xfrm>
+          <a:prstGeom prst="rect">
+            <a:avLst/>
+          </a:prstGeom>
+        </p:spPr>
+      </p:pic>
+      <p:pic>
+        <p:nvPicPr>
+          <p:cNvPr id="22" name="Picture 21">
+            <a:extLst>
+              <a:ext uri="{FF2B5EF4-FFF2-40B4-BE49-F238E27FC236}">
+                <a16:creationId xmlns:a16="http://schemas.microsoft.com/office/drawing/2014/main" id="{720B5849-F185-3303-479D-44FA5F6FCC6C}"/>
+              </a:ext>
+            </a:extLst>
+          </p:cNvPr>
+          <p:cNvPicPr>
+            <a:picLocks noChangeAspect="1"/>
+          </p:cNvPicPr>
+          <p:nvPr/>
+        </p:nvPicPr>
+        <p:blipFill>
+          <a:blip r:embed="rId3"/>
+          <a:stretch>
+            <a:fillRect/>
+          </a:stretch>
+        </p:blipFill>
+        <p:spPr>
+          <a:xfrm>
+            <a:off x="23489343" y="704131"/>
+            <a:ext cx="6328620" cy="3559849"/>
+          </a:xfrm>
+          <a:prstGeom prst="rect">
+            <a:avLst/>
+          </a:prstGeom>
+        </p:spPr>
+      </p:pic>
+      <p:sp>
+        <p:nvSpPr>
+          <p:cNvPr id="23" name="Titel 1">
+            <a:extLst>
+              <a:ext uri="{FF2B5EF4-FFF2-40B4-BE49-F238E27FC236}">
+                <a16:creationId xmlns:a16="http://schemas.microsoft.com/office/drawing/2014/main" id="{F1B38528-395C-CC36-4E86-226ED1A9A77C}"/>
+              </a:ext>
+            </a:extLst>
+          </p:cNvPr>
+          <p:cNvSpPr txBox="1">
+            <a:spLocks/>
+          </p:cNvSpPr>
+          <p:nvPr/>
+        </p:nvSpPr>
+        <p:spPr>
+          <a:xfrm>
+            <a:off x="9482040" y="1726880"/>
+            <a:ext cx="12820650" cy="1836887"/>
+          </a:xfrm>
+          <a:prstGeom prst="rect">
+            <a:avLst/>
+          </a:prstGeom>
+        </p:spPr>
+        <p:txBody>
+          <a:bodyPr vert="horz" lIns="91440" tIns="45720" rIns="91440" bIns="45720" rtlCol="0" anchor="b">
+            <a:noAutofit/>
+          </a:bodyPr>
+          <a:lstStyle>
+            <a:lvl1pPr algn="ctr" defTabSz="3027487" rtl="0" eaLnBrk="1" latinLnBrk="0" hangingPunct="1">
+              <a:lnSpc>
+                <a:spcPct val="90000"/>
+              </a:lnSpc>
+              <a:spcBef>
+                <a:spcPct val="0"/>
+              </a:spcBef>
+              <a:buNone/>
+              <a:defRPr sz="19865" kern="1200">
+                <a:solidFill>
+                  <a:schemeClr val="tx1"/>
+                </a:solidFill>
+                <a:latin typeface="+mj-lt"/>
+                <a:ea typeface="+mj-ea"/>
+                <a:cs typeface="+mj-cs"/>
+              </a:defRPr>
+            </a:lvl1pPr>
+          </a:lstStyle>
+          <a:p>
+            <a:r>
+              <a:rPr lang="de-DE" sz="7000" b="1"/>
+              <a:t>Hidden Alliances: RNA-Dependent Protein Interactions in Cancer Cells</a:t>
+            </a:r>
+            <a:endParaRPr lang="en-US" sz="7000" b="1" dirty="0"/>
+          </a:p>
+        </p:txBody>
+      </p:sp>
+      <p:sp>
+        <p:nvSpPr>
+          <p:cNvPr id="31" name="Titel 1">
+            <a:extLst>
+              <a:ext uri="{FF2B5EF4-FFF2-40B4-BE49-F238E27FC236}">
+                <a16:creationId xmlns:a16="http://schemas.microsoft.com/office/drawing/2014/main" id="{7C3C7D43-CA32-EBFD-6367-2A4068033862}"/>
+              </a:ext>
+            </a:extLst>
+          </p:cNvPr>
+          <p:cNvSpPr txBox="1">
+            <a:spLocks/>
+          </p:cNvSpPr>
+          <p:nvPr/>
+        </p:nvSpPr>
+        <p:spPr>
+          <a:xfrm>
+            <a:off x="8627535" y="3159684"/>
+            <a:ext cx="13675155" cy="1323687"/>
+          </a:xfrm>
+          <a:prstGeom prst="rect">
+            <a:avLst/>
+          </a:prstGeom>
+        </p:spPr>
+        <p:txBody>
+          <a:bodyPr vert="horz" lIns="45681" tIns="22840" rIns="45681" bIns="22840" rtlCol="0" anchor="b">
+            <a:noAutofit/>
+          </a:bodyPr>
+          <a:lstStyle>
+            <a:lvl1pPr algn="ctr" defTabSz="3027487" rtl="0" eaLnBrk="1" latinLnBrk="0" hangingPunct="1">
+              <a:lnSpc>
+                <a:spcPct val="90000"/>
+              </a:lnSpc>
+              <a:spcBef>
+                <a:spcPct val="0"/>
+              </a:spcBef>
+              <a:buNone/>
+              <a:defRPr sz="19865" kern="1200">
+                <a:solidFill>
+                  <a:schemeClr val="tx1"/>
+                </a:solidFill>
+                <a:latin typeface="+mj-lt"/>
+                <a:ea typeface="+mj-ea"/>
+                <a:cs typeface="+mj-cs"/>
+              </a:defRPr>
+            </a:lvl1pPr>
+          </a:lstStyle>
+          <a:p>
+            <a:r>
+              <a:rPr lang="de-DE" sz="2800" dirty="0"/>
+              <a:t>Julian </a:t>
+            </a:r>
+            <a:r>
+              <a:rPr lang="de-DE" sz="2800" dirty="0" err="1"/>
+              <a:t>Baureis</a:t>
+            </a:r>
+            <a:r>
+              <a:rPr lang="de-DE" sz="2800" dirty="0"/>
+              <a:t>, Julia Ferdin, Benjamin Nicklas, Luisa </a:t>
+            </a:r>
+            <a:r>
+              <a:rPr lang="de-DE" sz="2800" dirty="0" err="1"/>
+              <a:t>Wintel</a:t>
+            </a:r>
+            <a:endParaRPr lang="de-DE" sz="2800" dirty="0"/>
+          </a:p>
+          <a:p>
+            <a:r>
+              <a:rPr lang="de-DE" sz="2800" dirty="0"/>
+              <a:t>Data Analysis Project </a:t>
+            </a:r>
+            <a:r>
+              <a:rPr lang="de-DE" sz="2800" dirty="0" err="1"/>
+              <a:t>Molecular</a:t>
+            </a:r>
+            <a:r>
+              <a:rPr lang="de-DE" sz="2800" dirty="0"/>
+              <a:t> Biotechnology SS2025</a:t>
+            </a:r>
+          </a:p>
+        </p:txBody>
+      </p:sp>
+    </p:spTree>
+    <p:extLst>
+      <p:ext uri="{BB962C8B-B14F-4D97-AF65-F5344CB8AC3E}">
+        <p14:creationId xmlns:p14="http://schemas.microsoft.com/office/powerpoint/2010/main" val="2070410323"/>
+      </p:ext>
+    </p:extLst>
+  </p:cSld>
+  <p:clrMapOvr>
+    <a:masterClrMapping/>
+  </p:clrMapOvr>
+</p:sld>
+</file>
+
+<file path=ppt/slides/slide11.xml><?xml version="1.0" encoding="utf-8"?>
+<p:sld xmlns:a="http://schemas.openxmlformats.org/drawingml/2006/main" xmlns:r="http://schemas.openxmlformats.org/officeDocument/2006/relationships" xmlns:p="http://schemas.openxmlformats.org/presentationml/2006/main">
+  <p:cSld>
+    <p:bg>
+      <p:bgPr>
         <a:solidFill>
           <a:srgbClr val="D5D5D5"/>
         </a:solidFill>
@@ -5826,7 +7558,7 @@
 </p:sld>
 </file>
 
-<file path=ppt/slides/slide11.xml><?xml version="1.0" encoding="utf-8"?>
+<file path=ppt/slides/slide12.xml><?xml version="1.0" encoding="utf-8"?>
 <p:sld xmlns:a="http://schemas.openxmlformats.org/drawingml/2006/main" xmlns:r="http://schemas.openxmlformats.org/officeDocument/2006/relationships" xmlns:p="http://schemas.openxmlformats.org/presentationml/2006/main" show="0">
   <p:cSld>
     <p:spTree>
@@ -6982,7 +8714,7 @@
 </p:sld>
 </file>
 
-<file path=ppt/slides/slide12.xml><?xml version="1.0" encoding="utf-8"?>
+<file path=ppt/slides/slide13.xml><?xml version="1.0" encoding="utf-8"?>
 <p:sld xmlns:a="http://schemas.openxmlformats.org/drawingml/2006/main" xmlns:r="http://schemas.openxmlformats.org/officeDocument/2006/relationships" xmlns:p="http://schemas.openxmlformats.org/presentationml/2006/main" show="0">
   <p:cSld>
     <p:spTree>
@@ -7702,7 +9434,7 @@
 </p:sld>
 </file>
 
-<file path=ppt/slides/slide13.xml><?xml version="1.0" encoding="utf-8"?>
+<file path=ppt/slides/slide14.xml><?xml version="1.0" encoding="utf-8"?>
 <p:sld xmlns:a="http://schemas.openxmlformats.org/drawingml/2006/main" xmlns:r="http://schemas.openxmlformats.org/officeDocument/2006/relationships" xmlns:p="http://schemas.openxmlformats.org/presentationml/2006/main" show="0">
   <p:cSld>
     <p:spTree>
@@ -20706,6 +22438,2409 @@
 <file path=ppt/slides/slide7.xml><?xml version="1.0" encoding="utf-8"?>
 <p:sld xmlns:a="http://schemas.openxmlformats.org/drawingml/2006/main" xmlns:r="http://schemas.openxmlformats.org/officeDocument/2006/relationships" xmlns:p="http://schemas.openxmlformats.org/presentationml/2006/main">
   <p:cSld>
+    <p:spTree>
+      <p:nvGrpSpPr>
+        <p:cNvPr id="1" name="">
+          <a:extLst>
+            <a:ext uri="{FF2B5EF4-FFF2-40B4-BE49-F238E27FC236}">
+              <a16:creationId xmlns:a16="http://schemas.microsoft.com/office/drawing/2014/main" id="{DCB4DA4B-7B45-0382-80F4-61398FB455E4}"/>
+            </a:ext>
+          </a:extLst>
+        </p:cNvPr>
+        <p:cNvGrpSpPr/>
+        <p:nvPr/>
+      </p:nvGrpSpPr>
+      <p:grpSpPr>
+        <a:xfrm>
+          <a:off x="0" y="0"/>
+          <a:ext cx="0" cy="0"/>
+          <a:chOff x="0" y="0"/>
+          <a:chExt cx="0" cy="0"/>
+        </a:xfrm>
+      </p:grpSpPr>
+      <p:sp>
+        <p:nvSpPr>
+          <p:cNvPr id="42" name="Rectangle 41">
+            <a:extLst>
+              <a:ext uri="{FF2B5EF4-FFF2-40B4-BE49-F238E27FC236}">
+                <a16:creationId xmlns:a16="http://schemas.microsoft.com/office/drawing/2014/main" id="{1AC209E2-E86A-DC60-7394-49FA626A5E0F}"/>
+              </a:ext>
+            </a:extLst>
+          </p:cNvPr>
+          <p:cNvSpPr/>
+          <p:nvPr/>
+        </p:nvSpPr>
+        <p:spPr>
+          <a:xfrm flipV="1">
+            <a:off x="-1" y="-21301"/>
+            <a:ext cx="30275214" cy="4467776"/>
+          </a:xfrm>
+          <a:prstGeom prst="rect">
+            <a:avLst/>
+          </a:prstGeom>
+          <a:solidFill>
+            <a:srgbClr val="475A5F"/>
+          </a:solidFill>
+          <a:ln w="254000">
+            <a:noFill/>
+          </a:ln>
+        </p:spPr>
+        <p:style>
+          <a:lnRef idx="2">
+            <a:schemeClr val="accent1">
+              <a:shade val="15000"/>
+            </a:schemeClr>
+          </a:lnRef>
+          <a:fillRef idx="1">
+            <a:schemeClr val="accent1"/>
+          </a:fillRef>
+          <a:effectRef idx="0">
+            <a:schemeClr val="accent1"/>
+          </a:effectRef>
+          <a:fontRef idx="minor">
+            <a:schemeClr val="lt1"/>
+          </a:fontRef>
+        </p:style>
+        <p:txBody>
+          <a:bodyPr rtlCol="0" anchor="ctr"/>
+          <a:lstStyle/>
+          <a:p>
+            <a:pPr algn="ctr"/>
+            <a:endParaRPr lang="de-DE"/>
+          </a:p>
+        </p:txBody>
+      </p:sp>
+      <p:sp>
+        <p:nvSpPr>
+          <p:cNvPr id="43" name="Rectangle: Top Corners Rounded 42">
+            <a:extLst>
+              <a:ext uri="{FF2B5EF4-FFF2-40B4-BE49-F238E27FC236}">
+                <a16:creationId xmlns:a16="http://schemas.microsoft.com/office/drawing/2014/main" id="{00027BC6-8133-9E0D-F5F2-E13C64A79C6A}"/>
+              </a:ext>
+            </a:extLst>
+          </p:cNvPr>
+          <p:cNvSpPr/>
+          <p:nvPr/>
+        </p:nvSpPr>
+        <p:spPr>
+          <a:xfrm flipV="1">
+            <a:off x="856746" y="-21302"/>
+            <a:ext cx="28404556" cy="4468351"/>
+          </a:xfrm>
+          <a:prstGeom prst="round2SameRect">
+            <a:avLst/>
+          </a:prstGeom>
+          <a:solidFill>
+            <a:srgbClr val="394C53"/>
+          </a:solidFill>
+          <a:ln w="254000">
+            <a:noFill/>
+          </a:ln>
+        </p:spPr>
+        <p:style>
+          <a:lnRef idx="2">
+            <a:schemeClr val="accent1">
+              <a:shade val="15000"/>
+            </a:schemeClr>
+          </a:lnRef>
+          <a:fillRef idx="1">
+            <a:schemeClr val="accent1"/>
+          </a:fillRef>
+          <a:effectRef idx="0">
+            <a:schemeClr val="accent1"/>
+          </a:effectRef>
+          <a:fontRef idx="minor">
+            <a:schemeClr val="lt1"/>
+          </a:fontRef>
+        </p:style>
+        <p:txBody>
+          <a:bodyPr rtlCol="0" anchor="ctr"/>
+          <a:lstStyle/>
+          <a:p>
+            <a:pPr algn="ctr"/>
+            <a:endParaRPr lang="de-DE"/>
+          </a:p>
+        </p:txBody>
+      </p:sp>
+      <p:sp>
+        <p:nvSpPr>
+          <p:cNvPr id="44" name="Rectangle: Top Corners Rounded 43">
+            <a:extLst>
+              <a:ext uri="{FF2B5EF4-FFF2-40B4-BE49-F238E27FC236}">
+                <a16:creationId xmlns:a16="http://schemas.microsoft.com/office/drawing/2014/main" id="{7B13E027-2107-C080-170A-DCF4421FBF2C}"/>
+              </a:ext>
+            </a:extLst>
+          </p:cNvPr>
+          <p:cNvSpPr/>
+          <p:nvPr/>
+        </p:nvSpPr>
+        <p:spPr>
+          <a:xfrm flipV="1">
+            <a:off x="2245466" y="-19077"/>
+            <a:ext cx="25838205" cy="4468351"/>
+          </a:xfrm>
+          <a:prstGeom prst="round2SameRect">
+            <a:avLst/>
+          </a:prstGeom>
+          <a:solidFill>
+            <a:srgbClr val="2F4047"/>
+          </a:solidFill>
+          <a:ln w="254000">
+            <a:noFill/>
+          </a:ln>
+        </p:spPr>
+        <p:style>
+          <a:lnRef idx="2">
+            <a:schemeClr val="accent1">
+              <a:shade val="15000"/>
+            </a:schemeClr>
+          </a:lnRef>
+          <a:fillRef idx="1">
+            <a:schemeClr val="accent1"/>
+          </a:fillRef>
+          <a:effectRef idx="0">
+            <a:schemeClr val="accent1"/>
+          </a:effectRef>
+          <a:fontRef idx="minor">
+            <a:schemeClr val="lt1"/>
+          </a:fontRef>
+        </p:style>
+        <p:txBody>
+          <a:bodyPr rtlCol="0" anchor="ctr"/>
+          <a:lstStyle/>
+          <a:p>
+            <a:pPr algn="ctr"/>
+            <a:endParaRPr lang="de-DE"/>
+          </a:p>
+        </p:txBody>
+      </p:sp>
+      <p:sp>
+        <p:nvSpPr>
+          <p:cNvPr id="45" name="Rectangle: Top Corners Rounded 44">
+            <a:extLst>
+              <a:ext uri="{FF2B5EF4-FFF2-40B4-BE49-F238E27FC236}">
+                <a16:creationId xmlns:a16="http://schemas.microsoft.com/office/drawing/2014/main" id="{4C738D4B-1B97-123E-4CA8-044CE1E687C5}"/>
+              </a:ext>
+            </a:extLst>
+          </p:cNvPr>
+          <p:cNvSpPr/>
+          <p:nvPr/>
+        </p:nvSpPr>
+        <p:spPr>
+          <a:xfrm flipV="1">
+            <a:off x="3593302" y="-21303"/>
+            <a:ext cx="23088601" cy="4470577"/>
+          </a:xfrm>
+          <a:prstGeom prst="round2SameRect">
+            <a:avLst/>
+          </a:prstGeom>
+          <a:solidFill>
+            <a:srgbClr val="25333C"/>
+          </a:solidFill>
+          <a:ln w="254000">
+            <a:noFill/>
+          </a:ln>
+        </p:spPr>
+        <p:style>
+          <a:lnRef idx="2">
+            <a:schemeClr val="accent1">
+              <a:shade val="15000"/>
+            </a:schemeClr>
+          </a:lnRef>
+          <a:fillRef idx="1">
+            <a:schemeClr val="accent1"/>
+          </a:fillRef>
+          <a:effectRef idx="0">
+            <a:schemeClr val="accent1"/>
+          </a:effectRef>
+          <a:fontRef idx="minor">
+            <a:schemeClr val="lt1"/>
+          </a:fontRef>
+        </p:style>
+        <p:txBody>
+          <a:bodyPr rtlCol="0" anchor="ctr"/>
+          <a:lstStyle/>
+          <a:p>
+            <a:pPr algn="ctr"/>
+            <a:endParaRPr lang="de-DE"/>
+          </a:p>
+        </p:txBody>
+      </p:sp>
+      <p:sp>
+        <p:nvSpPr>
+          <p:cNvPr id="17" name="Rectangle: Rounded Corners 16">
+            <a:extLst>
+              <a:ext uri="{FF2B5EF4-FFF2-40B4-BE49-F238E27FC236}">
+                <a16:creationId xmlns:a16="http://schemas.microsoft.com/office/drawing/2014/main" id="{BE8ABDD3-27BB-99EE-BA60-7E9ECA8350F0}"/>
+              </a:ext>
+            </a:extLst>
+          </p:cNvPr>
+          <p:cNvSpPr/>
+          <p:nvPr/>
+        </p:nvSpPr>
+        <p:spPr>
+          <a:xfrm>
+            <a:off x="619433" y="28063936"/>
+            <a:ext cx="14518173" cy="13738215"/>
+          </a:xfrm>
+          <a:prstGeom prst="roundRect">
+            <a:avLst>
+              <a:gd name="adj" fmla="val 3189"/>
+            </a:avLst>
+          </a:prstGeom>
+          <a:solidFill>
+            <a:schemeClr val="bg1"/>
+          </a:solidFill>
+          <a:ln w="254000">
+            <a:solidFill>
+              <a:srgbClr val="2F4047"/>
+            </a:solidFill>
+          </a:ln>
+        </p:spPr>
+        <p:style>
+          <a:lnRef idx="2">
+            <a:schemeClr val="accent1">
+              <a:shade val="15000"/>
+            </a:schemeClr>
+          </a:lnRef>
+          <a:fillRef idx="1">
+            <a:schemeClr val="accent1"/>
+          </a:fillRef>
+          <a:effectRef idx="0">
+            <a:schemeClr val="accent1"/>
+          </a:effectRef>
+          <a:fontRef idx="minor">
+            <a:schemeClr val="lt1"/>
+          </a:fontRef>
+        </p:style>
+        <p:txBody>
+          <a:bodyPr rtlCol="0" anchor="ctr"/>
+          <a:lstStyle/>
+          <a:p>
+            <a:pPr algn="ctr"/>
+            <a:endParaRPr lang="de-DE"/>
+          </a:p>
+        </p:txBody>
+      </p:sp>
+      <p:sp>
+        <p:nvSpPr>
+          <p:cNvPr id="18" name="Rectangle: Rounded Corners 17">
+            <a:extLst>
+              <a:ext uri="{FF2B5EF4-FFF2-40B4-BE49-F238E27FC236}">
+                <a16:creationId xmlns:a16="http://schemas.microsoft.com/office/drawing/2014/main" id="{49455363-3B73-2B30-7262-6CFFC92A71C7}"/>
+              </a:ext>
+            </a:extLst>
+          </p:cNvPr>
+          <p:cNvSpPr/>
+          <p:nvPr/>
+        </p:nvSpPr>
+        <p:spPr>
+          <a:xfrm>
+            <a:off x="15765564" y="28070489"/>
+            <a:ext cx="14052399" cy="5949273"/>
+          </a:xfrm>
+          <a:prstGeom prst="roundRect">
+            <a:avLst>
+              <a:gd name="adj" fmla="val 2683"/>
+            </a:avLst>
+          </a:prstGeom>
+          <a:solidFill>
+            <a:schemeClr val="bg1"/>
+          </a:solidFill>
+          <a:ln w="254000">
+            <a:solidFill>
+              <a:srgbClr val="B21D31"/>
+            </a:solidFill>
+          </a:ln>
+        </p:spPr>
+        <p:style>
+          <a:lnRef idx="2">
+            <a:schemeClr val="accent1">
+              <a:shade val="15000"/>
+            </a:schemeClr>
+          </a:lnRef>
+          <a:fillRef idx="1">
+            <a:schemeClr val="accent1"/>
+          </a:fillRef>
+          <a:effectRef idx="0">
+            <a:schemeClr val="accent1"/>
+          </a:effectRef>
+          <a:fontRef idx="minor">
+            <a:schemeClr val="lt1"/>
+          </a:fontRef>
+        </p:style>
+        <p:txBody>
+          <a:bodyPr rtlCol="0" anchor="ctr"/>
+          <a:lstStyle/>
+          <a:p>
+            <a:pPr algn="ctr"/>
+            <a:endParaRPr lang="de-DE"/>
+          </a:p>
+        </p:txBody>
+      </p:sp>
+      <p:sp>
+        <p:nvSpPr>
+          <p:cNvPr id="19" name="Rectangle: Rounded Corners 18">
+            <a:extLst>
+              <a:ext uri="{FF2B5EF4-FFF2-40B4-BE49-F238E27FC236}">
+                <a16:creationId xmlns:a16="http://schemas.microsoft.com/office/drawing/2014/main" id="{2BC33F1A-BD85-B65F-A434-5A04CA4B33F6}"/>
+              </a:ext>
+            </a:extLst>
+          </p:cNvPr>
+          <p:cNvSpPr/>
+          <p:nvPr/>
+        </p:nvSpPr>
+        <p:spPr>
+          <a:xfrm>
+            <a:off x="15765564" y="34728653"/>
+            <a:ext cx="14052399" cy="7073498"/>
+          </a:xfrm>
+          <a:prstGeom prst="roundRect">
+            <a:avLst>
+              <a:gd name="adj" fmla="val 2154"/>
+            </a:avLst>
+          </a:prstGeom>
+          <a:solidFill>
+            <a:schemeClr val="bg1"/>
+          </a:solidFill>
+          <a:ln w="254000">
+            <a:solidFill>
+              <a:srgbClr val="475A5F"/>
+            </a:solidFill>
+          </a:ln>
+        </p:spPr>
+        <p:style>
+          <a:lnRef idx="2">
+            <a:schemeClr val="accent1">
+              <a:shade val="15000"/>
+            </a:schemeClr>
+          </a:lnRef>
+          <a:fillRef idx="1">
+            <a:schemeClr val="accent1"/>
+          </a:fillRef>
+          <a:effectRef idx="0">
+            <a:schemeClr val="accent1"/>
+          </a:effectRef>
+          <a:fontRef idx="minor">
+            <a:schemeClr val="lt1"/>
+          </a:fontRef>
+        </p:style>
+        <p:txBody>
+          <a:bodyPr rtlCol="0" anchor="ctr"/>
+          <a:lstStyle/>
+          <a:p>
+            <a:pPr algn="ctr"/>
+            <a:endParaRPr lang="de-DE" dirty="0"/>
+          </a:p>
+        </p:txBody>
+      </p:sp>
+      <p:sp>
+        <p:nvSpPr>
+          <p:cNvPr id="16" name="Rectangle: Rounded Corners 15">
+            <a:extLst>
+              <a:ext uri="{FF2B5EF4-FFF2-40B4-BE49-F238E27FC236}">
+                <a16:creationId xmlns:a16="http://schemas.microsoft.com/office/drawing/2014/main" id="{F06E53D9-CA36-5647-EF1E-8A60CC19F917}"/>
+              </a:ext>
+            </a:extLst>
+          </p:cNvPr>
+          <p:cNvSpPr/>
+          <p:nvPr/>
+        </p:nvSpPr>
+        <p:spPr>
+          <a:xfrm>
+            <a:off x="619433" y="14268580"/>
+            <a:ext cx="29198530" cy="13032673"/>
+          </a:xfrm>
+          <a:prstGeom prst="roundRect">
+            <a:avLst>
+              <a:gd name="adj" fmla="val 1883"/>
+            </a:avLst>
+          </a:prstGeom>
+          <a:solidFill>
+            <a:schemeClr val="bg1"/>
+          </a:solidFill>
+          <a:ln w="254000">
+            <a:solidFill>
+              <a:srgbClr val="25333C"/>
+            </a:solidFill>
+          </a:ln>
+        </p:spPr>
+        <p:style>
+          <a:lnRef idx="2">
+            <a:schemeClr val="accent1">
+              <a:shade val="15000"/>
+            </a:schemeClr>
+          </a:lnRef>
+          <a:fillRef idx="1">
+            <a:schemeClr val="accent1"/>
+          </a:fillRef>
+          <a:effectRef idx="0">
+            <a:schemeClr val="accent1"/>
+          </a:effectRef>
+          <a:fontRef idx="minor">
+            <a:schemeClr val="lt1"/>
+          </a:fontRef>
+        </p:style>
+        <p:txBody>
+          <a:bodyPr rtlCol="0" anchor="ctr"/>
+          <a:lstStyle/>
+          <a:p>
+            <a:pPr algn="ctr"/>
+            <a:endParaRPr lang="de-DE" dirty="0"/>
+          </a:p>
+        </p:txBody>
+      </p:sp>
+      <p:sp>
+        <p:nvSpPr>
+          <p:cNvPr id="14" name="Rectangle: Rounded Corners 13">
+            <a:extLst>
+              <a:ext uri="{FF2B5EF4-FFF2-40B4-BE49-F238E27FC236}">
+                <a16:creationId xmlns:a16="http://schemas.microsoft.com/office/drawing/2014/main" id="{442DFF40-5104-AAB8-F3E6-D638B4C1BB1C}"/>
+              </a:ext>
+            </a:extLst>
+          </p:cNvPr>
+          <p:cNvSpPr/>
+          <p:nvPr/>
+        </p:nvSpPr>
+        <p:spPr>
+          <a:xfrm>
+            <a:off x="619433" y="6667390"/>
+            <a:ext cx="29198530" cy="6831954"/>
+          </a:xfrm>
+          <a:prstGeom prst="roundRect">
+            <a:avLst>
+              <a:gd name="adj" fmla="val 4408"/>
+            </a:avLst>
+          </a:prstGeom>
+          <a:solidFill>
+            <a:schemeClr val="bg1"/>
+          </a:solidFill>
+          <a:ln w="254000">
+            <a:solidFill>
+              <a:srgbClr val="B21D31"/>
+            </a:solidFill>
+          </a:ln>
+        </p:spPr>
+        <p:style>
+          <a:lnRef idx="2">
+            <a:schemeClr val="accent1">
+              <a:shade val="15000"/>
+            </a:schemeClr>
+          </a:lnRef>
+          <a:fillRef idx="1">
+            <a:schemeClr val="accent1"/>
+          </a:fillRef>
+          <a:effectRef idx="0">
+            <a:schemeClr val="accent1"/>
+          </a:effectRef>
+          <a:fontRef idx="minor">
+            <a:schemeClr val="lt1"/>
+          </a:fontRef>
+        </p:style>
+        <p:txBody>
+          <a:bodyPr numCol="1" rtlCol="0" anchor="ctr"/>
+          <a:lstStyle/>
+          <a:p>
+            <a:pPr algn="ctr"/>
+            <a:r>
+              <a:rPr lang="de-DE" dirty="0"/>
+              <a:t> </a:t>
+            </a:r>
+          </a:p>
+        </p:txBody>
+      </p:sp>
+      <p:sp>
+        <p:nvSpPr>
+          <p:cNvPr id="20" name="TextBox 19">
+            <a:extLst>
+              <a:ext uri="{FF2B5EF4-FFF2-40B4-BE49-F238E27FC236}">
+                <a16:creationId xmlns:a16="http://schemas.microsoft.com/office/drawing/2014/main" id="{7A39D7F8-D14C-CDDC-8785-7FCA1FB89EE4}"/>
+              </a:ext>
+            </a:extLst>
+          </p:cNvPr>
+          <p:cNvSpPr txBox="1"/>
+          <p:nvPr/>
+        </p:nvSpPr>
+        <p:spPr>
+          <a:xfrm>
+            <a:off x="1253554" y="8641574"/>
+            <a:ext cx="13893040" cy="4524315"/>
+          </a:xfrm>
+          <a:prstGeom prst="rect">
+            <a:avLst/>
+          </a:prstGeom>
+          <a:noFill/>
+          <a:ln>
+            <a:noFill/>
+          </a:ln>
+        </p:spPr>
+        <p:txBody>
+          <a:bodyPr wrap="square">
+            <a:spAutoFit/>
+          </a:bodyPr>
+          <a:lstStyle/>
+          <a:p>
+            <a:r>
+              <a:rPr lang="en-US" sz="2400" b="1" dirty="0"/>
+              <a:t>  </a:t>
+            </a:r>
+            <a:endParaRPr lang="en-US" sz="2400" dirty="0"/>
+          </a:p>
+          <a:p>
+            <a:pPr marL="457200" indent="-457200">
+              <a:buFont typeface="Arial" panose="020B0604020202020204" pitchFamily="34" charset="0"/>
+              <a:buChar char="•"/>
+            </a:pPr>
+            <a:r>
+              <a:rPr lang="de-DE" sz="2400" dirty="0"/>
+              <a:t>„We want to </a:t>
+            </a:r>
+            <a:r>
+              <a:rPr lang="en-US" sz="2400" dirty="0"/>
+              <a:t>extract RNA-dependent proteins from proteomic screens”</a:t>
+            </a:r>
+            <a:endParaRPr lang="de-DE" sz="2400" dirty="0"/>
+          </a:p>
+          <a:p>
+            <a:pPr marL="457200" indent="-457200">
+              <a:buFont typeface="Arial" panose="020B0604020202020204" pitchFamily="34" charset="0"/>
+              <a:buChar char="•"/>
+            </a:pPr>
+            <a:r>
+              <a:rPr lang="de-DE" sz="2400" dirty="0"/>
+              <a:t>„RNA-dependency = the proteins interactome depends on RNA“</a:t>
+            </a:r>
+          </a:p>
+          <a:p>
+            <a:endParaRPr lang="en-US" sz="2400" b="1" dirty="0"/>
+          </a:p>
+          <a:p>
+            <a:r>
+              <a:rPr lang="en-US" sz="2400" b="1" dirty="0"/>
+              <a:t>What Makes RNA-Dependent Proteins Worth Investigating?</a:t>
+            </a:r>
+          </a:p>
+          <a:p>
+            <a:pPr marL="457200" indent="-457200">
+              <a:buFont typeface="Arial" panose="020B0604020202020204" pitchFamily="34" charset="0"/>
+              <a:buChar char="•"/>
+            </a:pPr>
+            <a:r>
+              <a:rPr lang="de-DE" sz="2400" b="1" dirty="0"/>
+              <a:t>Key Regulators:</a:t>
+            </a:r>
+            <a:r>
+              <a:rPr lang="de-DE" sz="2400" dirty="0"/>
+              <a:t> RBPs control RNA metabolism &amp; gene expression.</a:t>
+            </a:r>
+          </a:p>
+          <a:p>
+            <a:pPr marL="457200" indent="-457200">
+              <a:buFont typeface="Arial" panose="020B0604020202020204" pitchFamily="34" charset="0"/>
+              <a:buChar char="•"/>
+            </a:pPr>
+            <a:r>
+              <a:rPr lang="de-DE" sz="2400" b="1" dirty="0"/>
+              <a:t>Disease Links:</a:t>
+            </a:r>
+            <a:r>
+              <a:rPr lang="de-DE" sz="2400" dirty="0"/>
+              <a:t> Misregulation is tied to cancer &amp; neurodegeneration.</a:t>
+            </a:r>
+          </a:p>
+          <a:p>
+            <a:pPr marL="457200" indent="-457200">
+              <a:buFont typeface="Arial" panose="020B0604020202020204" pitchFamily="34" charset="0"/>
+              <a:buChar char="•"/>
+            </a:pPr>
+            <a:r>
+              <a:rPr lang="de-DE" sz="2400" b="1" dirty="0"/>
+              <a:t>Functional Clues:</a:t>
+            </a:r>
+            <a:r>
+              <a:rPr lang="de-DE" sz="2400" dirty="0"/>
+              <a:t> New RBPs hint at RNA’s role in specific pathways.</a:t>
+            </a:r>
+          </a:p>
+          <a:p>
+            <a:pPr marL="457200" indent="-457200">
+              <a:buFont typeface="Arial" panose="020B0604020202020204" pitchFamily="34" charset="0"/>
+              <a:buChar char="•"/>
+            </a:pPr>
+            <a:r>
+              <a:rPr lang="de-DE" sz="2400" b="1" dirty="0"/>
+              <a:t>Interaction Networks:</a:t>
+            </a:r>
+            <a:r>
+              <a:rPr lang="de-DE" sz="2400" dirty="0"/>
+              <a:t> Mapping RNA-protein complexes reveals regulatory logic. </a:t>
+            </a:r>
+          </a:p>
+          <a:p>
+            <a:pPr marL="457200" indent="-457200">
+              <a:buFont typeface="Arial" panose="020B0604020202020204" pitchFamily="34" charset="0"/>
+              <a:buChar char="•"/>
+            </a:pPr>
+            <a:r>
+              <a:rPr lang="de-DE" sz="2400" b="1" dirty="0"/>
+              <a:t>Molecular Insights:</a:t>
+            </a:r>
+            <a:r>
+              <a:rPr lang="de-DE" sz="2400" dirty="0"/>
+              <a:t> Deepens our understanding of cell cycle and cellular behavior. </a:t>
+            </a:r>
+            <a:endParaRPr lang="en-US" sz="2400" b="1" dirty="0"/>
+          </a:p>
+          <a:p>
+            <a:pPr marL="457200" indent="-457200">
+              <a:buFont typeface="Arial" panose="020B0604020202020204" pitchFamily="34" charset="0"/>
+              <a:buChar char="•"/>
+            </a:pPr>
+            <a:endParaRPr lang="de-DE" sz="2400" dirty="0"/>
+          </a:p>
+          <a:p>
+            <a:pPr marL="457200" indent="-457200">
+              <a:buFont typeface="Arial" panose="020B0604020202020204" pitchFamily="34" charset="0"/>
+              <a:buChar char="•"/>
+            </a:pPr>
+            <a:endParaRPr lang="de-DE" sz="2400" dirty="0"/>
+          </a:p>
+        </p:txBody>
+      </p:sp>
+      <p:sp>
+        <p:nvSpPr>
+          <p:cNvPr id="3" name="TextBox 2">
+            <a:extLst>
+              <a:ext uri="{FF2B5EF4-FFF2-40B4-BE49-F238E27FC236}">
+                <a16:creationId xmlns:a16="http://schemas.microsoft.com/office/drawing/2014/main" id="{688CC709-6B5B-3A34-DD16-04185AD0985D}"/>
+              </a:ext>
+            </a:extLst>
+          </p:cNvPr>
+          <p:cNvSpPr txBox="1"/>
+          <p:nvPr/>
+        </p:nvSpPr>
+        <p:spPr>
+          <a:xfrm>
+            <a:off x="1887734" y="16409755"/>
+            <a:ext cx="24173364" cy="7109639"/>
+          </a:xfrm>
+          <a:prstGeom prst="rect">
+            <a:avLst/>
+          </a:prstGeom>
+          <a:noFill/>
+          <a:ln>
+            <a:noFill/>
+          </a:ln>
+        </p:spPr>
+        <p:txBody>
+          <a:bodyPr wrap="square">
+            <a:spAutoFit/>
+          </a:bodyPr>
+          <a:lstStyle/>
+          <a:p>
+            <a:r>
+              <a:rPr lang="en-US" sz="2400" b="1" dirty="0"/>
+              <a:t>1) Data preparation</a:t>
+            </a:r>
+          </a:p>
+          <a:p>
+            <a:pPr marL="457200" indent="-457200">
+              <a:buFont typeface="Arial" panose="020B0604020202020204" pitchFamily="34" charset="0"/>
+              <a:buChar char="•"/>
+            </a:pPr>
+            <a:r>
+              <a:rPr lang="en-US" sz="2400" dirty="0"/>
+              <a:t>Data cleanup</a:t>
+            </a:r>
+          </a:p>
+          <a:p>
+            <a:pPr marL="457200" indent="-457200">
+              <a:buFont typeface="Arial" panose="020B0604020202020204" pitchFamily="34" charset="0"/>
+              <a:buChar char="•"/>
+            </a:pPr>
+            <a:r>
+              <a:rPr lang="en-US" sz="2400" dirty="0"/>
+              <a:t>“Rearrange and reorder the columns to their treatment, replicate and fraction”</a:t>
+            </a:r>
+          </a:p>
+          <a:p>
+            <a:pPr marL="457200" indent="-457200">
+              <a:buFont typeface="Arial" panose="020B0604020202020204" pitchFamily="34" charset="0"/>
+              <a:buChar char="•"/>
+            </a:pPr>
+            <a:r>
+              <a:rPr lang="en-US" sz="2400" dirty="0"/>
+              <a:t>Normalization</a:t>
+            </a:r>
+          </a:p>
+          <a:p>
+            <a:endParaRPr lang="en-US" sz="2400" b="1" dirty="0"/>
+          </a:p>
+          <a:p>
+            <a:r>
+              <a:rPr lang="de-DE" sz="2400" b="1" dirty="0"/>
+              <a:t>2) Data exploration</a:t>
+            </a:r>
+            <a:endParaRPr lang="de-DE" sz="2400" dirty="0"/>
+          </a:p>
+          <a:p>
+            <a:pPr marL="457200" indent="-457200">
+              <a:buFont typeface="Arial" panose="020B0604020202020204" pitchFamily="34" charset="0"/>
+              <a:buChar char="•"/>
+            </a:pPr>
+            <a:r>
+              <a:rPr lang="en-US" sz="2400" dirty="0"/>
+              <a:t> Identification of maxima and shoulders</a:t>
+            </a:r>
+          </a:p>
+          <a:p>
+            <a:pPr marL="457200" indent="-457200">
+              <a:buFont typeface="Arial" panose="020B0604020202020204" pitchFamily="34" charset="0"/>
+              <a:buChar char="•"/>
+            </a:pPr>
+            <a:r>
+              <a:rPr lang="en-US" sz="2400" dirty="0"/>
+              <a:t> </a:t>
+            </a:r>
+            <a:r>
+              <a:rPr lang="de-DE" sz="2400" dirty="0"/>
+              <a:t>Selection criteria</a:t>
+            </a:r>
+            <a:r>
+              <a:rPr lang="en-US" sz="2400" dirty="0"/>
+              <a:t> &amp; Wilcoxon Test </a:t>
+            </a:r>
+          </a:p>
+          <a:p>
+            <a:pPr marL="457200" indent="-457200">
+              <a:buFont typeface="Arial" panose="020B0604020202020204" pitchFamily="34" charset="0"/>
+              <a:buChar char="•"/>
+            </a:pPr>
+            <a:r>
+              <a:rPr lang="en-US" sz="2400" dirty="0"/>
+              <a:t>Visualization for the </a:t>
+            </a:r>
+            <a:r>
+              <a:rPr lang="de-DE" sz="2400" dirty="0"/>
+              <a:t>order of selection criteria</a:t>
+            </a:r>
+            <a:endParaRPr lang="en-US" sz="2400" dirty="0"/>
+          </a:p>
+          <a:p>
+            <a:pPr marL="457200" indent="-457200">
+              <a:buFont typeface="Arial" panose="020B0604020202020204" pitchFamily="34" charset="0"/>
+              <a:buChar char="•"/>
+            </a:pPr>
+            <a:r>
+              <a:rPr lang="en-US" sz="2400" dirty="0"/>
+              <a:t>Pie charts for selection results</a:t>
+            </a:r>
+          </a:p>
+          <a:p>
+            <a:endParaRPr lang="en-US" sz="2400" b="1" dirty="0"/>
+          </a:p>
+          <a:p>
+            <a:r>
+              <a:rPr lang="de-DE" sz="2400" b="1" dirty="0"/>
+              <a:t>3) Data reduction</a:t>
+            </a:r>
+          </a:p>
+          <a:p>
+            <a:pPr marL="457200" indent="-457200">
+              <a:buFont typeface="Arial" panose="020B0604020202020204" pitchFamily="34" charset="0"/>
+              <a:buChar char="•"/>
+            </a:pPr>
+            <a:r>
+              <a:rPr lang="de-DE" sz="2400" dirty="0"/>
+              <a:t>PCR </a:t>
+            </a:r>
+            <a:endParaRPr lang="en-US" sz="2400" dirty="0"/>
+          </a:p>
+          <a:p>
+            <a:pPr marL="457200" indent="-457200">
+              <a:buFont typeface="Arial" panose="020B0604020202020204" pitchFamily="34" charset="0"/>
+              <a:buChar char="•"/>
+            </a:pPr>
+            <a:r>
+              <a:rPr lang="en-US" sz="2400" dirty="0"/>
+              <a:t> k-means clustering</a:t>
+            </a:r>
+          </a:p>
+          <a:p>
+            <a:pPr marL="457200" indent="-457200">
+              <a:buFont typeface="Arial" panose="020B0604020202020204" pitchFamily="34" charset="0"/>
+              <a:buChar char="•"/>
+            </a:pPr>
+            <a:endParaRPr lang="en-US" sz="2400" dirty="0"/>
+          </a:p>
+          <a:p>
+            <a:r>
+              <a:rPr lang="de-DE" sz="2400" b="1" dirty="0"/>
+              <a:t>4) Data modelling</a:t>
+            </a:r>
+          </a:p>
+          <a:p>
+            <a:pPr marL="457200" indent="-457200">
+              <a:buFont typeface="Arial" panose="020B0604020202020204" pitchFamily="34" charset="0"/>
+              <a:buChar char="•"/>
+            </a:pPr>
+            <a:r>
+              <a:rPr lang="en-US" sz="2400" dirty="0"/>
+              <a:t> Linear Regression </a:t>
+            </a:r>
+            <a:endParaRPr lang="en-US" sz="2400" b="1" dirty="0"/>
+          </a:p>
+          <a:p>
+            <a:endParaRPr lang="en-US" sz="2400" b="1" dirty="0"/>
+          </a:p>
+          <a:p>
+            <a:endParaRPr lang="en-US" sz="2400" b="1" dirty="0"/>
+          </a:p>
+        </p:txBody>
+      </p:sp>
+      <p:sp>
+        <p:nvSpPr>
+          <p:cNvPr id="5" name="TextBox 4">
+            <a:extLst>
+              <a:ext uri="{FF2B5EF4-FFF2-40B4-BE49-F238E27FC236}">
+                <a16:creationId xmlns:a16="http://schemas.microsoft.com/office/drawing/2014/main" id="{15C96ECF-1153-1171-D7BB-57B8D20E34CE}"/>
+              </a:ext>
+            </a:extLst>
+          </p:cNvPr>
+          <p:cNvSpPr txBox="1"/>
+          <p:nvPr/>
+        </p:nvSpPr>
+        <p:spPr>
+          <a:xfrm>
+            <a:off x="1253554" y="30344188"/>
+            <a:ext cx="11401261" cy="11172289"/>
+          </a:xfrm>
+          <a:prstGeom prst="rect">
+            <a:avLst/>
+          </a:prstGeom>
+          <a:noFill/>
+          <a:ln>
+            <a:noFill/>
+          </a:ln>
+        </p:spPr>
+        <p:txBody>
+          <a:bodyPr wrap="square">
+            <a:spAutoFit/>
+          </a:bodyPr>
+          <a:lstStyle/>
+          <a:p>
+            <a:pPr marL="457200" indent="-457200">
+              <a:buFont typeface="Arial" panose="020B0604020202020204" pitchFamily="34" charset="0"/>
+              <a:buChar char="•"/>
+            </a:pPr>
+            <a:r>
+              <a:rPr lang="en-US" sz="2400" dirty="0"/>
+              <a:t>Critical review of our own results and methods (e.g., Selection criteria made us delete some RBPs. Why? What were their properties?)</a:t>
+            </a:r>
+          </a:p>
+          <a:p>
+            <a:pPr marL="457200" indent="-457200">
+              <a:buFont typeface="Arial" panose="020B0604020202020204" pitchFamily="34" charset="0"/>
+              <a:buChar char="•"/>
+            </a:pPr>
+            <a:r>
+              <a:rPr lang="en-US" sz="2400" dirty="0"/>
+              <a:t>Why do we find fewer proteins than </a:t>
+            </a:r>
+            <a:r>
+              <a:rPr lang="en-US" sz="2400" dirty="0" err="1"/>
+              <a:t>Maïwen</a:t>
+            </a:r>
+            <a:r>
+              <a:rPr lang="en-US" sz="2400" dirty="0"/>
+              <a:t>? </a:t>
+            </a:r>
+          </a:p>
+          <a:p>
+            <a:pPr marL="457200" indent="-457200">
+              <a:buFont typeface="Arial" panose="020B0604020202020204" pitchFamily="34" charset="0"/>
+              <a:buChar char="•"/>
+            </a:pPr>
+            <a:endParaRPr lang="en-US" sz="2400" dirty="0"/>
+          </a:p>
+          <a:p>
+            <a:pPr marL="457200" indent="-457200">
+              <a:buFont typeface="Arial" panose="020B0604020202020204" pitchFamily="34" charset="0"/>
+              <a:buChar char="•"/>
+            </a:pPr>
+            <a:endParaRPr lang="en-US" sz="2400" dirty="0"/>
+          </a:p>
+          <a:p>
+            <a:pPr marL="457200" indent="-457200">
+              <a:buFont typeface="Arial" panose="020B0604020202020204" pitchFamily="34" charset="0"/>
+              <a:buChar char="•"/>
+            </a:pPr>
+            <a:endParaRPr lang="en-US" sz="2400" dirty="0"/>
+          </a:p>
+          <a:p>
+            <a:pPr marL="457200" indent="-457200">
+              <a:buFont typeface="Arial" panose="020B0604020202020204" pitchFamily="34" charset="0"/>
+              <a:buChar char="•"/>
+            </a:pPr>
+            <a:endParaRPr lang="en-US" sz="2400" dirty="0"/>
+          </a:p>
+          <a:p>
+            <a:pPr marL="457200" indent="-457200">
+              <a:buFont typeface="Arial" panose="020B0604020202020204" pitchFamily="34" charset="0"/>
+              <a:buChar char="•"/>
+            </a:pPr>
+            <a:endParaRPr lang="en-US" sz="2400" dirty="0"/>
+          </a:p>
+          <a:p>
+            <a:pPr marL="457200" indent="-457200">
+              <a:buFont typeface="Arial" panose="020B0604020202020204" pitchFamily="34" charset="0"/>
+              <a:buChar char="•"/>
+            </a:pPr>
+            <a:endParaRPr lang="en-US" sz="2400" dirty="0"/>
+          </a:p>
+          <a:p>
+            <a:pPr marL="457200" indent="-457200">
+              <a:buFont typeface="Arial" panose="020B0604020202020204" pitchFamily="34" charset="0"/>
+              <a:buChar char="•"/>
+            </a:pPr>
+            <a:endParaRPr lang="en-US" sz="2400" dirty="0"/>
+          </a:p>
+          <a:p>
+            <a:pPr marL="457200" indent="-457200">
+              <a:buFont typeface="Arial" panose="020B0604020202020204" pitchFamily="34" charset="0"/>
+              <a:buChar char="•"/>
+            </a:pPr>
+            <a:endParaRPr lang="en-US" sz="2400" dirty="0"/>
+          </a:p>
+          <a:p>
+            <a:pPr marL="457200" indent="-457200">
+              <a:buFont typeface="Arial" panose="020B0604020202020204" pitchFamily="34" charset="0"/>
+              <a:buChar char="•"/>
+            </a:pPr>
+            <a:endParaRPr lang="en-US" sz="2400" dirty="0"/>
+          </a:p>
+          <a:p>
+            <a:pPr marL="457200" indent="-457200">
+              <a:buFont typeface="Arial" panose="020B0604020202020204" pitchFamily="34" charset="0"/>
+              <a:buChar char="•"/>
+            </a:pPr>
+            <a:endParaRPr lang="en-US" sz="2400" dirty="0"/>
+          </a:p>
+          <a:p>
+            <a:pPr marL="457200" indent="-457200">
+              <a:buFont typeface="Arial" panose="020B0604020202020204" pitchFamily="34" charset="0"/>
+              <a:buChar char="•"/>
+            </a:pPr>
+            <a:endParaRPr lang="en-US" sz="2400" dirty="0"/>
+          </a:p>
+          <a:p>
+            <a:pPr marL="457200" indent="-457200">
+              <a:buFont typeface="Arial" panose="020B0604020202020204" pitchFamily="34" charset="0"/>
+              <a:buChar char="•"/>
+            </a:pPr>
+            <a:endParaRPr lang="en-US" sz="2400" dirty="0"/>
+          </a:p>
+          <a:p>
+            <a:pPr marL="457200" indent="-457200">
+              <a:buFont typeface="Arial" panose="020B0604020202020204" pitchFamily="34" charset="0"/>
+              <a:buChar char="•"/>
+            </a:pPr>
+            <a:endParaRPr lang="en-US" sz="2400" dirty="0"/>
+          </a:p>
+          <a:p>
+            <a:pPr marL="457200" indent="-457200">
+              <a:buFont typeface="Arial" panose="020B0604020202020204" pitchFamily="34" charset="0"/>
+              <a:buChar char="•"/>
+            </a:pPr>
+            <a:endParaRPr lang="en-US" sz="2400" dirty="0"/>
+          </a:p>
+          <a:p>
+            <a:pPr marL="457200" indent="-457200">
+              <a:buFont typeface="Arial" panose="020B0604020202020204" pitchFamily="34" charset="0"/>
+              <a:buChar char="•"/>
+            </a:pPr>
+            <a:endParaRPr lang="en-US" sz="2400" dirty="0"/>
+          </a:p>
+          <a:p>
+            <a:pPr marL="457200" indent="-457200">
+              <a:buFont typeface="Arial" panose="020B0604020202020204" pitchFamily="34" charset="0"/>
+              <a:buChar char="•"/>
+            </a:pPr>
+            <a:endParaRPr lang="en-US" sz="2400" dirty="0"/>
+          </a:p>
+          <a:p>
+            <a:pPr marL="457200" indent="-457200">
+              <a:buFont typeface="Arial" panose="020B0604020202020204" pitchFamily="34" charset="0"/>
+              <a:buChar char="•"/>
+            </a:pPr>
+            <a:endParaRPr lang="en-US" sz="2400" dirty="0"/>
+          </a:p>
+          <a:p>
+            <a:pPr marL="457200" indent="-457200">
+              <a:buFont typeface="Arial" panose="020B0604020202020204" pitchFamily="34" charset="0"/>
+              <a:buChar char="•"/>
+            </a:pPr>
+            <a:endParaRPr lang="en-US" sz="2400" dirty="0"/>
+          </a:p>
+          <a:p>
+            <a:pPr marL="457200" indent="-457200">
+              <a:buFont typeface="Arial" panose="020B0604020202020204" pitchFamily="34" charset="0"/>
+              <a:buChar char="•"/>
+            </a:pPr>
+            <a:endParaRPr lang="en-US" sz="2400" dirty="0"/>
+          </a:p>
+          <a:p>
+            <a:pPr marL="457200" indent="-457200">
+              <a:buFont typeface="Arial" panose="020B0604020202020204" pitchFamily="34" charset="0"/>
+              <a:buChar char="•"/>
+            </a:pPr>
+            <a:endParaRPr lang="en-US" sz="2400" dirty="0"/>
+          </a:p>
+          <a:p>
+            <a:pPr marL="457200" indent="-457200">
+              <a:buFont typeface="Arial" panose="020B0604020202020204" pitchFamily="34" charset="0"/>
+              <a:buChar char="•"/>
+            </a:pPr>
+            <a:endParaRPr lang="en-US" sz="2400" dirty="0"/>
+          </a:p>
+          <a:p>
+            <a:pPr marL="457200" indent="-457200">
+              <a:buFont typeface="Arial" panose="020B0604020202020204" pitchFamily="34" charset="0"/>
+              <a:buChar char="•"/>
+            </a:pPr>
+            <a:endParaRPr lang="en-US" sz="2400" dirty="0"/>
+          </a:p>
+          <a:p>
+            <a:pPr marL="457200" indent="-457200">
+              <a:buFont typeface="Arial" panose="020B0604020202020204" pitchFamily="34" charset="0"/>
+              <a:buChar char="•"/>
+            </a:pPr>
+            <a:endParaRPr lang="en-US" sz="2400" dirty="0"/>
+          </a:p>
+          <a:p>
+            <a:pPr marL="457200" indent="-457200">
+              <a:buFont typeface="Arial" panose="020B0604020202020204" pitchFamily="34" charset="0"/>
+              <a:buChar char="•"/>
+            </a:pPr>
+            <a:endParaRPr lang="en-US" sz="2400" dirty="0"/>
+          </a:p>
+          <a:p>
+            <a:pPr marL="457200" indent="-457200">
+              <a:buFont typeface="Arial" panose="020B0604020202020204" pitchFamily="34" charset="0"/>
+              <a:buChar char="•"/>
+            </a:pPr>
+            <a:endParaRPr lang="en-US" sz="2400" dirty="0"/>
+          </a:p>
+          <a:p>
+            <a:pPr marL="457200" indent="-457200">
+              <a:buFont typeface="Arial" panose="020B0604020202020204" pitchFamily="34" charset="0"/>
+              <a:buChar char="•"/>
+            </a:pPr>
+            <a:endParaRPr lang="en-US" sz="2400" dirty="0"/>
+          </a:p>
+          <a:p>
+            <a:endParaRPr lang="en-US" sz="2400" b="1" dirty="0"/>
+          </a:p>
+        </p:txBody>
+      </p:sp>
+      <p:sp>
+        <p:nvSpPr>
+          <p:cNvPr id="6" name="TextBox 5">
+            <a:extLst>
+              <a:ext uri="{FF2B5EF4-FFF2-40B4-BE49-F238E27FC236}">
+                <a16:creationId xmlns:a16="http://schemas.microsoft.com/office/drawing/2014/main" id="{B1D16A49-64DF-A7C4-2570-0F65E565AC94}"/>
+              </a:ext>
+            </a:extLst>
+          </p:cNvPr>
+          <p:cNvSpPr txBox="1"/>
+          <p:nvPr/>
+        </p:nvSpPr>
+        <p:spPr>
+          <a:xfrm>
+            <a:off x="16242587" y="36706123"/>
+            <a:ext cx="5093413" cy="1569660"/>
+          </a:xfrm>
+          <a:prstGeom prst="rect">
+            <a:avLst/>
+          </a:prstGeom>
+          <a:noFill/>
+          <a:ln>
+            <a:noFill/>
+          </a:ln>
+        </p:spPr>
+        <p:txBody>
+          <a:bodyPr wrap="square">
+            <a:spAutoFit/>
+          </a:bodyPr>
+          <a:lstStyle/>
+          <a:p>
+            <a:pPr marL="457200" indent="-457200">
+              <a:buFont typeface="Arial" panose="020B0604020202020204" pitchFamily="34" charset="0"/>
+              <a:buChar char="•"/>
+            </a:pPr>
+            <a:endParaRPr lang="en-US" sz="2400" dirty="0"/>
+          </a:p>
+          <a:p>
+            <a:pPr marL="457200" indent="-457200">
+              <a:buFont typeface="Arial" panose="020B0604020202020204" pitchFamily="34" charset="0"/>
+              <a:buChar char="•"/>
+            </a:pPr>
+            <a:r>
+              <a:rPr lang="en-US" sz="2400" dirty="0"/>
+              <a:t>https://de.wikipedia.org/wiki/Eigentliche_Schnepfen</a:t>
+            </a:r>
+          </a:p>
+          <a:p>
+            <a:pPr marL="457200" indent="-457200">
+              <a:buFont typeface="Arial" panose="020B0604020202020204" pitchFamily="34" charset="0"/>
+              <a:buChar char="•"/>
+            </a:pPr>
+            <a:endParaRPr lang="en-US" sz="2400" dirty="0"/>
+          </a:p>
+        </p:txBody>
+      </p:sp>
+      <p:sp>
+        <p:nvSpPr>
+          <p:cNvPr id="7" name="TextBox 6">
+            <a:extLst>
+              <a:ext uri="{FF2B5EF4-FFF2-40B4-BE49-F238E27FC236}">
+                <a16:creationId xmlns:a16="http://schemas.microsoft.com/office/drawing/2014/main" id="{312DA0DD-6821-DBE6-F9C4-AC9A32830850}"/>
+              </a:ext>
+            </a:extLst>
+          </p:cNvPr>
+          <p:cNvSpPr txBox="1"/>
+          <p:nvPr/>
+        </p:nvSpPr>
+        <p:spPr>
+          <a:xfrm>
+            <a:off x="16242587" y="29972784"/>
+            <a:ext cx="8291810" cy="1200329"/>
+          </a:xfrm>
+          <a:prstGeom prst="rect">
+            <a:avLst/>
+          </a:prstGeom>
+          <a:noFill/>
+          <a:ln>
+            <a:noFill/>
+          </a:ln>
+        </p:spPr>
+        <p:txBody>
+          <a:bodyPr wrap="square">
+            <a:spAutoFit/>
+          </a:bodyPr>
+          <a:lstStyle/>
+          <a:p>
+            <a:pPr marL="457200" indent="-457200">
+              <a:buFont typeface="Arial" panose="020B0604020202020204" pitchFamily="34" charset="0"/>
+              <a:buChar char="•"/>
+            </a:pPr>
+            <a:r>
+              <a:rPr lang="de-DE" sz="2400" dirty="0"/>
+              <a:t>We found X proteins that ...</a:t>
+            </a:r>
+          </a:p>
+          <a:p>
+            <a:pPr marL="457200" indent="-457200">
+              <a:buFont typeface="Arial" panose="020B0604020202020204" pitchFamily="34" charset="0"/>
+              <a:buChar char="•"/>
+            </a:pPr>
+            <a:endParaRPr lang="de-DE" sz="2400" dirty="0"/>
+          </a:p>
+          <a:p>
+            <a:endParaRPr lang="en-US" sz="2400" b="1" dirty="0"/>
+          </a:p>
+        </p:txBody>
+      </p:sp>
+      <p:sp>
+        <p:nvSpPr>
+          <p:cNvPr id="24" name="Rectangle: Rounded Corners 23">
+            <a:extLst>
+              <a:ext uri="{FF2B5EF4-FFF2-40B4-BE49-F238E27FC236}">
+                <a16:creationId xmlns:a16="http://schemas.microsoft.com/office/drawing/2014/main" id="{28283AE4-3E84-2FD4-25A8-0CB2827E3F63}"/>
+              </a:ext>
+            </a:extLst>
+          </p:cNvPr>
+          <p:cNvSpPr/>
+          <p:nvPr/>
+        </p:nvSpPr>
+        <p:spPr>
+          <a:xfrm>
+            <a:off x="619433" y="6667389"/>
+            <a:ext cx="29198530" cy="1430255"/>
+          </a:xfrm>
+          <a:prstGeom prst="roundRect">
+            <a:avLst>
+              <a:gd name="adj" fmla="val 0"/>
+            </a:avLst>
+          </a:prstGeom>
+          <a:solidFill>
+            <a:srgbClr val="B21D31"/>
+          </a:solidFill>
+          <a:ln>
+            <a:noFill/>
+          </a:ln>
+        </p:spPr>
+        <p:style>
+          <a:lnRef idx="2">
+            <a:schemeClr val="accent1">
+              <a:shade val="15000"/>
+            </a:schemeClr>
+          </a:lnRef>
+          <a:fillRef idx="1">
+            <a:schemeClr val="accent1"/>
+          </a:fillRef>
+          <a:effectRef idx="0">
+            <a:schemeClr val="accent1"/>
+          </a:effectRef>
+          <a:fontRef idx="minor">
+            <a:schemeClr val="lt1"/>
+          </a:fontRef>
+        </p:style>
+        <p:txBody>
+          <a:bodyPr rtlCol="0" anchor="ctr"/>
+          <a:lstStyle/>
+          <a:p>
+            <a:r>
+              <a:rPr lang="en-US" sz="6000" b="1" dirty="0"/>
+              <a:t>                   Identifying RNA-Dependent Proteins from Proteomic Data</a:t>
+            </a:r>
+            <a:endParaRPr lang="en-US" sz="1500" b="1" dirty="0"/>
+          </a:p>
+          <a:p>
+            <a:pPr algn="ctr"/>
+            <a:r>
+              <a:rPr lang="en-US" sz="1000" b="1" dirty="0" err="1"/>
+              <a:t>kkk</a:t>
+            </a:r>
+            <a:endParaRPr lang="en-US" sz="1000" b="1" dirty="0"/>
+          </a:p>
+        </p:txBody>
+      </p:sp>
+      <p:sp>
+        <p:nvSpPr>
+          <p:cNvPr id="25" name="TextBox 24">
+            <a:extLst>
+              <a:ext uri="{FF2B5EF4-FFF2-40B4-BE49-F238E27FC236}">
+                <a16:creationId xmlns:a16="http://schemas.microsoft.com/office/drawing/2014/main" id="{116EB967-3BC3-6597-3AB4-CA792E49DDB7}"/>
+              </a:ext>
+            </a:extLst>
+          </p:cNvPr>
+          <p:cNvSpPr txBox="1"/>
+          <p:nvPr/>
+        </p:nvSpPr>
+        <p:spPr>
+          <a:xfrm>
+            <a:off x="15164570" y="8641574"/>
+            <a:ext cx="13893040" cy="2308324"/>
+          </a:xfrm>
+          <a:prstGeom prst="rect">
+            <a:avLst/>
+          </a:prstGeom>
+          <a:noFill/>
+          <a:ln>
+            <a:noFill/>
+          </a:ln>
+        </p:spPr>
+        <p:txBody>
+          <a:bodyPr wrap="square">
+            <a:spAutoFit/>
+          </a:bodyPr>
+          <a:lstStyle/>
+          <a:p>
+            <a:r>
+              <a:rPr lang="en-US" sz="2400" b="1" dirty="0"/>
+              <a:t>Key Characteristics of Our Dataset</a:t>
+            </a:r>
+            <a:endParaRPr lang="de-DE" sz="2400" b="1" dirty="0"/>
+          </a:p>
+          <a:p>
+            <a:pPr marL="457200" indent="-457200">
+              <a:buFont typeface="Arial" panose="020B0604020202020204" pitchFamily="34" charset="0"/>
+              <a:buChar char="•"/>
+            </a:pPr>
+            <a:r>
+              <a:rPr lang="en-US" sz="2400" dirty="0"/>
+              <a:t>Our dataset was generated using the R-Deep approach</a:t>
+            </a:r>
+          </a:p>
+          <a:p>
+            <a:pPr marL="457200" indent="-457200">
+              <a:buFont typeface="Arial" panose="020B0604020202020204" pitchFamily="34" charset="0"/>
+              <a:buChar char="•"/>
+            </a:pPr>
+            <a:r>
+              <a:rPr lang="de-DE" sz="2400" dirty="0"/>
+              <a:t>~5000 Proteine in 25 Fraktionen, Rnase vs. CTRL</a:t>
+            </a:r>
+            <a:endParaRPr lang="en-US" sz="2400" dirty="0"/>
+          </a:p>
+          <a:p>
+            <a:pPr marL="457200" indent="-457200">
+              <a:buFont typeface="Arial" panose="020B0604020202020204" pitchFamily="34" charset="0"/>
+              <a:buChar char="•"/>
+            </a:pPr>
+            <a:r>
+              <a:rPr lang="en-US" sz="2400" dirty="0"/>
+              <a:t>Dimensions</a:t>
+            </a:r>
+            <a:endParaRPr lang="en-US" sz="2400" b="1" dirty="0"/>
+          </a:p>
+          <a:p>
+            <a:pPr marL="457200" indent="-457200">
+              <a:buFont typeface="Arial" panose="020B0604020202020204" pitchFamily="34" charset="0"/>
+              <a:buChar char="•"/>
+            </a:pPr>
+            <a:endParaRPr lang="de-DE" sz="2400" dirty="0"/>
+          </a:p>
+          <a:p>
+            <a:pPr marL="457200" indent="-457200">
+              <a:buFont typeface="Arial" panose="020B0604020202020204" pitchFamily="34" charset="0"/>
+              <a:buChar char="•"/>
+            </a:pPr>
+            <a:endParaRPr lang="de-DE" sz="2400" dirty="0"/>
+          </a:p>
+        </p:txBody>
+      </p:sp>
+      <p:sp>
+        <p:nvSpPr>
+          <p:cNvPr id="27" name="Rectangle: Rounded Corners 26">
+            <a:extLst>
+              <a:ext uri="{FF2B5EF4-FFF2-40B4-BE49-F238E27FC236}">
+                <a16:creationId xmlns:a16="http://schemas.microsoft.com/office/drawing/2014/main" id="{42638118-C807-6664-3F04-3B8505A98390}"/>
+              </a:ext>
+            </a:extLst>
+          </p:cNvPr>
+          <p:cNvSpPr/>
+          <p:nvPr/>
+        </p:nvSpPr>
+        <p:spPr>
+          <a:xfrm>
+            <a:off x="668635" y="14273441"/>
+            <a:ext cx="29149328" cy="1430255"/>
+          </a:xfrm>
+          <a:prstGeom prst="roundRect">
+            <a:avLst>
+              <a:gd name="adj" fmla="val 0"/>
+            </a:avLst>
+          </a:prstGeom>
+          <a:solidFill>
+            <a:srgbClr val="25333C"/>
+          </a:solidFill>
+          <a:ln>
+            <a:solidFill>
+              <a:srgbClr val="25333C"/>
+            </a:solidFill>
+          </a:ln>
+        </p:spPr>
+        <p:style>
+          <a:lnRef idx="2">
+            <a:schemeClr val="accent1">
+              <a:shade val="15000"/>
+            </a:schemeClr>
+          </a:lnRef>
+          <a:fillRef idx="1">
+            <a:schemeClr val="accent1"/>
+          </a:fillRef>
+          <a:effectRef idx="0">
+            <a:schemeClr val="accent1"/>
+          </a:effectRef>
+          <a:fontRef idx="minor">
+            <a:schemeClr val="lt1"/>
+          </a:fontRef>
+        </p:style>
+        <p:txBody>
+          <a:bodyPr rtlCol="0" anchor="ctr"/>
+          <a:lstStyle/>
+          <a:p>
+            <a:r>
+              <a:rPr lang="en-US" sz="6000" b="1" dirty="0"/>
+              <a:t>                  Our Approach</a:t>
+            </a:r>
+            <a:endParaRPr lang="en-US" sz="1500" b="1" dirty="0"/>
+          </a:p>
+          <a:p>
+            <a:pPr algn="ctr"/>
+            <a:endParaRPr lang="en-US" sz="1000" b="1" dirty="0"/>
+          </a:p>
+        </p:txBody>
+      </p:sp>
+      <p:sp>
+        <p:nvSpPr>
+          <p:cNvPr id="28" name="Rectangle: Rounded Corners 27">
+            <a:extLst>
+              <a:ext uri="{FF2B5EF4-FFF2-40B4-BE49-F238E27FC236}">
+                <a16:creationId xmlns:a16="http://schemas.microsoft.com/office/drawing/2014/main" id="{50B5C6F4-F98B-2E02-0993-889E6094351B}"/>
+              </a:ext>
+            </a:extLst>
+          </p:cNvPr>
+          <p:cNvSpPr/>
+          <p:nvPr/>
+        </p:nvSpPr>
+        <p:spPr>
+          <a:xfrm>
+            <a:off x="668635" y="28070489"/>
+            <a:ext cx="14386307" cy="1423702"/>
+          </a:xfrm>
+          <a:prstGeom prst="roundRect">
+            <a:avLst>
+              <a:gd name="adj" fmla="val 3805"/>
+            </a:avLst>
+          </a:prstGeom>
+          <a:solidFill>
+            <a:srgbClr val="2F4047"/>
+          </a:solidFill>
+          <a:ln>
+            <a:solidFill>
+              <a:srgbClr val="2F4047"/>
+            </a:solidFill>
+          </a:ln>
+        </p:spPr>
+        <p:style>
+          <a:lnRef idx="2">
+            <a:schemeClr val="accent1">
+              <a:shade val="15000"/>
+            </a:schemeClr>
+          </a:lnRef>
+          <a:fillRef idx="1">
+            <a:schemeClr val="accent1"/>
+          </a:fillRef>
+          <a:effectRef idx="0">
+            <a:schemeClr val="accent1"/>
+          </a:effectRef>
+          <a:fontRef idx="minor">
+            <a:schemeClr val="lt1"/>
+          </a:fontRef>
+        </p:style>
+        <p:txBody>
+          <a:bodyPr rtlCol="0" anchor="ctr"/>
+          <a:lstStyle/>
+          <a:p>
+            <a:r>
+              <a:rPr lang="en-US" sz="6000" b="1" dirty="0"/>
+              <a:t>                  Discussion</a:t>
+            </a:r>
+            <a:endParaRPr lang="en-US" sz="1500" b="1" dirty="0"/>
+          </a:p>
+          <a:p>
+            <a:endParaRPr lang="en-US" sz="1000" b="1" dirty="0"/>
+          </a:p>
+        </p:txBody>
+      </p:sp>
+      <p:sp>
+        <p:nvSpPr>
+          <p:cNvPr id="29" name="Rectangle: Rounded Corners 28">
+            <a:extLst>
+              <a:ext uri="{FF2B5EF4-FFF2-40B4-BE49-F238E27FC236}">
+                <a16:creationId xmlns:a16="http://schemas.microsoft.com/office/drawing/2014/main" id="{EEA3C6B2-7C03-B754-7125-6351562E708B}"/>
+              </a:ext>
+            </a:extLst>
+          </p:cNvPr>
+          <p:cNvSpPr/>
+          <p:nvPr/>
+        </p:nvSpPr>
+        <p:spPr>
+          <a:xfrm>
+            <a:off x="15841730" y="28063936"/>
+            <a:ext cx="14052399" cy="1430255"/>
+          </a:xfrm>
+          <a:prstGeom prst="roundRect">
+            <a:avLst>
+              <a:gd name="adj" fmla="val 0"/>
+            </a:avLst>
+          </a:prstGeom>
+          <a:solidFill>
+            <a:srgbClr val="B21D31"/>
+          </a:solidFill>
+          <a:ln>
+            <a:solidFill>
+              <a:srgbClr val="B21D31"/>
+            </a:solidFill>
+          </a:ln>
+        </p:spPr>
+        <p:style>
+          <a:lnRef idx="2">
+            <a:schemeClr val="accent1">
+              <a:shade val="15000"/>
+            </a:schemeClr>
+          </a:lnRef>
+          <a:fillRef idx="1">
+            <a:schemeClr val="accent1"/>
+          </a:fillRef>
+          <a:effectRef idx="0">
+            <a:schemeClr val="accent1"/>
+          </a:effectRef>
+          <a:fontRef idx="minor">
+            <a:schemeClr val="lt1"/>
+          </a:fontRef>
+        </p:style>
+        <p:txBody>
+          <a:bodyPr rtlCol="0" anchor="ctr"/>
+          <a:lstStyle/>
+          <a:p>
+            <a:pPr algn="ctr"/>
+            <a:r>
+              <a:rPr lang="en-US" sz="6000" b="1" dirty="0"/>
+              <a:t>     Our Achievements</a:t>
+            </a:r>
+            <a:endParaRPr lang="en-US" sz="1000" b="1" dirty="0"/>
+          </a:p>
+        </p:txBody>
+      </p:sp>
+      <p:sp>
+        <p:nvSpPr>
+          <p:cNvPr id="30" name="Rectangle: Rounded Corners 29">
+            <a:extLst>
+              <a:ext uri="{FF2B5EF4-FFF2-40B4-BE49-F238E27FC236}">
+                <a16:creationId xmlns:a16="http://schemas.microsoft.com/office/drawing/2014/main" id="{BC1AF5C1-3079-FA54-EE67-825EC9EC12B8}"/>
+              </a:ext>
+            </a:extLst>
+          </p:cNvPr>
+          <p:cNvSpPr/>
+          <p:nvPr/>
+        </p:nvSpPr>
+        <p:spPr>
+          <a:xfrm>
+            <a:off x="15841730" y="34677796"/>
+            <a:ext cx="13976233" cy="1430255"/>
+          </a:xfrm>
+          <a:prstGeom prst="roundRect">
+            <a:avLst>
+              <a:gd name="adj" fmla="val 0"/>
+            </a:avLst>
+          </a:prstGeom>
+          <a:solidFill>
+            <a:srgbClr val="475A5F"/>
+          </a:solidFill>
+          <a:ln>
+            <a:noFill/>
+          </a:ln>
+        </p:spPr>
+        <p:style>
+          <a:lnRef idx="2">
+            <a:schemeClr val="accent1">
+              <a:shade val="15000"/>
+            </a:schemeClr>
+          </a:lnRef>
+          <a:fillRef idx="1">
+            <a:schemeClr val="accent1"/>
+          </a:fillRef>
+          <a:effectRef idx="0">
+            <a:schemeClr val="accent1"/>
+          </a:effectRef>
+          <a:fontRef idx="minor">
+            <a:schemeClr val="lt1"/>
+          </a:fontRef>
+        </p:style>
+        <p:txBody>
+          <a:bodyPr rtlCol="0" anchor="ctr"/>
+          <a:lstStyle/>
+          <a:p>
+            <a:r>
+              <a:rPr lang="en-US" sz="6000" b="1" dirty="0"/>
+              <a:t>                 References</a:t>
+            </a:r>
+            <a:endParaRPr lang="en-US" sz="1000" b="1" dirty="0"/>
+          </a:p>
+        </p:txBody>
+      </p:sp>
+      <p:sp>
+        <p:nvSpPr>
+          <p:cNvPr id="15" name="Rectangle: Top Corners Rounded 14">
+            <a:extLst>
+              <a:ext uri="{FF2B5EF4-FFF2-40B4-BE49-F238E27FC236}">
+                <a16:creationId xmlns:a16="http://schemas.microsoft.com/office/drawing/2014/main" id="{64D0707B-72C3-CFC8-2A22-45B13640E075}"/>
+              </a:ext>
+            </a:extLst>
+          </p:cNvPr>
+          <p:cNvSpPr/>
+          <p:nvPr/>
+        </p:nvSpPr>
+        <p:spPr>
+          <a:xfrm flipV="1">
+            <a:off x="4914900" y="-21880"/>
+            <a:ext cx="20288249" cy="4463665"/>
+          </a:xfrm>
+          <a:prstGeom prst="round2SameRect">
+            <a:avLst/>
+          </a:prstGeom>
+          <a:solidFill>
+            <a:srgbClr val="B21D31"/>
+          </a:solidFill>
+          <a:ln w="254000">
+            <a:noFill/>
+          </a:ln>
+        </p:spPr>
+        <p:style>
+          <a:lnRef idx="2">
+            <a:schemeClr val="accent1">
+              <a:shade val="15000"/>
+            </a:schemeClr>
+          </a:lnRef>
+          <a:fillRef idx="1">
+            <a:schemeClr val="accent1"/>
+          </a:fillRef>
+          <a:effectRef idx="0">
+            <a:schemeClr val="accent1"/>
+          </a:effectRef>
+          <a:fontRef idx="minor">
+            <a:schemeClr val="lt1"/>
+          </a:fontRef>
+        </p:style>
+        <p:txBody>
+          <a:bodyPr rtlCol="0" anchor="ctr"/>
+          <a:lstStyle/>
+          <a:p>
+            <a:pPr algn="ctr"/>
+            <a:endParaRPr lang="de-DE"/>
+          </a:p>
+        </p:txBody>
+      </p:sp>
+      <p:sp>
+        <p:nvSpPr>
+          <p:cNvPr id="23" name="Titel 1">
+            <a:extLst>
+              <a:ext uri="{FF2B5EF4-FFF2-40B4-BE49-F238E27FC236}">
+                <a16:creationId xmlns:a16="http://schemas.microsoft.com/office/drawing/2014/main" id="{6400AEC1-9B0B-1686-6EFB-8E4B141B7CFC}"/>
+              </a:ext>
+            </a:extLst>
+          </p:cNvPr>
+          <p:cNvSpPr txBox="1">
+            <a:spLocks/>
+          </p:cNvSpPr>
+          <p:nvPr/>
+        </p:nvSpPr>
+        <p:spPr>
+          <a:xfrm>
+            <a:off x="8664242" y="959551"/>
+            <a:ext cx="13000655" cy="1836887"/>
+          </a:xfrm>
+          <a:prstGeom prst="rect">
+            <a:avLst/>
+          </a:prstGeom>
+        </p:spPr>
+        <p:txBody>
+          <a:bodyPr vert="horz" lIns="91440" tIns="45720" rIns="91440" bIns="45720" rtlCol="0" anchor="b">
+            <a:noAutofit/>
+          </a:bodyPr>
+          <a:lstStyle>
+            <a:lvl1pPr algn="ctr" defTabSz="3027487" rtl="0" eaLnBrk="1" latinLnBrk="0" hangingPunct="1">
+              <a:lnSpc>
+                <a:spcPct val="90000"/>
+              </a:lnSpc>
+              <a:spcBef>
+                <a:spcPct val="0"/>
+              </a:spcBef>
+              <a:buNone/>
+              <a:defRPr sz="19865" kern="1200">
+                <a:solidFill>
+                  <a:schemeClr val="tx1"/>
+                </a:solidFill>
+                <a:latin typeface="+mj-lt"/>
+                <a:ea typeface="+mj-ea"/>
+                <a:cs typeface="+mj-cs"/>
+              </a:defRPr>
+            </a:lvl1pPr>
+          </a:lstStyle>
+          <a:p>
+            <a:pPr algn="l"/>
+            <a:r>
+              <a:rPr lang="de-DE" sz="7000" b="1" dirty="0">
+                <a:solidFill>
+                  <a:schemeClr val="bg1"/>
+                </a:solidFill>
+              </a:rPr>
+              <a:t>Hidden Alliances: RNA-Dependent Protein Interactions in Cancer Cells</a:t>
+            </a:r>
+            <a:endParaRPr lang="en-US" sz="7000" b="1" dirty="0">
+              <a:solidFill>
+                <a:schemeClr val="bg1"/>
+              </a:solidFill>
+            </a:endParaRPr>
+          </a:p>
+        </p:txBody>
+      </p:sp>
+      <p:sp>
+        <p:nvSpPr>
+          <p:cNvPr id="31" name="Titel 1">
+            <a:extLst>
+              <a:ext uri="{FF2B5EF4-FFF2-40B4-BE49-F238E27FC236}">
+                <a16:creationId xmlns:a16="http://schemas.microsoft.com/office/drawing/2014/main" id="{B7C0B148-B6A9-151E-D8C7-7F063AF2C0B5}"/>
+              </a:ext>
+            </a:extLst>
+          </p:cNvPr>
+          <p:cNvSpPr txBox="1">
+            <a:spLocks/>
+          </p:cNvSpPr>
+          <p:nvPr/>
+        </p:nvSpPr>
+        <p:spPr>
+          <a:xfrm>
+            <a:off x="9650865" y="2528719"/>
+            <a:ext cx="10973477" cy="1323687"/>
+          </a:xfrm>
+          <a:prstGeom prst="rect">
+            <a:avLst/>
+          </a:prstGeom>
+        </p:spPr>
+        <p:txBody>
+          <a:bodyPr vert="horz" lIns="45681" tIns="22840" rIns="45681" bIns="22840" rtlCol="0" anchor="b">
+            <a:noAutofit/>
+          </a:bodyPr>
+          <a:lstStyle>
+            <a:lvl1pPr algn="ctr" defTabSz="3027487" rtl="0" eaLnBrk="1" latinLnBrk="0" hangingPunct="1">
+              <a:lnSpc>
+                <a:spcPct val="90000"/>
+              </a:lnSpc>
+              <a:spcBef>
+                <a:spcPct val="0"/>
+              </a:spcBef>
+              <a:buNone/>
+              <a:defRPr sz="19865" kern="1200">
+                <a:solidFill>
+                  <a:schemeClr val="tx1"/>
+                </a:solidFill>
+                <a:latin typeface="+mj-lt"/>
+                <a:ea typeface="+mj-ea"/>
+                <a:cs typeface="+mj-cs"/>
+              </a:defRPr>
+            </a:lvl1pPr>
+          </a:lstStyle>
+          <a:p>
+            <a:r>
+              <a:rPr lang="de-DE" sz="2800" dirty="0">
+                <a:solidFill>
+                  <a:schemeClr val="bg1"/>
+                </a:solidFill>
+              </a:rPr>
+              <a:t>Julian </a:t>
+            </a:r>
+            <a:r>
+              <a:rPr lang="de-DE" sz="2800" dirty="0" err="1">
+                <a:solidFill>
+                  <a:schemeClr val="bg1"/>
+                </a:solidFill>
+              </a:rPr>
+              <a:t>Baureis</a:t>
+            </a:r>
+            <a:r>
+              <a:rPr lang="de-DE" sz="2800" dirty="0">
+                <a:solidFill>
+                  <a:schemeClr val="bg1"/>
+                </a:solidFill>
+              </a:rPr>
+              <a:t>, Julia Ferdin, Benjamin Nicklas, Luisa </a:t>
+            </a:r>
+            <a:r>
+              <a:rPr lang="de-DE" sz="2800" dirty="0" err="1">
+                <a:solidFill>
+                  <a:schemeClr val="bg1"/>
+                </a:solidFill>
+              </a:rPr>
+              <a:t>Wintel</a:t>
+            </a:r>
+            <a:endParaRPr lang="de-DE" sz="2800" dirty="0">
+              <a:solidFill>
+                <a:schemeClr val="bg1"/>
+              </a:solidFill>
+            </a:endParaRPr>
+          </a:p>
+          <a:p>
+            <a:r>
+              <a:rPr lang="de-DE" sz="2800" dirty="0">
+                <a:solidFill>
+                  <a:schemeClr val="bg1"/>
+                </a:solidFill>
+              </a:rPr>
+              <a:t>Data Analysis Project </a:t>
+            </a:r>
+            <a:r>
+              <a:rPr lang="de-DE" sz="2800" dirty="0" err="1">
+                <a:solidFill>
+                  <a:schemeClr val="bg1"/>
+                </a:solidFill>
+              </a:rPr>
+              <a:t>Molecular</a:t>
+            </a:r>
+            <a:r>
+              <a:rPr lang="de-DE" sz="2800" dirty="0">
+                <a:solidFill>
+                  <a:schemeClr val="bg1"/>
+                </a:solidFill>
+              </a:rPr>
+              <a:t> Biotechnology SS2025</a:t>
+            </a:r>
+          </a:p>
+        </p:txBody>
+      </p:sp>
+      <p:sp>
+        <p:nvSpPr>
+          <p:cNvPr id="32" name="Flowchart: Connector 31">
+            <a:extLst>
+              <a:ext uri="{FF2B5EF4-FFF2-40B4-BE49-F238E27FC236}">
+                <a16:creationId xmlns:a16="http://schemas.microsoft.com/office/drawing/2014/main" id="{1FC9C8A9-F9F8-6B88-E578-17825105B11A}"/>
+              </a:ext>
+            </a:extLst>
+          </p:cNvPr>
+          <p:cNvSpPr/>
+          <p:nvPr/>
+        </p:nvSpPr>
+        <p:spPr>
+          <a:xfrm>
+            <a:off x="1194289" y="6298753"/>
+            <a:ext cx="2006111" cy="1960592"/>
+          </a:xfrm>
+          <a:prstGeom prst="flowChartConnector">
+            <a:avLst/>
+          </a:prstGeom>
+          <a:solidFill>
+            <a:schemeClr val="bg1"/>
+          </a:solidFill>
+          <a:ln w="254000">
+            <a:solidFill>
+              <a:srgbClr val="B21D31"/>
+            </a:solidFill>
+          </a:ln>
+        </p:spPr>
+        <p:style>
+          <a:lnRef idx="2">
+            <a:schemeClr val="accent1">
+              <a:shade val="15000"/>
+            </a:schemeClr>
+          </a:lnRef>
+          <a:fillRef idx="1">
+            <a:schemeClr val="accent1"/>
+          </a:fillRef>
+          <a:effectRef idx="0">
+            <a:schemeClr val="accent1"/>
+          </a:effectRef>
+          <a:fontRef idx="minor">
+            <a:schemeClr val="lt1"/>
+          </a:fontRef>
+        </p:style>
+        <p:txBody>
+          <a:bodyPr rtlCol="0" anchor="ctr"/>
+          <a:lstStyle/>
+          <a:p>
+            <a:pPr algn="ctr"/>
+            <a:r>
+              <a:rPr lang="de-DE" sz="7000" b="1" dirty="0">
+                <a:solidFill>
+                  <a:srgbClr val="B21D31"/>
+                </a:solidFill>
+              </a:rPr>
+              <a:t>1</a:t>
+            </a:r>
+          </a:p>
+        </p:txBody>
+      </p:sp>
+      <p:sp>
+        <p:nvSpPr>
+          <p:cNvPr id="34" name="Flowchart: Connector 33">
+            <a:extLst>
+              <a:ext uri="{FF2B5EF4-FFF2-40B4-BE49-F238E27FC236}">
+                <a16:creationId xmlns:a16="http://schemas.microsoft.com/office/drawing/2014/main" id="{7076C07F-492A-4F63-189B-4BC9D7D448B0}"/>
+              </a:ext>
+            </a:extLst>
+          </p:cNvPr>
+          <p:cNvSpPr/>
+          <p:nvPr/>
+        </p:nvSpPr>
+        <p:spPr>
+          <a:xfrm>
+            <a:off x="1194288" y="13951122"/>
+            <a:ext cx="2006111" cy="1960592"/>
+          </a:xfrm>
+          <a:prstGeom prst="flowChartConnector">
+            <a:avLst/>
+          </a:prstGeom>
+          <a:solidFill>
+            <a:schemeClr val="bg1"/>
+          </a:solidFill>
+          <a:ln w="254000">
+            <a:solidFill>
+              <a:srgbClr val="25333C"/>
+            </a:solidFill>
+          </a:ln>
+        </p:spPr>
+        <p:style>
+          <a:lnRef idx="2">
+            <a:schemeClr val="accent1">
+              <a:shade val="15000"/>
+            </a:schemeClr>
+          </a:lnRef>
+          <a:fillRef idx="1">
+            <a:schemeClr val="accent1"/>
+          </a:fillRef>
+          <a:effectRef idx="0">
+            <a:schemeClr val="accent1"/>
+          </a:effectRef>
+          <a:fontRef idx="minor">
+            <a:schemeClr val="lt1"/>
+          </a:fontRef>
+        </p:style>
+        <p:txBody>
+          <a:bodyPr rtlCol="0" anchor="ctr"/>
+          <a:lstStyle/>
+          <a:p>
+            <a:pPr algn="ctr"/>
+            <a:r>
+              <a:rPr lang="de-DE" sz="7000" b="1" dirty="0">
+                <a:solidFill>
+                  <a:srgbClr val="25333C"/>
+                </a:solidFill>
+              </a:rPr>
+              <a:t>2</a:t>
+            </a:r>
+          </a:p>
+        </p:txBody>
+      </p:sp>
+      <p:sp>
+        <p:nvSpPr>
+          <p:cNvPr id="35" name="Flowchart: Connector 34">
+            <a:extLst>
+              <a:ext uri="{FF2B5EF4-FFF2-40B4-BE49-F238E27FC236}">
+                <a16:creationId xmlns:a16="http://schemas.microsoft.com/office/drawing/2014/main" id="{9435EEEE-1743-4EEE-F489-9612B1B041B7}"/>
+              </a:ext>
+            </a:extLst>
+          </p:cNvPr>
+          <p:cNvSpPr/>
+          <p:nvPr/>
+        </p:nvSpPr>
+        <p:spPr>
+          <a:xfrm>
+            <a:off x="1194287" y="27819044"/>
+            <a:ext cx="2006111" cy="1960592"/>
+          </a:xfrm>
+          <a:prstGeom prst="flowChartConnector">
+            <a:avLst/>
+          </a:prstGeom>
+          <a:solidFill>
+            <a:schemeClr val="bg1"/>
+          </a:solidFill>
+          <a:ln w="254000">
+            <a:solidFill>
+              <a:srgbClr val="2F4047"/>
+            </a:solidFill>
+          </a:ln>
+        </p:spPr>
+        <p:style>
+          <a:lnRef idx="2">
+            <a:schemeClr val="accent1">
+              <a:shade val="15000"/>
+            </a:schemeClr>
+          </a:lnRef>
+          <a:fillRef idx="1">
+            <a:schemeClr val="accent1"/>
+          </a:fillRef>
+          <a:effectRef idx="0">
+            <a:schemeClr val="accent1"/>
+          </a:effectRef>
+          <a:fontRef idx="minor">
+            <a:schemeClr val="lt1"/>
+          </a:fontRef>
+        </p:style>
+        <p:txBody>
+          <a:bodyPr rtlCol="0" anchor="ctr"/>
+          <a:lstStyle/>
+          <a:p>
+            <a:pPr algn="ctr"/>
+            <a:r>
+              <a:rPr lang="de-DE" sz="7000" b="1" dirty="0">
+                <a:solidFill>
+                  <a:srgbClr val="2F4047"/>
+                </a:solidFill>
+              </a:rPr>
+              <a:t>3</a:t>
+            </a:r>
+          </a:p>
+        </p:txBody>
+      </p:sp>
+      <p:sp>
+        <p:nvSpPr>
+          <p:cNvPr id="36" name="Flowchart: Connector 35">
+            <a:extLst>
+              <a:ext uri="{FF2B5EF4-FFF2-40B4-BE49-F238E27FC236}">
+                <a16:creationId xmlns:a16="http://schemas.microsoft.com/office/drawing/2014/main" id="{FDE399B6-B76B-8020-3F4F-199E61BB369A}"/>
+              </a:ext>
+            </a:extLst>
+          </p:cNvPr>
+          <p:cNvSpPr/>
+          <p:nvPr/>
+        </p:nvSpPr>
+        <p:spPr>
+          <a:xfrm>
+            <a:off x="16285627" y="27819044"/>
+            <a:ext cx="2006111" cy="1960592"/>
+          </a:xfrm>
+          <a:prstGeom prst="flowChartConnector">
+            <a:avLst/>
+          </a:prstGeom>
+          <a:solidFill>
+            <a:schemeClr val="bg1"/>
+          </a:solidFill>
+          <a:ln w="254000">
+            <a:solidFill>
+              <a:srgbClr val="B21D31"/>
+            </a:solidFill>
+          </a:ln>
+        </p:spPr>
+        <p:style>
+          <a:lnRef idx="2">
+            <a:schemeClr val="accent1">
+              <a:shade val="15000"/>
+            </a:schemeClr>
+          </a:lnRef>
+          <a:fillRef idx="1">
+            <a:schemeClr val="accent1"/>
+          </a:fillRef>
+          <a:effectRef idx="0">
+            <a:schemeClr val="accent1"/>
+          </a:effectRef>
+          <a:fontRef idx="minor">
+            <a:schemeClr val="lt1"/>
+          </a:fontRef>
+        </p:style>
+        <p:txBody>
+          <a:bodyPr rtlCol="0" anchor="ctr"/>
+          <a:lstStyle/>
+          <a:p>
+            <a:pPr algn="ctr"/>
+            <a:r>
+              <a:rPr lang="de-DE" sz="7000" b="1" dirty="0">
+                <a:solidFill>
+                  <a:srgbClr val="394C53"/>
+                </a:solidFill>
+              </a:rPr>
+              <a:t>4</a:t>
+            </a:r>
+          </a:p>
+        </p:txBody>
+      </p:sp>
+      <p:sp>
+        <p:nvSpPr>
+          <p:cNvPr id="37" name="Flowchart: Connector 36">
+            <a:extLst>
+              <a:ext uri="{FF2B5EF4-FFF2-40B4-BE49-F238E27FC236}">
+                <a16:creationId xmlns:a16="http://schemas.microsoft.com/office/drawing/2014/main" id="{CFA725E4-8E8C-2EE2-38A2-B996AA32119E}"/>
+              </a:ext>
+            </a:extLst>
+          </p:cNvPr>
+          <p:cNvSpPr/>
+          <p:nvPr/>
+        </p:nvSpPr>
+        <p:spPr>
+          <a:xfrm>
+            <a:off x="16285627" y="34406144"/>
+            <a:ext cx="2006111" cy="1960592"/>
+          </a:xfrm>
+          <a:prstGeom prst="flowChartConnector">
+            <a:avLst/>
+          </a:prstGeom>
+          <a:solidFill>
+            <a:schemeClr val="bg1"/>
+          </a:solidFill>
+          <a:ln w="254000">
+            <a:solidFill>
+              <a:srgbClr val="475A5F"/>
+            </a:solidFill>
+          </a:ln>
+        </p:spPr>
+        <p:style>
+          <a:lnRef idx="2">
+            <a:schemeClr val="accent1">
+              <a:shade val="15000"/>
+            </a:schemeClr>
+          </a:lnRef>
+          <a:fillRef idx="1">
+            <a:schemeClr val="accent1"/>
+          </a:fillRef>
+          <a:effectRef idx="0">
+            <a:schemeClr val="accent1"/>
+          </a:effectRef>
+          <a:fontRef idx="minor">
+            <a:schemeClr val="lt1"/>
+          </a:fontRef>
+        </p:style>
+        <p:txBody>
+          <a:bodyPr rtlCol="0" anchor="ctr"/>
+          <a:lstStyle/>
+          <a:p>
+            <a:pPr algn="ctr"/>
+            <a:r>
+              <a:rPr lang="de-DE" sz="7000" b="1" dirty="0">
+                <a:solidFill>
+                  <a:srgbClr val="475A5F"/>
+                </a:solidFill>
+              </a:rPr>
+              <a:t>5</a:t>
+            </a:r>
+          </a:p>
+        </p:txBody>
+      </p:sp>
+      <p:sp>
+        <p:nvSpPr>
+          <p:cNvPr id="2" name="Rectangle 1">
+            <a:extLst>
+              <a:ext uri="{FF2B5EF4-FFF2-40B4-BE49-F238E27FC236}">
+                <a16:creationId xmlns:a16="http://schemas.microsoft.com/office/drawing/2014/main" id="{31518CA8-4AE9-3B06-44B2-DD2BF406CA8E}"/>
+              </a:ext>
+            </a:extLst>
+          </p:cNvPr>
+          <p:cNvSpPr/>
+          <p:nvPr/>
+        </p:nvSpPr>
+        <p:spPr>
+          <a:xfrm>
+            <a:off x="-1" y="0"/>
+            <a:ext cx="30275213" cy="5437746"/>
+          </a:xfrm>
+          <a:prstGeom prst="rect">
+            <a:avLst/>
+          </a:prstGeom>
+          <a:solidFill>
+            <a:schemeClr val="bg1"/>
+          </a:solidFill>
+          <a:ln>
+            <a:noFill/>
+          </a:ln>
+        </p:spPr>
+        <p:style>
+          <a:lnRef idx="2">
+            <a:schemeClr val="accent1">
+              <a:shade val="15000"/>
+            </a:schemeClr>
+          </a:lnRef>
+          <a:fillRef idx="1">
+            <a:schemeClr val="accent1"/>
+          </a:fillRef>
+          <a:effectRef idx="0">
+            <a:schemeClr val="accent1"/>
+          </a:effectRef>
+          <a:fontRef idx="minor">
+            <a:schemeClr val="lt1"/>
+          </a:fontRef>
+        </p:style>
+        <p:txBody>
+          <a:bodyPr rtlCol="0" anchor="ctr"/>
+          <a:lstStyle/>
+          <a:p>
+            <a:pPr algn="ctr"/>
+            <a:endParaRPr lang="de-DE"/>
+          </a:p>
+        </p:txBody>
+      </p:sp>
+      <p:pic>
+        <p:nvPicPr>
+          <p:cNvPr id="4" name="Picture 3">
+            <a:extLst>
+              <a:ext uri="{FF2B5EF4-FFF2-40B4-BE49-F238E27FC236}">
+                <a16:creationId xmlns:a16="http://schemas.microsoft.com/office/drawing/2014/main" id="{F429E725-A976-FF95-780B-465336E75E34}"/>
+              </a:ext>
+            </a:extLst>
+          </p:cNvPr>
+          <p:cNvPicPr>
+            <a:picLocks noChangeAspect="1"/>
+          </p:cNvPicPr>
+          <p:nvPr/>
+        </p:nvPicPr>
+        <p:blipFill>
+          <a:blip r:embed="rId2"/>
+          <a:stretch>
+            <a:fillRect/>
+          </a:stretch>
+        </p:blipFill>
+        <p:spPr>
+          <a:xfrm>
+            <a:off x="99683" y="23020"/>
+            <a:ext cx="9050209" cy="5088730"/>
+          </a:xfrm>
+          <a:prstGeom prst="rect">
+            <a:avLst/>
+          </a:prstGeom>
+        </p:spPr>
+      </p:pic>
+      <p:pic>
+        <p:nvPicPr>
+          <p:cNvPr id="8" name="Picture 7">
+            <a:extLst>
+              <a:ext uri="{FF2B5EF4-FFF2-40B4-BE49-F238E27FC236}">
+                <a16:creationId xmlns:a16="http://schemas.microsoft.com/office/drawing/2014/main" id="{780C1B67-9AFD-DACB-38E2-57384CC38CDF}"/>
+              </a:ext>
+            </a:extLst>
+          </p:cNvPr>
+          <p:cNvPicPr>
+            <a:picLocks noChangeAspect="1"/>
+          </p:cNvPicPr>
+          <p:nvPr/>
+        </p:nvPicPr>
+        <p:blipFill>
+          <a:blip r:embed="rId3"/>
+          <a:stretch>
+            <a:fillRect/>
+          </a:stretch>
+        </p:blipFill>
+        <p:spPr>
+          <a:xfrm>
+            <a:off x="23489343" y="704131"/>
+            <a:ext cx="6328620" cy="3559849"/>
+          </a:xfrm>
+          <a:prstGeom prst="rect">
+            <a:avLst/>
+          </a:prstGeom>
+        </p:spPr>
+      </p:pic>
+      <p:sp>
+        <p:nvSpPr>
+          <p:cNvPr id="9" name="Titel 1">
+            <a:extLst>
+              <a:ext uri="{FF2B5EF4-FFF2-40B4-BE49-F238E27FC236}">
+                <a16:creationId xmlns:a16="http://schemas.microsoft.com/office/drawing/2014/main" id="{5E7A4EAD-ECAB-F930-C23F-DBB6386CAA77}"/>
+              </a:ext>
+            </a:extLst>
+          </p:cNvPr>
+          <p:cNvSpPr txBox="1">
+            <a:spLocks/>
+          </p:cNvSpPr>
+          <p:nvPr/>
+        </p:nvSpPr>
+        <p:spPr>
+          <a:xfrm>
+            <a:off x="9482040" y="1726880"/>
+            <a:ext cx="12820650" cy="1836887"/>
+          </a:xfrm>
+          <a:prstGeom prst="rect">
+            <a:avLst/>
+          </a:prstGeom>
+        </p:spPr>
+        <p:txBody>
+          <a:bodyPr vert="horz" lIns="91440" tIns="45720" rIns="91440" bIns="45720" rtlCol="0" anchor="b">
+            <a:noAutofit/>
+          </a:bodyPr>
+          <a:lstStyle>
+            <a:lvl1pPr algn="ctr" defTabSz="3027487" rtl="0" eaLnBrk="1" latinLnBrk="0" hangingPunct="1">
+              <a:lnSpc>
+                <a:spcPct val="90000"/>
+              </a:lnSpc>
+              <a:spcBef>
+                <a:spcPct val="0"/>
+              </a:spcBef>
+              <a:buNone/>
+              <a:defRPr sz="19865" kern="1200">
+                <a:solidFill>
+                  <a:schemeClr val="tx1"/>
+                </a:solidFill>
+                <a:latin typeface="+mj-lt"/>
+                <a:ea typeface="+mj-ea"/>
+                <a:cs typeface="+mj-cs"/>
+              </a:defRPr>
+            </a:lvl1pPr>
+          </a:lstStyle>
+          <a:p>
+            <a:r>
+              <a:rPr lang="de-DE" sz="7000" b="1"/>
+              <a:t>Hidden Alliances: RNA-Dependent Protein Interactions in Cancer Cells</a:t>
+            </a:r>
+            <a:endParaRPr lang="en-US" sz="7000" b="1" dirty="0"/>
+          </a:p>
+        </p:txBody>
+      </p:sp>
+      <p:sp>
+        <p:nvSpPr>
+          <p:cNvPr id="10" name="Titel 1">
+            <a:extLst>
+              <a:ext uri="{FF2B5EF4-FFF2-40B4-BE49-F238E27FC236}">
+                <a16:creationId xmlns:a16="http://schemas.microsoft.com/office/drawing/2014/main" id="{D0AAF6B9-4BE1-49D0-9AA3-C20227AA24F5}"/>
+              </a:ext>
+            </a:extLst>
+          </p:cNvPr>
+          <p:cNvSpPr txBox="1">
+            <a:spLocks/>
+          </p:cNvSpPr>
+          <p:nvPr/>
+        </p:nvSpPr>
+        <p:spPr>
+          <a:xfrm>
+            <a:off x="8627535" y="3159684"/>
+            <a:ext cx="13675155" cy="1323687"/>
+          </a:xfrm>
+          <a:prstGeom prst="rect">
+            <a:avLst/>
+          </a:prstGeom>
+        </p:spPr>
+        <p:txBody>
+          <a:bodyPr vert="horz" lIns="45681" tIns="22840" rIns="45681" bIns="22840" rtlCol="0" anchor="b">
+            <a:noAutofit/>
+          </a:bodyPr>
+          <a:lstStyle>
+            <a:lvl1pPr algn="ctr" defTabSz="3027487" rtl="0" eaLnBrk="1" latinLnBrk="0" hangingPunct="1">
+              <a:lnSpc>
+                <a:spcPct val="90000"/>
+              </a:lnSpc>
+              <a:spcBef>
+                <a:spcPct val="0"/>
+              </a:spcBef>
+              <a:buNone/>
+              <a:defRPr sz="19865" kern="1200">
+                <a:solidFill>
+                  <a:schemeClr val="tx1"/>
+                </a:solidFill>
+                <a:latin typeface="+mj-lt"/>
+                <a:ea typeface="+mj-ea"/>
+                <a:cs typeface="+mj-cs"/>
+              </a:defRPr>
+            </a:lvl1pPr>
+          </a:lstStyle>
+          <a:p>
+            <a:r>
+              <a:rPr lang="de-DE" sz="2800" dirty="0"/>
+              <a:t>Julian </a:t>
+            </a:r>
+            <a:r>
+              <a:rPr lang="de-DE" sz="2800" dirty="0" err="1"/>
+              <a:t>Baureis</a:t>
+            </a:r>
+            <a:r>
+              <a:rPr lang="de-DE" sz="2800" dirty="0"/>
+              <a:t>, Julia Ferdin, Benjamin Nicklas, Luisa </a:t>
+            </a:r>
+            <a:r>
+              <a:rPr lang="de-DE" sz="2800" dirty="0" err="1"/>
+              <a:t>Wintel</a:t>
+            </a:r>
+            <a:endParaRPr lang="de-DE" sz="2800" dirty="0"/>
+          </a:p>
+          <a:p>
+            <a:r>
+              <a:rPr lang="de-DE" sz="2800" dirty="0"/>
+              <a:t>Data Analysis Project </a:t>
+            </a:r>
+            <a:r>
+              <a:rPr lang="de-DE" sz="2800" dirty="0" err="1"/>
+              <a:t>Molecular</a:t>
+            </a:r>
+            <a:r>
+              <a:rPr lang="de-DE" sz="2800" dirty="0"/>
+              <a:t> Biotechnology SS2025</a:t>
+            </a:r>
+          </a:p>
+        </p:txBody>
+      </p:sp>
+    </p:spTree>
+    <p:extLst>
+      <p:ext uri="{BB962C8B-B14F-4D97-AF65-F5344CB8AC3E}">
+        <p14:creationId xmlns:p14="http://schemas.microsoft.com/office/powerpoint/2010/main" val="2063906167"/>
+      </p:ext>
+    </p:extLst>
+  </p:cSld>
+  <p:clrMapOvr>
+    <a:masterClrMapping/>
+  </p:clrMapOvr>
+</p:sld>
+</file>
+
+<file path=ppt/slides/slide8.xml><?xml version="1.0" encoding="utf-8"?>
+<p:sld xmlns:a="http://schemas.openxmlformats.org/drawingml/2006/main" xmlns:r="http://schemas.openxmlformats.org/officeDocument/2006/relationships" xmlns:p="http://schemas.openxmlformats.org/presentationml/2006/main">
+  <p:cSld>
     <p:bg>
       <p:bgPr>
         <a:solidFill>
@@ -23188,7 +27323,7 @@
 </p:sld>
 </file>
 
-<file path=ppt/slides/slide8.xml><?xml version="1.0" encoding="utf-8"?>
+<file path=ppt/slides/slide9.xml><?xml version="1.0" encoding="utf-8"?>
 <p:sld xmlns:a="http://schemas.openxmlformats.org/drawingml/2006/main" xmlns:r="http://schemas.openxmlformats.org/officeDocument/2006/relationships" xmlns:p="http://schemas.openxmlformats.org/presentationml/2006/main">
   <p:cSld>
     <p:spTree>
@@ -25658,1737 +29793,6 @@
     <p:extLst>
       <p:ext uri="{BB962C8B-B14F-4D97-AF65-F5344CB8AC3E}">
         <p14:creationId xmlns:p14="http://schemas.microsoft.com/office/powerpoint/2010/main" val="1720995306"/>
-      </p:ext>
-    </p:extLst>
-  </p:cSld>
-  <p:clrMapOvr>
-    <a:masterClrMapping/>
-  </p:clrMapOvr>
-</p:sld>
-</file>
-
-<file path=ppt/slides/slide9.xml><?xml version="1.0" encoding="utf-8"?>
-<p:sld xmlns:a="http://schemas.openxmlformats.org/drawingml/2006/main" xmlns:r="http://schemas.openxmlformats.org/officeDocument/2006/relationships" xmlns:p="http://schemas.openxmlformats.org/presentationml/2006/main">
-  <p:cSld>
-    <p:bg>
-      <p:bgPr>
-        <a:gradFill>
-          <a:gsLst>
-            <a:gs pos="20000">
-              <a:schemeClr val="bg1"/>
-            </a:gs>
-            <a:gs pos="100000">
-              <a:srgbClr val="D5D5D5"/>
-            </a:gs>
-          </a:gsLst>
-          <a:lin ang="5400000" scaled="1"/>
-        </a:gradFill>
-        <a:effectLst/>
-      </p:bgPr>
-    </p:bg>
-    <p:spTree>
-      <p:nvGrpSpPr>
-        <p:cNvPr id="1" name="">
-          <a:extLst>
-            <a:ext uri="{FF2B5EF4-FFF2-40B4-BE49-F238E27FC236}">
-              <a16:creationId xmlns:a16="http://schemas.microsoft.com/office/drawing/2014/main" id="{D31BCC6E-2770-DA6A-5016-F7669BAB0E01}"/>
-            </a:ext>
-          </a:extLst>
-        </p:cNvPr>
-        <p:cNvGrpSpPr/>
-        <p:nvPr/>
-      </p:nvGrpSpPr>
-      <p:grpSpPr>
-        <a:xfrm>
-          <a:off x="0" y="0"/>
-          <a:ext cx="0" cy="0"/>
-          <a:chOff x="0" y="0"/>
-          <a:chExt cx="0" cy="0"/>
-        </a:xfrm>
-      </p:grpSpPr>
-      <p:sp>
-        <p:nvSpPr>
-          <p:cNvPr id="17" name="Rectangle: Rounded Corners 16">
-            <a:extLst>
-              <a:ext uri="{FF2B5EF4-FFF2-40B4-BE49-F238E27FC236}">
-                <a16:creationId xmlns:a16="http://schemas.microsoft.com/office/drawing/2014/main" id="{4D8D5280-B5E3-D41C-D9BC-3EB1B69051C1}"/>
-              </a:ext>
-            </a:extLst>
-          </p:cNvPr>
-          <p:cNvSpPr/>
-          <p:nvPr/>
-        </p:nvSpPr>
-        <p:spPr>
-          <a:xfrm>
-            <a:off x="619433" y="30272619"/>
-            <a:ext cx="17743067" cy="11024530"/>
-          </a:xfrm>
-          <a:prstGeom prst="roundRect">
-            <a:avLst>
-              <a:gd name="adj" fmla="val 3189"/>
-            </a:avLst>
-          </a:prstGeom>
-          <a:solidFill>
-            <a:schemeClr val="bg1"/>
-          </a:solidFill>
-          <a:ln w="254000">
-            <a:solidFill>
-              <a:srgbClr val="136F63"/>
-            </a:solidFill>
-          </a:ln>
-        </p:spPr>
-        <p:style>
-          <a:lnRef idx="2">
-            <a:schemeClr val="accent1">
-              <a:shade val="15000"/>
-            </a:schemeClr>
-          </a:lnRef>
-          <a:fillRef idx="1">
-            <a:schemeClr val="accent1"/>
-          </a:fillRef>
-          <a:effectRef idx="0">
-            <a:schemeClr val="accent1"/>
-          </a:effectRef>
-          <a:fontRef idx="minor">
-            <a:schemeClr val="lt1"/>
-          </a:fontRef>
-        </p:style>
-        <p:txBody>
-          <a:bodyPr rtlCol="0" anchor="ctr"/>
-          <a:lstStyle/>
-          <a:p>
-            <a:pPr algn="ctr"/>
-            <a:endParaRPr lang="de-DE"/>
-          </a:p>
-        </p:txBody>
-      </p:sp>
-      <p:sp>
-        <p:nvSpPr>
-          <p:cNvPr id="18" name="Rectangle: Rounded Corners 17">
-            <a:extLst>
-              <a:ext uri="{FF2B5EF4-FFF2-40B4-BE49-F238E27FC236}">
-                <a16:creationId xmlns:a16="http://schemas.microsoft.com/office/drawing/2014/main" id="{FC0E6B50-E3F9-0B3F-B30B-A13EAC268EAF}"/>
-              </a:ext>
-            </a:extLst>
-          </p:cNvPr>
-          <p:cNvSpPr/>
-          <p:nvPr/>
-        </p:nvSpPr>
-        <p:spPr>
-          <a:xfrm>
-            <a:off x="18848439" y="30272618"/>
-            <a:ext cx="10807341" cy="6130088"/>
-          </a:xfrm>
-          <a:prstGeom prst="roundRect">
-            <a:avLst>
-              <a:gd name="adj" fmla="val 2683"/>
-            </a:avLst>
-          </a:prstGeom>
-          <a:solidFill>
-            <a:schemeClr val="bg1"/>
-          </a:solidFill>
-          <a:ln w="254000">
-            <a:solidFill>
-              <a:srgbClr val="120D31"/>
-            </a:solidFill>
-          </a:ln>
-        </p:spPr>
-        <p:style>
-          <a:lnRef idx="2">
-            <a:schemeClr val="accent1">
-              <a:shade val="15000"/>
-            </a:schemeClr>
-          </a:lnRef>
-          <a:fillRef idx="1">
-            <a:schemeClr val="accent1"/>
-          </a:fillRef>
-          <a:effectRef idx="0">
-            <a:schemeClr val="accent1"/>
-          </a:effectRef>
-          <a:fontRef idx="minor">
-            <a:schemeClr val="lt1"/>
-          </a:fontRef>
-        </p:style>
-        <p:txBody>
-          <a:bodyPr rtlCol="0" anchor="ctr"/>
-          <a:lstStyle/>
-          <a:p>
-            <a:pPr algn="ctr"/>
-            <a:endParaRPr lang="de-DE"/>
-          </a:p>
-        </p:txBody>
-      </p:sp>
-      <p:sp>
-        <p:nvSpPr>
-          <p:cNvPr id="19" name="Rectangle: Rounded Corners 18">
-            <a:extLst>
-              <a:ext uri="{FF2B5EF4-FFF2-40B4-BE49-F238E27FC236}">
-                <a16:creationId xmlns:a16="http://schemas.microsoft.com/office/drawing/2014/main" id="{B6AB65BA-575B-B7C9-4328-3EB2A502DE03}"/>
-              </a:ext>
-            </a:extLst>
-          </p:cNvPr>
-          <p:cNvSpPr/>
-          <p:nvPr/>
-        </p:nvSpPr>
-        <p:spPr>
-          <a:xfrm>
-            <a:off x="18866415" y="37051635"/>
-            <a:ext cx="10807341" cy="4245514"/>
-          </a:xfrm>
-          <a:prstGeom prst="roundRect">
-            <a:avLst>
-              <a:gd name="adj" fmla="val 7244"/>
-            </a:avLst>
-          </a:prstGeom>
-          <a:solidFill>
-            <a:schemeClr val="bg1"/>
-          </a:solidFill>
-          <a:ln w="254000">
-            <a:solidFill>
-              <a:srgbClr val="302F4D"/>
-            </a:solidFill>
-          </a:ln>
-        </p:spPr>
-        <p:style>
-          <a:lnRef idx="2">
-            <a:schemeClr val="accent1">
-              <a:shade val="15000"/>
-            </a:schemeClr>
-          </a:lnRef>
-          <a:fillRef idx="1">
-            <a:schemeClr val="accent1"/>
-          </a:fillRef>
-          <a:effectRef idx="0">
-            <a:schemeClr val="accent1"/>
-          </a:effectRef>
-          <a:fontRef idx="minor">
-            <a:schemeClr val="lt1"/>
-          </a:fontRef>
-        </p:style>
-        <p:txBody>
-          <a:bodyPr rtlCol="0" anchor="ctr"/>
-          <a:lstStyle/>
-          <a:p>
-            <a:pPr algn="ctr"/>
-            <a:endParaRPr lang="de-DE"/>
-          </a:p>
-        </p:txBody>
-      </p:sp>
-      <p:sp>
-        <p:nvSpPr>
-          <p:cNvPr id="16" name="Rectangle: Rounded Corners 15">
-            <a:extLst>
-              <a:ext uri="{FF2B5EF4-FFF2-40B4-BE49-F238E27FC236}">
-                <a16:creationId xmlns:a16="http://schemas.microsoft.com/office/drawing/2014/main" id="{36EF023E-3DDA-617E-5659-2231663868EE}"/>
-              </a:ext>
-            </a:extLst>
-          </p:cNvPr>
-          <p:cNvSpPr/>
-          <p:nvPr/>
-        </p:nvSpPr>
-        <p:spPr>
-          <a:xfrm>
-            <a:off x="619433" y="14073603"/>
-            <a:ext cx="29054323" cy="15760120"/>
-          </a:xfrm>
-          <a:prstGeom prst="roundRect">
-            <a:avLst>
-              <a:gd name="adj" fmla="val 1883"/>
-            </a:avLst>
-          </a:prstGeom>
-          <a:solidFill>
-            <a:schemeClr val="bg1"/>
-          </a:solidFill>
-          <a:ln w="254000">
-            <a:solidFill>
-              <a:srgbClr val="0E1428"/>
-            </a:solidFill>
-          </a:ln>
-        </p:spPr>
-        <p:style>
-          <a:lnRef idx="2">
-            <a:schemeClr val="accent1">
-              <a:shade val="15000"/>
-            </a:schemeClr>
-          </a:lnRef>
-          <a:fillRef idx="1">
-            <a:schemeClr val="accent1"/>
-          </a:fillRef>
-          <a:effectRef idx="0">
-            <a:schemeClr val="accent1"/>
-          </a:effectRef>
-          <a:fontRef idx="minor">
-            <a:schemeClr val="lt1"/>
-          </a:fontRef>
-        </p:style>
-        <p:txBody>
-          <a:bodyPr rtlCol="0" anchor="ctr"/>
-          <a:lstStyle/>
-          <a:p>
-            <a:pPr algn="ctr"/>
-            <a:endParaRPr lang="de-DE" dirty="0"/>
-          </a:p>
-        </p:txBody>
-      </p:sp>
-      <p:sp>
-        <p:nvSpPr>
-          <p:cNvPr id="14" name="Rectangle: Rounded Corners 13">
-            <a:extLst>
-              <a:ext uri="{FF2B5EF4-FFF2-40B4-BE49-F238E27FC236}">
-                <a16:creationId xmlns:a16="http://schemas.microsoft.com/office/drawing/2014/main" id="{D48F5412-8D34-971E-B97F-9044DAA0DEAC}"/>
-              </a:ext>
-            </a:extLst>
-          </p:cNvPr>
-          <p:cNvSpPr/>
-          <p:nvPr/>
-        </p:nvSpPr>
-        <p:spPr>
-          <a:xfrm>
-            <a:off x="619433" y="5978668"/>
-            <a:ext cx="29054323" cy="7538131"/>
-          </a:xfrm>
-          <a:prstGeom prst="roundRect">
-            <a:avLst>
-              <a:gd name="adj" fmla="val 4408"/>
-            </a:avLst>
-          </a:prstGeom>
-          <a:solidFill>
-            <a:schemeClr val="bg1"/>
-          </a:solidFill>
-          <a:ln w="254000">
-            <a:solidFill>
-              <a:srgbClr val="B31029"/>
-            </a:solidFill>
-          </a:ln>
-        </p:spPr>
-        <p:style>
-          <a:lnRef idx="2">
-            <a:schemeClr val="accent1">
-              <a:shade val="15000"/>
-            </a:schemeClr>
-          </a:lnRef>
-          <a:fillRef idx="1">
-            <a:schemeClr val="accent1"/>
-          </a:fillRef>
-          <a:effectRef idx="0">
-            <a:schemeClr val="accent1"/>
-          </a:effectRef>
-          <a:fontRef idx="minor">
-            <a:schemeClr val="lt1"/>
-          </a:fontRef>
-        </p:style>
-        <p:txBody>
-          <a:bodyPr numCol="1" rtlCol="0" anchor="ctr"/>
-          <a:lstStyle/>
-          <a:p>
-            <a:pPr algn="ctr"/>
-            <a:r>
-              <a:rPr lang="de-DE" dirty="0"/>
-              <a:t> </a:t>
-            </a:r>
-          </a:p>
-        </p:txBody>
-      </p:sp>
-      <p:sp>
-        <p:nvSpPr>
-          <p:cNvPr id="20" name="TextBox 19">
-            <a:extLst>
-              <a:ext uri="{FF2B5EF4-FFF2-40B4-BE49-F238E27FC236}">
-                <a16:creationId xmlns:a16="http://schemas.microsoft.com/office/drawing/2014/main" id="{ACA5DA6E-C193-736F-F586-8DE1C8510767}"/>
-              </a:ext>
-            </a:extLst>
-          </p:cNvPr>
-          <p:cNvSpPr txBox="1"/>
-          <p:nvPr/>
-        </p:nvSpPr>
-        <p:spPr>
-          <a:xfrm>
-            <a:off x="1253554" y="7864362"/>
-            <a:ext cx="13893040" cy="5093702"/>
-          </a:xfrm>
-          <a:prstGeom prst="rect">
-            <a:avLst/>
-          </a:prstGeom>
-          <a:noFill/>
-          <a:ln>
-            <a:noFill/>
-          </a:ln>
-        </p:spPr>
-        <p:txBody>
-          <a:bodyPr wrap="square">
-            <a:spAutoFit/>
-          </a:bodyPr>
-          <a:lstStyle/>
-          <a:p>
-            <a:r>
-              <a:rPr lang="en-US" sz="500" b="1" dirty="0"/>
-              <a:t> </a:t>
-            </a:r>
-            <a:r>
-              <a:rPr lang="en-US" sz="200" b="1" dirty="0"/>
-              <a:t> </a:t>
-            </a:r>
-            <a:endParaRPr lang="en-US" sz="500" dirty="0"/>
-          </a:p>
-          <a:p>
-            <a:pPr marL="457200" indent="-457200">
-              <a:buFont typeface="Arial" panose="020B0604020202020204" pitchFamily="34" charset="0"/>
-              <a:buChar char="•"/>
-            </a:pPr>
-            <a:r>
-              <a:rPr lang="de-DE" sz="2800" dirty="0"/>
-              <a:t>„We want to </a:t>
-            </a:r>
-            <a:r>
-              <a:rPr lang="en-US" sz="2800" dirty="0"/>
-              <a:t>extract RNA-dependent proteins from proteomic screens”</a:t>
-            </a:r>
-            <a:endParaRPr lang="de-DE" sz="2800" dirty="0"/>
-          </a:p>
-          <a:p>
-            <a:pPr marL="457200" indent="-457200">
-              <a:buFont typeface="Arial" panose="020B0604020202020204" pitchFamily="34" charset="0"/>
-              <a:buChar char="•"/>
-            </a:pPr>
-            <a:r>
-              <a:rPr lang="de-DE" sz="2800" dirty="0"/>
-              <a:t>„RNA-dependency = the proteins interactome depends on RNA“</a:t>
-            </a:r>
-          </a:p>
-          <a:p>
-            <a:endParaRPr lang="en-US" sz="3200" b="1" dirty="0"/>
-          </a:p>
-          <a:p>
-            <a:r>
-              <a:rPr lang="en-US" sz="3200" b="1" dirty="0"/>
-              <a:t>What Makes RNA-Dependent Proteins Worth Investigating?</a:t>
-            </a:r>
-          </a:p>
-          <a:p>
-            <a:pPr marL="457200" indent="-457200">
-              <a:buFont typeface="Arial" panose="020B0604020202020204" pitchFamily="34" charset="0"/>
-              <a:buChar char="•"/>
-            </a:pPr>
-            <a:r>
-              <a:rPr lang="de-DE" sz="2800" b="1" dirty="0"/>
-              <a:t>Key Regulators:</a:t>
-            </a:r>
-            <a:r>
-              <a:rPr lang="de-DE" sz="2800" dirty="0"/>
-              <a:t> RBPs control RNA metabolism &amp; gene expression.</a:t>
-            </a:r>
-          </a:p>
-          <a:p>
-            <a:pPr marL="457200" indent="-457200">
-              <a:buFont typeface="Arial" panose="020B0604020202020204" pitchFamily="34" charset="0"/>
-              <a:buChar char="•"/>
-            </a:pPr>
-            <a:r>
-              <a:rPr lang="de-DE" sz="2800" b="1" dirty="0"/>
-              <a:t>Disease Links:</a:t>
-            </a:r>
-            <a:r>
-              <a:rPr lang="de-DE" sz="2800" dirty="0"/>
-              <a:t> Misregulation is tied to cancer &amp; neurodegeneration.</a:t>
-            </a:r>
-          </a:p>
-          <a:p>
-            <a:pPr marL="457200" indent="-457200">
-              <a:buFont typeface="Arial" panose="020B0604020202020204" pitchFamily="34" charset="0"/>
-              <a:buChar char="•"/>
-            </a:pPr>
-            <a:r>
-              <a:rPr lang="de-DE" sz="2800" b="1" dirty="0"/>
-              <a:t>Functional Clues:</a:t>
-            </a:r>
-            <a:r>
-              <a:rPr lang="de-DE" sz="2800" dirty="0"/>
-              <a:t> New RBPs hint at RNA’s role in specific pathways.</a:t>
-            </a:r>
-          </a:p>
-          <a:p>
-            <a:pPr marL="457200" indent="-457200">
-              <a:buFont typeface="Arial" panose="020B0604020202020204" pitchFamily="34" charset="0"/>
-              <a:buChar char="•"/>
-            </a:pPr>
-            <a:r>
-              <a:rPr lang="de-DE" sz="2800" b="1" dirty="0"/>
-              <a:t>Interaction Networks:</a:t>
-            </a:r>
-            <a:r>
-              <a:rPr lang="de-DE" sz="2800" dirty="0"/>
-              <a:t> Mapping RNA-protein complexes reveals regulatory logic. </a:t>
-            </a:r>
-          </a:p>
-          <a:p>
-            <a:pPr marL="457200" indent="-457200">
-              <a:buFont typeface="Arial" panose="020B0604020202020204" pitchFamily="34" charset="0"/>
-              <a:buChar char="•"/>
-            </a:pPr>
-            <a:r>
-              <a:rPr lang="de-DE" sz="2800" b="1" dirty="0"/>
-              <a:t>Molecular Insights:</a:t>
-            </a:r>
-            <a:r>
-              <a:rPr lang="de-DE" sz="2800" dirty="0"/>
-              <a:t> Deepens our understanding of cell cycle and cellular behavior. </a:t>
-            </a:r>
-            <a:endParaRPr lang="en-US" sz="2800" b="1" dirty="0"/>
-          </a:p>
-          <a:p>
-            <a:pPr marL="457200" indent="-457200">
-              <a:buFont typeface="Arial" panose="020B0604020202020204" pitchFamily="34" charset="0"/>
-              <a:buChar char="•"/>
-            </a:pPr>
-            <a:endParaRPr lang="de-DE" sz="2800" dirty="0"/>
-          </a:p>
-          <a:p>
-            <a:pPr marL="457200" indent="-457200">
-              <a:buFont typeface="Arial" panose="020B0604020202020204" pitchFamily="34" charset="0"/>
-              <a:buChar char="•"/>
-            </a:pPr>
-            <a:endParaRPr lang="de-DE" sz="3200" dirty="0"/>
-          </a:p>
-        </p:txBody>
-      </p:sp>
-      <p:sp>
-        <p:nvSpPr>
-          <p:cNvPr id="3" name="TextBox 2">
-            <a:extLst>
-              <a:ext uri="{FF2B5EF4-FFF2-40B4-BE49-F238E27FC236}">
-                <a16:creationId xmlns:a16="http://schemas.microsoft.com/office/drawing/2014/main" id="{5AEF6F66-8D74-6B3F-43F5-1ABC4B008DEB}"/>
-              </a:ext>
-            </a:extLst>
-          </p:cNvPr>
-          <p:cNvSpPr txBox="1"/>
-          <p:nvPr/>
-        </p:nvSpPr>
-        <p:spPr>
-          <a:xfrm>
-            <a:off x="1887734" y="16214779"/>
-            <a:ext cx="24173364" cy="9110186"/>
-          </a:xfrm>
-          <a:prstGeom prst="rect">
-            <a:avLst/>
-          </a:prstGeom>
-          <a:noFill/>
-          <a:ln>
-            <a:noFill/>
-          </a:ln>
-        </p:spPr>
-        <p:txBody>
-          <a:bodyPr wrap="square">
-            <a:spAutoFit/>
-          </a:bodyPr>
-          <a:lstStyle/>
-          <a:p>
-            <a:r>
-              <a:rPr lang="en-US" sz="3400" b="1" dirty="0"/>
-              <a:t>1) Data preparation</a:t>
-            </a:r>
-          </a:p>
-          <a:p>
-            <a:pPr marL="457200" indent="-457200">
-              <a:buFont typeface="Arial" panose="020B0604020202020204" pitchFamily="34" charset="0"/>
-              <a:buChar char="•"/>
-            </a:pPr>
-            <a:r>
-              <a:rPr lang="en-US" sz="2800" dirty="0"/>
-              <a:t>Data cleanup</a:t>
-            </a:r>
-          </a:p>
-          <a:p>
-            <a:pPr marL="457200" indent="-457200">
-              <a:buFont typeface="Arial" panose="020B0604020202020204" pitchFamily="34" charset="0"/>
-              <a:buChar char="•"/>
-            </a:pPr>
-            <a:r>
-              <a:rPr lang="en-US" sz="2800" dirty="0"/>
-              <a:t>“Rearrange and reorder the columns to their treatment, replicate and fraction”</a:t>
-            </a:r>
-          </a:p>
-          <a:p>
-            <a:pPr marL="457200" indent="-457200">
-              <a:buFont typeface="Arial" panose="020B0604020202020204" pitchFamily="34" charset="0"/>
-              <a:buChar char="•"/>
-            </a:pPr>
-            <a:r>
-              <a:rPr lang="en-US" sz="2800" dirty="0"/>
-              <a:t>Normalization</a:t>
-            </a:r>
-          </a:p>
-          <a:p>
-            <a:endParaRPr lang="en-US" sz="3400" b="1" dirty="0"/>
-          </a:p>
-          <a:p>
-            <a:r>
-              <a:rPr lang="de-DE" sz="3400" b="1" dirty="0"/>
-              <a:t>2) Data exploration</a:t>
-            </a:r>
-            <a:endParaRPr lang="de-DE" sz="3400" dirty="0"/>
-          </a:p>
-          <a:p>
-            <a:pPr marL="457200" indent="-457200">
-              <a:buFont typeface="Arial" panose="020B0604020202020204" pitchFamily="34" charset="0"/>
-              <a:buChar char="•"/>
-            </a:pPr>
-            <a:r>
-              <a:rPr lang="en-US" sz="2800" dirty="0"/>
-              <a:t> Identification of maxima and shoulders</a:t>
-            </a:r>
-          </a:p>
-          <a:p>
-            <a:pPr marL="457200" indent="-457200">
-              <a:buFont typeface="Arial" panose="020B0604020202020204" pitchFamily="34" charset="0"/>
-              <a:buChar char="•"/>
-            </a:pPr>
-            <a:r>
-              <a:rPr lang="en-US" sz="2800" dirty="0"/>
-              <a:t> </a:t>
-            </a:r>
-            <a:r>
-              <a:rPr lang="de-DE" sz="2800" dirty="0"/>
-              <a:t>Selection criteria</a:t>
-            </a:r>
-            <a:r>
-              <a:rPr lang="en-US" sz="2800" dirty="0"/>
-              <a:t> &amp; Wilcoxon Test </a:t>
-            </a:r>
-          </a:p>
-          <a:p>
-            <a:pPr marL="457200" indent="-457200">
-              <a:buFont typeface="Arial" panose="020B0604020202020204" pitchFamily="34" charset="0"/>
-              <a:buChar char="•"/>
-            </a:pPr>
-            <a:r>
-              <a:rPr lang="en-US" sz="2800" dirty="0"/>
-              <a:t>Visualization for the </a:t>
-            </a:r>
-            <a:r>
-              <a:rPr lang="de-DE" sz="2800" dirty="0"/>
-              <a:t>order of selection criteria</a:t>
-            </a:r>
-            <a:endParaRPr lang="en-US" sz="2800" dirty="0"/>
-          </a:p>
-          <a:p>
-            <a:pPr marL="457200" indent="-457200">
-              <a:buFont typeface="Arial" panose="020B0604020202020204" pitchFamily="34" charset="0"/>
-              <a:buChar char="•"/>
-            </a:pPr>
-            <a:r>
-              <a:rPr lang="en-US" sz="2800" dirty="0"/>
-              <a:t>Pie charts for selection results</a:t>
-            </a:r>
-          </a:p>
-          <a:p>
-            <a:endParaRPr lang="en-US" sz="3400" b="1" dirty="0"/>
-          </a:p>
-          <a:p>
-            <a:r>
-              <a:rPr lang="de-DE" sz="3400" b="1" dirty="0"/>
-              <a:t>3) Data reduction</a:t>
-            </a:r>
-          </a:p>
-          <a:p>
-            <a:pPr marL="457200" indent="-457200">
-              <a:buFont typeface="Arial" panose="020B0604020202020204" pitchFamily="34" charset="0"/>
-              <a:buChar char="•"/>
-            </a:pPr>
-            <a:r>
-              <a:rPr lang="de-DE" sz="2800" dirty="0"/>
-              <a:t>PCR </a:t>
-            </a:r>
-            <a:endParaRPr lang="en-US" sz="2800" dirty="0"/>
-          </a:p>
-          <a:p>
-            <a:pPr marL="457200" indent="-457200">
-              <a:buFont typeface="Arial" panose="020B0604020202020204" pitchFamily="34" charset="0"/>
-              <a:buChar char="•"/>
-            </a:pPr>
-            <a:r>
-              <a:rPr lang="en-US" sz="2800" dirty="0"/>
-              <a:t> k-means clustering</a:t>
-            </a:r>
-          </a:p>
-          <a:p>
-            <a:pPr marL="457200" indent="-457200">
-              <a:buFont typeface="Arial" panose="020B0604020202020204" pitchFamily="34" charset="0"/>
-              <a:buChar char="•"/>
-            </a:pPr>
-            <a:endParaRPr lang="en-US" sz="3400" dirty="0"/>
-          </a:p>
-          <a:p>
-            <a:r>
-              <a:rPr lang="de-DE" sz="3400" b="1" dirty="0"/>
-              <a:t>4) Data modelling</a:t>
-            </a:r>
-          </a:p>
-          <a:p>
-            <a:pPr marL="457200" indent="-457200">
-              <a:buFont typeface="Arial" panose="020B0604020202020204" pitchFamily="34" charset="0"/>
-              <a:buChar char="•"/>
-            </a:pPr>
-            <a:r>
-              <a:rPr lang="en-US" sz="2800" dirty="0"/>
-              <a:t> Linear Regression </a:t>
-            </a:r>
-            <a:endParaRPr lang="en-US" sz="3400" b="1" dirty="0"/>
-          </a:p>
-          <a:p>
-            <a:endParaRPr lang="en-US" sz="3400" b="1" dirty="0"/>
-          </a:p>
-          <a:p>
-            <a:endParaRPr lang="en-US" sz="3400" b="1" dirty="0"/>
-          </a:p>
-        </p:txBody>
-      </p:sp>
-      <p:sp>
-        <p:nvSpPr>
-          <p:cNvPr id="5" name="TextBox 4">
-            <a:extLst>
-              <a:ext uri="{FF2B5EF4-FFF2-40B4-BE49-F238E27FC236}">
-                <a16:creationId xmlns:a16="http://schemas.microsoft.com/office/drawing/2014/main" id="{9031789E-800D-EB3D-63D2-EB1CF6FB0101}"/>
-              </a:ext>
-            </a:extLst>
-          </p:cNvPr>
-          <p:cNvSpPr txBox="1"/>
-          <p:nvPr/>
-        </p:nvSpPr>
-        <p:spPr>
-          <a:xfrm>
-            <a:off x="1404974" y="33329176"/>
-            <a:ext cx="11401261" cy="13018949"/>
-          </a:xfrm>
-          <a:prstGeom prst="rect">
-            <a:avLst/>
-          </a:prstGeom>
-          <a:noFill/>
-          <a:ln>
-            <a:noFill/>
-          </a:ln>
-        </p:spPr>
-        <p:txBody>
-          <a:bodyPr wrap="square">
-            <a:spAutoFit/>
-          </a:bodyPr>
-          <a:lstStyle/>
-          <a:p>
-            <a:pPr marL="457200" indent="-457200">
-              <a:buFont typeface="Arial" panose="020B0604020202020204" pitchFamily="34" charset="0"/>
-              <a:buChar char="•"/>
-            </a:pPr>
-            <a:r>
-              <a:rPr lang="en-US" sz="2800" dirty="0"/>
-              <a:t>Critical review of our own results and methods (e.g., Selection criteria made us delete some RBPs. Why? What were their properties?)</a:t>
-            </a:r>
-          </a:p>
-          <a:p>
-            <a:pPr marL="457200" indent="-457200">
-              <a:buFont typeface="Arial" panose="020B0604020202020204" pitchFamily="34" charset="0"/>
-              <a:buChar char="•"/>
-            </a:pPr>
-            <a:r>
-              <a:rPr lang="en-US" sz="2800" dirty="0"/>
-              <a:t>Why do we find fewer proteins than </a:t>
-            </a:r>
-            <a:r>
-              <a:rPr lang="en-US" sz="2800" dirty="0" err="1"/>
-              <a:t>Maïwen</a:t>
-            </a:r>
-            <a:r>
-              <a:rPr lang="en-US" sz="2800" dirty="0"/>
-              <a:t>? </a:t>
-            </a:r>
-          </a:p>
-          <a:p>
-            <a:pPr marL="457200" indent="-457200">
-              <a:buFont typeface="Arial" panose="020B0604020202020204" pitchFamily="34" charset="0"/>
-              <a:buChar char="•"/>
-            </a:pPr>
-            <a:endParaRPr lang="en-US" sz="2800" dirty="0"/>
-          </a:p>
-          <a:p>
-            <a:pPr marL="457200" indent="-457200">
-              <a:buFont typeface="Arial" panose="020B0604020202020204" pitchFamily="34" charset="0"/>
-              <a:buChar char="•"/>
-            </a:pPr>
-            <a:endParaRPr lang="en-US" sz="2800" dirty="0"/>
-          </a:p>
-          <a:p>
-            <a:pPr marL="457200" indent="-457200">
-              <a:buFont typeface="Arial" panose="020B0604020202020204" pitchFamily="34" charset="0"/>
-              <a:buChar char="•"/>
-            </a:pPr>
-            <a:endParaRPr lang="en-US" sz="2800" dirty="0"/>
-          </a:p>
-          <a:p>
-            <a:pPr marL="457200" indent="-457200">
-              <a:buFont typeface="Arial" panose="020B0604020202020204" pitchFamily="34" charset="0"/>
-              <a:buChar char="•"/>
-            </a:pPr>
-            <a:endParaRPr lang="en-US" sz="2800" dirty="0"/>
-          </a:p>
-          <a:p>
-            <a:pPr marL="457200" indent="-457200">
-              <a:buFont typeface="Arial" panose="020B0604020202020204" pitchFamily="34" charset="0"/>
-              <a:buChar char="•"/>
-            </a:pPr>
-            <a:endParaRPr lang="en-US" sz="2800" dirty="0"/>
-          </a:p>
-          <a:p>
-            <a:pPr marL="457200" indent="-457200">
-              <a:buFont typeface="Arial" panose="020B0604020202020204" pitchFamily="34" charset="0"/>
-              <a:buChar char="•"/>
-            </a:pPr>
-            <a:endParaRPr lang="en-US" sz="2800" dirty="0"/>
-          </a:p>
-          <a:p>
-            <a:pPr marL="457200" indent="-457200">
-              <a:buFont typeface="Arial" panose="020B0604020202020204" pitchFamily="34" charset="0"/>
-              <a:buChar char="•"/>
-            </a:pPr>
-            <a:endParaRPr lang="en-US" sz="2800" dirty="0"/>
-          </a:p>
-          <a:p>
-            <a:pPr marL="457200" indent="-457200">
-              <a:buFont typeface="Arial" panose="020B0604020202020204" pitchFamily="34" charset="0"/>
-              <a:buChar char="•"/>
-            </a:pPr>
-            <a:endParaRPr lang="en-US" sz="2800" dirty="0"/>
-          </a:p>
-          <a:p>
-            <a:pPr marL="457200" indent="-457200">
-              <a:buFont typeface="Arial" panose="020B0604020202020204" pitchFamily="34" charset="0"/>
-              <a:buChar char="•"/>
-            </a:pPr>
-            <a:endParaRPr lang="en-US" sz="2800" dirty="0"/>
-          </a:p>
-          <a:p>
-            <a:pPr marL="457200" indent="-457200">
-              <a:buFont typeface="Arial" panose="020B0604020202020204" pitchFamily="34" charset="0"/>
-              <a:buChar char="•"/>
-            </a:pPr>
-            <a:endParaRPr lang="en-US" sz="2800" dirty="0"/>
-          </a:p>
-          <a:p>
-            <a:pPr marL="457200" indent="-457200">
-              <a:buFont typeface="Arial" panose="020B0604020202020204" pitchFamily="34" charset="0"/>
-              <a:buChar char="•"/>
-            </a:pPr>
-            <a:endParaRPr lang="en-US" sz="2800" dirty="0"/>
-          </a:p>
-          <a:p>
-            <a:pPr marL="457200" indent="-457200">
-              <a:buFont typeface="Arial" panose="020B0604020202020204" pitchFamily="34" charset="0"/>
-              <a:buChar char="•"/>
-            </a:pPr>
-            <a:endParaRPr lang="en-US" sz="2800" dirty="0"/>
-          </a:p>
-          <a:p>
-            <a:pPr marL="457200" indent="-457200">
-              <a:buFont typeface="Arial" panose="020B0604020202020204" pitchFamily="34" charset="0"/>
-              <a:buChar char="•"/>
-            </a:pPr>
-            <a:endParaRPr lang="en-US" sz="2800" dirty="0"/>
-          </a:p>
-          <a:p>
-            <a:pPr marL="457200" indent="-457200">
-              <a:buFont typeface="Arial" panose="020B0604020202020204" pitchFamily="34" charset="0"/>
-              <a:buChar char="•"/>
-            </a:pPr>
-            <a:endParaRPr lang="en-US" sz="2800" dirty="0"/>
-          </a:p>
-          <a:p>
-            <a:pPr marL="457200" indent="-457200">
-              <a:buFont typeface="Arial" panose="020B0604020202020204" pitchFamily="34" charset="0"/>
-              <a:buChar char="•"/>
-            </a:pPr>
-            <a:endParaRPr lang="en-US" sz="2800" dirty="0"/>
-          </a:p>
-          <a:p>
-            <a:pPr marL="457200" indent="-457200">
-              <a:buFont typeface="Arial" panose="020B0604020202020204" pitchFamily="34" charset="0"/>
-              <a:buChar char="•"/>
-            </a:pPr>
-            <a:endParaRPr lang="en-US" sz="2800" dirty="0"/>
-          </a:p>
-          <a:p>
-            <a:pPr marL="457200" indent="-457200">
-              <a:buFont typeface="Arial" panose="020B0604020202020204" pitchFamily="34" charset="0"/>
-              <a:buChar char="•"/>
-            </a:pPr>
-            <a:endParaRPr lang="en-US" sz="2800" dirty="0"/>
-          </a:p>
-          <a:p>
-            <a:pPr marL="457200" indent="-457200">
-              <a:buFont typeface="Arial" panose="020B0604020202020204" pitchFamily="34" charset="0"/>
-              <a:buChar char="•"/>
-            </a:pPr>
-            <a:endParaRPr lang="en-US" sz="2800" dirty="0"/>
-          </a:p>
-          <a:p>
-            <a:pPr marL="457200" indent="-457200">
-              <a:buFont typeface="Arial" panose="020B0604020202020204" pitchFamily="34" charset="0"/>
-              <a:buChar char="•"/>
-            </a:pPr>
-            <a:endParaRPr lang="en-US" sz="2800" dirty="0"/>
-          </a:p>
-          <a:p>
-            <a:pPr marL="457200" indent="-457200">
-              <a:buFont typeface="Arial" panose="020B0604020202020204" pitchFamily="34" charset="0"/>
-              <a:buChar char="•"/>
-            </a:pPr>
-            <a:endParaRPr lang="en-US" sz="2800" dirty="0"/>
-          </a:p>
-          <a:p>
-            <a:pPr marL="457200" indent="-457200">
-              <a:buFont typeface="Arial" panose="020B0604020202020204" pitchFamily="34" charset="0"/>
-              <a:buChar char="•"/>
-            </a:pPr>
-            <a:endParaRPr lang="en-US" sz="2800" dirty="0"/>
-          </a:p>
-          <a:p>
-            <a:pPr marL="457200" indent="-457200">
-              <a:buFont typeface="Arial" panose="020B0604020202020204" pitchFamily="34" charset="0"/>
-              <a:buChar char="•"/>
-            </a:pPr>
-            <a:endParaRPr lang="en-US" sz="2800" dirty="0"/>
-          </a:p>
-          <a:p>
-            <a:pPr marL="457200" indent="-457200">
-              <a:buFont typeface="Arial" panose="020B0604020202020204" pitchFamily="34" charset="0"/>
-              <a:buChar char="•"/>
-            </a:pPr>
-            <a:endParaRPr lang="en-US" sz="2800" dirty="0"/>
-          </a:p>
-          <a:p>
-            <a:pPr marL="457200" indent="-457200">
-              <a:buFont typeface="Arial" panose="020B0604020202020204" pitchFamily="34" charset="0"/>
-              <a:buChar char="•"/>
-            </a:pPr>
-            <a:endParaRPr lang="en-US" sz="2800" dirty="0"/>
-          </a:p>
-          <a:p>
-            <a:pPr marL="457200" indent="-457200">
-              <a:buFont typeface="Arial" panose="020B0604020202020204" pitchFamily="34" charset="0"/>
-              <a:buChar char="•"/>
-            </a:pPr>
-            <a:endParaRPr lang="en-US" sz="2800" dirty="0"/>
-          </a:p>
-          <a:p>
-            <a:pPr marL="457200" indent="-457200">
-              <a:buFont typeface="Arial" panose="020B0604020202020204" pitchFamily="34" charset="0"/>
-              <a:buChar char="•"/>
-            </a:pPr>
-            <a:endParaRPr lang="en-US" sz="2800" dirty="0"/>
-          </a:p>
-          <a:p>
-            <a:endParaRPr lang="en-US" sz="2800" b="1" dirty="0"/>
-          </a:p>
-        </p:txBody>
-      </p:sp>
-      <p:sp>
-        <p:nvSpPr>
-          <p:cNvPr id="6" name="TextBox 5">
-            <a:extLst>
-              <a:ext uri="{FF2B5EF4-FFF2-40B4-BE49-F238E27FC236}">
-                <a16:creationId xmlns:a16="http://schemas.microsoft.com/office/drawing/2014/main" id="{C42E7FB7-8891-3FC5-A4D9-095994E8338E}"/>
-              </a:ext>
-            </a:extLst>
-          </p:cNvPr>
-          <p:cNvSpPr txBox="1"/>
-          <p:nvPr/>
-        </p:nvSpPr>
-        <p:spPr>
-          <a:xfrm>
-            <a:off x="19343438" y="39583446"/>
-            <a:ext cx="8780767" cy="1384995"/>
-          </a:xfrm>
-          <a:prstGeom prst="rect">
-            <a:avLst/>
-          </a:prstGeom>
-          <a:noFill/>
-          <a:ln>
-            <a:noFill/>
-          </a:ln>
-        </p:spPr>
-        <p:txBody>
-          <a:bodyPr wrap="square">
-            <a:spAutoFit/>
-          </a:bodyPr>
-          <a:lstStyle/>
-          <a:p>
-            <a:pPr marL="457200" indent="-457200">
-              <a:buFont typeface="Arial" panose="020B0604020202020204" pitchFamily="34" charset="0"/>
-              <a:buChar char="•"/>
-            </a:pPr>
-            <a:r>
-              <a:rPr lang="en-US" sz="2800" b="1" dirty="0"/>
-              <a:t> </a:t>
-            </a:r>
-          </a:p>
-          <a:p>
-            <a:pPr marL="457200" indent="-457200">
-              <a:buFont typeface="Arial" panose="020B0604020202020204" pitchFamily="34" charset="0"/>
-              <a:buChar char="•"/>
-            </a:pPr>
-            <a:r>
-              <a:rPr lang="en-US" sz="2800" b="1" dirty="0"/>
-              <a:t> </a:t>
-            </a:r>
-          </a:p>
-          <a:p>
-            <a:pPr marL="457200" indent="-457200">
-              <a:buFont typeface="Arial" panose="020B0604020202020204" pitchFamily="34" charset="0"/>
-              <a:buChar char="•"/>
-            </a:pPr>
-            <a:endParaRPr lang="en-US" sz="2800" b="1" dirty="0"/>
-          </a:p>
-        </p:txBody>
-      </p:sp>
-      <p:sp>
-        <p:nvSpPr>
-          <p:cNvPr id="7" name="TextBox 6">
-            <a:extLst>
-              <a:ext uri="{FF2B5EF4-FFF2-40B4-BE49-F238E27FC236}">
-                <a16:creationId xmlns:a16="http://schemas.microsoft.com/office/drawing/2014/main" id="{5D4EB1CA-B7D9-ED85-7C7E-C1C86E45D9BA}"/>
-              </a:ext>
-            </a:extLst>
-          </p:cNvPr>
-          <p:cNvSpPr txBox="1"/>
-          <p:nvPr/>
-        </p:nvSpPr>
-        <p:spPr>
-          <a:xfrm>
-            <a:off x="19343438" y="32033981"/>
-            <a:ext cx="8291810" cy="1384995"/>
-          </a:xfrm>
-          <a:prstGeom prst="rect">
-            <a:avLst/>
-          </a:prstGeom>
-          <a:noFill/>
-          <a:ln>
-            <a:noFill/>
-          </a:ln>
-        </p:spPr>
-        <p:txBody>
-          <a:bodyPr wrap="square">
-            <a:spAutoFit/>
-          </a:bodyPr>
-          <a:lstStyle/>
-          <a:p>
-            <a:pPr marL="457200" indent="-457200">
-              <a:buFont typeface="Arial" panose="020B0604020202020204" pitchFamily="34" charset="0"/>
-              <a:buChar char="•"/>
-            </a:pPr>
-            <a:r>
-              <a:rPr lang="de-DE" sz="2800" dirty="0"/>
-              <a:t>We found X proteins that ...</a:t>
-            </a:r>
-          </a:p>
-          <a:p>
-            <a:pPr marL="457200" indent="-457200">
-              <a:buFont typeface="Arial" panose="020B0604020202020204" pitchFamily="34" charset="0"/>
-              <a:buChar char="•"/>
-            </a:pPr>
-            <a:endParaRPr lang="de-DE" sz="2800" dirty="0"/>
-          </a:p>
-          <a:p>
-            <a:endParaRPr lang="en-US" sz="2800" b="1" dirty="0"/>
-          </a:p>
-        </p:txBody>
-      </p:sp>
-      <p:sp>
-        <p:nvSpPr>
-          <p:cNvPr id="24" name="Rectangle: Rounded Corners 23">
-            <a:extLst>
-              <a:ext uri="{FF2B5EF4-FFF2-40B4-BE49-F238E27FC236}">
-                <a16:creationId xmlns:a16="http://schemas.microsoft.com/office/drawing/2014/main" id="{002C7CEA-07CF-DA27-1430-7A18C4FB2147}"/>
-              </a:ext>
-            </a:extLst>
-          </p:cNvPr>
-          <p:cNvSpPr/>
-          <p:nvPr/>
-        </p:nvSpPr>
-        <p:spPr>
-          <a:xfrm>
-            <a:off x="619433" y="5978668"/>
-            <a:ext cx="29036347" cy="1430255"/>
-          </a:xfrm>
-          <a:prstGeom prst="roundRect">
-            <a:avLst>
-              <a:gd name="adj" fmla="val 0"/>
-            </a:avLst>
-          </a:prstGeom>
-          <a:solidFill>
-            <a:srgbClr val="B31029"/>
-          </a:solidFill>
-          <a:ln>
-            <a:noFill/>
-          </a:ln>
-        </p:spPr>
-        <p:style>
-          <a:lnRef idx="2">
-            <a:schemeClr val="accent1">
-              <a:shade val="15000"/>
-            </a:schemeClr>
-          </a:lnRef>
-          <a:fillRef idx="1">
-            <a:schemeClr val="accent1"/>
-          </a:fillRef>
-          <a:effectRef idx="0">
-            <a:schemeClr val="accent1"/>
-          </a:effectRef>
-          <a:fontRef idx="minor">
-            <a:schemeClr val="lt1"/>
-          </a:fontRef>
-        </p:style>
-        <p:txBody>
-          <a:bodyPr rtlCol="0" anchor="ctr"/>
-          <a:lstStyle/>
-          <a:p>
-            <a:pPr algn="ctr"/>
-            <a:r>
-              <a:rPr lang="en-US" sz="6000" b="1" dirty="0"/>
-              <a:t>Identifying RNA-Dependent Proteins from Proteomic Data</a:t>
-            </a:r>
-            <a:endParaRPr lang="en-US" sz="1500" b="1" dirty="0"/>
-          </a:p>
-          <a:p>
-            <a:pPr algn="ctr"/>
-            <a:endParaRPr lang="en-US" sz="1000" b="1" dirty="0"/>
-          </a:p>
-        </p:txBody>
-      </p:sp>
-      <p:sp>
-        <p:nvSpPr>
-          <p:cNvPr id="25" name="TextBox 24">
-            <a:extLst>
-              <a:ext uri="{FF2B5EF4-FFF2-40B4-BE49-F238E27FC236}">
-                <a16:creationId xmlns:a16="http://schemas.microsoft.com/office/drawing/2014/main" id="{88BBB9F1-9370-43E5-8904-8D6FF72C4BAF}"/>
-              </a:ext>
-            </a:extLst>
-          </p:cNvPr>
-          <p:cNvSpPr txBox="1"/>
-          <p:nvPr/>
-        </p:nvSpPr>
-        <p:spPr>
-          <a:xfrm>
-            <a:off x="15164570" y="7864362"/>
-            <a:ext cx="13893040" cy="2800767"/>
-          </a:xfrm>
-          <a:prstGeom prst="rect">
-            <a:avLst/>
-          </a:prstGeom>
-          <a:noFill/>
-          <a:ln>
-            <a:noFill/>
-          </a:ln>
-        </p:spPr>
-        <p:txBody>
-          <a:bodyPr wrap="square">
-            <a:spAutoFit/>
-          </a:bodyPr>
-          <a:lstStyle/>
-          <a:p>
-            <a:r>
-              <a:rPr lang="en-US" sz="3200" b="1" dirty="0"/>
-              <a:t>Key Characteristics of Our Dataset</a:t>
-            </a:r>
-            <a:endParaRPr lang="de-DE" sz="2400" b="1" dirty="0"/>
-          </a:p>
-          <a:p>
-            <a:pPr marL="457200" indent="-457200">
-              <a:buFont typeface="Arial" panose="020B0604020202020204" pitchFamily="34" charset="0"/>
-              <a:buChar char="•"/>
-            </a:pPr>
-            <a:r>
-              <a:rPr lang="en-US" sz="2800" dirty="0"/>
-              <a:t>Our dataset was generated using the R-Deep approach</a:t>
-            </a:r>
-          </a:p>
-          <a:p>
-            <a:pPr marL="457200" indent="-457200">
-              <a:buFont typeface="Arial" panose="020B0604020202020204" pitchFamily="34" charset="0"/>
-              <a:buChar char="•"/>
-            </a:pPr>
-            <a:r>
-              <a:rPr lang="de-DE" sz="2800" dirty="0"/>
-              <a:t>~5000 Proteine in 25 Fraktionen, Rnase vs. CTRL</a:t>
-            </a:r>
-            <a:endParaRPr lang="en-US" sz="2800" dirty="0"/>
-          </a:p>
-          <a:p>
-            <a:pPr marL="457200" indent="-457200">
-              <a:buFont typeface="Arial" panose="020B0604020202020204" pitchFamily="34" charset="0"/>
-              <a:buChar char="•"/>
-            </a:pPr>
-            <a:r>
-              <a:rPr lang="en-US" sz="2800" dirty="0"/>
-              <a:t>Dimensions</a:t>
-            </a:r>
-            <a:endParaRPr lang="en-US" sz="2800" b="1" dirty="0"/>
-          </a:p>
-          <a:p>
-            <a:pPr marL="457200" indent="-457200">
-              <a:buFont typeface="Arial" panose="020B0604020202020204" pitchFamily="34" charset="0"/>
-              <a:buChar char="•"/>
-            </a:pPr>
-            <a:endParaRPr lang="de-DE" sz="2800" dirty="0"/>
-          </a:p>
-          <a:p>
-            <a:pPr marL="457200" indent="-457200">
-              <a:buFont typeface="Arial" panose="020B0604020202020204" pitchFamily="34" charset="0"/>
-              <a:buChar char="•"/>
-            </a:pPr>
-            <a:endParaRPr lang="de-DE" sz="3200" dirty="0"/>
-          </a:p>
-        </p:txBody>
-      </p:sp>
-      <p:sp>
-        <p:nvSpPr>
-          <p:cNvPr id="27" name="Rectangle: Rounded Corners 26">
-            <a:extLst>
-              <a:ext uri="{FF2B5EF4-FFF2-40B4-BE49-F238E27FC236}">
-                <a16:creationId xmlns:a16="http://schemas.microsoft.com/office/drawing/2014/main" id="{CD256F81-0E4A-15C5-ABD6-5AE87FEB3761}"/>
-              </a:ext>
-            </a:extLst>
-          </p:cNvPr>
-          <p:cNvSpPr/>
-          <p:nvPr/>
-        </p:nvSpPr>
-        <p:spPr>
-          <a:xfrm>
-            <a:off x="668635" y="14078465"/>
-            <a:ext cx="28937944" cy="1430255"/>
-          </a:xfrm>
-          <a:prstGeom prst="roundRect">
-            <a:avLst>
-              <a:gd name="adj" fmla="val 0"/>
-            </a:avLst>
-          </a:prstGeom>
-          <a:solidFill>
-            <a:srgbClr val="0E1428"/>
-          </a:solidFill>
-          <a:ln>
-            <a:noFill/>
-          </a:ln>
-        </p:spPr>
-        <p:style>
-          <a:lnRef idx="2">
-            <a:schemeClr val="accent1">
-              <a:shade val="15000"/>
-            </a:schemeClr>
-          </a:lnRef>
-          <a:fillRef idx="1">
-            <a:schemeClr val="accent1"/>
-          </a:fillRef>
-          <a:effectRef idx="0">
-            <a:schemeClr val="accent1"/>
-          </a:effectRef>
-          <a:fontRef idx="minor">
-            <a:schemeClr val="lt1"/>
-          </a:fontRef>
-        </p:style>
-        <p:txBody>
-          <a:bodyPr rtlCol="0" anchor="ctr"/>
-          <a:lstStyle/>
-          <a:p>
-            <a:pPr algn="ctr"/>
-            <a:r>
-              <a:rPr lang="en-US" sz="6000" b="1" dirty="0"/>
-              <a:t>Our Approach</a:t>
-            </a:r>
-            <a:endParaRPr lang="en-US" sz="1500" b="1" dirty="0"/>
-          </a:p>
-          <a:p>
-            <a:pPr algn="ctr"/>
-            <a:endParaRPr lang="en-US" sz="1000" b="1" dirty="0"/>
-          </a:p>
-        </p:txBody>
-      </p:sp>
-      <p:sp>
-        <p:nvSpPr>
-          <p:cNvPr id="28" name="Rectangle: Rounded Corners 27">
-            <a:extLst>
-              <a:ext uri="{FF2B5EF4-FFF2-40B4-BE49-F238E27FC236}">
-                <a16:creationId xmlns:a16="http://schemas.microsoft.com/office/drawing/2014/main" id="{C38C3210-3065-4547-557C-000860DEE5D3}"/>
-              </a:ext>
-            </a:extLst>
-          </p:cNvPr>
-          <p:cNvSpPr/>
-          <p:nvPr/>
-        </p:nvSpPr>
-        <p:spPr>
-          <a:xfrm>
-            <a:off x="668635" y="30272618"/>
-            <a:ext cx="17693865" cy="1430255"/>
-          </a:xfrm>
-          <a:prstGeom prst="roundRect">
-            <a:avLst>
-              <a:gd name="adj" fmla="val 0"/>
-            </a:avLst>
-          </a:prstGeom>
-          <a:solidFill>
-            <a:srgbClr val="136F63"/>
-          </a:solidFill>
-          <a:ln>
-            <a:noFill/>
-          </a:ln>
-        </p:spPr>
-        <p:style>
-          <a:lnRef idx="2">
-            <a:schemeClr val="accent1">
-              <a:shade val="15000"/>
-            </a:schemeClr>
-          </a:lnRef>
-          <a:fillRef idx="1">
-            <a:schemeClr val="accent1"/>
-          </a:fillRef>
-          <a:effectRef idx="0">
-            <a:schemeClr val="accent1"/>
-          </a:effectRef>
-          <a:fontRef idx="minor">
-            <a:schemeClr val="lt1"/>
-          </a:fontRef>
-        </p:style>
-        <p:txBody>
-          <a:bodyPr rtlCol="0" anchor="ctr"/>
-          <a:lstStyle/>
-          <a:p>
-            <a:pPr algn="ctr"/>
-            <a:r>
-              <a:rPr lang="en-US" sz="6000" b="1" dirty="0"/>
-              <a:t>Discussion</a:t>
-            </a:r>
-            <a:endParaRPr lang="en-US" sz="1500" b="1" dirty="0"/>
-          </a:p>
-          <a:p>
-            <a:pPr algn="ctr"/>
-            <a:endParaRPr lang="en-US" sz="1000" b="1" dirty="0"/>
-          </a:p>
-        </p:txBody>
-      </p:sp>
-      <p:sp>
-        <p:nvSpPr>
-          <p:cNvPr id="29" name="Rectangle: Rounded Corners 28">
-            <a:extLst>
-              <a:ext uri="{FF2B5EF4-FFF2-40B4-BE49-F238E27FC236}">
-                <a16:creationId xmlns:a16="http://schemas.microsoft.com/office/drawing/2014/main" id="{2C9BD048-C70B-C901-0263-7DA78C20B957}"/>
-              </a:ext>
-            </a:extLst>
-          </p:cNvPr>
-          <p:cNvSpPr/>
-          <p:nvPr/>
-        </p:nvSpPr>
-        <p:spPr>
-          <a:xfrm>
-            <a:off x="18866415" y="30277306"/>
-            <a:ext cx="10740163" cy="1430255"/>
-          </a:xfrm>
-          <a:prstGeom prst="roundRect">
-            <a:avLst>
-              <a:gd name="adj" fmla="val 0"/>
-            </a:avLst>
-          </a:prstGeom>
-          <a:solidFill>
-            <a:srgbClr val="120D31"/>
-          </a:solidFill>
-          <a:ln>
-            <a:noFill/>
-          </a:ln>
-        </p:spPr>
-        <p:style>
-          <a:lnRef idx="2">
-            <a:schemeClr val="accent1">
-              <a:shade val="15000"/>
-            </a:schemeClr>
-          </a:lnRef>
-          <a:fillRef idx="1">
-            <a:schemeClr val="accent1"/>
-          </a:fillRef>
-          <a:effectRef idx="0">
-            <a:schemeClr val="accent1"/>
-          </a:effectRef>
-          <a:fontRef idx="minor">
-            <a:schemeClr val="lt1"/>
-          </a:fontRef>
-        </p:style>
-        <p:txBody>
-          <a:bodyPr rtlCol="0" anchor="ctr"/>
-          <a:lstStyle/>
-          <a:p>
-            <a:pPr algn="ctr"/>
-            <a:r>
-              <a:rPr lang="en-US" sz="6000" b="1" dirty="0"/>
-              <a:t>Our Achievements</a:t>
-            </a:r>
-            <a:endParaRPr lang="en-US" sz="1000" b="1" dirty="0"/>
-          </a:p>
-        </p:txBody>
-      </p:sp>
-      <p:sp>
-        <p:nvSpPr>
-          <p:cNvPr id="30" name="Rectangle: Rounded Corners 29">
-            <a:extLst>
-              <a:ext uri="{FF2B5EF4-FFF2-40B4-BE49-F238E27FC236}">
-                <a16:creationId xmlns:a16="http://schemas.microsoft.com/office/drawing/2014/main" id="{B2645000-4D98-08A1-4746-E16BACC96D92}"/>
-              </a:ext>
-            </a:extLst>
-          </p:cNvPr>
-          <p:cNvSpPr/>
-          <p:nvPr/>
-        </p:nvSpPr>
-        <p:spPr>
-          <a:xfrm>
-            <a:off x="18942580" y="37000778"/>
-            <a:ext cx="10740163" cy="1430255"/>
-          </a:xfrm>
-          <a:prstGeom prst="roundRect">
-            <a:avLst>
-              <a:gd name="adj" fmla="val 0"/>
-            </a:avLst>
-          </a:prstGeom>
-          <a:solidFill>
-            <a:srgbClr val="302F4D"/>
-          </a:solidFill>
-          <a:ln>
-            <a:noFill/>
-          </a:ln>
-        </p:spPr>
-        <p:style>
-          <a:lnRef idx="2">
-            <a:schemeClr val="accent1">
-              <a:shade val="15000"/>
-            </a:schemeClr>
-          </a:lnRef>
-          <a:fillRef idx="1">
-            <a:schemeClr val="accent1"/>
-          </a:fillRef>
-          <a:effectRef idx="0">
-            <a:schemeClr val="accent1"/>
-          </a:effectRef>
-          <a:fontRef idx="minor">
-            <a:schemeClr val="lt1"/>
-          </a:fontRef>
-        </p:style>
-        <p:txBody>
-          <a:bodyPr rtlCol="0" anchor="ctr"/>
-          <a:lstStyle/>
-          <a:p>
-            <a:pPr algn="ctr"/>
-            <a:r>
-              <a:rPr lang="en-US" sz="6000" b="1" dirty="0"/>
-              <a:t>References</a:t>
-            </a:r>
-            <a:endParaRPr lang="en-US" sz="1000" b="1" dirty="0"/>
-          </a:p>
-        </p:txBody>
-      </p:sp>
-      <p:sp>
-        <p:nvSpPr>
-          <p:cNvPr id="2" name="Rectangle 1">
-            <a:extLst>
-              <a:ext uri="{FF2B5EF4-FFF2-40B4-BE49-F238E27FC236}">
-                <a16:creationId xmlns:a16="http://schemas.microsoft.com/office/drawing/2014/main" id="{C263CBAF-29FC-225A-17D4-586D46BCBFDD}"/>
-              </a:ext>
-            </a:extLst>
-          </p:cNvPr>
-          <p:cNvSpPr/>
-          <p:nvPr/>
-        </p:nvSpPr>
-        <p:spPr>
-          <a:xfrm>
-            <a:off x="-2" y="41835104"/>
-            <a:ext cx="30275213" cy="1017568"/>
-          </a:xfrm>
-          <a:prstGeom prst="rect">
-            <a:avLst/>
-          </a:prstGeom>
-          <a:solidFill>
-            <a:schemeClr val="bg1"/>
-          </a:solidFill>
-          <a:ln>
-            <a:noFill/>
-          </a:ln>
-        </p:spPr>
-        <p:style>
-          <a:lnRef idx="2">
-            <a:schemeClr val="accent1">
-              <a:shade val="15000"/>
-            </a:schemeClr>
-          </a:lnRef>
-          <a:fillRef idx="1">
-            <a:schemeClr val="accent1"/>
-          </a:fillRef>
-          <a:effectRef idx="0">
-            <a:schemeClr val="accent1"/>
-          </a:effectRef>
-          <a:fontRef idx="minor">
-            <a:schemeClr val="lt1"/>
-          </a:fontRef>
-        </p:style>
-        <p:txBody>
-          <a:bodyPr rtlCol="0" anchor="ctr"/>
-          <a:lstStyle/>
-          <a:p>
-            <a:pPr algn="ctr"/>
-            <a:endParaRPr lang="de-DE"/>
-          </a:p>
-        </p:txBody>
-      </p:sp>
-      <p:sp>
-        <p:nvSpPr>
-          <p:cNvPr id="15" name="Rectangle 14">
-            <a:extLst>
-              <a:ext uri="{FF2B5EF4-FFF2-40B4-BE49-F238E27FC236}">
-                <a16:creationId xmlns:a16="http://schemas.microsoft.com/office/drawing/2014/main" id="{6002A07D-31C6-C72C-7BD3-27FBD1DB3313}"/>
-              </a:ext>
-            </a:extLst>
-          </p:cNvPr>
-          <p:cNvSpPr/>
-          <p:nvPr/>
-        </p:nvSpPr>
-        <p:spPr>
-          <a:xfrm>
-            <a:off x="-1" y="0"/>
-            <a:ext cx="30275213" cy="5437746"/>
-          </a:xfrm>
-          <a:prstGeom prst="rect">
-            <a:avLst/>
-          </a:prstGeom>
-          <a:solidFill>
-            <a:schemeClr val="bg1"/>
-          </a:solidFill>
-          <a:ln>
-            <a:noFill/>
-          </a:ln>
-        </p:spPr>
-        <p:style>
-          <a:lnRef idx="2">
-            <a:schemeClr val="accent1">
-              <a:shade val="15000"/>
-            </a:schemeClr>
-          </a:lnRef>
-          <a:fillRef idx="1">
-            <a:schemeClr val="accent1"/>
-          </a:fillRef>
-          <a:effectRef idx="0">
-            <a:schemeClr val="accent1"/>
-          </a:effectRef>
-          <a:fontRef idx="minor">
-            <a:schemeClr val="lt1"/>
-          </a:fontRef>
-        </p:style>
-        <p:txBody>
-          <a:bodyPr rtlCol="0" anchor="ctr"/>
-          <a:lstStyle/>
-          <a:p>
-            <a:pPr algn="ctr"/>
-            <a:endParaRPr lang="de-DE"/>
-          </a:p>
-        </p:txBody>
-      </p:sp>
-      <p:pic>
-        <p:nvPicPr>
-          <p:cNvPr id="21" name="Picture 20">
-            <a:extLst>
-              <a:ext uri="{FF2B5EF4-FFF2-40B4-BE49-F238E27FC236}">
-                <a16:creationId xmlns:a16="http://schemas.microsoft.com/office/drawing/2014/main" id="{BA0E3070-118E-C40C-3836-FFB78A51EB34}"/>
-              </a:ext>
-            </a:extLst>
-          </p:cNvPr>
-          <p:cNvPicPr>
-            <a:picLocks noChangeAspect="1"/>
-          </p:cNvPicPr>
-          <p:nvPr/>
-        </p:nvPicPr>
-        <p:blipFill>
-          <a:blip r:embed="rId2"/>
-          <a:stretch>
-            <a:fillRect/>
-          </a:stretch>
-        </p:blipFill>
-        <p:spPr>
-          <a:xfrm>
-            <a:off x="99683" y="23020"/>
-            <a:ext cx="9050209" cy="5088730"/>
-          </a:xfrm>
-          <a:prstGeom prst="rect">
-            <a:avLst/>
-          </a:prstGeom>
-        </p:spPr>
-      </p:pic>
-      <p:pic>
-        <p:nvPicPr>
-          <p:cNvPr id="22" name="Picture 21">
-            <a:extLst>
-              <a:ext uri="{FF2B5EF4-FFF2-40B4-BE49-F238E27FC236}">
-                <a16:creationId xmlns:a16="http://schemas.microsoft.com/office/drawing/2014/main" id="{720B5849-F185-3303-479D-44FA5F6FCC6C}"/>
-              </a:ext>
-            </a:extLst>
-          </p:cNvPr>
-          <p:cNvPicPr>
-            <a:picLocks noChangeAspect="1"/>
-          </p:cNvPicPr>
-          <p:nvPr/>
-        </p:nvPicPr>
-        <p:blipFill>
-          <a:blip r:embed="rId3"/>
-          <a:stretch>
-            <a:fillRect/>
-          </a:stretch>
-        </p:blipFill>
-        <p:spPr>
-          <a:xfrm>
-            <a:off x="23489343" y="704131"/>
-            <a:ext cx="6328620" cy="3559849"/>
-          </a:xfrm>
-          <a:prstGeom prst="rect">
-            <a:avLst/>
-          </a:prstGeom>
-        </p:spPr>
-      </p:pic>
-      <p:sp>
-        <p:nvSpPr>
-          <p:cNvPr id="23" name="Titel 1">
-            <a:extLst>
-              <a:ext uri="{FF2B5EF4-FFF2-40B4-BE49-F238E27FC236}">
-                <a16:creationId xmlns:a16="http://schemas.microsoft.com/office/drawing/2014/main" id="{F1B38528-395C-CC36-4E86-226ED1A9A77C}"/>
-              </a:ext>
-            </a:extLst>
-          </p:cNvPr>
-          <p:cNvSpPr txBox="1">
-            <a:spLocks/>
-          </p:cNvSpPr>
-          <p:nvPr/>
-        </p:nvSpPr>
-        <p:spPr>
-          <a:xfrm>
-            <a:off x="9482040" y="1726880"/>
-            <a:ext cx="12820650" cy="1836887"/>
-          </a:xfrm>
-          <a:prstGeom prst="rect">
-            <a:avLst/>
-          </a:prstGeom>
-        </p:spPr>
-        <p:txBody>
-          <a:bodyPr vert="horz" lIns="91440" tIns="45720" rIns="91440" bIns="45720" rtlCol="0" anchor="b">
-            <a:noAutofit/>
-          </a:bodyPr>
-          <a:lstStyle>
-            <a:lvl1pPr algn="ctr" defTabSz="3027487" rtl="0" eaLnBrk="1" latinLnBrk="0" hangingPunct="1">
-              <a:lnSpc>
-                <a:spcPct val="90000"/>
-              </a:lnSpc>
-              <a:spcBef>
-                <a:spcPct val="0"/>
-              </a:spcBef>
-              <a:buNone/>
-              <a:defRPr sz="19865" kern="1200">
-                <a:solidFill>
-                  <a:schemeClr val="tx1"/>
-                </a:solidFill>
-                <a:latin typeface="+mj-lt"/>
-                <a:ea typeface="+mj-ea"/>
-                <a:cs typeface="+mj-cs"/>
-              </a:defRPr>
-            </a:lvl1pPr>
-          </a:lstStyle>
-          <a:p>
-            <a:r>
-              <a:rPr lang="de-DE" sz="7000" b="1"/>
-              <a:t>Hidden Alliances: RNA-Dependent Protein Interactions in Cancer Cells</a:t>
-            </a:r>
-            <a:endParaRPr lang="en-US" sz="7000" b="1" dirty="0"/>
-          </a:p>
-        </p:txBody>
-      </p:sp>
-      <p:sp>
-        <p:nvSpPr>
-          <p:cNvPr id="31" name="Titel 1">
-            <a:extLst>
-              <a:ext uri="{FF2B5EF4-FFF2-40B4-BE49-F238E27FC236}">
-                <a16:creationId xmlns:a16="http://schemas.microsoft.com/office/drawing/2014/main" id="{7C3C7D43-CA32-EBFD-6367-2A4068033862}"/>
-              </a:ext>
-            </a:extLst>
-          </p:cNvPr>
-          <p:cNvSpPr txBox="1">
-            <a:spLocks/>
-          </p:cNvSpPr>
-          <p:nvPr/>
-        </p:nvSpPr>
-        <p:spPr>
-          <a:xfrm>
-            <a:off x="8627535" y="3159684"/>
-            <a:ext cx="13675155" cy="1323687"/>
-          </a:xfrm>
-          <a:prstGeom prst="rect">
-            <a:avLst/>
-          </a:prstGeom>
-        </p:spPr>
-        <p:txBody>
-          <a:bodyPr vert="horz" lIns="45681" tIns="22840" rIns="45681" bIns="22840" rtlCol="0" anchor="b">
-            <a:noAutofit/>
-          </a:bodyPr>
-          <a:lstStyle>
-            <a:lvl1pPr algn="ctr" defTabSz="3027487" rtl="0" eaLnBrk="1" latinLnBrk="0" hangingPunct="1">
-              <a:lnSpc>
-                <a:spcPct val="90000"/>
-              </a:lnSpc>
-              <a:spcBef>
-                <a:spcPct val="0"/>
-              </a:spcBef>
-              <a:buNone/>
-              <a:defRPr sz="19865" kern="1200">
-                <a:solidFill>
-                  <a:schemeClr val="tx1"/>
-                </a:solidFill>
-                <a:latin typeface="+mj-lt"/>
-                <a:ea typeface="+mj-ea"/>
-                <a:cs typeface="+mj-cs"/>
-              </a:defRPr>
-            </a:lvl1pPr>
-          </a:lstStyle>
-          <a:p>
-            <a:r>
-              <a:rPr lang="de-DE" sz="2800" dirty="0"/>
-              <a:t>Julian </a:t>
-            </a:r>
-            <a:r>
-              <a:rPr lang="de-DE" sz="2800" dirty="0" err="1"/>
-              <a:t>Baureis</a:t>
-            </a:r>
-            <a:r>
-              <a:rPr lang="de-DE" sz="2800" dirty="0"/>
-              <a:t>, Julia Ferdin, Benjamin Nicklas, Luisa </a:t>
-            </a:r>
-            <a:r>
-              <a:rPr lang="de-DE" sz="2800" dirty="0" err="1"/>
-              <a:t>Wintel</a:t>
-            </a:r>
-            <a:endParaRPr lang="de-DE" sz="2800" dirty="0"/>
-          </a:p>
-          <a:p>
-            <a:r>
-              <a:rPr lang="de-DE" sz="2800" dirty="0"/>
-              <a:t>Data Analysis Project </a:t>
-            </a:r>
-            <a:r>
-              <a:rPr lang="de-DE" sz="2800" dirty="0" err="1"/>
-              <a:t>Molecular</a:t>
-            </a:r>
-            <a:r>
-              <a:rPr lang="de-DE" sz="2800" dirty="0"/>
-              <a:t> Biotechnology SS2025</a:t>
-            </a:r>
-          </a:p>
-        </p:txBody>
-      </p:sp>
-    </p:spTree>
-    <p:extLst>
-      <p:ext uri="{BB962C8B-B14F-4D97-AF65-F5344CB8AC3E}">
-        <p14:creationId xmlns:p14="http://schemas.microsoft.com/office/powerpoint/2010/main" val="2070410323"/>
       </p:ext>
     </p:extLst>
   </p:cSld>

--- a/Posterideen.pptx
+++ b/Posterideen.pptx
@@ -220,7 +220,7 @@
           <a:p>
             <a:fld id="{5F8594D4-18BB-4855-8505-8E8127EC2D87}" type="datetimeFigureOut">
               <a:rPr lang="de-DE" smtClean="0"/>
-              <a:t>03.07.2025</a:t>
+              <a:t>05.07.2025</a:t>
             </a:fld>
             <a:endParaRPr lang="de-DE"/>
           </a:p>
@@ -619,7 +619,7 @@
           <a:p>
             <a:fld id="{61D7E66B-7281-C246-884E-91E9A1EB29D8}" type="datetimeFigureOut">
               <a:rPr lang="en-US" smtClean="0"/>
-              <a:t>7/3/2025</a:t>
+              <a:t>7/5/2025</a:t>
             </a:fld>
             <a:endParaRPr lang="en-US"/>
           </a:p>
@@ -789,7 +789,7 @@
           <a:p>
             <a:fld id="{61D7E66B-7281-C246-884E-91E9A1EB29D8}" type="datetimeFigureOut">
               <a:rPr lang="en-US" smtClean="0"/>
-              <a:t>7/3/2025</a:t>
+              <a:t>7/5/2025</a:t>
             </a:fld>
             <a:endParaRPr lang="en-US"/>
           </a:p>
@@ -969,7 +969,7 @@
           <a:p>
             <a:fld id="{61D7E66B-7281-C246-884E-91E9A1EB29D8}" type="datetimeFigureOut">
               <a:rPr lang="en-US" smtClean="0"/>
-              <a:t>7/3/2025</a:t>
+              <a:t>7/5/2025</a:t>
             </a:fld>
             <a:endParaRPr lang="en-US"/>
           </a:p>
@@ -1139,7 +1139,7 @@
           <a:p>
             <a:fld id="{61D7E66B-7281-C246-884E-91E9A1EB29D8}" type="datetimeFigureOut">
               <a:rPr lang="en-US" smtClean="0"/>
-              <a:t>7/3/2025</a:t>
+              <a:t>7/5/2025</a:t>
             </a:fld>
             <a:endParaRPr lang="en-US"/>
           </a:p>
@@ -1383,7 +1383,7 @@
           <a:p>
             <a:fld id="{61D7E66B-7281-C246-884E-91E9A1EB29D8}" type="datetimeFigureOut">
               <a:rPr lang="en-US" smtClean="0"/>
-              <a:t>7/3/2025</a:t>
+              <a:t>7/5/2025</a:t>
             </a:fld>
             <a:endParaRPr lang="en-US"/>
           </a:p>
@@ -1615,7 +1615,7 @@
           <a:p>
             <a:fld id="{61D7E66B-7281-C246-884E-91E9A1EB29D8}" type="datetimeFigureOut">
               <a:rPr lang="en-US" smtClean="0"/>
-              <a:t>7/3/2025</a:t>
+              <a:t>7/5/2025</a:t>
             </a:fld>
             <a:endParaRPr lang="en-US"/>
           </a:p>
@@ -1982,7 +1982,7 @@
           <a:p>
             <a:fld id="{61D7E66B-7281-C246-884E-91E9A1EB29D8}" type="datetimeFigureOut">
               <a:rPr lang="en-US" smtClean="0"/>
-              <a:t>7/3/2025</a:t>
+              <a:t>7/5/2025</a:t>
             </a:fld>
             <a:endParaRPr lang="en-US"/>
           </a:p>
@@ -2100,7 +2100,7 @@
           <a:p>
             <a:fld id="{61D7E66B-7281-C246-884E-91E9A1EB29D8}" type="datetimeFigureOut">
               <a:rPr lang="en-US" smtClean="0"/>
-              <a:t>7/3/2025</a:t>
+              <a:t>7/5/2025</a:t>
             </a:fld>
             <a:endParaRPr lang="en-US"/>
           </a:p>
@@ -2195,7 +2195,7 @@
           <a:p>
             <a:fld id="{61D7E66B-7281-C246-884E-91E9A1EB29D8}" type="datetimeFigureOut">
               <a:rPr lang="en-US" smtClean="0"/>
-              <a:t>7/3/2025</a:t>
+              <a:t>7/5/2025</a:t>
             </a:fld>
             <a:endParaRPr lang="en-US"/>
           </a:p>
@@ -2472,7 +2472,7 @@
           <a:p>
             <a:fld id="{61D7E66B-7281-C246-884E-91E9A1EB29D8}" type="datetimeFigureOut">
               <a:rPr lang="en-US" smtClean="0"/>
-              <a:t>7/3/2025</a:t>
+              <a:t>7/5/2025</a:t>
             </a:fld>
             <a:endParaRPr lang="en-US"/>
           </a:p>
@@ -2729,7 +2729,7 @@
           <a:p>
             <a:fld id="{61D7E66B-7281-C246-884E-91E9A1EB29D8}" type="datetimeFigureOut">
               <a:rPr lang="en-US" smtClean="0"/>
-              <a:t>7/3/2025</a:t>
+              <a:t>7/5/2025</a:t>
             </a:fld>
             <a:endParaRPr lang="en-US"/>
           </a:p>
@@ -2942,7 +2942,7 @@
           <a:p>
             <a:fld id="{61D7E66B-7281-C246-884E-91E9A1EB29D8}" type="datetimeFigureOut">
               <a:rPr lang="en-US" smtClean="0"/>
-              <a:t>7/3/2025</a:t>
+              <a:t>7/5/2025</a:t>
             </a:fld>
             <a:endParaRPr lang="en-US"/>
           </a:p>
